--- a/プレゼン/enpit.pptx
+++ b/プレゼン/enpit.pptx
@@ -5,10 +5,10 @@
     <p:sldMasterId id="2147483780" r:id="rId1"/>
   </p:sldMasterIdLst>
   <p:notesMasterIdLst>
-    <p:notesMasterId r:id="rId18"/>
+    <p:notesMasterId r:id="rId33"/>
   </p:notesMasterIdLst>
   <p:handoutMasterIdLst>
-    <p:handoutMasterId r:id="rId19"/>
+    <p:handoutMasterId r:id="rId34"/>
   </p:handoutMasterIdLst>
   <p:sldIdLst>
     <p:sldId id="256" r:id="rId2"/>
@@ -16,17 +16,32 @@
     <p:sldId id="296" r:id="rId4"/>
     <p:sldId id="297" r:id="rId5"/>
     <p:sldId id="295" r:id="rId6"/>
-    <p:sldId id="282" r:id="rId7"/>
-    <p:sldId id="290" r:id="rId8"/>
+    <p:sldId id="294" r:id="rId7"/>
+    <p:sldId id="303" r:id="rId8"/>
     <p:sldId id="276" r:id="rId9"/>
     <p:sldId id="287" r:id="rId10"/>
     <p:sldId id="288" r:id="rId11"/>
     <p:sldId id="289" r:id="rId12"/>
-    <p:sldId id="292" r:id="rId13"/>
-    <p:sldId id="294" r:id="rId14"/>
-    <p:sldId id="298" r:id="rId15"/>
-    <p:sldId id="293" r:id="rId16"/>
-    <p:sldId id="299" r:id="rId17"/>
+    <p:sldId id="300" r:id="rId13"/>
+    <p:sldId id="306" r:id="rId14"/>
+    <p:sldId id="309" r:id="rId15"/>
+    <p:sldId id="310" r:id="rId16"/>
+    <p:sldId id="311" r:id="rId17"/>
+    <p:sldId id="313" r:id="rId18"/>
+    <p:sldId id="307" r:id="rId19"/>
+    <p:sldId id="314" r:id="rId20"/>
+    <p:sldId id="315" r:id="rId21"/>
+    <p:sldId id="316" r:id="rId22"/>
+    <p:sldId id="304" r:id="rId23"/>
+    <p:sldId id="305" r:id="rId24"/>
+    <p:sldId id="293" r:id="rId25"/>
+    <p:sldId id="298" r:id="rId26"/>
+    <p:sldId id="317" r:id="rId27"/>
+    <p:sldId id="302" r:id="rId28"/>
+    <p:sldId id="299" r:id="rId29"/>
+    <p:sldId id="290" r:id="rId30"/>
+    <p:sldId id="292" r:id="rId31"/>
+    <p:sldId id="308" r:id="rId32"/>
   </p:sldIdLst>
   <p:sldSz cx="12192000" cy="6858000"/>
   <p:notesSz cx="6735763" cy="9866313"/>
@@ -2599,8 +2614,8 @@
     <dgm:cxn modelId="{40BC3357-A841-4B9B-B325-A92E37BBFD3B}" srcId="{349742D3-7C15-491C-A57C-071288FAF507}" destId="{40EC2FF7-8D30-4684-953B-5353D24AB252}" srcOrd="0" destOrd="0" parTransId="{A4ED52B3-943A-488A-B2F6-3665F1D4E576}" sibTransId="{720574FE-FEEC-45A9-A8EE-7AE9B5FDAF42}"/>
     <dgm:cxn modelId="{97A77961-72AF-4F76-AD87-9F284B289B3B}" type="presOf" srcId="{5A019D51-3EA6-4D11-9444-117D13C5EDBC}" destId="{8AFC59EB-5A41-405E-98C3-9C66242C4364}" srcOrd="0" destOrd="1" presId="urn:microsoft.com/office/officeart/2005/8/layout/hList1"/>
     <dgm:cxn modelId="{EFF1F356-9D26-4820-BCCA-A4CCEC493A17}" type="presOf" srcId="{349742D3-7C15-491C-A57C-071288FAF507}" destId="{D27424EB-6B88-461E-A9C7-2108888B795A}" srcOrd="0" destOrd="0" presId="urn:microsoft.com/office/officeart/2005/8/layout/hList1"/>
+    <dgm:cxn modelId="{8FFC1905-B6DF-4E44-A2ED-BC40E31D7C19}" srcId="{40EC2FF7-8D30-4684-953B-5353D24AB252}" destId="{03B3FD47-D917-4C51-904C-FA98E07B6FCE}" srcOrd="0" destOrd="0" parTransId="{230568E9-E294-4B18-89CE-CEB6618B0A7A}" sibTransId="{3C887774-3FD4-4F88-B32F-94F233C077A7}"/>
     <dgm:cxn modelId="{8C5C15F6-89C2-4320-ADEC-DD69DE84D1DD}" type="presOf" srcId="{03B3FD47-D917-4C51-904C-FA98E07B6FCE}" destId="{8AFC59EB-5A41-405E-98C3-9C66242C4364}" srcOrd="0" destOrd="0" presId="urn:microsoft.com/office/officeart/2005/8/layout/hList1"/>
-    <dgm:cxn modelId="{8FFC1905-B6DF-4E44-A2ED-BC40E31D7C19}" srcId="{40EC2FF7-8D30-4684-953B-5353D24AB252}" destId="{03B3FD47-D917-4C51-904C-FA98E07B6FCE}" srcOrd="0" destOrd="0" parTransId="{230568E9-E294-4B18-89CE-CEB6618B0A7A}" sibTransId="{3C887774-3FD4-4F88-B32F-94F233C077A7}"/>
     <dgm:cxn modelId="{E0422ED5-4B6B-496D-AB76-6BE594DEEDA9}" type="presOf" srcId="{40EC2FF7-8D30-4684-953B-5353D24AB252}" destId="{79295A45-6E0B-4BAD-942D-1396CF9D22D9}" srcOrd="0" destOrd="0" presId="urn:microsoft.com/office/officeart/2005/8/layout/hList1"/>
     <dgm:cxn modelId="{A28B4C0E-BE28-4172-AF96-B85809B143B9}" type="presOf" srcId="{9973FC79-DD54-4CEC-A5D2-348342277555}" destId="{8AFC59EB-5A41-405E-98C3-9C66242C4364}" srcOrd="0" destOrd="2" presId="urn:microsoft.com/office/officeart/2005/8/layout/hList1"/>
     <dgm:cxn modelId="{FBE5BB6B-B79A-4621-98C7-1A42938AE6EF}" srcId="{40EC2FF7-8D30-4684-953B-5353D24AB252}" destId="{9973FC79-DD54-4CEC-A5D2-348342277555}" srcOrd="2" destOrd="0" parTransId="{C17F99B8-F597-4923-A469-F4687A53E1AF}" sibTransId="{B24DA0E9-2C77-4293-B539-59107D5F5F63}"/>
@@ -2814,8 +2829,8 @@
     <dgm:cxn modelId="{EFF1F356-9D26-4820-BCCA-A4CCEC493A17}" type="presOf" srcId="{349742D3-7C15-491C-A57C-071288FAF507}" destId="{D27424EB-6B88-461E-A9C7-2108888B795A}" srcOrd="0" destOrd="0" presId="urn:microsoft.com/office/officeart/2005/8/layout/hList1"/>
     <dgm:cxn modelId="{40BC3357-A841-4B9B-B325-A92E37BBFD3B}" srcId="{349742D3-7C15-491C-A57C-071288FAF507}" destId="{40EC2FF7-8D30-4684-953B-5353D24AB252}" srcOrd="0" destOrd="0" parTransId="{A4ED52B3-943A-488A-B2F6-3665F1D4E576}" sibTransId="{720574FE-FEEC-45A9-A8EE-7AE9B5FDAF42}"/>
     <dgm:cxn modelId="{63DBC492-9DCD-4CA7-80E1-7CF4288F081E}" srcId="{40EC2FF7-8D30-4684-953B-5353D24AB252}" destId="{872580C2-359C-43A1-9FB0-CBF4785AB609}" srcOrd="1" destOrd="0" parTransId="{0701FE14-63C4-4D14-9EBB-DB7F74FB9A0E}" sibTransId="{0F590DF7-E1EF-40B4-9EC8-1333D2E338CD}"/>
+    <dgm:cxn modelId="{E0422ED5-4B6B-496D-AB76-6BE594DEEDA9}" type="presOf" srcId="{40EC2FF7-8D30-4684-953B-5353D24AB252}" destId="{79295A45-6E0B-4BAD-942D-1396CF9D22D9}" srcOrd="0" destOrd="0" presId="urn:microsoft.com/office/officeart/2005/8/layout/hList1"/>
     <dgm:cxn modelId="{4A486BAA-3325-4144-8309-7551BB0E06E3}" srcId="{40EC2FF7-8D30-4684-953B-5353D24AB252}" destId="{8F26C5F0-2360-4495-AD88-828AB9083AEE}" srcOrd="0" destOrd="0" parTransId="{F70F4D4E-B98B-4F8F-8565-2CA18B62FBDE}" sibTransId="{AF96E54A-0473-4B3D-A225-876883A67457}"/>
-    <dgm:cxn modelId="{E0422ED5-4B6B-496D-AB76-6BE594DEEDA9}" type="presOf" srcId="{40EC2FF7-8D30-4684-953B-5353D24AB252}" destId="{79295A45-6E0B-4BAD-942D-1396CF9D22D9}" srcOrd="0" destOrd="0" presId="urn:microsoft.com/office/officeart/2005/8/layout/hList1"/>
     <dgm:cxn modelId="{36CD8503-9198-47D6-8C6B-0F601A436603}" type="presOf" srcId="{872580C2-359C-43A1-9FB0-CBF4785AB609}" destId="{8AFC59EB-5A41-405E-98C3-9C66242C4364}" srcOrd="0" destOrd="1" presId="urn:microsoft.com/office/officeart/2005/8/layout/hList1"/>
     <dgm:cxn modelId="{0AC59C0B-505E-47E8-BE51-99D4E02D0167}" type="presParOf" srcId="{D27424EB-6B88-461E-A9C7-2108888B795A}" destId="{BF87E8A3-CC51-48B4-AE3F-B5CCC7ADCAFB}" srcOrd="0" destOrd="0" presId="urn:microsoft.com/office/officeart/2005/8/layout/hList1"/>
     <dgm:cxn modelId="{3D153B76-7A00-4B19-9F24-50CCB075610B}" type="presParOf" srcId="{BF87E8A3-CC51-48B4-AE3F-B5CCC7ADCAFB}" destId="{79295A45-6E0B-4BAD-942D-1396CF9D22D9}" srcOrd="0" destOrd="0" presId="urn:microsoft.com/office/officeart/2005/8/layout/hList1"/>
@@ -2994,12 +3009,16 @@
       </dgm:t>
     </dgm:pt>
     <dgm:pt modelId="{7BA107B0-E989-4D17-853A-79E311EE1F46}">
-      <dgm:prSet phldrT="[テキスト]" phldr="1"/>
+      <dgm:prSet phldrT="[テキスト]"/>
       <dgm:spPr/>
       <dgm:t>
         <a:bodyPr/>
         <a:lstStyle/>
         <a:p>
+          <a:r>
+            <a:rPr kumimoji="1" lang="ja-JP" altLang="en-US" smtClean="0"/>
+            <a:t>保守が難しい</a:t>
+          </a:r>
           <a:endParaRPr kumimoji="1" lang="ja-JP" altLang="en-US"/>
         </a:p>
       </dgm:t>
@@ -3027,12 +3046,16 @@
       </dgm:t>
     </dgm:pt>
     <dgm:pt modelId="{56787CDC-9A81-49F5-937B-EC45433AB149}">
-      <dgm:prSet phldrT="[テキスト]" phldr="1"/>
+      <dgm:prSet phldrT="[テキスト]"/>
       <dgm:spPr/>
       <dgm:t>
         <a:bodyPr/>
         <a:lstStyle/>
         <a:p>
+          <a:r>
+            <a:rPr kumimoji="1" lang="ja-JP" altLang="en-US" smtClean="0"/>
+            <a:t>商品の向きが限定される</a:t>
+          </a:r>
           <a:endParaRPr kumimoji="1" lang="ja-JP" altLang="en-US"/>
         </a:p>
       </dgm:t>
@@ -3097,12 +3120,16 @@
       </dgm:t>
     </dgm:pt>
     <dgm:pt modelId="{B6794460-E815-45FD-8F41-3C6DF7ECEA31}">
-      <dgm:prSet phldrT="[テキスト]" phldr="1"/>
+      <dgm:prSet phldrT="[テキスト]"/>
       <dgm:spPr/>
       <dgm:t>
         <a:bodyPr/>
         <a:lstStyle/>
         <a:p>
+          <a:r>
+            <a:rPr kumimoji="1" lang="ja-JP" altLang="en-US" smtClean="0"/>
+            <a:t>安定度を高める</a:t>
+          </a:r>
           <a:endParaRPr kumimoji="1" lang="ja-JP" altLang="en-US"/>
         </a:p>
       </dgm:t>
@@ -3130,7 +3157,7 @@
       </dgm:t>
     </dgm:pt>
     <dgm:pt modelId="{429FA377-C221-485C-A770-53FA815AA513}">
-      <dgm:prSet phldrT="[テキスト]" phldr="1"/>
+      <dgm:prSet phldrT="[テキスト]"/>
       <dgm:spPr/>
       <dgm:t>
         <a:bodyPr/>
@@ -3171,6 +3198,13 @@
         </dgm:presLayoutVars>
       </dgm:prSet>
       <dgm:spPr/>
+      <dgm:t>
+        <a:bodyPr/>
+        <a:lstStyle/>
+        <a:p>
+          <a:endParaRPr kumimoji="1" lang="ja-JP" altLang="en-US"/>
+        </a:p>
+      </dgm:t>
     </dgm:pt>
     <dgm:pt modelId="{7B1C823B-3FB5-491C-BCB9-59C20B5E79B9}" type="pres">
       <dgm:prSet presAssocID="{B810E428-B3FB-4612-BE40-707B9F98423B}" presName="composite" presStyleCnt="0"/>
@@ -3185,6 +3219,13 @@
         </dgm:presLayoutVars>
       </dgm:prSet>
       <dgm:spPr/>
+      <dgm:t>
+        <a:bodyPr/>
+        <a:lstStyle/>
+        <a:p>
+          <a:endParaRPr kumimoji="1" lang="ja-JP" altLang="en-US"/>
+        </a:p>
+      </dgm:t>
     </dgm:pt>
     <dgm:pt modelId="{78F7F389-BF77-4E32-ABE3-2F0C09F25B1D}" type="pres">
       <dgm:prSet presAssocID="{B810E428-B3FB-4612-BE40-707B9F98423B}" presName="desTx" presStyleLbl="alignAccFollowNode1" presStyleIdx="0" presStyleCnt="3">
@@ -3218,6 +3259,13 @@
         </dgm:presLayoutVars>
       </dgm:prSet>
       <dgm:spPr/>
+      <dgm:t>
+        <a:bodyPr/>
+        <a:lstStyle/>
+        <a:p>
+          <a:endParaRPr kumimoji="1" lang="ja-JP" altLang="en-US"/>
+        </a:p>
+      </dgm:t>
     </dgm:pt>
     <dgm:pt modelId="{6D233FD1-2776-4DB2-9DE0-7C4A7328BF23}" type="pres">
       <dgm:prSet presAssocID="{5471A3EF-9A15-4F0C-AEE8-444C115BCB7C}" presName="desTx" presStyleLbl="alignAccFollowNode1" presStyleIdx="1" presStyleCnt="3">
@@ -3226,6 +3274,13 @@
         </dgm:presLayoutVars>
       </dgm:prSet>
       <dgm:spPr/>
+      <dgm:t>
+        <a:bodyPr/>
+        <a:lstStyle/>
+        <a:p>
+          <a:endParaRPr kumimoji="1" lang="ja-JP" altLang="en-US"/>
+        </a:p>
+      </dgm:t>
     </dgm:pt>
     <dgm:pt modelId="{9E5A614F-5C8A-4DE1-94F7-67B0A0C3A7C0}" type="pres">
       <dgm:prSet presAssocID="{3992A040-F7E7-4D57-AE6D-B3B984349295}" presName="space" presStyleCnt="0"/>
@@ -3244,6 +3299,13 @@
         </dgm:presLayoutVars>
       </dgm:prSet>
       <dgm:spPr/>
+      <dgm:t>
+        <a:bodyPr/>
+        <a:lstStyle/>
+        <a:p>
+          <a:endParaRPr kumimoji="1" lang="ja-JP" altLang="en-US"/>
+        </a:p>
+      </dgm:t>
     </dgm:pt>
     <dgm:pt modelId="{9B84A7D4-344E-4C63-84DE-82DE2214B413}" type="pres">
       <dgm:prSet presAssocID="{EC2DC2C9-6A1A-41CC-AAF1-06D941C4D810}" presName="desTx" presStyleLbl="alignAccFollowNode1" presStyleIdx="2" presStyleCnt="3">
@@ -3252,6 +3314,13 @@
         </dgm:presLayoutVars>
       </dgm:prSet>
       <dgm:spPr/>
+      <dgm:t>
+        <a:bodyPr/>
+        <a:lstStyle/>
+        <a:p>
+          <a:endParaRPr kumimoji="1" lang="ja-JP" altLang="en-US"/>
+        </a:p>
+      </dgm:t>
     </dgm:pt>
   </dgm:ptLst>
   <dgm:cxnLst>
@@ -3722,8 +3791,8 @@
       </dsp:nvSpPr>
       <dsp:spPr>
         <a:xfrm>
-          <a:off x="3143" y="395131"/>
-          <a:ext cx="3064668" cy="1225867"/>
+          <a:off x="3143" y="284957"/>
+          <a:ext cx="3064668" cy="950400"/>
         </a:xfrm>
         <a:prstGeom prst="rect">
           <a:avLst/>
@@ -3764,12 +3833,12 @@
         </a:fontRef>
       </dsp:style>
       <dsp:txBody>
-        <a:bodyPr spcFirstLastPara="0" vert="horz" wrap="square" lIns="305816" tIns="174752" rIns="305816" bIns="174752" numCol="1" spcCol="1270" anchor="ctr" anchorCtr="0">
+        <a:bodyPr spcFirstLastPara="0" vert="horz" wrap="square" lIns="234696" tIns="134112" rIns="234696" bIns="134112" numCol="1" spcCol="1270" anchor="ctr" anchorCtr="0">
           <a:noAutofit/>
         </a:bodyPr>
         <a:lstStyle/>
         <a:p>
-          <a:pPr lvl="0" algn="ctr" defTabSz="1911350">
+          <a:pPr lvl="0" algn="ctr" defTabSz="1466850">
             <a:lnSpc>
               <a:spcPct val="90000"/>
             </a:lnSpc>
@@ -3781,15 +3850,15 @@
             </a:spcAft>
           </a:pPr>
           <a:r>
-            <a:rPr kumimoji="1" lang="ja-JP" altLang="en-US" sz="4300" kern="1200" smtClean="0"/>
+            <a:rPr kumimoji="1" lang="ja-JP" altLang="en-US" sz="3300" kern="1200" smtClean="0"/>
             <a:t>利点</a:t>
           </a:r>
-          <a:endParaRPr kumimoji="1" lang="ja-JP" altLang="en-US" sz="4300" kern="1200"/>
+          <a:endParaRPr kumimoji="1" lang="ja-JP" altLang="en-US" sz="3300" kern="1200"/>
         </a:p>
       </dsp:txBody>
       <dsp:txXfrm>
-        <a:off x="3143" y="395131"/>
-        <a:ext cx="3064668" cy="1225867"/>
+        <a:off x="3143" y="284957"/>
+        <a:ext cx="3064668" cy="950400"/>
       </dsp:txXfrm>
     </dsp:sp>
     <dsp:sp modelId="{78F7F389-BF77-4E32-ABE3-2F0C09F25B1D}">
@@ -3799,8 +3868,8 @@
       </dsp:nvSpPr>
       <dsp:spPr>
         <a:xfrm>
-          <a:off x="3143" y="1620998"/>
-          <a:ext cx="3064668" cy="2006595"/>
+          <a:off x="3143" y="1235357"/>
+          <a:ext cx="3064668" cy="2502410"/>
         </a:xfrm>
         <a:prstGeom prst="rect">
           <a:avLst/>
@@ -3843,12 +3912,12 @@
         <a:fontRef idx="minor"/>
       </dsp:style>
       <dsp:txBody>
-        <a:bodyPr spcFirstLastPara="0" vert="horz" wrap="square" lIns="229362" tIns="229362" rIns="305816" bIns="344043" numCol="1" spcCol="1270" anchor="t" anchorCtr="0">
+        <a:bodyPr spcFirstLastPara="0" vert="horz" wrap="square" lIns="176022" tIns="176022" rIns="234696" bIns="264033" numCol="1" spcCol="1270" anchor="t" anchorCtr="0">
           <a:noAutofit/>
         </a:bodyPr>
         <a:lstStyle/>
         <a:p>
-          <a:pPr marL="285750" lvl="1" indent="-285750" algn="l" defTabSz="1911350">
+          <a:pPr marL="285750" lvl="1" indent="-285750" algn="l" defTabSz="1466850">
             <a:lnSpc>
               <a:spcPct val="90000"/>
             </a:lnSpc>
@@ -3861,13 +3930,13 @@
             <a:buChar char="••"/>
           </a:pPr>
           <a:r>
-            <a:rPr kumimoji="1" lang="ja-JP" altLang="en-US" sz="4300" kern="1200" smtClean="0"/>
+            <a:rPr kumimoji="1" lang="ja-JP" altLang="en-US" sz="3300" kern="1200" smtClean="0"/>
             <a:t>低コスト</a:t>
           </a:r>
-          <a:endParaRPr kumimoji="1" lang="ja-JP" altLang="en-US" sz="4300" kern="1200"/>
+          <a:endParaRPr kumimoji="1" lang="ja-JP" altLang="en-US" sz="3300" kern="1200"/>
         </a:p>
         <a:p>
-          <a:pPr marL="285750" lvl="1" indent="-285750" algn="l" defTabSz="1911350">
+          <a:pPr marL="285750" lvl="1" indent="-285750" algn="l" defTabSz="1466850">
             <a:lnSpc>
               <a:spcPct val="90000"/>
             </a:lnSpc>
@@ -3880,15 +3949,15 @@
             <a:buChar char="••"/>
           </a:pPr>
           <a:r>
-            <a:rPr kumimoji="1" lang="ja-JP" altLang="en-US" sz="4300" kern="1200" smtClean="0"/>
+            <a:rPr kumimoji="1" lang="ja-JP" altLang="en-US" sz="3300" kern="1200" smtClean="0"/>
             <a:t>拡張性</a:t>
           </a:r>
-          <a:endParaRPr kumimoji="1" lang="ja-JP" altLang="en-US" sz="4300" kern="1200"/>
+          <a:endParaRPr kumimoji="1" lang="ja-JP" altLang="en-US" sz="3300" kern="1200"/>
         </a:p>
       </dsp:txBody>
       <dsp:txXfrm>
-        <a:off x="3143" y="1620998"/>
-        <a:ext cx="3064668" cy="2006595"/>
+        <a:off x="3143" y="1235357"/>
+        <a:ext cx="3064668" cy="2502410"/>
       </dsp:txXfrm>
     </dsp:sp>
     <dsp:sp modelId="{30D38AB3-F15D-4434-A6D5-3E6662A4B33B}">
@@ -3898,8 +3967,8 @@
       </dsp:nvSpPr>
       <dsp:spPr>
         <a:xfrm>
-          <a:off x="3496865" y="395131"/>
-          <a:ext cx="3064668" cy="1225867"/>
+          <a:off x="3496865" y="284957"/>
+          <a:ext cx="3064668" cy="950400"/>
         </a:xfrm>
         <a:prstGeom prst="rect">
           <a:avLst/>
@@ -3940,12 +4009,12 @@
         </a:fontRef>
       </dsp:style>
       <dsp:txBody>
-        <a:bodyPr spcFirstLastPara="0" vert="horz" wrap="square" lIns="305816" tIns="174752" rIns="305816" bIns="174752" numCol="1" spcCol="1270" anchor="ctr" anchorCtr="0">
+        <a:bodyPr spcFirstLastPara="0" vert="horz" wrap="square" lIns="234696" tIns="134112" rIns="234696" bIns="134112" numCol="1" spcCol="1270" anchor="ctr" anchorCtr="0">
           <a:noAutofit/>
         </a:bodyPr>
         <a:lstStyle/>
         <a:p>
-          <a:pPr lvl="0" algn="ctr" defTabSz="1911350">
+          <a:pPr lvl="0" algn="ctr" defTabSz="1466850">
             <a:lnSpc>
               <a:spcPct val="90000"/>
             </a:lnSpc>
@@ -3957,15 +4026,15 @@
             </a:spcAft>
           </a:pPr>
           <a:r>
-            <a:rPr kumimoji="1" lang="ja-JP" altLang="en-US" sz="4300" kern="1200" smtClean="0"/>
+            <a:rPr kumimoji="1" lang="ja-JP" altLang="en-US" sz="3300" kern="1200" smtClean="0"/>
             <a:t>問題点</a:t>
           </a:r>
-          <a:endParaRPr kumimoji="1" lang="ja-JP" altLang="en-US" sz="4300" kern="1200"/>
+          <a:endParaRPr kumimoji="1" lang="ja-JP" altLang="en-US" sz="3300" kern="1200"/>
         </a:p>
       </dsp:txBody>
       <dsp:txXfrm>
-        <a:off x="3496865" y="395131"/>
-        <a:ext cx="3064668" cy="1225867"/>
+        <a:off x="3496865" y="284957"/>
+        <a:ext cx="3064668" cy="950400"/>
       </dsp:txXfrm>
     </dsp:sp>
     <dsp:sp modelId="{6D233FD1-2776-4DB2-9DE0-7C4A7328BF23}">
@@ -3975,8 +4044,8 @@
       </dsp:nvSpPr>
       <dsp:spPr>
         <a:xfrm>
-          <a:off x="3496865" y="1620998"/>
-          <a:ext cx="3064668" cy="2006595"/>
+          <a:off x="3496865" y="1235357"/>
+          <a:ext cx="3064668" cy="2502410"/>
         </a:xfrm>
         <a:prstGeom prst="rect">
           <a:avLst/>
@@ -4019,12 +4088,12 @@
         <a:fontRef idx="minor"/>
       </dsp:style>
       <dsp:txBody>
-        <a:bodyPr spcFirstLastPara="0" vert="horz" wrap="square" lIns="229362" tIns="229362" rIns="305816" bIns="344043" numCol="1" spcCol="1270" anchor="t" anchorCtr="0">
+        <a:bodyPr spcFirstLastPara="0" vert="horz" wrap="square" lIns="176022" tIns="176022" rIns="234696" bIns="264033" numCol="1" spcCol="1270" anchor="t" anchorCtr="0">
           <a:noAutofit/>
         </a:bodyPr>
         <a:lstStyle/>
         <a:p>
-          <a:pPr marL="285750" lvl="1" indent="-285750" algn="l" defTabSz="1911350">
+          <a:pPr marL="285750" lvl="1" indent="-285750" algn="l" defTabSz="1466850">
             <a:lnSpc>
               <a:spcPct val="90000"/>
             </a:lnSpc>
@@ -4036,10 +4105,14 @@
             </a:spcAft>
             <a:buChar char="••"/>
           </a:pPr>
-          <a:endParaRPr kumimoji="1" lang="ja-JP" altLang="en-US" sz="4300" kern="1200"/>
+          <a:r>
+            <a:rPr kumimoji="1" lang="ja-JP" altLang="en-US" sz="3300" kern="1200" smtClean="0"/>
+            <a:t>保守が難しい</a:t>
+          </a:r>
+          <a:endParaRPr kumimoji="1" lang="ja-JP" altLang="en-US" sz="3300" kern="1200"/>
         </a:p>
         <a:p>
-          <a:pPr marL="285750" lvl="1" indent="-285750" algn="l" defTabSz="1911350">
+          <a:pPr marL="285750" lvl="1" indent="-285750" algn="l" defTabSz="1466850">
             <a:lnSpc>
               <a:spcPct val="90000"/>
             </a:lnSpc>
@@ -4051,12 +4124,16 @@
             </a:spcAft>
             <a:buChar char="••"/>
           </a:pPr>
-          <a:endParaRPr kumimoji="1" lang="ja-JP" altLang="en-US" sz="4300" kern="1200"/>
+          <a:r>
+            <a:rPr kumimoji="1" lang="ja-JP" altLang="en-US" sz="3300" kern="1200" smtClean="0"/>
+            <a:t>商品の向きが限定される</a:t>
+          </a:r>
+          <a:endParaRPr kumimoji="1" lang="ja-JP" altLang="en-US" sz="3300" kern="1200"/>
         </a:p>
       </dsp:txBody>
       <dsp:txXfrm>
-        <a:off x="3496865" y="1620998"/>
-        <a:ext cx="3064668" cy="2006595"/>
+        <a:off x="3496865" y="1235357"/>
+        <a:ext cx="3064668" cy="2502410"/>
       </dsp:txXfrm>
     </dsp:sp>
     <dsp:sp modelId="{CF24EE4A-6727-45E3-88CF-9A89099D6AED}">
@@ -4066,8 +4143,8 @@
       </dsp:nvSpPr>
       <dsp:spPr>
         <a:xfrm>
-          <a:off x="6990588" y="395131"/>
-          <a:ext cx="3064668" cy="1225867"/>
+          <a:off x="6990588" y="284957"/>
+          <a:ext cx="3064668" cy="950400"/>
         </a:xfrm>
         <a:prstGeom prst="rect">
           <a:avLst/>
@@ -4108,12 +4185,12 @@
         </a:fontRef>
       </dsp:style>
       <dsp:txBody>
-        <a:bodyPr spcFirstLastPara="0" vert="horz" wrap="square" lIns="305816" tIns="174752" rIns="305816" bIns="174752" numCol="1" spcCol="1270" anchor="ctr" anchorCtr="0">
+        <a:bodyPr spcFirstLastPara="0" vert="horz" wrap="square" lIns="234696" tIns="134112" rIns="234696" bIns="134112" numCol="1" spcCol="1270" anchor="ctr" anchorCtr="0">
           <a:noAutofit/>
         </a:bodyPr>
         <a:lstStyle/>
         <a:p>
-          <a:pPr lvl="0" algn="ctr" defTabSz="1911350">
+          <a:pPr lvl="0" algn="ctr" defTabSz="1466850">
             <a:lnSpc>
               <a:spcPct val="90000"/>
             </a:lnSpc>
@@ -4125,15 +4202,15 @@
             </a:spcAft>
           </a:pPr>
           <a:r>
-            <a:rPr kumimoji="1" lang="ja-JP" altLang="en-US" sz="4300" kern="1200" smtClean="0"/>
+            <a:rPr kumimoji="1" lang="ja-JP" altLang="en-US" sz="3300" kern="1200" smtClean="0"/>
             <a:t>解決策</a:t>
           </a:r>
-          <a:endParaRPr kumimoji="1" lang="ja-JP" altLang="en-US" sz="4300" kern="1200"/>
+          <a:endParaRPr kumimoji="1" lang="ja-JP" altLang="en-US" sz="3300" kern="1200"/>
         </a:p>
       </dsp:txBody>
       <dsp:txXfrm>
-        <a:off x="6990588" y="395131"/>
-        <a:ext cx="3064668" cy="1225867"/>
+        <a:off x="6990588" y="284957"/>
+        <a:ext cx="3064668" cy="950400"/>
       </dsp:txXfrm>
     </dsp:sp>
     <dsp:sp modelId="{9B84A7D4-344E-4C63-84DE-82DE2214B413}">
@@ -4143,8 +4220,8 @@
       </dsp:nvSpPr>
       <dsp:spPr>
         <a:xfrm>
-          <a:off x="6990588" y="1620998"/>
-          <a:ext cx="3064668" cy="2006595"/>
+          <a:off x="6990588" y="1235357"/>
+          <a:ext cx="3064668" cy="2502410"/>
         </a:xfrm>
         <a:prstGeom prst="rect">
           <a:avLst/>
@@ -4187,12 +4264,12 @@
         <a:fontRef idx="minor"/>
       </dsp:style>
       <dsp:txBody>
-        <a:bodyPr spcFirstLastPara="0" vert="horz" wrap="square" lIns="229362" tIns="229362" rIns="305816" bIns="344043" numCol="1" spcCol="1270" anchor="t" anchorCtr="0">
+        <a:bodyPr spcFirstLastPara="0" vert="horz" wrap="square" lIns="176022" tIns="176022" rIns="234696" bIns="264033" numCol="1" spcCol="1270" anchor="t" anchorCtr="0">
           <a:noAutofit/>
         </a:bodyPr>
         <a:lstStyle/>
         <a:p>
-          <a:pPr marL="285750" lvl="1" indent="-285750" algn="l" defTabSz="1911350">
+          <a:pPr marL="285750" lvl="1" indent="-285750" algn="l" defTabSz="1466850">
             <a:lnSpc>
               <a:spcPct val="90000"/>
             </a:lnSpc>
@@ -4204,10 +4281,14 @@
             </a:spcAft>
             <a:buChar char="••"/>
           </a:pPr>
-          <a:endParaRPr kumimoji="1" lang="ja-JP" altLang="en-US" sz="4300" kern="1200"/>
+          <a:r>
+            <a:rPr kumimoji="1" lang="ja-JP" altLang="en-US" sz="3300" kern="1200" smtClean="0"/>
+            <a:t>安定度を高める</a:t>
+          </a:r>
+          <a:endParaRPr kumimoji="1" lang="ja-JP" altLang="en-US" sz="3300" kern="1200"/>
         </a:p>
         <a:p>
-          <a:pPr marL="285750" lvl="1" indent="-285750" algn="l" defTabSz="1911350">
+          <a:pPr marL="285750" lvl="1" indent="-285750" algn="l" defTabSz="1466850">
             <a:lnSpc>
               <a:spcPct val="90000"/>
             </a:lnSpc>
@@ -4219,12 +4300,12 @@
             </a:spcAft>
             <a:buChar char="••"/>
           </a:pPr>
-          <a:endParaRPr kumimoji="1" lang="ja-JP" altLang="en-US" sz="4300" kern="1200"/>
+          <a:endParaRPr kumimoji="1" lang="ja-JP" altLang="en-US" sz="3300" kern="1200"/>
         </a:p>
       </dsp:txBody>
       <dsp:txXfrm>
-        <a:off x="6990588" y="1620998"/>
-        <a:ext cx="3064668" cy="2006595"/>
+        <a:off x="6990588" y="1235357"/>
+        <a:ext cx="3064668" cy="2502410"/>
       </dsp:txXfrm>
     </dsp:sp>
   </dsp:spTree>
@@ -8680,7 +8761,7 @@
           <a:p>
             <a:fld id="{1705D8A9-7A56-411A-9EF9-F7869DF78C8C}" type="slidenum">
               <a:rPr kumimoji="1" lang="ja-JP" altLang="en-US" smtClean="0"/>
-              <a:t>9</a:t>
+              <a:t>10</a:t>
             </a:fld>
             <a:endParaRPr kumimoji="1" lang="ja-JP" altLang="en-US"/>
           </a:p>
@@ -8689,7 +8770,7 @@
     </p:spTree>
     <p:extLst>
       <p:ext uri="{BB962C8B-B14F-4D97-AF65-F5344CB8AC3E}">
-        <p14:creationId xmlns:p14="http://schemas.microsoft.com/office/powerpoint/2010/main" val="3742652125"/>
+        <p14:creationId xmlns:p14="http://schemas.microsoft.com/office/powerpoint/2010/main" val="3302551968"/>
       </p:ext>
     </p:extLst>
   </p:cSld>
@@ -8764,7 +8845,7 @@
           <a:p>
             <a:fld id="{1705D8A9-7A56-411A-9EF9-F7869DF78C8C}" type="slidenum">
               <a:rPr kumimoji="1" lang="ja-JP" altLang="en-US" smtClean="0"/>
-              <a:t>10</a:t>
+              <a:t>23</a:t>
             </a:fld>
             <a:endParaRPr kumimoji="1" lang="ja-JP" altLang="en-US"/>
           </a:p>
@@ -8773,7 +8854,7 @@
     </p:spTree>
     <p:extLst>
       <p:ext uri="{BB962C8B-B14F-4D97-AF65-F5344CB8AC3E}">
-        <p14:creationId xmlns:p14="http://schemas.microsoft.com/office/powerpoint/2010/main" val="3302551968"/>
+        <p14:creationId xmlns:p14="http://schemas.microsoft.com/office/powerpoint/2010/main" val="748801799"/>
       </p:ext>
     </p:extLst>
   </p:cSld>
@@ -8848,7 +8929,7 @@
           <a:p>
             <a:fld id="{1705D8A9-7A56-411A-9EF9-F7869DF78C8C}" type="slidenum">
               <a:rPr kumimoji="1" lang="ja-JP" altLang="en-US" smtClean="0"/>
-              <a:t>11</a:t>
+              <a:t>24</a:t>
             </a:fld>
             <a:endParaRPr kumimoji="1" lang="ja-JP" altLang="en-US"/>
           </a:p>
@@ -8857,7 +8938,7 @@
     </p:spTree>
     <p:extLst>
       <p:ext uri="{BB962C8B-B14F-4D97-AF65-F5344CB8AC3E}">
-        <p14:creationId xmlns:p14="http://schemas.microsoft.com/office/powerpoint/2010/main" val="2768532646"/>
+        <p14:creationId xmlns:p14="http://schemas.microsoft.com/office/powerpoint/2010/main" val="979151443"/>
       </p:ext>
     </p:extLst>
   </p:cSld>
@@ -8911,18 +8992,59 @@
           <a:bodyPr/>
           <a:lstStyle/>
           <a:p>
-            <a:endParaRPr kumimoji="1" lang="ja-JP" altLang="en-US"/>
+            <a:r>
+              <a:rPr kumimoji="1" lang="ja-JP" altLang="en-US" dirty="0"/>
+              <a:t>サーバ側の実装方法を説明します。</a:t>
+            </a:r>
+            <a:endParaRPr kumimoji="1" lang="en-US" altLang="ja-JP" dirty="0"/>
+          </a:p>
+          <a:p>
+            <a:r>
+              <a:rPr kumimoji="1" lang="ja-JP" altLang="en-US" dirty="0"/>
+              <a:t>入力はラズパイから送られてきた画像データです。</a:t>
+            </a:r>
+            <a:endParaRPr kumimoji="1" lang="en-US" altLang="ja-JP" dirty="0"/>
+          </a:p>
+          <a:p>
+            <a:r>
+              <a:rPr kumimoji="1" lang="ja-JP" altLang="en-US" dirty="0"/>
+              <a:t>次にその画像を</a:t>
+            </a:r>
+            <a:r>
+              <a:rPr kumimoji="1" lang="en-US" altLang="ja-JP" dirty="0"/>
+              <a:t>Yolo</a:t>
+            </a:r>
+            <a:r>
+              <a:rPr kumimoji="1" lang="ja-JP" altLang="en-US" dirty="0"/>
+              <a:t>で解析し、画像の中からバーコードが移っている座標を取得します。</a:t>
+            </a:r>
+            <a:endParaRPr kumimoji="1" lang="en-US" altLang="ja-JP" dirty="0"/>
+          </a:p>
+          <a:p>
+            <a:r>
+              <a:rPr kumimoji="1" lang="ja-JP" altLang="en-US" dirty="0"/>
+              <a:t>画像を切り取りグレイスケール化したのち</a:t>
+            </a:r>
+            <a:r>
+              <a:rPr kumimoji="1" lang="en-US" altLang="ja-JP" dirty="0" err="1"/>
+              <a:t>pyzbar</a:t>
+            </a:r>
+            <a:r>
+              <a:rPr kumimoji="1" lang="ja-JP" altLang="en-US" dirty="0"/>
+              <a:t>に画像を投げ番号を取得します。</a:t>
+            </a:r>
+            <a:endParaRPr kumimoji="1" lang="en-US" altLang="ja-JP" dirty="0"/>
           </a:p>
         </p:txBody>
       </p:sp>
       <p:sp>
         <p:nvSpPr>
-          <p:cNvPr id="4" name="スライド番号プレースホルダー 3"/>
+          <p:cNvPr id="4" name="フッター プレースホルダー 3"/>
           <p:cNvSpPr>
             <a:spLocks noGrp="1"/>
           </p:cNvSpPr>
           <p:nvPr>
-            <p:ph type="sldNum" sz="quarter" idx="10"/>
+            <p:ph type="ftr" sz="quarter" idx="10"/>
           </p:nvPr>
         </p:nvSpPr>
         <p:spPr/>
@@ -8930,9 +9052,28 @@
           <a:bodyPr/>
           <a:lstStyle/>
           <a:p>
+            <a:endParaRPr kumimoji="1" lang="ja-JP" altLang="en-US"/>
+          </a:p>
+        </p:txBody>
+      </p:sp>
+      <p:sp>
+        <p:nvSpPr>
+          <p:cNvPr id="5" name="スライド番号プレースホルダー 4"/>
+          <p:cNvSpPr>
+            <a:spLocks noGrp="1"/>
+          </p:cNvSpPr>
+          <p:nvPr>
+            <p:ph type="sldNum" sz="quarter" idx="11"/>
+          </p:nvPr>
+        </p:nvSpPr>
+        <p:spPr/>
+        <p:txBody>
+          <a:bodyPr/>
+          <a:lstStyle/>
+          <a:p>
             <a:fld id="{1705D8A9-7A56-411A-9EF9-F7869DF78C8C}" type="slidenum">
               <a:rPr kumimoji="1" lang="ja-JP" altLang="en-US" smtClean="0"/>
-              <a:t>12</a:t>
+              <a:t>25</a:t>
             </a:fld>
             <a:endParaRPr kumimoji="1" lang="ja-JP" altLang="en-US"/>
           </a:p>
@@ -8941,7 +9082,7 @@
     </p:spTree>
     <p:extLst>
       <p:ext uri="{BB962C8B-B14F-4D97-AF65-F5344CB8AC3E}">
-        <p14:creationId xmlns:p14="http://schemas.microsoft.com/office/powerpoint/2010/main" val="3365353311"/>
+        <p14:creationId xmlns:p14="http://schemas.microsoft.com/office/powerpoint/2010/main" val="1264029701"/>
       </p:ext>
     </p:extLst>
   </p:cSld>
@@ -8995,6 +9136,61 @@
           <a:bodyPr/>
           <a:lstStyle/>
           <a:p>
+            <a:pPr>
+              <a:buFont typeface="Wingdings" panose="05000000000000000000" pitchFamily="2" charset="2"/>
+              <a:buChar char="l"/>
+            </a:pPr>
+            <a:r>
+              <a:rPr kumimoji="1" lang="ja-JP" altLang="en-US" sz="1200" smtClean="0"/>
+              <a:t>コスト</a:t>
+            </a:r>
+            <a:endParaRPr kumimoji="1" lang="en-US" altLang="ja-JP" sz="1200" smtClean="0"/>
+          </a:p>
+          <a:p>
+            <a:pPr>
+              <a:buFont typeface="Wingdings" panose="05000000000000000000" pitchFamily="2" charset="2"/>
+              <a:buChar char="l"/>
+            </a:pPr>
+            <a:r>
+              <a:rPr kumimoji="1" lang="ja-JP" altLang="en-US" sz="1200" smtClean="0"/>
+              <a:t>体験</a:t>
+            </a:r>
+            <a:endParaRPr kumimoji="1" lang="en-US" altLang="ja-JP" sz="1200" smtClean="0"/>
+          </a:p>
+          <a:p>
+            <a:pPr>
+              <a:buFont typeface="Wingdings" panose="05000000000000000000" pitchFamily="2" charset="2"/>
+              <a:buChar char="l"/>
+            </a:pPr>
+            <a:r>
+              <a:rPr lang="ja-JP" altLang="en-US" sz="1200" smtClean="0"/>
+              <a:t>従来との比較</a:t>
+            </a:r>
+            <a:endParaRPr lang="en-US" altLang="ja-JP" sz="1200" smtClean="0"/>
+          </a:p>
+          <a:p>
+            <a:pPr>
+              <a:buFont typeface="Wingdings" panose="05000000000000000000" pitchFamily="2" charset="2"/>
+              <a:buChar char="l"/>
+            </a:pPr>
+            <a:r>
+              <a:rPr kumimoji="1" lang="ja-JP" altLang="en-US" sz="1200" smtClean="0"/>
+              <a:t>学術的</a:t>
+            </a:r>
+            <a:endParaRPr kumimoji="1" lang="en-US" altLang="ja-JP" sz="1200" smtClean="0"/>
+          </a:p>
+          <a:p>
+            <a:pPr>
+              <a:buFont typeface="Wingdings" panose="05000000000000000000" pitchFamily="2" charset="2"/>
+              <a:buChar char="l"/>
+            </a:pPr>
+            <a:r>
+              <a:rPr lang="ja-JP" altLang="en-US" sz="1200" smtClean="0"/>
+              <a:t>促進</a:t>
+            </a:r>
+            <a:endParaRPr lang="en-US" altLang="ja-JP" sz="1200" smtClean="0"/>
+          </a:p>
+          <a:p>
             <a:endParaRPr kumimoji="1" lang="ja-JP" altLang="en-US"/>
           </a:p>
         </p:txBody>
@@ -9016,7 +9212,7 @@
           <a:p>
             <a:fld id="{1705D8A9-7A56-411A-9EF9-F7869DF78C8C}" type="slidenum">
               <a:rPr kumimoji="1" lang="ja-JP" altLang="en-US" smtClean="0"/>
-              <a:t>13</a:t>
+              <a:t>28</a:t>
             </a:fld>
             <a:endParaRPr kumimoji="1" lang="ja-JP" altLang="en-US"/>
           </a:p>
@@ -9025,7 +9221,7 @@
     </p:spTree>
     <p:extLst>
       <p:ext uri="{BB962C8B-B14F-4D97-AF65-F5344CB8AC3E}">
-        <p14:creationId xmlns:p14="http://schemas.microsoft.com/office/powerpoint/2010/main" val="979151443"/>
+        <p14:creationId xmlns:p14="http://schemas.microsoft.com/office/powerpoint/2010/main" val="3623538667"/>
       </p:ext>
     </p:extLst>
   </p:cSld>
@@ -9100,7 +9296,7 @@
           <a:p>
             <a:fld id="{1705D8A9-7A56-411A-9EF9-F7869DF78C8C}" type="slidenum">
               <a:rPr kumimoji="1" lang="ja-JP" altLang="en-US" smtClean="0"/>
-              <a:t>14</a:t>
+              <a:t>29</a:t>
             </a:fld>
             <a:endParaRPr kumimoji="1" lang="ja-JP" altLang="en-US"/>
           </a:p>
@@ -9109,7 +9305,7 @@
     </p:spTree>
     <p:extLst>
       <p:ext uri="{BB962C8B-B14F-4D97-AF65-F5344CB8AC3E}">
-        <p14:creationId xmlns:p14="http://schemas.microsoft.com/office/powerpoint/2010/main" val="748801799"/>
+        <p14:creationId xmlns:p14="http://schemas.microsoft.com/office/powerpoint/2010/main" val="2768532646"/>
       </p:ext>
     </p:extLst>
   </p:cSld>
@@ -9547,7 +9743,7 @@
     </p:spTree>
     <p:extLst>
       <p:ext uri="{BB962C8B-B14F-4D97-AF65-F5344CB8AC3E}">
-        <p14:creationId xmlns:p14="http://schemas.microsoft.com/office/powerpoint/2010/main" val="1827184086"/>
+        <p14:creationId xmlns:p14="http://schemas.microsoft.com/office/powerpoint/2010/main" val="3365353311"/>
       </p:ext>
     </p:extLst>
   </p:cSld>
@@ -9601,61 +9797,6 @@
           <a:bodyPr/>
           <a:lstStyle/>
           <a:p>
-            <a:pPr>
-              <a:buFont typeface="Wingdings" panose="05000000000000000000" pitchFamily="2" charset="2"/>
-              <a:buChar char="l"/>
-            </a:pPr>
-            <a:r>
-              <a:rPr kumimoji="1" lang="ja-JP" altLang="en-US" sz="1200" smtClean="0"/>
-              <a:t>コスト</a:t>
-            </a:r>
-            <a:endParaRPr kumimoji="1" lang="en-US" altLang="ja-JP" sz="1200" smtClean="0"/>
-          </a:p>
-          <a:p>
-            <a:pPr>
-              <a:buFont typeface="Wingdings" panose="05000000000000000000" pitchFamily="2" charset="2"/>
-              <a:buChar char="l"/>
-            </a:pPr>
-            <a:r>
-              <a:rPr kumimoji="1" lang="ja-JP" altLang="en-US" sz="1200" smtClean="0"/>
-              <a:t>体験</a:t>
-            </a:r>
-            <a:endParaRPr kumimoji="1" lang="en-US" altLang="ja-JP" sz="1200" smtClean="0"/>
-          </a:p>
-          <a:p>
-            <a:pPr>
-              <a:buFont typeface="Wingdings" panose="05000000000000000000" pitchFamily="2" charset="2"/>
-              <a:buChar char="l"/>
-            </a:pPr>
-            <a:r>
-              <a:rPr lang="ja-JP" altLang="en-US" sz="1200" smtClean="0"/>
-              <a:t>従来との比較</a:t>
-            </a:r>
-            <a:endParaRPr lang="en-US" altLang="ja-JP" sz="1200" smtClean="0"/>
-          </a:p>
-          <a:p>
-            <a:pPr>
-              <a:buFont typeface="Wingdings" panose="05000000000000000000" pitchFamily="2" charset="2"/>
-              <a:buChar char="l"/>
-            </a:pPr>
-            <a:r>
-              <a:rPr kumimoji="1" lang="ja-JP" altLang="en-US" sz="1200" smtClean="0"/>
-              <a:t>学術的</a:t>
-            </a:r>
-            <a:endParaRPr kumimoji="1" lang="en-US" altLang="ja-JP" sz="1200" smtClean="0"/>
-          </a:p>
-          <a:p>
-            <a:pPr>
-              <a:buFont typeface="Wingdings" panose="05000000000000000000" pitchFamily="2" charset="2"/>
-              <a:buChar char="l"/>
-            </a:pPr>
-            <a:r>
-              <a:rPr lang="ja-JP" altLang="en-US" sz="1200" smtClean="0"/>
-              <a:t>促進</a:t>
-            </a:r>
-            <a:endParaRPr lang="en-US" altLang="ja-JP" sz="1200" smtClean="0"/>
-          </a:p>
-          <a:p>
             <a:endParaRPr kumimoji="1" lang="ja-JP" altLang="en-US"/>
           </a:p>
         </p:txBody>
@@ -9677,7 +9818,7 @@
           <a:p>
             <a:fld id="{1705D8A9-7A56-411A-9EF9-F7869DF78C8C}" type="slidenum">
               <a:rPr kumimoji="1" lang="ja-JP" altLang="en-US" smtClean="0"/>
-              <a:t>6</a:t>
+              <a:t>7</a:t>
             </a:fld>
             <a:endParaRPr kumimoji="1" lang="ja-JP" altLang="en-US"/>
           </a:p>
@@ -9686,7 +9827,7 @@
     </p:spTree>
     <p:extLst>
       <p:ext uri="{BB962C8B-B14F-4D97-AF65-F5344CB8AC3E}">
-        <p14:creationId xmlns:p14="http://schemas.microsoft.com/office/powerpoint/2010/main" val="3623538667"/>
+        <p14:creationId xmlns:p14="http://schemas.microsoft.com/office/powerpoint/2010/main" val="1660181637"/>
       </p:ext>
     </p:extLst>
   </p:cSld>
@@ -9761,7 +9902,7 @@
           <a:p>
             <a:fld id="{1705D8A9-7A56-411A-9EF9-F7869DF78C8C}" type="slidenum">
               <a:rPr kumimoji="1" lang="ja-JP" altLang="en-US" smtClean="0"/>
-              <a:t>7</a:t>
+              <a:t>8</a:t>
             </a:fld>
             <a:endParaRPr kumimoji="1" lang="ja-JP" altLang="en-US"/>
           </a:p>
@@ -9770,7 +9911,7 @@
     </p:spTree>
     <p:extLst>
       <p:ext uri="{BB962C8B-B14F-4D97-AF65-F5344CB8AC3E}">
-        <p14:creationId xmlns:p14="http://schemas.microsoft.com/office/powerpoint/2010/main" val="1660181637"/>
+        <p14:creationId xmlns:p14="http://schemas.microsoft.com/office/powerpoint/2010/main" val="3163344847"/>
       </p:ext>
     </p:extLst>
   </p:cSld>
@@ -9845,7 +9986,7 @@
           <a:p>
             <a:fld id="{1705D8A9-7A56-411A-9EF9-F7869DF78C8C}" type="slidenum">
               <a:rPr kumimoji="1" lang="ja-JP" altLang="en-US" smtClean="0"/>
-              <a:t>8</a:t>
+              <a:t>9</a:t>
             </a:fld>
             <a:endParaRPr kumimoji="1" lang="ja-JP" altLang="en-US"/>
           </a:p>
@@ -9854,7 +9995,7 @@
     </p:spTree>
     <p:extLst>
       <p:ext uri="{BB962C8B-B14F-4D97-AF65-F5344CB8AC3E}">
-        <p14:creationId xmlns:p14="http://schemas.microsoft.com/office/powerpoint/2010/main" val="3163344847"/>
+        <p14:creationId xmlns:p14="http://schemas.microsoft.com/office/powerpoint/2010/main" val="3742652125"/>
       </p:ext>
     </p:extLst>
   </p:cSld>
@@ -14093,7 +14234,6 @@
               <a:rPr kumimoji="1" lang="en-US" altLang="ja-JP" smtClean="0"/>
               <a:t>2019/02/05</a:t>
             </a:r>
-            <a:endParaRPr kumimoji="1" lang="en-US" altLang="ja-JP" smtClean="0"/>
           </a:p>
           <a:p>
             <a:r>
@@ -14109,11 +14249,7 @@
             </a:r>
             <a:r>
               <a:rPr lang="ja-JP" altLang="en-US" smtClean="0"/>
-              <a:t>原　丞治、</a:t>
-            </a:r>
-            <a:r>
-              <a:rPr lang="ja-JP" altLang="en-US" smtClean="0"/>
-              <a:t>真鍋</a:t>
+              <a:t>原　丞治、真鍋</a:t>
             </a:r>
             <a:r>
               <a:rPr lang="ja-JP" altLang="en-US" dirty="0" smtClean="0"/>
@@ -14359,7 +14495,7 @@
         </p:blipFill>
         <p:spPr>
           <a:xfrm>
-            <a:off x="2660504" y="1737360"/>
+            <a:off x="2662651" y="1737360"/>
             <a:ext cx="6927657" cy="5120640"/>
           </a:xfrm>
           <a:prstGeom prst="rect">
@@ -14406,12 +14542,12 @@
       </p:grpSpPr>
       <p:sp>
         <p:nvSpPr>
-          <p:cNvPr id="3" name="タイトル 2"/>
+          <p:cNvPr id="2" name="タイトル 1"/>
           <p:cNvSpPr>
             <a:spLocks noGrp="1"/>
           </p:cNvSpPr>
           <p:nvPr>
-            <p:ph type="title"/>
+            <p:ph type="ctrTitle"/>
           </p:nvPr>
         </p:nvSpPr>
         <p:spPr/>
@@ -14421,7 +14557,7 @@
           <a:p>
             <a:r>
               <a:rPr kumimoji="1" lang="ja-JP" altLang="en-US" smtClean="0"/>
-              <a:t>スケジュール管理</a:t>
+              <a:t>実装・検証</a:t>
             </a:r>
             <a:endParaRPr kumimoji="1" lang="ja-JP" altLang="en-US"/>
           </a:p>
@@ -14429,7 +14565,26 @@
       </p:sp>
       <p:sp>
         <p:nvSpPr>
-          <p:cNvPr id="2" name="スライド番号プレースホルダー 1"/>
+          <p:cNvPr id="5" name="サブタイトル 4"/>
+          <p:cNvSpPr>
+            <a:spLocks noGrp="1"/>
+          </p:cNvSpPr>
+          <p:nvPr>
+            <p:ph type="subTitle" idx="1"/>
+          </p:nvPr>
+        </p:nvSpPr>
+        <p:spPr/>
+        <p:txBody>
+          <a:bodyPr/>
+          <a:lstStyle/>
+          <a:p>
+            <a:endParaRPr kumimoji="1" lang="ja-JP" altLang="en-US"/>
+          </a:p>
+        </p:txBody>
+      </p:sp>
+      <p:sp>
+        <p:nvSpPr>
+          <p:cNvPr id="4" name="スライド番号プレースホルダー 3"/>
           <p:cNvSpPr>
             <a:spLocks noGrp="1"/>
           </p:cNvSpPr>
@@ -14443,47 +14598,18 @@
           <a:lstStyle/>
           <a:p>
             <a:fld id="{3C3988C9-8C6C-49D7-8D82-24DA391FB063}" type="slidenum">
-              <a:rPr kumimoji="1" lang="ja-JP" altLang="en-US" sz="3200" smtClean="0"/>
+              <a:rPr lang="ja-JP" altLang="en-US" smtClean="0"/>
+              <a:pPr/>
               <a:t>11</a:t>
             </a:fld>
-            <a:endParaRPr kumimoji="1" lang="ja-JP" altLang="en-US" sz="3200"/>
+            <a:endParaRPr lang="ja-JP" altLang="en-US"/>
           </a:p>
         </p:txBody>
       </p:sp>
-      <p:pic>
-        <p:nvPicPr>
-          <p:cNvPr id="5" name="図 4"/>
-          <p:cNvPicPr>
-            <a:picLocks noChangeAspect="1"/>
-          </p:cNvPicPr>
-          <p:nvPr/>
-        </p:nvPicPr>
-        <p:blipFill>
-          <a:blip r:embed="rId3">
-            <a:extLst>
-              <a:ext uri="{28A0092B-C50C-407E-A947-70E740481C1C}">
-                <a14:useLocalDpi xmlns:a14="http://schemas.microsoft.com/office/drawing/2010/main" val="0"/>
-              </a:ext>
-            </a:extLst>
-          </a:blip>
-          <a:stretch>
-            <a:fillRect/>
-          </a:stretch>
-        </p:blipFill>
-        <p:spPr>
-          <a:xfrm>
-            <a:off x="0" y="2086693"/>
-            <a:ext cx="12192000" cy="2684613"/>
-          </a:xfrm>
-          <a:prstGeom prst="rect">
-            <a:avLst/>
-          </a:prstGeom>
-        </p:spPr>
-      </p:pic>
     </p:spTree>
     <p:extLst>
       <p:ext uri="{BB962C8B-B14F-4D97-AF65-F5344CB8AC3E}">
-        <p14:creationId xmlns:p14="http://schemas.microsoft.com/office/powerpoint/2010/main" val="4270521482"/>
+        <p14:creationId xmlns:p14="http://schemas.microsoft.com/office/powerpoint/2010/main" val="2202627543"/>
       </p:ext>
     </p:extLst>
   </p:cSld>
@@ -14519,154 +14645,100 @@
       </p:grpSpPr>
       <p:sp>
         <p:nvSpPr>
-          <p:cNvPr id="29" name="角丸四角形 28"/>
-          <p:cNvSpPr/>
-          <p:nvPr/>
-        </p:nvSpPr>
-        <p:spPr>
-          <a:xfrm>
-            <a:off x="596767" y="1735868"/>
-            <a:ext cx="9152781" cy="4568679"/>
-          </a:xfrm>
-          <a:prstGeom prst="roundRect">
-            <a:avLst/>
-          </a:prstGeom>
-          <a:noFill/>
-          <a:ln w="127000"/>
-        </p:spPr>
-        <p:style>
-          <a:lnRef idx="2">
-            <a:schemeClr val="accent1">
-              <a:shade val="50000"/>
-            </a:schemeClr>
-          </a:lnRef>
-          <a:fillRef idx="1">
-            <a:schemeClr val="accent1"/>
-          </a:fillRef>
-          <a:effectRef idx="0">
-            <a:schemeClr val="accent1"/>
-          </a:effectRef>
-          <a:fontRef idx="minor">
-            <a:schemeClr val="lt1"/>
-          </a:fontRef>
-        </p:style>
+          <p:cNvPr id="2" name="タイトル 1"/>
+          <p:cNvSpPr>
+            <a:spLocks noGrp="1"/>
+          </p:cNvSpPr>
+          <p:nvPr>
+            <p:ph type="ctrTitle"/>
+          </p:nvPr>
+        </p:nvSpPr>
+        <p:spPr/>
         <p:txBody>
-          <a:bodyPr rtlCol="0" anchor="ctr"/>
+          <a:bodyPr/>
           <a:lstStyle/>
           <a:p>
-            <a:pPr marL="0" marR="0" lvl="0" indent="0" algn="ctr" defTabSz="914400" rtl="0" eaLnBrk="1" fontAlgn="auto" latinLnBrk="0" hangingPunct="1">
-              <a:lnSpc>
-                <a:spcPct val="100000"/>
-              </a:lnSpc>
-              <a:spcBef>
-                <a:spcPts val="0"/>
-              </a:spcBef>
-              <a:spcAft>
-                <a:spcPts val="0"/>
-              </a:spcAft>
-              <a:buClrTx/>
-              <a:buSzTx/>
-              <a:buFontTx/>
-              <a:buNone/>
-              <a:tabLst/>
-              <a:defRPr/>
-            </a:pPr>
-            <a:endParaRPr kumimoji="1" lang="ja-JP" altLang="en-US" sz="1800" b="0" i="0" u="none" strike="noStrike" kern="1200" cap="none" spc="0" normalizeH="0" baseline="0" noProof="0">
-              <a:ln>
-                <a:noFill/>
-              </a:ln>
-              <a:solidFill>
-                <a:prstClr val="white"/>
-              </a:solidFill>
-              <a:effectLst/>
-              <a:uLnTx/>
-              <a:uFillTx/>
-              <a:latin typeface="Calibri" panose="020F0502020204030204"/>
-              <a:ea typeface="ＭＳ Ｐゴシック" panose="020B0600070205080204" pitchFamily="50" charset="-128"/>
-              <a:cs typeface="+mn-cs"/>
-            </a:endParaRPr>
+            <a:r>
+              <a:rPr lang="ja-JP" altLang="en-US" smtClean="0"/>
+              <a:t>単体テスト</a:t>
+            </a:r>
+            <a:endParaRPr kumimoji="1" lang="ja-JP" altLang="en-US"/>
           </a:p>
         </p:txBody>
       </p:sp>
-      <p:cxnSp>
-        <p:nvCxnSpPr>
-          <p:cNvPr id="18" name="直線コネクタ 17"/>
-          <p:cNvCxnSpPr/>
-          <p:nvPr/>
-        </p:nvCxnSpPr>
-        <p:spPr>
-          <a:xfrm>
-            <a:off x="2751364" y="4572903"/>
-            <a:ext cx="5706836" cy="0"/>
-          </a:xfrm>
-          <a:prstGeom prst="line">
-            <a:avLst/>
-          </a:prstGeom>
-          <a:ln w="38100">
-            <a:solidFill>
-              <a:schemeClr val="accent2">
-                <a:lumMod val="75000"/>
-              </a:schemeClr>
-            </a:solidFill>
-            <a:prstDash val="sysDash"/>
-            <a:headEnd type="none"/>
-            <a:tailEnd type="none"/>
-          </a:ln>
-        </p:spPr>
-        <p:style>
-          <a:lnRef idx="1">
-            <a:schemeClr val="accent1"/>
-          </a:lnRef>
-          <a:fillRef idx="0">
-            <a:schemeClr val="accent1"/>
-          </a:fillRef>
-          <a:effectRef idx="0">
-            <a:schemeClr val="accent1"/>
-          </a:effectRef>
-          <a:fontRef idx="minor">
-            <a:schemeClr val="tx1"/>
-          </a:fontRef>
-        </p:style>
-      </p:cxnSp>
-      <p:pic>
-        <p:nvPicPr>
-          <p:cNvPr id="1030" name="Picture 6" descr="https://d2air1d4eqhwg2.cloudfront.net/images/3050/500x500/afb526e7-8cad-4874-a210-74aa7d09dbd4.jpg"/>
-          <p:cNvPicPr>
-            <a:picLocks noChangeAspect="1" noChangeArrowheads="1"/>
-          </p:cNvPicPr>
-          <p:nvPr/>
-        </p:nvPicPr>
-        <p:blipFill rotWithShape="1">
-          <a:blip r:embed="rId3" cstate="print">
-            <a:extLst>
-              <a:ext uri="{28A0092B-C50C-407E-A947-70E740481C1C}">
-                <a14:useLocalDpi xmlns:a14="http://schemas.microsoft.com/office/drawing/2010/main" val="0"/>
-              </a:ext>
-            </a:extLst>
-          </a:blip>
-          <a:srcRect l="10503" t="17648" r="10352" b="15675"/>
-          <a:stretch/>
-        </p:blipFill>
-        <p:spPr bwMode="auto">
-          <a:xfrm>
-            <a:off x="2607935" y="1829597"/>
-            <a:ext cx="1735968" cy="1462494"/>
-          </a:xfrm>
-          <a:prstGeom prst="rect">
-            <a:avLst/>
-          </a:prstGeom>
-          <a:noFill/>
-          <a:extLst>
-            <a:ext uri="{909E8E84-426E-40DD-AFC4-6F175D3DCCD1}">
-              <a14:hiddenFill xmlns:a14="http://schemas.microsoft.com/office/drawing/2010/main">
-                <a:solidFill>
-                  <a:srgbClr val="FFFFFF"/>
-                </a:solidFill>
-              </a14:hiddenFill>
-            </a:ext>
-          </a:extLst>
-        </p:spPr>
-      </p:pic>
+      <p:sp>
+        <p:nvSpPr>
+          <p:cNvPr id="5" name="サブタイトル 4"/>
+          <p:cNvSpPr>
+            <a:spLocks noGrp="1"/>
+          </p:cNvSpPr>
+          <p:nvPr>
+            <p:ph type="subTitle" idx="1"/>
+          </p:nvPr>
+        </p:nvSpPr>
+        <p:spPr/>
+        <p:txBody>
+          <a:bodyPr/>
+          <a:lstStyle/>
+          <a:p>
+            <a:endParaRPr kumimoji="1" lang="ja-JP" altLang="en-US"/>
+          </a:p>
+        </p:txBody>
+      </p:sp>
+      <p:sp>
+        <p:nvSpPr>
+          <p:cNvPr id="4" name="スライド番号プレースホルダー 3"/>
+          <p:cNvSpPr>
+            <a:spLocks noGrp="1"/>
+          </p:cNvSpPr>
+          <p:nvPr>
+            <p:ph type="sldNum" sz="quarter" idx="12"/>
+          </p:nvPr>
+        </p:nvSpPr>
+        <p:spPr/>
+        <p:txBody>
+          <a:bodyPr/>
+          <a:lstStyle/>
+          <a:p>
+            <a:fld id="{3C3988C9-8C6C-49D7-8D82-24DA391FB063}" type="slidenum">
+              <a:rPr lang="ja-JP" altLang="en-US" smtClean="0"/>
+              <a:pPr/>
+              <a:t>12</a:t>
+            </a:fld>
+            <a:endParaRPr lang="ja-JP" altLang="en-US"/>
+          </a:p>
+        </p:txBody>
+      </p:sp>
+    </p:spTree>
+    <p:extLst>
+      <p:ext uri="{BB962C8B-B14F-4D97-AF65-F5344CB8AC3E}">
+        <p14:creationId xmlns:p14="http://schemas.microsoft.com/office/powerpoint/2010/main" val="1298879523"/>
+      </p:ext>
+    </p:extLst>
+  </p:cSld>
+  <p:clrMapOvr>
+    <a:masterClrMapping/>
+  </p:clrMapOvr>
+</p:sld>
+</file>
+
+<file path=ppt/slides/slide14.xml><?xml version="1.0" encoding="utf-8"?>
+<p:sld xmlns:a="http://schemas.openxmlformats.org/drawingml/2006/main" xmlns:r="http://schemas.openxmlformats.org/officeDocument/2006/relationships" xmlns:p="http://schemas.openxmlformats.org/presentationml/2006/main">
+  <p:cSld>
+    <p:spTree>
+      <p:nvGrpSpPr>
+        <p:cNvPr id="1" name=""/>
+        <p:cNvGrpSpPr/>
+        <p:nvPr/>
+      </p:nvGrpSpPr>
+      <p:grpSpPr>
+        <a:xfrm>
+          <a:off x="0" y="0"/>
+          <a:ext cx="0" cy="0"/>
+          <a:chOff x="0" y="0"/>
+          <a:chExt cx="0" cy="0"/>
+        </a:xfrm>
+      </p:grpSpPr>
       <p:sp>
         <p:nvSpPr>
           <p:cNvPr id="2" name="タイトル 1"/>
@@ -14683,234 +14755,351 @@
           <a:lstStyle/>
           <a:p>
             <a:r>
+              <a:rPr kumimoji="1" lang="ja-JP" altLang="en-US" smtClean="0"/>
+              <a:t>エッジ側　単体テスト</a:t>
+            </a:r>
+            <a:endParaRPr kumimoji="1" lang="ja-JP" altLang="en-US"/>
+          </a:p>
+        </p:txBody>
+      </p:sp>
+      <p:sp>
+        <p:nvSpPr>
+          <p:cNvPr id="4" name="スライド番号プレースホルダー 3"/>
+          <p:cNvSpPr>
+            <a:spLocks noGrp="1"/>
+          </p:cNvSpPr>
+          <p:nvPr>
+            <p:ph type="sldNum" sz="quarter" idx="12"/>
+          </p:nvPr>
+        </p:nvSpPr>
+        <p:spPr/>
+        <p:txBody>
+          <a:bodyPr/>
+          <a:lstStyle/>
+          <a:p>
+            <a:fld id="{3C3988C9-8C6C-49D7-8D82-24DA391FB063}" type="slidenum">
               <a:rPr lang="ja-JP" altLang="en-US" smtClean="0"/>
-              <a:t>実装</a:t>
-            </a:r>
-            <a:r>
-              <a:rPr lang="en-US" altLang="ja-JP" smtClean="0"/>
-              <a:t/>
-            </a:r>
-            <a:br>
-              <a:rPr lang="en-US" altLang="ja-JP" smtClean="0"/>
-            </a:br>
-            <a:r>
-              <a:rPr lang="ja-JP" altLang="en-US" smtClean="0"/>
-              <a:t>画像</a:t>
-            </a:r>
-            <a:r>
-              <a:rPr lang="ja-JP" altLang="en-US"/>
-              <a:t>送信システムと各種センサ</a:t>
-            </a:r>
-            <a:endParaRPr kumimoji="1" lang="ja-JP" altLang="en-US"/>
+              <a:pPr/>
+              <a:t>13</a:t>
+            </a:fld>
+            <a:endParaRPr lang="ja-JP" altLang="en-US"/>
           </a:p>
         </p:txBody>
       </p:sp>
       <p:pic>
         <p:nvPicPr>
-          <p:cNvPr id="1028" name="Picture 4" descr="C615"/>
-          <p:cNvPicPr>
-            <a:picLocks noChangeAspect="1" noChangeArrowheads="1"/>
-          </p:cNvPicPr>
-          <p:nvPr/>
-        </p:nvPicPr>
-        <p:blipFill>
-          <a:blip r:embed="rId4" cstate="print">
-            <a:extLst>
-              <a:ext uri="{28A0092B-C50C-407E-A947-70E740481C1C}">
-                <a14:useLocalDpi xmlns:a14="http://schemas.microsoft.com/office/drawing/2010/main" val="0"/>
-              </a:ext>
-            </a:extLst>
-          </a:blip>
-          <a:srcRect/>
-          <a:stretch>
-            <a:fillRect/>
-          </a:stretch>
-        </p:blipFill>
-        <p:spPr bwMode="auto">
-          <a:xfrm>
-            <a:off x="4656410" y="1929801"/>
-            <a:ext cx="1511105" cy="1511105"/>
-          </a:xfrm>
-          <a:prstGeom prst="rect">
-            <a:avLst/>
-          </a:prstGeom>
-          <a:noFill/>
-          <a:extLst>
-            <a:ext uri="{909E8E84-426E-40DD-AFC4-6F175D3DCCD1}">
-              <a14:hiddenFill xmlns:a14="http://schemas.microsoft.com/office/drawing/2010/main">
-                <a:solidFill>
-                  <a:srgbClr val="FFFFFF"/>
-                </a:solidFill>
-              </a14:hiddenFill>
-            </a:ext>
-          </a:extLst>
-        </p:spPr>
-      </p:pic>
-      <p:pic>
-        <p:nvPicPr>
-          <p:cNvPr id="9" name="図 8"/>
+          <p:cNvPr id="5" name="図 4"/>
           <p:cNvPicPr>
             <a:picLocks noChangeAspect="1"/>
           </p:cNvPicPr>
           <p:nvPr/>
         </p:nvPicPr>
         <p:blipFill>
-          <a:blip r:embed="rId5" cstate="print">
-            <a:extLst>
-              <a:ext uri="{28A0092B-C50C-407E-A947-70E740481C1C}">
-                <a14:useLocalDpi xmlns:a14="http://schemas.microsoft.com/office/drawing/2010/main" val="0"/>
-              </a:ext>
-            </a:extLst>
-          </a:blip>
+          <a:blip r:embed="rId2"/>
           <a:stretch>
             <a:fillRect/>
           </a:stretch>
         </p:blipFill>
         <p:spPr>
           <a:xfrm>
-            <a:off x="1509330" y="4384140"/>
-            <a:ext cx="1088120" cy="643410"/>
+            <a:off x="1175101" y="1816551"/>
+            <a:ext cx="9867804" cy="1882126"/>
           </a:xfrm>
           <a:prstGeom prst="rect">
             <a:avLst/>
           </a:prstGeom>
         </p:spPr>
       </p:pic>
-      <p:sp>
-        <p:nvSpPr>
-          <p:cNvPr id="11" name="正方形/長方形 10"/>
-          <p:cNvSpPr/>
-          <p:nvPr/>
-        </p:nvSpPr>
-        <p:spPr>
-          <a:xfrm>
-            <a:off x="3822864" y="4841259"/>
-            <a:ext cx="3869871" cy="373080"/>
-          </a:xfrm>
-          <a:prstGeom prst="rect">
-            <a:avLst/>
-          </a:prstGeom>
-          <a:ln>
-            <a:noFill/>
-          </a:ln>
-        </p:spPr>
-        <p:style>
-          <a:lnRef idx="2">
-            <a:schemeClr val="accent1">
-              <a:shade val="50000"/>
-            </a:schemeClr>
-          </a:lnRef>
-          <a:fillRef idx="1">
-            <a:schemeClr val="accent1"/>
-          </a:fillRef>
-          <a:effectRef idx="0">
-            <a:schemeClr val="accent1"/>
-          </a:effectRef>
-          <a:fontRef idx="minor">
-            <a:schemeClr val="lt1"/>
-          </a:fontRef>
-        </p:style>
-        <p:txBody>
-          <a:bodyPr rtlCol="0" anchor="ctr"/>
-          <a:lstStyle/>
-          <a:p>
-            <a:pPr marL="0" marR="0" lvl="0" indent="0" algn="ctr" defTabSz="914400" rtl="0" eaLnBrk="1" fontAlgn="auto" latinLnBrk="0" hangingPunct="1">
-              <a:lnSpc>
-                <a:spcPct val="100000"/>
-              </a:lnSpc>
-              <a:spcBef>
-                <a:spcPts val="0"/>
-              </a:spcBef>
-              <a:spcAft>
-                <a:spcPts val="0"/>
-              </a:spcAft>
-              <a:buClrTx/>
-              <a:buSzTx/>
-              <a:buFontTx/>
-              <a:buNone/>
-              <a:tabLst/>
-              <a:defRPr/>
-            </a:pPr>
-            <a:r>
-              <a:rPr kumimoji="1" lang="ja-JP" altLang="en-US" sz="1800" b="0" i="0" u="none" strike="noStrike" kern="1200" cap="none" spc="0" normalizeH="0" baseline="0" noProof="0" smtClean="0">
-                <a:ln>
-                  <a:noFill/>
-                </a:ln>
-                <a:solidFill>
-                  <a:prstClr val="black">
-                    <a:lumMod val="85000"/>
-                    <a:lumOff val="15000"/>
-                  </a:prstClr>
-                </a:solidFill>
-                <a:effectLst/>
-                <a:uLnTx/>
-                <a:uFillTx/>
-                <a:latin typeface="Calibri" panose="020F0502020204030204"/>
-                <a:ea typeface="ＭＳ Ｐゴシック" panose="020B0600070205080204" pitchFamily="50" charset="-128"/>
-                <a:cs typeface="+mn-cs"/>
-              </a:rPr>
-              <a:t>ひずみゲージ</a:t>
-            </a:r>
-            <a:endParaRPr kumimoji="1" lang="ja-JP" altLang="en-US" sz="1800" b="0" i="0" u="none" strike="noStrike" kern="1200" cap="none" spc="0" normalizeH="0" baseline="0" noProof="0">
-              <a:ln>
-                <a:noFill/>
-              </a:ln>
-              <a:solidFill>
-                <a:prstClr val="black">
-                  <a:lumMod val="85000"/>
-                  <a:lumOff val="15000"/>
-                </a:prstClr>
-              </a:solidFill>
-              <a:effectLst/>
-              <a:uLnTx/>
-              <a:uFillTx/>
-              <a:latin typeface="Calibri" panose="020F0502020204030204"/>
-              <a:ea typeface="ＭＳ Ｐゴシック" panose="020B0600070205080204" pitchFamily="50" charset="-128"/>
-              <a:cs typeface="+mn-cs"/>
-            </a:endParaRPr>
-          </a:p>
-        </p:txBody>
-      </p:sp>
       <p:pic>
         <p:nvPicPr>
-          <p:cNvPr id="8" name="図 7"/>
+          <p:cNvPr id="6" name="図 5"/>
           <p:cNvPicPr>
             <a:picLocks noChangeAspect="1"/>
           </p:cNvPicPr>
           <p:nvPr/>
         </p:nvPicPr>
         <p:blipFill>
-          <a:blip r:embed="rId6">
-            <a:extLst>
-              <a:ext uri="{28A0092B-C50C-407E-A947-70E740481C1C}">
-                <a14:useLocalDpi xmlns:a14="http://schemas.microsoft.com/office/drawing/2010/main" val="0"/>
-              </a:ext>
-            </a:extLst>
-          </a:blip>
+          <a:blip r:embed="rId3"/>
           <a:stretch>
             <a:fillRect/>
           </a:stretch>
         </p:blipFill>
         <p:spPr>
           <a:xfrm>
-            <a:off x="4708386" y="4572903"/>
-            <a:ext cx="2163022" cy="2163022"/>
+            <a:off x="1175100" y="3735421"/>
+            <a:ext cx="9865793" cy="2500737"/>
           </a:xfrm>
           <a:prstGeom prst="rect">
             <a:avLst/>
           </a:prstGeom>
         </p:spPr>
       </p:pic>
-      <p:sp>
-        <p:nvSpPr>
-          <p:cNvPr id="12" name="テキスト ボックス 11"/>
+    </p:spTree>
+    <p:extLst>
+      <p:ext uri="{BB962C8B-B14F-4D97-AF65-F5344CB8AC3E}">
+        <p14:creationId xmlns:p14="http://schemas.microsoft.com/office/powerpoint/2010/main" val="1530393404"/>
+      </p:ext>
+    </p:extLst>
+  </p:cSld>
+  <p:clrMapOvr>
+    <a:masterClrMapping/>
+  </p:clrMapOvr>
+</p:sld>
+</file>
+
+<file path=ppt/slides/slide15.xml><?xml version="1.0" encoding="utf-8"?>
+<p:sld xmlns:a="http://schemas.openxmlformats.org/drawingml/2006/main" xmlns:r="http://schemas.openxmlformats.org/officeDocument/2006/relationships" xmlns:p="http://schemas.openxmlformats.org/presentationml/2006/main">
+  <p:cSld>
+    <p:spTree>
+      <p:nvGrpSpPr>
+        <p:cNvPr id="1" name=""/>
+        <p:cNvGrpSpPr/>
+        <p:nvPr/>
+      </p:nvGrpSpPr>
+      <p:grpSpPr>
+        <a:xfrm>
+          <a:off x="0" y="0"/>
+          <a:ext cx="0" cy="0"/>
+          <a:chOff x="0" y="0"/>
+          <a:chExt cx="0" cy="0"/>
+        </a:xfrm>
+      </p:grpSpPr>
+      <p:sp>
+        <p:nvSpPr>
+          <p:cNvPr id="2" name="タイトル 1"/>
+          <p:cNvSpPr>
+            <a:spLocks noGrp="1"/>
+          </p:cNvSpPr>
+          <p:nvPr>
+            <p:ph type="title"/>
+          </p:nvPr>
+        </p:nvSpPr>
+        <p:spPr/>
+        <p:txBody>
+          <a:bodyPr/>
+          <a:lstStyle/>
+          <a:p>
+            <a:r>
+              <a:rPr kumimoji="1" lang="ja-JP" altLang="en-US" smtClean="0"/>
+              <a:t>エッジ側　単体テスト</a:t>
+            </a:r>
+            <a:endParaRPr kumimoji="1" lang="ja-JP" altLang="en-US"/>
+          </a:p>
+        </p:txBody>
+      </p:sp>
+      <p:sp>
+        <p:nvSpPr>
+          <p:cNvPr id="4" name="スライド番号プレースホルダー 3"/>
+          <p:cNvSpPr>
+            <a:spLocks noGrp="1"/>
+          </p:cNvSpPr>
+          <p:nvPr>
+            <p:ph type="sldNum" sz="quarter" idx="12"/>
+          </p:nvPr>
+        </p:nvSpPr>
+        <p:spPr/>
+        <p:txBody>
+          <a:bodyPr/>
+          <a:lstStyle/>
+          <a:p>
+            <a:fld id="{3C3988C9-8C6C-49D7-8D82-24DA391FB063}" type="slidenum">
+              <a:rPr lang="ja-JP" altLang="en-US" smtClean="0"/>
+              <a:pPr/>
+              <a:t>14</a:t>
+            </a:fld>
+            <a:endParaRPr lang="ja-JP" altLang="en-US"/>
+          </a:p>
+        </p:txBody>
+      </p:sp>
+      <p:pic>
+        <p:nvPicPr>
+          <p:cNvPr id="3" name="図 2"/>
+          <p:cNvPicPr>
+            <a:picLocks noChangeAspect="1"/>
+          </p:cNvPicPr>
+          <p:nvPr/>
+        </p:nvPicPr>
+        <p:blipFill>
+          <a:blip r:embed="rId2"/>
+          <a:stretch>
+            <a:fillRect/>
+          </a:stretch>
+        </p:blipFill>
+        <p:spPr>
+          <a:xfrm>
+            <a:off x="1097280" y="2107692"/>
+            <a:ext cx="10115203" cy="977350"/>
+          </a:xfrm>
+          <a:prstGeom prst="rect">
+            <a:avLst/>
+          </a:prstGeom>
+        </p:spPr>
+      </p:pic>
+      <p:pic>
+        <p:nvPicPr>
+          <p:cNvPr id="7" name="図 6"/>
+          <p:cNvPicPr>
+            <a:picLocks noChangeAspect="1"/>
+          </p:cNvPicPr>
+          <p:nvPr/>
+        </p:nvPicPr>
+        <p:blipFill>
+          <a:blip r:embed="rId3"/>
+          <a:stretch>
+            <a:fillRect/>
+          </a:stretch>
+        </p:blipFill>
+        <p:spPr>
+          <a:xfrm>
+            <a:off x="1097279" y="3363409"/>
+            <a:ext cx="10115203" cy="1929313"/>
+          </a:xfrm>
+          <a:prstGeom prst="rect">
+            <a:avLst/>
+          </a:prstGeom>
+        </p:spPr>
+      </p:pic>
+    </p:spTree>
+    <p:extLst>
+      <p:ext uri="{BB962C8B-B14F-4D97-AF65-F5344CB8AC3E}">
+        <p14:creationId xmlns:p14="http://schemas.microsoft.com/office/powerpoint/2010/main" val="2117591817"/>
+      </p:ext>
+    </p:extLst>
+  </p:cSld>
+  <p:clrMapOvr>
+    <a:masterClrMapping/>
+  </p:clrMapOvr>
+</p:sld>
+</file>
+
+<file path=ppt/slides/slide16.xml><?xml version="1.0" encoding="utf-8"?>
+<p:sld xmlns:a="http://schemas.openxmlformats.org/drawingml/2006/main" xmlns:r="http://schemas.openxmlformats.org/officeDocument/2006/relationships" xmlns:p="http://schemas.openxmlformats.org/presentationml/2006/main">
+  <p:cSld>
+    <p:spTree>
+      <p:nvGrpSpPr>
+        <p:cNvPr id="1" name=""/>
+        <p:cNvGrpSpPr/>
+        <p:nvPr/>
+      </p:nvGrpSpPr>
+      <p:grpSpPr>
+        <a:xfrm>
+          <a:off x="0" y="0"/>
+          <a:ext cx="0" cy="0"/>
+          <a:chOff x="0" y="0"/>
+          <a:chExt cx="0" cy="0"/>
+        </a:xfrm>
+      </p:grpSpPr>
+      <p:sp>
+        <p:nvSpPr>
+          <p:cNvPr id="2" name="タイトル 1"/>
+          <p:cNvSpPr>
+            <a:spLocks noGrp="1"/>
+          </p:cNvSpPr>
+          <p:nvPr>
+            <p:ph type="title"/>
+          </p:nvPr>
+        </p:nvSpPr>
+        <p:spPr>
+          <a:xfrm>
+            <a:off x="1154083" y="-352301"/>
+            <a:ext cx="10058400" cy="1450757"/>
+          </a:xfrm>
+        </p:spPr>
+        <p:txBody>
+          <a:bodyPr/>
+          <a:lstStyle/>
+          <a:p>
+            <a:r>
+              <a:rPr kumimoji="1" lang="ja-JP" altLang="en-US" smtClean="0"/>
+              <a:t>サーバ側　単体テスト</a:t>
+            </a:r>
+            <a:endParaRPr kumimoji="1" lang="ja-JP" altLang="en-US"/>
+          </a:p>
+        </p:txBody>
+      </p:sp>
+      <p:pic>
+        <p:nvPicPr>
+          <p:cNvPr id="5" name="コンテンツ プレースホルダー 4"/>
+          <p:cNvPicPr>
+            <a:picLocks noGrp="1" noChangeAspect="1"/>
+          </p:cNvPicPr>
+          <p:nvPr>
+            <p:ph idx="1"/>
+          </p:nvPr>
+        </p:nvPicPr>
+        <p:blipFill>
+          <a:blip r:embed="rId2"/>
+          <a:stretch>
+            <a:fillRect/>
+          </a:stretch>
+        </p:blipFill>
+        <p:spPr>
+          <a:xfrm>
+            <a:off x="2335474" y="1838907"/>
+            <a:ext cx="7142738" cy="2021760"/>
+          </a:xfrm>
+          <a:prstGeom prst="rect">
+            <a:avLst/>
+          </a:prstGeom>
+        </p:spPr>
+      </p:pic>
+      <p:sp>
+        <p:nvSpPr>
+          <p:cNvPr id="4" name="スライド番号プレースホルダー 3"/>
+          <p:cNvSpPr>
+            <a:spLocks noGrp="1"/>
+          </p:cNvSpPr>
+          <p:nvPr>
+            <p:ph type="sldNum" sz="quarter" idx="12"/>
+          </p:nvPr>
+        </p:nvSpPr>
+        <p:spPr/>
+        <p:txBody>
+          <a:bodyPr/>
+          <a:lstStyle/>
+          <a:p>
+            <a:fld id="{3C3988C9-8C6C-49D7-8D82-24DA391FB063}" type="slidenum">
+              <a:rPr lang="ja-JP" altLang="en-US" smtClean="0"/>
+              <a:pPr/>
+              <a:t>15</a:t>
+            </a:fld>
+            <a:endParaRPr lang="ja-JP" altLang="en-US"/>
+          </a:p>
+        </p:txBody>
+      </p:sp>
+      <p:pic>
+        <p:nvPicPr>
+          <p:cNvPr id="6" name="図 5"/>
+          <p:cNvPicPr>
+            <a:picLocks noChangeAspect="1"/>
+          </p:cNvPicPr>
+          <p:nvPr/>
+        </p:nvPicPr>
+        <p:blipFill rotWithShape="1">
+          <a:blip r:embed="rId3"/>
+          <a:srcRect r="9591"/>
+          <a:stretch/>
+        </p:blipFill>
+        <p:spPr>
+          <a:xfrm>
+            <a:off x="2598832" y="4452926"/>
+            <a:ext cx="6616021" cy="1720440"/>
+          </a:xfrm>
+          <a:prstGeom prst="rect">
+            <a:avLst/>
+          </a:prstGeom>
+        </p:spPr>
+      </p:pic>
+      <p:sp>
+        <p:nvSpPr>
+          <p:cNvPr id="7" name="テキスト ボックス 6"/>
           <p:cNvSpPr txBox="1"/>
           <p:nvPr/>
         </p:nvSpPr>
         <p:spPr>
           <a:xfrm>
-            <a:off x="979653" y="3874958"/>
-            <a:ext cx="2264214" cy="523220"/>
+            <a:off x="4855766" y="1284015"/>
+            <a:ext cx="1992418" cy="369332"/>
           </a:xfrm>
           <a:prstGeom prst="rect">
             <a:avLst/>
@@ -14923,73 +15112,24 @@
           </a:bodyPr>
           <a:lstStyle/>
           <a:p>
-            <a:pPr marL="0" marR="0" lvl="0" indent="0" algn="l" defTabSz="914400" rtl="0" eaLnBrk="1" fontAlgn="auto" latinLnBrk="0" hangingPunct="1">
-              <a:lnSpc>
-                <a:spcPct val="100000"/>
-              </a:lnSpc>
-              <a:spcBef>
-                <a:spcPts val="0"/>
-              </a:spcBef>
-              <a:spcAft>
-                <a:spcPts val="0"/>
-              </a:spcAft>
-              <a:buClrTx/>
-              <a:buSzTx/>
-              <a:buFontTx/>
-              <a:buNone/>
-              <a:tabLst/>
-              <a:defRPr/>
-            </a:pPr>
-            <a:r>
-              <a:rPr kumimoji="1" lang="ja-JP" altLang="en-US" sz="2800" b="0" i="0" u="none" strike="noStrike" kern="1200" cap="none" spc="0" normalizeH="0" baseline="0" noProof="0" smtClean="0">
-                <a:ln>
-                  <a:noFill/>
-                </a:ln>
-                <a:solidFill>
-                  <a:prstClr val="black">
-                    <a:lumMod val="85000"/>
-                    <a:lumOff val="15000"/>
-                  </a:prstClr>
-                </a:solidFill>
-                <a:effectLst/>
-                <a:uLnTx/>
-                <a:uFillTx/>
-                <a:latin typeface="Calibri" panose="020F0502020204030204"/>
-                <a:ea typeface="ＭＳ Ｐゴシック" panose="020B0600070205080204" pitchFamily="50" charset="-128"/>
-                <a:cs typeface="+mn-cs"/>
-              </a:rPr>
-              <a:t>超音波センサ</a:t>
-            </a:r>
-            <a:endParaRPr kumimoji="1" lang="ja-JP" altLang="en-US" sz="2800" b="0" i="0" u="none" strike="noStrike" kern="1200" cap="none" spc="0" normalizeH="0" baseline="0" noProof="0">
-              <a:ln>
-                <a:noFill/>
-              </a:ln>
-              <a:solidFill>
-                <a:prstClr val="black">
-                  <a:lumMod val="85000"/>
-                  <a:lumOff val="15000"/>
-                </a:prstClr>
-              </a:solidFill>
-              <a:effectLst/>
-              <a:uLnTx/>
-              <a:uFillTx/>
-              <a:latin typeface="Calibri" panose="020F0502020204030204"/>
-              <a:ea typeface="ＭＳ Ｐゴシック" panose="020B0600070205080204" pitchFamily="50" charset="-128"/>
-              <a:cs typeface="+mn-cs"/>
-            </a:endParaRPr>
+            <a:r>
+              <a:rPr kumimoji="1" lang="ja-JP" altLang="en-US" smtClean="0"/>
+              <a:t>サーバ単体テスト</a:t>
+            </a:r>
+            <a:endParaRPr kumimoji="1" lang="ja-JP" altLang="en-US"/>
           </a:p>
         </p:txBody>
       </p:sp>
       <p:sp>
         <p:nvSpPr>
-          <p:cNvPr id="17" name="テキスト ボックス 16"/>
+          <p:cNvPr id="8" name="テキスト ボックス 7"/>
           <p:cNvSpPr txBox="1"/>
           <p:nvPr/>
         </p:nvSpPr>
         <p:spPr>
           <a:xfrm>
-            <a:off x="4610513" y="1744032"/>
-            <a:ext cx="1732315" cy="523220"/>
+            <a:off x="5036998" y="3967107"/>
+            <a:ext cx="1629953" cy="379379"/>
           </a:xfrm>
           <a:prstGeom prst="rect">
             <a:avLst/>
@@ -15002,191 +15142,110 @@
           </a:bodyPr>
           <a:lstStyle/>
           <a:p>
-            <a:pPr marL="0" marR="0" lvl="0" indent="0" algn="l" defTabSz="914400" rtl="0" eaLnBrk="1" fontAlgn="auto" latinLnBrk="0" hangingPunct="1">
-              <a:lnSpc>
-                <a:spcPct val="100000"/>
-              </a:lnSpc>
-              <a:spcBef>
-                <a:spcPts val="0"/>
-              </a:spcBef>
-              <a:spcAft>
-                <a:spcPts val="0"/>
-              </a:spcAft>
-              <a:buClrTx/>
-              <a:buSzTx/>
-              <a:buFontTx/>
-              <a:buNone/>
-              <a:tabLst/>
-              <a:defRPr/>
-            </a:pPr>
-            <a:r>
-              <a:rPr kumimoji="1" lang="en-US" altLang="ja-JP" sz="2800" b="0" i="0" u="none" strike="noStrike" kern="1200" cap="none" spc="0" normalizeH="0" baseline="0" noProof="0" smtClean="0">
-                <a:ln>
-                  <a:noFill/>
-                </a:ln>
-                <a:solidFill>
-                  <a:prstClr val="black">
-                    <a:lumMod val="85000"/>
-                    <a:lumOff val="15000"/>
-                  </a:prstClr>
-                </a:solidFill>
-                <a:effectLst/>
-                <a:uLnTx/>
-                <a:uFillTx/>
-                <a:latin typeface="Calibri" panose="020F0502020204030204"/>
-                <a:ea typeface="ＭＳ Ｐゴシック" panose="020B0600070205080204" pitchFamily="50" charset="-128"/>
-                <a:cs typeface="+mn-cs"/>
-              </a:rPr>
-              <a:t>WEB</a:t>
-            </a:r>
-            <a:r>
-              <a:rPr kumimoji="1" lang="ja-JP" altLang="en-US" sz="2800" b="0" i="0" u="none" strike="noStrike" kern="1200" cap="none" spc="0" normalizeH="0" baseline="0" noProof="0" smtClean="0">
-                <a:ln>
-                  <a:noFill/>
-                </a:ln>
-                <a:solidFill>
-                  <a:prstClr val="black">
-                    <a:lumMod val="85000"/>
-                    <a:lumOff val="15000"/>
-                  </a:prstClr>
-                </a:solidFill>
-                <a:effectLst/>
-                <a:uLnTx/>
-                <a:uFillTx/>
-                <a:latin typeface="Calibri" panose="020F0502020204030204"/>
-                <a:ea typeface="ＭＳ Ｐゴシック" panose="020B0600070205080204" pitchFamily="50" charset="-128"/>
-                <a:cs typeface="+mn-cs"/>
-              </a:rPr>
-              <a:t>カメラ</a:t>
-            </a:r>
-            <a:endParaRPr kumimoji="1" lang="ja-JP" altLang="en-US" sz="2800" b="0" i="0" u="none" strike="noStrike" kern="1200" cap="none" spc="0" normalizeH="0" baseline="0" noProof="0">
-              <a:ln>
-                <a:noFill/>
-              </a:ln>
-              <a:solidFill>
-                <a:prstClr val="black">
-                  <a:lumMod val="85000"/>
-                  <a:lumOff val="15000"/>
-                </a:prstClr>
-              </a:solidFill>
-              <a:effectLst/>
-              <a:uLnTx/>
-              <a:uFillTx/>
-              <a:latin typeface="Calibri" panose="020F0502020204030204"/>
-              <a:ea typeface="ＭＳ Ｐゴシック" panose="020B0600070205080204" pitchFamily="50" charset="-128"/>
-              <a:cs typeface="+mn-cs"/>
-            </a:endParaRPr>
+            <a:r>
+              <a:rPr kumimoji="1" lang="en-US" altLang="ja-JP" smtClean="0"/>
+              <a:t>Yolo</a:t>
+            </a:r>
+            <a:r>
+              <a:rPr kumimoji="1" lang="ja-JP" altLang="en-US" smtClean="0"/>
+              <a:t>単体テスト</a:t>
+            </a:r>
+            <a:endParaRPr kumimoji="1" lang="ja-JP" altLang="en-US"/>
           </a:p>
         </p:txBody>
       </p:sp>
-      <p:sp>
-        <p:nvSpPr>
-          <p:cNvPr id="13" name="正方形/長方形 12"/>
-          <p:cNvSpPr/>
-          <p:nvPr/>
+    </p:spTree>
+    <p:extLst>
+      <p:ext uri="{BB962C8B-B14F-4D97-AF65-F5344CB8AC3E}">
+        <p14:creationId xmlns:p14="http://schemas.microsoft.com/office/powerpoint/2010/main" val="456512312"/>
+      </p:ext>
+    </p:extLst>
+  </p:cSld>
+  <p:clrMapOvr>
+    <a:masterClrMapping/>
+  </p:clrMapOvr>
+</p:sld>
+</file>
+
+<file path=ppt/slides/slide17.xml><?xml version="1.0" encoding="utf-8"?>
+<p:sld xmlns:a="http://schemas.openxmlformats.org/drawingml/2006/main" xmlns:r="http://schemas.openxmlformats.org/officeDocument/2006/relationships" xmlns:p="http://schemas.openxmlformats.org/presentationml/2006/main">
+  <p:cSld>
+    <p:spTree>
+      <p:nvGrpSpPr>
+        <p:cNvPr id="1" name=""/>
+        <p:cNvGrpSpPr/>
+        <p:nvPr/>
+      </p:nvGrpSpPr>
+      <p:grpSpPr>
+        <a:xfrm>
+          <a:off x="0" y="0"/>
+          <a:ext cx="0" cy="0"/>
+          <a:chOff x="0" y="0"/>
+          <a:chExt cx="0" cy="0"/>
+        </a:xfrm>
+      </p:grpSpPr>
+      <p:sp>
+        <p:nvSpPr>
+          <p:cNvPr id="2" name="タイトル 1"/>
+          <p:cNvSpPr>
+            <a:spLocks noGrp="1"/>
+          </p:cNvSpPr>
+          <p:nvPr>
+            <p:ph type="title"/>
+          </p:nvPr>
         </p:nvSpPr>
         <p:spPr>
           <a:xfrm>
-            <a:off x="4851423" y="3927021"/>
-            <a:ext cx="1690148" cy="914238"/>
+            <a:off x="1154083" y="-352301"/>
+            <a:ext cx="10058400" cy="1450757"/>
           </a:xfrm>
-          <a:prstGeom prst="rect">
-            <a:avLst/>
-          </a:prstGeom>
-          <a:solidFill>
-            <a:srgbClr val="FFC000"/>
-          </a:solidFill>
-          <a:ln>
-            <a:noFill/>
-          </a:ln>
         </p:spPr>
-        <p:style>
-          <a:lnRef idx="2">
-            <a:schemeClr val="accent1">
-              <a:shade val="50000"/>
-            </a:schemeClr>
-          </a:lnRef>
-          <a:fillRef idx="1">
-            <a:schemeClr val="accent1"/>
-          </a:fillRef>
-          <a:effectRef idx="0">
-            <a:schemeClr val="accent1"/>
-          </a:effectRef>
-          <a:fontRef idx="minor">
-            <a:schemeClr val="lt1"/>
-          </a:fontRef>
-        </p:style>
         <p:txBody>
-          <a:bodyPr rtlCol="0" anchor="ctr"/>
+          <a:bodyPr/>
           <a:lstStyle/>
           <a:p>
-            <a:pPr marL="0" marR="0" lvl="0" indent="0" algn="ctr" defTabSz="914400" rtl="0" eaLnBrk="1" fontAlgn="auto" latinLnBrk="0" hangingPunct="1">
-              <a:lnSpc>
-                <a:spcPct val="100000"/>
-              </a:lnSpc>
-              <a:spcBef>
-                <a:spcPts val="0"/>
-              </a:spcBef>
-              <a:spcAft>
-                <a:spcPts val="0"/>
-              </a:spcAft>
-              <a:buClrTx/>
-              <a:buSzTx/>
-              <a:buFontTx/>
-              <a:buNone/>
-              <a:tabLst/>
-              <a:defRPr/>
-            </a:pPr>
-            <a:r>
-              <a:rPr kumimoji="1" lang="ja-JP" altLang="en-US" sz="1800" b="0" i="0" u="none" strike="noStrike" kern="1200" cap="none" spc="0" normalizeH="0" baseline="0" noProof="0" smtClean="0">
-                <a:ln>
-                  <a:noFill/>
-                </a:ln>
-                <a:solidFill>
-                  <a:prstClr val="black">
-                    <a:lumMod val="85000"/>
-                    <a:lumOff val="15000"/>
-                  </a:prstClr>
-                </a:solidFill>
-                <a:effectLst/>
-                <a:uLnTx/>
-                <a:uFillTx/>
-                <a:latin typeface="Calibri" panose="020F0502020204030204"/>
-                <a:ea typeface="ＭＳ Ｐゴシック" panose="020B0600070205080204" pitchFamily="50" charset="-128"/>
-                <a:cs typeface="+mn-cs"/>
-              </a:rPr>
-              <a:t>商品</a:t>
-            </a:r>
-            <a:endParaRPr kumimoji="1" lang="ja-JP" altLang="en-US" sz="1800" b="0" i="0" u="none" strike="noStrike" kern="1200" cap="none" spc="0" normalizeH="0" baseline="0" noProof="0">
-              <a:ln>
-                <a:noFill/>
-              </a:ln>
-              <a:solidFill>
-                <a:prstClr val="black">
-                  <a:lumMod val="85000"/>
-                  <a:lumOff val="15000"/>
-                </a:prstClr>
-              </a:solidFill>
-              <a:effectLst/>
-              <a:uLnTx/>
-              <a:uFillTx/>
-              <a:latin typeface="Calibri" panose="020F0502020204030204"/>
-              <a:ea typeface="ＭＳ Ｐゴシック" panose="020B0600070205080204" pitchFamily="50" charset="-128"/>
-              <a:cs typeface="+mn-cs"/>
-            </a:endParaRPr>
+            <a:r>
+              <a:rPr kumimoji="1" lang="ja-JP" altLang="en-US" smtClean="0"/>
+              <a:t>サーバ側　単体テスト</a:t>
+            </a:r>
+            <a:endParaRPr kumimoji="1" lang="ja-JP" altLang="en-US"/>
           </a:p>
         </p:txBody>
       </p:sp>
       <p:sp>
         <p:nvSpPr>
-          <p:cNvPr id="14" name="テキスト ボックス 13"/>
+          <p:cNvPr id="4" name="スライド番号プレースホルダー 3"/>
+          <p:cNvSpPr>
+            <a:spLocks noGrp="1"/>
+          </p:cNvSpPr>
+          <p:nvPr>
+            <p:ph type="sldNum" sz="quarter" idx="12"/>
+          </p:nvPr>
+        </p:nvSpPr>
+        <p:spPr/>
+        <p:txBody>
+          <a:bodyPr/>
+          <a:lstStyle/>
+          <a:p>
+            <a:fld id="{3C3988C9-8C6C-49D7-8D82-24DA391FB063}" type="slidenum">
+              <a:rPr lang="ja-JP" altLang="en-US" smtClean="0"/>
+              <a:pPr/>
+              <a:t>16</a:t>
+            </a:fld>
+            <a:endParaRPr lang="ja-JP" altLang="en-US"/>
+          </a:p>
+        </p:txBody>
+      </p:sp>
+      <p:sp>
+        <p:nvSpPr>
+          <p:cNvPr id="7" name="テキスト ボックス 6"/>
           <p:cNvSpPr txBox="1"/>
           <p:nvPr/>
         </p:nvSpPr>
         <p:spPr>
           <a:xfrm>
-            <a:off x="5827196" y="3716517"/>
-            <a:ext cx="1428750" cy="369332"/>
+            <a:off x="4923945" y="1355984"/>
+            <a:ext cx="2518676" cy="369332"/>
           </a:xfrm>
           <a:prstGeom prst="rect">
             <a:avLst/>
@@ -15199,458 +15258,28 @@
           </a:bodyPr>
           <a:lstStyle/>
           <a:p>
-            <a:pPr marL="0" marR="0" lvl="0" indent="0" algn="l" defTabSz="914400" rtl="0" eaLnBrk="1" fontAlgn="auto" latinLnBrk="0" hangingPunct="1">
-              <a:lnSpc>
-                <a:spcPct val="100000"/>
-              </a:lnSpc>
-              <a:spcBef>
-                <a:spcPts val="0"/>
-              </a:spcBef>
-              <a:spcAft>
-                <a:spcPts val="0"/>
-              </a:spcAft>
-              <a:buClrTx/>
-              <a:buSzTx/>
-              <a:buFontTx/>
-              <a:buNone/>
-              <a:tabLst/>
-              <a:defRPr/>
-            </a:pPr>
-            <a:r>
-              <a:rPr kumimoji="1" lang="ja-JP" altLang="en-US" sz="1800" b="0" i="0" u="none" strike="noStrike" kern="1200" cap="none" spc="0" normalizeH="0" baseline="0" noProof="0" smtClean="0">
-                <a:ln>
-                  <a:noFill/>
-                </a:ln>
-                <a:solidFill>
-                  <a:prstClr val="black"/>
-                </a:solidFill>
-                <a:effectLst/>
-                <a:uLnTx/>
-                <a:uFillTx/>
-                <a:latin typeface="Calibri" panose="020F0502020204030204"/>
-                <a:ea typeface="ＭＳ Ｐゴシック" panose="020B0600070205080204" pitchFamily="50" charset="-128"/>
-                <a:cs typeface="+mn-cs"/>
-              </a:rPr>
-              <a:t>バーコード</a:t>
-            </a:r>
-            <a:endParaRPr kumimoji="1" lang="ja-JP" altLang="en-US" sz="1800" b="0" i="0" u="none" strike="noStrike" kern="1200" cap="none" spc="0" normalizeH="0" baseline="0" noProof="0">
-              <a:ln>
-                <a:noFill/>
-              </a:ln>
-              <a:solidFill>
-                <a:prstClr val="black"/>
-              </a:solidFill>
-              <a:effectLst/>
-              <a:uLnTx/>
-              <a:uFillTx/>
-              <a:latin typeface="Calibri" panose="020F0502020204030204"/>
-              <a:ea typeface="ＭＳ Ｐゴシック" panose="020B0600070205080204" pitchFamily="50" charset="-128"/>
-              <a:cs typeface="+mn-cs"/>
-            </a:endParaRPr>
+            <a:r>
+              <a:rPr lang="ja-JP" altLang="en-US" smtClean="0"/>
+              <a:t>決済システム</a:t>
+            </a:r>
+            <a:r>
+              <a:rPr kumimoji="1" lang="ja-JP" altLang="en-US" smtClean="0"/>
+              <a:t>単体テスト</a:t>
+            </a:r>
+            <a:endParaRPr kumimoji="1" lang="ja-JP" altLang="en-US"/>
           </a:p>
         </p:txBody>
       </p:sp>
       <p:sp>
         <p:nvSpPr>
-          <p:cNvPr id="15" name="正方形/長方形 14"/>
-          <p:cNvSpPr/>
+          <p:cNvPr id="8" name="テキスト ボックス 7"/>
+          <p:cNvSpPr txBox="1"/>
           <p:nvPr/>
         </p:nvSpPr>
         <p:spPr>
           <a:xfrm>
-            <a:off x="4965864" y="3921893"/>
-            <a:ext cx="861332" cy="129282"/>
-          </a:xfrm>
-          <a:prstGeom prst="rect">
-            <a:avLst/>
-          </a:prstGeom>
-          <a:pattFill prst="narVert">
-            <a:fgClr>
-              <a:schemeClr val="tx1"/>
-            </a:fgClr>
-            <a:bgClr>
-              <a:schemeClr val="bg1"/>
-            </a:bgClr>
-          </a:pattFill>
-          <a:ln>
-            <a:noFill/>
-          </a:ln>
-        </p:spPr>
-        <p:style>
-          <a:lnRef idx="2">
-            <a:schemeClr val="accent1">
-              <a:shade val="50000"/>
-            </a:schemeClr>
-          </a:lnRef>
-          <a:fillRef idx="1">
-            <a:schemeClr val="accent1"/>
-          </a:fillRef>
-          <a:effectRef idx="0">
-            <a:schemeClr val="accent1"/>
-          </a:effectRef>
-          <a:fontRef idx="minor">
-            <a:schemeClr val="lt1"/>
-          </a:fontRef>
-        </p:style>
-        <p:txBody>
-          <a:bodyPr rtlCol="0" anchor="ctr"/>
-          <a:lstStyle/>
-          <a:p>
-            <a:pPr marL="0" marR="0" lvl="0" indent="0" algn="ctr" defTabSz="914400" rtl="0" eaLnBrk="1" fontAlgn="auto" latinLnBrk="0" hangingPunct="1">
-              <a:lnSpc>
-                <a:spcPct val="100000"/>
-              </a:lnSpc>
-              <a:spcBef>
-                <a:spcPts val="0"/>
-              </a:spcBef>
-              <a:spcAft>
-                <a:spcPts val="0"/>
-              </a:spcAft>
-              <a:buClrTx/>
-              <a:buSzTx/>
-              <a:buFontTx/>
-              <a:buNone/>
-              <a:tabLst/>
-              <a:defRPr/>
-            </a:pPr>
-            <a:endParaRPr kumimoji="1" lang="ja-JP" altLang="en-US" sz="1800" b="0" i="0" u="none" strike="noStrike" kern="1200" cap="none" spc="0" normalizeH="0" baseline="0" noProof="0">
-              <a:ln>
-                <a:noFill/>
-              </a:ln>
-              <a:solidFill>
-                <a:prstClr val="white"/>
-              </a:solidFill>
-              <a:effectLst/>
-              <a:uLnTx/>
-              <a:uFillTx/>
-              <a:latin typeface="Calibri" panose="020F0502020204030204"/>
-              <a:ea typeface="ＭＳ Ｐゴシック" panose="020B0600070205080204" pitchFamily="50" charset="-128"/>
-              <a:cs typeface="+mn-cs"/>
-            </a:endParaRPr>
-          </a:p>
-        </p:txBody>
-      </p:sp>
-      <p:sp>
-        <p:nvSpPr>
-          <p:cNvPr id="23" name="テキスト ボックス 22"/>
-          <p:cNvSpPr txBox="1"/>
-          <p:nvPr/>
-        </p:nvSpPr>
-        <p:spPr>
-          <a:xfrm>
-            <a:off x="133054" y="1856720"/>
-            <a:ext cx="2123996" cy="523220"/>
-          </a:xfrm>
-          <a:prstGeom prst="rect">
-            <a:avLst/>
-          </a:prstGeom>
-          <a:solidFill>
-            <a:srgbClr val="FF0066"/>
-          </a:solidFill>
-        </p:spPr>
-        <p:txBody>
-          <a:bodyPr wrap="square" rtlCol="0">
-            <a:spAutoFit/>
-          </a:bodyPr>
-          <a:lstStyle/>
-          <a:p>
-            <a:pPr marL="0" marR="0" lvl="0" indent="0" algn="l" defTabSz="914400" rtl="0" eaLnBrk="1" fontAlgn="auto" latinLnBrk="0" hangingPunct="1">
-              <a:lnSpc>
-                <a:spcPct val="100000"/>
-              </a:lnSpc>
-              <a:spcBef>
-                <a:spcPts val="0"/>
-              </a:spcBef>
-              <a:spcAft>
-                <a:spcPts val="0"/>
-              </a:spcAft>
-              <a:buClrTx/>
-              <a:buSzTx/>
-              <a:buFontTx/>
-              <a:buNone/>
-              <a:tabLst/>
-              <a:defRPr/>
-            </a:pPr>
-            <a:r>
-              <a:rPr kumimoji="1" lang="en-US" altLang="ja-JP" sz="2800" b="0" i="0" u="none" strike="noStrike" kern="1200" cap="none" spc="0" normalizeH="0" baseline="0" noProof="0" smtClean="0">
-                <a:ln>
-                  <a:noFill/>
-                </a:ln>
-                <a:solidFill>
-                  <a:prstClr val="white"/>
-                </a:solidFill>
-                <a:effectLst/>
-                <a:uLnTx/>
-                <a:uFillTx/>
-                <a:latin typeface="Calibri" panose="020F0502020204030204"/>
-                <a:ea typeface="ＭＳ Ｐゴシック" panose="020B0600070205080204" pitchFamily="50" charset="-128"/>
-                <a:cs typeface="+mn-cs"/>
-              </a:rPr>
-              <a:t>Raspberry pi</a:t>
-            </a:r>
-            <a:endParaRPr kumimoji="1" lang="ja-JP" altLang="en-US" sz="2800" b="0" i="0" u="none" strike="noStrike" kern="1200" cap="none" spc="0" normalizeH="0" baseline="0" noProof="0">
-              <a:ln>
-                <a:noFill/>
-              </a:ln>
-              <a:solidFill>
-                <a:prstClr val="white"/>
-              </a:solidFill>
-              <a:effectLst/>
-              <a:uLnTx/>
-              <a:uFillTx/>
-              <a:latin typeface="Calibri" panose="020F0502020204030204"/>
-              <a:ea typeface="ＭＳ Ｐゴシック" panose="020B0600070205080204" pitchFamily="50" charset="-128"/>
-              <a:cs typeface="+mn-cs"/>
-            </a:endParaRPr>
-          </a:p>
-        </p:txBody>
-      </p:sp>
-      <p:cxnSp>
-        <p:nvCxnSpPr>
-          <p:cNvPr id="20" name="直線矢印コネクタ 19"/>
-          <p:cNvCxnSpPr>
-            <a:endCxn id="15" idx="0"/>
-          </p:cNvCxnSpPr>
-          <p:nvPr/>
-        </p:nvCxnSpPr>
-        <p:spPr>
-          <a:xfrm>
-            <a:off x="5391834" y="3069788"/>
-            <a:ext cx="4696" cy="852105"/>
-          </a:xfrm>
-          <a:prstGeom prst="straightConnector1">
-            <a:avLst/>
-          </a:prstGeom>
-          <a:ln w="98425">
-            <a:solidFill>
-              <a:srgbClr val="FF0000"/>
-            </a:solidFill>
-            <a:tailEnd type="triangle"/>
-          </a:ln>
-        </p:spPr>
-        <p:style>
-          <a:lnRef idx="1">
-            <a:schemeClr val="accent1"/>
-          </a:lnRef>
-          <a:fillRef idx="0">
-            <a:schemeClr val="accent1"/>
-          </a:fillRef>
-          <a:effectRef idx="0">
-            <a:schemeClr val="accent1"/>
-          </a:effectRef>
-          <a:fontRef idx="minor">
-            <a:schemeClr val="tx1"/>
-          </a:fontRef>
-        </p:style>
-      </p:cxnSp>
-      <p:sp>
-        <p:nvSpPr>
-          <p:cNvPr id="27" name="正方形/長方形 26"/>
-          <p:cNvSpPr/>
-          <p:nvPr/>
-        </p:nvSpPr>
-        <p:spPr>
-          <a:xfrm>
-            <a:off x="3822864" y="4841258"/>
-            <a:ext cx="3869871" cy="1386285"/>
-          </a:xfrm>
-          <a:prstGeom prst="rect">
-            <a:avLst/>
-          </a:prstGeom>
-          <a:noFill/>
-          <a:ln>
-            <a:solidFill>
-              <a:srgbClr val="1CADE4"/>
-            </a:solidFill>
-          </a:ln>
-        </p:spPr>
-        <p:style>
-          <a:lnRef idx="2">
-            <a:schemeClr val="accent1">
-              <a:shade val="50000"/>
-            </a:schemeClr>
-          </a:lnRef>
-          <a:fillRef idx="1">
-            <a:schemeClr val="accent1"/>
-          </a:fillRef>
-          <a:effectRef idx="0">
-            <a:schemeClr val="accent1"/>
-          </a:effectRef>
-          <a:fontRef idx="minor">
-            <a:schemeClr val="lt1"/>
-          </a:fontRef>
-        </p:style>
-        <p:txBody>
-          <a:bodyPr rtlCol="0" anchor="ctr"/>
-          <a:lstStyle/>
-          <a:p>
-            <a:pPr marL="0" marR="0" lvl="0" indent="0" algn="ctr" defTabSz="914400" rtl="0" eaLnBrk="1" fontAlgn="auto" latinLnBrk="0" hangingPunct="1">
-              <a:lnSpc>
-                <a:spcPct val="100000"/>
-              </a:lnSpc>
-              <a:spcBef>
-                <a:spcPts val="0"/>
-              </a:spcBef>
-              <a:spcAft>
-                <a:spcPts val="0"/>
-              </a:spcAft>
-              <a:buClrTx/>
-              <a:buSzTx/>
-              <a:buFontTx/>
-              <a:buNone/>
-              <a:tabLst/>
-              <a:defRPr/>
-            </a:pPr>
-            <a:endParaRPr kumimoji="1" lang="ja-JP" altLang="en-US" sz="1800" b="0" i="0" u="none" strike="noStrike" kern="1200" cap="none" spc="0" normalizeH="0" baseline="0" noProof="0">
-              <a:ln>
-                <a:noFill/>
-              </a:ln>
-              <a:solidFill>
-                <a:prstClr val="white"/>
-              </a:solidFill>
-              <a:effectLst/>
-              <a:uLnTx/>
-              <a:uFillTx/>
-              <a:latin typeface="Calibri" panose="020F0502020204030204"/>
-              <a:ea typeface="ＭＳ Ｐゴシック" panose="020B0600070205080204" pitchFamily="50" charset="-128"/>
-              <a:cs typeface="+mn-cs"/>
-            </a:endParaRPr>
-          </a:p>
-        </p:txBody>
-      </p:sp>
-      <p:pic>
-        <p:nvPicPr>
-          <p:cNvPr id="1034" name="Picture 10" descr="https://1.bp.blogspot.com/-65XO6-LHzX0/XOdok0AgpzI/AAAAAAABS9E/0zYxUYo-Bc8j4knBUKg9CmuotJQu29HyACLcBGAs/s800/led_blue.png"/>
-          <p:cNvPicPr>
-            <a:picLocks noChangeAspect="1" noChangeArrowheads="1"/>
-          </p:cNvPicPr>
-          <p:nvPr/>
-        </p:nvPicPr>
-        <p:blipFill>
-          <a:blip r:embed="rId7" cstate="print">
-            <a:extLst>
-              <a:ext uri="{28A0092B-C50C-407E-A947-70E740481C1C}">
-                <a14:useLocalDpi xmlns:a14="http://schemas.microsoft.com/office/drawing/2010/main" val="0"/>
-              </a:ext>
-            </a:extLst>
-          </a:blip>
-          <a:srcRect/>
-          <a:stretch>
-            <a:fillRect/>
-          </a:stretch>
-        </p:blipFill>
-        <p:spPr bwMode="auto">
-          <a:xfrm>
-            <a:off x="6408919" y="3003342"/>
-            <a:ext cx="453016" cy="641503"/>
-          </a:xfrm>
-          <a:prstGeom prst="rect">
-            <a:avLst/>
-          </a:prstGeom>
-          <a:noFill/>
-          <a:extLst>
-            <a:ext uri="{909E8E84-426E-40DD-AFC4-6F175D3DCCD1}">
-              <a14:hiddenFill xmlns:a14="http://schemas.microsoft.com/office/drawing/2010/main">
-                <a:solidFill>
-                  <a:srgbClr val="FFFFFF"/>
-                </a:solidFill>
-              </a14:hiddenFill>
-            </a:ext>
-          </a:extLst>
-        </p:spPr>
-      </p:pic>
-      <p:pic>
-        <p:nvPicPr>
-          <p:cNvPr id="1036" name="Picture 12" descr="青色発光ダイオードのイラスト（黄色）"/>
-          <p:cNvPicPr>
-            <a:picLocks noChangeAspect="1" noChangeArrowheads="1"/>
-          </p:cNvPicPr>
-          <p:nvPr/>
-        </p:nvPicPr>
-        <p:blipFill>
-          <a:blip r:embed="rId8" cstate="print">
-            <a:extLst>
-              <a:ext uri="{28A0092B-C50C-407E-A947-70E740481C1C}">
-                <a14:useLocalDpi xmlns:a14="http://schemas.microsoft.com/office/drawing/2010/main" val="0"/>
-              </a:ext>
-            </a:extLst>
-          </a:blip>
-          <a:srcRect/>
-          <a:stretch>
-            <a:fillRect/>
-          </a:stretch>
-        </p:blipFill>
-        <p:spPr bwMode="auto">
-          <a:xfrm>
-            <a:off x="6773839" y="2998491"/>
-            <a:ext cx="457065" cy="646354"/>
-          </a:xfrm>
-          <a:prstGeom prst="rect">
-            <a:avLst/>
-          </a:prstGeom>
-          <a:noFill/>
-          <a:extLst>
-            <a:ext uri="{909E8E84-426E-40DD-AFC4-6F175D3DCCD1}">
-              <a14:hiddenFill xmlns:a14="http://schemas.microsoft.com/office/drawing/2010/main">
-                <a:solidFill>
-                  <a:srgbClr val="FFFFFF"/>
-                </a:solidFill>
-              </a14:hiddenFill>
-            </a:ext>
-          </a:extLst>
-        </p:spPr>
-      </p:pic>
-      <p:pic>
-        <p:nvPicPr>
-          <p:cNvPr id="1038" name="Picture 14" descr="https://2.bp.blogspot.com/-eQeSANn3d7w/XOdonDysX7I/AAAAAAABS9M/JO5J4PGA-3sNNUTozs-x12CsLEpHb3wIACLcBGAs/s800/led_red.png"/>
-          <p:cNvPicPr>
-            <a:picLocks noChangeAspect="1" noChangeArrowheads="1"/>
-          </p:cNvPicPr>
-          <p:nvPr/>
-        </p:nvPicPr>
-        <p:blipFill>
-          <a:blip r:embed="rId9" cstate="print">
-            <a:extLst>
-              <a:ext uri="{28A0092B-C50C-407E-A947-70E740481C1C}">
-                <a14:useLocalDpi xmlns:a14="http://schemas.microsoft.com/office/drawing/2010/main" val="0"/>
-              </a:ext>
-            </a:extLst>
-          </a:blip>
-          <a:srcRect/>
-          <a:stretch>
-            <a:fillRect/>
-          </a:stretch>
-        </p:blipFill>
-        <p:spPr bwMode="auto">
-          <a:xfrm>
-            <a:off x="7176542" y="2998491"/>
-            <a:ext cx="456442" cy="646354"/>
-          </a:xfrm>
-          <a:prstGeom prst="rect">
-            <a:avLst/>
-          </a:prstGeom>
-          <a:noFill/>
-          <a:extLst>
-            <a:ext uri="{909E8E84-426E-40DD-AFC4-6F175D3DCCD1}">
-              <a14:hiddenFill xmlns:a14="http://schemas.microsoft.com/office/drawing/2010/main">
-                <a:solidFill>
-                  <a:srgbClr val="FFFFFF"/>
-                </a:solidFill>
-              </a14:hiddenFill>
-            </a:ext>
-          </a:extLst>
-        </p:spPr>
-      </p:pic>
-      <p:sp>
-        <p:nvSpPr>
-          <p:cNvPr id="37" name="テキスト ボックス 36"/>
-          <p:cNvSpPr txBox="1"/>
-          <p:nvPr/>
-        </p:nvSpPr>
-        <p:spPr>
-          <a:xfrm>
-            <a:off x="6655780" y="2520422"/>
-            <a:ext cx="726917" cy="523220"/>
+            <a:off x="4982595" y="4665237"/>
+            <a:ext cx="2401376" cy="379379"/>
           </a:xfrm>
           <a:prstGeom prst="rect">
             <a:avLst/>
@@ -15663,829 +15292,145 @@
           </a:bodyPr>
           <a:lstStyle/>
           <a:p>
-            <a:pPr marL="0" marR="0" lvl="0" indent="0" algn="l" defTabSz="914400" rtl="0" eaLnBrk="1" fontAlgn="auto" latinLnBrk="0" hangingPunct="1">
-              <a:lnSpc>
-                <a:spcPct val="100000"/>
-              </a:lnSpc>
-              <a:spcBef>
-                <a:spcPts val="0"/>
-              </a:spcBef>
-              <a:spcAft>
-                <a:spcPts val="0"/>
-              </a:spcAft>
-              <a:buClrTx/>
-              <a:buSzTx/>
-              <a:buFontTx/>
-              <a:buNone/>
-              <a:tabLst/>
-              <a:defRPr/>
-            </a:pPr>
-            <a:r>
-              <a:rPr kumimoji="1" lang="en-US" altLang="ja-JP" sz="2800" b="0" i="0" u="none" strike="noStrike" kern="1200" cap="none" spc="0" normalizeH="0" baseline="0" noProof="0" smtClean="0">
-                <a:ln>
-                  <a:noFill/>
-                </a:ln>
-                <a:solidFill>
-                  <a:prstClr val="black">
-                    <a:lumMod val="85000"/>
-                    <a:lumOff val="15000"/>
-                  </a:prstClr>
-                </a:solidFill>
-                <a:effectLst/>
-                <a:uLnTx/>
-                <a:uFillTx/>
-                <a:latin typeface="Calibri" panose="020F0502020204030204"/>
-                <a:ea typeface="ＭＳ Ｐゴシック" panose="020B0600070205080204" pitchFamily="50" charset="-128"/>
-                <a:cs typeface="+mn-cs"/>
-              </a:rPr>
-              <a:t>LED</a:t>
-            </a:r>
-            <a:endParaRPr kumimoji="1" lang="ja-JP" altLang="en-US" sz="2800" b="0" i="0" u="none" strike="noStrike" kern="1200" cap="none" spc="0" normalizeH="0" baseline="0" noProof="0">
-              <a:ln>
-                <a:noFill/>
-              </a:ln>
-              <a:solidFill>
-                <a:prstClr val="black">
-                  <a:lumMod val="85000"/>
-                  <a:lumOff val="15000"/>
-                </a:prstClr>
-              </a:solidFill>
-              <a:effectLst/>
-              <a:uLnTx/>
-              <a:uFillTx/>
-              <a:latin typeface="Calibri" panose="020F0502020204030204"/>
-              <a:ea typeface="ＭＳ Ｐゴシック" panose="020B0600070205080204" pitchFamily="50" charset="-128"/>
-              <a:cs typeface="+mn-cs"/>
-            </a:endParaRPr>
+            <a:r>
+              <a:rPr lang="ja-JP" altLang="en-US" smtClean="0"/>
+              <a:t>商品情報</a:t>
+            </a:r>
+            <a:r>
+              <a:rPr lang="en-US" altLang="ja-JP" smtClean="0"/>
+              <a:t>DB</a:t>
+            </a:r>
+            <a:r>
+              <a:rPr kumimoji="1" lang="ja-JP" altLang="en-US" smtClean="0"/>
+              <a:t>単体テスト</a:t>
+            </a:r>
+            <a:endParaRPr kumimoji="1" lang="ja-JP" altLang="en-US"/>
           </a:p>
         </p:txBody>
       </p:sp>
       <p:pic>
         <p:nvPicPr>
-          <p:cNvPr id="1040" name="Picture 16" descr="サーバーのイラスト（1台）"/>
+          <p:cNvPr id="9" name="図 8"/>
           <p:cNvPicPr>
-            <a:picLocks noChangeAspect="1" noChangeArrowheads="1"/>
+            <a:picLocks noChangeAspect="1"/>
           </p:cNvPicPr>
           <p:nvPr/>
         </p:nvPicPr>
         <p:blipFill>
-          <a:blip r:embed="rId10">
-            <a:extLst>
-              <a:ext uri="{28A0092B-C50C-407E-A947-70E740481C1C}">
-                <a14:useLocalDpi xmlns:a14="http://schemas.microsoft.com/office/drawing/2010/main" val="0"/>
-              </a:ext>
-            </a:extLst>
-          </a:blip>
-          <a:srcRect/>
+          <a:blip r:embed="rId2"/>
           <a:stretch>
             <a:fillRect/>
           </a:stretch>
         </p:blipFill>
-        <p:spPr bwMode="auto">
+        <p:spPr>
           <a:xfrm>
-            <a:off x="10250333" y="3382479"/>
-            <a:ext cx="1648776" cy="1951214"/>
+            <a:off x="2855195" y="1807809"/>
+            <a:ext cx="6656176" cy="2692440"/>
           </a:xfrm>
           <a:prstGeom prst="rect">
             <a:avLst/>
           </a:prstGeom>
-          <a:noFill/>
-          <a:extLst>
-            <a:ext uri="{909E8E84-426E-40DD-AFC4-6F175D3DCCD1}">
-              <a14:hiddenFill xmlns:a14="http://schemas.microsoft.com/office/drawing/2010/main">
-                <a:solidFill>
-                  <a:srgbClr val="FFFFFF"/>
-                </a:solidFill>
-              </a14:hiddenFill>
-            </a:ext>
-          </a:extLst>
         </p:spPr>
       </p:pic>
-      <p:sp>
-        <p:nvSpPr>
-          <p:cNvPr id="43" name="角丸四角形 42"/>
-          <p:cNvSpPr/>
+      <p:pic>
+        <p:nvPicPr>
+          <p:cNvPr id="10" name="図 9"/>
+          <p:cNvPicPr>
+            <a:picLocks noChangeAspect="1"/>
+          </p:cNvPicPr>
           <p:nvPr/>
-        </p:nvSpPr>
+        </p:nvPicPr>
+        <p:blipFill>
+          <a:blip r:embed="rId3"/>
+          <a:stretch>
+            <a:fillRect/>
+          </a:stretch>
+        </p:blipFill>
         <p:spPr>
           <a:xfrm>
-            <a:off x="10114352" y="1735867"/>
-            <a:ext cx="1624065" cy="4568679"/>
-          </a:xfrm>
-          <a:prstGeom prst="roundRect">
-            <a:avLst/>
-          </a:prstGeom>
-          <a:noFill/>
-          <a:ln w="127000">
-            <a:solidFill>
-              <a:schemeClr val="accent5"/>
-            </a:solidFill>
-          </a:ln>
-        </p:spPr>
-        <p:style>
-          <a:lnRef idx="2">
-            <a:schemeClr val="accent1">
-              <a:shade val="50000"/>
-            </a:schemeClr>
-          </a:lnRef>
-          <a:fillRef idx="1">
-            <a:schemeClr val="accent1"/>
-          </a:fillRef>
-          <a:effectRef idx="0">
-            <a:schemeClr val="accent1"/>
-          </a:effectRef>
-          <a:fontRef idx="minor">
-            <a:schemeClr val="lt1"/>
-          </a:fontRef>
-        </p:style>
-        <p:txBody>
-          <a:bodyPr rtlCol="0" anchor="ctr"/>
-          <a:lstStyle/>
-          <a:p>
-            <a:pPr marL="0" marR="0" lvl="0" indent="0" algn="ctr" defTabSz="914400" rtl="0" eaLnBrk="1" fontAlgn="auto" latinLnBrk="0" hangingPunct="1">
-              <a:lnSpc>
-                <a:spcPct val="100000"/>
-              </a:lnSpc>
-              <a:spcBef>
-                <a:spcPts val="0"/>
-              </a:spcBef>
-              <a:spcAft>
-                <a:spcPts val="0"/>
-              </a:spcAft>
-              <a:buClrTx/>
-              <a:buSzTx/>
-              <a:buFontTx/>
-              <a:buNone/>
-              <a:tabLst/>
-              <a:defRPr/>
-            </a:pPr>
-            <a:endParaRPr kumimoji="1" lang="ja-JP" altLang="en-US" sz="1800" b="0" i="0" u="none" strike="noStrike" kern="1200" cap="none" spc="0" normalizeH="0" baseline="0" noProof="0">
-              <a:ln>
-                <a:noFill/>
-              </a:ln>
-              <a:solidFill>
-                <a:prstClr val="white"/>
-              </a:solidFill>
-              <a:effectLst/>
-              <a:uLnTx/>
-              <a:uFillTx/>
-              <a:latin typeface="Calibri" panose="020F0502020204030204"/>
-              <a:ea typeface="ＭＳ Ｐゴシック" panose="020B0600070205080204" pitchFamily="50" charset="-128"/>
-              <a:cs typeface="+mn-cs"/>
-            </a:endParaRPr>
-          </a:p>
-        </p:txBody>
-      </p:sp>
-      <p:sp>
-        <p:nvSpPr>
-          <p:cNvPr id="31" name="右矢印 30"/>
-          <p:cNvSpPr/>
-          <p:nvPr/>
-        </p:nvSpPr>
-        <p:spPr>
-          <a:xfrm>
-            <a:off x="9211727" y="2778509"/>
-            <a:ext cx="1345689" cy="926681"/>
-          </a:xfrm>
-          <a:prstGeom prst="rightArrow">
-            <a:avLst/>
-          </a:prstGeom>
-          <a:ln>
-            <a:noFill/>
-          </a:ln>
-        </p:spPr>
-        <p:style>
-          <a:lnRef idx="2">
-            <a:schemeClr val="accent1">
-              <a:shade val="50000"/>
-            </a:schemeClr>
-          </a:lnRef>
-          <a:fillRef idx="1">
-            <a:schemeClr val="accent1"/>
-          </a:fillRef>
-          <a:effectRef idx="0">
-            <a:schemeClr val="accent1"/>
-          </a:effectRef>
-          <a:fontRef idx="minor">
-            <a:schemeClr val="lt1"/>
-          </a:fontRef>
-        </p:style>
-        <p:txBody>
-          <a:bodyPr rtlCol="0" anchor="ctr"/>
-          <a:lstStyle/>
-          <a:p>
-            <a:pPr marL="0" marR="0" lvl="0" indent="0" algn="ctr" defTabSz="914400" rtl="0" eaLnBrk="1" fontAlgn="auto" latinLnBrk="0" hangingPunct="1">
-              <a:lnSpc>
-                <a:spcPct val="100000"/>
-              </a:lnSpc>
-              <a:spcBef>
-                <a:spcPts val="0"/>
-              </a:spcBef>
-              <a:spcAft>
-                <a:spcPts val="0"/>
-              </a:spcAft>
-              <a:buClrTx/>
-              <a:buSzTx/>
-              <a:buFontTx/>
-              <a:buNone/>
-              <a:tabLst/>
-              <a:defRPr/>
-            </a:pPr>
-            <a:endParaRPr kumimoji="1" lang="ja-JP" altLang="en-US" sz="1800" b="0" i="0" u="none" strike="noStrike" kern="1200" cap="none" spc="0" normalizeH="0" baseline="0" noProof="0">
-              <a:ln>
-                <a:noFill/>
-              </a:ln>
-              <a:solidFill>
-                <a:prstClr val="white"/>
-              </a:solidFill>
-              <a:effectLst/>
-              <a:uLnTx/>
-              <a:uFillTx/>
-              <a:latin typeface="Calibri" panose="020F0502020204030204"/>
-              <a:ea typeface="ＭＳ Ｐゴシック" panose="020B0600070205080204" pitchFamily="50" charset="-128"/>
-              <a:cs typeface="+mn-cs"/>
-            </a:endParaRPr>
-          </a:p>
-        </p:txBody>
-      </p:sp>
-      <p:sp>
-        <p:nvSpPr>
-          <p:cNvPr id="45" name="右矢印 44"/>
-          <p:cNvSpPr/>
-          <p:nvPr/>
-        </p:nvSpPr>
-        <p:spPr>
-          <a:xfrm flipH="1">
-            <a:off x="9089462" y="4691113"/>
-            <a:ext cx="1345689" cy="926681"/>
-          </a:xfrm>
-          <a:prstGeom prst="rightArrow">
-            <a:avLst/>
-          </a:prstGeom>
-          <a:ln>
-            <a:noFill/>
-          </a:ln>
-        </p:spPr>
-        <p:style>
-          <a:lnRef idx="2">
-            <a:schemeClr val="accent1">
-              <a:shade val="50000"/>
-            </a:schemeClr>
-          </a:lnRef>
-          <a:fillRef idx="1">
-            <a:schemeClr val="accent1"/>
-          </a:fillRef>
-          <a:effectRef idx="0">
-            <a:schemeClr val="accent1"/>
-          </a:effectRef>
-          <a:fontRef idx="minor">
-            <a:schemeClr val="lt1"/>
-          </a:fontRef>
-        </p:style>
-        <p:txBody>
-          <a:bodyPr rtlCol="0" anchor="ctr"/>
-          <a:lstStyle/>
-          <a:p>
-            <a:pPr marL="0" marR="0" lvl="0" indent="0" algn="ctr" defTabSz="914400" rtl="0" eaLnBrk="1" fontAlgn="auto" latinLnBrk="0" hangingPunct="1">
-              <a:lnSpc>
-                <a:spcPct val="100000"/>
-              </a:lnSpc>
-              <a:spcBef>
-                <a:spcPts val="0"/>
-              </a:spcBef>
-              <a:spcAft>
-                <a:spcPts val="0"/>
-              </a:spcAft>
-              <a:buClrTx/>
-              <a:buSzTx/>
-              <a:buFontTx/>
-              <a:buNone/>
-              <a:tabLst/>
-              <a:defRPr/>
-            </a:pPr>
-            <a:endParaRPr kumimoji="1" lang="ja-JP" altLang="en-US" sz="1800" b="0" i="0" u="none" strike="noStrike" kern="1200" cap="none" spc="0" normalizeH="0" baseline="0" noProof="0">
-              <a:ln>
-                <a:noFill/>
-              </a:ln>
-              <a:solidFill>
-                <a:prstClr val="white"/>
-              </a:solidFill>
-              <a:effectLst/>
-              <a:uLnTx/>
-              <a:uFillTx/>
-              <a:latin typeface="Calibri" panose="020F0502020204030204"/>
-              <a:ea typeface="ＭＳ Ｐゴシック" panose="020B0600070205080204" pitchFamily="50" charset="-128"/>
-              <a:cs typeface="+mn-cs"/>
-            </a:endParaRPr>
-          </a:p>
-        </p:txBody>
-      </p:sp>
-      <p:sp>
-        <p:nvSpPr>
-          <p:cNvPr id="46" name="テキスト ボックス 45"/>
-          <p:cNvSpPr txBox="1"/>
-          <p:nvPr/>
-        </p:nvSpPr>
-        <p:spPr>
-          <a:xfrm>
-            <a:off x="10557416" y="1856720"/>
-            <a:ext cx="1341693" cy="523220"/>
+            <a:off x="2801673" y="5209602"/>
+            <a:ext cx="6763219" cy="748440"/>
           </a:xfrm>
           <a:prstGeom prst="rect">
             <a:avLst/>
           </a:prstGeom>
-          <a:solidFill>
-            <a:schemeClr val="accent5"/>
-          </a:solidFill>
-        </p:spPr>
-        <p:txBody>
-          <a:bodyPr wrap="square" rtlCol="0">
-            <a:spAutoFit/>
-          </a:bodyPr>
-          <a:lstStyle/>
-          <a:p>
-            <a:pPr marL="0" marR="0" lvl="0" indent="0" algn="l" defTabSz="914400" rtl="0" eaLnBrk="1" fontAlgn="auto" latinLnBrk="0" hangingPunct="1">
-              <a:lnSpc>
-                <a:spcPct val="100000"/>
-              </a:lnSpc>
-              <a:spcBef>
-                <a:spcPts val="0"/>
-              </a:spcBef>
-              <a:spcAft>
-                <a:spcPts val="0"/>
-              </a:spcAft>
-              <a:buClrTx/>
-              <a:buSzTx/>
-              <a:buFontTx/>
-              <a:buNone/>
-              <a:tabLst/>
-              <a:defRPr/>
-            </a:pPr>
-            <a:r>
-              <a:rPr kumimoji="1" lang="ja-JP" altLang="en-US" sz="2800" b="0" i="0" u="none" strike="noStrike" kern="1200" cap="none" spc="0" normalizeH="0" baseline="0" noProof="0">
-                <a:ln>
-                  <a:noFill/>
-                </a:ln>
-                <a:solidFill>
-                  <a:prstClr val="white"/>
-                </a:solidFill>
-                <a:effectLst/>
-                <a:uLnTx/>
-                <a:uFillTx/>
-                <a:latin typeface="Calibri" panose="020F0502020204030204"/>
-                <a:ea typeface="ＭＳ Ｐゴシック" panose="020B0600070205080204" pitchFamily="50" charset="-128"/>
-                <a:cs typeface="+mn-cs"/>
-              </a:rPr>
-              <a:t>サーバ</a:t>
-            </a:r>
-          </a:p>
-        </p:txBody>
-      </p:sp>
-      <p:sp>
-        <p:nvSpPr>
-          <p:cNvPr id="47" name="テキスト ボックス 46"/>
-          <p:cNvSpPr txBox="1"/>
-          <p:nvPr/>
-        </p:nvSpPr>
-        <p:spPr>
-          <a:xfrm>
-            <a:off x="7352723" y="1969336"/>
-            <a:ext cx="3082428" cy="954107"/>
-          </a:xfrm>
-          <a:prstGeom prst="rect">
-            <a:avLst/>
-          </a:prstGeom>
-          <a:solidFill>
-            <a:schemeClr val="bg1">
-              <a:lumMod val="95000"/>
-            </a:schemeClr>
-          </a:solidFill>
-        </p:spPr>
-        <p:txBody>
-          <a:bodyPr wrap="square" rtlCol="0">
-            <a:spAutoFit/>
-          </a:bodyPr>
-          <a:lstStyle/>
-          <a:p>
-            <a:pPr marL="0" marR="0" lvl="0" indent="0" algn="l" defTabSz="914400" rtl="0" eaLnBrk="1" fontAlgn="auto" latinLnBrk="0" hangingPunct="1">
-              <a:lnSpc>
-                <a:spcPct val="100000"/>
-              </a:lnSpc>
-              <a:spcBef>
-                <a:spcPts val="0"/>
-              </a:spcBef>
-              <a:spcAft>
-                <a:spcPts val="0"/>
-              </a:spcAft>
-              <a:buClrTx/>
-              <a:buSzTx/>
-              <a:buFontTx/>
-              <a:buNone/>
-              <a:tabLst/>
-              <a:defRPr/>
-            </a:pPr>
-            <a:r>
-              <a:rPr kumimoji="1" lang="ja-JP" altLang="en-US" sz="2800" b="0" i="0" u="none" strike="noStrike" kern="1200" cap="none" spc="0" normalizeH="0" baseline="0" noProof="0" smtClean="0">
-                <a:ln>
-                  <a:noFill/>
-                </a:ln>
-                <a:solidFill>
-                  <a:prstClr val="black">
-                    <a:lumMod val="85000"/>
-                    <a:lumOff val="15000"/>
-                  </a:prstClr>
-                </a:solidFill>
-                <a:effectLst/>
-                <a:uLnTx/>
-                <a:uFillTx/>
-                <a:latin typeface="Calibri" panose="020F0502020204030204"/>
-                <a:ea typeface="ＭＳ Ｐゴシック" panose="020B0600070205080204" pitchFamily="50" charset="-128"/>
-                <a:cs typeface="+mn-cs"/>
-              </a:rPr>
-              <a:t>画像データ</a:t>
-            </a:r>
-            <a:endParaRPr kumimoji="1" lang="en-US" altLang="ja-JP" sz="2800" b="0" i="0" u="none" strike="noStrike" kern="1200" cap="none" spc="0" normalizeH="0" baseline="0" noProof="0" smtClean="0">
-              <a:ln>
-                <a:noFill/>
-              </a:ln>
-              <a:solidFill>
-                <a:prstClr val="black">
-                  <a:lumMod val="85000"/>
-                  <a:lumOff val="15000"/>
-                </a:prstClr>
-              </a:solidFill>
-              <a:effectLst/>
-              <a:uLnTx/>
-              <a:uFillTx/>
-              <a:latin typeface="Calibri" panose="020F0502020204030204"/>
-              <a:ea typeface="ＭＳ Ｐゴシック" panose="020B0600070205080204" pitchFamily="50" charset="-128"/>
-              <a:cs typeface="+mn-cs"/>
-            </a:endParaRPr>
-          </a:p>
-          <a:p>
-            <a:pPr marL="0" marR="0" lvl="0" indent="0" algn="l" defTabSz="914400" rtl="0" eaLnBrk="1" fontAlgn="auto" latinLnBrk="0" hangingPunct="1">
-              <a:lnSpc>
-                <a:spcPct val="100000"/>
-              </a:lnSpc>
-              <a:spcBef>
-                <a:spcPts val="0"/>
-              </a:spcBef>
-              <a:spcAft>
-                <a:spcPts val="0"/>
-              </a:spcAft>
-              <a:buClrTx/>
-              <a:buSzTx/>
-              <a:buFontTx/>
-              <a:buNone/>
-              <a:tabLst/>
-              <a:defRPr/>
-            </a:pPr>
-            <a:r>
-              <a:rPr kumimoji="1" lang="ja-JP" altLang="en-US" sz="2800" b="0" i="0" u="none" strike="noStrike" kern="1200" cap="none" spc="0" normalizeH="0" baseline="0" noProof="0" smtClean="0">
-                <a:ln>
-                  <a:noFill/>
-                </a:ln>
-                <a:solidFill>
-                  <a:prstClr val="black">
-                    <a:lumMod val="85000"/>
-                    <a:lumOff val="15000"/>
-                  </a:prstClr>
-                </a:solidFill>
-                <a:effectLst/>
-                <a:uLnTx/>
-                <a:uFillTx/>
-                <a:latin typeface="Calibri" panose="020F0502020204030204"/>
-                <a:ea typeface="ＭＳ Ｐゴシック" panose="020B0600070205080204" pitchFamily="50" charset="-128"/>
-                <a:cs typeface="+mn-cs"/>
-              </a:rPr>
-              <a:t>フラグ</a:t>
-            </a:r>
-            <a:r>
-              <a:rPr kumimoji="1" lang="en-US" altLang="ja-JP" sz="2800" b="0" i="0" u="none" strike="noStrike" kern="1200" cap="none" spc="0" normalizeH="0" baseline="0" noProof="0" smtClean="0">
-                <a:ln>
-                  <a:noFill/>
-                </a:ln>
-                <a:solidFill>
-                  <a:prstClr val="black">
-                    <a:lumMod val="85000"/>
-                    <a:lumOff val="15000"/>
-                  </a:prstClr>
-                </a:solidFill>
-                <a:effectLst/>
-                <a:uLnTx/>
-                <a:uFillTx/>
-                <a:latin typeface="Calibri" panose="020F0502020204030204"/>
-                <a:ea typeface="ＭＳ Ｐゴシック" panose="020B0600070205080204" pitchFamily="50" charset="-128"/>
-                <a:cs typeface="+mn-cs"/>
-              </a:rPr>
-              <a:t>(</a:t>
-            </a:r>
-            <a:r>
-              <a:rPr kumimoji="1" lang="ja-JP" altLang="en-US" sz="2800" b="0" i="0" u="none" strike="noStrike" kern="1200" cap="none" spc="0" normalizeH="0" baseline="0" noProof="0" smtClean="0">
-                <a:ln>
-                  <a:noFill/>
-                </a:ln>
-                <a:solidFill>
-                  <a:prstClr val="black">
-                    <a:lumMod val="85000"/>
-                    <a:lumOff val="15000"/>
-                  </a:prstClr>
-                </a:solidFill>
-                <a:effectLst/>
-                <a:uLnTx/>
-                <a:uFillTx/>
-                <a:latin typeface="Calibri" panose="020F0502020204030204"/>
-                <a:ea typeface="ＭＳ Ｐゴシック" panose="020B0600070205080204" pitchFamily="50" charset="-128"/>
-                <a:cs typeface="+mn-cs"/>
-              </a:rPr>
-              <a:t>追加</a:t>
-            </a:r>
-            <a:r>
-              <a:rPr kumimoji="1" lang="en-US" altLang="ja-JP" sz="2800" b="0" i="0" u="none" strike="noStrike" kern="1200" cap="none" spc="0" normalizeH="0" baseline="0" noProof="0" smtClean="0">
-                <a:ln>
-                  <a:noFill/>
-                </a:ln>
-                <a:solidFill>
-                  <a:prstClr val="black">
-                    <a:lumMod val="85000"/>
-                    <a:lumOff val="15000"/>
-                  </a:prstClr>
-                </a:solidFill>
-                <a:effectLst/>
-                <a:uLnTx/>
-                <a:uFillTx/>
-                <a:latin typeface="Calibri" panose="020F0502020204030204"/>
-                <a:ea typeface="ＭＳ Ｐゴシック" panose="020B0600070205080204" pitchFamily="50" charset="-128"/>
-                <a:cs typeface="+mn-cs"/>
-              </a:rPr>
-              <a:t>or</a:t>
-            </a:r>
-            <a:r>
-              <a:rPr kumimoji="1" lang="ja-JP" altLang="en-US" sz="2800" b="0" i="0" u="none" strike="noStrike" kern="1200" cap="none" spc="0" normalizeH="0" baseline="0" noProof="0" smtClean="0">
-                <a:ln>
-                  <a:noFill/>
-                </a:ln>
-                <a:solidFill>
-                  <a:prstClr val="black">
-                    <a:lumMod val="85000"/>
-                    <a:lumOff val="15000"/>
-                  </a:prstClr>
-                </a:solidFill>
-                <a:effectLst/>
-                <a:uLnTx/>
-                <a:uFillTx/>
-                <a:latin typeface="Calibri" panose="020F0502020204030204"/>
-                <a:ea typeface="ＭＳ Ｐゴシック" panose="020B0600070205080204" pitchFamily="50" charset="-128"/>
-                <a:cs typeface="+mn-cs"/>
-              </a:rPr>
-              <a:t>削除</a:t>
-            </a:r>
-            <a:r>
-              <a:rPr kumimoji="1" lang="en-US" altLang="ja-JP" sz="2800" b="0" i="0" u="none" strike="noStrike" kern="1200" cap="none" spc="0" normalizeH="0" baseline="0" noProof="0" smtClean="0">
-                <a:ln>
-                  <a:noFill/>
-                </a:ln>
-                <a:solidFill>
-                  <a:prstClr val="black">
-                    <a:lumMod val="85000"/>
-                    <a:lumOff val="15000"/>
-                  </a:prstClr>
-                </a:solidFill>
-                <a:effectLst/>
-                <a:uLnTx/>
-                <a:uFillTx/>
-                <a:latin typeface="Calibri" panose="020F0502020204030204"/>
-                <a:ea typeface="ＭＳ Ｐゴシック" panose="020B0600070205080204" pitchFamily="50" charset="-128"/>
-                <a:cs typeface="+mn-cs"/>
-              </a:rPr>
-              <a:t>)</a:t>
-            </a:r>
-            <a:endParaRPr kumimoji="1" lang="ja-JP" altLang="en-US" sz="2800" b="0" i="0" u="none" strike="noStrike" kern="1200" cap="none" spc="0" normalizeH="0" baseline="0" noProof="0">
-              <a:ln>
-                <a:noFill/>
-              </a:ln>
-              <a:solidFill>
-                <a:prstClr val="black">
-                  <a:lumMod val="85000"/>
-                  <a:lumOff val="15000"/>
-                </a:prstClr>
-              </a:solidFill>
-              <a:effectLst/>
-              <a:uLnTx/>
-              <a:uFillTx/>
-              <a:latin typeface="Calibri" panose="020F0502020204030204"/>
-              <a:ea typeface="ＭＳ Ｐゴシック" panose="020B0600070205080204" pitchFamily="50" charset="-128"/>
-              <a:cs typeface="+mn-cs"/>
-            </a:endParaRPr>
-          </a:p>
-        </p:txBody>
-      </p:sp>
-      <p:sp>
-        <p:nvSpPr>
-          <p:cNvPr id="48" name="テキスト ボックス 47"/>
-          <p:cNvSpPr txBox="1"/>
-          <p:nvPr/>
-        </p:nvSpPr>
-        <p:spPr>
-          <a:xfrm>
-            <a:off x="9052877" y="5634514"/>
-            <a:ext cx="1663387" cy="523220"/>
-          </a:xfrm>
-          <a:prstGeom prst="rect">
-            <a:avLst/>
-          </a:prstGeom>
-          <a:solidFill>
-            <a:schemeClr val="bg1">
-              <a:lumMod val="95000"/>
-            </a:schemeClr>
-          </a:solidFill>
-        </p:spPr>
-        <p:txBody>
-          <a:bodyPr wrap="square" rtlCol="0">
-            <a:spAutoFit/>
-          </a:bodyPr>
-          <a:lstStyle/>
-          <a:p>
-            <a:pPr marL="0" marR="0" lvl="0" indent="0" algn="l" defTabSz="914400" rtl="0" eaLnBrk="1" fontAlgn="auto" latinLnBrk="0" hangingPunct="1">
-              <a:lnSpc>
-                <a:spcPct val="100000"/>
-              </a:lnSpc>
-              <a:spcBef>
-                <a:spcPts val="0"/>
-              </a:spcBef>
-              <a:spcAft>
-                <a:spcPts val="0"/>
-              </a:spcAft>
-              <a:buClrTx/>
-              <a:buSzTx/>
-              <a:buFontTx/>
-              <a:buNone/>
-              <a:tabLst/>
-              <a:defRPr/>
-            </a:pPr>
-            <a:r>
-              <a:rPr kumimoji="1" lang="en-US" altLang="ja-JP" sz="2800" b="0" i="0" u="none" strike="noStrike" kern="1200" cap="none" spc="0" normalizeH="0" baseline="0" noProof="0" smtClean="0">
-                <a:ln>
-                  <a:noFill/>
-                </a:ln>
-                <a:solidFill>
-                  <a:prstClr val="black">
-                    <a:lumMod val="85000"/>
-                    <a:lumOff val="15000"/>
-                  </a:prstClr>
-                </a:solidFill>
-                <a:effectLst/>
-                <a:uLnTx/>
-                <a:uFillTx/>
-                <a:latin typeface="Calibri" panose="020F0502020204030204"/>
-                <a:ea typeface="ＭＳ Ｐゴシック" panose="020B0600070205080204" pitchFamily="50" charset="-128"/>
-                <a:cs typeface="+mn-cs"/>
-              </a:rPr>
-              <a:t>Yes or No</a:t>
-            </a:r>
-            <a:endParaRPr kumimoji="1" lang="ja-JP" altLang="en-US" sz="2800" b="0" i="0" u="none" strike="noStrike" kern="1200" cap="none" spc="0" normalizeH="0" baseline="0" noProof="0">
-              <a:ln>
-                <a:noFill/>
-              </a:ln>
-              <a:solidFill>
-                <a:prstClr val="black">
-                  <a:lumMod val="85000"/>
-                  <a:lumOff val="15000"/>
-                </a:prstClr>
-              </a:solidFill>
-              <a:effectLst/>
-              <a:uLnTx/>
-              <a:uFillTx/>
-              <a:latin typeface="Calibri" panose="020F0502020204030204"/>
-              <a:ea typeface="ＭＳ Ｐゴシック" panose="020B0600070205080204" pitchFamily="50" charset="-128"/>
-              <a:cs typeface="+mn-cs"/>
-            </a:endParaRPr>
-          </a:p>
-        </p:txBody>
-      </p:sp>
-      <p:pic>
-        <p:nvPicPr>
-          <p:cNvPr id="1042" name="Picture 18" descr="https://images-na.ssl-images-amazon.com/images/I/51BA1m4SS6L._AC_SL1000_.jpg"/>
-          <p:cNvPicPr>
-            <a:picLocks noChangeAspect="1" noChangeArrowheads="1"/>
-          </p:cNvPicPr>
-          <p:nvPr/>
-        </p:nvPicPr>
-        <p:blipFill>
-          <a:blip r:embed="rId11" cstate="print">
-            <a:extLst>
-              <a:ext uri="{28A0092B-C50C-407E-A947-70E740481C1C}">
-                <a14:useLocalDpi xmlns:a14="http://schemas.microsoft.com/office/drawing/2010/main" val="0"/>
-              </a:ext>
-            </a:extLst>
-          </a:blip>
-          <a:srcRect/>
-          <a:stretch>
-            <a:fillRect/>
-          </a:stretch>
-        </p:blipFill>
-        <p:spPr bwMode="auto">
-          <a:xfrm>
-            <a:off x="1008846" y="3051318"/>
-            <a:ext cx="1485964" cy="802546"/>
-          </a:xfrm>
-          <a:prstGeom prst="rect">
-            <a:avLst/>
-          </a:prstGeom>
-          <a:noFill/>
-          <a:extLst>
-            <a:ext uri="{909E8E84-426E-40DD-AFC4-6F175D3DCCD1}">
-              <a14:hiddenFill xmlns:a14="http://schemas.microsoft.com/office/drawing/2010/main">
-                <a:solidFill>
-                  <a:srgbClr val="FFFFFF"/>
-                </a:solidFill>
-              </a14:hiddenFill>
-            </a:ext>
-          </a:extLst>
         </p:spPr>
       </p:pic>
-      <p:sp>
-        <p:nvSpPr>
-          <p:cNvPr id="52" name="テキスト ボックス 51"/>
-          <p:cNvSpPr txBox="1"/>
-          <p:nvPr/>
-        </p:nvSpPr>
-        <p:spPr>
-          <a:xfrm>
-            <a:off x="880682" y="2572025"/>
-            <a:ext cx="2264214" cy="523220"/>
-          </a:xfrm>
-          <a:prstGeom prst="rect">
-            <a:avLst/>
-          </a:prstGeom>
-          <a:noFill/>
-        </p:spPr>
+    </p:spTree>
+    <p:extLst>
+      <p:ext uri="{BB962C8B-B14F-4D97-AF65-F5344CB8AC3E}">
+        <p14:creationId xmlns:p14="http://schemas.microsoft.com/office/powerpoint/2010/main" val="2079186746"/>
+      </p:ext>
+    </p:extLst>
+  </p:cSld>
+  <p:clrMapOvr>
+    <a:masterClrMapping/>
+  </p:clrMapOvr>
+</p:sld>
+</file>
+
+<file path=ppt/slides/slide18.xml><?xml version="1.0" encoding="utf-8"?>
+<p:sld xmlns:a="http://schemas.openxmlformats.org/drawingml/2006/main" xmlns:r="http://schemas.openxmlformats.org/officeDocument/2006/relationships" xmlns:p="http://schemas.openxmlformats.org/presentationml/2006/main">
+  <p:cSld>
+    <p:spTree>
+      <p:nvGrpSpPr>
+        <p:cNvPr id="1" name=""/>
+        <p:cNvGrpSpPr/>
+        <p:nvPr/>
+      </p:nvGrpSpPr>
+      <p:grpSpPr>
+        <a:xfrm>
+          <a:off x="0" y="0"/>
+          <a:ext cx="0" cy="0"/>
+          <a:chOff x="0" y="0"/>
+          <a:chExt cx="0" cy="0"/>
+        </a:xfrm>
+      </p:grpSpPr>
+      <p:sp>
+        <p:nvSpPr>
+          <p:cNvPr id="2" name="タイトル 1"/>
+          <p:cNvSpPr>
+            <a:spLocks noGrp="1"/>
+          </p:cNvSpPr>
+          <p:nvPr>
+            <p:ph type="ctrTitle"/>
+          </p:nvPr>
+        </p:nvSpPr>
+        <p:spPr/>
         <p:txBody>
-          <a:bodyPr wrap="square" rtlCol="0">
-            <a:spAutoFit/>
-          </a:bodyPr>
+          <a:bodyPr/>
           <a:lstStyle/>
           <a:p>
-            <a:pPr marL="0" marR="0" lvl="0" indent="0" algn="l" defTabSz="914400" rtl="0" eaLnBrk="1" fontAlgn="auto" latinLnBrk="0" hangingPunct="1">
-              <a:lnSpc>
-                <a:spcPct val="100000"/>
-              </a:lnSpc>
-              <a:spcBef>
-                <a:spcPts val="0"/>
-              </a:spcBef>
-              <a:spcAft>
-                <a:spcPts val="0"/>
-              </a:spcAft>
-              <a:buClrTx/>
-              <a:buSzTx/>
-              <a:buFontTx/>
-              <a:buNone/>
-              <a:tabLst/>
-              <a:defRPr/>
-            </a:pPr>
-            <a:r>
-              <a:rPr kumimoji="1" lang="ja-JP" altLang="en-US" sz="2800" b="0" i="0" u="none" strike="noStrike" kern="1200" cap="none" spc="0" normalizeH="0" baseline="0" noProof="0" smtClean="0">
-                <a:ln>
-                  <a:noFill/>
-                </a:ln>
-                <a:solidFill>
-                  <a:prstClr val="black">
-                    <a:lumMod val="85000"/>
-                    <a:lumOff val="15000"/>
-                  </a:prstClr>
-                </a:solidFill>
-                <a:effectLst/>
-                <a:uLnTx/>
-                <a:uFillTx/>
-                <a:latin typeface="Calibri" panose="020F0502020204030204"/>
-                <a:ea typeface="ＭＳ Ｐゴシック" panose="020B0600070205080204" pitchFamily="50" charset="-128"/>
-                <a:cs typeface="+mn-cs"/>
-              </a:rPr>
-              <a:t>バッテリー</a:t>
-            </a:r>
-            <a:endParaRPr kumimoji="1" lang="ja-JP" altLang="en-US" sz="2800" b="0" i="0" u="none" strike="noStrike" kern="1200" cap="none" spc="0" normalizeH="0" baseline="0" noProof="0">
-              <a:ln>
-                <a:noFill/>
-              </a:ln>
-              <a:solidFill>
-                <a:prstClr val="black">
-                  <a:lumMod val="85000"/>
-                  <a:lumOff val="15000"/>
-                </a:prstClr>
-              </a:solidFill>
-              <a:effectLst/>
-              <a:uLnTx/>
-              <a:uFillTx/>
-              <a:latin typeface="Calibri" panose="020F0502020204030204"/>
-              <a:ea typeface="ＭＳ Ｐゴシック" panose="020B0600070205080204" pitchFamily="50" charset="-128"/>
-              <a:cs typeface="+mn-cs"/>
-            </a:endParaRPr>
+            <a:r>
+              <a:rPr kumimoji="1" lang="ja-JP" altLang="en-US" smtClean="0"/>
+              <a:t>結合テスト・総合テスト</a:t>
+            </a:r>
+            <a:endParaRPr kumimoji="1" lang="ja-JP" altLang="en-US"/>
           </a:p>
         </p:txBody>
       </p:sp>
       <p:sp>
         <p:nvSpPr>
-          <p:cNvPr id="3" name="スライド番号プレースホルダー 2"/>
+          <p:cNvPr id="5" name="サブタイトル 4"/>
+          <p:cNvSpPr>
+            <a:spLocks noGrp="1"/>
+          </p:cNvSpPr>
+          <p:nvPr>
+            <p:ph type="subTitle" idx="1"/>
+          </p:nvPr>
+        </p:nvSpPr>
+        <p:spPr/>
+        <p:txBody>
+          <a:bodyPr/>
+          <a:lstStyle/>
+          <a:p>
+            <a:endParaRPr kumimoji="1" lang="ja-JP" altLang="en-US"/>
+          </a:p>
+        </p:txBody>
+      </p:sp>
+      <p:sp>
+        <p:nvSpPr>
+          <p:cNvPr id="4" name="スライド番号プレースホルダー 3"/>
           <p:cNvSpPr>
             <a:spLocks noGrp="1"/>
           </p:cNvSpPr>
@@ -16499,17 +15444,314 @@
           <a:lstStyle/>
           <a:p>
             <a:fld id="{3C3988C9-8C6C-49D7-8D82-24DA391FB063}" type="slidenum">
-              <a:rPr kumimoji="1" lang="ja-JP" altLang="en-US" smtClean="0"/>
-              <a:t>12</a:t>
+              <a:rPr lang="ja-JP" altLang="en-US" smtClean="0"/>
+              <a:pPr/>
+              <a:t>17</a:t>
             </a:fld>
-            <a:endParaRPr kumimoji="1" lang="ja-JP" altLang="en-US"/>
+            <a:endParaRPr lang="ja-JP" altLang="en-US"/>
           </a:p>
         </p:txBody>
       </p:sp>
     </p:spTree>
     <p:extLst>
       <p:ext uri="{BB962C8B-B14F-4D97-AF65-F5344CB8AC3E}">
-        <p14:creationId xmlns:p14="http://schemas.microsoft.com/office/powerpoint/2010/main" val="4164989615"/>
+        <p14:creationId xmlns:p14="http://schemas.microsoft.com/office/powerpoint/2010/main" val="3874406791"/>
+      </p:ext>
+    </p:extLst>
+  </p:cSld>
+  <p:clrMapOvr>
+    <a:masterClrMapping/>
+  </p:clrMapOvr>
+</p:sld>
+</file>
+
+<file path=ppt/slides/slide19.xml><?xml version="1.0" encoding="utf-8"?>
+<p:sld xmlns:a="http://schemas.openxmlformats.org/drawingml/2006/main" xmlns:r="http://schemas.openxmlformats.org/officeDocument/2006/relationships" xmlns:p="http://schemas.openxmlformats.org/presentationml/2006/main">
+  <p:cSld>
+    <p:spTree>
+      <p:nvGrpSpPr>
+        <p:cNvPr id="1" name=""/>
+        <p:cNvGrpSpPr/>
+        <p:nvPr/>
+      </p:nvGrpSpPr>
+      <p:grpSpPr>
+        <a:xfrm>
+          <a:off x="0" y="0"/>
+          <a:ext cx="0" cy="0"/>
+          <a:chOff x="0" y="0"/>
+          <a:chExt cx="0" cy="0"/>
+        </a:xfrm>
+      </p:grpSpPr>
+      <p:sp>
+        <p:nvSpPr>
+          <p:cNvPr id="2" name="タイトル 1"/>
+          <p:cNvSpPr>
+            <a:spLocks noGrp="1"/>
+          </p:cNvSpPr>
+          <p:nvPr>
+            <p:ph type="title"/>
+          </p:nvPr>
+        </p:nvSpPr>
+        <p:spPr/>
+        <p:txBody>
+          <a:bodyPr/>
+          <a:lstStyle/>
+          <a:p>
+            <a:r>
+              <a:rPr kumimoji="1" lang="ja-JP" altLang="en-US" smtClean="0"/>
+              <a:t>結合テスト</a:t>
+            </a:r>
+            <a:endParaRPr kumimoji="1" lang="ja-JP" altLang="en-US"/>
+          </a:p>
+        </p:txBody>
+      </p:sp>
+      <p:sp>
+        <p:nvSpPr>
+          <p:cNvPr id="4" name="スライド番号プレースホルダー 3"/>
+          <p:cNvSpPr>
+            <a:spLocks noGrp="1"/>
+          </p:cNvSpPr>
+          <p:nvPr>
+            <p:ph type="sldNum" sz="quarter" idx="12"/>
+          </p:nvPr>
+        </p:nvSpPr>
+        <p:spPr/>
+        <p:txBody>
+          <a:bodyPr/>
+          <a:lstStyle/>
+          <a:p>
+            <a:fld id="{3C3988C9-8C6C-49D7-8D82-24DA391FB063}" type="slidenum">
+              <a:rPr lang="ja-JP" altLang="en-US" smtClean="0"/>
+              <a:pPr/>
+              <a:t>18</a:t>
+            </a:fld>
+            <a:endParaRPr lang="ja-JP" altLang="en-US"/>
+          </a:p>
+        </p:txBody>
+      </p:sp>
+      <p:pic>
+        <p:nvPicPr>
+          <p:cNvPr id="5" name="図 4"/>
+          <p:cNvPicPr>
+            <a:picLocks noChangeAspect="1"/>
+          </p:cNvPicPr>
+          <p:nvPr/>
+        </p:nvPicPr>
+        <p:blipFill>
+          <a:blip r:embed="rId2"/>
+          <a:stretch>
+            <a:fillRect/>
+          </a:stretch>
+        </p:blipFill>
+        <p:spPr>
+          <a:xfrm>
+            <a:off x="2273731" y="1804644"/>
+            <a:ext cx="7705497" cy="4451253"/>
+          </a:xfrm>
+          <a:prstGeom prst="rect">
+            <a:avLst/>
+          </a:prstGeom>
+        </p:spPr>
+      </p:pic>
+    </p:spTree>
+    <p:extLst>
+      <p:ext uri="{BB962C8B-B14F-4D97-AF65-F5344CB8AC3E}">
+        <p14:creationId xmlns:p14="http://schemas.microsoft.com/office/powerpoint/2010/main" val="3566653271"/>
+      </p:ext>
+    </p:extLst>
+  </p:cSld>
+  <p:clrMapOvr>
+    <a:masterClrMapping/>
+  </p:clrMapOvr>
+</p:sld>
+</file>
+
+<file path=ppt/slides/slide2.xml><?xml version="1.0" encoding="utf-8"?>
+<p:sld xmlns:a="http://schemas.openxmlformats.org/drawingml/2006/main" xmlns:r="http://schemas.openxmlformats.org/officeDocument/2006/relationships" xmlns:p="http://schemas.openxmlformats.org/presentationml/2006/main">
+  <p:cSld>
+    <p:spTree>
+      <p:nvGrpSpPr>
+        <p:cNvPr id="1" name=""/>
+        <p:cNvGrpSpPr/>
+        <p:nvPr/>
+      </p:nvGrpSpPr>
+      <p:grpSpPr>
+        <a:xfrm>
+          <a:off x="0" y="0"/>
+          <a:ext cx="0" cy="0"/>
+          <a:chOff x="0" y="0"/>
+          <a:chExt cx="0" cy="0"/>
+        </a:xfrm>
+      </p:grpSpPr>
+      <p:sp>
+        <p:nvSpPr>
+          <p:cNvPr id="2" name="タイトル 1"/>
+          <p:cNvSpPr>
+            <a:spLocks noGrp="1"/>
+          </p:cNvSpPr>
+          <p:nvPr>
+            <p:ph type="title"/>
+          </p:nvPr>
+        </p:nvSpPr>
+        <p:spPr/>
+        <p:txBody>
+          <a:bodyPr/>
+          <a:lstStyle/>
+          <a:p>
+            <a:r>
+              <a:rPr kumimoji="1" lang="ja-JP" altLang="en-US" dirty="0" smtClean="0"/>
+              <a:t>目次</a:t>
+            </a:r>
+            <a:endParaRPr kumimoji="1" lang="ja-JP" altLang="en-US" dirty="0"/>
+          </a:p>
+        </p:txBody>
+      </p:sp>
+      <p:sp>
+        <p:nvSpPr>
+          <p:cNvPr id="3" name="コンテンツ プレースホルダー 2"/>
+          <p:cNvSpPr>
+            <a:spLocks noGrp="1"/>
+          </p:cNvSpPr>
+          <p:nvPr>
+            <p:ph idx="1"/>
+          </p:nvPr>
+        </p:nvSpPr>
+        <p:spPr/>
+        <p:txBody>
+          <a:bodyPr>
+            <a:normAutofit fontScale="92500" lnSpcReduction="20000"/>
+          </a:bodyPr>
+          <a:lstStyle/>
+          <a:p>
+            <a:pPr>
+              <a:buFont typeface="Wingdings" panose="05000000000000000000" pitchFamily="2" charset="2"/>
+              <a:buChar char="l"/>
+            </a:pPr>
+            <a:r>
+              <a:rPr kumimoji="1" lang="ja-JP" altLang="en-US" sz="4000" dirty="0" smtClean="0"/>
+              <a:t>　</a:t>
+            </a:r>
+            <a:r>
+              <a:rPr lang="ja-JP" altLang="en-US" sz="4000" smtClean="0"/>
+              <a:t>研究背景</a:t>
+            </a:r>
+            <a:endParaRPr lang="en-US" altLang="ja-JP" sz="4000" dirty="0"/>
+          </a:p>
+          <a:p>
+            <a:pPr>
+              <a:buFont typeface="Wingdings" panose="05000000000000000000" pitchFamily="2" charset="2"/>
+              <a:buChar char="l"/>
+            </a:pPr>
+            <a:r>
+              <a:rPr kumimoji="1" lang="ja-JP" altLang="en-US" sz="4000" smtClean="0"/>
+              <a:t>　研究</a:t>
+            </a:r>
+            <a:r>
+              <a:rPr kumimoji="1" lang="ja-JP" altLang="en-US" sz="4000" smtClean="0"/>
+              <a:t>目的</a:t>
+            </a:r>
+            <a:endParaRPr kumimoji="1" lang="en-US" altLang="ja-JP" sz="4000" smtClean="0"/>
+          </a:p>
+          <a:p>
+            <a:pPr>
+              <a:buFont typeface="Wingdings" panose="05000000000000000000" pitchFamily="2" charset="2"/>
+              <a:buChar char="l"/>
+            </a:pPr>
+            <a:r>
+              <a:rPr kumimoji="1" lang="ja-JP" altLang="en-US" sz="4000" smtClean="0"/>
+              <a:t>　</a:t>
+            </a:r>
+            <a:r>
+              <a:rPr lang="ja-JP" altLang="en-US" sz="4000" smtClean="0"/>
+              <a:t>研究</a:t>
+            </a:r>
+            <a:r>
+              <a:rPr lang="ja-JP" altLang="en-US" sz="4000" smtClean="0"/>
+              <a:t>方針</a:t>
+            </a:r>
+            <a:endParaRPr lang="en-US" altLang="ja-JP" sz="4000" smtClean="0"/>
+          </a:p>
+          <a:p>
+            <a:pPr>
+              <a:buFont typeface="Wingdings" panose="05000000000000000000" pitchFamily="2" charset="2"/>
+              <a:buChar char="l"/>
+            </a:pPr>
+            <a:r>
+              <a:rPr lang="ja-JP" altLang="en-US" sz="4000" smtClean="0"/>
+              <a:t>　開発（要求定義～テスト）</a:t>
+            </a:r>
+            <a:endParaRPr lang="en-US" altLang="ja-JP" sz="4000" smtClean="0"/>
+          </a:p>
+          <a:p>
+            <a:pPr>
+              <a:buFont typeface="Wingdings" panose="05000000000000000000" pitchFamily="2" charset="2"/>
+              <a:buChar char="l"/>
+            </a:pPr>
+            <a:r>
+              <a:rPr lang="ja-JP" altLang="en-US" sz="4000" smtClean="0"/>
+              <a:t>　評価</a:t>
+            </a:r>
+            <a:endParaRPr lang="en-US" altLang="ja-JP" sz="4000" smtClean="0"/>
+          </a:p>
+          <a:p>
+            <a:pPr>
+              <a:buFont typeface="Wingdings" panose="05000000000000000000" pitchFamily="2" charset="2"/>
+              <a:buChar char="l"/>
+            </a:pPr>
+            <a:r>
+              <a:rPr lang="ja-JP" altLang="en-US" sz="4000"/>
+              <a:t>　</a:t>
+            </a:r>
+            <a:r>
+              <a:rPr lang="ja-JP" altLang="en-US" sz="4000" smtClean="0"/>
+              <a:t>考察</a:t>
+            </a:r>
+            <a:endParaRPr lang="en-US" altLang="ja-JP" sz="4000" smtClean="0"/>
+          </a:p>
+          <a:p>
+            <a:pPr>
+              <a:buFont typeface="Wingdings" panose="05000000000000000000" pitchFamily="2" charset="2"/>
+              <a:buChar char="l"/>
+            </a:pPr>
+            <a:r>
+              <a:rPr kumimoji="1" lang="ja-JP" altLang="en-US" sz="4000"/>
+              <a:t>　</a:t>
+            </a:r>
+            <a:r>
+              <a:rPr lang="ja-JP" altLang="en-US" sz="4000" smtClean="0"/>
+              <a:t>まとめ</a:t>
+            </a:r>
+            <a:endParaRPr kumimoji="1" lang="ja-JP" altLang="en-US" sz="4000" dirty="0"/>
+          </a:p>
+        </p:txBody>
+      </p:sp>
+      <p:sp>
+        <p:nvSpPr>
+          <p:cNvPr id="4" name="スライド番号プレースホルダー 3"/>
+          <p:cNvSpPr>
+            <a:spLocks noGrp="1"/>
+          </p:cNvSpPr>
+          <p:nvPr>
+            <p:ph type="sldNum" sz="quarter" idx="12"/>
+          </p:nvPr>
+        </p:nvSpPr>
+        <p:spPr/>
+        <p:txBody>
+          <a:bodyPr/>
+          <a:lstStyle/>
+          <a:p>
+            <a:fld id="{3C3988C9-8C6C-49D7-8D82-24DA391FB063}" type="slidenum">
+              <a:rPr kumimoji="1" lang="ja-JP" altLang="en-US" smtClean="0"/>
+              <a:t>1</a:t>
+            </a:fld>
+            <a:endParaRPr kumimoji="1" lang="ja-JP" altLang="en-US"/>
+          </a:p>
+        </p:txBody>
+      </p:sp>
+    </p:spTree>
+    <p:extLst>
+      <p:ext uri="{BB962C8B-B14F-4D97-AF65-F5344CB8AC3E}">
+        <p14:creationId xmlns:p14="http://schemas.microsoft.com/office/powerpoint/2010/main" val="1637711920"/>
       </p:ext>
     </p:extLst>
   </p:cSld>
@@ -16526,7 +15768,588 @@
 </p:sld>
 </file>
 
-<file path=ppt/slides/slide14.xml><?xml version="1.0" encoding="utf-8"?>
+<file path=ppt/slides/slide20.xml><?xml version="1.0" encoding="utf-8"?>
+<p:sld xmlns:a="http://schemas.openxmlformats.org/drawingml/2006/main" xmlns:r="http://schemas.openxmlformats.org/officeDocument/2006/relationships" xmlns:p="http://schemas.openxmlformats.org/presentationml/2006/main">
+  <p:cSld>
+    <p:spTree>
+      <p:nvGrpSpPr>
+        <p:cNvPr id="1" name=""/>
+        <p:cNvGrpSpPr/>
+        <p:nvPr/>
+      </p:nvGrpSpPr>
+      <p:grpSpPr>
+        <a:xfrm>
+          <a:off x="0" y="0"/>
+          <a:ext cx="0" cy="0"/>
+          <a:chOff x="0" y="0"/>
+          <a:chExt cx="0" cy="0"/>
+        </a:xfrm>
+      </p:grpSpPr>
+      <p:sp>
+        <p:nvSpPr>
+          <p:cNvPr id="2" name="タイトル 1"/>
+          <p:cNvSpPr>
+            <a:spLocks noGrp="1"/>
+          </p:cNvSpPr>
+          <p:nvPr>
+            <p:ph type="title"/>
+          </p:nvPr>
+        </p:nvSpPr>
+        <p:spPr/>
+        <p:txBody>
+          <a:bodyPr/>
+          <a:lstStyle/>
+          <a:p>
+            <a:r>
+              <a:rPr lang="ja-JP" altLang="en-US"/>
+              <a:t>結合テスト</a:t>
+            </a:r>
+            <a:endParaRPr kumimoji="1" lang="ja-JP" altLang="en-US"/>
+          </a:p>
+        </p:txBody>
+      </p:sp>
+      <p:sp>
+        <p:nvSpPr>
+          <p:cNvPr id="4" name="スライド番号プレースホルダー 3"/>
+          <p:cNvSpPr>
+            <a:spLocks noGrp="1"/>
+          </p:cNvSpPr>
+          <p:nvPr>
+            <p:ph type="sldNum" sz="quarter" idx="12"/>
+          </p:nvPr>
+        </p:nvSpPr>
+        <p:spPr/>
+        <p:txBody>
+          <a:bodyPr/>
+          <a:lstStyle/>
+          <a:p>
+            <a:fld id="{3C3988C9-8C6C-49D7-8D82-24DA391FB063}" type="slidenum">
+              <a:rPr lang="ja-JP" altLang="en-US" smtClean="0"/>
+              <a:pPr/>
+              <a:t>19</a:t>
+            </a:fld>
+            <a:endParaRPr lang="ja-JP" altLang="en-US"/>
+          </a:p>
+        </p:txBody>
+      </p:sp>
+      <p:pic>
+        <p:nvPicPr>
+          <p:cNvPr id="5" name="図 4"/>
+          <p:cNvPicPr>
+            <a:picLocks noChangeAspect="1"/>
+          </p:cNvPicPr>
+          <p:nvPr/>
+        </p:nvPicPr>
+        <p:blipFill>
+          <a:blip r:embed="rId2"/>
+          <a:stretch>
+            <a:fillRect/>
+          </a:stretch>
+        </p:blipFill>
+        <p:spPr>
+          <a:xfrm>
+            <a:off x="2936412" y="1848730"/>
+            <a:ext cx="6380135" cy="4499685"/>
+          </a:xfrm>
+          <a:prstGeom prst="rect">
+            <a:avLst/>
+          </a:prstGeom>
+        </p:spPr>
+      </p:pic>
+    </p:spTree>
+    <p:extLst>
+      <p:ext uri="{BB962C8B-B14F-4D97-AF65-F5344CB8AC3E}">
+        <p14:creationId xmlns:p14="http://schemas.microsoft.com/office/powerpoint/2010/main" val="3816697115"/>
+      </p:ext>
+    </p:extLst>
+  </p:cSld>
+  <p:clrMapOvr>
+    <a:masterClrMapping/>
+  </p:clrMapOvr>
+</p:sld>
+</file>
+
+<file path=ppt/slides/slide21.xml><?xml version="1.0" encoding="utf-8"?>
+<p:sld xmlns:a="http://schemas.openxmlformats.org/drawingml/2006/main" xmlns:r="http://schemas.openxmlformats.org/officeDocument/2006/relationships" xmlns:p="http://schemas.openxmlformats.org/presentationml/2006/main">
+  <p:cSld>
+    <p:spTree>
+      <p:nvGrpSpPr>
+        <p:cNvPr id="1" name=""/>
+        <p:cNvGrpSpPr/>
+        <p:nvPr/>
+      </p:nvGrpSpPr>
+      <p:grpSpPr>
+        <a:xfrm>
+          <a:off x="0" y="0"/>
+          <a:ext cx="0" cy="0"/>
+          <a:chOff x="0" y="0"/>
+          <a:chExt cx="0" cy="0"/>
+        </a:xfrm>
+      </p:grpSpPr>
+      <p:sp>
+        <p:nvSpPr>
+          <p:cNvPr id="2" name="タイトル 1"/>
+          <p:cNvSpPr>
+            <a:spLocks noGrp="1"/>
+          </p:cNvSpPr>
+          <p:nvPr>
+            <p:ph type="title"/>
+          </p:nvPr>
+        </p:nvSpPr>
+        <p:spPr/>
+        <p:txBody>
+          <a:bodyPr/>
+          <a:lstStyle/>
+          <a:p>
+            <a:r>
+              <a:rPr lang="ja-JP" altLang="en-US"/>
+              <a:t>総合テスト</a:t>
+            </a:r>
+            <a:endParaRPr kumimoji="1" lang="ja-JP" altLang="en-US"/>
+          </a:p>
+        </p:txBody>
+      </p:sp>
+      <p:sp>
+        <p:nvSpPr>
+          <p:cNvPr id="4" name="スライド番号プレースホルダー 3"/>
+          <p:cNvSpPr>
+            <a:spLocks noGrp="1"/>
+          </p:cNvSpPr>
+          <p:nvPr>
+            <p:ph type="sldNum" sz="quarter" idx="12"/>
+          </p:nvPr>
+        </p:nvSpPr>
+        <p:spPr/>
+        <p:txBody>
+          <a:bodyPr/>
+          <a:lstStyle/>
+          <a:p>
+            <a:fld id="{3C3988C9-8C6C-49D7-8D82-24DA391FB063}" type="slidenum">
+              <a:rPr lang="ja-JP" altLang="en-US" smtClean="0"/>
+              <a:pPr/>
+              <a:t>20</a:t>
+            </a:fld>
+            <a:endParaRPr lang="ja-JP" altLang="en-US"/>
+          </a:p>
+        </p:txBody>
+      </p:sp>
+      <p:pic>
+        <p:nvPicPr>
+          <p:cNvPr id="5" name="図 4"/>
+          <p:cNvPicPr>
+            <a:picLocks noChangeAspect="1"/>
+          </p:cNvPicPr>
+          <p:nvPr/>
+        </p:nvPicPr>
+        <p:blipFill>
+          <a:blip r:embed="rId2"/>
+          <a:stretch>
+            <a:fillRect/>
+          </a:stretch>
+        </p:blipFill>
+        <p:spPr>
+          <a:xfrm>
+            <a:off x="1134959" y="2173396"/>
+            <a:ext cx="9983041" cy="3461285"/>
+          </a:xfrm>
+          <a:prstGeom prst="rect">
+            <a:avLst/>
+          </a:prstGeom>
+        </p:spPr>
+      </p:pic>
+    </p:spTree>
+    <p:extLst>
+      <p:ext uri="{BB962C8B-B14F-4D97-AF65-F5344CB8AC3E}">
+        <p14:creationId xmlns:p14="http://schemas.microsoft.com/office/powerpoint/2010/main" val="525439123"/>
+      </p:ext>
+    </p:extLst>
+  </p:cSld>
+  <p:clrMapOvr>
+    <a:masterClrMapping/>
+  </p:clrMapOvr>
+</p:sld>
+</file>
+
+<file path=ppt/slides/slide22.xml><?xml version="1.0" encoding="utf-8"?>
+<p:sld xmlns:a="http://schemas.openxmlformats.org/drawingml/2006/main" xmlns:r="http://schemas.openxmlformats.org/officeDocument/2006/relationships" xmlns:p="http://schemas.openxmlformats.org/presentationml/2006/main">
+  <p:cSld>
+    <p:spTree>
+      <p:nvGrpSpPr>
+        <p:cNvPr id="1" name=""/>
+        <p:cNvGrpSpPr/>
+        <p:nvPr/>
+      </p:nvGrpSpPr>
+      <p:grpSpPr>
+        <a:xfrm>
+          <a:off x="0" y="0"/>
+          <a:ext cx="0" cy="0"/>
+          <a:chOff x="0" y="0"/>
+          <a:chExt cx="0" cy="0"/>
+        </a:xfrm>
+      </p:grpSpPr>
+      <p:sp>
+        <p:nvSpPr>
+          <p:cNvPr id="4" name="スライド番号プレースホルダー 3"/>
+          <p:cNvSpPr>
+            <a:spLocks noGrp="1"/>
+          </p:cNvSpPr>
+          <p:nvPr>
+            <p:ph type="sldNum" sz="quarter" idx="12"/>
+          </p:nvPr>
+        </p:nvSpPr>
+        <p:spPr/>
+        <p:txBody>
+          <a:bodyPr/>
+          <a:lstStyle/>
+          <a:p>
+            <a:fld id="{3C3988C9-8C6C-49D7-8D82-24DA391FB063}" type="slidenum">
+              <a:rPr lang="ja-JP" altLang="en-US" smtClean="0"/>
+              <a:pPr/>
+              <a:t>21</a:t>
+            </a:fld>
+            <a:endParaRPr lang="ja-JP" altLang="en-US"/>
+          </a:p>
+        </p:txBody>
+      </p:sp>
+      <p:sp>
+        <p:nvSpPr>
+          <p:cNvPr id="2" name="タイトル 1"/>
+          <p:cNvSpPr>
+            <a:spLocks noGrp="1"/>
+          </p:cNvSpPr>
+          <p:nvPr>
+            <p:ph type="title" idx="4294967295"/>
+          </p:nvPr>
+        </p:nvSpPr>
+        <p:spPr>
+          <a:xfrm>
+            <a:off x="867721" y="-337246"/>
+            <a:ext cx="10058400" cy="1449387"/>
+          </a:xfrm>
+        </p:spPr>
+        <p:txBody>
+          <a:bodyPr/>
+          <a:lstStyle/>
+          <a:p>
+            <a:r>
+              <a:rPr lang="ja-JP" altLang="en-US" smtClean="0"/>
+              <a:t>実装</a:t>
+            </a:r>
+            <a:r>
+              <a:rPr lang="ja-JP" altLang="en-US"/>
+              <a:t>環境</a:t>
+            </a:r>
+            <a:endParaRPr kumimoji="1" lang="ja-JP" altLang="en-US"/>
+          </a:p>
+        </p:txBody>
+      </p:sp>
+      <p:pic>
+        <p:nvPicPr>
+          <p:cNvPr id="5" name="コンテンツ プレースホルダー 4"/>
+          <p:cNvPicPr>
+            <a:picLocks noGrp="1" noChangeAspect="1"/>
+          </p:cNvPicPr>
+          <p:nvPr>
+            <p:ph idx="4294967295"/>
+          </p:nvPr>
+        </p:nvPicPr>
+        <p:blipFill>
+          <a:blip r:embed="rId2">
+            <a:extLst>
+              <a:ext uri="{28A0092B-C50C-407E-A947-70E740481C1C}">
+                <a14:useLocalDpi xmlns:a14="http://schemas.microsoft.com/office/drawing/2010/main" val="0"/>
+              </a:ext>
+            </a:extLst>
+          </a:blip>
+          <a:stretch>
+            <a:fillRect/>
+          </a:stretch>
+        </p:blipFill>
+        <p:spPr>
+          <a:xfrm>
+            <a:off x="2073275" y="3183317"/>
+            <a:ext cx="8085644" cy="2922368"/>
+          </a:xfrm>
+        </p:spPr>
+      </p:pic>
+      <p:pic>
+        <p:nvPicPr>
+          <p:cNvPr id="6" name="コンテンツ プレースホルダー 6"/>
+          <p:cNvPicPr>
+            <a:picLocks noChangeAspect="1"/>
+          </p:cNvPicPr>
+          <p:nvPr/>
+        </p:nvPicPr>
+        <p:blipFill>
+          <a:blip r:embed="rId3">
+            <a:extLst>
+              <a:ext uri="{28A0092B-C50C-407E-A947-70E740481C1C}">
+                <a14:useLocalDpi xmlns:a14="http://schemas.microsoft.com/office/drawing/2010/main" val="0"/>
+              </a:ext>
+            </a:extLst>
+          </a:blip>
+          <a:stretch>
+            <a:fillRect/>
+          </a:stretch>
+        </p:blipFill>
+        <p:spPr>
+          <a:xfrm>
+            <a:off x="867721" y="1289191"/>
+            <a:ext cx="11096512" cy="1540026"/>
+          </a:xfrm>
+          <a:prstGeom prst="rect">
+            <a:avLst/>
+          </a:prstGeom>
+          <a:ln w="19050">
+            <a:solidFill>
+              <a:schemeClr val="tx1"/>
+            </a:solidFill>
+          </a:ln>
+        </p:spPr>
+      </p:pic>
+    </p:spTree>
+    <p:extLst>
+      <p:ext uri="{BB962C8B-B14F-4D97-AF65-F5344CB8AC3E}">
+        <p14:creationId xmlns:p14="http://schemas.microsoft.com/office/powerpoint/2010/main" val="2224660520"/>
+      </p:ext>
+    </p:extLst>
+  </p:cSld>
+  <p:clrMapOvr>
+    <a:masterClrMapping/>
+  </p:clrMapOvr>
+</p:sld>
+</file>
+
+<file path=ppt/slides/slide23.xml><?xml version="1.0" encoding="utf-8"?>
+<p:sld xmlns:a="http://schemas.openxmlformats.org/drawingml/2006/main" xmlns:r="http://schemas.openxmlformats.org/officeDocument/2006/relationships" xmlns:p="http://schemas.openxmlformats.org/presentationml/2006/main">
+  <p:cSld>
+    <p:spTree>
+      <p:nvGrpSpPr>
+        <p:cNvPr id="1" name=""/>
+        <p:cNvGrpSpPr/>
+        <p:nvPr/>
+      </p:nvGrpSpPr>
+      <p:grpSpPr>
+        <a:xfrm>
+          <a:off x="0" y="0"/>
+          <a:ext cx="0" cy="0"/>
+          <a:chOff x="0" y="0"/>
+          <a:chExt cx="0" cy="0"/>
+        </a:xfrm>
+      </p:grpSpPr>
+      <p:sp>
+        <p:nvSpPr>
+          <p:cNvPr id="4" name="スライド番号プレースホルダー 3"/>
+          <p:cNvSpPr>
+            <a:spLocks noGrp="1"/>
+          </p:cNvSpPr>
+          <p:nvPr>
+            <p:ph type="sldNum" sz="quarter" idx="12"/>
+          </p:nvPr>
+        </p:nvSpPr>
+        <p:spPr/>
+        <p:txBody>
+          <a:bodyPr/>
+          <a:lstStyle/>
+          <a:p>
+            <a:fld id="{3C3988C9-8C6C-49D7-8D82-24DA391FB063}" type="slidenum">
+              <a:rPr lang="ja-JP" altLang="en-US" smtClean="0"/>
+              <a:pPr/>
+              <a:t>22</a:t>
+            </a:fld>
+            <a:endParaRPr lang="ja-JP" altLang="en-US"/>
+          </a:p>
+        </p:txBody>
+      </p:sp>
+      <p:sp>
+        <p:nvSpPr>
+          <p:cNvPr id="2" name="タイトル 1"/>
+          <p:cNvSpPr>
+            <a:spLocks noGrp="1"/>
+          </p:cNvSpPr>
+          <p:nvPr>
+            <p:ph type="title" idx="4294967295"/>
+          </p:nvPr>
+        </p:nvSpPr>
+        <p:spPr>
+          <a:xfrm>
+            <a:off x="1153672" y="194552"/>
+            <a:ext cx="9420293" cy="920109"/>
+          </a:xfrm>
+        </p:spPr>
+        <p:txBody>
+          <a:bodyPr/>
+          <a:lstStyle/>
+          <a:p>
+            <a:r>
+              <a:rPr kumimoji="1" lang="ja-JP" altLang="en-US" smtClean="0"/>
+              <a:t>使用ライブラリ</a:t>
+            </a:r>
+            <a:endParaRPr kumimoji="1" lang="ja-JP" altLang="en-US"/>
+          </a:p>
+        </p:txBody>
+      </p:sp>
+      <p:pic>
+        <p:nvPicPr>
+          <p:cNvPr id="5" name="コンテンツ プレースホルダー 4"/>
+          <p:cNvPicPr>
+            <a:picLocks noGrp="1" noChangeAspect="1"/>
+          </p:cNvPicPr>
+          <p:nvPr>
+            <p:ph idx="4294967295"/>
+          </p:nvPr>
+        </p:nvPicPr>
+        <p:blipFill>
+          <a:blip r:embed="rId2">
+            <a:extLst>
+              <a:ext uri="{28A0092B-C50C-407E-A947-70E740481C1C}">
+                <a14:useLocalDpi xmlns:a14="http://schemas.microsoft.com/office/drawing/2010/main" val="0"/>
+              </a:ext>
+            </a:extLst>
+          </a:blip>
+          <a:stretch>
+            <a:fillRect/>
+          </a:stretch>
+        </p:blipFill>
+        <p:spPr>
+          <a:xfrm>
+            <a:off x="2038888" y="1202210"/>
+            <a:ext cx="7649860" cy="4831691"/>
+          </a:xfrm>
+        </p:spPr>
+      </p:pic>
+    </p:spTree>
+    <p:extLst>
+      <p:ext uri="{BB962C8B-B14F-4D97-AF65-F5344CB8AC3E}">
+        <p14:creationId xmlns:p14="http://schemas.microsoft.com/office/powerpoint/2010/main" val="3215748412"/>
+      </p:ext>
+    </p:extLst>
+  </p:cSld>
+  <p:clrMapOvr>
+    <a:masterClrMapping/>
+  </p:clrMapOvr>
+</p:sld>
+</file>
+
+<file path=ppt/slides/slide24.xml><?xml version="1.0" encoding="utf-8"?>
+<p:sld xmlns:a="http://schemas.openxmlformats.org/drawingml/2006/main" xmlns:r="http://schemas.openxmlformats.org/officeDocument/2006/relationships" xmlns:p="http://schemas.openxmlformats.org/presentationml/2006/main">
+  <p:cSld>
+    <p:spTree>
+      <p:nvGrpSpPr>
+        <p:cNvPr id="1" name=""/>
+        <p:cNvGrpSpPr/>
+        <p:nvPr/>
+      </p:nvGrpSpPr>
+      <p:grpSpPr>
+        <a:xfrm>
+          <a:off x="0" y="0"/>
+          <a:ext cx="0" cy="0"/>
+          <a:chOff x="0" y="0"/>
+          <a:chExt cx="0" cy="0"/>
+        </a:xfrm>
+      </p:grpSpPr>
+      <p:sp>
+        <p:nvSpPr>
+          <p:cNvPr id="2" name="タイトル 1"/>
+          <p:cNvSpPr>
+            <a:spLocks noGrp="1"/>
+          </p:cNvSpPr>
+          <p:nvPr>
+            <p:ph type="title"/>
+          </p:nvPr>
+        </p:nvSpPr>
+        <p:spPr>
+          <a:xfrm>
+            <a:off x="1097280" y="318687"/>
+            <a:ext cx="10058400" cy="1450757"/>
+          </a:xfrm>
+        </p:spPr>
+        <p:txBody>
+          <a:bodyPr/>
+          <a:lstStyle/>
+          <a:p>
+            <a:r>
+              <a:rPr kumimoji="1" lang="ja-JP" altLang="en-US" smtClean="0"/>
+              <a:t>画像送信システムと各種センサ</a:t>
+            </a:r>
+            <a:endParaRPr kumimoji="1" lang="ja-JP" altLang="en-US"/>
+          </a:p>
+        </p:txBody>
+      </p:sp>
+      <p:sp>
+        <p:nvSpPr>
+          <p:cNvPr id="3" name="スライド番号プレースホルダー 2"/>
+          <p:cNvSpPr>
+            <a:spLocks noGrp="1"/>
+          </p:cNvSpPr>
+          <p:nvPr>
+            <p:ph type="sldNum" sz="quarter" idx="12"/>
+          </p:nvPr>
+        </p:nvSpPr>
+        <p:spPr/>
+        <p:txBody>
+          <a:bodyPr/>
+          <a:lstStyle/>
+          <a:p>
+            <a:fld id="{3C3988C9-8C6C-49D7-8D82-24DA391FB063}" type="slidenum">
+              <a:rPr kumimoji="1" lang="ja-JP" altLang="en-US" smtClean="0"/>
+              <a:t>23</a:t>
+            </a:fld>
+            <a:endParaRPr kumimoji="1" lang="ja-JP" altLang="en-US"/>
+          </a:p>
+        </p:txBody>
+      </p:sp>
+      <p:pic>
+        <p:nvPicPr>
+          <p:cNvPr id="4" name="図 3"/>
+          <p:cNvPicPr>
+            <a:picLocks noChangeAspect="1"/>
+          </p:cNvPicPr>
+          <p:nvPr/>
+        </p:nvPicPr>
+        <p:blipFill>
+          <a:blip r:embed="rId3" cstate="print">
+            <a:extLst>
+              <a:ext uri="{28A0092B-C50C-407E-A947-70E740481C1C}">
+                <a14:useLocalDpi xmlns:a14="http://schemas.microsoft.com/office/drawing/2010/main" val="0"/>
+              </a:ext>
+            </a:extLst>
+          </a:blip>
+          <a:stretch>
+            <a:fillRect/>
+          </a:stretch>
+        </p:blipFill>
+        <p:spPr>
+          <a:xfrm>
+            <a:off x="2644868" y="1769444"/>
+            <a:ext cx="6963224" cy="4543799"/>
+          </a:xfrm>
+          <a:prstGeom prst="rect">
+            <a:avLst/>
+          </a:prstGeom>
+        </p:spPr>
+      </p:pic>
+    </p:spTree>
+    <p:extLst>
+      <p:ext uri="{BB962C8B-B14F-4D97-AF65-F5344CB8AC3E}">
+        <p14:creationId xmlns:p14="http://schemas.microsoft.com/office/powerpoint/2010/main" val="4140971599"/>
+      </p:ext>
+    </p:extLst>
+  </p:cSld>
+  <p:clrMapOvr>
+    <a:masterClrMapping/>
+  </p:clrMapOvr>
+  <p:timing>
+    <p:tnLst>
+      <p:par>
+        <p:cTn id="1" dur="indefinite" restart="never" nodeType="tmRoot"/>
+      </p:par>
+    </p:tnLst>
+  </p:timing>
+</p:sld>
+</file>
+
+<file path=ppt/slides/slide25.xml><?xml version="1.0" encoding="utf-8"?>
 <p:sld xmlns:a="http://schemas.openxmlformats.org/drawingml/2006/main" xmlns:r="http://schemas.openxmlformats.org/officeDocument/2006/relationships" xmlns:p="http://schemas.openxmlformats.org/presentationml/2006/main">
   <p:cSld>
     <p:spTree>
@@ -16995,7 +16818,7 @@
             <a:fld id="{3C3988C9-8C6C-49D7-8D82-24DA391FB063}" type="slidenum">
               <a:rPr lang="ja-JP" altLang="en-US" smtClean="0"/>
               <a:pPr/>
-              <a:t>13</a:t>
+              <a:t>24</a:t>
             </a:fld>
             <a:endParaRPr lang="ja-JP" altLang="en-US"/>
           </a:p>
@@ -17021,7 +16844,7 @@
 </p:sld>
 </file>
 
-<file path=ppt/slides/slide15.xml><?xml version="1.0" encoding="utf-8"?>
+<file path=ppt/slides/slide26.xml><?xml version="1.0" encoding="utf-8"?>
 <p:sld xmlns:a="http://schemas.openxmlformats.org/drawingml/2006/main" xmlns:r="http://schemas.openxmlformats.org/officeDocument/2006/relationships" xmlns:p="http://schemas.openxmlformats.org/presentationml/2006/main">
   <p:cSld>
     <p:spTree>
@@ -17040,30 +16863,7 @@
       </p:grpSpPr>
       <p:sp>
         <p:nvSpPr>
-          <p:cNvPr id="2" name="タイトル 1"/>
-          <p:cNvSpPr>
-            <a:spLocks noGrp="1"/>
-          </p:cNvSpPr>
-          <p:nvPr>
-            <p:ph type="title"/>
-          </p:nvPr>
-        </p:nvSpPr>
-        <p:spPr/>
-        <p:txBody>
-          <a:bodyPr/>
-          <a:lstStyle/>
-          <a:p>
-            <a:r>
-              <a:rPr kumimoji="1" lang="ja-JP" altLang="en-US" smtClean="0"/>
-              <a:t>画像送信システムと各種センサ</a:t>
-            </a:r>
-            <a:endParaRPr kumimoji="1" lang="ja-JP" altLang="en-US"/>
-          </a:p>
-        </p:txBody>
-      </p:sp>
-      <p:sp>
-        <p:nvSpPr>
-          <p:cNvPr id="3" name="スライド番号プレースホルダー 2"/>
+          <p:cNvPr id="12" name="スライド番号プレースホルダー 11"/>
           <p:cNvSpPr>
             <a:spLocks noGrp="1"/>
           </p:cNvSpPr>
@@ -17078,46 +16878,524 @@
           <a:p>
             <a:fld id="{3C3988C9-8C6C-49D7-8D82-24DA391FB063}" type="slidenum">
               <a:rPr kumimoji="1" lang="ja-JP" altLang="en-US" smtClean="0"/>
-              <a:t>14</a:t>
+              <a:t>25</a:t>
             </a:fld>
-            <a:endParaRPr kumimoji="1" lang="ja-JP" altLang="en-US"/>
+            <a:endParaRPr kumimoji="1" lang="ja-JP" altLang="en-US" dirty="0"/>
           </a:p>
         </p:txBody>
       </p:sp>
-      <p:pic>
-        <p:nvPicPr>
-          <p:cNvPr id="4" name="図 3"/>
-          <p:cNvPicPr>
-            <a:picLocks noChangeAspect="1"/>
-          </p:cNvPicPr>
-          <p:nvPr/>
-        </p:nvPicPr>
-        <p:blipFill>
-          <a:blip r:embed="rId3" cstate="print">
-            <a:extLst>
-              <a:ext uri="{28A0092B-C50C-407E-A947-70E740481C1C}">
-                <a14:useLocalDpi xmlns:a14="http://schemas.microsoft.com/office/drawing/2010/main" val="0"/>
-              </a:ext>
-            </a:extLst>
-          </a:blip>
-          <a:stretch>
-            <a:fillRect/>
-          </a:stretch>
-        </p:blipFill>
+      <p:sp>
+        <p:nvSpPr>
+          <p:cNvPr id="3" name="タイトル 2"/>
+          <p:cNvSpPr>
+            <a:spLocks noGrp="1"/>
+          </p:cNvSpPr>
+          <p:nvPr>
+            <p:ph type="title" idx="4294967295"/>
+          </p:nvPr>
+        </p:nvSpPr>
         <p:spPr>
           <a:xfrm>
-            <a:off x="2644868" y="1769444"/>
-            <a:ext cx="6963224" cy="4543799"/>
+            <a:off x="2035629" y="245145"/>
+            <a:ext cx="10058400" cy="904875"/>
+          </a:xfrm>
+        </p:spPr>
+        <p:txBody>
+          <a:bodyPr/>
+          <a:lstStyle/>
+          <a:p>
+            <a:r>
+              <a:rPr kumimoji="1" lang="ja-JP" altLang="en-US" dirty="0"/>
+              <a:t>解析システムの実装方法</a:t>
+            </a:r>
+          </a:p>
+        </p:txBody>
+      </p:sp>
+      <p:sp>
+        <p:nvSpPr>
+          <p:cNvPr id="2" name="テキスト ボックス 1"/>
+          <p:cNvSpPr txBox="1"/>
+          <p:nvPr/>
+        </p:nvSpPr>
+        <p:spPr>
+          <a:xfrm>
+            <a:off x="1593022" y="1290989"/>
+            <a:ext cx="885213" cy="461665"/>
           </a:xfrm>
           <a:prstGeom prst="rect">
             <a:avLst/>
           </a:prstGeom>
+          <a:ln>
+            <a:noFill/>
+          </a:ln>
+          <a:effectLst/>
         </p:spPr>
-      </p:pic>
+        <p:style>
+          <a:lnRef idx="1">
+            <a:schemeClr val="accent3"/>
+          </a:lnRef>
+          <a:fillRef idx="3">
+            <a:schemeClr val="accent3"/>
+          </a:fillRef>
+          <a:effectRef idx="2">
+            <a:schemeClr val="accent3"/>
+          </a:effectRef>
+          <a:fontRef idx="minor">
+            <a:schemeClr val="lt1"/>
+          </a:fontRef>
+        </p:style>
+        <p:txBody>
+          <a:bodyPr wrap="square" rtlCol="0">
+            <a:spAutoFit/>
+          </a:bodyPr>
+          <a:lstStyle/>
+          <a:p>
+            <a:r>
+              <a:rPr kumimoji="1" lang="ja-JP" altLang="en-US" sz="2400" dirty="0"/>
+              <a:t>入力</a:t>
+            </a:r>
+          </a:p>
+        </p:txBody>
+      </p:sp>
+      <p:sp>
+        <p:nvSpPr>
+          <p:cNvPr id="5" name="テキスト ボックス 4"/>
+          <p:cNvSpPr txBox="1"/>
+          <p:nvPr/>
+        </p:nvSpPr>
+        <p:spPr>
+          <a:xfrm>
+            <a:off x="9480293" y="1261984"/>
+            <a:ext cx="840328" cy="461665"/>
+          </a:xfrm>
+          <a:prstGeom prst="rect">
+            <a:avLst/>
+          </a:prstGeom>
+          <a:ln>
+            <a:noFill/>
+          </a:ln>
+        </p:spPr>
+        <p:style>
+          <a:lnRef idx="2">
+            <a:schemeClr val="accent2">
+              <a:shade val="50000"/>
+            </a:schemeClr>
+          </a:lnRef>
+          <a:fillRef idx="1">
+            <a:schemeClr val="accent2"/>
+          </a:fillRef>
+          <a:effectRef idx="0">
+            <a:schemeClr val="accent2"/>
+          </a:effectRef>
+          <a:fontRef idx="minor">
+            <a:schemeClr val="lt1"/>
+          </a:fontRef>
+        </p:style>
+        <p:txBody>
+          <a:bodyPr wrap="square" rtlCol="0">
+            <a:spAutoFit/>
+          </a:bodyPr>
+          <a:lstStyle/>
+          <a:p>
+            <a:r>
+              <a:rPr lang="ja-JP" altLang="en-US" sz="2400" dirty="0"/>
+              <a:t>出力</a:t>
+            </a:r>
+            <a:endParaRPr kumimoji="1" lang="ja-JP" altLang="en-US" sz="2400" dirty="0"/>
+          </a:p>
+        </p:txBody>
+      </p:sp>
+      <p:sp>
+        <p:nvSpPr>
+          <p:cNvPr id="6" name="テキスト ボックス 5"/>
+          <p:cNvSpPr txBox="1"/>
+          <p:nvPr/>
+        </p:nvSpPr>
+        <p:spPr>
+          <a:xfrm>
+            <a:off x="4955413" y="1261984"/>
+            <a:ext cx="1723409" cy="461665"/>
+          </a:xfrm>
+          <a:prstGeom prst="rect">
+            <a:avLst/>
+          </a:prstGeom>
+          <a:ln>
+            <a:noFill/>
+          </a:ln>
+        </p:spPr>
+        <p:style>
+          <a:lnRef idx="2">
+            <a:schemeClr val="accent1">
+              <a:shade val="50000"/>
+            </a:schemeClr>
+          </a:lnRef>
+          <a:fillRef idx="1">
+            <a:schemeClr val="accent1"/>
+          </a:fillRef>
+          <a:effectRef idx="0">
+            <a:schemeClr val="accent1"/>
+          </a:effectRef>
+          <a:fontRef idx="minor">
+            <a:schemeClr val="lt1"/>
+          </a:fontRef>
+        </p:style>
+        <p:txBody>
+          <a:bodyPr wrap="square" rtlCol="0">
+            <a:spAutoFit/>
+          </a:bodyPr>
+          <a:lstStyle/>
+          <a:p>
+            <a:r>
+              <a:rPr lang="ja-JP" altLang="en-US" sz="2400" dirty="0"/>
+              <a:t>サーバ処理</a:t>
+            </a:r>
+            <a:endParaRPr kumimoji="1" lang="ja-JP" altLang="en-US" sz="2400" dirty="0"/>
+          </a:p>
+        </p:txBody>
+      </p:sp>
+      <p:sp>
+        <p:nvSpPr>
+          <p:cNvPr id="7" name="テキスト ボックス 6"/>
+          <p:cNvSpPr txBox="1"/>
+          <p:nvPr/>
+        </p:nvSpPr>
+        <p:spPr>
+          <a:xfrm>
+            <a:off x="370115" y="2020843"/>
+            <a:ext cx="3331028" cy="1200329"/>
+          </a:xfrm>
+          <a:prstGeom prst="rect">
+            <a:avLst/>
+          </a:prstGeom>
+          <a:solidFill>
+            <a:schemeClr val="bg1">
+              <a:lumMod val="95000"/>
+            </a:schemeClr>
+          </a:solidFill>
+          <a:ln>
+            <a:noFill/>
+          </a:ln>
+        </p:spPr>
+        <p:style>
+          <a:lnRef idx="0">
+            <a:scrgbClr r="0" g="0" b="0"/>
+          </a:lnRef>
+          <a:fillRef idx="0">
+            <a:scrgbClr r="0" g="0" b="0"/>
+          </a:fillRef>
+          <a:effectRef idx="0">
+            <a:scrgbClr r="0" g="0" b="0"/>
+          </a:effectRef>
+          <a:fontRef idx="minor">
+            <a:schemeClr val="dk1"/>
+          </a:fontRef>
+        </p:style>
+        <p:txBody>
+          <a:bodyPr wrap="square" rtlCol="0">
+            <a:spAutoFit/>
+          </a:bodyPr>
+          <a:lstStyle/>
+          <a:p>
+            <a:r>
+              <a:rPr kumimoji="1" lang="ja-JP" altLang="en-US" sz="2400" dirty="0"/>
+              <a:t>ラズベリーパイから送信された画像データと</a:t>
+            </a:r>
+            <a:endParaRPr kumimoji="1" lang="en-US" altLang="ja-JP" sz="2400" dirty="0"/>
+          </a:p>
+          <a:p>
+            <a:r>
+              <a:rPr kumimoji="1" lang="ja-JP" altLang="en-US" sz="2400" dirty="0"/>
+              <a:t>フラグ</a:t>
+            </a:r>
+            <a:r>
+              <a:rPr kumimoji="1" lang="en-US" altLang="ja-JP" sz="2400" dirty="0"/>
+              <a:t>(</a:t>
+            </a:r>
+            <a:r>
+              <a:rPr kumimoji="1" lang="ja-JP" altLang="en-US" sz="2400" dirty="0"/>
+              <a:t>追加</a:t>
+            </a:r>
+            <a:r>
+              <a:rPr kumimoji="1" lang="en-US" altLang="ja-JP" sz="2400" dirty="0"/>
+              <a:t>or</a:t>
+            </a:r>
+            <a:r>
+              <a:rPr kumimoji="1" lang="ja-JP" altLang="en-US" sz="2400" dirty="0"/>
+              <a:t>削除</a:t>
+            </a:r>
+            <a:r>
+              <a:rPr kumimoji="1" lang="en-US" altLang="ja-JP" sz="2400" dirty="0"/>
+              <a:t>)</a:t>
+            </a:r>
+            <a:endParaRPr kumimoji="1" lang="ja-JP" altLang="en-US" sz="2400" dirty="0"/>
+          </a:p>
+        </p:txBody>
+      </p:sp>
+      <p:sp>
+        <p:nvSpPr>
+          <p:cNvPr id="8" name="テキスト ボックス 7"/>
+          <p:cNvSpPr txBox="1"/>
+          <p:nvPr/>
+        </p:nvSpPr>
+        <p:spPr>
+          <a:xfrm>
+            <a:off x="4143579" y="2023148"/>
+            <a:ext cx="4049486" cy="4431983"/>
+          </a:xfrm>
+          <a:prstGeom prst="rect">
+            <a:avLst/>
+          </a:prstGeom>
+          <a:solidFill>
+            <a:schemeClr val="bg1">
+              <a:lumMod val="95000"/>
+            </a:schemeClr>
+          </a:solidFill>
+          <a:ln>
+            <a:noFill/>
+          </a:ln>
+        </p:spPr>
+        <p:style>
+          <a:lnRef idx="0">
+            <a:scrgbClr r="0" g="0" b="0"/>
+          </a:lnRef>
+          <a:fillRef idx="0">
+            <a:scrgbClr r="0" g="0" b="0"/>
+          </a:fillRef>
+          <a:effectRef idx="0">
+            <a:scrgbClr r="0" g="0" b="0"/>
+          </a:effectRef>
+          <a:fontRef idx="minor">
+            <a:schemeClr val="dk1"/>
+          </a:fontRef>
+        </p:style>
+        <p:txBody>
+          <a:bodyPr wrap="square" rtlCol="0">
+            <a:spAutoFit/>
+          </a:bodyPr>
+          <a:lstStyle/>
+          <a:p>
+            <a:r>
+              <a:rPr kumimoji="1" lang="ja-JP" altLang="en-US" sz="2400" dirty="0"/>
+              <a:t>・</a:t>
+            </a:r>
+            <a:r>
+              <a:rPr kumimoji="1" lang="en-US" altLang="ja-JP" sz="2400" dirty="0"/>
+              <a:t>Yolo</a:t>
+            </a:r>
+            <a:endParaRPr lang="en-US" altLang="ja-JP" sz="2400" dirty="0"/>
+          </a:p>
+          <a:p>
+            <a:r>
+              <a:rPr kumimoji="1" lang="ja-JP" altLang="en-US" sz="2400" dirty="0"/>
+              <a:t>画像からバーコードが写っている座標の取得</a:t>
+            </a:r>
+            <a:r>
+              <a:rPr kumimoji="1" lang="en-US" altLang="ja-JP" sz="2400" dirty="0"/>
+              <a:t>(</a:t>
+            </a:r>
+            <a:r>
+              <a:rPr kumimoji="1" lang="en-US" altLang="ja-JP" sz="2400" dirty="0" err="1"/>
+              <a:t>x,y,h,w</a:t>
+            </a:r>
+            <a:r>
+              <a:rPr kumimoji="1" lang="en-US" altLang="ja-JP" sz="2400" dirty="0"/>
+              <a:t>)</a:t>
+            </a:r>
+          </a:p>
+          <a:p>
+            <a:endParaRPr lang="en-US" altLang="ja-JP" sz="2400" dirty="0"/>
+          </a:p>
+          <a:p>
+            <a:r>
+              <a:rPr kumimoji="1" lang="ja-JP" altLang="en-US" sz="2400" dirty="0"/>
+              <a:t>・画像処理</a:t>
+            </a:r>
+            <a:endParaRPr lang="en-US" altLang="ja-JP" sz="2400" dirty="0"/>
+          </a:p>
+          <a:p>
+            <a:r>
+              <a:rPr kumimoji="1" lang="ja-JP" altLang="en-US" sz="2400" dirty="0"/>
+              <a:t>画像の切り取り、グレイスケール化</a:t>
+            </a:r>
+            <a:endParaRPr kumimoji="1" lang="en-US" altLang="ja-JP" sz="2400" dirty="0"/>
+          </a:p>
+          <a:p>
+            <a:endParaRPr lang="en-US" altLang="ja-JP" sz="2400" dirty="0"/>
+          </a:p>
+          <a:p>
+            <a:r>
+              <a:rPr kumimoji="1" lang="ja-JP" altLang="en-US" sz="2400" dirty="0"/>
+              <a:t>・</a:t>
+            </a:r>
+            <a:r>
+              <a:rPr lang="en-US" altLang="ja-JP" sz="2400" dirty="0" err="1"/>
+              <a:t>p</a:t>
+            </a:r>
+            <a:r>
+              <a:rPr kumimoji="1" lang="en-US" altLang="ja-JP" sz="2400" dirty="0" err="1"/>
+              <a:t>yzbar</a:t>
+            </a:r>
+            <a:r>
+              <a:rPr kumimoji="1" lang="ja-JP" altLang="en-US" sz="2400" dirty="0"/>
+              <a:t>グレイスケール化したバーコード画像を投げ、番号を取得</a:t>
+            </a:r>
+            <a:endParaRPr kumimoji="1" lang="en-US" altLang="ja-JP" sz="2400" dirty="0"/>
+          </a:p>
+          <a:p>
+            <a:endParaRPr kumimoji="1" lang="ja-JP" altLang="en-US" dirty="0"/>
+          </a:p>
+        </p:txBody>
+      </p:sp>
+      <p:sp>
+        <p:nvSpPr>
+          <p:cNvPr id="9" name="テキスト ボックス 8"/>
+          <p:cNvSpPr txBox="1"/>
+          <p:nvPr/>
+        </p:nvSpPr>
+        <p:spPr>
+          <a:xfrm>
+            <a:off x="8744055" y="2020843"/>
+            <a:ext cx="2312805" cy="461665"/>
+          </a:xfrm>
+          <a:prstGeom prst="rect">
+            <a:avLst/>
+          </a:prstGeom>
+          <a:solidFill>
+            <a:schemeClr val="bg1">
+              <a:lumMod val="95000"/>
+            </a:schemeClr>
+          </a:solidFill>
+          <a:ln>
+            <a:noFill/>
+          </a:ln>
+        </p:spPr>
+        <p:style>
+          <a:lnRef idx="0">
+            <a:scrgbClr r="0" g="0" b="0"/>
+          </a:lnRef>
+          <a:fillRef idx="0">
+            <a:scrgbClr r="0" g="0" b="0"/>
+          </a:fillRef>
+          <a:effectRef idx="0">
+            <a:scrgbClr r="0" g="0" b="0"/>
+          </a:effectRef>
+          <a:fontRef idx="minor">
+            <a:schemeClr val="dk1"/>
+          </a:fontRef>
+        </p:style>
+        <p:txBody>
+          <a:bodyPr wrap="square" rtlCol="0">
+            <a:spAutoFit/>
+          </a:bodyPr>
+          <a:lstStyle/>
+          <a:p>
+            <a:r>
+              <a:rPr kumimoji="1" lang="ja-JP" altLang="en-US" sz="2400" dirty="0"/>
+              <a:t>バーコード番号</a:t>
+            </a:r>
+          </a:p>
+        </p:txBody>
+      </p:sp>
     </p:spTree>
     <p:extLst>
       <p:ext uri="{BB962C8B-B14F-4D97-AF65-F5344CB8AC3E}">
-        <p14:creationId xmlns:p14="http://schemas.microsoft.com/office/powerpoint/2010/main" val="4140971599"/>
+        <p14:creationId xmlns:p14="http://schemas.microsoft.com/office/powerpoint/2010/main" val="2393621110"/>
+      </p:ext>
+    </p:extLst>
+  </p:cSld>
+  <p:clrMapOvr>
+    <a:masterClrMapping/>
+  </p:clrMapOvr>
+</p:sld>
+</file>
+
+<file path=ppt/slides/slide27.xml><?xml version="1.0" encoding="utf-8"?>
+<p:sld xmlns:a="http://schemas.openxmlformats.org/drawingml/2006/main" xmlns:r="http://schemas.openxmlformats.org/officeDocument/2006/relationships" xmlns:p="http://schemas.openxmlformats.org/presentationml/2006/main">
+  <p:cSld>
+    <p:spTree>
+      <p:nvGrpSpPr>
+        <p:cNvPr id="1" name=""/>
+        <p:cNvGrpSpPr/>
+        <p:nvPr/>
+      </p:nvGrpSpPr>
+      <p:grpSpPr>
+        <a:xfrm>
+          <a:off x="0" y="0"/>
+          <a:ext cx="0" cy="0"/>
+          <a:chOff x="0" y="0"/>
+          <a:chExt cx="0" cy="0"/>
+        </a:xfrm>
+      </p:grpSpPr>
+      <p:sp>
+        <p:nvSpPr>
+          <p:cNvPr id="2" name="タイトル 1"/>
+          <p:cNvSpPr>
+            <a:spLocks noGrp="1"/>
+          </p:cNvSpPr>
+          <p:nvPr>
+            <p:ph type="ctrTitle"/>
+          </p:nvPr>
+        </p:nvSpPr>
+        <p:spPr/>
+        <p:txBody>
+          <a:bodyPr/>
+          <a:lstStyle/>
+          <a:p>
+            <a:r>
+              <a:rPr kumimoji="1" lang="ja-JP" altLang="en-US" smtClean="0"/>
+              <a:t>評価・考察</a:t>
+            </a:r>
+            <a:endParaRPr kumimoji="1" lang="ja-JP" altLang="en-US"/>
+          </a:p>
+        </p:txBody>
+      </p:sp>
+      <p:sp>
+        <p:nvSpPr>
+          <p:cNvPr id="5" name="サブタイトル 4"/>
+          <p:cNvSpPr>
+            <a:spLocks noGrp="1"/>
+          </p:cNvSpPr>
+          <p:nvPr>
+            <p:ph type="subTitle" idx="1"/>
+          </p:nvPr>
+        </p:nvSpPr>
+        <p:spPr/>
+        <p:txBody>
+          <a:bodyPr/>
+          <a:lstStyle/>
+          <a:p>
+            <a:endParaRPr kumimoji="1" lang="ja-JP" altLang="en-US"/>
+          </a:p>
+        </p:txBody>
+      </p:sp>
+      <p:sp>
+        <p:nvSpPr>
+          <p:cNvPr id="4" name="スライド番号プレースホルダー 3"/>
+          <p:cNvSpPr>
+            <a:spLocks noGrp="1"/>
+          </p:cNvSpPr>
+          <p:nvPr>
+            <p:ph type="sldNum" sz="quarter" idx="12"/>
+          </p:nvPr>
+        </p:nvSpPr>
+        <p:spPr/>
+        <p:txBody>
+          <a:bodyPr/>
+          <a:lstStyle/>
+          <a:p>
+            <a:fld id="{3C3988C9-8C6C-49D7-8D82-24DA391FB063}" type="slidenum">
+              <a:rPr lang="ja-JP" altLang="en-US" smtClean="0"/>
+              <a:pPr/>
+              <a:t>26</a:t>
+            </a:fld>
+            <a:endParaRPr lang="ja-JP" altLang="en-US"/>
+          </a:p>
+        </p:txBody>
+      </p:sp>
+    </p:spTree>
+    <p:extLst>
+      <p:ext uri="{BB962C8B-B14F-4D97-AF65-F5344CB8AC3E}">
+        <p14:creationId xmlns:p14="http://schemas.microsoft.com/office/powerpoint/2010/main" val="3917420495"/>
       </p:ext>
     </p:extLst>
   </p:cSld>
@@ -17134,7 +17412,7 @@
 </p:sld>
 </file>
 
-<file path=ppt/slides/slide16.xml><?xml version="1.0" encoding="utf-8"?>
+<file path=ppt/slides/slide28.xml><?xml version="1.0" encoding="utf-8"?>
 <p:sld xmlns:a="http://schemas.openxmlformats.org/drawingml/2006/main" xmlns:r="http://schemas.openxmlformats.org/officeDocument/2006/relationships" xmlns:p="http://schemas.openxmlformats.org/presentationml/2006/main">
   <p:cSld>
     <p:spTree>
@@ -17184,7 +17462,7 @@
             <p:ph idx="1"/>
             <p:extLst>
               <p:ext uri="{D42A27DB-BD31-4B8C-83A1-F6EECF244321}">
-                <p14:modId xmlns:p14="http://schemas.microsoft.com/office/powerpoint/2010/main" val="697286896"/>
+                <p14:modId xmlns:p14="http://schemas.microsoft.com/office/powerpoint/2010/main" val="1067687866"/>
               </p:ext>
             </p:extLst>
           </p:nvPr>
@@ -17217,7 +17495,7 @@
             <a:fld id="{3C3988C9-8C6C-49D7-8D82-24DA391FB063}" type="slidenum">
               <a:rPr lang="ja-JP" altLang="en-US" smtClean="0"/>
               <a:pPr/>
-              <a:t>15</a:t>
+              <a:t>27</a:t>
             </a:fld>
             <a:endParaRPr lang="ja-JP" altLang="en-US"/>
           </a:p>
@@ -17243,7 +17521,7 @@
 </p:sld>
 </file>
 
-<file path=ppt/slides/slide2.xml><?xml version="1.0" encoding="utf-8"?>
+<file path=ppt/slides/slide29.xml><?xml version="1.0" encoding="utf-8"?>
 <p:sld xmlns:a="http://schemas.openxmlformats.org/drawingml/2006/main" xmlns:r="http://schemas.openxmlformats.org/officeDocument/2006/relationships" xmlns:p="http://schemas.openxmlformats.org/presentationml/2006/main">
   <p:cSld>
     <p:spTree>
@@ -17262,6 +17540,223 @@
       </p:grpSpPr>
       <p:sp>
         <p:nvSpPr>
+          <p:cNvPr id="6" name="正方形/長方形 5"/>
+          <p:cNvSpPr/>
+          <p:nvPr/>
+        </p:nvSpPr>
+        <p:spPr>
+          <a:xfrm>
+            <a:off x="1097279" y="2649868"/>
+            <a:ext cx="10115204" cy="2492990"/>
+          </a:xfrm>
+          <a:prstGeom prst="rect">
+            <a:avLst/>
+          </a:prstGeom>
+          <a:noFill/>
+        </p:spPr>
+        <p:txBody>
+          <a:bodyPr wrap="square">
+            <a:spAutoFit/>
+          </a:bodyPr>
+          <a:lstStyle/>
+          <a:p>
+            <a:r>
+              <a:rPr lang="ja-JP" altLang="en-US" sz="2400" spc="300" dirty="0"/>
+              <a:t>セルフレジ</a:t>
+            </a:r>
+            <a:r>
+              <a:rPr lang="en-US" altLang="ja-JP" sz="2400" spc="300" dirty="0"/>
+              <a:t>1</a:t>
+            </a:r>
+            <a:r>
+              <a:rPr lang="ja-JP" altLang="en-US" sz="2400" spc="300" dirty="0"/>
+              <a:t>セットを購入するのにかかる値段</a:t>
+            </a:r>
+            <a:endParaRPr lang="en-US" altLang="ja-JP" sz="2400" spc="300" dirty="0"/>
+          </a:p>
+          <a:p>
+            <a:pPr lvl="1"/>
+            <a:r>
+              <a:rPr lang="ja-JP" altLang="en-US" sz="2400" spc="300" smtClean="0"/>
+              <a:t>約</a:t>
+            </a:r>
+            <a:r>
+              <a:rPr lang="en-US" altLang="ja-JP" sz="2400" spc="300" smtClean="0"/>
+              <a:t>1,875,000</a:t>
+            </a:r>
+            <a:r>
+              <a:rPr lang="ja-JP" altLang="en-US" sz="2400" spc="300" smtClean="0"/>
+              <a:t>（登録機）</a:t>
+            </a:r>
+            <a:r>
+              <a:rPr lang="en-US" altLang="ja-JP" sz="2400" spc="300" smtClean="0"/>
+              <a:t>+</a:t>
+            </a:r>
+            <a:r>
+              <a:rPr lang="ja-JP" altLang="en-US" sz="2400" spc="300" smtClean="0"/>
+              <a:t>約</a:t>
+            </a:r>
+            <a:r>
+              <a:rPr lang="en-US" altLang="ja-JP" sz="2400" spc="300" smtClean="0"/>
+              <a:t>2,750,000</a:t>
+            </a:r>
+            <a:r>
+              <a:rPr lang="ja-JP" altLang="en-US" sz="2400" spc="300" smtClean="0"/>
+              <a:t>円（精算機） </a:t>
+            </a:r>
+            <a:r>
+              <a:rPr lang="en-US" altLang="ja-JP" sz="2400" spc="300" smtClean="0"/>
+              <a:t>* </a:t>
+            </a:r>
+            <a:r>
+              <a:rPr lang="en-US" altLang="ja-JP" sz="2400" spc="300" smtClean="0"/>
+              <a:t>7</a:t>
+            </a:r>
+            <a:r>
+              <a:rPr lang="ja-JP" altLang="en-US" sz="2400" spc="300" smtClean="0"/>
+              <a:t>台 </a:t>
+            </a:r>
+            <a:r>
+              <a:rPr lang="en-US" altLang="ja-JP" sz="2400" spc="300" smtClean="0"/>
+              <a:t>= </a:t>
+            </a:r>
+            <a:r>
+              <a:rPr lang="en-US" altLang="ja-JP" sz="3200" spc="300" smtClean="0"/>
+              <a:t>21,125,000</a:t>
+            </a:r>
+            <a:r>
+              <a:rPr lang="ja-JP" altLang="en-US" sz="3200" spc="300" smtClean="0"/>
+              <a:t>円</a:t>
+            </a:r>
+            <a:endParaRPr lang="en-US" altLang="ja-JP" sz="2400" spc="300" dirty="0"/>
+          </a:p>
+          <a:p>
+            <a:r>
+              <a:rPr lang="en-US" altLang="ja-JP" sz="2400" spc="300" dirty="0"/>
+              <a:t>Web</a:t>
+            </a:r>
+            <a:r>
+              <a:rPr lang="ja-JP" altLang="en-US" sz="2400" spc="300" dirty="0"/>
+              <a:t>カメラを使用し、本システムを導入した場合にかかる機材の費用</a:t>
+            </a:r>
+            <a:endParaRPr lang="en-US" altLang="ja-JP" sz="2400" spc="300" dirty="0"/>
+          </a:p>
+          <a:p>
+            <a:pPr lvl="1"/>
+            <a:r>
+              <a:rPr lang="ja-JP" altLang="en-US" sz="2000" spc="300" smtClean="0"/>
+              <a:t>約</a:t>
+            </a:r>
+            <a:r>
+              <a:rPr lang="en-US" altLang="ja-JP" sz="2000" spc="300" smtClean="0"/>
+              <a:t>150,000</a:t>
+            </a:r>
+            <a:r>
+              <a:rPr lang="ja-JP" altLang="en-US" sz="2000" spc="300" smtClean="0"/>
+              <a:t>（サーバ代）</a:t>
+            </a:r>
+            <a:r>
+              <a:rPr lang="en-US" altLang="ja-JP" sz="2000" spc="300" smtClean="0"/>
+              <a:t>+</a:t>
+            </a:r>
+            <a:r>
+              <a:rPr lang="ja-JP" altLang="en-US" sz="2000" spc="300" smtClean="0"/>
+              <a:t>約</a:t>
+            </a:r>
+            <a:r>
+              <a:rPr lang="en-US" altLang="ja-JP" sz="2000" spc="300" smtClean="0"/>
+              <a:t>9</a:t>
+            </a:r>
+            <a:r>
+              <a:rPr lang="en-US" altLang="ja-JP" sz="2000" spc="300"/>
+              <a:t>,</a:t>
+            </a:r>
+            <a:r>
+              <a:rPr lang="en-US" altLang="ja-JP" sz="2000" spc="300" smtClean="0"/>
+              <a:t>200</a:t>
+            </a:r>
+            <a:r>
+              <a:rPr lang="ja-JP" altLang="en-US" sz="2000" spc="300" smtClean="0"/>
+              <a:t>円（周辺機器） </a:t>
+            </a:r>
+            <a:r>
+              <a:rPr lang="en-US" altLang="ja-JP" sz="2000" spc="300" smtClean="0"/>
+              <a:t>* </a:t>
+            </a:r>
+            <a:r>
+              <a:rPr lang="en-US" altLang="ja-JP" sz="2000" spc="300" smtClean="0"/>
+              <a:t>90</a:t>
+            </a:r>
+            <a:r>
+              <a:rPr lang="ja-JP" altLang="en-US" sz="2000" spc="300" dirty="0" smtClean="0"/>
+              <a:t>個（カゴの個数） </a:t>
+            </a:r>
+            <a:r>
+              <a:rPr lang="en-US" altLang="ja-JP" sz="2000" spc="300"/>
+              <a:t>= </a:t>
+            </a:r>
+            <a:r>
+              <a:rPr lang="en-US" altLang="ja-JP" sz="3200" spc="300" smtClean="0"/>
+              <a:t>978,000</a:t>
+            </a:r>
+            <a:r>
+              <a:rPr lang="ja-JP" altLang="en-US" sz="3200" spc="300" smtClean="0"/>
+              <a:t>円</a:t>
+            </a:r>
+            <a:endParaRPr lang="en-US" altLang="ja-JP" sz="2400" spc="300" dirty="0"/>
+          </a:p>
+        </p:txBody>
+      </p:sp>
+      <p:sp>
+        <p:nvSpPr>
+          <p:cNvPr id="4" name="正方形/長方形 3"/>
+          <p:cNvSpPr/>
+          <p:nvPr/>
+        </p:nvSpPr>
+        <p:spPr>
+          <a:xfrm>
+            <a:off x="1661473" y="3770229"/>
+            <a:ext cx="2791326" cy="188967"/>
+          </a:xfrm>
+          <a:prstGeom prst="rect">
+            <a:avLst/>
+          </a:prstGeom>
+          <a:solidFill>
+            <a:srgbClr val="FFCC00">
+              <a:alpha val="66000"/>
+            </a:srgbClr>
+          </a:solidFill>
+          <a:ln>
+            <a:noFill/>
+          </a:ln>
+        </p:spPr>
+        <p:style>
+          <a:lnRef idx="2">
+            <a:schemeClr val="accent1">
+              <a:shade val="50000"/>
+            </a:schemeClr>
+          </a:lnRef>
+          <a:fillRef idx="1">
+            <a:schemeClr val="accent1"/>
+          </a:fillRef>
+          <a:effectRef idx="0">
+            <a:schemeClr val="accent1"/>
+          </a:effectRef>
+          <a:fontRef idx="minor">
+            <a:schemeClr val="lt1"/>
+          </a:fontRef>
+        </p:style>
+        <p:txBody>
+          <a:bodyPr rtlCol="0" anchor="ctr"/>
+          <a:lstStyle/>
+          <a:p>
+            <a:pPr algn="ctr"/>
+            <a:endParaRPr kumimoji="1" lang="ja-JP" altLang="en-US"/>
+          </a:p>
+        </p:txBody>
+      </p:sp>
+      <p:sp>
+        <p:nvSpPr>
           <p:cNvPr id="2" name="タイトル 1"/>
           <p:cNvSpPr>
             <a:spLocks noGrp="1"/>
@@ -17276,8 +17771,16 @@
           <a:lstStyle/>
           <a:p>
             <a:r>
-              <a:rPr kumimoji="1" lang="ja-JP" altLang="en-US" dirty="0" smtClean="0"/>
-              <a:t>目次</a:t>
+              <a:rPr lang="ja-JP" altLang="en-US" dirty="0" smtClean="0"/>
+              <a:t>メリット</a:t>
+            </a:r>
+            <a:r>
+              <a:rPr lang="ja-JP" altLang="en-US" dirty="0"/>
+              <a:t>・</a:t>
+            </a:r>
+            <a:r>
+              <a:rPr lang="ja-JP" altLang="en-US" dirty="0" smtClean="0"/>
+              <a:t>効果</a:t>
             </a:r>
             <a:endParaRPr kumimoji="1" lang="ja-JP" altLang="en-US" dirty="0"/>
           </a:p>
@@ -17285,96 +17788,7 @@
       </p:sp>
       <p:sp>
         <p:nvSpPr>
-          <p:cNvPr id="3" name="コンテンツ プレースホルダー 2"/>
-          <p:cNvSpPr>
-            <a:spLocks noGrp="1"/>
-          </p:cNvSpPr>
-          <p:nvPr>
-            <p:ph idx="1"/>
-          </p:nvPr>
-        </p:nvSpPr>
-        <p:spPr/>
-        <p:txBody>
-          <a:bodyPr>
-            <a:normAutofit/>
-          </a:bodyPr>
-          <a:lstStyle/>
-          <a:p>
-            <a:pPr>
-              <a:buFont typeface="Wingdings" panose="05000000000000000000" pitchFamily="2" charset="2"/>
-              <a:buChar char="l"/>
-            </a:pPr>
-            <a:r>
-              <a:rPr kumimoji="1" lang="ja-JP" altLang="en-US" sz="4000" dirty="0" smtClean="0"/>
-              <a:t>　</a:t>
-            </a:r>
-            <a:r>
-              <a:rPr lang="ja-JP" altLang="en-US" sz="4000" smtClean="0"/>
-              <a:t>研究背景</a:t>
-            </a:r>
-            <a:endParaRPr lang="en-US" altLang="ja-JP" sz="4000" dirty="0"/>
-          </a:p>
-          <a:p>
-            <a:pPr>
-              <a:buFont typeface="Wingdings" panose="05000000000000000000" pitchFamily="2" charset="2"/>
-              <a:buChar char="l"/>
-            </a:pPr>
-            <a:r>
-              <a:rPr kumimoji="1" lang="ja-JP" altLang="en-US" sz="4000" smtClean="0"/>
-              <a:t>　研究目的・目標</a:t>
-            </a:r>
-            <a:endParaRPr kumimoji="1" lang="en-US" altLang="ja-JP" sz="4000" dirty="0" smtClean="0"/>
-          </a:p>
-          <a:p>
-            <a:pPr>
-              <a:buFont typeface="Wingdings" panose="05000000000000000000" pitchFamily="2" charset="2"/>
-              <a:buChar char="l"/>
-            </a:pPr>
-            <a:r>
-              <a:rPr kumimoji="1" lang="ja-JP" altLang="en-US" sz="4000" smtClean="0"/>
-              <a:t>　</a:t>
-            </a:r>
-            <a:r>
-              <a:rPr lang="ja-JP" altLang="en-US" sz="4000" smtClean="0"/>
-              <a:t>研究方針</a:t>
-            </a:r>
-            <a:endParaRPr lang="en-US" altLang="ja-JP" sz="4000" smtClean="0"/>
-          </a:p>
-          <a:p>
-            <a:pPr>
-              <a:buFont typeface="Wingdings" panose="05000000000000000000" pitchFamily="2" charset="2"/>
-              <a:buChar char="l"/>
-            </a:pPr>
-            <a:r>
-              <a:rPr kumimoji="1" lang="ja-JP" altLang="en-US" sz="4000"/>
-              <a:t>　</a:t>
-            </a:r>
-            <a:r>
-              <a:rPr kumimoji="1" lang="ja-JP" altLang="en-US" sz="4000" smtClean="0"/>
-              <a:t>実装</a:t>
-            </a:r>
-            <a:endParaRPr kumimoji="1" lang="en-US" altLang="ja-JP" sz="4000" dirty="0" smtClean="0"/>
-          </a:p>
-          <a:p>
-            <a:pPr>
-              <a:buFont typeface="Wingdings" panose="05000000000000000000" pitchFamily="2" charset="2"/>
-              <a:buChar char="l"/>
-            </a:pPr>
-            <a:r>
-              <a:rPr kumimoji="1" lang="ja-JP" altLang="en-US" sz="4000"/>
-              <a:t>　</a:t>
-            </a:r>
-            <a:r>
-              <a:rPr lang="ja-JP" altLang="en-US" sz="4000" smtClean="0"/>
-              <a:t>まとめ</a:t>
-            </a:r>
-            <a:endParaRPr kumimoji="1" lang="ja-JP" altLang="en-US" sz="4000" dirty="0"/>
-          </a:p>
-        </p:txBody>
-      </p:sp>
-      <p:sp>
-        <p:nvSpPr>
-          <p:cNvPr id="4" name="スライド番号プレースホルダー 3"/>
+          <p:cNvPr id="3" name="スライド番号プレースホルダー 2"/>
           <p:cNvSpPr>
             <a:spLocks noGrp="1"/>
           </p:cNvSpPr>
@@ -17388,9 +17802,145 @@
           <a:lstStyle/>
           <a:p>
             <a:fld id="{3C3988C9-8C6C-49D7-8D82-24DA391FB063}" type="slidenum">
-              <a:rPr kumimoji="1" lang="ja-JP" altLang="en-US" smtClean="0"/>
-              <a:t>1</a:t>
+              <a:rPr kumimoji="1" lang="ja-JP" altLang="en-US" sz="3200" smtClean="0"/>
+              <a:t>28</a:t>
             </a:fld>
+            <a:endParaRPr kumimoji="1" lang="ja-JP" altLang="en-US" sz="3200"/>
+          </a:p>
+        </p:txBody>
+      </p:sp>
+      <p:sp>
+        <p:nvSpPr>
+          <p:cNvPr id="5" name="テキスト ボックス 4"/>
+          <p:cNvSpPr txBox="1"/>
+          <p:nvPr/>
+        </p:nvSpPr>
+        <p:spPr>
+          <a:xfrm>
+            <a:off x="1097279" y="1865807"/>
+            <a:ext cx="2723950" cy="523220"/>
+          </a:xfrm>
+          <a:prstGeom prst="rect">
+            <a:avLst/>
+          </a:prstGeom>
+          <a:solidFill>
+            <a:schemeClr val="bg1">
+              <a:lumMod val="95000"/>
+            </a:schemeClr>
+          </a:solidFill>
+        </p:spPr>
+        <p:txBody>
+          <a:bodyPr wrap="square" rtlCol="0">
+            <a:spAutoFit/>
+          </a:bodyPr>
+          <a:lstStyle/>
+          <a:p>
+            <a:r>
+              <a:rPr lang="ja-JP" altLang="en-US" sz="2800" smtClean="0"/>
+              <a:t>店側</a:t>
+            </a:r>
+            <a:r>
+              <a:rPr lang="ja-JP" altLang="en-US" sz="2800" dirty="0"/>
+              <a:t>：</a:t>
+            </a:r>
+            <a:r>
+              <a:rPr lang="ja-JP" altLang="en-US" sz="2800" smtClean="0"/>
+              <a:t>コスト</a:t>
+            </a:r>
+            <a:r>
+              <a:rPr lang="ja-JP" altLang="en-US" sz="2800" dirty="0" smtClean="0"/>
+              <a:t>削減</a:t>
+            </a:r>
+            <a:endParaRPr kumimoji="1" lang="ja-JP" altLang="en-US" sz="2800" dirty="0"/>
+          </a:p>
+        </p:txBody>
+      </p:sp>
+      <p:sp>
+        <p:nvSpPr>
+          <p:cNvPr id="7" name="テキスト ボックス 6"/>
+          <p:cNvSpPr txBox="1"/>
+          <p:nvPr/>
+        </p:nvSpPr>
+        <p:spPr>
+          <a:xfrm>
+            <a:off x="1097278" y="5087156"/>
+            <a:ext cx="3355521" cy="523220"/>
+          </a:xfrm>
+          <a:prstGeom prst="rect">
+            <a:avLst/>
+          </a:prstGeom>
+          <a:solidFill>
+            <a:schemeClr val="bg1">
+              <a:lumMod val="95000"/>
+            </a:schemeClr>
+          </a:solidFill>
+        </p:spPr>
+        <p:txBody>
+          <a:bodyPr wrap="square" rtlCol="0">
+            <a:spAutoFit/>
+          </a:bodyPr>
+          <a:lstStyle/>
+          <a:p>
+            <a:r>
+              <a:rPr lang="ja-JP" altLang="en-US" sz="2800" smtClean="0"/>
+              <a:t>ユーザ：</a:t>
+            </a:r>
+            <a:r>
+              <a:rPr lang="ja-JP" altLang="en-US" sz="2800" smtClean="0"/>
+              <a:t>時間</a:t>
+            </a:r>
+            <a:r>
+              <a:rPr lang="ja-JP" altLang="en-US" sz="2800" dirty="0" smtClean="0"/>
+              <a:t>の短縮</a:t>
+            </a:r>
+            <a:endParaRPr kumimoji="1" lang="ja-JP" altLang="en-US" sz="2800" dirty="0"/>
+          </a:p>
+        </p:txBody>
+      </p:sp>
+      <p:sp>
+        <p:nvSpPr>
+          <p:cNvPr id="8" name="正方形/長方形 7"/>
+          <p:cNvSpPr/>
+          <p:nvPr/>
+        </p:nvSpPr>
+        <p:spPr>
+          <a:xfrm>
+            <a:off x="1546928" y="4911725"/>
+            <a:ext cx="2571550" cy="167832"/>
+          </a:xfrm>
+          <a:prstGeom prst="rect">
+            <a:avLst/>
+          </a:prstGeom>
+          <a:solidFill>
+            <a:srgbClr val="FFCC00">
+              <a:alpha val="66000"/>
+            </a:srgbClr>
+          </a:solidFill>
+          <a:ln>
+            <a:noFill/>
+          </a:ln>
+        </p:spPr>
+        <p:style>
+          <a:lnRef idx="2">
+            <a:schemeClr val="accent1">
+              <a:shade val="50000"/>
+            </a:schemeClr>
+          </a:lnRef>
+          <a:fillRef idx="1">
+            <a:schemeClr val="accent1"/>
+          </a:fillRef>
+          <a:effectRef idx="0">
+            <a:schemeClr val="accent1"/>
+          </a:effectRef>
+          <a:fontRef idx="minor">
+            <a:schemeClr val="lt1"/>
+          </a:fontRef>
+        </p:style>
+        <p:txBody>
+          <a:bodyPr rtlCol="0" anchor="ctr"/>
+          <a:lstStyle/>
+          <a:p>
+            <a:pPr algn="ctr"/>
             <a:endParaRPr kumimoji="1" lang="ja-JP" altLang="en-US"/>
           </a:p>
         </p:txBody>
@@ -17398,7 +17948,7 @@
     </p:spTree>
     <p:extLst>
       <p:ext uri="{BB962C8B-B14F-4D97-AF65-F5344CB8AC3E}">
-        <p14:creationId xmlns:p14="http://schemas.microsoft.com/office/powerpoint/2010/main" val="1637711920"/>
+        <p14:creationId xmlns:p14="http://schemas.microsoft.com/office/powerpoint/2010/main" val="1330612530"/>
       </p:ext>
     </p:extLst>
   </p:cSld>
@@ -17852,6 +18402,191 @@
       </p:par>
     </p:tnLst>
   </p:timing>
+</p:sld>
+</file>
+
+<file path=ppt/slides/slide30.xml><?xml version="1.0" encoding="utf-8"?>
+<p:sld xmlns:a="http://schemas.openxmlformats.org/drawingml/2006/main" xmlns:r="http://schemas.openxmlformats.org/officeDocument/2006/relationships" xmlns:p="http://schemas.openxmlformats.org/presentationml/2006/main">
+  <p:cSld>
+    <p:spTree>
+      <p:nvGrpSpPr>
+        <p:cNvPr id="1" name=""/>
+        <p:cNvGrpSpPr/>
+        <p:nvPr/>
+      </p:nvGrpSpPr>
+      <p:grpSpPr>
+        <a:xfrm>
+          <a:off x="0" y="0"/>
+          <a:ext cx="0" cy="0"/>
+          <a:chOff x="0" y="0"/>
+          <a:chExt cx="0" cy="0"/>
+        </a:xfrm>
+      </p:grpSpPr>
+      <p:sp>
+        <p:nvSpPr>
+          <p:cNvPr id="3" name="タイトル 2"/>
+          <p:cNvSpPr>
+            <a:spLocks noGrp="1"/>
+          </p:cNvSpPr>
+          <p:nvPr>
+            <p:ph type="title"/>
+          </p:nvPr>
+        </p:nvSpPr>
+        <p:spPr/>
+        <p:txBody>
+          <a:bodyPr/>
+          <a:lstStyle/>
+          <a:p>
+            <a:r>
+              <a:rPr kumimoji="1" lang="ja-JP" altLang="en-US" smtClean="0"/>
+              <a:t>スケジュール管理</a:t>
+            </a:r>
+            <a:endParaRPr kumimoji="1" lang="ja-JP" altLang="en-US"/>
+          </a:p>
+        </p:txBody>
+      </p:sp>
+      <p:sp>
+        <p:nvSpPr>
+          <p:cNvPr id="2" name="スライド番号プレースホルダー 1"/>
+          <p:cNvSpPr>
+            <a:spLocks noGrp="1"/>
+          </p:cNvSpPr>
+          <p:nvPr>
+            <p:ph type="sldNum" sz="quarter" idx="12"/>
+          </p:nvPr>
+        </p:nvSpPr>
+        <p:spPr/>
+        <p:txBody>
+          <a:bodyPr/>
+          <a:lstStyle/>
+          <a:p>
+            <a:fld id="{3C3988C9-8C6C-49D7-8D82-24DA391FB063}" type="slidenum">
+              <a:rPr kumimoji="1" lang="ja-JP" altLang="en-US" sz="3200" smtClean="0"/>
+              <a:t>29</a:t>
+            </a:fld>
+            <a:endParaRPr kumimoji="1" lang="ja-JP" altLang="en-US" sz="3200"/>
+          </a:p>
+        </p:txBody>
+      </p:sp>
+      <p:pic>
+        <p:nvPicPr>
+          <p:cNvPr id="5" name="図 4"/>
+          <p:cNvPicPr>
+            <a:picLocks noChangeAspect="1"/>
+          </p:cNvPicPr>
+          <p:nvPr/>
+        </p:nvPicPr>
+        <p:blipFill>
+          <a:blip r:embed="rId3">
+            <a:extLst>
+              <a:ext uri="{28A0092B-C50C-407E-A947-70E740481C1C}">
+                <a14:useLocalDpi xmlns:a14="http://schemas.microsoft.com/office/drawing/2010/main" val="0"/>
+              </a:ext>
+            </a:extLst>
+          </a:blip>
+          <a:stretch>
+            <a:fillRect/>
+          </a:stretch>
+        </p:blipFill>
+        <p:spPr>
+          <a:xfrm>
+            <a:off x="0" y="2086693"/>
+            <a:ext cx="12192000" cy="2684613"/>
+          </a:xfrm>
+          <a:prstGeom prst="rect">
+            <a:avLst/>
+          </a:prstGeom>
+        </p:spPr>
+      </p:pic>
+    </p:spTree>
+    <p:extLst>
+      <p:ext uri="{BB962C8B-B14F-4D97-AF65-F5344CB8AC3E}">
+        <p14:creationId xmlns:p14="http://schemas.microsoft.com/office/powerpoint/2010/main" val="4270521482"/>
+      </p:ext>
+    </p:extLst>
+  </p:cSld>
+  <p:clrMapOvr>
+    <a:masterClrMapping/>
+  </p:clrMapOvr>
+  <p:timing>
+    <p:tnLst>
+      <p:par>
+        <p:cTn id="1" dur="indefinite" restart="never" nodeType="tmRoot"/>
+      </p:par>
+    </p:tnLst>
+  </p:timing>
+</p:sld>
+</file>
+
+<file path=ppt/slides/slide31.xml><?xml version="1.0" encoding="utf-8"?>
+<p:sld xmlns:a="http://schemas.openxmlformats.org/drawingml/2006/main" xmlns:r="http://schemas.openxmlformats.org/officeDocument/2006/relationships" xmlns:p="http://schemas.openxmlformats.org/presentationml/2006/main">
+  <p:cSld>
+    <p:spTree>
+      <p:nvGrpSpPr>
+        <p:cNvPr id="1" name=""/>
+        <p:cNvGrpSpPr/>
+        <p:nvPr/>
+      </p:nvGrpSpPr>
+      <p:grpSpPr>
+        <a:xfrm>
+          <a:off x="0" y="0"/>
+          <a:ext cx="0" cy="0"/>
+          <a:chOff x="0" y="0"/>
+          <a:chExt cx="0" cy="0"/>
+        </a:xfrm>
+      </p:grpSpPr>
+      <p:sp>
+        <p:nvSpPr>
+          <p:cNvPr id="2" name="タイトル 1"/>
+          <p:cNvSpPr>
+            <a:spLocks noGrp="1"/>
+          </p:cNvSpPr>
+          <p:nvPr>
+            <p:ph type="ctrTitle"/>
+          </p:nvPr>
+        </p:nvSpPr>
+        <p:spPr/>
+        <p:txBody>
+          <a:bodyPr/>
+          <a:lstStyle/>
+          <a:p>
+            <a:r>
+              <a:rPr kumimoji="1" lang="ja-JP" altLang="en-US" smtClean="0"/>
+              <a:t>デモンストレーション</a:t>
+            </a:r>
+            <a:endParaRPr kumimoji="1" lang="ja-JP" altLang="en-US"/>
+          </a:p>
+        </p:txBody>
+      </p:sp>
+      <p:sp>
+        <p:nvSpPr>
+          <p:cNvPr id="3" name="サブタイトル 2"/>
+          <p:cNvSpPr>
+            <a:spLocks noGrp="1"/>
+          </p:cNvSpPr>
+          <p:nvPr>
+            <p:ph type="subTitle" idx="1"/>
+          </p:nvPr>
+        </p:nvSpPr>
+        <p:spPr/>
+        <p:txBody>
+          <a:bodyPr/>
+          <a:lstStyle/>
+          <a:p>
+            <a:endParaRPr kumimoji="1" lang="ja-JP" altLang="en-US"/>
+          </a:p>
+        </p:txBody>
+      </p:sp>
+    </p:spTree>
+    <p:extLst>
+      <p:ext uri="{BB962C8B-B14F-4D97-AF65-F5344CB8AC3E}">
+        <p14:creationId xmlns:p14="http://schemas.microsoft.com/office/powerpoint/2010/main" val="1793172983"/>
+      </p:ext>
+    </p:extLst>
+  </p:cSld>
+  <p:clrMapOvr>
+    <a:masterClrMapping/>
+  </p:clrMapOvr>
 </p:sld>
 </file>
 
@@ -18937,7 +19672,7 @@
         <p:spPr>
           <a:xfrm>
             <a:off x="596767" y="1735868"/>
-            <a:ext cx="6660681" cy="4568679"/>
+            <a:ext cx="9152781" cy="4568679"/>
           </a:xfrm>
           <a:prstGeom prst="roundRect">
             <a:avLst/>
@@ -18965,8 +19700,37 @@
           <a:bodyPr rtlCol="0" anchor="ctr"/>
           <a:lstStyle/>
           <a:p>
-            <a:pPr algn="ctr"/>
-            <a:endParaRPr kumimoji="1" lang="ja-JP" altLang="en-US" dirty="0"/>
+            <a:pPr marL="0" marR="0" lvl="0" indent="0" algn="ctr" defTabSz="914400" rtl="0" eaLnBrk="1" fontAlgn="auto" latinLnBrk="0" hangingPunct="1">
+              <a:lnSpc>
+                <a:spcPct val="100000"/>
+              </a:lnSpc>
+              <a:spcBef>
+                <a:spcPts val="0"/>
+              </a:spcBef>
+              <a:spcAft>
+                <a:spcPts val="0"/>
+              </a:spcAft>
+              <a:buClrTx/>
+              <a:buSzTx/>
+              <a:buFontTx/>
+              <a:buNone/>
+              <a:tabLst/>
+              <a:defRPr/>
+            </a:pPr>
+            <a:endParaRPr kumimoji="1" lang="ja-JP" altLang="en-US" sz="1800" b="0" i="0" u="none" strike="noStrike" kern="1200" cap="none" spc="0" normalizeH="0" baseline="0" noProof="0">
+              <a:ln>
+                <a:noFill/>
+              </a:ln>
+              <a:solidFill>
+                <a:prstClr val="white"/>
+              </a:solidFill>
+              <a:effectLst/>
+              <a:uLnTx/>
+              <a:uFillTx/>
+              <a:latin typeface="Calibri" panose="020F0502020204030204"/>
+              <a:ea typeface="ＭＳ Ｐゴシック" panose="020B0600070205080204" pitchFamily="50" charset="-128"/>
+              <a:cs typeface="+mn-cs"/>
+            </a:endParaRPr>
           </a:p>
         </p:txBody>
       </p:sp>
@@ -18978,8 +19742,8 @@
         </p:nvCxnSpPr>
         <p:spPr>
           <a:xfrm>
-            <a:off x="1631100" y="4732490"/>
-            <a:ext cx="4608804" cy="0"/>
+            <a:off x="2751364" y="4572903"/>
+            <a:ext cx="5706836" cy="0"/>
           </a:xfrm>
           <a:prstGeom prst="line">
             <a:avLst/>
@@ -19031,8 +19795,8 @@
         </p:blipFill>
         <p:spPr bwMode="auto">
           <a:xfrm>
-            <a:off x="779580" y="2491656"/>
-            <a:ext cx="1989370" cy="1675976"/>
+            <a:off x="2607935" y="1829597"/>
+            <a:ext cx="1735968" cy="1462494"/>
           </a:xfrm>
           <a:prstGeom prst="rect">
             <a:avLst/>
@@ -19059,20 +19823,25 @@
             <p:ph type="title"/>
           </p:nvPr>
         </p:nvSpPr>
-        <p:spPr/>
+        <p:spPr>
+          <a:xfrm>
+            <a:off x="1097280" y="286603"/>
+            <a:ext cx="10058400" cy="1083063"/>
+          </a:xfrm>
+        </p:spPr>
         <p:txBody>
           <a:bodyPr/>
           <a:lstStyle/>
           <a:p>
             <a:r>
-              <a:rPr lang="ja-JP" altLang="en-US" dirty="0" smtClean="0"/>
-              <a:t>イメージ</a:t>
-            </a:r>
-            <a:r>
-              <a:rPr lang="ja-JP" altLang="en-US" dirty="0"/>
-              <a:t>図</a:t>
-            </a:r>
-            <a:endParaRPr kumimoji="1" lang="ja-JP" altLang="en-US" dirty="0"/>
+              <a:rPr lang="ja-JP" altLang="en-US" smtClean="0"/>
+              <a:t>画像</a:t>
+            </a:r>
+            <a:r>
+              <a:rPr lang="ja-JP" altLang="en-US"/>
+              <a:t>送信システムと各種センサ</a:t>
+            </a:r>
+            <a:endParaRPr kumimoji="1" lang="ja-JP" altLang="en-US"/>
           </a:p>
         </p:txBody>
       </p:sp>
@@ -19099,8 +19868,8 @@
         </p:blipFill>
         <p:spPr bwMode="auto">
           <a:xfrm>
-            <a:off x="3279784" y="2096945"/>
-            <a:ext cx="1250497" cy="1250497"/>
+            <a:off x="4656410" y="1929801"/>
+            <a:ext cx="1511105" cy="1511105"/>
           </a:xfrm>
           <a:prstGeom prst="rect">
             <a:avLst/>
@@ -19117,6 +19886,36 @@
           </a:extLst>
         </p:spPr>
       </p:pic>
+      <p:pic>
+        <p:nvPicPr>
+          <p:cNvPr id="9" name="図 8"/>
+          <p:cNvPicPr>
+            <a:picLocks noChangeAspect="1"/>
+          </p:cNvPicPr>
+          <p:nvPr/>
+        </p:nvPicPr>
+        <p:blipFill>
+          <a:blip r:embed="rId5" cstate="print">
+            <a:extLst>
+              <a:ext uri="{28A0092B-C50C-407E-A947-70E740481C1C}">
+                <a14:useLocalDpi xmlns:a14="http://schemas.microsoft.com/office/drawing/2010/main" val="0"/>
+              </a:ext>
+            </a:extLst>
+          </a:blip>
+          <a:stretch>
+            <a:fillRect/>
+          </a:stretch>
+        </p:blipFill>
+        <p:spPr>
+          <a:xfrm>
+            <a:off x="1509330" y="4384140"/>
+            <a:ext cx="1088120" cy="643410"/>
+          </a:xfrm>
+          <a:prstGeom prst="rect">
+            <a:avLst/>
+          </a:prstGeom>
+        </p:spPr>
+      </p:pic>
       <p:sp>
         <p:nvSpPr>
           <p:cNvPr id="11" name="正方形/長方形 10"/>
@@ -19125,8 +19924,8 @@
         </p:nvSpPr>
         <p:spPr>
           <a:xfrm>
-            <a:off x="2140141" y="5189615"/>
-            <a:ext cx="3966702" cy="531226"/>
+            <a:off x="3822864" y="4841259"/>
+            <a:ext cx="3869871" cy="373080"/>
           </a:xfrm>
           <a:prstGeom prst="rect">
             <a:avLst/>
@@ -19155,19 +19954,267 @@
           <a:bodyPr rtlCol="0" anchor="ctr"/>
           <a:lstStyle/>
           <a:p>
-            <a:pPr algn="ctr"/>
-            <a:r>
-              <a:rPr kumimoji="1" lang="ja-JP" altLang="en-US" sz="2400" smtClean="0">
+            <a:pPr marL="0" marR="0" lvl="0" indent="0" algn="ctr" defTabSz="914400" rtl="0" eaLnBrk="1" fontAlgn="auto" latinLnBrk="0" hangingPunct="1">
+              <a:lnSpc>
+                <a:spcPct val="100000"/>
+              </a:lnSpc>
+              <a:spcBef>
+                <a:spcPts val="0"/>
+              </a:spcBef>
+              <a:spcAft>
+                <a:spcPts val="0"/>
+              </a:spcAft>
+              <a:buClrTx/>
+              <a:buSzTx/>
+              <a:buFontTx/>
+              <a:buNone/>
+              <a:tabLst/>
+              <a:defRPr/>
+            </a:pPr>
+            <a:r>
+              <a:rPr kumimoji="1" lang="ja-JP" altLang="en-US" sz="1800" b="0" i="0" u="none" strike="noStrike" kern="1200" cap="none" spc="0" normalizeH="0" baseline="0" noProof="0" smtClean="0">
+                <a:ln>
+                  <a:noFill/>
+                </a:ln>
                 <a:solidFill>
-                  <a:schemeClr val="bg1"/>
+                  <a:prstClr val="black">
+                    <a:lumMod val="85000"/>
+                    <a:lumOff val="15000"/>
+                  </a:prstClr>
                 </a:solidFill>
+                <a:effectLst/>
+                <a:uLnTx/>
+                <a:uFillTx/>
+                <a:latin typeface="Calibri" panose="020F0502020204030204"/>
+                <a:ea typeface="ＭＳ Ｐゴシック" panose="020B0600070205080204" pitchFamily="50" charset="-128"/>
+                <a:cs typeface="+mn-cs"/>
               </a:rPr>
-              <a:t>各種センサ</a:t>
-            </a:r>
-            <a:endParaRPr kumimoji="1" lang="ja-JP" altLang="en-US" sz="2400" dirty="0">
+              <a:t>ひずみゲージ</a:t>
+            </a:r>
+            <a:endParaRPr kumimoji="1" lang="ja-JP" altLang="en-US" sz="1800" b="0" i="0" u="none" strike="noStrike" kern="1200" cap="none" spc="0" normalizeH="0" baseline="0" noProof="0">
+              <a:ln>
+                <a:noFill/>
+              </a:ln>
               <a:solidFill>
-                <a:schemeClr val="bg1"/>
+                <a:prstClr val="black">
+                  <a:lumMod val="85000"/>
+                  <a:lumOff val="15000"/>
+                </a:prstClr>
               </a:solidFill>
+              <a:effectLst/>
+              <a:uLnTx/>
+              <a:uFillTx/>
+              <a:latin typeface="Calibri" panose="020F0502020204030204"/>
+              <a:ea typeface="ＭＳ Ｐゴシック" panose="020B0600070205080204" pitchFamily="50" charset="-128"/>
+              <a:cs typeface="+mn-cs"/>
+            </a:endParaRPr>
+          </a:p>
+        </p:txBody>
+      </p:sp>
+      <p:pic>
+        <p:nvPicPr>
+          <p:cNvPr id="8" name="図 7"/>
+          <p:cNvPicPr>
+            <a:picLocks noChangeAspect="1"/>
+          </p:cNvPicPr>
+          <p:nvPr/>
+        </p:nvPicPr>
+        <p:blipFill>
+          <a:blip r:embed="rId6">
+            <a:extLst>
+              <a:ext uri="{28A0092B-C50C-407E-A947-70E740481C1C}">
+                <a14:useLocalDpi xmlns:a14="http://schemas.microsoft.com/office/drawing/2010/main" val="0"/>
+              </a:ext>
+            </a:extLst>
+          </a:blip>
+          <a:stretch>
+            <a:fillRect/>
+          </a:stretch>
+        </p:blipFill>
+        <p:spPr>
+          <a:xfrm>
+            <a:off x="4708386" y="4572903"/>
+            <a:ext cx="2163022" cy="2163022"/>
+          </a:xfrm>
+          <a:prstGeom prst="rect">
+            <a:avLst/>
+          </a:prstGeom>
+        </p:spPr>
+      </p:pic>
+      <p:sp>
+        <p:nvSpPr>
+          <p:cNvPr id="12" name="テキスト ボックス 11"/>
+          <p:cNvSpPr txBox="1"/>
+          <p:nvPr/>
+        </p:nvSpPr>
+        <p:spPr>
+          <a:xfrm>
+            <a:off x="979653" y="3874958"/>
+            <a:ext cx="2264214" cy="523220"/>
+          </a:xfrm>
+          <a:prstGeom prst="rect">
+            <a:avLst/>
+          </a:prstGeom>
+          <a:noFill/>
+        </p:spPr>
+        <p:txBody>
+          <a:bodyPr wrap="square" rtlCol="0">
+            <a:spAutoFit/>
+          </a:bodyPr>
+          <a:lstStyle/>
+          <a:p>
+            <a:pPr marL="0" marR="0" lvl="0" indent="0" algn="l" defTabSz="914400" rtl="0" eaLnBrk="1" fontAlgn="auto" latinLnBrk="0" hangingPunct="1">
+              <a:lnSpc>
+                <a:spcPct val="100000"/>
+              </a:lnSpc>
+              <a:spcBef>
+                <a:spcPts val="0"/>
+              </a:spcBef>
+              <a:spcAft>
+                <a:spcPts val="0"/>
+              </a:spcAft>
+              <a:buClrTx/>
+              <a:buSzTx/>
+              <a:buFontTx/>
+              <a:buNone/>
+              <a:tabLst/>
+              <a:defRPr/>
+            </a:pPr>
+            <a:r>
+              <a:rPr kumimoji="1" lang="ja-JP" altLang="en-US" sz="2800" b="0" i="0" u="none" strike="noStrike" kern="1200" cap="none" spc="0" normalizeH="0" baseline="0" noProof="0" smtClean="0">
+                <a:ln>
+                  <a:noFill/>
+                </a:ln>
+                <a:solidFill>
+                  <a:prstClr val="black">
+                    <a:lumMod val="85000"/>
+                    <a:lumOff val="15000"/>
+                  </a:prstClr>
+                </a:solidFill>
+                <a:effectLst/>
+                <a:uLnTx/>
+                <a:uFillTx/>
+                <a:latin typeface="Calibri" panose="020F0502020204030204"/>
+                <a:ea typeface="ＭＳ Ｐゴシック" panose="020B0600070205080204" pitchFamily="50" charset="-128"/>
+                <a:cs typeface="+mn-cs"/>
+              </a:rPr>
+              <a:t>超音波センサ</a:t>
+            </a:r>
+            <a:endParaRPr kumimoji="1" lang="ja-JP" altLang="en-US" sz="2800" b="0" i="0" u="none" strike="noStrike" kern="1200" cap="none" spc="0" normalizeH="0" baseline="0" noProof="0">
+              <a:ln>
+                <a:noFill/>
+              </a:ln>
+              <a:solidFill>
+                <a:prstClr val="black">
+                  <a:lumMod val="85000"/>
+                  <a:lumOff val="15000"/>
+                </a:prstClr>
+              </a:solidFill>
+              <a:effectLst/>
+              <a:uLnTx/>
+              <a:uFillTx/>
+              <a:latin typeface="Calibri" panose="020F0502020204030204"/>
+              <a:ea typeface="ＭＳ Ｐゴシック" panose="020B0600070205080204" pitchFamily="50" charset="-128"/>
+              <a:cs typeface="+mn-cs"/>
+            </a:endParaRPr>
+          </a:p>
+        </p:txBody>
+      </p:sp>
+      <p:sp>
+        <p:nvSpPr>
+          <p:cNvPr id="17" name="テキスト ボックス 16"/>
+          <p:cNvSpPr txBox="1"/>
+          <p:nvPr/>
+        </p:nvSpPr>
+        <p:spPr>
+          <a:xfrm>
+            <a:off x="4610513" y="1744032"/>
+            <a:ext cx="1732315" cy="523220"/>
+          </a:xfrm>
+          <a:prstGeom prst="rect">
+            <a:avLst/>
+          </a:prstGeom>
+          <a:noFill/>
+        </p:spPr>
+        <p:txBody>
+          <a:bodyPr wrap="square" rtlCol="0">
+            <a:spAutoFit/>
+          </a:bodyPr>
+          <a:lstStyle/>
+          <a:p>
+            <a:pPr marL="0" marR="0" lvl="0" indent="0" algn="l" defTabSz="914400" rtl="0" eaLnBrk="1" fontAlgn="auto" latinLnBrk="0" hangingPunct="1">
+              <a:lnSpc>
+                <a:spcPct val="100000"/>
+              </a:lnSpc>
+              <a:spcBef>
+                <a:spcPts val="0"/>
+              </a:spcBef>
+              <a:spcAft>
+                <a:spcPts val="0"/>
+              </a:spcAft>
+              <a:buClrTx/>
+              <a:buSzTx/>
+              <a:buFontTx/>
+              <a:buNone/>
+              <a:tabLst/>
+              <a:defRPr/>
+            </a:pPr>
+            <a:r>
+              <a:rPr kumimoji="1" lang="en-US" altLang="ja-JP" sz="2800" b="0" i="0" u="none" strike="noStrike" kern="1200" cap="none" spc="0" normalizeH="0" baseline="0" noProof="0" smtClean="0">
+                <a:ln>
+                  <a:noFill/>
+                </a:ln>
+                <a:solidFill>
+                  <a:prstClr val="black">
+                    <a:lumMod val="85000"/>
+                    <a:lumOff val="15000"/>
+                  </a:prstClr>
+                </a:solidFill>
+                <a:effectLst/>
+                <a:uLnTx/>
+                <a:uFillTx/>
+                <a:latin typeface="Calibri" panose="020F0502020204030204"/>
+                <a:ea typeface="ＭＳ Ｐゴシック" panose="020B0600070205080204" pitchFamily="50" charset="-128"/>
+                <a:cs typeface="+mn-cs"/>
+              </a:rPr>
+              <a:t>WEB</a:t>
+            </a:r>
+            <a:r>
+              <a:rPr kumimoji="1" lang="ja-JP" altLang="en-US" sz="2800" b="0" i="0" u="none" strike="noStrike" kern="1200" cap="none" spc="0" normalizeH="0" baseline="0" noProof="0" smtClean="0">
+                <a:ln>
+                  <a:noFill/>
+                </a:ln>
+                <a:solidFill>
+                  <a:prstClr val="black">
+                    <a:lumMod val="85000"/>
+                    <a:lumOff val="15000"/>
+                  </a:prstClr>
+                </a:solidFill>
+                <a:effectLst/>
+                <a:uLnTx/>
+                <a:uFillTx/>
+                <a:latin typeface="Calibri" panose="020F0502020204030204"/>
+                <a:ea typeface="ＭＳ Ｐゴシック" panose="020B0600070205080204" pitchFamily="50" charset="-128"/>
+                <a:cs typeface="+mn-cs"/>
+              </a:rPr>
+              <a:t>カメラ</a:t>
+            </a:r>
+            <a:endParaRPr kumimoji="1" lang="ja-JP" altLang="en-US" sz="2800" b="0" i="0" u="none" strike="noStrike" kern="1200" cap="none" spc="0" normalizeH="0" baseline="0" noProof="0">
+              <a:ln>
+                <a:noFill/>
+              </a:ln>
+              <a:solidFill>
+                <a:prstClr val="black">
+                  <a:lumMod val="85000"/>
+                  <a:lumOff val="15000"/>
+                </a:prstClr>
+              </a:solidFill>
+              <a:effectLst/>
+              <a:uLnTx/>
+              <a:uFillTx/>
+              <a:latin typeface="Calibri" panose="020F0502020204030204"/>
+              <a:ea typeface="ＭＳ Ｐゴシック" panose="020B0600070205080204" pitchFamily="50" charset="-128"/>
+              <a:cs typeface="+mn-cs"/>
             </a:endParaRPr>
           </a:p>
         </p:txBody>
@@ -19180,8 +20227,8 @@
         </p:nvSpPr>
         <p:spPr>
           <a:xfrm>
-            <a:off x="3158245" y="4086607"/>
-            <a:ext cx="1930495" cy="1103008"/>
+            <a:off x="4851423" y="3927021"/>
+            <a:ext cx="1690148" cy="914238"/>
           </a:xfrm>
           <a:prstGeom prst="rect">
             <a:avLst/>
@@ -19213,25 +20260,59 @@
           <a:bodyPr rtlCol="0" anchor="ctr"/>
           <a:lstStyle/>
           <a:p>
-            <a:pPr algn="ctr"/>
-            <a:r>
-              <a:rPr kumimoji="1" lang="ja-JP" altLang="en-US" sz="2800" dirty="0" smtClean="0">
+            <a:pPr marL="0" marR="0" lvl="0" indent="0" algn="ctr" defTabSz="914400" rtl="0" eaLnBrk="1" fontAlgn="auto" latinLnBrk="0" hangingPunct="1">
+              <a:lnSpc>
+                <a:spcPct val="100000"/>
+              </a:lnSpc>
+              <a:spcBef>
+                <a:spcPts val="0"/>
+              </a:spcBef>
+              <a:spcAft>
+                <a:spcPts val="0"/>
+              </a:spcAft>
+              <a:buClrTx/>
+              <a:buSzTx/>
+              <a:buFontTx/>
+              <a:buNone/>
+              <a:tabLst/>
+              <a:defRPr/>
+            </a:pPr>
+            <a:r>
+              <a:rPr kumimoji="1" lang="ja-JP" altLang="en-US" sz="1800" b="0" i="0" u="none" strike="noStrike" kern="1200" cap="none" spc="0" normalizeH="0" baseline="0" noProof="0" smtClean="0">
+                <a:ln>
+                  <a:noFill/>
+                </a:ln>
                 <a:solidFill>
-                  <a:schemeClr val="tx1">
+                  <a:prstClr val="black">
                     <a:lumMod val="85000"/>
                     <a:lumOff val="15000"/>
-                  </a:schemeClr>
+                  </a:prstClr>
                 </a:solidFill>
+                <a:effectLst/>
+                <a:uLnTx/>
+                <a:uFillTx/>
+                <a:latin typeface="Calibri" panose="020F0502020204030204"/>
+                <a:ea typeface="ＭＳ Ｐゴシック" panose="020B0600070205080204" pitchFamily="50" charset="-128"/>
+                <a:cs typeface="+mn-cs"/>
               </a:rPr>
               <a:t>商品</a:t>
             </a:r>
-            <a:endParaRPr kumimoji="1" lang="ja-JP" altLang="en-US" dirty="0">
+            <a:endParaRPr kumimoji="1" lang="ja-JP" altLang="en-US" sz="1800" b="0" i="0" u="none" strike="noStrike" kern="1200" cap="none" spc="0" normalizeH="0" baseline="0" noProof="0">
+              <a:ln>
+                <a:noFill/>
+              </a:ln>
               <a:solidFill>
-                <a:schemeClr val="tx1">
+                <a:prstClr val="black">
                   <a:lumMod val="85000"/>
                   <a:lumOff val="15000"/>
-                </a:schemeClr>
+                </a:prstClr>
               </a:solidFill>
+              <a:effectLst/>
+              <a:uLnTx/>
+              <a:uFillTx/>
+              <a:latin typeface="Calibri" panose="020F0502020204030204"/>
+              <a:ea typeface="ＭＳ Ｐゴシック" panose="020B0600070205080204" pitchFamily="50" charset="-128"/>
+              <a:cs typeface="+mn-cs"/>
             </a:endParaRPr>
           </a:p>
         </p:txBody>
@@ -19244,8 +20325,8 @@
         </p:nvSpPr>
         <p:spPr>
           <a:xfrm>
-            <a:off x="4030514" y="3576004"/>
-            <a:ext cx="1929206" cy="523220"/>
+            <a:off x="5827196" y="3716517"/>
+            <a:ext cx="1428750" cy="369332"/>
           </a:xfrm>
           <a:prstGeom prst="rect">
             <a:avLst/>
@@ -19258,11 +20339,54 @@
           </a:bodyPr>
           <a:lstStyle/>
           <a:p>
-            <a:r>
-              <a:rPr kumimoji="1" lang="ja-JP" altLang="en-US" sz="2800" dirty="0" smtClean="0"/>
+            <a:pPr marL="0" marR="0" lvl="0" indent="0" algn="l" defTabSz="914400" rtl="0" eaLnBrk="1" fontAlgn="auto" latinLnBrk="0" hangingPunct="1">
+              <a:lnSpc>
+                <a:spcPct val="100000"/>
+              </a:lnSpc>
+              <a:spcBef>
+                <a:spcPts val="0"/>
+              </a:spcBef>
+              <a:spcAft>
+                <a:spcPts val="0"/>
+              </a:spcAft>
+              <a:buClrTx/>
+              <a:buSzTx/>
+              <a:buFontTx/>
+              <a:buNone/>
+              <a:tabLst/>
+              <a:defRPr/>
+            </a:pPr>
+            <a:r>
+              <a:rPr kumimoji="1" lang="ja-JP" altLang="en-US" sz="1800" b="0" i="0" u="none" strike="noStrike" kern="1200" cap="none" spc="0" normalizeH="0" baseline="0" noProof="0" smtClean="0">
+                <a:ln>
+                  <a:noFill/>
+                </a:ln>
+                <a:solidFill>
+                  <a:prstClr val="black"/>
+                </a:solidFill>
+                <a:effectLst/>
+                <a:uLnTx/>
+                <a:uFillTx/>
+                <a:latin typeface="Calibri" panose="020F0502020204030204"/>
+                <a:ea typeface="ＭＳ Ｐゴシック" panose="020B0600070205080204" pitchFamily="50" charset="-128"/>
+                <a:cs typeface="+mn-cs"/>
+              </a:rPr>
               <a:t>バーコード</a:t>
             </a:r>
-            <a:endParaRPr kumimoji="1" lang="ja-JP" altLang="en-US" sz="2800" dirty="0"/>
+            <a:endParaRPr kumimoji="1" lang="ja-JP" altLang="en-US" sz="1800" b="0" i="0" u="none" strike="noStrike" kern="1200" cap="none" spc="0" normalizeH="0" baseline="0" noProof="0">
+              <a:ln>
+                <a:noFill/>
+              </a:ln>
+              <a:solidFill>
+                <a:prstClr val="black"/>
+              </a:solidFill>
+              <a:effectLst/>
+              <a:uLnTx/>
+              <a:uFillTx/>
+              <a:latin typeface="Calibri" panose="020F0502020204030204"/>
+              <a:ea typeface="ＭＳ Ｐゴシック" panose="020B0600070205080204" pitchFamily="50" charset="-128"/>
+              <a:cs typeface="+mn-cs"/>
+            </a:endParaRPr>
           </a:p>
         </p:txBody>
       </p:sp>
@@ -19274,8 +20398,8 @@
         </p:nvSpPr>
         <p:spPr>
           <a:xfrm>
-            <a:off x="3390548" y="4089644"/>
-            <a:ext cx="983817" cy="155976"/>
+            <a:off x="4965864" y="3921893"/>
+            <a:ext cx="861332" cy="129282"/>
           </a:xfrm>
           <a:prstGeom prst="rect">
             <a:avLst/>
@@ -19312,8 +20436,37 @@
           <a:bodyPr rtlCol="0" anchor="ctr"/>
           <a:lstStyle/>
           <a:p>
-            <a:pPr algn="ctr"/>
-            <a:endParaRPr kumimoji="1" lang="ja-JP" altLang="en-US" dirty="0"/>
+            <a:pPr marL="0" marR="0" lvl="0" indent="0" algn="ctr" defTabSz="914400" rtl="0" eaLnBrk="1" fontAlgn="auto" latinLnBrk="0" hangingPunct="1">
+              <a:lnSpc>
+                <a:spcPct val="100000"/>
+              </a:lnSpc>
+              <a:spcBef>
+                <a:spcPts val="0"/>
+              </a:spcBef>
+              <a:spcAft>
+                <a:spcPts val="0"/>
+              </a:spcAft>
+              <a:buClrTx/>
+              <a:buSzTx/>
+              <a:buFontTx/>
+              <a:buNone/>
+              <a:tabLst/>
+              <a:defRPr/>
+            </a:pPr>
+            <a:endParaRPr kumimoji="1" lang="ja-JP" altLang="en-US" sz="1800" b="0" i="0" u="none" strike="noStrike" kern="1200" cap="none" spc="0" normalizeH="0" baseline="0" noProof="0">
+              <a:ln>
+                <a:noFill/>
+              </a:ln>
+              <a:solidFill>
+                <a:prstClr val="white"/>
+              </a:solidFill>
+              <a:effectLst/>
+              <a:uLnTx/>
+              <a:uFillTx/>
+              <a:latin typeface="Calibri" panose="020F0502020204030204"/>
+              <a:ea typeface="ＭＳ Ｐゴシック" panose="020B0600070205080204" pitchFamily="50" charset="-128"/>
+              <a:cs typeface="+mn-cs"/>
+            </a:endParaRPr>
           </a:p>
         </p:txBody>
       </p:sp>
@@ -19341,18 +20494,53 @@
           </a:bodyPr>
           <a:lstStyle/>
           <a:p>
-            <a:r>
-              <a:rPr kumimoji="1" lang="en-US" altLang="ja-JP" sz="2800" smtClean="0">
+            <a:pPr marL="0" marR="0" lvl="0" indent="0" algn="l" defTabSz="914400" rtl="0" eaLnBrk="1" fontAlgn="auto" latinLnBrk="0" hangingPunct="1">
+              <a:lnSpc>
+                <a:spcPct val="100000"/>
+              </a:lnSpc>
+              <a:spcBef>
+                <a:spcPts val="0"/>
+              </a:spcBef>
+              <a:spcAft>
+                <a:spcPts val="0"/>
+              </a:spcAft>
+              <a:buClrTx/>
+              <a:buSzTx/>
+              <a:buFontTx/>
+              <a:buNone/>
+              <a:tabLst/>
+              <a:defRPr/>
+            </a:pPr>
+            <a:r>
+              <a:rPr kumimoji="1" lang="en-US" altLang="ja-JP" sz="2800" b="0" i="0" u="none" strike="noStrike" kern="1200" cap="none" spc="0" normalizeH="0" baseline="0" noProof="0" smtClean="0">
+                <a:ln>
+                  <a:noFill/>
+                </a:ln>
                 <a:solidFill>
-                  <a:schemeClr val="bg1"/>
+                  <a:prstClr val="white"/>
                 </a:solidFill>
+                <a:effectLst/>
+                <a:uLnTx/>
+                <a:uFillTx/>
+                <a:latin typeface="Calibri" panose="020F0502020204030204"/>
+                <a:ea typeface="ＭＳ Ｐゴシック" panose="020B0600070205080204" pitchFamily="50" charset="-128"/>
+                <a:cs typeface="+mn-cs"/>
               </a:rPr>
-              <a:t>Raspberry Pi</a:t>
-            </a:r>
-            <a:endParaRPr kumimoji="1" lang="ja-JP" altLang="en-US" sz="2800" dirty="0">
+              <a:t>Raspberry pi</a:t>
+            </a:r>
+            <a:endParaRPr kumimoji="1" lang="ja-JP" altLang="en-US" sz="2800" b="0" i="0" u="none" strike="noStrike" kern="1200" cap="none" spc="0" normalizeH="0" baseline="0" noProof="0">
+              <a:ln>
+                <a:noFill/>
+              </a:ln>
               <a:solidFill>
-                <a:schemeClr val="bg1"/>
+                <a:prstClr val="white"/>
               </a:solidFill>
+              <a:effectLst/>
+              <a:uLnTx/>
+              <a:uFillTx/>
+              <a:latin typeface="Calibri" panose="020F0502020204030204"/>
+              <a:ea typeface="ＭＳ Ｐゴシック" panose="020B0600070205080204" pitchFamily="50" charset="-128"/>
+              <a:cs typeface="+mn-cs"/>
             </a:endParaRPr>
           </a:p>
         </p:txBody>
@@ -19367,8 +20555,8 @@
         </p:nvCxnSpPr>
         <p:spPr>
           <a:xfrm>
-            <a:off x="3882456" y="3292566"/>
-            <a:ext cx="1" cy="797078"/>
+            <a:off x="5391834" y="3069788"/>
+            <a:ext cx="4696" cy="852105"/>
           </a:xfrm>
           <a:prstGeom prst="straightConnector1">
             <a:avLst/>
@@ -19395,16 +20583,91 @@
           </a:fontRef>
         </p:style>
       </p:cxnSp>
+      <p:sp>
+        <p:nvSpPr>
+          <p:cNvPr id="27" name="正方形/長方形 26"/>
+          <p:cNvSpPr/>
+          <p:nvPr/>
+        </p:nvSpPr>
+        <p:spPr>
+          <a:xfrm>
+            <a:off x="3822864" y="4841258"/>
+            <a:ext cx="3869871" cy="1386285"/>
+          </a:xfrm>
+          <a:prstGeom prst="rect">
+            <a:avLst/>
+          </a:prstGeom>
+          <a:noFill/>
+          <a:ln>
+            <a:solidFill>
+              <a:srgbClr val="1CADE4"/>
+            </a:solidFill>
+          </a:ln>
+        </p:spPr>
+        <p:style>
+          <a:lnRef idx="2">
+            <a:schemeClr val="accent1">
+              <a:shade val="50000"/>
+            </a:schemeClr>
+          </a:lnRef>
+          <a:fillRef idx="1">
+            <a:schemeClr val="accent1"/>
+          </a:fillRef>
+          <a:effectRef idx="0">
+            <a:schemeClr val="accent1"/>
+          </a:effectRef>
+          <a:fontRef idx="minor">
+            <a:schemeClr val="lt1"/>
+          </a:fontRef>
+        </p:style>
+        <p:txBody>
+          <a:bodyPr rtlCol="0" anchor="ctr"/>
+          <a:lstStyle/>
+          <a:p>
+            <a:pPr marL="0" marR="0" lvl="0" indent="0" algn="ctr" defTabSz="914400" rtl="0" eaLnBrk="1" fontAlgn="auto" latinLnBrk="0" hangingPunct="1">
+              <a:lnSpc>
+                <a:spcPct val="100000"/>
+              </a:lnSpc>
+              <a:spcBef>
+                <a:spcPts val="0"/>
+              </a:spcBef>
+              <a:spcAft>
+                <a:spcPts val="0"/>
+              </a:spcAft>
+              <a:buClrTx/>
+              <a:buSzTx/>
+              <a:buFontTx/>
+              <a:buNone/>
+              <a:tabLst/>
+              <a:defRPr/>
+            </a:pPr>
+            <a:endParaRPr kumimoji="1" lang="ja-JP" altLang="en-US" sz="1800" b="0" i="0" u="none" strike="noStrike" kern="1200" cap="none" spc="0" normalizeH="0" baseline="0" noProof="0">
+              <a:ln>
+                <a:noFill/>
+              </a:ln>
+              <a:solidFill>
+                <a:prstClr val="white"/>
+              </a:solidFill>
+              <a:effectLst/>
+              <a:uLnTx/>
+              <a:uFillTx/>
+              <a:latin typeface="Calibri" panose="020F0502020204030204"/>
+              <a:ea typeface="ＭＳ Ｐゴシック" panose="020B0600070205080204" pitchFamily="50" charset="-128"/>
+              <a:cs typeface="+mn-cs"/>
+            </a:endParaRPr>
+          </a:p>
+        </p:txBody>
+      </p:sp>
       <p:pic>
         <p:nvPicPr>
-          <p:cNvPr id="1040" name="Picture 16" descr="サーバーのイラスト（1台）"/>
+          <p:cNvPr id="1034" name="Picture 10" descr="https://1.bp.blogspot.com/-65XO6-LHzX0/XOdok0AgpzI/AAAAAAABS9E/0zYxUYo-Bc8j4knBUKg9CmuotJQu29HyACLcBGAs/s800/led_blue.png"/>
           <p:cNvPicPr>
             <a:picLocks noChangeAspect="1" noChangeArrowheads="1"/>
           </p:cNvPicPr>
           <p:nvPr/>
         </p:nvPicPr>
         <p:blipFill>
-          <a:blip r:embed="rId5">
+          <a:blip r:embed="rId7" cstate="print">
             <a:extLst>
               <a:ext uri="{28A0092B-C50C-407E-A947-70E740481C1C}">
                 <a14:useLocalDpi xmlns:a14="http://schemas.microsoft.com/office/drawing/2010/main" val="0"/>
@@ -19418,8 +20681,8 @@
         </p:blipFill>
         <p:spPr bwMode="auto">
           <a:xfrm>
-            <a:off x="8838497" y="3196671"/>
-            <a:ext cx="2166645" cy="2564077"/>
+            <a:off x="6408919" y="3003342"/>
+            <a:ext cx="453016" cy="641503"/>
           </a:xfrm>
           <a:prstGeom prst="rect">
             <a:avLst/>
@@ -19436,6 +20699,208 @@
           </a:extLst>
         </p:spPr>
       </p:pic>
+      <p:pic>
+        <p:nvPicPr>
+          <p:cNvPr id="1036" name="Picture 12" descr="青色発光ダイオードのイラスト（黄色）"/>
+          <p:cNvPicPr>
+            <a:picLocks noChangeAspect="1" noChangeArrowheads="1"/>
+          </p:cNvPicPr>
+          <p:nvPr/>
+        </p:nvPicPr>
+        <p:blipFill>
+          <a:blip r:embed="rId8" cstate="print">
+            <a:extLst>
+              <a:ext uri="{28A0092B-C50C-407E-A947-70E740481C1C}">
+                <a14:useLocalDpi xmlns:a14="http://schemas.microsoft.com/office/drawing/2010/main" val="0"/>
+              </a:ext>
+            </a:extLst>
+          </a:blip>
+          <a:srcRect/>
+          <a:stretch>
+            <a:fillRect/>
+          </a:stretch>
+        </p:blipFill>
+        <p:spPr bwMode="auto">
+          <a:xfrm>
+            <a:off x="6773839" y="2998491"/>
+            <a:ext cx="457065" cy="646354"/>
+          </a:xfrm>
+          <a:prstGeom prst="rect">
+            <a:avLst/>
+          </a:prstGeom>
+          <a:noFill/>
+          <a:extLst>
+            <a:ext uri="{909E8E84-426E-40DD-AFC4-6F175D3DCCD1}">
+              <a14:hiddenFill xmlns:a14="http://schemas.microsoft.com/office/drawing/2010/main">
+                <a:solidFill>
+                  <a:srgbClr val="FFFFFF"/>
+                </a:solidFill>
+              </a14:hiddenFill>
+            </a:ext>
+          </a:extLst>
+        </p:spPr>
+      </p:pic>
+      <p:pic>
+        <p:nvPicPr>
+          <p:cNvPr id="1038" name="Picture 14" descr="https://2.bp.blogspot.com/-eQeSANn3d7w/XOdonDysX7I/AAAAAAABS9M/JO5J4PGA-3sNNUTozs-x12CsLEpHb3wIACLcBGAs/s800/led_red.png"/>
+          <p:cNvPicPr>
+            <a:picLocks noChangeAspect="1" noChangeArrowheads="1"/>
+          </p:cNvPicPr>
+          <p:nvPr/>
+        </p:nvPicPr>
+        <p:blipFill>
+          <a:blip r:embed="rId9" cstate="print">
+            <a:extLst>
+              <a:ext uri="{28A0092B-C50C-407E-A947-70E740481C1C}">
+                <a14:useLocalDpi xmlns:a14="http://schemas.microsoft.com/office/drawing/2010/main" val="0"/>
+              </a:ext>
+            </a:extLst>
+          </a:blip>
+          <a:srcRect/>
+          <a:stretch>
+            <a:fillRect/>
+          </a:stretch>
+        </p:blipFill>
+        <p:spPr bwMode="auto">
+          <a:xfrm>
+            <a:off x="7176542" y="2998491"/>
+            <a:ext cx="456442" cy="646354"/>
+          </a:xfrm>
+          <a:prstGeom prst="rect">
+            <a:avLst/>
+          </a:prstGeom>
+          <a:noFill/>
+          <a:extLst>
+            <a:ext uri="{909E8E84-426E-40DD-AFC4-6F175D3DCCD1}">
+              <a14:hiddenFill xmlns:a14="http://schemas.microsoft.com/office/drawing/2010/main">
+                <a:solidFill>
+                  <a:srgbClr val="FFFFFF"/>
+                </a:solidFill>
+              </a14:hiddenFill>
+            </a:ext>
+          </a:extLst>
+        </p:spPr>
+      </p:pic>
+      <p:sp>
+        <p:nvSpPr>
+          <p:cNvPr id="37" name="テキスト ボックス 36"/>
+          <p:cNvSpPr txBox="1"/>
+          <p:nvPr/>
+        </p:nvSpPr>
+        <p:spPr>
+          <a:xfrm>
+            <a:off x="6655780" y="2520422"/>
+            <a:ext cx="726917" cy="523220"/>
+          </a:xfrm>
+          <a:prstGeom prst="rect">
+            <a:avLst/>
+          </a:prstGeom>
+          <a:noFill/>
+        </p:spPr>
+        <p:txBody>
+          <a:bodyPr wrap="square" rtlCol="0">
+            <a:spAutoFit/>
+          </a:bodyPr>
+          <a:lstStyle/>
+          <a:p>
+            <a:pPr marL="0" marR="0" lvl="0" indent="0" algn="l" defTabSz="914400" rtl="0" eaLnBrk="1" fontAlgn="auto" latinLnBrk="0" hangingPunct="1">
+              <a:lnSpc>
+                <a:spcPct val="100000"/>
+              </a:lnSpc>
+              <a:spcBef>
+                <a:spcPts val="0"/>
+              </a:spcBef>
+              <a:spcAft>
+                <a:spcPts val="0"/>
+              </a:spcAft>
+              <a:buClrTx/>
+              <a:buSzTx/>
+              <a:buFontTx/>
+              <a:buNone/>
+              <a:tabLst/>
+              <a:defRPr/>
+            </a:pPr>
+            <a:r>
+              <a:rPr kumimoji="1" lang="en-US" altLang="ja-JP" sz="2800" b="0" i="0" u="none" strike="noStrike" kern="1200" cap="none" spc="0" normalizeH="0" baseline="0" noProof="0" smtClean="0">
+                <a:ln>
+                  <a:noFill/>
+                </a:ln>
+                <a:solidFill>
+                  <a:prstClr val="black">
+                    <a:lumMod val="85000"/>
+                    <a:lumOff val="15000"/>
+                  </a:prstClr>
+                </a:solidFill>
+                <a:effectLst/>
+                <a:uLnTx/>
+                <a:uFillTx/>
+                <a:latin typeface="Calibri" panose="020F0502020204030204"/>
+                <a:ea typeface="ＭＳ Ｐゴシック" panose="020B0600070205080204" pitchFamily="50" charset="-128"/>
+                <a:cs typeface="+mn-cs"/>
+              </a:rPr>
+              <a:t>LED</a:t>
+            </a:r>
+            <a:endParaRPr kumimoji="1" lang="ja-JP" altLang="en-US" sz="2800" b="0" i="0" u="none" strike="noStrike" kern="1200" cap="none" spc="0" normalizeH="0" baseline="0" noProof="0">
+              <a:ln>
+                <a:noFill/>
+              </a:ln>
+              <a:solidFill>
+                <a:prstClr val="black">
+                  <a:lumMod val="85000"/>
+                  <a:lumOff val="15000"/>
+                </a:prstClr>
+              </a:solidFill>
+              <a:effectLst/>
+              <a:uLnTx/>
+              <a:uFillTx/>
+              <a:latin typeface="Calibri" panose="020F0502020204030204"/>
+              <a:ea typeface="ＭＳ Ｐゴシック" panose="020B0600070205080204" pitchFamily="50" charset="-128"/>
+              <a:cs typeface="+mn-cs"/>
+            </a:endParaRPr>
+          </a:p>
+        </p:txBody>
+      </p:sp>
+      <p:pic>
+        <p:nvPicPr>
+          <p:cNvPr id="1040" name="Picture 16" descr="サーバーのイラスト（1台）"/>
+          <p:cNvPicPr>
+            <a:picLocks noChangeAspect="1" noChangeArrowheads="1"/>
+          </p:cNvPicPr>
+          <p:nvPr/>
+        </p:nvPicPr>
+        <p:blipFill>
+          <a:blip r:embed="rId10">
+            <a:extLst>
+              <a:ext uri="{28A0092B-C50C-407E-A947-70E740481C1C}">
+                <a14:useLocalDpi xmlns:a14="http://schemas.microsoft.com/office/drawing/2010/main" val="0"/>
+              </a:ext>
+            </a:extLst>
+          </a:blip>
+          <a:srcRect/>
+          <a:stretch>
+            <a:fillRect/>
+          </a:stretch>
+        </p:blipFill>
+        <p:spPr bwMode="auto">
+          <a:xfrm>
+            <a:off x="10250333" y="3382479"/>
+            <a:ext cx="1648776" cy="1951214"/>
+          </a:xfrm>
+          <a:prstGeom prst="rect">
+            <a:avLst/>
+          </a:prstGeom>
+          <a:noFill/>
+          <a:extLst>
+            <a:ext uri="{909E8E84-426E-40DD-AFC4-6F175D3DCCD1}">
+              <a14:hiddenFill xmlns:a14="http://schemas.microsoft.com/office/drawing/2010/main">
+                <a:solidFill>
+                  <a:srgbClr val="FFFFFF"/>
+                </a:solidFill>
+              </a14:hiddenFill>
+            </a:ext>
+          </a:extLst>
+        </p:spPr>
+      </p:pic>
       <p:sp>
         <p:nvSpPr>
           <p:cNvPr id="43" name="角丸四角形 42"/>
@@ -19444,8 +20909,8 @@
         </p:nvSpPr>
         <p:spPr>
           <a:xfrm>
-            <a:off x="7735200" y="1735867"/>
-            <a:ext cx="4003218" cy="4568679"/>
+            <a:off x="10114352" y="1735867"/>
+            <a:ext cx="1624065" cy="4568679"/>
           </a:xfrm>
           <a:prstGeom prst="roundRect">
             <a:avLst/>
@@ -19477,8 +20942,37 @@
           <a:bodyPr rtlCol="0" anchor="ctr"/>
           <a:lstStyle/>
           <a:p>
-            <a:pPr algn="ctr"/>
-            <a:endParaRPr kumimoji="1" lang="ja-JP" altLang="en-US"/>
+            <a:pPr marL="0" marR="0" lvl="0" indent="0" algn="ctr" defTabSz="914400" rtl="0" eaLnBrk="1" fontAlgn="auto" latinLnBrk="0" hangingPunct="1">
+              <a:lnSpc>
+                <a:spcPct val="100000"/>
+              </a:lnSpc>
+              <a:spcBef>
+                <a:spcPts val="0"/>
+              </a:spcBef>
+              <a:spcAft>
+                <a:spcPts val="0"/>
+              </a:spcAft>
+              <a:buClrTx/>
+              <a:buSzTx/>
+              <a:buFontTx/>
+              <a:buNone/>
+              <a:tabLst/>
+              <a:defRPr/>
+            </a:pPr>
+            <a:endParaRPr kumimoji="1" lang="ja-JP" altLang="en-US" sz="1800" b="0" i="0" u="none" strike="noStrike" kern="1200" cap="none" spc="0" normalizeH="0" baseline="0" noProof="0">
+              <a:ln>
+                <a:noFill/>
+              </a:ln>
+              <a:solidFill>
+                <a:prstClr val="white"/>
+              </a:solidFill>
+              <a:effectLst/>
+              <a:uLnTx/>
+              <a:uFillTx/>
+              <a:latin typeface="Calibri" panose="020F0502020204030204"/>
+              <a:ea typeface="ＭＳ Ｐゴシック" panose="020B0600070205080204" pitchFamily="50" charset="-128"/>
+              <a:cs typeface="+mn-cs"/>
+            </a:endParaRPr>
           </a:p>
         </p:txBody>
       </p:sp>
@@ -19490,15 +20984,12 @@
         </p:nvSpPr>
         <p:spPr>
           <a:xfrm>
-            <a:off x="6692996" y="2973106"/>
-            <a:ext cx="1749457" cy="926681"/>
+            <a:off x="9211727" y="2778509"/>
+            <a:ext cx="1345689" cy="926681"/>
           </a:xfrm>
           <a:prstGeom prst="rightArrow">
             <a:avLst/>
           </a:prstGeom>
-          <a:solidFill>
-            <a:schemeClr val="accent1"/>
-          </a:solidFill>
           <a:ln>
             <a:noFill/>
           </a:ln>
@@ -19523,8 +21014,37 @@
           <a:bodyPr rtlCol="0" anchor="ctr"/>
           <a:lstStyle/>
           <a:p>
-            <a:pPr algn="ctr"/>
-            <a:endParaRPr kumimoji="1" lang="ja-JP" altLang="en-US"/>
+            <a:pPr marL="0" marR="0" lvl="0" indent="0" algn="ctr" defTabSz="914400" rtl="0" eaLnBrk="1" fontAlgn="auto" latinLnBrk="0" hangingPunct="1">
+              <a:lnSpc>
+                <a:spcPct val="100000"/>
+              </a:lnSpc>
+              <a:spcBef>
+                <a:spcPts val="0"/>
+              </a:spcBef>
+              <a:spcAft>
+                <a:spcPts val="0"/>
+              </a:spcAft>
+              <a:buClrTx/>
+              <a:buSzTx/>
+              <a:buFontTx/>
+              <a:buNone/>
+              <a:tabLst/>
+              <a:defRPr/>
+            </a:pPr>
+            <a:endParaRPr kumimoji="1" lang="ja-JP" altLang="en-US" sz="1800" b="0" i="0" u="none" strike="noStrike" kern="1200" cap="none" spc="0" normalizeH="0" baseline="0" noProof="0">
+              <a:ln>
+                <a:noFill/>
+              </a:ln>
+              <a:solidFill>
+                <a:prstClr val="white"/>
+              </a:solidFill>
+              <a:effectLst/>
+              <a:uLnTx/>
+              <a:uFillTx/>
+              <a:latin typeface="Calibri" panose="020F0502020204030204"/>
+              <a:ea typeface="ＭＳ Ｐゴシック" panose="020B0600070205080204" pitchFamily="50" charset="-128"/>
+              <a:cs typeface="+mn-cs"/>
+            </a:endParaRPr>
           </a:p>
         </p:txBody>
       </p:sp>
@@ -19536,15 +21056,12 @@
         </p:nvSpPr>
         <p:spPr>
           <a:xfrm flipH="1">
-            <a:off x="6682290" y="4201273"/>
-            <a:ext cx="1697669" cy="926681"/>
+            <a:off x="9089462" y="4691113"/>
+            <a:ext cx="1345689" cy="926681"/>
           </a:xfrm>
           <a:prstGeom prst="rightArrow">
             <a:avLst/>
           </a:prstGeom>
-          <a:solidFill>
-            <a:schemeClr val="accent1"/>
-          </a:solidFill>
           <a:ln>
             <a:noFill/>
           </a:ln>
@@ -19569,8 +21086,37 @@
           <a:bodyPr rtlCol="0" anchor="ctr"/>
           <a:lstStyle/>
           <a:p>
-            <a:pPr algn="ctr"/>
-            <a:endParaRPr kumimoji="1" lang="ja-JP" altLang="en-US"/>
+            <a:pPr marL="0" marR="0" lvl="0" indent="0" algn="ctr" defTabSz="914400" rtl="0" eaLnBrk="1" fontAlgn="auto" latinLnBrk="0" hangingPunct="1">
+              <a:lnSpc>
+                <a:spcPct val="100000"/>
+              </a:lnSpc>
+              <a:spcBef>
+                <a:spcPts val="0"/>
+              </a:spcBef>
+              <a:spcAft>
+                <a:spcPts val="0"/>
+              </a:spcAft>
+              <a:buClrTx/>
+              <a:buSzTx/>
+              <a:buFontTx/>
+              <a:buNone/>
+              <a:tabLst/>
+              <a:defRPr/>
+            </a:pPr>
+            <a:endParaRPr kumimoji="1" lang="ja-JP" altLang="en-US" sz="1800" b="0" i="0" u="none" strike="noStrike" kern="1200" cap="none" spc="0" normalizeH="0" baseline="0" noProof="0">
+              <a:ln>
+                <a:noFill/>
+              </a:ln>
+              <a:solidFill>
+                <a:prstClr val="white"/>
+              </a:solidFill>
+              <a:effectLst/>
+              <a:uLnTx/>
+              <a:uFillTx/>
+              <a:latin typeface="Calibri" panose="020F0502020204030204"/>
+              <a:ea typeface="ＭＳ Ｐゴシック" panose="020B0600070205080204" pitchFamily="50" charset="-128"/>
+              <a:cs typeface="+mn-cs"/>
+            </a:endParaRPr>
           </a:p>
         </p:txBody>
       </p:sp>
@@ -19582,7 +21128,7 @@
         </p:nvSpPr>
         <p:spPr>
           <a:xfrm>
-            <a:off x="10114654" y="1987029"/>
+            <a:off x="10557416" y="1856720"/>
             <a:ext cx="1341693" cy="523220"/>
           </a:xfrm>
           <a:prstGeom prst="rect">
@@ -19598,19 +21144,40 @@
           </a:bodyPr>
           <a:lstStyle/>
           <a:p>
-            <a:r>
-              <a:rPr lang="ja-JP" altLang="en-US" sz="2800">
+            <a:pPr marL="0" marR="0" lvl="0" indent="0" algn="l" defTabSz="914400" rtl="0" eaLnBrk="1" fontAlgn="auto" latinLnBrk="0" hangingPunct="1">
+              <a:lnSpc>
+                <a:spcPct val="100000"/>
+              </a:lnSpc>
+              <a:spcBef>
+                <a:spcPts val="0"/>
+              </a:spcBef>
+              <a:spcAft>
+                <a:spcPts val="0"/>
+              </a:spcAft>
+              <a:buClrTx/>
+              <a:buSzTx/>
+              <a:buFontTx/>
+              <a:buNone/>
+              <a:tabLst/>
+              <a:defRPr/>
+            </a:pPr>
+            <a:r>
+              <a:rPr kumimoji="1" lang="ja-JP" altLang="en-US" sz="2800" b="0" i="0" u="none" strike="noStrike" kern="1200" cap="none" spc="0" normalizeH="0" baseline="0" noProof="0">
+                <a:ln>
+                  <a:noFill/>
+                </a:ln>
                 <a:solidFill>
-                  <a:schemeClr val="bg1"/>
+                  <a:prstClr val="white"/>
                 </a:solidFill>
+                <a:effectLst/>
+                <a:uLnTx/>
+                <a:uFillTx/>
+                <a:latin typeface="Calibri" panose="020F0502020204030204"/>
+                <a:ea typeface="ＭＳ Ｐゴシック" panose="020B0600070205080204" pitchFamily="50" charset="-128"/>
+                <a:cs typeface="+mn-cs"/>
               </a:rPr>
               <a:t>サーバ</a:t>
             </a:r>
-            <a:endParaRPr kumimoji="1" lang="ja-JP" altLang="en-US" sz="2800">
-              <a:solidFill>
-                <a:schemeClr val="bg1"/>
-              </a:solidFill>
-            </a:endParaRPr>
           </a:p>
         </p:txBody>
       </p:sp>
@@ -19622,7 +21189,7 @@
         </p:nvSpPr>
         <p:spPr>
           <a:xfrm>
-            <a:off x="6027366" y="1917326"/>
+            <a:off x="7352723" y="1969336"/>
             <a:ext cx="3082428" cy="954107"/>
           </a:xfrm>
           <a:prstGeom prst="rect">
@@ -19640,100 +21207,215 @@
           </a:bodyPr>
           <a:lstStyle/>
           <a:p>
-            <a:r>
-              <a:rPr lang="ja-JP" altLang="en-US" sz="2800" smtClean="0">
+            <a:pPr marL="0" marR="0" lvl="0" indent="0" algn="l" defTabSz="914400" rtl="0" eaLnBrk="1" fontAlgn="auto" latinLnBrk="0" hangingPunct="1">
+              <a:lnSpc>
+                <a:spcPct val="100000"/>
+              </a:lnSpc>
+              <a:spcBef>
+                <a:spcPts val="0"/>
+              </a:spcBef>
+              <a:spcAft>
+                <a:spcPts val="0"/>
+              </a:spcAft>
+              <a:buClrTx/>
+              <a:buSzTx/>
+              <a:buFontTx/>
+              <a:buNone/>
+              <a:tabLst/>
+              <a:defRPr/>
+            </a:pPr>
+            <a:r>
+              <a:rPr kumimoji="1" lang="ja-JP" altLang="en-US" sz="2800" b="0" i="0" u="none" strike="noStrike" kern="1200" cap="none" spc="0" normalizeH="0" baseline="0" noProof="0" smtClean="0">
+                <a:ln>
+                  <a:noFill/>
+                </a:ln>
                 <a:solidFill>
-                  <a:schemeClr val="tx1">
+                  <a:prstClr val="black">
                     <a:lumMod val="85000"/>
                     <a:lumOff val="15000"/>
-                  </a:schemeClr>
+                  </a:prstClr>
                 </a:solidFill>
+                <a:effectLst/>
+                <a:uLnTx/>
+                <a:uFillTx/>
+                <a:latin typeface="Calibri" panose="020F0502020204030204"/>
+                <a:ea typeface="ＭＳ Ｐゴシック" panose="020B0600070205080204" pitchFamily="50" charset="-128"/>
+                <a:cs typeface="+mn-cs"/>
               </a:rPr>
               <a:t>画像データ</a:t>
             </a:r>
-            <a:endParaRPr lang="en-US" altLang="ja-JP" sz="2800" smtClean="0">
+            <a:endParaRPr kumimoji="1" lang="en-US" altLang="ja-JP" sz="2800" b="0" i="0" u="none" strike="noStrike" kern="1200" cap="none" spc="0" normalizeH="0" baseline="0" noProof="0" smtClean="0">
+              <a:ln>
+                <a:noFill/>
+              </a:ln>
               <a:solidFill>
-                <a:schemeClr val="tx1">
+                <a:prstClr val="black">
                   <a:lumMod val="85000"/>
                   <a:lumOff val="15000"/>
-                </a:schemeClr>
+                </a:prstClr>
               </a:solidFill>
+              <a:effectLst/>
+              <a:uLnTx/>
+              <a:uFillTx/>
+              <a:latin typeface="Calibri" panose="020F0502020204030204"/>
+              <a:ea typeface="ＭＳ Ｐゴシック" panose="020B0600070205080204" pitchFamily="50" charset="-128"/>
+              <a:cs typeface="+mn-cs"/>
             </a:endParaRPr>
           </a:p>
           <a:p>
-            <a:r>
-              <a:rPr kumimoji="1" lang="ja-JP" altLang="en-US" sz="2800" smtClean="0">
+            <a:pPr marL="0" marR="0" lvl="0" indent="0" algn="l" defTabSz="914400" rtl="0" eaLnBrk="1" fontAlgn="auto" latinLnBrk="0" hangingPunct="1">
+              <a:lnSpc>
+                <a:spcPct val="100000"/>
+              </a:lnSpc>
+              <a:spcBef>
+                <a:spcPts val="0"/>
+              </a:spcBef>
+              <a:spcAft>
+                <a:spcPts val="0"/>
+              </a:spcAft>
+              <a:buClrTx/>
+              <a:buSzTx/>
+              <a:buFontTx/>
+              <a:buNone/>
+              <a:tabLst/>
+              <a:defRPr/>
+            </a:pPr>
+            <a:r>
+              <a:rPr kumimoji="1" lang="ja-JP" altLang="en-US" sz="2800" b="0" i="0" u="none" strike="noStrike" kern="1200" cap="none" spc="0" normalizeH="0" baseline="0" noProof="0" smtClean="0">
+                <a:ln>
+                  <a:noFill/>
+                </a:ln>
                 <a:solidFill>
-                  <a:schemeClr val="tx1">
+                  <a:prstClr val="black">
                     <a:lumMod val="85000"/>
                     <a:lumOff val="15000"/>
-                  </a:schemeClr>
+                  </a:prstClr>
                 </a:solidFill>
+                <a:effectLst/>
+                <a:uLnTx/>
+                <a:uFillTx/>
+                <a:latin typeface="Calibri" panose="020F0502020204030204"/>
+                <a:ea typeface="ＭＳ Ｐゴシック" panose="020B0600070205080204" pitchFamily="50" charset="-128"/>
+                <a:cs typeface="+mn-cs"/>
               </a:rPr>
               <a:t>フラグ</a:t>
             </a:r>
             <a:r>
-              <a:rPr kumimoji="1" lang="en-US" altLang="ja-JP" sz="2800" smtClean="0">
+              <a:rPr kumimoji="1" lang="en-US" altLang="ja-JP" sz="2800" b="0" i="0" u="none" strike="noStrike" kern="1200" cap="none" spc="0" normalizeH="0" baseline="0" noProof="0" smtClean="0">
+                <a:ln>
+                  <a:noFill/>
+                </a:ln>
                 <a:solidFill>
-                  <a:schemeClr val="tx1">
+                  <a:prstClr val="black">
                     <a:lumMod val="85000"/>
                     <a:lumOff val="15000"/>
-                  </a:schemeClr>
+                  </a:prstClr>
                 </a:solidFill>
+                <a:effectLst/>
+                <a:uLnTx/>
+                <a:uFillTx/>
+                <a:latin typeface="Calibri" panose="020F0502020204030204"/>
+                <a:ea typeface="ＭＳ Ｐゴシック" panose="020B0600070205080204" pitchFamily="50" charset="-128"/>
+                <a:cs typeface="+mn-cs"/>
               </a:rPr>
               <a:t>(</a:t>
             </a:r>
             <a:r>
-              <a:rPr kumimoji="1" lang="ja-JP" altLang="en-US" sz="2800" smtClean="0">
+              <a:rPr kumimoji="1" lang="ja-JP" altLang="en-US" sz="2800" b="0" i="0" u="none" strike="noStrike" kern="1200" cap="none" spc="0" normalizeH="0" baseline="0" noProof="0" smtClean="0">
+                <a:ln>
+                  <a:noFill/>
+                </a:ln>
                 <a:solidFill>
-                  <a:schemeClr val="tx1">
+                  <a:prstClr val="black">
                     <a:lumMod val="85000"/>
                     <a:lumOff val="15000"/>
-                  </a:schemeClr>
+                  </a:prstClr>
                 </a:solidFill>
+                <a:effectLst/>
+                <a:uLnTx/>
+                <a:uFillTx/>
+                <a:latin typeface="Calibri" panose="020F0502020204030204"/>
+                <a:ea typeface="ＭＳ Ｐゴシック" panose="020B0600070205080204" pitchFamily="50" charset="-128"/>
+                <a:cs typeface="+mn-cs"/>
               </a:rPr>
               <a:t>追加</a:t>
             </a:r>
             <a:r>
-              <a:rPr kumimoji="1" lang="en-US" altLang="ja-JP" sz="2800" smtClean="0">
+              <a:rPr kumimoji="1" lang="en-US" altLang="ja-JP" sz="2800" b="0" i="0" u="none" strike="noStrike" kern="1200" cap="none" spc="0" normalizeH="0" baseline="0" noProof="0" smtClean="0">
+                <a:ln>
+                  <a:noFill/>
+                </a:ln>
                 <a:solidFill>
-                  <a:schemeClr val="tx1">
+                  <a:prstClr val="black">
                     <a:lumMod val="85000"/>
                     <a:lumOff val="15000"/>
-                  </a:schemeClr>
+                  </a:prstClr>
                 </a:solidFill>
+                <a:effectLst/>
+                <a:uLnTx/>
+                <a:uFillTx/>
+                <a:latin typeface="Calibri" panose="020F0502020204030204"/>
+                <a:ea typeface="ＭＳ Ｐゴシック" panose="020B0600070205080204" pitchFamily="50" charset="-128"/>
+                <a:cs typeface="+mn-cs"/>
               </a:rPr>
               <a:t>or</a:t>
             </a:r>
             <a:r>
-              <a:rPr kumimoji="1" lang="ja-JP" altLang="en-US" sz="2800" smtClean="0">
+              <a:rPr kumimoji="1" lang="ja-JP" altLang="en-US" sz="2800" b="0" i="0" u="none" strike="noStrike" kern="1200" cap="none" spc="0" normalizeH="0" baseline="0" noProof="0" smtClean="0">
+                <a:ln>
+                  <a:noFill/>
+                </a:ln>
                 <a:solidFill>
-                  <a:schemeClr val="tx1">
+                  <a:prstClr val="black">
                     <a:lumMod val="85000"/>
                     <a:lumOff val="15000"/>
-                  </a:schemeClr>
+                  </a:prstClr>
                 </a:solidFill>
+                <a:effectLst/>
+                <a:uLnTx/>
+                <a:uFillTx/>
+                <a:latin typeface="Calibri" panose="020F0502020204030204"/>
+                <a:ea typeface="ＭＳ Ｐゴシック" panose="020B0600070205080204" pitchFamily="50" charset="-128"/>
+                <a:cs typeface="+mn-cs"/>
               </a:rPr>
               <a:t>削除</a:t>
             </a:r>
             <a:r>
-              <a:rPr kumimoji="1" lang="en-US" altLang="ja-JP" sz="2800" smtClean="0">
+              <a:rPr kumimoji="1" lang="en-US" altLang="ja-JP" sz="2800" b="0" i="0" u="none" strike="noStrike" kern="1200" cap="none" spc="0" normalizeH="0" baseline="0" noProof="0" smtClean="0">
+                <a:ln>
+                  <a:noFill/>
+                </a:ln>
                 <a:solidFill>
-                  <a:schemeClr val="tx1">
+                  <a:prstClr val="black">
                     <a:lumMod val="85000"/>
                     <a:lumOff val="15000"/>
-                  </a:schemeClr>
+                  </a:prstClr>
                 </a:solidFill>
+                <a:effectLst/>
+                <a:uLnTx/>
+                <a:uFillTx/>
+                <a:latin typeface="Calibri" panose="020F0502020204030204"/>
+                <a:ea typeface="ＭＳ Ｐゴシック" panose="020B0600070205080204" pitchFamily="50" charset="-128"/>
+                <a:cs typeface="+mn-cs"/>
               </a:rPr>
               <a:t>)</a:t>
             </a:r>
-            <a:endParaRPr kumimoji="1" lang="ja-JP" altLang="en-US" sz="2800">
+            <a:endParaRPr kumimoji="1" lang="ja-JP" altLang="en-US" sz="2800" b="0" i="0" u="none" strike="noStrike" kern="1200" cap="none" spc="0" normalizeH="0" baseline="0" noProof="0">
+              <a:ln>
+                <a:noFill/>
+              </a:ln>
               <a:solidFill>
-                <a:schemeClr val="tx1">
+                <a:prstClr val="black">
                   <a:lumMod val="85000"/>
                   <a:lumOff val="15000"/>
-                </a:schemeClr>
+                </a:prstClr>
               </a:solidFill>
+              <a:effectLst/>
+              <a:uLnTx/>
+              <a:uFillTx/>
+              <a:latin typeface="Calibri" panose="020F0502020204030204"/>
+              <a:ea typeface="ＭＳ Ｐゴシック" panose="020B0600070205080204" pitchFamily="50" charset="-128"/>
+              <a:cs typeface="+mn-cs"/>
             </a:endParaRPr>
           </a:p>
         </p:txBody>
@@ -19746,7 +21428,7 @@
         </p:nvSpPr>
         <p:spPr>
           <a:xfrm>
-            <a:off x="6742815" y="5237528"/>
+            <a:off x="9052877" y="5634514"/>
             <a:ext cx="1663387" cy="523220"/>
           </a:xfrm>
           <a:prstGeom prst="rect">
@@ -19764,61 +21446,114 @@
           </a:bodyPr>
           <a:lstStyle/>
           <a:p>
-            <a:r>
-              <a:rPr kumimoji="1" lang="ja-JP" altLang="en-US" sz="2800" smtClean="0">
+            <a:pPr marL="0" marR="0" lvl="0" indent="0" algn="l" defTabSz="914400" rtl="0" eaLnBrk="1" fontAlgn="auto" latinLnBrk="0" hangingPunct="1">
+              <a:lnSpc>
+                <a:spcPct val="100000"/>
+              </a:lnSpc>
+              <a:spcBef>
+                <a:spcPts val="0"/>
+              </a:spcBef>
+              <a:spcAft>
+                <a:spcPts val="0"/>
+              </a:spcAft>
+              <a:buClrTx/>
+              <a:buSzTx/>
+              <a:buFontTx/>
+              <a:buNone/>
+              <a:tabLst/>
+              <a:defRPr/>
+            </a:pPr>
+            <a:r>
+              <a:rPr kumimoji="1" lang="en-US" altLang="ja-JP" sz="2800" b="0" i="0" u="none" strike="noStrike" kern="1200" cap="none" spc="0" normalizeH="0" baseline="0" noProof="0" smtClean="0">
+                <a:ln>
+                  <a:noFill/>
+                </a:ln>
                 <a:solidFill>
-                  <a:schemeClr val="tx1">
+                  <a:prstClr val="black">
                     <a:lumMod val="85000"/>
                     <a:lumOff val="15000"/>
-                  </a:schemeClr>
+                  </a:prstClr>
                 </a:solidFill>
+                <a:effectLst/>
+                <a:uLnTx/>
+                <a:uFillTx/>
+                <a:latin typeface="Calibri" panose="020F0502020204030204"/>
+                <a:ea typeface="ＭＳ Ｐゴシック" panose="020B0600070205080204" pitchFamily="50" charset="-128"/>
+                <a:cs typeface="+mn-cs"/>
               </a:rPr>
-              <a:t>実行結果</a:t>
-            </a:r>
-            <a:endParaRPr kumimoji="1" lang="ja-JP" altLang="en-US" sz="2800">
+              <a:t>Yes or No</a:t>
+            </a:r>
+            <a:endParaRPr kumimoji="1" lang="ja-JP" altLang="en-US" sz="2800" b="0" i="0" u="none" strike="noStrike" kern="1200" cap="none" spc="0" normalizeH="0" baseline="0" noProof="0">
+              <a:ln>
+                <a:noFill/>
+              </a:ln>
               <a:solidFill>
-                <a:schemeClr val="tx1">
+                <a:prstClr val="black">
                   <a:lumMod val="85000"/>
                   <a:lumOff val="15000"/>
-                </a:schemeClr>
+                </a:prstClr>
               </a:solidFill>
+              <a:effectLst/>
+              <a:uLnTx/>
+              <a:uFillTx/>
+              <a:latin typeface="Calibri" panose="020F0502020204030204"/>
+              <a:ea typeface="ＭＳ Ｐゴシック" panose="020B0600070205080204" pitchFamily="50" charset="-128"/>
+              <a:cs typeface="+mn-cs"/>
             </a:endParaRPr>
           </a:p>
         </p:txBody>
       </p:sp>
-      <p:sp>
-        <p:nvSpPr>
-          <p:cNvPr id="3" name="スライド番号プレースホルダー 2"/>
-          <p:cNvSpPr>
-            <a:spLocks noGrp="1"/>
-          </p:cNvSpPr>
-          <p:nvPr>
-            <p:ph type="sldNum" sz="quarter" idx="12"/>
-          </p:nvPr>
-        </p:nvSpPr>
-        <p:spPr/>
-        <p:txBody>
-          <a:bodyPr/>
-          <a:lstStyle/>
-          <a:p>
-            <a:fld id="{3C3988C9-8C6C-49D7-8D82-24DA391FB063}" type="slidenum">
-              <a:rPr kumimoji="1" lang="ja-JP" altLang="en-US" smtClean="0"/>
-              <a:t>5</a:t>
-            </a:fld>
-            <a:endParaRPr kumimoji="1" lang="ja-JP" altLang="en-US"/>
-          </a:p>
-        </p:txBody>
-      </p:sp>
-      <p:sp>
-        <p:nvSpPr>
-          <p:cNvPr id="21" name="テキスト ボックス 20"/>
+      <p:pic>
+        <p:nvPicPr>
+          <p:cNvPr id="1042" name="Picture 18" descr="https://images-na.ssl-images-amazon.com/images/I/51BA1m4SS6L._AC_SL1000_.jpg"/>
+          <p:cNvPicPr>
+            <a:picLocks noChangeAspect="1" noChangeArrowheads="1"/>
+          </p:cNvPicPr>
+          <p:nvPr/>
+        </p:nvPicPr>
+        <p:blipFill>
+          <a:blip r:embed="rId11" cstate="print">
+            <a:extLst>
+              <a:ext uri="{28A0092B-C50C-407E-A947-70E740481C1C}">
+                <a14:useLocalDpi xmlns:a14="http://schemas.microsoft.com/office/drawing/2010/main" val="0"/>
+              </a:ext>
+            </a:extLst>
+          </a:blip>
+          <a:srcRect/>
+          <a:stretch>
+            <a:fillRect/>
+          </a:stretch>
+        </p:blipFill>
+        <p:spPr bwMode="auto">
+          <a:xfrm>
+            <a:off x="1008846" y="3051318"/>
+            <a:ext cx="1485964" cy="802546"/>
+          </a:xfrm>
+          <a:prstGeom prst="rect">
+            <a:avLst/>
+          </a:prstGeom>
+          <a:noFill/>
+          <a:extLst>
+            <a:ext uri="{909E8E84-426E-40DD-AFC4-6F175D3DCCD1}">
+              <a14:hiddenFill xmlns:a14="http://schemas.microsoft.com/office/drawing/2010/main">
+                <a:solidFill>
+                  <a:srgbClr val="FFFFFF"/>
+                </a:solidFill>
+              </a14:hiddenFill>
+            </a:ext>
+          </a:extLst>
+        </p:spPr>
+      </p:pic>
+      <p:sp>
+        <p:nvSpPr>
+          <p:cNvPr id="52" name="テキスト ボックス 51"/>
           <p:cNvSpPr txBox="1"/>
           <p:nvPr/>
         </p:nvSpPr>
         <p:spPr>
           <a:xfrm>
-            <a:off x="3065911" y="1833817"/>
-            <a:ext cx="1929206" cy="523220"/>
+            <a:off x="880682" y="2572025"/>
+            <a:ext cx="2264214" cy="523220"/>
           </a:xfrm>
           <a:prstGeom prst="rect">
             <a:avLst/>
@@ -19831,81 +21566,90 @@
           </a:bodyPr>
           <a:lstStyle/>
           <a:p>
-            <a:r>
-              <a:rPr kumimoji="1" lang="en-US" altLang="ja-JP" sz="2800" smtClean="0"/>
-              <a:t>Web</a:t>
-            </a:r>
-            <a:r>
-              <a:rPr kumimoji="1" lang="ja-JP" altLang="en-US" sz="2800" smtClean="0"/>
-              <a:t>カメラ</a:t>
-            </a:r>
-            <a:endParaRPr kumimoji="1" lang="ja-JP" altLang="en-US" sz="2800" dirty="0"/>
-          </a:p>
-        </p:txBody>
-      </p:sp>
-      <p:sp>
-        <p:nvSpPr>
-          <p:cNvPr id="22" name="テキスト ボックス 21"/>
-          <p:cNvSpPr txBox="1"/>
-          <p:nvPr/>
-        </p:nvSpPr>
-        <p:spPr>
-          <a:xfrm>
-            <a:off x="9587546" y="2652873"/>
-            <a:ext cx="1800617" cy="523220"/>
-          </a:xfrm>
-          <a:prstGeom prst="rect">
-            <a:avLst/>
-          </a:prstGeom>
-          <a:solidFill>
-            <a:schemeClr val="bg1">
-              <a:lumMod val="95000"/>
-            </a:schemeClr>
-          </a:solidFill>
-        </p:spPr>
-        <p:txBody>
-          <a:bodyPr wrap="square" rtlCol="0">
-            <a:spAutoFit/>
-          </a:bodyPr>
-          <a:lstStyle/>
-          <a:p>
-            <a:r>
-              <a:rPr lang="ja-JP" altLang="en-US" sz="2800" smtClean="0">
+            <a:pPr marL="0" marR="0" lvl="0" indent="0" algn="l" defTabSz="914400" rtl="0" eaLnBrk="1" fontAlgn="auto" latinLnBrk="0" hangingPunct="1">
+              <a:lnSpc>
+                <a:spcPct val="100000"/>
+              </a:lnSpc>
+              <a:spcBef>
+                <a:spcPts val="0"/>
+              </a:spcBef>
+              <a:spcAft>
+                <a:spcPts val="0"/>
+              </a:spcAft>
+              <a:buClrTx/>
+              <a:buSzTx/>
+              <a:buFontTx/>
+              <a:buNone/>
+              <a:tabLst/>
+              <a:defRPr/>
+            </a:pPr>
+            <a:r>
+              <a:rPr kumimoji="1" lang="ja-JP" altLang="en-US" sz="2800" b="0" i="0" u="none" strike="noStrike" kern="1200" cap="none" spc="0" normalizeH="0" baseline="0" noProof="0" smtClean="0">
+                <a:ln>
+                  <a:noFill/>
+                </a:ln>
                 <a:solidFill>
-                  <a:schemeClr val="tx1">
+                  <a:prstClr val="black">
                     <a:lumMod val="85000"/>
                     <a:lumOff val="15000"/>
-                  </a:schemeClr>
+                  </a:prstClr>
                 </a:solidFill>
+                <a:effectLst/>
+                <a:uLnTx/>
+                <a:uFillTx/>
+                <a:latin typeface="Calibri" panose="020F0502020204030204"/>
+                <a:ea typeface="ＭＳ Ｐゴシック" panose="020B0600070205080204" pitchFamily="50" charset="-128"/>
+                <a:cs typeface="+mn-cs"/>
               </a:rPr>
-              <a:t>識別・</a:t>
-            </a:r>
-            <a:r>
-              <a:rPr kumimoji="1" lang="ja-JP" altLang="en-US" sz="2800" smtClean="0">
-                <a:solidFill>
-                  <a:schemeClr val="tx1">
-                    <a:lumMod val="85000"/>
-                    <a:lumOff val="15000"/>
-                  </a:schemeClr>
-                </a:solidFill>
-              </a:rPr>
-              <a:t>決済</a:t>
-            </a:r>
-            <a:endParaRPr kumimoji="1" lang="ja-JP" altLang="en-US" sz="2800">
+              <a:t>バッテリー</a:t>
+            </a:r>
+            <a:endParaRPr kumimoji="1" lang="ja-JP" altLang="en-US" sz="2800" b="0" i="0" u="none" strike="noStrike" kern="1200" cap="none" spc="0" normalizeH="0" baseline="0" noProof="0">
+              <a:ln>
+                <a:noFill/>
+              </a:ln>
               <a:solidFill>
-                <a:schemeClr val="tx1">
+                <a:prstClr val="black">
                   <a:lumMod val="85000"/>
                   <a:lumOff val="15000"/>
-                </a:schemeClr>
+                </a:prstClr>
               </a:solidFill>
+              <a:effectLst/>
+              <a:uLnTx/>
+              <a:uFillTx/>
+              <a:latin typeface="Calibri" panose="020F0502020204030204"/>
+              <a:ea typeface="ＭＳ Ｐゴシック" panose="020B0600070205080204" pitchFamily="50" charset="-128"/>
+              <a:cs typeface="+mn-cs"/>
             </a:endParaRPr>
+          </a:p>
+        </p:txBody>
+      </p:sp>
+      <p:sp>
+        <p:nvSpPr>
+          <p:cNvPr id="3" name="スライド番号プレースホルダー 2"/>
+          <p:cNvSpPr>
+            <a:spLocks noGrp="1"/>
+          </p:cNvSpPr>
+          <p:nvPr>
+            <p:ph type="sldNum" sz="quarter" idx="12"/>
+          </p:nvPr>
+        </p:nvSpPr>
+        <p:spPr/>
+        <p:txBody>
+          <a:bodyPr/>
+          <a:lstStyle/>
+          <a:p>
+            <a:fld id="{3C3988C9-8C6C-49D7-8D82-24DA391FB063}" type="slidenum">
+              <a:rPr kumimoji="1" lang="ja-JP" altLang="en-US" smtClean="0"/>
+              <a:t>5</a:t>
+            </a:fld>
+            <a:endParaRPr kumimoji="1" lang="ja-JP" altLang="en-US"/>
           </a:p>
         </p:txBody>
       </p:sp>
     </p:spTree>
     <p:extLst>
       <p:ext uri="{BB962C8B-B14F-4D97-AF65-F5344CB8AC3E}">
-        <p14:creationId xmlns:p14="http://schemas.microsoft.com/office/powerpoint/2010/main" val="1516190193"/>
+        <p14:creationId xmlns:p14="http://schemas.microsoft.com/office/powerpoint/2010/main" val="4164989615"/>
       </p:ext>
     </p:extLst>
   </p:cSld>
@@ -19941,60 +21685,12 @@
       </p:grpSpPr>
       <p:sp>
         <p:nvSpPr>
-          <p:cNvPr id="4" name="正方形/長方形 3"/>
-          <p:cNvSpPr/>
-          <p:nvPr/>
-        </p:nvSpPr>
-        <p:spPr>
-          <a:xfrm>
-            <a:off x="5159141" y="3368842"/>
-            <a:ext cx="2791326" cy="188967"/>
-          </a:xfrm>
-          <a:prstGeom prst="rect">
-            <a:avLst/>
-          </a:prstGeom>
-          <a:solidFill>
-            <a:srgbClr val="FFCC00">
-              <a:alpha val="66000"/>
-            </a:srgbClr>
-          </a:solidFill>
-          <a:ln>
-            <a:noFill/>
-          </a:ln>
-        </p:spPr>
-        <p:style>
-          <a:lnRef idx="2">
-            <a:schemeClr val="accent1">
-              <a:shade val="50000"/>
-            </a:schemeClr>
-          </a:lnRef>
-          <a:fillRef idx="1">
-            <a:schemeClr val="accent1"/>
-          </a:fillRef>
-          <a:effectRef idx="0">
-            <a:schemeClr val="accent1"/>
-          </a:effectRef>
-          <a:fontRef idx="minor">
-            <a:schemeClr val="lt1"/>
-          </a:fontRef>
-        </p:style>
-        <p:txBody>
-          <a:bodyPr rtlCol="0" anchor="ctr"/>
-          <a:lstStyle/>
-          <a:p>
-            <a:pPr algn="ctr"/>
-            <a:endParaRPr kumimoji="1" lang="ja-JP" altLang="en-US"/>
-          </a:p>
-        </p:txBody>
-      </p:sp>
-      <p:sp>
-        <p:nvSpPr>
           <p:cNvPr id="2" name="タイトル 1"/>
           <p:cNvSpPr>
             <a:spLocks noGrp="1"/>
           </p:cNvSpPr>
           <p:nvPr>
-            <p:ph type="title"/>
+            <p:ph type="ctrTitle"/>
           </p:nvPr>
         </p:nvSpPr>
         <p:spPr/>
@@ -20003,24 +21699,35 @@
           <a:lstStyle/>
           <a:p>
             <a:r>
-              <a:rPr lang="ja-JP" altLang="en-US" dirty="0" smtClean="0"/>
-              <a:t>メリット</a:t>
-            </a:r>
-            <a:r>
-              <a:rPr lang="ja-JP" altLang="en-US" dirty="0"/>
-              <a:t>・</a:t>
-            </a:r>
-            <a:r>
-              <a:rPr lang="ja-JP" altLang="en-US" dirty="0" smtClean="0"/>
-              <a:t>効果</a:t>
-            </a:r>
-            <a:endParaRPr kumimoji="1" lang="ja-JP" altLang="en-US" dirty="0"/>
+              <a:rPr kumimoji="1" lang="ja-JP" altLang="en-US" smtClean="0"/>
+              <a:t>システムの設計</a:t>
+            </a:r>
+            <a:endParaRPr kumimoji="1" lang="ja-JP" altLang="en-US"/>
           </a:p>
         </p:txBody>
       </p:sp>
       <p:sp>
         <p:nvSpPr>
-          <p:cNvPr id="3" name="スライド番号プレースホルダー 2"/>
+          <p:cNvPr id="5" name="サブタイトル 4"/>
+          <p:cNvSpPr>
+            <a:spLocks noGrp="1"/>
+          </p:cNvSpPr>
+          <p:nvPr>
+            <p:ph type="subTitle" idx="1"/>
+          </p:nvPr>
+        </p:nvSpPr>
+        <p:spPr/>
+        <p:txBody>
+          <a:bodyPr/>
+          <a:lstStyle/>
+          <a:p>
+            <a:endParaRPr kumimoji="1" lang="ja-JP" altLang="en-US"/>
+          </a:p>
+        </p:txBody>
+      </p:sp>
+      <p:sp>
+        <p:nvSpPr>
+          <p:cNvPr id="4" name="スライド番号プレースホルダー 3"/>
           <p:cNvSpPr>
             <a:spLocks noGrp="1"/>
           </p:cNvSpPr>
@@ -20034,291 +21741,24 @@
           <a:lstStyle/>
           <a:p>
             <a:fld id="{3C3988C9-8C6C-49D7-8D82-24DA391FB063}" type="slidenum">
-              <a:rPr kumimoji="1" lang="ja-JP" altLang="en-US" sz="3200" smtClean="0"/>
+              <a:rPr lang="ja-JP" altLang="en-US" smtClean="0"/>
+              <a:pPr/>
               <a:t>6</a:t>
             </a:fld>
-            <a:endParaRPr kumimoji="1" lang="ja-JP" altLang="en-US" sz="3200"/>
-          </a:p>
-        </p:txBody>
-      </p:sp>
-      <p:sp>
-        <p:nvSpPr>
-          <p:cNvPr id="5" name="テキスト ボックス 4"/>
-          <p:cNvSpPr txBox="1"/>
-          <p:nvPr/>
-        </p:nvSpPr>
-        <p:spPr>
-          <a:xfrm>
-            <a:off x="1097279" y="1865807"/>
-            <a:ext cx="2723950" cy="523220"/>
-          </a:xfrm>
-          <a:prstGeom prst="rect">
-            <a:avLst/>
-          </a:prstGeom>
-          <a:solidFill>
-            <a:schemeClr val="bg1">
-              <a:lumMod val="95000"/>
-            </a:schemeClr>
-          </a:solidFill>
-        </p:spPr>
-        <p:txBody>
-          <a:bodyPr wrap="square" rtlCol="0">
-            <a:spAutoFit/>
-          </a:bodyPr>
-          <a:lstStyle/>
-          <a:p>
-            <a:r>
-              <a:rPr lang="ja-JP" altLang="en-US" sz="2800" smtClean="0"/>
-              <a:t>店側</a:t>
-            </a:r>
-            <a:r>
-              <a:rPr lang="ja-JP" altLang="en-US" sz="2800" dirty="0"/>
-              <a:t>：</a:t>
-            </a:r>
-            <a:r>
-              <a:rPr lang="ja-JP" altLang="en-US" sz="2800" smtClean="0"/>
-              <a:t>コスト</a:t>
-            </a:r>
-            <a:r>
-              <a:rPr lang="ja-JP" altLang="en-US" sz="2800" dirty="0" smtClean="0"/>
-              <a:t>削減</a:t>
-            </a:r>
-            <a:endParaRPr kumimoji="1" lang="ja-JP" altLang="en-US" sz="2800" dirty="0"/>
-          </a:p>
-        </p:txBody>
-      </p:sp>
-      <p:sp>
-        <p:nvSpPr>
-          <p:cNvPr id="7" name="テキスト ボックス 6"/>
-          <p:cNvSpPr txBox="1"/>
-          <p:nvPr/>
-        </p:nvSpPr>
-        <p:spPr>
-          <a:xfrm>
-            <a:off x="1097279" y="4726591"/>
-            <a:ext cx="3355521" cy="523220"/>
-          </a:xfrm>
-          <a:prstGeom prst="rect">
-            <a:avLst/>
-          </a:prstGeom>
-          <a:solidFill>
-            <a:schemeClr val="bg1">
-              <a:lumMod val="95000"/>
-            </a:schemeClr>
-          </a:solidFill>
-        </p:spPr>
-        <p:txBody>
-          <a:bodyPr wrap="square" rtlCol="0">
-            <a:spAutoFit/>
-          </a:bodyPr>
-          <a:lstStyle/>
-          <a:p>
-            <a:r>
-              <a:rPr lang="ja-JP" altLang="en-US" sz="2800" smtClean="0"/>
-              <a:t>お客様</a:t>
-            </a:r>
-            <a:r>
-              <a:rPr lang="ja-JP" altLang="en-US" sz="2800" dirty="0"/>
-              <a:t>：</a:t>
-            </a:r>
-            <a:r>
-              <a:rPr lang="ja-JP" altLang="en-US" sz="2800" smtClean="0"/>
-              <a:t>時間</a:t>
-            </a:r>
-            <a:r>
-              <a:rPr lang="ja-JP" altLang="en-US" sz="2800" dirty="0" smtClean="0"/>
-              <a:t>の短縮</a:t>
-            </a:r>
-            <a:endParaRPr kumimoji="1" lang="ja-JP" altLang="en-US" sz="2800" dirty="0"/>
-          </a:p>
-        </p:txBody>
-      </p:sp>
-      <p:sp>
-        <p:nvSpPr>
-          <p:cNvPr id="8" name="正方形/長方形 7"/>
-          <p:cNvSpPr/>
-          <p:nvPr/>
-        </p:nvSpPr>
-        <p:spPr>
-          <a:xfrm>
-            <a:off x="6851583" y="4238282"/>
-            <a:ext cx="2571550" cy="167832"/>
-          </a:xfrm>
-          <a:prstGeom prst="rect">
-            <a:avLst/>
-          </a:prstGeom>
-          <a:solidFill>
-            <a:srgbClr val="FFCC00">
-              <a:alpha val="66000"/>
-            </a:srgbClr>
-          </a:solidFill>
-          <a:ln>
-            <a:noFill/>
-          </a:ln>
-        </p:spPr>
-        <p:style>
-          <a:lnRef idx="2">
-            <a:schemeClr val="accent1">
-              <a:shade val="50000"/>
-            </a:schemeClr>
-          </a:lnRef>
-          <a:fillRef idx="1">
-            <a:schemeClr val="accent1"/>
-          </a:fillRef>
-          <a:effectRef idx="0">
-            <a:schemeClr val="accent1"/>
-          </a:effectRef>
-          <a:fontRef idx="minor">
-            <a:schemeClr val="lt1"/>
-          </a:fontRef>
-        </p:style>
-        <p:txBody>
-          <a:bodyPr rtlCol="0" anchor="ctr"/>
-          <a:lstStyle/>
-          <a:p>
-            <a:pPr algn="ctr"/>
-            <a:endParaRPr kumimoji="1" lang="ja-JP" altLang="en-US"/>
-          </a:p>
-        </p:txBody>
-      </p:sp>
-      <p:sp>
-        <p:nvSpPr>
-          <p:cNvPr id="6" name="正方形/長方形 5"/>
-          <p:cNvSpPr/>
-          <p:nvPr/>
-        </p:nvSpPr>
-        <p:spPr>
-          <a:xfrm>
-            <a:off x="1097279" y="2649868"/>
-            <a:ext cx="10115204" cy="1877437"/>
-          </a:xfrm>
-          <a:prstGeom prst="rect">
-            <a:avLst/>
-          </a:prstGeom>
-          <a:noFill/>
-        </p:spPr>
-        <p:txBody>
-          <a:bodyPr wrap="square">
-            <a:spAutoFit/>
-          </a:bodyPr>
-          <a:lstStyle/>
-          <a:p>
-            <a:r>
-              <a:rPr lang="ja-JP" altLang="en-US" sz="2400" spc="300" dirty="0"/>
-              <a:t>セルフレジ</a:t>
-            </a:r>
-            <a:r>
-              <a:rPr lang="en-US" altLang="ja-JP" sz="2400" spc="300" dirty="0"/>
-              <a:t>1</a:t>
-            </a:r>
-            <a:r>
-              <a:rPr lang="ja-JP" altLang="en-US" sz="2400" spc="300" dirty="0"/>
-              <a:t>セットを購入するのにかかる値段</a:t>
-            </a:r>
-            <a:endParaRPr lang="en-US" altLang="ja-JP" sz="2400" spc="300" dirty="0"/>
-          </a:p>
-          <a:p>
-            <a:pPr lvl="1"/>
-            <a:r>
-              <a:rPr lang="ja-JP" altLang="en-US" sz="2400" spc="300" dirty="0"/>
-              <a:t>約</a:t>
-            </a:r>
-            <a:r>
-              <a:rPr lang="en-US" altLang="ja-JP" sz="2400" spc="300" dirty="0"/>
-              <a:t>3,500,000</a:t>
-            </a:r>
-            <a:r>
-              <a:rPr lang="ja-JP" altLang="en-US" sz="2400" spc="300" dirty="0" smtClean="0"/>
-              <a:t>円 </a:t>
-            </a:r>
-            <a:r>
-              <a:rPr lang="en-US" altLang="ja-JP" sz="2400" spc="300" smtClean="0"/>
-              <a:t>* 2</a:t>
-            </a:r>
-            <a:r>
-              <a:rPr lang="ja-JP" altLang="en-US" sz="2400" spc="300" smtClean="0"/>
-              <a:t>台 </a:t>
-            </a:r>
-            <a:r>
-              <a:rPr lang="en-US" altLang="ja-JP" sz="2400" spc="300" smtClean="0"/>
-              <a:t>= </a:t>
-            </a:r>
-            <a:r>
-              <a:rPr lang="en-US" altLang="ja-JP" sz="3200" spc="300" smtClean="0"/>
-              <a:t>7,000,000</a:t>
-            </a:r>
-            <a:r>
-              <a:rPr lang="ja-JP" altLang="en-US" sz="3200" spc="300" smtClean="0"/>
-              <a:t>円</a:t>
-            </a:r>
-            <a:endParaRPr lang="en-US" altLang="ja-JP" sz="2400" spc="300" dirty="0"/>
-          </a:p>
-          <a:p>
-            <a:r>
-              <a:rPr lang="en-US" altLang="ja-JP" sz="2400" spc="300" dirty="0"/>
-              <a:t>Web</a:t>
-            </a:r>
-            <a:r>
-              <a:rPr lang="ja-JP" altLang="en-US" sz="2400" spc="300" dirty="0"/>
-              <a:t>カメラを使用し、本システムを導入した場合にかかる機材の費用</a:t>
-            </a:r>
-            <a:endParaRPr lang="en-US" altLang="ja-JP" sz="2400" spc="300" dirty="0"/>
-          </a:p>
-          <a:p>
-            <a:pPr lvl="1"/>
-            <a:r>
-              <a:rPr lang="ja-JP" altLang="en-US" sz="2400" spc="300" dirty="0"/>
-              <a:t>約</a:t>
-            </a:r>
-            <a:r>
-              <a:rPr lang="en-US" altLang="ja-JP" sz="2400" spc="300" dirty="0"/>
-              <a:t>12,500</a:t>
-            </a:r>
-            <a:r>
-              <a:rPr lang="ja-JP" altLang="en-US" sz="2400" spc="300" dirty="0" smtClean="0"/>
-              <a:t>円 </a:t>
-            </a:r>
-            <a:r>
-              <a:rPr lang="en-US" altLang="ja-JP" sz="2400" spc="300" dirty="0" smtClean="0"/>
-              <a:t>* 80</a:t>
-            </a:r>
-            <a:r>
-              <a:rPr lang="ja-JP" altLang="en-US" sz="2400" spc="300" dirty="0" smtClean="0"/>
-              <a:t>個（カゴの個数） </a:t>
-            </a:r>
-            <a:r>
-              <a:rPr lang="en-US" altLang="ja-JP" sz="2400" spc="300"/>
-              <a:t>= </a:t>
-            </a:r>
-            <a:r>
-              <a:rPr lang="en-US" altLang="ja-JP" sz="3200" spc="300" smtClean="0"/>
-              <a:t>1,000,000</a:t>
-            </a:r>
-            <a:r>
-              <a:rPr lang="ja-JP" altLang="en-US" sz="3200" spc="300" smtClean="0"/>
-              <a:t>円</a:t>
-            </a:r>
-            <a:endParaRPr lang="en-US" altLang="ja-JP" sz="2400" spc="300" dirty="0"/>
+            <a:endParaRPr lang="ja-JP" altLang="en-US"/>
           </a:p>
         </p:txBody>
       </p:sp>
     </p:spTree>
     <p:extLst>
       <p:ext uri="{BB962C8B-B14F-4D97-AF65-F5344CB8AC3E}">
-        <p14:creationId xmlns:p14="http://schemas.microsoft.com/office/powerpoint/2010/main" val="1330612530"/>
+        <p14:creationId xmlns:p14="http://schemas.microsoft.com/office/powerpoint/2010/main" val="1538349316"/>
       </p:ext>
     </p:extLst>
   </p:cSld>
   <p:clrMapOvr>
     <a:masterClrMapping/>
   </p:clrMapOvr>
-  <p:timing>
-    <p:tnLst>
-      <p:par>
-        <p:cTn id="1" dur="indefinite" restart="never" nodeType="tmRoot"/>
-      </p:par>
-    </p:tnLst>
-  </p:timing>
 </p:sld>
 </file>
 

--- a/プレゼン/enpit.pptx
+++ b/プレゼン/enpit.pptx
@@ -19,28 +19,28 @@
     <p:sldId id="294" r:id="rId7"/>
     <p:sldId id="303" r:id="rId8"/>
     <p:sldId id="276" r:id="rId9"/>
-    <p:sldId id="287" r:id="rId10"/>
-    <p:sldId id="288" r:id="rId11"/>
-    <p:sldId id="289" r:id="rId12"/>
-    <p:sldId id="300" r:id="rId13"/>
-    <p:sldId id="306" r:id="rId14"/>
-    <p:sldId id="309" r:id="rId15"/>
-    <p:sldId id="310" r:id="rId16"/>
-    <p:sldId id="311" r:id="rId17"/>
-    <p:sldId id="313" r:id="rId18"/>
-    <p:sldId id="307" r:id="rId19"/>
-    <p:sldId id="314" r:id="rId20"/>
-    <p:sldId id="315" r:id="rId21"/>
-    <p:sldId id="316" r:id="rId22"/>
-    <p:sldId id="304" r:id="rId23"/>
-    <p:sldId id="305" r:id="rId24"/>
-    <p:sldId id="293" r:id="rId25"/>
-    <p:sldId id="298" r:id="rId26"/>
-    <p:sldId id="317" r:id="rId27"/>
-    <p:sldId id="302" r:id="rId28"/>
-    <p:sldId id="299" r:id="rId29"/>
-    <p:sldId id="290" r:id="rId30"/>
-    <p:sldId id="292" r:id="rId31"/>
+    <p:sldId id="318" r:id="rId10"/>
+    <p:sldId id="319" r:id="rId11"/>
+    <p:sldId id="320" r:id="rId12"/>
+    <p:sldId id="292" r:id="rId13"/>
+    <p:sldId id="300" r:id="rId14"/>
+    <p:sldId id="304" r:id="rId15"/>
+    <p:sldId id="305" r:id="rId16"/>
+    <p:sldId id="293" r:id="rId17"/>
+    <p:sldId id="298" r:id="rId18"/>
+    <p:sldId id="317" r:id="rId19"/>
+    <p:sldId id="306" r:id="rId20"/>
+    <p:sldId id="309" r:id="rId21"/>
+    <p:sldId id="310" r:id="rId22"/>
+    <p:sldId id="311" r:id="rId23"/>
+    <p:sldId id="313" r:id="rId24"/>
+    <p:sldId id="307" r:id="rId25"/>
+    <p:sldId id="314" r:id="rId26"/>
+    <p:sldId id="315" r:id="rId27"/>
+    <p:sldId id="316" r:id="rId28"/>
+    <p:sldId id="302" r:id="rId29"/>
+    <p:sldId id="299" r:id="rId30"/>
+    <p:sldId id="290" r:id="rId31"/>
     <p:sldId id="308" r:id="rId32"/>
   </p:sldIdLst>
   <p:sldSz cx="12192000" cy="6858000"/>
@@ -2449,7 +2449,11 @@
         <a:p>
           <a:r>
             <a:rPr kumimoji="1" lang="ja-JP" altLang="en-US" smtClean="0"/>
-            <a:t>超音波センサ（距離）</a:t>
+            <a:t>超音波</a:t>
+          </a:r>
+          <a:r>
+            <a:rPr kumimoji="1" lang="ja-JP" altLang="en-US" smtClean="0"/>
+            <a:t>センサ</a:t>
           </a:r>
           <a:endParaRPr kumimoji="1" lang="ja-JP" altLang="en-US"/>
         </a:p>
@@ -2467,43 +2471,6 @@
       </dgm:t>
     </dgm:pt>
     <dgm:pt modelId="{3C887774-3FD4-4F88-B32F-94F233C077A7}" type="sibTrans" cxnId="{8FFC1905-B6DF-4E44-A2ED-BC40E31D7C19}">
-      <dgm:prSet/>
-      <dgm:spPr/>
-      <dgm:t>
-        <a:bodyPr/>
-        <a:lstStyle/>
-        <a:p>
-          <a:endParaRPr kumimoji="1" lang="ja-JP" altLang="en-US"/>
-        </a:p>
-      </dgm:t>
-    </dgm:pt>
-    <dgm:pt modelId="{5A019D51-3EA6-4D11-9444-117D13C5EDBC}">
-      <dgm:prSet phldrT="[テキスト]"/>
-      <dgm:spPr/>
-      <dgm:t>
-        <a:bodyPr/>
-        <a:lstStyle/>
-        <a:p>
-          <a:r>
-            <a:rPr kumimoji="1" lang="ja-JP" altLang="en-US" smtClean="0"/>
-            <a:t>ひずみゲージ（重量）</a:t>
-          </a:r>
-          <a:endParaRPr kumimoji="1" lang="ja-JP" altLang="en-US"/>
-        </a:p>
-      </dgm:t>
-    </dgm:pt>
-    <dgm:pt modelId="{5270D4EA-C791-4CF4-9809-0E654A6BC621}" type="parTrans" cxnId="{9574A455-72AC-4B01-AAFE-9A0C750E728B}">
-      <dgm:prSet/>
-      <dgm:spPr/>
-      <dgm:t>
-        <a:bodyPr/>
-        <a:lstStyle/>
-        <a:p>
-          <a:endParaRPr kumimoji="1" lang="ja-JP" altLang="en-US"/>
-        </a:p>
-      </dgm:t>
-    </dgm:pt>
-    <dgm:pt modelId="{844A74D8-CC1E-4C12-92F4-D87AAFB75AE1}" type="sibTrans" cxnId="{9574A455-72AC-4B01-AAFE-9A0C750E728B}">
       <dgm:prSet/>
       <dgm:spPr/>
       <dgm:t>
@@ -2545,6 +2512,43 @@
       </dgm:t>
     </dgm:pt>
     <dgm:pt modelId="{B24DA0E9-2C77-4293-B539-59107D5F5F63}" type="sibTrans" cxnId="{FBE5BB6B-B79A-4621-98C7-1A42938AE6EF}">
+      <dgm:prSet/>
+      <dgm:spPr/>
+      <dgm:t>
+        <a:bodyPr/>
+        <a:lstStyle/>
+        <a:p>
+          <a:endParaRPr kumimoji="1" lang="ja-JP" altLang="en-US"/>
+        </a:p>
+      </dgm:t>
+    </dgm:pt>
+    <dgm:pt modelId="{BECD88D3-D98C-44D9-A74D-4A54E4B848C1}">
+      <dgm:prSet phldrT="[テキスト]"/>
+      <dgm:spPr/>
+      <dgm:t>
+        <a:bodyPr/>
+        <a:lstStyle/>
+        <a:p>
+          <a:r>
+            <a:rPr kumimoji="1" lang="ja-JP" altLang="en-US" smtClean="0"/>
+            <a:t>ロードセル（重量）</a:t>
+          </a:r>
+          <a:endParaRPr kumimoji="1" lang="ja-JP" altLang="en-US"/>
+        </a:p>
+      </dgm:t>
+    </dgm:pt>
+    <dgm:pt modelId="{7EB5F6DA-2699-492B-872E-914188799538}" type="parTrans" cxnId="{EB307F75-27A6-4B13-BBB8-1E7F5863D396}">
+      <dgm:prSet/>
+      <dgm:spPr/>
+      <dgm:t>
+        <a:bodyPr/>
+        <a:lstStyle/>
+        <a:p>
+          <a:endParaRPr kumimoji="1" lang="ja-JP" altLang="en-US"/>
+        </a:p>
+      </dgm:t>
+    </dgm:pt>
+    <dgm:pt modelId="{9BF012F4-BA8B-4C77-AAEB-917CC56A042C}" type="sibTrans" cxnId="{EB307F75-27A6-4B13-BBB8-1E7F5863D396}">
       <dgm:prSet/>
       <dgm:spPr/>
       <dgm:t>
@@ -2610,12 +2614,12 @@
     </dgm:pt>
   </dgm:ptLst>
   <dgm:cxnLst>
-    <dgm:cxn modelId="{9574A455-72AC-4B01-AAFE-9A0C750E728B}" srcId="{40EC2FF7-8D30-4684-953B-5353D24AB252}" destId="{5A019D51-3EA6-4D11-9444-117D13C5EDBC}" srcOrd="1" destOrd="0" parTransId="{5270D4EA-C791-4CF4-9809-0E654A6BC621}" sibTransId="{844A74D8-CC1E-4C12-92F4-D87AAFB75AE1}"/>
+    <dgm:cxn modelId="{5260DC71-C198-4EFB-B8F1-C00485A56D17}" type="presOf" srcId="{BECD88D3-D98C-44D9-A74D-4A54E4B848C1}" destId="{8AFC59EB-5A41-405E-98C3-9C66242C4364}" srcOrd="0" destOrd="1" presId="urn:microsoft.com/office/officeart/2005/8/layout/hList1"/>
     <dgm:cxn modelId="{40BC3357-A841-4B9B-B325-A92E37BBFD3B}" srcId="{349742D3-7C15-491C-A57C-071288FAF507}" destId="{40EC2FF7-8D30-4684-953B-5353D24AB252}" srcOrd="0" destOrd="0" parTransId="{A4ED52B3-943A-488A-B2F6-3665F1D4E576}" sibTransId="{720574FE-FEEC-45A9-A8EE-7AE9B5FDAF42}"/>
-    <dgm:cxn modelId="{97A77961-72AF-4F76-AD87-9F284B289B3B}" type="presOf" srcId="{5A019D51-3EA6-4D11-9444-117D13C5EDBC}" destId="{8AFC59EB-5A41-405E-98C3-9C66242C4364}" srcOrd="0" destOrd="1" presId="urn:microsoft.com/office/officeart/2005/8/layout/hList1"/>
+    <dgm:cxn modelId="{EB307F75-27A6-4B13-BBB8-1E7F5863D396}" srcId="{40EC2FF7-8D30-4684-953B-5353D24AB252}" destId="{BECD88D3-D98C-44D9-A74D-4A54E4B848C1}" srcOrd="1" destOrd="0" parTransId="{7EB5F6DA-2699-492B-872E-914188799538}" sibTransId="{9BF012F4-BA8B-4C77-AAEB-917CC56A042C}"/>
     <dgm:cxn modelId="{EFF1F356-9D26-4820-BCCA-A4CCEC493A17}" type="presOf" srcId="{349742D3-7C15-491C-A57C-071288FAF507}" destId="{D27424EB-6B88-461E-A9C7-2108888B795A}" srcOrd="0" destOrd="0" presId="urn:microsoft.com/office/officeart/2005/8/layout/hList1"/>
+    <dgm:cxn modelId="{8C5C15F6-89C2-4320-ADEC-DD69DE84D1DD}" type="presOf" srcId="{03B3FD47-D917-4C51-904C-FA98E07B6FCE}" destId="{8AFC59EB-5A41-405E-98C3-9C66242C4364}" srcOrd="0" destOrd="0" presId="urn:microsoft.com/office/officeart/2005/8/layout/hList1"/>
     <dgm:cxn modelId="{8FFC1905-B6DF-4E44-A2ED-BC40E31D7C19}" srcId="{40EC2FF7-8D30-4684-953B-5353D24AB252}" destId="{03B3FD47-D917-4C51-904C-FA98E07B6FCE}" srcOrd="0" destOrd="0" parTransId="{230568E9-E294-4B18-89CE-CEB6618B0A7A}" sibTransId="{3C887774-3FD4-4F88-B32F-94F233C077A7}"/>
-    <dgm:cxn modelId="{8C5C15F6-89C2-4320-ADEC-DD69DE84D1DD}" type="presOf" srcId="{03B3FD47-D917-4C51-904C-FA98E07B6FCE}" destId="{8AFC59EB-5A41-405E-98C3-9C66242C4364}" srcOrd="0" destOrd="0" presId="urn:microsoft.com/office/officeart/2005/8/layout/hList1"/>
     <dgm:cxn modelId="{E0422ED5-4B6B-496D-AB76-6BE594DEEDA9}" type="presOf" srcId="{40EC2FF7-8D30-4684-953B-5353D24AB252}" destId="{79295A45-6E0B-4BAD-942D-1396CF9D22D9}" srcOrd="0" destOrd="0" presId="urn:microsoft.com/office/officeart/2005/8/layout/hList1"/>
     <dgm:cxn modelId="{A28B4C0E-BE28-4172-AF96-B85809B143B9}" type="presOf" srcId="{9973FC79-DD54-4CEC-A5D2-348342277555}" destId="{8AFC59EB-5A41-405E-98C3-9C66242C4364}" srcOrd="0" destOrd="2" presId="urn:microsoft.com/office/officeart/2005/8/layout/hList1"/>
     <dgm:cxn modelId="{FBE5BB6B-B79A-4621-98C7-1A42938AE6EF}" srcId="{40EC2FF7-8D30-4684-953B-5353D24AB252}" destId="{9973FC79-DD54-4CEC-A5D2-348342277555}" srcOrd="2" destOrd="0" parTransId="{C17F99B8-F597-4923-A469-F4687A53E1AF}" sibTransId="{B24DA0E9-2C77-4293-B539-59107D5F5F63}"/>
@@ -2826,12 +2830,12 @@
   </dgm:ptLst>
   <dgm:cxnLst>
     <dgm:cxn modelId="{D9030FE5-F032-4C09-8393-917455A5D8F0}" type="presOf" srcId="{8F26C5F0-2360-4495-AD88-828AB9083AEE}" destId="{8AFC59EB-5A41-405E-98C3-9C66242C4364}" srcOrd="0" destOrd="0" presId="urn:microsoft.com/office/officeart/2005/8/layout/hList1"/>
+    <dgm:cxn modelId="{4A486BAA-3325-4144-8309-7551BB0E06E3}" srcId="{40EC2FF7-8D30-4684-953B-5353D24AB252}" destId="{8F26C5F0-2360-4495-AD88-828AB9083AEE}" srcOrd="0" destOrd="0" parTransId="{F70F4D4E-B98B-4F8F-8565-2CA18B62FBDE}" sibTransId="{AF96E54A-0473-4B3D-A225-876883A67457}"/>
+    <dgm:cxn modelId="{E0422ED5-4B6B-496D-AB76-6BE594DEEDA9}" type="presOf" srcId="{40EC2FF7-8D30-4684-953B-5353D24AB252}" destId="{79295A45-6E0B-4BAD-942D-1396CF9D22D9}" srcOrd="0" destOrd="0" presId="urn:microsoft.com/office/officeart/2005/8/layout/hList1"/>
+    <dgm:cxn modelId="{40BC3357-A841-4B9B-B325-A92E37BBFD3B}" srcId="{349742D3-7C15-491C-A57C-071288FAF507}" destId="{40EC2FF7-8D30-4684-953B-5353D24AB252}" srcOrd="0" destOrd="0" parTransId="{A4ED52B3-943A-488A-B2F6-3665F1D4E576}" sibTransId="{720574FE-FEEC-45A9-A8EE-7AE9B5FDAF42}"/>
+    <dgm:cxn modelId="{36CD8503-9198-47D6-8C6B-0F601A436603}" type="presOf" srcId="{872580C2-359C-43A1-9FB0-CBF4785AB609}" destId="{8AFC59EB-5A41-405E-98C3-9C66242C4364}" srcOrd="0" destOrd="1" presId="urn:microsoft.com/office/officeart/2005/8/layout/hList1"/>
+    <dgm:cxn modelId="{63DBC492-9DCD-4CA7-80E1-7CF4288F081E}" srcId="{40EC2FF7-8D30-4684-953B-5353D24AB252}" destId="{872580C2-359C-43A1-9FB0-CBF4785AB609}" srcOrd="1" destOrd="0" parTransId="{0701FE14-63C4-4D14-9EBB-DB7F74FB9A0E}" sibTransId="{0F590DF7-E1EF-40B4-9EC8-1333D2E338CD}"/>
     <dgm:cxn modelId="{EFF1F356-9D26-4820-BCCA-A4CCEC493A17}" type="presOf" srcId="{349742D3-7C15-491C-A57C-071288FAF507}" destId="{D27424EB-6B88-461E-A9C7-2108888B795A}" srcOrd="0" destOrd="0" presId="urn:microsoft.com/office/officeart/2005/8/layout/hList1"/>
-    <dgm:cxn modelId="{40BC3357-A841-4B9B-B325-A92E37BBFD3B}" srcId="{349742D3-7C15-491C-A57C-071288FAF507}" destId="{40EC2FF7-8D30-4684-953B-5353D24AB252}" srcOrd="0" destOrd="0" parTransId="{A4ED52B3-943A-488A-B2F6-3665F1D4E576}" sibTransId="{720574FE-FEEC-45A9-A8EE-7AE9B5FDAF42}"/>
-    <dgm:cxn modelId="{63DBC492-9DCD-4CA7-80E1-7CF4288F081E}" srcId="{40EC2FF7-8D30-4684-953B-5353D24AB252}" destId="{872580C2-359C-43A1-9FB0-CBF4785AB609}" srcOrd="1" destOrd="0" parTransId="{0701FE14-63C4-4D14-9EBB-DB7F74FB9A0E}" sibTransId="{0F590DF7-E1EF-40B4-9EC8-1333D2E338CD}"/>
-    <dgm:cxn modelId="{E0422ED5-4B6B-496D-AB76-6BE594DEEDA9}" type="presOf" srcId="{40EC2FF7-8D30-4684-953B-5353D24AB252}" destId="{79295A45-6E0B-4BAD-942D-1396CF9D22D9}" srcOrd="0" destOrd="0" presId="urn:microsoft.com/office/officeart/2005/8/layout/hList1"/>
-    <dgm:cxn modelId="{4A486BAA-3325-4144-8309-7551BB0E06E3}" srcId="{40EC2FF7-8D30-4684-953B-5353D24AB252}" destId="{8F26C5F0-2360-4495-AD88-828AB9083AEE}" srcOrd="0" destOrd="0" parTransId="{F70F4D4E-B98B-4F8F-8565-2CA18B62FBDE}" sibTransId="{AF96E54A-0473-4B3D-A225-876883A67457}"/>
-    <dgm:cxn modelId="{36CD8503-9198-47D6-8C6B-0F601A436603}" type="presOf" srcId="{872580C2-359C-43A1-9FB0-CBF4785AB609}" destId="{8AFC59EB-5A41-405E-98C3-9C66242C4364}" srcOrd="0" destOrd="1" presId="urn:microsoft.com/office/officeart/2005/8/layout/hList1"/>
     <dgm:cxn modelId="{0AC59C0B-505E-47E8-BE51-99D4E02D0167}" type="presParOf" srcId="{D27424EB-6B88-461E-A9C7-2108888B795A}" destId="{BF87E8A3-CC51-48B4-AE3F-B5CCC7ADCAFB}" srcOrd="0" destOrd="0" presId="urn:microsoft.com/office/officeart/2005/8/layout/hList1"/>
     <dgm:cxn modelId="{3D153B76-7A00-4B19-9F24-50CCB075610B}" type="presParOf" srcId="{BF87E8A3-CC51-48B4-AE3F-B5CCC7ADCAFB}" destId="{79295A45-6E0B-4BAD-942D-1396CF9D22D9}" srcOrd="0" destOrd="0" presId="urn:microsoft.com/office/officeart/2005/8/layout/hList1"/>
     <dgm:cxn modelId="{11C1EBF7-9304-4172-9ADF-82BA79178D54}" type="presParOf" srcId="{BF87E8A3-CC51-48B4-AE3F-B5CCC7ADCAFB}" destId="{8AFC59EB-5A41-405E-98C3-9C66242C4364}" srcOrd="1" destOrd="0" presId="urn:microsoft.com/office/officeart/2005/8/layout/hList1"/>
@@ -3380,8 +3384,8 @@
       </dsp:nvSpPr>
       <dsp:spPr>
         <a:xfrm>
-          <a:off x="0" y="67125"/>
-          <a:ext cx="2920983" cy="720000"/>
+          <a:off x="0" y="6060"/>
+          <a:ext cx="2888797" cy="748800"/>
         </a:xfrm>
         <a:prstGeom prst="rect">
           <a:avLst/>
@@ -3422,12 +3426,12 @@
         </a:fontRef>
       </dsp:style>
       <dsp:txBody>
-        <a:bodyPr spcFirstLastPara="0" vert="horz" wrap="square" lIns="177800" tIns="101600" rIns="177800" bIns="101600" numCol="1" spcCol="1270" anchor="ctr" anchorCtr="0">
+        <a:bodyPr spcFirstLastPara="0" vert="horz" wrap="square" lIns="184912" tIns="105664" rIns="184912" bIns="105664" numCol="1" spcCol="1270" anchor="ctr" anchorCtr="0">
           <a:noAutofit/>
         </a:bodyPr>
         <a:lstStyle/>
         <a:p>
-          <a:pPr lvl="0" algn="ctr" defTabSz="1111250">
+          <a:pPr lvl="0" algn="ctr" defTabSz="1155700">
             <a:lnSpc>
               <a:spcPct val="90000"/>
             </a:lnSpc>
@@ -3439,15 +3443,15 @@
             </a:spcAft>
           </a:pPr>
           <a:r>
-            <a:rPr kumimoji="1" lang="ja-JP" altLang="en-US" sz="2500" kern="1200" smtClean="0"/>
+            <a:rPr kumimoji="1" lang="ja-JP" altLang="en-US" sz="2600" kern="1200" smtClean="0"/>
             <a:t>入力</a:t>
           </a:r>
-          <a:endParaRPr kumimoji="1" lang="ja-JP" altLang="en-US" sz="2500" kern="1200"/>
+          <a:endParaRPr kumimoji="1" lang="ja-JP" altLang="en-US" sz="2600" kern="1200"/>
         </a:p>
       </dsp:txBody>
       <dsp:txXfrm>
-        <a:off x="0" y="67125"/>
-        <a:ext cx="2920983" cy="720000"/>
+        <a:off x="0" y="6060"/>
+        <a:ext cx="2888797" cy="748800"/>
       </dsp:txXfrm>
     </dsp:sp>
     <dsp:sp modelId="{8AFC59EB-5A41-405E-98C3-9C66242C4364}">
@@ -3457,8 +3461,8 @@
       </dsp:nvSpPr>
       <dsp:spPr>
         <a:xfrm>
-          <a:off x="0" y="787125"/>
-          <a:ext cx="2920983" cy="2333250"/>
+          <a:off x="0" y="754861"/>
+          <a:ext cx="2888797" cy="2426580"/>
         </a:xfrm>
         <a:prstGeom prst="rect">
           <a:avLst/>
@@ -3501,12 +3505,12 @@
         <a:fontRef idx="minor"/>
       </dsp:style>
       <dsp:txBody>
-        <a:bodyPr spcFirstLastPara="0" vert="horz" wrap="square" lIns="133350" tIns="133350" rIns="177800" bIns="200025" numCol="1" spcCol="1270" anchor="t" anchorCtr="0">
+        <a:bodyPr spcFirstLastPara="0" vert="horz" wrap="square" lIns="138684" tIns="138684" rIns="184912" bIns="208026" numCol="1" spcCol="1270" anchor="t" anchorCtr="0">
           <a:noAutofit/>
         </a:bodyPr>
         <a:lstStyle/>
         <a:p>
-          <a:pPr marL="228600" lvl="1" indent="-228600" algn="l" defTabSz="1111250">
+          <a:pPr marL="228600" lvl="1" indent="-228600" algn="l" defTabSz="1155700">
             <a:lnSpc>
               <a:spcPct val="90000"/>
             </a:lnSpc>
@@ -3519,13 +3523,17 @@
             <a:buChar char="••"/>
           </a:pPr>
           <a:r>
-            <a:rPr kumimoji="1" lang="ja-JP" altLang="en-US" sz="2500" kern="1200" smtClean="0"/>
-            <a:t>超音波センサ（距離）</a:t>
+            <a:rPr kumimoji="1" lang="ja-JP" altLang="en-US" sz="2600" kern="1200" smtClean="0"/>
+            <a:t>超音波</a:t>
           </a:r>
-          <a:endParaRPr kumimoji="1" lang="ja-JP" altLang="en-US" sz="2500" kern="1200"/>
+          <a:r>
+            <a:rPr kumimoji="1" lang="ja-JP" altLang="en-US" sz="2600" kern="1200" smtClean="0"/>
+            <a:t>センサ</a:t>
+          </a:r>
+          <a:endParaRPr kumimoji="1" lang="ja-JP" altLang="en-US" sz="2600" kern="1200"/>
         </a:p>
         <a:p>
-          <a:pPr marL="228600" lvl="1" indent="-228600" algn="l" defTabSz="1111250">
+          <a:pPr marL="228600" lvl="1" indent="-228600" algn="l" defTabSz="1155700">
             <a:lnSpc>
               <a:spcPct val="90000"/>
             </a:lnSpc>
@@ -3538,13 +3546,13 @@
             <a:buChar char="••"/>
           </a:pPr>
           <a:r>
-            <a:rPr kumimoji="1" lang="ja-JP" altLang="en-US" sz="2500" kern="1200" smtClean="0"/>
-            <a:t>ひずみゲージ（重量）</a:t>
+            <a:rPr kumimoji="1" lang="ja-JP" altLang="en-US" sz="2600" kern="1200" smtClean="0"/>
+            <a:t>ロードセル（重量）</a:t>
           </a:r>
-          <a:endParaRPr kumimoji="1" lang="ja-JP" altLang="en-US" sz="2500" kern="1200"/>
+          <a:endParaRPr kumimoji="1" lang="ja-JP" altLang="en-US" sz="2600" kern="1200"/>
         </a:p>
         <a:p>
-          <a:pPr marL="228600" lvl="1" indent="-228600" algn="l" defTabSz="1111250">
+          <a:pPr marL="228600" lvl="1" indent="-228600" algn="l" defTabSz="1155700">
             <a:lnSpc>
               <a:spcPct val="90000"/>
             </a:lnSpc>
@@ -3557,19 +3565,19 @@
             <a:buChar char="••"/>
           </a:pPr>
           <a:r>
-            <a:rPr kumimoji="1" lang="en-US" altLang="ja-JP" sz="2500" kern="1200" smtClean="0"/>
+            <a:rPr kumimoji="1" lang="en-US" altLang="ja-JP" sz="2600" kern="1200" smtClean="0"/>
             <a:t>WEB</a:t>
           </a:r>
           <a:r>
-            <a:rPr kumimoji="1" lang="ja-JP" altLang="en-US" sz="2500" kern="1200" smtClean="0"/>
+            <a:rPr kumimoji="1" lang="ja-JP" altLang="en-US" sz="2600" kern="1200" smtClean="0"/>
             <a:t>カメラ（画像）</a:t>
           </a:r>
-          <a:endParaRPr kumimoji="1" lang="ja-JP" altLang="en-US" sz="2500" kern="1200"/>
+          <a:endParaRPr kumimoji="1" lang="ja-JP" altLang="en-US" sz="2600" kern="1200"/>
         </a:p>
       </dsp:txBody>
       <dsp:txXfrm>
-        <a:off x="0" y="787125"/>
-        <a:ext cx="2920983" cy="2333250"/>
+        <a:off x="0" y="754861"/>
+        <a:ext cx="2888797" cy="2426580"/>
       </dsp:txXfrm>
     </dsp:sp>
   </dsp:spTree>
@@ -8147,7 +8155,7 @@
           <a:p>
             <a:fld id="{C1DA91BF-6AB8-4AB0-95FB-F86FB88EBE86}" type="datetimeFigureOut">
               <a:rPr kumimoji="1" lang="ja-JP" altLang="en-US" smtClean="0"/>
-              <a:t>2020/1/31</a:t>
+              <a:t>2020/2/2</a:t>
             </a:fld>
             <a:endParaRPr kumimoji="1" lang="ja-JP" altLang="en-US"/>
           </a:p>
@@ -8312,7 +8320,7 @@
           <a:p>
             <a:fld id="{0649F128-D4FC-489C-860B-9DD0AB1578C1}" type="datetimeFigureOut">
               <a:rPr kumimoji="1" lang="ja-JP" altLang="en-US" smtClean="0"/>
-              <a:t>2020/1/31</a:t>
+              <a:t>2020/2/2</a:t>
             </a:fld>
             <a:endParaRPr kumimoji="1" lang="ja-JP" altLang="en-US"/>
           </a:p>
@@ -8656,7 +8664,48 @@
           <a:bodyPr/>
           <a:lstStyle/>
           <a:p>
-            <a:endParaRPr kumimoji="1" lang="ja-JP" altLang="en-US"/>
+            <a:pPr marL="0" marR="0" indent="0" algn="l" defTabSz="914400" rtl="0" eaLnBrk="1" fontAlgn="auto" latinLnBrk="0" hangingPunct="1">
+              <a:lnSpc>
+                <a:spcPct val="100000"/>
+              </a:lnSpc>
+              <a:spcBef>
+                <a:spcPts val="0"/>
+              </a:spcBef>
+              <a:spcAft>
+                <a:spcPts val="0"/>
+              </a:spcAft>
+              <a:buClrTx/>
+              <a:buSzTx/>
+              <a:buFontTx/>
+              <a:buNone/>
+              <a:tabLst/>
+              <a:defRPr/>
+            </a:pPr>
+            <a:r>
+              <a:rPr kumimoji="1" lang="ja-JP" altLang="en-US" smtClean="0"/>
+              <a:t>これから、</a:t>
+            </a:r>
+            <a:r>
+              <a:rPr kumimoji="1" lang="en-US" altLang="ja-JP" smtClean="0"/>
+              <a:t>We</a:t>
+            </a:r>
+            <a:r>
+              <a:rPr kumimoji="1" lang="ja-JP" altLang="en-US" smtClean="0"/>
+              <a:t>ｂカメラとセンシング技術を組み合わせた商品識別システムの開発と題しまして、</a:t>
+            </a:r>
+            <a:r>
+              <a:rPr lang="ja-JP" altLang="en-US" smtClean="0"/>
+              <a:t>計算機システム研究室</a:t>
+            </a:r>
+            <a:r>
+              <a:rPr kumimoji="1" lang="ja-JP" altLang="en-US" smtClean="0"/>
+              <a:t>の</a:t>
+            </a:r>
+            <a:r>
+              <a:rPr lang="ja-JP" altLang="en-US" smtClean="0"/>
+              <a:t>段原　丞治と真鍋　樹が発表させていただきます。</a:t>
+            </a:r>
+            <a:endParaRPr kumimoji="1" lang="en-US" altLang="ja-JP" smtClean="0"/>
           </a:p>
         </p:txBody>
       </p:sp>
@@ -8740,6 +8789,10 @@
           <a:bodyPr/>
           <a:lstStyle/>
           <a:p>
+            <a:r>
+              <a:rPr kumimoji="1" lang="ja-JP" altLang="en-US" smtClean="0"/>
+              <a:t>こちらの図は、システムが実際に動作する際の、具体的なデータのやり取りを時系列に沿って表現したものです。</a:t>
+            </a:r>
             <a:endParaRPr kumimoji="1" lang="ja-JP" altLang="en-US"/>
           </a:p>
         </p:txBody>
@@ -8770,7 +8823,7 @@
     </p:spTree>
     <p:extLst>
       <p:ext uri="{BB962C8B-B14F-4D97-AF65-F5344CB8AC3E}">
-        <p14:creationId xmlns:p14="http://schemas.microsoft.com/office/powerpoint/2010/main" val="3302551968"/>
+        <p14:creationId xmlns:p14="http://schemas.microsoft.com/office/powerpoint/2010/main" val="1657986451"/>
       </p:ext>
     </p:extLst>
   </p:cSld>
@@ -8824,6 +8877,10 @@
           <a:bodyPr/>
           <a:lstStyle/>
           <a:p>
+            <a:r>
+              <a:rPr kumimoji="1" lang="ja-JP" altLang="en-US" smtClean="0"/>
+              <a:t>スケジュール管理にはガントチャートを使用し、グループでの開発を進めました。</a:t>
+            </a:r>
             <a:endParaRPr kumimoji="1" lang="ja-JP" altLang="en-US"/>
           </a:p>
         </p:txBody>
@@ -8845,7 +8902,7 @@
           <a:p>
             <a:fld id="{1705D8A9-7A56-411A-9EF9-F7869DF78C8C}" type="slidenum">
               <a:rPr kumimoji="1" lang="ja-JP" altLang="en-US" smtClean="0"/>
-              <a:t>23</a:t>
+              <a:t>11</a:t>
             </a:fld>
             <a:endParaRPr kumimoji="1" lang="ja-JP" altLang="en-US"/>
           </a:p>
@@ -8854,7 +8911,7 @@
     </p:spTree>
     <p:extLst>
       <p:ext uri="{BB962C8B-B14F-4D97-AF65-F5344CB8AC3E}">
-        <p14:creationId xmlns:p14="http://schemas.microsoft.com/office/powerpoint/2010/main" val="748801799"/>
+        <p14:creationId xmlns:p14="http://schemas.microsoft.com/office/powerpoint/2010/main" val="2768532646"/>
       </p:ext>
     </p:extLst>
   </p:cSld>
@@ -8908,6 +8965,10 @@
           <a:bodyPr/>
           <a:lstStyle/>
           <a:p>
+            <a:r>
+              <a:rPr kumimoji="1" lang="ja-JP" altLang="en-US" smtClean="0"/>
+              <a:t>次に実装・検証についてお話しします。</a:t>
+            </a:r>
             <a:endParaRPr kumimoji="1" lang="ja-JP" altLang="en-US"/>
           </a:p>
         </p:txBody>
@@ -8929,7 +8990,7 @@
           <a:p>
             <a:fld id="{1705D8A9-7A56-411A-9EF9-F7869DF78C8C}" type="slidenum">
               <a:rPr kumimoji="1" lang="ja-JP" altLang="en-US" smtClean="0"/>
-              <a:t>24</a:t>
+              <a:t>12</a:t>
             </a:fld>
             <a:endParaRPr kumimoji="1" lang="ja-JP" altLang="en-US"/>
           </a:p>
@@ -8938,7 +8999,7 @@
     </p:spTree>
     <p:extLst>
       <p:ext uri="{BB962C8B-B14F-4D97-AF65-F5344CB8AC3E}">
-        <p14:creationId xmlns:p14="http://schemas.microsoft.com/office/powerpoint/2010/main" val="979151443"/>
+        <p14:creationId xmlns:p14="http://schemas.microsoft.com/office/powerpoint/2010/main" val="1481333228"/>
       </p:ext>
     </p:extLst>
   </p:cSld>
@@ -8993,58 +9054,69 @@
           <a:lstStyle/>
           <a:p>
             <a:r>
-              <a:rPr kumimoji="1" lang="ja-JP" altLang="en-US" dirty="0"/>
-              <a:t>サーバ側の実装方法を説明します。</a:t>
-            </a:r>
-            <a:endParaRPr kumimoji="1" lang="en-US" altLang="ja-JP" dirty="0"/>
-          </a:p>
-          <a:p>
-            <a:r>
-              <a:rPr kumimoji="1" lang="ja-JP" altLang="en-US" dirty="0"/>
-              <a:t>入力はラズパイから送られてきた画像データです。</a:t>
-            </a:r>
-            <a:endParaRPr kumimoji="1" lang="en-US" altLang="ja-JP" dirty="0"/>
-          </a:p>
-          <a:p>
-            <a:r>
-              <a:rPr kumimoji="1" lang="ja-JP" altLang="en-US" dirty="0"/>
-              <a:t>次にその画像を</a:t>
-            </a:r>
-            <a:r>
-              <a:rPr kumimoji="1" lang="en-US" altLang="ja-JP" dirty="0"/>
-              <a:t>Yolo</a:t>
-            </a:r>
-            <a:r>
-              <a:rPr kumimoji="1" lang="ja-JP" altLang="en-US" dirty="0"/>
-              <a:t>で解析し、画像の中からバーコードが移っている座標を取得します。</a:t>
-            </a:r>
-            <a:endParaRPr kumimoji="1" lang="en-US" altLang="ja-JP" dirty="0"/>
-          </a:p>
-          <a:p>
-            <a:r>
-              <a:rPr kumimoji="1" lang="ja-JP" altLang="en-US" dirty="0"/>
-              <a:t>画像を切り取りグレイスケール化したのち</a:t>
-            </a:r>
-            <a:r>
-              <a:rPr kumimoji="1" lang="en-US" altLang="ja-JP" dirty="0" err="1"/>
-              <a:t>pyzbar</a:t>
-            </a:r>
-            <a:r>
-              <a:rPr kumimoji="1" lang="ja-JP" altLang="en-US" dirty="0"/>
-              <a:t>に画像を投げ番号を取得します。</a:t>
-            </a:r>
-            <a:endParaRPr kumimoji="1" lang="en-US" altLang="ja-JP" dirty="0"/>
+              <a:rPr kumimoji="1" lang="ja-JP" altLang="en-US" smtClean="0"/>
+              <a:t>実装環境について説明します。画像解析はサーバで行いました。サーバの</a:t>
+            </a:r>
+            <a:r>
+              <a:rPr kumimoji="1" lang="en-US" altLang="ja-JP" smtClean="0"/>
+              <a:t>OS</a:t>
+            </a:r>
+            <a:r>
+              <a:rPr kumimoji="1" lang="ja-JP" altLang="en-US" smtClean="0"/>
+              <a:t>は</a:t>
+            </a:r>
+            <a:r>
+              <a:rPr kumimoji="1" lang="en-US" altLang="ja-JP" smtClean="0"/>
+              <a:t>Windows10</a:t>
+            </a:r>
+            <a:r>
+              <a:rPr kumimoji="1" lang="ja-JP" altLang="en-US" smtClean="0"/>
+              <a:t>です。エッジ側は</a:t>
+            </a:r>
+            <a:r>
+              <a:rPr kumimoji="1" lang="en-US" altLang="ja-JP" smtClean="0"/>
+              <a:t>raspberry pi</a:t>
+            </a:r>
+            <a:r>
+              <a:rPr kumimoji="1" lang="ja-JP" altLang="en-US" baseline="0" smtClean="0"/>
+              <a:t> </a:t>
+            </a:r>
+            <a:r>
+              <a:rPr kumimoji="1" lang="en-US" altLang="ja-JP" smtClean="0"/>
+              <a:t>3B</a:t>
+            </a:r>
+            <a:r>
+              <a:rPr kumimoji="1" lang="ja-JP" altLang="en-US" smtClean="0"/>
+              <a:t>を使用しました。</a:t>
+            </a:r>
+            <a:r>
+              <a:rPr kumimoji="1" lang="en-US" altLang="ja-JP" smtClean="0"/>
+              <a:t>Web</a:t>
+            </a:r>
+            <a:r>
+              <a:rPr kumimoji="1" lang="ja-JP" altLang="en-US" smtClean="0"/>
+              <a:t>カメラはロジクールの</a:t>
+            </a:r>
+            <a:r>
+              <a:rPr kumimoji="1" lang="en-US" altLang="ja-JP" smtClean="0"/>
+              <a:t>C615</a:t>
+            </a:r>
+            <a:r>
+              <a:rPr kumimoji="1" lang="ja-JP" altLang="en-US" smtClean="0"/>
+              <a:t>モデルを使用しています。ユーザの動きを検知するために超音波距離センサモジュールを使用しました。商品の重量を検知するセンサとして、ロードセルを使用しました。</a:t>
+            </a:r>
+            <a:endParaRPr kumimoji="1" lang="ja-JP" altLang="en-US"/>
           </a:p>
         </p:txBody>
       </p:sp>
       <p:sp>
         <p:nvSpPr>
-          <p:cNvPr id="4" name="フッター プレースホルダー 3"/>
+          <p:cNvPr id="4" name="スライド番号プレースホルダー 3"/>
           <p:cNvSpPr>
             <a:spLocks noGrp="1"/>
           </p:cNvSpPr>
           <p:nvPr>
-            <p:ph type="ftr" sz="quarter" idx="10"/>
+            <p:ph type="sldNum" sz="quarter" idx="10"/>
           </p:nvPr>
         </p:nvSpPr>
         <p:spPr/>
@@ -9052,28 +9124,9 @@
           <a:bodyPr/>
           <a:lstStyle/>
           <a:p>
-            <a:endParaRPr kumimoji="1" lang="ja-JP" altLang="en-US"/>
-          </a:p>
-        </p:txBody>
-      </p:sp>
-      <p:sp>
-        <p:nvSpPr>
-          <p:cNvPr id="5" name="スライド番号プレースホルダー 4"/>
-          <p:cNvSpPr>
-            <a:spLocks noGrp="1"/>
-          </p:cNvSpPr>
-          <p:nvPr>
-            <p:ph type="sldNum" sz="quarter" idx="11"/>
-          </p:nvPr>
-        </p:nvSpPr>
-        <p:spPr/>
-        <p:txBody>
-          <a:bodyPr/>
-          <a:lstStyle/>
-          <a:p>
             <a:fld id="{1705D8A9-7A56-411A-9EF9-F7869DF78C8C}" type="slidenum">
               <a:rPr kumimoji="1" lang="ja-JP" altLang="en-US" smtClean="0"/>
-              <a:t>25</a:t>
+              <a:t>13</a:t>
             </a:fld>
             <a:endParaRPr kumimoji="1" lang="ja-JP" altLang="en-US"/>
           </a:p>
@@ -9082,7 +9135,7 @@
     </p:spTree>
     <p:extLst>
       <p:ext uri="{BB962C8B-B14F-4D97-AF65-F5344CB8AC3E}">
-        <p14:creationId xmlns:p14="http://schemas.microsoft.com/office/powerpoint/2010/main" val="1264029701"/>
+        <p14:creationId xmlns:p14="http://schemas.microsoft.com/office/powerpoint/2010/main" val="2613592353"/>
       </p:ext>
     </p:extLst>
   </p:cSld>
@@ -9136,61 +9189,124 @@
           <a:bodyPr/>
           <a:lstStyle/>
           <a:p>
-            <a:pPr>
-              <a:buFont typeface="Wingdings" panose="05000000000000000000" pitchFamily="2" charset="2"/>
-              <a:buChar char="l"/>
-            </a:pPr>
-            <a:r>
-              <a:rPr kumimoji="1" lang="ja-JP" altLang="en-US" sz="1200" smtClean="0"/>
-              <a:t>コスト</a:t>
-            </a:r>
-            <a:endParaRPr kumimoji="1" lang="en-US" altLang="ja-JP" sz="1200" smtClean="0"/>
-          </a:p>
-          <a:p>
-            <a:pPr>
-              <a:buFont typeface="Wingdings" panose="05000000000000000000" pitchFamily="2" charset="2"/>
-              <a:buChar char="l"/>
-            </a:pPr>
-            <a:r>
-              <a:rPr kumimoji="1" lang="ja-JP" altLang="en-US" sz="1200" smtClean="0"/>
-              <a:t>体験</a:t>
-            </a:r>
-            <a:endParaRPr kumimoji="1" lang="en-US" altLang="ja-JP" sz="1200" smtClean="0"/>
-          </a:p>
-          <a:p>
-            <a:pPr>
-              <a:buFont typeface="Wingdings" panose="05000000000000000000" pitchFamily="2" charset="2"/>
-              <a:buChar char="l"/>
-            </a:pPr>
-            <a:r>
-              <a:rPr lang="ja-JP" altLang="en-US" sz="1200" smtClean="0"/>
-              <a:t>従来との比較</a:t>
-            </a:r>
-            <a:endParaRPr lang="en-US" altLang="ja-JP" sz="1200" smtClean="0"/>
-          </a:p>
-          <a:p>
-            <a:pPr>
-              <a:buFont typeface="Wingdings" panose="05000000000000000000" pitchFamily="2" charset="2"/>
-              <a:buChar char="l"/>
-            </a:pPr>
-            <a:r>
-              <a:rPr kumimoji="1" lang="ja-JP" altLang="en-US" sz="1200" smtClean="0"/>
-              <a:t>学術的</a:t>
-            </a:r>
-            <a:endParaRPr kumimoji="1" lang="en-US" altLang="ja-JP" sz="1200" smtClean="0"/>
-          </a:p>
-          <a:p>
-            <a:pPr>
-              <a:buFont typeface="Wingdings" panose="05000000000000000000" pitchFamily="2" charset="2"/>
-              <a:buChar char="l"/>
-            </a:pPr>
-            <a:r>
-              <a:rPr lang="ja-JP" altLang="en-US" sz="1200" smtClean="0"/>
-              <a:t>促進</a:t>
-            </a:r>
-            <a:endParaRPr lang="en-US" altLang="ja-JP" sz="1200" smtClean="0"/>
-          </a:p>
-          <a:p>
+            <a:r>
+              <a:rPr kumimoji="1" lang="ja-JP" altLang="en-US" smtClean="0"/>
+              <a:t>サーバ側、エッジ側双方で開発言語として</a:t>
+            </a:r>
+            <a:r>
+              <a:rPr kumimoji="1" lang="en-US" altLang="ja-JP" smtClean="0"/>
+              <a:t>Python3</a:t>
+            </a:r>
+            <a:r>
+              <a:rPr kumimoji="1" lang="ja-JP" altLang="en-US" smtClean="0"/>
+              <a:t>を使用しました。本研究では、画像からバーコードの位置を特定し、バーコード部分のみを切り取るために</a:t>
+            </a:r>
+            <a:r>
+              <a:rPr kumimoji="1" lang="en-US" altLang="ja-JP" smtClean="0"/>
+              <a:t>Yolo</a:t>
+            </a:r>
+            <a:r>
+              <a:rPr kumimoji="1" lang="ja-JP" altLang="en-US" smtClean="0"/>
+              <a:t>を使用しました。</a:t>
+            </a:r>
+            <a:r>
+              <a:rPr kumimoji="1" lang="en-US" altLang="ja-JP" smtClean="0"/>
+              <a:t>Yolo</a:t>
+            </a:r>
+            <a:r>
+              <a:rPr kumimoji="1" lang="ja-JP" altLang="en-US" smtClean="0"/>
+              <a:t>とは</a:t>
+            </a:r>
+            <a:r>
+              <a:rPr kumimoji="1" lang="ja-JP" altLang="en-US" sz="1200" b="0" i="0" u="none" strike="noStrike" kern="1200" baseline="0" smtClean="0">
+                <a:solidFill>
+                  <a:schemeClr val="tx1"/>
+                </a:solidFill>
+                <a:latin typeface="+mn-lt"/>
+                <a:ea typeface="+mn-ea"/>
+                <a:cs typeface="+mn-cs"/>
+              </a:rPr>
+              <a:t>リアルタイムでのオブジェクト識別が可能なアルゴリズムであり、</a:t>
+            </a:r>
+            <a:r>
+              <a:rPr kumimoji="1" lang="en-US" altLang="ja-JP" sz="1200" b="0" i="0" u="none" strike="noStrike" kern="1200" baseline="0" smtClean="0">
+                <a:solidFill>
+                  <a:schemeClr val="tx1"/>
+                </a:solidFill>
+                <a:latin typeface="+mn-lt"/>
+                <a:ea typeface="+mn-ea"/>
+                <a:cs typeface="+mn-cs"/>
+              </a:rPr>
+              <a:t>Web </a:t>
+            </a:r>
+            <a:r>
+              <a:rPr kumimoji="1" lang="ja-JP" altLang="en-US" sz="1200" b="0" i="0" u="none" strike="noStrike" kern="1200" baseline="0" smtClean="0">
+                <a:solidFill>
+                  <a:schemeClr val="tx1"/>
+                </a:solidFill>
+                <a:latin typeface="+mn-lt"/>
+                <a:ea typeface="+mn-ea"/>
+                <a:cs typeface="+mn-cs"/>
+              </a:rPr>
+              <a:t>カメラ</a:t>
+            </a:r>
+          </a:p>
+          <a:p>
+            <a:r>
+              <a:rPr kumimoji="1" lang="ja-JP" altLang="en-US" sz="1200" b="0" i="0" u="none" strike="noStrike" kern="1200" baseline="0" smtClean="0">
+                <a:solidFill>
+                  <a:schemeClr val="tx1"/>
+                </a:solidFill>
+                <a:latin typeface="+mn-lt"/>
+                <a:ea typeface="+mn-ea"/>
+                <a:cs typeface="+mn-cs"/>
+              </a:rPr>
+              <a:t>を利用したリアルタイム検出も可能となっています。</a:t>
+            </a:r>
+            <a:r>
+              <a:rPr kumimoji="1" lang="en-US" altLang="ja-JP" sz="1200" b="0" i="0" u="none" strike="noStrike" kern="1200" baseline="0" smtClean="0">
+                <a:solidFill>
+                  <a:schemeClr val="tx1"/>
+                </a:solidFill>
+                <a:latin typeface="+mn-lt"/>
+                <a:ea typeface="+mn-ea"/>
+                <a:cs typeface="+mn-cs"/>
+              </a:rPr>
+              <a:t>Yolo</a:t>
+            </a:r>
+            <a:r>
+              <a:rPr kumimoji="1" lang="ja-JP" altLang="en-US" sz="1200" b="0" i="0" u="none" strike="noStrike" kern="1200" baseline="0" smtClean="0">
+                <a:solidFill>
+                  <a:schemeClr val="tx1"/>
+                </a:solidFill>
+                <a:latin typeface="+mn-lt"/>
+                <a:ea typeface="+mn-ea"/>
+                <a:cs typeface="+mn-cs"/>
+              </a:rPr>
+              <a:t>単体では、バーコードの識別は可能だが番号自体の解析はできない。番号の識別を行うために、</a:t>
+            </a:r>
+            <a:r>
+              <a:rPr kumimoji="1" lang="en-US" altLang="ja-JP" sz="1200" b="0" i="0" u="none" strike="noStrike" kern="1200" baseline="0" smtClean="0">
+                <a:solidFill>
+                  <a:schemeClr val="tx1"/>
+                </a:solidFill>
+                <a:latin typeface="+mn-lt"/>
+                <a:ea typeface="+mn-ea"/>
+                <a:cs typeface="+mn-cs"/>
+              </a:rPr>
+              <a:t>pyzbar</a:t>
+            </a:r>
+            <a:r>
+              <a:rPr kumimoji="1" lang="ja-JP" altLang="en-US" sz="1200" b="0" i="0" u="none" strike="noStrike" kern="1200" baseline="0" smtClean="0">
+                <a:solidFill>
+                  <a:schemeClr val="tx1"/>
+                </a:solidFill>
+                <a:latin typeface="+mn-lt"/>
+                <a:ea typeface="+mn-ea"/>
+                <a:cs typeface="+mn-cs"/>
+              </a:rPr>
+              <a:t>（パイズバー）というライブラリを使用して、画像から番号への識別を行った。</a:t>
+            </a:r>
             <a:endParaRPr kumimoji="1" lang="ja-JP" altLang="en-US"/>
           </a:p>
         </p:txBody>
@@ -9212,7 +9328,7 @@
           <a:p>
             <a:fld id="{1705D8A9-7A56-411A-9EF9-F7869DF78C8C}" type="slidenum">
               <a:rPr kumimoji="1" lang="ja-JP" altLang="en-US" smtClean="0"/>
-              <a:t>28</a:t>
+              <a:t>14</a:t>
             </a:fld>
             <a:endParaRPr kumimoji="1" lang="ja-JP" altLang="en-US"/>
           </a:p>
@@ -9221,7 +9337,7 @@
     </p:spTree>
     <p:extLst>
       <p:ext uri="{BB962C8B-B14F-4D97-AF65-F5344CB8AC3E}">
-        <p14:creationId xmlns:p14="http://schemas.microsoft.com/office/powerpoint/2010/main" val="3623538667"/>
+        <p14:creationId xmlns:p14="http://schemas.microsoft.com/office/powerpoint/2010/main" val="3197617289"/>
       </p:ext>
     </p:extLst>
   </p:cSld>
@@ -9275,6 +9391,26 @@
           <a:bodyPr/>
           <a:lstStyle/>
           <a:p>
+            <a:r>
+              <a:rPr kumimoji="1" lang="ja-JP" altLang="en-US" smtClean="0"/>
+              <a:t>今回実装した</a:t>
+            </a:r>
+            <a:r>
+              <a:rPr kumimoji="1" lang="en-US" altLang="ja-JP" smtClean="0"/>
+              <a:t>raspberry pi</a:t>
+            </a:r>
+            <a:r>
+              <a:rPr kumimoji="1" lang="ja-JP" altLang="en-US" smtClean="0"/>
+              <a:t>と各種センサの配線はこのようになっております。</a:t>
+            </a:r>
+            <a:r>
+              <a:rPr kumimoji="1" lang="en-US" altLang="ja-JP" smtClean="0"/>
+              <a:t>LED</a:t>
+            </a:r>
+            <a:r>
+              <a:rPr kumimoji="1" lang="ja-JP" altLang="en-US" smtClean="0"/>
+              <a:t>は商品の撮影時と、正しく商品追加・削除ができた時にユーザへ通知するために点灯します。</a:t>
+            </a:r>
             <a:endParaRPr kumimoji="1" lang="ja-JP" altLang="en-US"/>
           </a:p>
         </p:txBody>
@@ -9296,6 +9432,533 @@
           <a:p>
             <a:fld id="{1705D8A9-7A56-411A-9EF9-F7869DF78C8C}" type="slidenum">
               <a:rPr kumimoji="1" lang="ja-JP" altLang="en-US" smtClean="0"/>
+              <a:t>15</a:t>
+            </a:fld>
+            <a:endParaRPr kumimoji="1" lang="ja-JP" altLang="en-US"/>
+          </a:p>
+        </p:txBody>
+      </p:sp>
+    </p:spTree>
+    <p:extLst>
+      <p:ext uri="{BB962C8B-B14F-4D97-AF65-F5344CB8AC3E}">
+        <p14:creationId xmlns:p14="http://schemas.microsoft.com/office/powerpoint/2010/main" val="748801799"/>
+      </p:ext>
+    </p:extLst>
+  </p:cSld>
+  <p:clrMapOvr>
+    <a:masterClrMapping/>
+  </p:clrMapOvr>
+</p:notes>
+</file>
+
+<file path=ppt/notesSlides/notesSlide16.xml><?xml version="1.0" encoding="utf-8"?>
+<p:notes xmlns:a="http://schemas.openxmlformats.org/drawingml/2006/main" xmlns:r="http://schemas.openxmlformats.org/officeDocument/2006/relationships" xmlns:p="http://schemas.openxmlformats.org/presentationml/2006/main">
+  <p:cSld>
+    <p:spTree>
+      <p:nvGrpSpPr>
+        <p:cNvPr id="1" name=""/>
+        <p:cNvGrpSpPr/>
+        <p:nvPr/>
+      </p:nvGrpSpPr>
+      <p:grpSpPr>
+        <a:xfrm>
+          <a:off x="0" y="0"/>
+          <a:ext cx="0" cy="0"/>
+          <a:chOff x="0" y="0"/>
+          <a:chExt cx="0" cy="0"/>
+        </a:xfrm>
+      </p:grpSpPr>
+      <p:sp>
+        <p:nvSpPr>
+          <p:cNvPr id="2" name="スライド イメージ プレースホルダー 1"/>
+          <p:cNvSpPr>
+            <a:spLocks noGrp="1" noRot="1" noChangeAspect="1"/>
+          </p:cNvSpPr>
+          <p:nvPr>
+            <p:ph type="sldImg"/>
+          </p:nvPr>
+        </p:nvSpPr>
+        <p:spPr/>
+      </p:sp>
+      <p:sp>
+        <p:nvSpPr>
+          <p:cNvPr id="3" name="ノート プレースホルダー 2"/>
+          <p:cNvSpPr>
+            <a:spLocks noGrp="1"/>
+          </p:cNvSpPr>
+          <p:nvPr>
+            <p:ph type="body" idx="1"/>
+          </p:nvPr>
+        </p:nvSpPr>
+        <p:spPr/>
+        <p:txBody>
+          <a:bodyPr/>
+          <a:lstStyle/>
+          <a:p>
+            <a:r>
+              <a:rPr kumimoji="1" lang="ja-JP" altLang="en-US" smtClean="0"/>
+              <a:t>エッジ側の入力は、商品の重量と、超音波センサの反応時に</a:t>
+            </a:r>
+            <a:r>
+              <a:rPr kumimoji="1" lang="en-US" altLang="ja-JP" smtClean="0"/>
+              <a:t>WEB</a:t>
+            </a:r>
+            <a:r>
+              <a:rPr kumimoji="1" lang="ja-JP" altLang="en-US" smtClean="0"/>
+              <a:t>カメラで撮影した画像データです。解析システムへのエッジ側からの出力は、画像データと、商品の追加・削除を示すフラグです。</a:t>
+            </a:r>
+            <a:endParaRPr kumimoji="1" lang="ja-JP" altLang="en-US"/>
+          </a:p>
+        </p:txBody>
+      </p:sp>
+      <p:sp>
+        <p:nvSpPr>
+          <p:cNvPr id="4" name="スライド番号プレースホルダー 3"/>
+          <p:cNvSpPr>
+            <a:spLocks noGrp="1"/>
+          </p:cNvSpPr>
+          <p:nvPr>
+            <p:ph type="sldNum" sz="quarter" idx="10"/>
+          </p:nvPr>
+        </p:nvSpPr>
+        <p:spPr/>
+        <p:txBody>
+          <a:bodyPr/>
+          <a:lstStyle/>
+          <a:p>
+            <a:fld id="{1705D8A9-7A56-411A-9EF9-F7869DF78C8C}" type="slidenum">
+              <a:rPr kumimoji="1" lang="ja-JP" altLang="en-US" smtClean="0"/>
+              <a:t>16</a:t>
+            </a:fld>
+            <a:endParaRPr kumimoji="1" lang="ja-JP" altLang="en-US"/>
+          </a:p>
+        </p:txBody>
+      </p:sp>
+    </p:spTree>
+    <p:extLst>
+      <p:ext uri="{BB962C8B-B14F-4D97-AF65-F5344CB8AC3E}">
+        <p14:creationId xmlns:p14="http://schemas.microsoft.com/office/powerpoint/2010/main" val="979151443"/>
+      </p:ext>
+    </p:extLst>
+  </p:cSld>
+  <p:clrMapOvr>
+    <a:masterClrMapping/>
+  </p:clrMapOvr>
+</p:notes>
+</file>
+
+<file path=ppt/notesSlides/notesSlide17.xml><?xml version="1.0" encoding="utf-8"?>
+<p:notes xmlns:a="http://schemas.openxmlformats.org/drawingml/2006/main" xmlns:r="http://schemas.openxmlformats.org/officeDocument/2006/relationships" xmlns:p="http://schemas.openxmlformats.org/presentationml/2006/main">
+  <p:cSld>
+    <p:spTree>
+      <p:nvGrpSpPr>
+        <p:cNvPr id="1" name=""/>
+        <p:cNvGrpSpPr/>
+        <p:nvPr/>
+      </p:nvGrpSpPr>
+      <p:grpSpPr>
+        <a:xfrm>
+          <a:off x="0" y="0"/>
+          <a:ext cx="0" cy="0"/>
+          <a:chOff x="0" y="0"/>
+          <a:chExt cx="0" cy="0"/>
+        </a:xfrm>
+      </p:grpSpPr>
+      <p:sp>
+        <p:nvSpPr>
+          <p:cNvPr id="2" name="スライド イメージ プレースホルダー 1"/>
+          <p:cNvSpPr>
+            <a:spLocks noGrp="1" noRot="1" noChangeAspect="1"/>
+          </p:cNvSpPr>
+          <p:nvPr>
+            <p:ph type="sldImg"/>
+          </p:nvPr>
+        </p:nvSpPr>
+        <p:spPr/>
+      </p:sp>
+      <p:sp>
+        <p:nvSpPr>
+          <p:cNvPr id="3" name="ノート プレースホルダー 2"/>
+          <p:cNvSpPr>
+            <a:spLocks noGrp="1"/>
+          </p:cNvSpPr>
+          <p:nvPr>
+            <p:ph type="body" idx="1"/>
+          </p:nvPr>
+        </p:nvSpPr>
+        <p:spPr/>
+        <p:txBody>
+          <a:bodyPr/>
+          <a:lstStyle/>
+          <a:p>
+            <a:r>
+              <a:rPr kumimoji="1" lang="ja-JP" altLang="en-US" dirty="0"/>
+              <a:t>サーバ側の実装方法を説明します。</a:t>
+            </a:r>
+            <a:endParaRPr kumimoji="1" lang="en-US" altLang="ja-JP" dirty="0"/>
+          </a:p>
+          <a:p>
+            <a:r>
+              <a:rPr kumimoji="1" lang="ja-JP" altLang="en-US" dirty="0"/>
+              <a:t>入力はラズパイから送られてきた画像データです。</a:t>
+            </a:r>
+            <a:endParaRPr kumimoji="1" lang="en-US" altLang="ja-JP" dirty="0"/>
+          </a:p>
+          <a:p>
+            <a:r>
+              <a:rPr kumimoji="1" lang="ja-JP" altLang="en-US" dirty="0"/>
+              <a:t>次にその画像を</a:t>
+            </a:r>
+            <a:r>
+              <a:rPr kumimoji="1" lang="en-US" altLang="ja-JP" dirty="0"/>
+              <a:t>Yolo</a:t>
+            </a:r>
+            <a:r>
+              <a:rPr kumimoji="1" lang="ja-JP" altLang="en-US" dirty="0"/>
+              <a:t>で解析し、画像の中からバーコードが移っている座標を取得します。</a:t>
+            </a:r>
+            <a:endParaRPr kumimoji="1" lang="en-US" altLang="ja-JP" dirty="0"/>
+          </a:p>
+          <a:p>
+            <a:r>
+              <a:rPr kumimoji="1" lang="ja-JP" altLang="en-US" dirty="0"/>
+              <a:t>画像を切り取りグレイスケール化したのち</a:t>
+            </a:r>
+            <a:r>
+              <a:rPr kumimoji="1" lang="en-US" altLang="ja-JP" dirty="0" err="1"/>
+              <a:t>pyzbar</a:t>
+            </a:r>
+            <a:r>
+              <a:rPr kumimoji="1" lang="ja-JP" altLang="en-US" dirty="0"/>
+              <a:t>に画像を投げ番号を取得</a:t>
+            </a:r>
+            <a:r>
+              <a:rPr kumimoji="1" lang="ja-JP" altLang="en-US"/>
+              <a:t>します</a:t>
+            </a:r>
+            <a:r>
+              <a:rPr kumimoji="1" lang="ja-JP" altLang="en-US" smtClean="0"/>
+              <a:t>。</a:t>
+            </a:r>
+            <a:endParaRPr kumimoji="1" lang="en-US" altLang="ja-JP" smtClean="0"/>
+          </a:p>
+          <a:p>
+            <a:r>
+              <a:rPr kumimoji="1" lang="en-US" altLang="ja-JP" smtClean="0"/>
+              <a:t>Pyzbar</a:t>
+            </a:r>
+            <a:r>
+              <a:rPr kumimoji="1" lang="ja-JP" altLang="en-US" smtClean="0"/>
+              <a:t>ライブラリは画像に占めるバーコードの割合が少ないと精度が下がる問題がある。</a:t>
+            </a:r>
+            <a:endParaRPr kumimoji="1" lang="en-US" altLang="ja-JP" smtClean="0"/>
+          </a:p>
+          <a:p>
+            <a:r>
+              <a:rPr kumimoji="1" lang="ja-JP" altLang="en-US" smtClean="0"/>
+              <a:t>特に、カメラと商品の距離が離れているときに問題が顕著化する。</a:t>
+            </a:r>
+            <a:endParaRPr kumimoji="1" lang="en-US" altLang="ja-JP" smtClean="0"/>
+          </a:p>
+          <a:p>
+            <a:r>
+              <a:rPr kumimoji="1" lang="ja-JP" altLang="en-US" smtClean="0"/>
+              <a:t>そこで、</a:t>
+            </a:r>
+            <a:r>
+              <a:rPr kumimoji="1" lang="en-US" altLang="ja-JP" smtClean="0"/>
+              <a:t>Yolo</a:t>
+            </a:r>
+            <a:r>
+              <a:rPr kumimoji="1" lang="ja-JP" altLang="en-US" smtClean="0"/>
+              <a:t>を使用し画像の中のバーコードの部分のみを切り取り、</a:t>
+            </a:r>
+            <a:r>
+              <a:rPr kumimoji="1" lang="en-US" altLang="ja-JP" smtClean="0"/>
+              <a:t>pyzbar</a:t>
+            </a:r>
+            <a:r>
+              <a:rPr kumimoji="1" lang="ja-JP" altLang="en-US" smtClean="0"/>
+              <a:t>ライブラリに渡すことで精度向上を試みた。</a:t>
+            </a:r>
+            <a:endParaRPr kumimoji="1" lang="en-US" altLang="ja-JP" smtClean="0"/>
+          </a:p>
+          <a:p>
+            <a:r>
+              <a:rPr kumimoji="1" lang="ja-JP" altLang="en-US" smtClean="0"/>
+              <a:t>出力は、</a:t>
+            </a:r>
+            <a:r>
+              <a:rPr kumimoji="1" lang="en-US" altLang="ja-JP" smtClean="0"/>
+              <a:t>pyzbar</a:t>
+            </a:r>
+            <a:r>
+              <a:rPr kumimoji="1" lang="ja-JP" altLang="en-US" smtClean="0"/>
+              <a:t>で識別したバーコード番号とラズベリーパイ側に送信する解析の結果である。</a:t>
+            </a:r>
+            <a:endParaRPr kumimoji="1" lang="en-US" altLang="ja-JP" dirty="0"/>
+          </a:p>
+        </p:txBody>
+      </p:sp>
+      <p:sp>
+        <p:nvSpPr>
+          <p:cNvPr id="4" name="フッター プレースホルダー 3"/>
+          <p:cNvSpPr>
+            <a:spLocks noGrp="1"/>
+          </p:cNvSpPr>
+          <p:nvPr>
+            <p:ph type="ftr" sz="quarter" idx="10"/>
+          </p:nvPr>
+        </p:nvSpPr>
+        <p:spPr/>
+        <p:txBody>
+          <a:bodyPr/>
+          <a:lstStyle/>
+          <a:p>
+            <a:endParaRPr kumimoji="1" lang="ja-JP" altLang="en-US"/>
+          </a:p>
+        </p:txBody>
+      </p:sp>
+      <p:sp>
+        <p:nvSpPr>
+          <p:cNvPr id="5" name="スライド番号プレースホルダー 4"/>
+          <p:cNvSpPr>
+            <a:spLocks noGrp="1"/>
+          </p:cNvSpPr>
+          <p:nvPr>
+            <p:ph type="sldNum" sz="quarter" idx="11"/>
+          </p:nvPr>
+        </p:nvSpPr>
+        <p:spPr/>
+        <p:txBody>
+          <a:bodyPr/>
+          <a:lstStyle/>
+          <a:p>
+            <a:fld id="{1705D8A9-7A56-411A-9EF9-F7869DF78C8C}" type="slidenum">
+              <a:rPr kumimoji="1" lang="ja-JP" altLang="en-US" smtClean="0"/>
+              <a:t>17</a:t>
+            </a:fld>
+            <a:endParaRPr kumimoji="1" lang="ja-JP" altLang="en-US"/>
+          </a:p>
+        </p:txBody>
+      </p:sp>
+    </p:spTree>
+    <p:extLst>
+      <p:ext uri="{BB962C8B-B14F-4D97-AF65-F5344CB8AC3E}">
+        <p14:creationId xmlns:p14="http://schemas.microsoft.com/office/powerpoint/2010/main" val="1264029701"/>
+      </p:ext>
+    </p:extLst>
+  </p:cSld>
+  <p:clrMapOvr>
+    <a:masterClrMapping/>
+  </p:clrMapOvr>
+</p:notes>
+</file>
+
+<file path=ppt/notesSlides/notesSlide18.xml><?xml version="1.0" encoding="utf-8"?>
+<p:notes xmlns:a="http://schemas.openxmlformats.org/drawingml/2006/main" xmlns:r="http://schemas.openxmlformats.org/officeDocument/2006/relationships" xmlns:p="http://schemas.openxmlformats.org/presentationml/2006/main">
+  <p:cSld>
+    <p:spTree>
+      <p:nvGrpSpPr>
+        <p:cNvPr id="1" name=""/>
+        <p:cNvGrpSpPr/>
+        <p:nvPr/>
+      </p:nvGrpSpPr>
+      <p:grpSpPr>
+        <a:xfrm>
+          <a:off x="0" y="0"/>
+          <a:ext cx="0" cy="0"/>
+          <a:chOff x="0" y="0"/>
+          <a:chExt cx="0" cy="0"/>
+        </a:xfrm>
+      </p:grpSpPr>
+      <p:sp>
+        <p:nvSpPr>
+          <p:cNvPr id="2" name="スライド イメージ プレースホルダー 1"/>
+          <p:cNvSpPr>
+            <a:spLocks noGrp="1" noRot="1" noChangeAspect="1"/>
+          </p:cNvSpPr>
+          <p:nvPr>
+            <p:ph type="sldImg"/>
+          </p:nvPr>
+        </p:nvSpPr>
+        <p:spPr/>
+      </p:sp>
+      <p:sp>
+        <p:nvSpPr>
+          <p:cNvPr id="3" name="ノート プレースホルダー 2"/>
+          <p:cNvSpPr>
+            <a:spLocks noGrp="1"/>
+          </p:cNvSpPr>
+          <p:nvPr>
+            <p:ph type="body" idx="1"/>
+          </p:nvPr>
+        </p:nvSpPr>
+        <p:spPr/>
+        <p:txBody>
+          <a:bodyPr/>
+          <a:lstStyle/>
+          <a:p>
+            <a:endParaRPr kumimoji="1" lang="ja-JP" altLang="en-US"/>
+          </a:p>
+        </p:txBody>
+      </p:sp>
+      <p:sp>
+        <p:nvSpPr>
+          <p:cNvPr id="4" name="スライド番号プレースホルダー 3"/>
+          <p:cNvSpPr>
+            <a:spLocks noGrp="1"/>
+          </p:cNvSpPr>
+          <p:nvPr>
+            <p:ph type="sldNum" sz="quarter" idx="10"/>
+          </p:nvPr>
+        </p:nvSpPr>
+        <p:spPr/>
+        <p:txBody>
+          <a:bodyPr/>
+          <a:lstStyle/>
+          <a:p>
+            <a:fld id="{1705D8A9-7A56-411A-9EF9-F7869DF78C8C}" type="slidenum">
+              <a:rPr kumimoji="1" lang="ja-JP" altLang="en-US" smtClean="0"/>
+              <a:t>18</a:t>
+            </a:fld>
+            <a:endParaRPr kumimoji="1" lang="ja-JP" altLang="en-US"/>
+          </a:p>
+        </p:txBody>
+      </p:sp>
+    </p:spTree>
+    <p:extLst>
+      <p:ext uri="{BB962C8B-B14F-4D97-AF65-F5344CB8AC3E}">
+        <p14:creationId xmlns:p14="http://schemas.microsoft.com/office/powerpoint/2010/main" val="3456853171"/>
+      </p:ext>
+    </p:extLst>
+  </p:cSld>
+  <p:clrMapOvr>
+    <a:masterClrMapping/>
+  </p:clrMapOvr>
+</p:notes>
+</file>
+
+<file path=ppt/notesSlides/notesSlide19.xml><?xml version="1.0" encoding="utf-8"?>
+<p:notes xmlns:a="http://schemas.openxmlformats.org/drawingml/2006/main" xmlns:r="http://schemas.openxmlformats.org/officeDocument/2006/relationships" xmlns:p="http://schemas.openxmlformats.org/presentationml/2006/main">
+  <p:cSld>
+    <p:spTree>
+      <p:nvGrpSpPr>
+        <p:cNvPr id="1" name=""/>
+        <p:cNvGrpSpPr/>
+        <p:nvPr/>
+      </p:nvGrpSpPr>
+      <p:grpSpPr>
+        <a:xfrm>
+          <a:off x="0" y="0"/>
+          <a:ext cx="0" cy="0"/>
+          <a:chOff x="0" y="0"/>
+          <a:chExt cx="0" cy="0"/>
+        </a:xfrm>
+      </p:grpSpPr>
+      <p:sp>
+        <p:nvSpPr>
+          <p:cNvPr id="2" name="スライド イメージ プレースホルダー 1"/>
+          <p:cNvSpPr>
+            <a:spLocks noGrp="1" noRot="1" noChangeAspect="1"/>
+          </p:cNvSpPr>
+          <p:nvPr>
+            <p:ph type="sldImg"/>
+          </p:nvPr>
+        </p:nvSpPr>
+        <p:spPr/>
+      </p:sp>
+      <p:sp>
+        <p:nvSpPr>
+          <p:cNvPr id="3" name="ノート プレースホルダー 2"/>
+          <p:cNvSpPr>
+            <a:spLocks noGrp="1"/>
+          </p:cNvSpPr>
+          <p:nvPr>
+            <p:ph type="body" idx="1"/>
+          </p:nvPr>
+        </p:nvSpPr>
+        <p:spPr/>
+        <p:txBody>
+          <a:bodyPr/>
+          <a:lstStyle/>
+          <a:p>
+            <a:pPr>
+              <a:buFont typeface="Wingdings" panose="05000000000000000000" pitchFamily="2" charset="2"/>
+              <a:buChar char="l"/>
+            </a:pPr>
+            <a:r>
+              <a:rPr kumimoji="1" lang="ja-JP" altLang="en-US" sz="1200" smtClean="0"/>
+              <a:t>コスト</a:t>
+            </a:r>
+            <a:endParaRPr kumimoji="1" lang="en-US" altLang="ja-JP" sz="1200" smtClean="0"/>
+          </a:p>
+          <a:p>
+            <a:pPr>
+              <a:buFont typeface="Wingdings" panose="05000000000000000000" pitchFamily="2" charset="2"/>
+              <a:buChar char="l"/>
+            </a:pPr>
+            <a:r>
+              <a:rPr kumimoji="1" lang="ja-JP" altLang="en-US" sz="1200" smtClean="0"/>
+              <a:t>体験</a:t>
+            </a:r>
+            <a:endParaRPr kumimoji="1" lang="en-US" altLang="ja-JP" sz="1200" smtClean="0"/>
+          </a:p>
+          <a:p>
+            <a:pPr>
+              <a:buFont typeface="Wingdings" panose="05000000000000000000" pitchFamily="2" charset="2"/>
+              <a:buChar char="l"/>
+            </a:pPr>
+            <a:r>
+              <a:rPr lang="ja-JP" altLang="en-US" sz="1200" smtClean="0"/>
+              <a:t>従来との比較</a:t>
+            </a:r>
+            <a:endParaRPr lang="en-US" altLang="ja-JP" sz="1200" smtClean="0"/>
+          </a:p>
+          <a:p>
+            <a:pPr>
+              <a:buFont typeface="Wingdings" panose="05000000000000000000" pitchFamily="2" charset="2"/>
+              <a:buChar char="l"/>
+            </a:pPr>
+            <a:r>
+              <a:rPr kumimoji="1" lang="ja-JP" altLang="en-US" sz="1200" smtClean="0"/>
+              <a:t>学術的</a:t>
+            </a:r>
+            <a:endParaRPr kumimoji="1" lang="en-US" altLang="ja-JP" sz="1200" smtClean="0"/>
+          </a:p>
+          <a:p>
+            <a:pPr>
+              <a:buFont typeface="Wingdings" panose="05000000000000000000" pitchFamily="2" charset="2"/>
+              <a:buChar char="l"/>
+            </a:pPr>
+            <a:r>
+              <a:rPr lang="ja-JP" altLang="en-US" sz="1200" smtClean="0"/>
+              <a:t>促進</a:t>
+            </a:r>
+            <a:endParaRPr lang="en-US" altLang="ja-JP" sz="1200" smtClean="0"/>
+          </a:p>
+          <a:p>
+            <a:endParaRPr kumimoji="1" lang="ja-JP" altLang="en-US"/>
+          </a:p>
+        </p:txBody>
+      </p:sp>
+      <p:sp>
+        <p:nvSpPr>
+          <p:cNvPr id="4" name="スライド番号プレースホルダー 3"/>
+          <p:cNvSpPr>
+            <a:spLocks noGrp="1"/>
+          </p:cNvSpPr>
+          <p:nvPr>
+            <p:ph type="sldNum" sz="quarter" idx="10"/>
+          </p:nvPr>
+        </p:nvSpPr>
+        <p:spPr/>
+        <p:txBody>
+          <a:bodyPr/>
+          <a:lstStyle/>
+          <a:p>
+            <a:fld id="{1705D8A9-7A56-411A-9EF9-F7869DF78C8C}" type="slidenum">
+              <a:rPr kumimoji="1" lang="ja-JP" altLang="en-US" smtClean="0"/>
               <a:t>29</a:t>
             </a:fld>
             <a:endParaRPr kumimoji="1" lang="ja-JP" altLang="en-US"/>
@@ -9305,7 +9968,7 @@
     </p:spTree>
     <p:extLst>
       <p:ext uri="{BB962C8B-B14F-4D97-AF65-F5344CB8AC3E}">
-        <p14:creationId xmlns:p14="http://schemas.microsoft.com/office/powerpoint/2010/main" val="2768532646"/>
+        <p14:creationId xmlns:p14="http://schemas.microsoft.com/office/powerpoint/2010/main" val="3623538667"/>
       </p:ext>
     </p:extLst>
   </p:cSld>
@@ -9360,22 +10023,8 @@
           <a:lstStyle/>
           <a:p>
             <a:r>
-              <a:rPr kumimoji="1" lang="ja-JP" altLang="en-US" dirty="0" smtClean="0"/>
-              <a:t>１）今週、何がどこまでできたか？</a:t>
-            </a:r>
-            <a:endParaRPr kumimoji="1" lang="en-US" altLang="ja-JP" dirty="0" smtClean="0"/>
-          </a:p>
-          <a:p>
-            <a:r>
-              <a:rPr kumimoji="1" lang="ja-JP" altLang="en-US" dirty="0" smtClean="0"/>
-              <a:t>２）なにか研究が進まない問題があるか？</a:t>
-            </a:r>
-            <a:endParaRPr kumimoji="1" lang="en-US" altLang="ja-JP" dirty="0" smtClean="0"/>
-          </a:p>
-          <a:p>
-            <a:r>
-              <a:rPr kumimoji="1" lang="ja-JP" altLang="en-US" dirty="0" smtClean="0"/>
-              <a:t>３）次の週は何をどこまで進める計画か？</a:t>
+              <a:rPr kumimoji="1" lang="ja-JP" altLang="en-US" smtClean="0"/>
+              <a:t>目次はこのようになっております。</a:t>
             </a:r>
             <a:endParaRPr kumimoji="1" lang="ja-JP" altLang="en-US" dirty="0"/>
           </a:p>
@@ -9461,6 +10110,10 @@
           <a:bodyPr/>
           <a:lstStyle/>
           <a:p>
+            <a:r>
+              <a:rPr kumimoji="1" lang="ja-JP" altLang="en-US" smtClean="0"/>
+              <a:t>研究背景としましては、現在日本では少子高齢化が進んでおり、働き手が減少しております。普段私たちが使用しているスーパーマーケットでは、人手不足対策としてセルフレジの導入を進めております。</a:t>
+            </a:r>
             <a:endParaRPr kumimoji="1" lang="en-US" altLang="ja-JP" dirty="0" smtClean="0"/>
           </a:p>
         </p:txBody>
@@ -9545,6 +10198,13 @@
           <a:bodyPr/>
           <a:lstStyle/>
           <a:p>
+            <a:r>
+              <a:rPr kumimoji="1" lang="ja-JP" altLang="en-US" smtClean="0"/>
+              <a:t>セルフレジについて、中小店ではコストの問題から導入が難しいという問題があります。そこで私たちは、中小店でも導入できる安価なシステムの導入を本研究の目的としました。</a:t>
+            </a:r>
+            <a:endParaRPr kumimoji="1" lang="en-US" altLang="ja-JP" smtClean="0"/>
+          </a:p>
+          <a:p>
             <a:endParaRPr kumimoji="1" lang="ja-JP" altLang="en-US"/>
           </a:p>
         </p:txBody>
@@ -9629,6 +10289,18 @@
           <a:bodyPr/>
           <a:lstStyle/>
           <a:p>
+            <a:r>
+              <a:rPr kumimoji="1" lang="ja-JP" altLang="en-US" smtClean="0"/>
+              <a:t>私たちが開発したシステムの概要をこれから説明します。このシステムは</a:t>
+            </a:r>
+            <a:r>
+              <a:rPr kumimoji="1" lang="en-US" altLang="ja-JP" smtClean="0"/>
+              <a:t>3</a:t>
+            </a:r>
+            <a:r>
+              <a:rPr kumimoji="1" lang="ja-JP" altLang="en-US" smtClean="0"/>
+              <a:t>つのステップで構成されています。一つ目に、顧客情報の登録、二つ目に商品情報取得、三つ目に決済となります。今回私たちが実装を行ったのは、二つ目と三つ目のステップになっております。理由としましては、研究目的の達成のため、実装優先度の高いステップを選定した次第です。</a:t>
+            </a:r>
             <a:endParaRPr kumimoji="1" lang="ja-JP" altLang="en-US"/>
           </a:p>
         </p:txBody>
@@ -9713,6 +10385,50 @@
           <a:bodyPr/>
           <a:lstStyle/>
           <a:p>
+            <a:r>
+              <a:rPr kumimoji="1" lang="ja-JP" altLang="en-US" smtClean="0"/>
+              <a:t>商品情報取得するために、今回は</a:t>
+            </a:r>
+            <a:r>
+              <a:rPr kumimoji="1" lang="en-US" altLang="ja-JP" smtClean="0"/>
+              <a:t>Raspberry</a:t>
+            </a:r>
+            <a:r>
+              <a:rPr kumimoji="1" lang="en-US" altLang="ja-JP" baseline="0" smtClean="0"/>
+              <a:t> pi</a:t>
+            </a:r>
+            <a:r>
+              <a:rPr kumimoji="1" lang="ja-JP" altLang="en-US" baseline="0" smtClean="0"/>
+              <a:t>と</a:t>
+            </a:r>
+            <a:r>
+              <a:rPr kumimoji="1" lang="en-US" altLang="ja-JP" baseline="0" smtClean="0"/>
+              <a:t>web</a:t>
+            </a:r>
+            <a:r>
+              <a:rPr kumimoji="1" lang="ja-JP" altLang="en-US" baseline="0" smtClean="0"/>
+              <a:t>カメラを使用し、</a:t>
+            </a:r>
+            <a:r>
+              <a:rPr kumimoji="1" lang="ja-JP" altLang="en-US" smtClean="0"/>
+              <a:t>バーコードを読み取るという方法をとりました。今回</a:t>
+            </a:r>
+            <a:r>
+              <a:rPr kumimoji="1" lang="en-US" altLang="ja-JP" smtClean="0"/>
+              <a:t>Raspberry</a:t>
+            </a:r>
+            <a:r>
+              <a:rPr kumimoji="1" lang="en-US" altLang="ja-JP" baseline="0" smtClean="0"/>
+              <a:t> pi</a:t>
+            </a:r>
+            <a:r>
+              <a:rPr kumimoji="1" lang="ja-JP" altLang="en-US" baseline="0" smtClean="0"/>
+              <a:t>で</a:t>
+            </a:r>
+            <a:r>
+              <a:rPr kumimoji="1" lang="ja-JP" altLang="en-US" smtClean="0"/>
+              <a:t>使用した、センサ類はスライドのとおりとなっております。次のシステム設計の章で、具体的なセンサの機能について説明していきます。</a:t>
+            </a:r>
             <a:endParaRPr kumimoji="1" lang="ja-JP" altLang="en-US"/>
           </a:p>
         </p:txBody>
@@ -9797,6 +10513,26 @@
           <a:bodyPr/>
           <a:lstStyle/>
           <a:p>
+            <a:r>
+              <a:rPr kumimoji="1" lang="ja-JP" altLang="en-US" smtClean="0"/>
+              <a:t>本研究では、グループで開発を行いました。開発者同士のコミュニケーションギャップの解消のため、</a:t>
+            </a:r>
+            <a:r>
+              <a:rPr kumimoji="1" lang="en-US" altLang="ja-JP" smtClean="0"/>
+              <a:t>V</a:t>
+            </a:r>
+            <a:r>
+              <a:rPr kumimoji="1" lang="ja-JP" altLang="en-US" smtClean="0"/>
+              <a:t>字モデルに従い開発・検証を行いました。設計の際には、</a:t>
+            </a:r>
+            <a:r>
+              <a:rPr kumimoji="1" lang="en-US" altLang="ja-JP" smtClean="0"/>
+              <a:t>Unified Modeling Language</a:t>
+            </a:r>
+            <a:r>
+              <a:rPr kumimoji="1" lang="ja-JP" altLang="en-US" smtClean="0"/>
+              <a:t>という統一モデリング言語を用い、あいまいな定義になるのを防ぎました。</a:t>
+            </a:r>
             <a:endParaRPr kumimoji="1" lang="ja-JP" altLang="en-US"/>
           </a:p>
         </p:txBody>
@@ -9881,7 +10617,42 @@
           <a:bodyPr/>
           <a:lstStyle/>
           <a:p>
-            <a:endParaRPr kumimoji="1" lang="ja-JP" altLang="en-US"/>
+            <a:r>
+              <a:rPr kumimoji="1" lang="ja-JP" altLang="en-US" smtClean="0"/>
+              <a:t>ユースケース図とはシステムがどのように機能すべきかという振る舞いとその外部環境を表します。グループで開発を行いました。段原が、バーコード読み取る機能の実装と、決済システムの実装を行いました。真鍋が、</a:t>
+            </a:r>
+            <a:r>
+              <a:rPr kumimoji="1" lang="en-US" altLang="ja-JP" smtClean="0"/>
+              <a:t>Raspberry pi</a:t>
+            </a:r>
+            <a:r>
+              <a:rPr kumimoji="1" lang="ja-JP" altLang="en-US" smtClean="0"/>
+              <a:t>と各種センサのハードウェア構築と、制御ソフトウェアを実装しました。</a:t>
+            </a:r>
+            <a:endParaRPr kumimoji="1" lang="en-US" altLang="ja-JP" smtClean="0"/>
+          </a:p>
+          <a:p>
+            <a:r>
+              <a:rPr kumimoji="1" lang="ja-JP" altLang="en-US" smtClean="0"/>
+              <a:t>これから、システムの動きをはじめから順に説明します。まずはじめに、ユーザが商品をカートに入れます。カートに入れる際、ラズパイと各種センサが連動してユーザの動きを検知します。センサが検知後、</a:t>
+            </a:r>
+            <a:r>
+              <a:rPr kumimoji="1" lang="en-US" altLang="ja-JP" smtClean="0"/>
+              <a:t>web</a:t>
+            </a:r>
+            <a:r>
+              <a:rPr kumimoji="1" lang="ja-JP" altLang="en-US" smtClean="0"/>
+              <a:t>カメラで商品のバーコードを撮影します。次に、画像データをサーバへ送信し、画像の解析を行います。ユーザが決済する際は、データベースに保存していた</a:t>
+            </a:r>
+            <a:r>
+              <a:rPr kumimoji="1" lang="ja-JP" altLang="en-US" smtClean="0"/>
+              <a:t>購入予定商品情報</a:t>
+            </a:r>
+            <a:r>
+              <a:rPr kumimoji="1" lang="ja-JP" altLang="en-US" smtClean="0"/>
+              <a:t>を参照し、所持金額から合計金額を引き終了します。</a:t>
+            </a:r>
+            <a:endParaRPr kumimoji="1" lang="en-US" altLang="ja-JP" smtClean="0"/>
           </a:p>
         </p:txBody>
       </p:sp>
@@ -9911,7 +10682,7 @@
     </p:spTree>
     <p:extLst>
       <p:ext uri="{BB962C8B-B14F-4D97-AF65-F5344CB8AC3E}">
-        <p14:creationId xmlns:p14="http://schemas.microsoft.com/office/powerpoint/2010/main" val="3163344847"/>
+        <p14:creationId xmlns:p14="http://schemas.microsoft.com/office/powerpoint/2010/main" val="3506063106"/>
       </p:ext>
     </p:extLst>
   </p:cSld>
@@ -9965,6 +10736,14 @@
           <a:bodyPr/>
           <a:lstStyle/>
           <a:p>
+            <a:r>
+              <a:rPr kumimoji="1" lang="en-US" altLang="ja-JP" smtClean="0"/>
+              <a:t>Raspberry pi</a:t>
+            </a:r>
+            <a:r>
+              <a:rPr kumimoji="1" lang="ja-JP" altLang="en-US" smtClean="0"/>
+              <a:t>が使用する各種センサとバーコード読み取りシステム等の各種モジュールをオブジェクト指向にならい、クラス分けしました。スライドの図には、各クラスが保有する関数と変数が示されています。</a:t>
+            </a:r>
             <a:endParaRPr kumimoji="1" lang="ja-JP" altLang="en-US"/>
           </a:p>
         </p:txBody>
@@ -9995,7 +10774,7 @@
     </p:spTree>
     <p:extLst>
       <p:ext uri="{BB962C8B-B14F-4D97-AF65-F5344CB8AC3E}">
-        <p14:creationId xmlns:p14="http://schemas.microsoft.com/office/powerpoint/2010/main" val="3742652125"/>
+        <p14:creationId xmlns:p14="http://schemas.microsoft.com/office/powerpoint/2010/main" val="4023438189"/>
       </p:ext>
     </p:extLst>
   </p:cSld>
@@ -10231,7 +11010,7 @@
           <a:p>
             <a:fld id="{4DB34049-4C60-4FA3-9E3E-A872660373D4}" type="datetime1">
               <a:rPr kumimoji="1" lang="ja-JP" altLang="en-US" smtClean="0"/>
-              <a:t>2020/1/31</a:t>
+              <a:t>2020/2/2</a:t>
             </a:fld>
             <a:endParaRPr kumimoji="1" lang="ja-JP" altLang="en-US"/>
           </a:p>
@@ -10478,7 +11257,7 @@
           <a:p>
             <a:fld id="{B2B1C8DF-EAB5-43F7-8462-42F0F4F3EEAD}" type="datetime1">
               <a:rPr kumimoji="1" lang="ja-JP" altLang="en-US" smtClean="0"/>
-              <a:t>2020/1/31</a:t>
+              <a:t>2020/2/2</a:t>
             </a:fld>
             <a:endParaRPr kumimoji="1" lang="ja-JP" altLang="en-US"/>
           </a:p>
@@ -10773,7 +11552,7 @@
           <a:p>
             <a:fld id="{E4AF5F8E-C413-4E10-B014-B9E3DDF4AA8A}" type="datetime1">
               <a:rPr kumimoji="1" lang="ja-JP" altLang="en-US" smtClean="0"/>
-              <a:t>2020/1/31</a:t>
+              <a:t>2020/2/2</a:t>
             </a:fld>
             <a:endParaRPr kumimoji="1" lang="ja-JP" altLang="en-US"/>
           </a:p>
@@ -11002,7 +11781,7 @@
           <a:p>
             <a:fld id="{EBED1F3E-ACA0-4F95-987E-01D568505390}" type="datetime1">
               <a:rPr kumimoji="1" lang="ja-JP" altLang="en-US" smtClean="0"/>
-              <a:t>2020/1/31</a:t>
+              <a:t>2020/2/2</a:t>
             </a:fld>
             <a:endParaRPr kumimoji="1" lang="ja-JP" altLang="en-US"/>
           </a:p>
@@ -11357,7 +12136,7 @@
           <a:p>
             <a:fld id="{B6DE9BDE-30E7-491D-AD22-7D2FB58F7AD6}" type="datetime1">
               <a:rPr kumimoji="1" lang="ja-JP" altLang="en-US" smtClean="0"/>
-              <a:t>2020/1/31</a:t>
+              <a:t>2020/2/2</a:t>
             </a:fld>
             <a:endParaRPr kumimoji="1" lang="ja-JP" altLang="en-US"/>
           </a:p>
@@ -11743,7 +12522,7 @@
           <a:p>
             <a:fld id="{01C14695-FF6C-4395-B911-F0729EE23D79}" type="datetime1">
               <a:rPr lang="ja-JP" altLang="en-US" smtClean="0"/>
-              <a:t>2020/1/31</a:t>
+              <a:t>2020/2/2</a:t>
             </a:fld>
             <a:endParaRPr lang="ja-JP" altLang="en-US"/>
           </a:p>
@@ -12234,7 +13013,7 @@
           <a:p>
             <a:fld id="{6D69C187-8977-41F7-95DA-2528A3317C68}" type="datetime1">
               <a:rPr kumimoji="1" lang="ja-JP" altLang="en-US" smtClean="0"/>
-              <a:t>2020/1/31</a:t>
+              <a:t>2020/2/2</a:t>
             </a:fld>
             <a:endParaRPr kumimoji="1" lang="ja-JP" altLang="en-US"/>
           </a:p>
@@ -12359,7 +13138,7 @@
           <a:p>
             <a:fld id="{2300910F-F157-4918-8BCF-E20DCDAE6C36}" type="datetime1">
               <a:rPr kumimoji="1" lang="ja-JP" altLang="en-US" smtClean="0"/>
-              <a:t>2020/1/31</a:t>
+              <a:t>2020/2/2</a:t>
             </a:fld>
             <a:endParaRPr kumimoji="1" lang="ja-JP" altLang="en-US"/>
           </a:p>
@@ -12537,7 +13316,7 @@
           <a:p>
             <a:fld id="{D87FC5CB-9D3B-49FC-80CB-278BB2E2E7E8}" type="datetime1">
               <a:rPr kumimoji="1" lang="ja-JP" altLang="en-US" smtClean="0"/>
-              <a:t>2020/1/31</a:t>
+              <a:t>2020/2/2</a:t>
             </a:fld>
             <a:endParaRPr kumimoji="1" lang="ja-JP" altLang="en-US"/>
           </a:p>
@@ -12930,7 +13709,7 @@
           <a:p>
             <a:fld id="{F700B2C0-68FC-49CF-B0BB-3155B45D6910}" type="datetime1">
               <a:rPr kumimoji="1" lang="ja-JP" altLang="en-US" smtClean="0"/>
-              <a:t>2020/1/31</a:t>
+              <a:t>2020/2/2</a:t>
             </a:fld>
             <a:endParaRPr kumimoji="1" lang="ja-JP" altLang="en-US"/>
           </a:p>
@@ -13307,7 +14086,7 @@
           <a:p>
             <a:fld id="{7A1233B6-6B32-4459-9D83-2853E0269600}" type="datetime1">
               <a:rPr kumimoji="1" lang="ja-JP" altLang="en-US" smtClean="0"/>
-              <a:t>2020/1/31</a:t>
+              <a:t>2020/2/2</a:t>
             </a:fld>
             <a:endParaRPr kumimoji="1" lang="ja-JP" altLang="en-US"/>
           </a:p>
@@ -13626,7 +14405,7 @@
           <a:p>
             <a:fld id="{5033D987-17AA-4DBB-A451-16E4C533DF6A}" type="datetime1">
               <a:rPr kumimoji="1" lang="ja-JP" altLang="en-US" smtClean="0"/>
-              <a:t>2020/1/31</a:t>
+              <a:t>2020/2/2</a:t>
             </a:fld>
             <a:endParaRPr kumimoji="1" lang="ja-JP" altLang="en-US"/>
           </a:p>
@@ -14326,80 +15105,239 @@
           <a:chExt cx="0" cy="0"/>
         </a:xfrm>
       </p:grpSpPr>
-      <p:sp>
-        <p:nvSpPr>
-          <p:cNvPr id="4" name="タイトル 3"/>
-          <p:cNvSpPr>
-            <a:spLocks noGrp="1"/>
-          </p:cNvSpPr>
-          <p:nvPr>
-            <p:ph type="title"/>
-          </p:nvPr>
-        </p:nvSpPr>
-        <p:spPr/>
-        <p:txBody>
-          <a:bodyPr/>
-          <a:lstStyle/>
-          <a:p>
-            <a:r>
-              <a:rPr kumimoji="1" lang="ja-JP" altLang="en-US" smtClean="0"/>
-              <a:t>クラス図</a:t>
-            </a:r>
-            <a:endParaRPr kumimoji="1" lang="ja-JP" altLang="en-US"/>
-          </a:p>
-        </p:txBody>
-      </p:sp>
-      <p:sp>
-        <p:nvSpPr>
-          <p:cNvPr id="3" name="スライド番号プレースホルダー 2"/>
-          <p:cNvSpPr>
-            <a:spLocks noGrp="1"/>
-          </p:cNvSpPr>
-          <p:nvPr>
-            <p:ph type="sldNum" sz="quarter" idx="12"/>
-          </p:nvPr>
-        </p:nvSpPr>
-        <p:spPr/>
-        <p:txBody>
-          <a:bodyPr/>
-          <a:lstStyle/>
-          <a:p>
-            <a:fld id="{3C3988C9-8C6C-49D7-8D82-24DA391FB063}" type="slidenum">
-              <a:rPr kumimoji="1" lang="ja-JP" altLang="en-US" sz="3200" smtClean="0"/>
-              <a:t>9</a:t>
-            </a:fld>
-            <a:endParaRPr kumimoji="1" lang="ja-JP" altLang="en-US" sz="3200"/>
-          </a:p>
-        </p:txBody>
-      </p:sp>
       <p:pic>
         <p:nvPicPr>
-          <p:cNvPr id="11" name="図 10"/>
+          <p:cNvPr id="2" name="図 1"/>
           <p:cNvPicPr>
             <a:picLocks noChangeAspect="1"/>
           </p:cNvPicPr>
           <p:nvPr/>
         </p:nvPicPr>
         <p:blipFill>
-          <a:blip r:embed="rId3"/>
+          <a:blip r:embed="rId3">
+            <a:extLst>
+              <a:ext uri="{28A0092B-C50C-407E-A947-70E740481C1C}">
+                <a14:useLocalDpi xmlns:a14="http://schemas.microsoft.com/office/drawing/2010/main" val="0"/>
+              </a:ext>
+            </a:extLst>
+          </a:blip>
           <a:stretch>
             <a:fillRect/>
           </a:stretch>
         </p:blipFill>
         <p:spPr>
           <a:xfrm>
-            <a:off x="2115370" y="1775377"/>
-            <a:ext cx="8022219" cy="5082623"/>
+            <a:off x="544902" y="2133601"/>
+            <a:ext cx="11231757" cy="3050970"/>
           </a:xfrm>
           <a:prstGeom prst="rect">
             <a:avLst/>
           </a:prstGeom>
         </p:spPr>
       </p:pic>
+      <p:sp>
+        <p:nvSpPr>
+          <p:cNvPr id="6" name="角丸四角形 5"/>
+          <p:cNvSpPr/>
+          <p:nvPr/>
+        </p:nvSpPr>
+        <p:spPr>
+          <a:xfrm>
+            <a:off x="346035" y="1985319"/>
+            <a:ext cx="3023685" cy="3300679"/>
+          </a:xfrm>
+          <a:prstGeom prst="roundRect">
+            <a:avLst/>
+          </a:prstGeom>
+          <a:noFill/>
+          <a:ln w="28575"/>
+        </p:spPr>
+        <p:style>
+          <a:lnRef idx="2">
+            <a:schemeClr val="accent1">
+              <a:shade val="50000"/>
+            </a:schemeClr>
+          </a:lnRef>
+          <a:fillRef idx="1">
+            <a:schemeClr val="accent1"/>
+          </a:fillRef>
+          <a:effectRef idx="0">
+            <a:schemeClr val="accent1"/>
+          </a:effectRef>
+          <a:fontRef idx="minor">
+            <a:schemeClr val="lt1"/>
+          </a:fontRef>
+        </p:style>
+        <p:txBody>
+          <a:bodyPr rtlCol="0" anchor="ctr"/>
+          <a:lstStyle/>
+          <a:p>
+            <a:pPr algn="ctr"/>
+            <a:endParaRPr kumimoji="1" lang="ja-JP" altLang="en-US"/>
+          </a:p>
+        </p:txBody>
+      </p:sp>
+      <p:sp>
+        <p:nvSpPr>
+          <p:cNvPr id="7" name="テキスト ボックス 6"/>
+          <p:cNvSpPr txBox="1"/>
+          <p:nvPr/>
+        </p:nvSpPr>
+        <p:spPr>
+          <a:xfrm>
+            <a:off x="2886533" y="2237422"/>
+            <a:ext cx="461665" cy="2040993"/>
+          </a:xfrm>
+          <a:prstGeom prst="rect">
+            <a:avLst/>
+          </a:prstGeom>
+          <a:noFill/>
+        </p:spPr>
+        <p:txBody>
+          <a:bodyPr vert="eaVert" wrap="square" rtlCol="0">
+            <a:spAutoFit/>
+          </a:bodyPr>
+          <a:lstStyle/>
+          <a:p>
+            <a:r>
+              <a:rPr kumimoji="1" lang="ja-JP" altLang="en-US" smtClean="0"/>
+              <a:t>真鍋</a:t>
+            </a:r>
+            <a:endParaRPr kumimoji="1" lang="ja-JP" altLang="en-US"/>
+          </a:p>
+        </p:txBody>
+      </p:sp>
+      <p:sp>
+        <p:nvSpPr>
+          <p:cNvPr id="8" name="角丸四角形 7"/>
+          <p:cNvSpPr/>
+          <p:nvPr/>
+        </p:nvSpPr>
+        <p:spPr>
+          <a:xfrm>
+            <a:off x="3399803" y="1911176"/>
+            <a:ext cx="8575723" cy="3374821"/>
+          </a:xfrm>
+          <a:prstGeom prst="roundRect">
+            <a:avLst/>
+          </a:prstGeom>
+          <a:noFill/>
+          <a:ln w="28575"/>
+        </p:spPr>
+        <p:style>
+          <a:lnRef idx="2">
+            <a:schemeClr val="accent1">
+              <a:shade val="50000"/>
+            </a:schemeClr>
+          </a:lnRef>
+          <a:fillRef idx="1">
+            <a:schemeClr val="accent1"/>
+          </a:fillRef>
+          <a:effectRef idx="0">
+            <a:schemeClr val="accent1"/>
+          </a:effectRef>
+          <a:fontRef idx="minor">
+            <a:schemeClr val="lt1"/>
+          </a:fontRef>
+        </p:style>
+        <p:txBody>
+          <a:bodyPr rtlCol="0" anchor="ctr"/>
+          <a:lstStyle/>
+          <a:p>
+            <a:pPr algn="ctr"/>
+            <a:endParaRPr kumimoji="1" lang="ja-JP" altLang="en-US"/>
+          </a:p>
+        </p:txBody>
+      </p:sp>
+      <p:sp>
+        <p:nvSpPr>
+          <p:cNvPr id="9" name="テキスト ボックス 8"/>
+          <p:cNvSpPr txBox="1"/>
+          <p:nvPr/>
+        </p:nvSpPr>
+        <p:spPr>
+          <a:xfrm>
+            <a:off x="11414427" y="4142208"/>
+            <a:ext cx="461665" cy="2084726"/>
+          </a:xfrm>
+          <a:prstGeom prst="rect">
+            <a:avLst/>
+          </a:prstGeom>
+          <a:noFill/>
+        </p:spPr>
+        <p:txBody>
+          <a:bodyPr vert="eaVert" wrap="square" rtlCol="0">
+            <a:spAutoFit/>
+          </a:bodyPr>
+          <a:lstStyle/>
+          <a:p>
+            <a:r>
+              <a:rPr kumimoji="1" lang="ja-JP" altLang="en-US" smtClean="0"/>
+              <a:t>段原</a:t>
+            </a:r>
+            <a:endParaRPr kumimoji="1" lang="ja-JP" altLang="en-US"/>
+          </a:p>
+        </p:txBody>
+      </p:sp>
+      <p:sp>
+        <p:nvSpPr>
+          <p:cNvPr id="10" name="タイトル 3"/>
+          <p:cNvSpPr txBox="1">
+            <a:spLocks/>
+          </p:cNvSpPr>
+          <p:nvPr/>
+        </p:nvSpPr>
+        <p:spPr>
+          <a:xfrm>
+            <a:off x="141691" y="286482"/>
+            <a:ext cx="2337898" cy="669106"/>
+          </a:xfrm>
+          <a:prstGeom prst="rect">
+            <a:avLst/>
+          </a:prstGeom>
+          <a:solidFill>
+            <a:schemeClr val="bg1">
+              <a:lumMod val="95000"/>
+            </a:schemeClr>
+          </a:solidFill>
+        </p:spPr>
+        <p:txBody>
+          <a:bodyPr/>
+          <a:lstStyle>
+            <a:lvl1pPr algn="l" defTabSz="914400" rtl="0" eaLnBrk="1" latinLnBrk="0" hangingPunct="1">
+              <a:lnSpc>
+                <a:spcPct val="85000"/>
+              </a:lnSpc>
+              <a:spcBef>
+                <a:spcPct val="0"/>
+              </a:spcBef>
+              <a:buNone/>
+              <a:defRPr kumimoji="1" sz="4800" kern="1200" spc="-50" baseline="0">
+                <a:solidFill>
+                  <a:schemeClr val="tx1">
+                    <a:lumMod val="75000"/>
+                    <a:lumOff val="25000"/>
+                  </a:schemeClr>
+                </a:solidFill>
+                <a:latin typeface="+mj-lt"/>
+                <a:ea typeface="+mj-ea"/>
+                <a:cs typeface="+mj-cs"/>
+              </a:defRPr>
+            </a:lvl1pPr>
+          </a:lstStyle>
+          <a:p>
+            <a:r>
+              <a:rPr lang="ja-JP" altLang="en-US" smtClean="0"/>
+              <a:t>クラス図</a:t>
+            </a:r>
+            <a:endParaRPr lang="ja-JP" altLang="en-US"/>
+          </a:p>
+        </p:txBody>
+      </p:sp>
     </p:spTree>
     <p:extLst>
       <p:ext uri="{BB962C8B-B14F-4D97-AF65-F5344CB8AC3E}">
-        <p14:creationId xmlns:p14="http://schemas.microsoft.com/office/powerpoint/2010/main" val="495713416"/>
+        <p14:creationId xmlns:p14="http://schemas.microsoft.com/office/powerpoint/2010/main" val="2984441620"/>
       </p:ext>
     </p:extLst>
   </p:cSld>
@@ -14433,80 +15371,239 @@
           <a:chExt cx="0" cy="0"/>
         </a:xfrm>
       </p:grpSpPr>
-      <p:sp>
-        <p:nvSpPr>
-          <p:cNvPr id="4" name="タイトル 3"/>
-          <p:cNvSpPr>
-            <a:spLocks noGrp="1"/>
-          </p:cNvSpPr>
-          <p:nvPr>
-            <p:ph type="title"/>
-          </p:nvPr>
-        </p:nvSpPr>
-        <p:spPr/>
-        <p:txBody>
-          <a:bodyPr/>
-          <a:lstStyle/>
-          <a:p>
-            <a:r>
-              <a:rPr kumimoji="1" lang="ja-JP" altLang="en-US" smtClean="0"/>
-              <a:t>シーケンス図</a:t>
-            </a:r>
-            <a:endParaRPr kumimoji="1" lang="ja-JP" altLang="en-US"/>
-          </a:p>
-        </p:txBody>
-      </p:sp>
-      <p:sp>
-        <p:nvSpPr>
-          <p:cNvPr id="2" name="スライド番号プレースホルダー 1"/>
-          <p:cNvSpPr>
-            <a:spLocks noGrp="1"/>
-          </p:cNvSpPr>
-          <p:nvPr>
-            <p:ph type="sldNum" sz="quarter" idx="12"/>
-          </p:nvPr>
-        </p:nvSpPr>
-        <p:spPr/>
-        <p:txBody>
-          <a:bodyPr/>
-          <a:lstStyle/>
-          <a:p>
-            <a:fld id="{3C3988C9-8C6C-49D7-8D82-24DA391FB063}" type="slidenum">
-              <a:rPr kumimoji="1" lang="ja-JP" altLang="en-US" sz="3200" smtClean="0"/>
-              <a:t>10</a:t>
-            </a:fld>
-            <a:endParaRPr kumimoji="1" lang="ja-JP" altLang="en-US" sz="3200"/>
-          </a:p>
-        </p:txBody>
-      </p:sp>
       <p:pic>
         <p:nvPicPr>
-          <p:cNvPr id="6" name="図 5"/>
+          <p:cNvPr id="3" name="図 2"/>
           <p:cNvPicPr>
             <a:picLocks noChangeAspect="1"/>
           </p:cNvPicPr>
           <p:nvPr/>
         </p:nvPicPr>
         <p:blipFill>
-          <a:blip r:embed="rId3"/>
+          <a:blip r:embed="rId3">
+            <a:extLst>
+              <a:ext uri="{28A0092B-C50C-407E-A947-70E740481C1C}">
+                <a14:useLocalDpi xmlns:a14="http://schemas.microsoft.com/office/drawing/2010/main" val="0"/>
+              </a:ext>
+            </a:extLst>
+          </a:blip>
           <a:stretch>
             <a:fillRect/>
           </a:stretch>
         </p:blipFill>
         <p:spPr>
           <a:xfrm>
-            <a:off x="2662651" y="1737360"/>
-            <a:ext cx="6927657" cy="5120640"/>
+            <a:off x="2606404" y="0"/>
+            <a:ext cx="6979191" cy="6858000"/>
           </a:xfrm>
           <a:prstGeom prst="rect">
             <a:avLst/>
           </a:prstGeom>
         </p:spPr>
       </p:pic>
+      <p:sp>
+        <p:nvSpPr>
+          <p:cNvPr id="7" name="角丸四角形 6"/>
+          <p:cNvSpPr/>
+          <p:nvPr/>
+        </p:nvSpPr>
+        <p:spPr>
+          <a:xfrm>
+            <a:off x="2726724" y="700217"/>
+            <a:ext cx="3277783" cy="2320570"/>
+          </a:xfrm>
+          <a:prstGeom prst="roundRect">
+            <a:avLst/>
+          </a:prstGeom>
+          <a:noFill/>
+          <a:ln w="28575"/>
+        </p:spPr>
+        <p:style>
+          <a:lnRef idx="2">
+            <a:schemeClr val="accent1">
+              <a:shade val="50000"/>
+            </a:schemeClr>
+          </a:lnRef>
+          <a:fillRef idx="1">
+            <a:schemeClr val="accent1"/>
+          </a:fillRef>
+          <a:effectRef idx="0">
+            <a:schemeClr val="accent1"/>
+          </a:effectRef>
+          <a:fontRef idx="minor">
+            <a:schemeClr val="lt1"/>
+          </a:fontRef>
+        </p:style>
+        <p:txBody>
+          <a:bodyPr rtlCol="0" anchor="ctr"/>
+          <a:lstStyle/>
+          <a:p>
+            <a:pPr algn="ctr"/>
+            <a:endParaRPr kumimoji="1" lang="ja-JP" altLang="en-US"/>
+          </a:p>
+        </p:txBody>
+      </p:sp>
+      <p:sp>
+        <p:nvSpPr>
+          <p:cNvPr id="8" name="テキスト ボックス 7"/>
+          <p:cNvSpPr txBox="1"/>
+          <p:nvPr/>
+        </p:nvSpPr>
+        <p:spPr>
+          <a:xfrm>
+            <a:off x="5482605" y="840005"/>
+            <a:ext cx="461665" cy="2040993"/>
+          </a:xfrm>
+          <a:prstGeom prst="rect">
+            <a:avLst/>
+          </a:prstGeom>
+          <a:noFill/>
+        </p:spPr>
+        <p:txBody>
+          <a:bodyPr vert="eaVert" wrap="square" rtlCol="0">
+            <a:spAutoFit/>
+          </a:bodyPr>
+          <a:lstStyle/>
+          <a:p>
+            <a:r>
+              <a:rPr kumimoji="1" lang="ja-JP" altLang="en-US" smtClean="0"/>
+              <a:t>真鍋</a:t>
+            </a:r>
+            <a:endParaRPr kumimoji="1" lang="ja-JP" altLang="en-US"/>
+          </a:p>
+        </p:txBody>
+      </p:sp>
+      <p:sp>
+        <p:nvSpPr>
+          <p:cNvPr id="9" name="角丸四角形 8"/>
+          <p:cNvSpPr/>
+          <p:nvPr/>
+        </p:nvSpPr>
+        <p:spPr>
+          <a:xfrm>
+            <a:off x="4275538" y="3020786"/>
+            <a:ext cx="5049694" cy="3837214"/>
+          </a:xfrm>
+          <a:prstGeom prst="roundRect">
+            <a:avLst/>
+          </a:prstGeom>
+          <a:noFill/>
+          <a:ln w="28575"/>
+        </p:spPr>
+        <p:style>
+          <a:lnRef idx="2">
+            <a:schemeClr val="accent1">
+              <a:shade val="50000"/>
+            </a:schemeClr>
+          </a:lnRef>
+          <a:fillRef idx="1">
+            <a:schemeClr val="accent1"/>
+          </a:fillRef>
+          <a:effectRef idx="0">
+            <a:schemeClr val="accent1"/>
+          </a:effectRef>
+          <a:fontRef idx="minor">
+            <a:schemeClr val="lt1"/>
+          </a:fontRef>
+        </p:style>
+        <p:txBody>
+          <a:bodyPr rtlCol="0" anchor="ctr"/>
+          <a:lstStyle/>
+          <a:p>
+            <a:pPr algn="ctr"/>
+            <a:endParaRPr kumimoji="1" lang="ja-JP" altLang="en-US"/>
+          </a:p>
+        </p:txBody>
+      </p:sp>
+      <p:sp>
+        <p:nvSpPr>
+          <p:cNvPr id="10" name="テキスト ボックス 9"/>
+          <p:cNvSpPr txBox="1"/>
+          <p:nvPr/>
+        </p:nvSpPr>
+        <p:spPr>
+          <a:xfrm>
+            <a:off x="8762916" y="3263391"/>
+            <a:ext cx="461665" cy="948314"/>
+          </a:xfrm>
+          <a:prstGeom prst="rect">
+            <a:avLst/>
+          </a:prstGeom>
+          <a:noFill/>
+        </p:spPr>
+        <p:txBody>
+          <a:bodyPr vert="eaVert" wrap="square" rtlCol="0">
+            <a:spAutoFit/>
+          </a:bodyPr>
+          <a:lstStyle/>
+          <a:p>
+            <a:r>
+              <a:rPr kumimoji="1" lang="ja-JP" altLang="en-US" smtClean="0"/>
+              <a:t>段原</a:t>
+            </a:r>
+            <a:endParaRPr kumimoji="1" lang="ja-JP" altLang="en-US"/>
+          </a:p>
+        </p:txBody>
+      </p:sp>
+      <p:sp>
+        <p:nvSpPr>
+          <p:cNvPr id="11" name="タイトル 3"/>
+          <p:cNvSpPr txBox="1">
+            <a:spLocks/>
+          </p:cNvSpPr>
+          <p:nvPr/>
+        </p:nvSpPr>
+        <p:spPr>
+          <a:xfrm>
+            <a:off x="8138164" y="872298"/>
+            <a:ext cx="3572691" cy="693113"/>
+          </a:xfrm>
+          <a:prstGeom prst="rect">
+            <a:avLst/>
+          </a:prstGeom>
+          <a:solidFill>
+            <a:schemeClr val="bg1">
+              <a:lumMod val="95000"/>
+            </a:schemeClr>
+          </a:solidFill>
+        </p:spPr>
+        <p:txBody>
+          <a:bodyPr/>
+          <a:lstStyle>
+            <a:lvl1pPr algn="l" defTabSz="914400" rtl="0" eaLnBrk="1" latinLnBrk="0" hangingPunct="1">
+              <a:lnSpc>
+                <a:spcPct val="85000"/>
+              </a:lnSpc>
+              <a:spcBef>
+                <a:spcPct val="0"/>
+              </a:spcBef>
+              <a:buNone/>
+              <a:defRPr kumimoji="1" sz="4800" kern="1200" spc="-50" baseline="0">
+                <a:solidFill>
+                  <a:schemeClr val="tx1">
+                    <a:lumMod val="75000"/>
+                    <a:lumOff val="25000"/>
+                  </a:schemeClr>
+                </a:solidFill>
+                <a:latin typeface="+mj-lt"/>
+                <a:ea typeface="+mj-ea"/>
+                <a:cs typeface="+mj-cs"/>
+              </a:defRPr>
+            </a:lvl1pPr>
+          </a:lstStyle>
+          <a:p>
+            <a:r>
+              <a:rPr lang="ja-JP" altLang="en-US" smtClean="0"/>
+              <a:t>シーケンス図</a:t>
+            </a:r>
+            <a:endParaRPr lang="ja-JP" altLang="en-US"/>
+          </a:p>
+        </p:txBody>
+      </p:sp>
     </p:spTree>
     <p:extLst>
       <p:ext uri="{BB962C8B-B14F-4D97-AF65-F5344CB8AC3E}">
-        <p14:creationId xmlns:p14="http://schemas.microsoft.com/office/powerpoint/2010/main" val="1420028005"/>
+        <p14:creationId xmlns:p14="http://schemas.microsoft.com/office/powerpoint/2010/main" val="109206618"/>
       </p:ext>
     </p:extLst>
   </p:cSld>
@@ -14542,12 +15639,12 @@
       </p:grpSpPr>
       <p:sp>
         <p:nvSpPr>
-          <p:cNvPr id="2" name="タイトル 1"/>
+          <p:cNvPr id="3" name="タイトル 2"/>
           <p:cNvSpPr>
             <a:spLocks noGrp="1"/>
           </p:cNvSpPr>
           <p:nvPr>
-            <p:ph type="ctrTitle"/>
+            <p:ph type="title"/>
           </p:nvPr>
         </p:nvSpPr>
         <p:spPr/>
@@ -14557,7 +15654,7 @@
           <a:p>
             <a:r>
               <a:rPr kumimoji="1" lang="ja-JP" altLang="en-US" smtClean="0"/>
-              <a:t>実装・検証</a:t>
+              <a:t>スケジュール管理</a:t>
             </a:r>
             <a:endParaRPr kumimoji="1" lang="ja-JP" altLang="en-US"/>
           </a:p>
@@ -14565,26 +15662,7 @@
       </p:sp>
       <p:sp>
         <p:nvSpPr>
-          <p:cNvPr id="5" name="サブタイトル 4"/>
-          <p:cNvSpPr>
-            <a:spLocks noGrp="1"/>
-          </p:cNvSpPr>
-          <p:nvPr>
-            <p:ph type="subTitle" idx="1"/>
-          </p:nvPr>
-        </p:nvSpPr>
-        <p:spPr/>
-        <p:txBody>
-          <a:bodyPr/>
-          <a:lstStyle/>
-          <a:p>
-            <a:endParaRPr kumimoji="1" lang="ja-JP" altLang="en-US"/>
-          </a:p>
-        </p:txBody>
-      </p:sp>
-      <p:sp>
-        <p:nvSpPr>
-          <p:cNvPr id="4" name="スライド番号プレースホルダー 3"/>
+          <p:cNvPr id="2" name="スライド番号プレースホルダー 1"/>
           <p:cNvSpPr>
             <a:spLocks noGrp="1"/>
           </p:cNvSpPr>
@@ -14598,18 +15676,47 @@
           <a:lstStyle/>
           <a:p>
             <a:fld id="{3C3988C9-8C6C-49D7-8D82-24DA391FB063}" type="slidenum">
-              <a:rPr lang="ja-JP" altLang="en-US" smtClean="0"/>
-              <a:pPr/>
+              <a:rPr kumimoji="1" lang="ja-JP" altLang="en-US" sz="3200" smtClean="0"/>
               <a:t>11</a:t>
             </a:fld>
-            <a:endParaRPr lang="ja-JP" altLang="en-US"/>
+            <a:endParaRPr kumimoji="1" lang="ja-JP" altLang="en-US" sz="3200"/>
           </a:p>
         </p:txBody>
       </p:sp>
+      <p:pic>
+        <p:nvPicPr>
+          <p:cNvPr id="5" name="図 4"/>
+          <p:cNvPicPr>
+            <a:picLocks noChangeAspect="1"/>
+          </p:cNvPicPr>
+          <p:nvPr/>
+        </p:nvPicPr>
+        <p:blipFill>
+          <a:blip r:embed="rId3">
+            <a:extLst>
+              <a:ext uri="{28A0092B-C50C-407E-A947-70E740481C1C}">
+                <a14:useLocalDpi xmlns:a14="http://schemas.microsoft.com/office/drawing/2010/main" val="0"/>
+              </a:ext>
+            </a:extLst>
+          </a:blip>
+          <a:stretch>
+            <a:fillRect/>
+          </a:stretch>
+        </p:blipFill>
+        <p:spPr>
+          <a:xfrm>
+            <a:off x="0" y="2086693"/>
+            <a:ext cx="12192000" cy="2684613"/>
+          </a:xfrm>
+          <a:prstGeom prst="rect">
+            <a:avLst/>
+          </a:prstGeom>
+        </p:spPr>
+      </p:pic>
     </p:spTree>
     <p:extLst>
       <p:ext uri="{BB962C8B-B14F-4D97-AF65-F5344CB8AC3E}">
-        <p14:creationId xmlns:p14="http://schemas.microsoft.com/office/powerpoint/2010/main" val="2202627543"/>
+        <p14:creationId xmlns:p14="http://schemas.microsoft.com/office/powerpoint/2010/main" val="4270521482"/>
       </p:ext>
     </p:extLst>
   </p:cSld>
@@ -14659,8 +15766,8 @@
           <a:lstStyle/>
           <a:p>
             <a:r>
-              <a:rPr lang="ja-JP" altLang="en-US" smtClean="0"/>
-              <a:t>単体テスト</a:t>
+              <a:rPr kumimoji="1" lang="ja-JP" altLang="en-US" smtClean="0"/>
+              <a:t>実装・検証</a:t>
             </a:r>
             <a:endParaRPr kumimoji="1" lang="ja-JP" altLang="en-US"/>
           </a:p>
@@ -14712,13 +15819,20 @@
     </p:spTree>
     <p:extLst>
       <p:ext uri="{BB962C8B-B14F-4D97-AF65-F5344CB8AC3E}">
-        <p14:creationId xmlns:p14="http://schemas.microsoft.com/office/powerpoint/2010/main" val="1298879523"/>
+        <p14:creationId xmlns:p14="http://schemas.microsoft.com/office/powerpoint/2010/main" val="2202627543"/>
       </p:ext>
     </p:extLst>
   </p:cSld>
   <p:clrMapOvr>
     <a:masterClrMapping/>
   </p:clrMapOvr>
+  <p:timing>
+    <p:tnLst>
+      <p:par>
+        <p:cTn id="1" dur="indefinite" restart="never" nodeType="tmRoot"/>
+      </p:par>
+    </p:tnLst>
+  </p:timing>
 </p:sld>
 </file>
 
@@ -14741,6 +15855,267 @@
       </p:grpSpPr>
       <p:sp>
         <p:nvSpPr>
+          <p:cNvPr id="4" name="スライド番号プレースホルダー 3"/>
+          <p:cNvSpPr>
+            <a:spLocks noGrp="1"/>
+          </p:cNvSpPr>
+          <p:nvPr>
+            <p:ph type="sldNum" sz="quarter" idx="12"/>
+          </p:nvPr>
+        </p:nvSpPr>
+        <p:spPr/>
+        <p:txBody>
+          <a:bodyPr/>
+          <a:lstStyle/>
+          <a:p>
+            <a:fld id="{3C3988C9-8C6C-49D7-8D82-24DA391FB063}" type="slidenum">
+              <a:rPr lang="ja-JP" altLang="en-US" smtClean="0"/>
+              <a:pPr/>
+              <a:t>13</a:t>
+            </a:fld>
+            <a:endParaRPr lang="ja-JP" altLang="en-US"/>
+          </a:p>
+        </p:txBody>
+      </p:sp>
+      <p:sp>
+        <p:nvSpPr>
+          <p:cNvPr id="2" name="タイトル 1"/>
+          <p:cNvSpPr>
+            <a:spLocks noGrp="1"/>
+          </p:cNvSpPr>
+          <p:nvPr>
+            <p:ph type="title" idx="4294967295"/>
+          </p:nvPr>
+        </p:nvSpPr>
+        <p:spPr>
+          <a:xfrm>
+            <a:off x="867721" y="-337246"/>
+            <a:ext cx="10058400" cy="1449387"/>
+          </a:xfrm>
+        </p:spPr>
+        <p:txBody>
+          <a:bodyPr/>
+          <a:lstStyle/>
+          <a:p>
+            <a:r>
+              <a:rPr lang="ja-JP" altLang="en-US" smtClean="0"/>
+              <a:t>実装</a:t>
+            </a:r>
+            <a:r>
+              <a:rPr lang="ja-JP" altLang="en-US"/>
+              <a:t>環境</a:t>
+            </a:r>
+            <a:endParaRPr kumimoji="1" lang="ja-JP" altLang="en-US"/>
+          </a:p>
+        </p:txBody>
+      </p:sp>
+      <p:pic>
+        <p:nvPicPr>
+          <p:cNvPr id="5" name="コンテンツ プレースホルダー 4"/>
+          <p:cNvPicPr>
+            <a:picLocks noGrp="1" noChangeAspect="1"/>
+          </p:cNvPicPr>
+          <p:nvPr>
+            <p:ph idx="4294967295"/>
+          </p:nvPr>
+        </p:nvPicPr>
+        <p:blipFill>
+          <a:blip r:embed="rId3">
+            <a:extLst>
+              <a:ext uri="{28A0092B-C50C-407E-A947-70E740481C1C}">
+                <a14:useLocalDpi xmlns:a14="http://schemas.microsoft.com/office/drawing/2010/main" val="0"/>
+              </a:ext>
+            </a:extLst>
+          </a:blip>
+          <a:stretch>
+            <a:fillRect/>
+          </a:stretch>
+        </p:blipFill>
+        <p:spPr>
+          <a:xfrm>
+            <a:off x="2073275" y="3183317"/>
+            <a:ext cx="8085644" cy="2922368"/>
+          </a:xfrm>
+        </p:spPr>
+      </p:pic>
+      <p:pic>
+        <p:nvPicPr>
+          <p:cNvPr id="6" name="コンテンツ プレースホルダー 6"/>
+          <p:cNvPicPr>
+            <a:picLocks noChangeAspect="1"/>
+          </p:cNvPicPr>
+          <p:nvPr/>
+        </p:nvPicPr>
+        <p:blipFill>
+          <a:blip r:embed="rId4">
+            <a:extLst>
+              <a:ext uri="{28A0092B-C50C-407E-A947-70E740481C1C}">
+                <a14:useLocalDpi xmlns:a14="http://schemas.microsoft.com/office/drawing/2010/main" val="0"/>
+              </a:ext>
+            </a:extLst>
+          </a:blip>
+          <a:stretch>
+            <a:fillRect/>
+          </a:stretch>
+        </p:blipFill>
+        <p:spPr>
+          <a:xfrm>
+            <a:off x="867721" y="1289191"/>
+            <a:ext cx="11096512" cy="1540026"/>
+          </a:xfrm>
+          <a:prstGeom prst="rect">
+            <a:avLst/>
+          </a:prstGeom>
+          <a:ln w="19050">
+            <a:solidFill>
+              <a:schemeClr val="tx1"/>
+            </a:solidFill>
+          </a:ln>
+        </p:spPr>
+      </p:pic>
+    </p:spTree>
+    <p:extLst>
+      <p:ext uri="{BB962C8B-B14F-4D97-AF65-F5344CB8AC3E}">
+        <p14:creationId xmlns:p14="http://schemas.microsoft.com/office/powerpoint/2010/main" val="2224660520"/>
+      </p:ext>
+    </p:extLst>
+  </p:cSld>
+  <p:clrMapOvr>
+    <a:masterClrMapping/>
+  </p:clrMapOvr>
+</p:sld>
+</file>
+
+<file path=ppt/slides/slide15.xml><?xml version="1.0" encoding="utf-8"?>
+<p:sld xmlns:a="http://schemas.openxmlformats.org/drawingml/2006/main" xmlns:r="http://schemas.openxmlformats.org/officeDocument/2006/relationships" xmlns:p="http://schemas.openxmlformats.org/presentationml/2006/main">
+  <p:cSld>
+    <p:spTree>
+      <p:nvGrpSpPr>
+        <p:cNvPr id="1" name=""/>
+        <p:cNvGrpSpPr/>
+        <p:nvPr/>
+      </p:nvGrpSpPr>
+      <p:grpSpPr>
+        <a:xfrm>
+          <a:off x="0" y="0"/>
+          <a:ext cx="0" cy="0"/>
+          <a:chOff x="0" y="0"/>
+          <a:chExt cx="0" cy="0"/>
+        </a:xfrm>
+      </p:grpSpPr>
+      <p:sp>
+        <p:nvSpPr>
+          <p:cNvPr id="4" name="スライド番号プレースホルダー 3"/>
+          <p:cNvSpPr>
+            <a:spLocks noGrp="1"/>
+          </p:cNvSpPr>
+          <p:nvPr>
+            <p:ph type="sldNum" sz="quarter" idx="12"/>
+          </p:nvPr>
+        </p:nvSpPr>
+        <p:spPr/>
+        <p:txBody>
+          <a:bodyPr/>
+          <a:lstStyle/>
+          <a:p>
+            <a:fld id="{3C3988C9-8C6C-49D7-8D82-24DA391FB063}" type="slidenum">
+              <a:rPr lang="ja-JP" altLang="en-US" smtClean="0"/>
+              <a:pPr/>
+              <a:t>14</a:t>
+            </a:fld>
+            <a:endParaRPr lang="ja-JP" altLang="en-US"/>
+          </a:p>
+        </p:txBody>
+      </p:sp>
+      <p:sp>
+        <p:nvSpPr>
+          <p:cNvPr id="2" name="タイトル 1"/>
+          <p:cNvSpPr>
+            <a:spLocks noGrp="1"/>
+          </p:cNvSpPr>
+          <p:nvPr>
+            <p:ph type="title" idx="4294967295"/>
+          </p:nvPr>
+        </p:nvSpPr>
+        <p:spPr>
+          <a:xfrm>
+            <a:off x="1153672" y="194552"/>
+            <a:ext cx="9420293" cy="920109"/>
+          </a:xfrm>
+        </p:spPr>
+        <p:txBody>
+          <a:bodyPr/>
+          <a:lstStyle/>
+          <a:p>
+            <a:r>
+              <a:rPr kumimoji="1" lang="ja-JP" altLang="en-US" smtClean="0"/>
+              <a:t>使用ライブラリ</a:t>
+            </a:r>
+            <a:endParaRPr kumimoji="1" lang="ja-JP" altLang="en-US"/>
+          </a:p>
+        </p:txBody>
+      </p:sp>
+      <p:pic>
+        <p:nvPicPr>
+          <p:cNvPr id="5" name="コンテンツ プレースホルダー 4"/>
+          <p:cNvPicPr>
+            <a:picLocks noGrp="1" noChangeAspect="1"/>
+          </p:cNvPicPr>
+          <p:nvPr>
+            <p:ph idx="4294967295"/>
+          </p:nvPr>
+        </p:nvPicPr>
+        <p:blipFill>
+          <a:blip r:embed="rId3">
+            <a:extLst>
+              <a:ext uri="{28A0092B-C50C-407E-A947-70E740481C1C}">
+                <a14:useLocalDpi xmlns:a14="http://schemas.microsoft.com/office/drawing/2010/main" val="0"/>
+              </a:ext>
+            </a:extLst>
+          </a:blip>
+          <a:stretch>
+            <a:fillRect/>
+          </a:stretch>
+        </p:blipFill>
+        <p:spPr>
+          <a:xfrm>
+            <a:off x="2038888" y="1202210"/>
+            <a:ext cx="7649860" cy="4831691"/>
+          </a:xfrm>
+        </p:spPr>
+      </p:pic>
+    </p:spTree>
+    <p:extLst>
+      <p:ext uri="{BB962C8B-B14F-4D97-AF65-F5344CB8AC3E}">
+        <p14:creationId xmlns:p14="http://schemas.microsoft.com/office/powerpoint/2010/main" val="3215748412"/>
+      </p:ext>
+    </p:extLst>
+  </p:cSld>
+  <p:clrMapOvr>
+    <a:masterClrMapping/>
+  </p:clrMapOvr>
+</p:sld>
+</file>
+
+<file path=ppt/slides/slide16.xml><?xml version="1.0" encoding="utf-8"?>
+<p:sld xmlns:a="http://schemas.openxmlformats.org/drawingml/2006/main" xmlns:r="http://schemas.openxmlformats.org/officeDocument/2006/relationships" xmlns:p="http://schemas.openxmlformats.org/presentationml/2006/main">
+  <p:cSld>
+    <p:spTree>
+      <p:nvGrpSpPr>
+        <p:cNvPr id="1" name=""/>
+        <p:cNvGrpSpPr/>
+        <p:nvPr/>
+      </p:nvGrpSpPr>
+      <p:grpSpPr>
+        <a:xfrm>
+          <a:off x="0" y="0"/>
+          <a:ext cx="0" cy="0"/>
+          <a:chOff x="0" y="0"/>
+          <a:chExt cx="0" cy="0"/>
+        </a:xfrm>
+      </p:grpSpPr>
+      <p:sp>
+        <p:nvSpPr>
           <p:cNvPr id="2" name="タイトル 1"/>
           <p:cNvSpPr>
             <a:spLocks noGrp="1"/>
@@ -14749,15 +16124,1245 @@
             <p:ph type="title"/>
           </p:nvPr>
         </p:nvSpPr>
+        <p:spPr>
+          <a:xfrm>
+            <a:off x="1097280" y="318687"/>
+            <a:ext cx="10058400" cy="1450757"/>
+          </a:xfrm>
+        </p:spPr>
+        <p:txBody>
+          <a:bodyPr/>
+          <a:lstStyle/>
+          <a:p>
+            <a:r>
+              <a:rPr kumimoji="1" lang="ja-JP" altLang="en-US" smtClean="0"/>
+              <a:t>画像送信システムと各種センサ</a:t>
+            </a:r>
+            <a:endParaRPr kumimoji="1" lang="ja-JP" altLang="en-US"/>
+          </a:p>
+        </p:txBody>
+      </p:sp>
+      <p:sp>
+        <p:nvSpPr>
+          <p:cNvPr id="3" name="スライド番号プレースホルダー 2"/>
+          <p:cNvSpPr>
+            <a:spLocks noGrp="1"/>
+          </p:cNvSpPr>
+          <p:nvPr>
+            <p:ph type="sldNum" sz="quarter" idx="12"/>
+          </p:nvPr>
+        </p:nvSpPr>
         <p:spPr/>
         <p:txBody>
           <a:bodyPr/>
           <a:lstStyle/>
           <a:p>
-            <a:r>
+            <a:fld id="{3C3988C9-8C6C-49D7-8D82-24DA391FB063}" type="slidenum">
               <a:rPr kumimoji="1" lang="ja-JP" altLang="en-US" smtClean="0"/>
-              <a:t>エッジ側　単体テスト</a:t>
-            </a:r>
+              <a:t>15</a:t>
+            </a:fld>
+            <a:endParaRPr kumimoji="1" lang="ja-JP" altLang="en-US"/>
+          </a:p>
+        </p:txBody>
+      </p:sp>
+      <p:pic>
+        <p:nvPicPr>
+          <p:cNvPr id="4" name="図 3"/>
+          <p:cNvPicPr>
+            <a:picLocks noChangeAspect="1"/>
+          </p:cNvPicPr>
+          <p:nvPr/>
+        </p:nvPicPr>
+        <p:blipFill>
+          <a:blip r:embed="rId3" cstate="print">
+            <a:extLst>
+              <a:ext uri="{28A0092B-C50C-407E-A947-70E740481C1C}">
+                <a14:useLocalDpi xmlns:a14="http://schemas.microsoft.com/office/drawing/2010/main" val="0"/>
+              </a:ext>
+            </a:extLst>
+          </a:blip>
+          <a:stretch>
+            <a:fillRect/>
+          </a:stretch>
+        </p:blipFill>
+        <p:spPr>
+          <a:xfrm>
+            <a:off x="2644868" y="1769444"/>
+            <a:ext cx="6963224" cy="4543799"/>
+          </a:xfrm>
+          <a:prstGeom prst="rect">
+            <a:avLst/>
+          </a:prstGeom>
+        </p:spPr>
+      </p:pic>
+      <p:sp>
+        <p:nvSpPr>
+          <p:cNvPr id="5" name="テキスト ボックス 4"/>
+          <p:cNvSpPr txBox="1"/>
+          <p:nvPr/>
+        </p:nvSpPr>
+        <p:spPr>
+          <a:xfrm>
+            <a:off x="2586682" y="2930934"/>
+            <a:ext cx="2265693" cy="954107"/>
+          </a:xfrm>
+          <a:prstGeom prst="rect">
+            <a:avLst/>
+          </a:prstGeom>
+          <a:noFill/>
+        </p:spPr>
+        <p:txBody>
+          <a:bodyPr wrap="square" rtlCol="0">
+            <a:spAutoFit/>
+          </a:bodyPr>
+          <a:lstStyle/>
+          <a:p>
+            <a:r>
+              <a:rPr kumimoji="1" lang="ja-JP" altLang="en-US" sz="2800" smtClean="0"/>
+              <a:t>ロードセル（重量センサ）</a:t>
+            </a:r>
+            <a:endParaRPr kumimoji="1" lang="ja-JP" altLang="en-US" sz="2800"/>
+          </a:p>
+        </p:txBody>
+      </p:sp>
+      <p:sp>
+        <p:nvSpPr>
+          <p:cNvPr id="6" name="テキスト ボックス 5"/>
+          <p:cNvSpPr txBox="1"/>
+          <p:nvPr/>
+        </p:nvSpPr>
+        <p:spPr>
+          <a:xfrm>
+            <a:off x="2677429" y="1743039"/>
+            <a:ext cx="2265693" cy="523220"/>
+          </a:xfrm>
+          <a:prstGeom prst="rect">
+            <a:avLst/>
+          </a:prstGeom>
+          <a:noFill/>
+        </p:spPr>
+        <p:txBody>
+          <a:bodyPr wrap="square" rtlCol="0">
+            <a:spAutoFit/>
+          </a:bodyPr>
+          <a:lstStyle/>
+          <a:p>
+            <a:r>
+              <a:rPr kumimoji="1" lang="ja-JP" altLang="en-US" sz="2800" smtClean="0"/>
+              <a:t>超音波センサ</a:t>
+            </a:r>
+            <a:endParaRPr kumimoji="1" lang="en-US" altLang="ja-JP" sz="2800" smtClean="0"/>
+          </a:p>
+        </p:txBody>
+      </p:sp>
+      <p:sp>
+        <p:nvSpPr>
+          <p:cNvPr id="7" name="テキスト ボックス 6"/>
+          <p:cNvSpPr txBox="1"/>
+          <p:nvPr/>
+        </p:nvSpPr>
+        <p:spPr>
+          <a:xfrm>
+            <a:off x="8316099" y="5661778"/>
+            <a:ext cx="2265693" cy="523220"/>
+          </a:xfrm>
+          <a:prstGeom prst="rect">
+            <a:avLst/>
+          </a:prstGeom>
+          <a:noFill/>
+        </p:spPr>
+        <p:txBody>
+          <a:bodyPr wrap="square" rtlCol="0">
+            <a:spAutoFit/>
+          </a:bodyPr>
+          <a:lstStyle/>
+          <a:p>
+            <a:r>
+              <a:rPr kumimoji="1" lang="en-US" altLang="ja-JP" sz="2800" smtClean="0"/>
+              <a:t>Raspberry Pi </a:t>
+            </a:r>
+            <a:endParaRPr kumimoji="1" lang="ja-JP" altLang="en-US" sz="2800"/>
+          </a:p>
+        </p:txBody>
+      </p:sp>
+      <p:sp>
+        <p:nvSpPr>
+          <p:cNvPr id="8" name="テキスト ボックス 7"/>
+          <p:cNvSpPr txBox="1"/>
+          <p:nvPr/>
+        </p:nvSpPr>
+        <p:spPr>
+          <a:xfrm>
+            <a:off x="6849762" y="1672134"/>
+            <a:ext cx="1058562" cy="523220"/>
+          </a:xfrm>
+          <a:prstGeom prst="rect">
+            <a:avLst/>
+          </a:prstGeom>
+          <a:noFill/>
+        </p:spPr>
+        <p:txBody>
+          <a:bodyPr wrap="square" rtlCol="0">
+            <a:spAutoFit/>
+          </a:bodyPr>
+          <a:lstStyle/>
+          <a:p>
+            <a:r>
+              <a:rPr kumimoji="1" lang="en-US" altLang="ja-JP" sz="2800" smtClean="0"/>
+              <a:t>LED</a:t>
+            </a:r>
+            <a:endParaRPr kumimoji="1" lang="ja-JP" altLang="en-US" sz="2800"/>
+          </a:p>
+        </p:txBody>
+      </p:sp>
+    </p:spTree>
+    <p:extLst>
+      <p:ext uri="{BB962C8B-B14F-4D97-AF65-F5344CB8AC3E}">
+        <p14:creationId xmlns:p14="http://schemas.microsoft.com/office/powerpoint/2010/main" val="4140971599"/>
+      </p:ext>
+    </p:extLst>
+  </p:cSld>
+  <p:clrMapOvr>
+    <a:masterClrMapping/>
+  </p:clrMapOvr>
+  <p:timing>
+    <p:tnLst>
+      <p:par>
+        <p:cTn id="1" dur="indefinite" restart="never" nodeType="tmRoot"/>
+      </p:par>
+    </p:tnLst>
+  </p:timing>
+</p:sld>
+</file>
+
+<file path=ppt/slides/slide17.xml><?xml version="1.0" encoding="utf-8"?>
+<p:sld xmlns:a="http://schemas.openxmlformats.org/drawingml/2006/main" xmlns:r="http://schemas.openxmlformats.org/officeDocument/2006/relationships" xmlns:p="http://schemas.openxmlformats.org/presentationml/2006/main">
+  <p:cSld>
+    <p:spTree>
+      <p:nvGrpSpPr>
+        <p:cNvPr id="1" name=""/>
+        <p:cNvGrpSpPr/>
+        <p:nvPr/>
+      </p:nvGrpSpPr>
+      <p:grpSpPr>
+        <a:xfrm>
+          <a:off x="0" y="0"/>
+          <a:ext cx="0" cy="0"/>
+          <a:chOff x="0" y="0"/>
+          <a:chExt cx="0" cy="0"/>
+        </a:xfrm>
+      </p:grpSpPr>
+      <p:sp>
+        <p:nvSpPr>
+          <p:cNvPr id="46" name="テキスト ボックス 45"/>
+          <p:cNvSpPr txBox="1"/>
+          <p:nvPr/>
+        </p:nvSpPr>
+        <p:spPr>
+          <a:xfrm>
+            <a:off x="10017634" y="1902886"/>
+            <a:ext cx="1525411" cy="954107"/>
+          </a:xfrm>
+          <a:prstGeom prst="rect">
+            <a:avLst/>
+          </a:prstGeom>
+          <a:solidFill>
+            <a:schemeClr val="accent5"/>
+          </a:solidFill>
+        </p:spPr>
+        <p:txBody>
+          <a:bodyPr wrap="square" rtlCol="0">
+            <a:spAutoFit/>
+          </a:bodyPr>
+          <a:lstStyle/>
+          <a:p>
+            <a:r>
+              <a:rPr lang="ja-JP" altLang="en-US" sz="2800" smtClean="0">
+                <a:solidFill>
+                  <a:schemeClr val="bg1"/>
+                </a:solidFill>
+              </a:rPr>
+              <a:t>解析</a:t>
+            </a:r>
+            <a:endParaRPr lang="en-US" altLang="ja-JP" sz="2800" smtClean="0">
+              <a:solidFill>
+                <a:schemeClr val="bg1"/>
+              </a:solidFill>
+            </a:endParaRPr>
+          </a:p>
+          <a:p>
+            <a:r>
+              <a:rPr lang="ja-JP" altLang="en-US" sz="2800" smtClean="0">
+                <a:solidFill>
+                  <a:schemeClr val="bg1"/>
+                </a:solidFill>
+              </a:rPr>
+              <a:t>システム</a:t>
+            </a:r>
+            <a:endParaRPr kumimoji="1" lang="ja-JP" altLang="en-US" sz="2800">
+              <a:solidFill>
+                <a:schemeClr val="bg1"/>
+              </a:solidFill>
+            </a:endParaRPr>
+          </a:p>
+        </p:txBody>
+      </p:sp>
+      <p:sp>
+        <p:nvSpPr>
+          <p:cNvPr id="29" name="角丸四角形 28"/>
+          <p:cNvSpPr/>
+          <p:nvPr/>
+        </p:nvSpPr>
+        <p:spPr>
+          <a:xfrm>
+            <a:off x="596768" y="1735868"/>
+            <a:ext cx="8382476" cy="4568679"/>
+          </a:xfrm>
+          <a:prstGeom prst="roundRect">
+            <a:avLst/>
+          </a:prstGeom>
+          <a:noFill/>
+          <a:ln w="127000"/>
+        </p:spPr>
+        <p:style>
+          <a:lnRef idx="2">
+            <a:schemeClr val="accent1">
+              <a:shade val="50000"/>
+            </a:schemeClr>
+          </a:lnRef>
+          <a:fillRef idx="1">
+            <a:schemeClr val="accent1"/>
+          </a:fillRef>
+          <a:effectRef idx="0">
+            <a:schemeClr val="accent1"/>
+          </a:effectRef>
+          <a:fontRef idx="minor">
+            <a:schemeClr val="lt1"/>
+          </a:fontRef>
+        </p:style>
+        <p:txBody>
+          <a:bodyPr rtlCol="0" anchor="ctr"/>
+          <a:lstStyle/>
+          <a:p>
+            <a:pPr algn="ctr"/>
+            <a:endParaRPr kumimoji="1" lang="ja-JP" altLang="en-US" dirty="0"/>
+          </a:p>
+        </p:txBody>
+      </p:sp>
+      <p:sp>
+        <p:nvSpPr>
+          <p:cNvPr id="2" name="タイトル 1"/>
+          <p:cNvSpPr>
+            <a:spLocks noGrp="1"/>
+          </p:cNvSpPr>
+          <p:nvPr>
+            <p:ph type="title"/>
+          </p:nvPr>
+        </p:nvSpPr>
+        <p:spPr/>
+        <p:txBody>
+          <a:bodyPr/>
+          <a:lstStyle/>
+          <a:p>
+            <a:r>
+              <a:rPr lang="ja-JP" altLang="en-US" smtClean="0"/>
+              <a:t>エッジ側入出力と</a:t>
+            </a:r>
+            <a:r>
+              <a:rPr lang="ja-JP" altLang="en-US"/>
+              <a:t>各種センサ</a:t>
+            </a:r>
+            <a:endParaRPr kumimoji="1" lang="ja-JP" altLang="en-US" dirty="0"/>
+          </a:p>
+        </p:txBody>
+      </p:sp>
+      <p:sp>
+        <p:nvSpPr>
+          <p:cNvPr id="23" name="テキスト ボックス 22"/>
+          <p:cNvSpPr txBox="1"/>
+          <p:nvPr/>
+        </p:nvSpPr>
+        <p:spPr>
+          <a:xfrm>
+            <a:off x="133054" y="1856720"/>
+            <a:ext cx="2123996" cy="523220"/>
+          </a:xfrm>
+          <a:prstGeom prst="rect">
+            <a:avLst/>
+          </a:prstGeom>
+          <a:solidFill>
+            <a:srgbClr val="FF0066"/>
+          </a:solidFill>
+        </p:spPr>
+        <p:txBody>
+          <a:bodyPr wrap="square" rtlCol="0">
+            <a:spAutoFit/>
+          </a:bodyPr>
+          <a:lstStyle/>
+          <a:p>
+            <a:r>
+              <a:rPr kumimoji="1" lang="en-US" altLang="ja-JP" sz="2800" dirty="0" smtClean="0">
+                <a:solidFill>
+                  <a:schemeClr val="bg1"/>
+                </a:solidFill>
+              </a:rPr>
+              <a:t>Raspberry pi</a:t>
+            </a:r>
+            <a:endParaRPr kumimoji="1" lang="ja-JP" altLang="en-US" sz="2800" dirty="0">
+              <a:solidFill>
+                <a:schemeClr val="bg1"/>
+              </a:solidFill>
+            </a:endParaRPr>
+          </a:p>
+        </p:txBody>
+      </p:sp>
+      <p:pic>
+        <p:nvPicPr>
+          <p:cNvPr id="1040" name="Picture 16" descr="サーバーのイラスト（1台）"/>
+          <p:cNvPicPr>
+            <a:picLocks noChangeAspect="1" noChangeArrowheads="1"/>
+          </p:cNvPicPr>
+          <p:nvPr/>
+        </p:nvPicPr>
+        <p:blipFill>
+          <a:blip r:embed="rId3">
+            <a:extLst>
+              <a:ext uri="{28A0092B-C50C-407E-A947-70E740481C1C}">
+                <a14:useLocalDpi xmlns:a14="http://schemas.microsoft.com/office/drawing/2010/main" val="0"/>
+              </a:ext>
+            </a:extLst>
+          </a:blip>
+          <a:srcRect/>
+          <a:stretch>
+            <a:fillRect/>
+          </a:stretch>
+        </p:blipFill>
+        <p:spPr bwMode="auto">
+          <a:xfrm>
+            <a:off x="9625695" y="3186624"/>
+            <a:ext cx="2166645" cy="2564077"/>
+          </a:xfrm>
+          <a:prstGeom prst="rect">
+            <a:avLst/>
+          </a:prstGeom>
+          <a:noFill/>
+          <a:extLst>
+            <a:ext uri="{909E8E84-426E-40DD-AFC4-6F175D3DCCD1}">
+              <a14:hiddenFill xmlns:a14="http://schemas.microsoft.com/office/drawing/2010/main">
+                <a:solidFill>
+                  <a:srgbClr val="FFFFFF"/>
+                </a:solidFill>
+              </a14:hiddenFill>
+            </a:ext>
+          </a:extLst>
+        </p:spPr>
+      </p:pic>
+      <p:sp>
+        <p:nvSpPr>
+          <p:cNvPr id="43" name="角丸四角形 42"/>
+          <p:cNvSpPr/>
+          <p:nvPr/>
+        </p:nvSpPr>
+        <p:spPr>
+          <a:xfrm>
+            <a:off x="9259330" y="1735867"/>
+            <a:ext cx="2479087" cy="4568679"/>
+          </a:xfrm>
+          <a:prstGeom prst="roundRect">
+            <a:avLst/>
+          </a:prstGeom>
+          <a:noFill/>
+          <a:ln w="127000">
+            <a:solidFill>
+              <a:schemeClr val="accent5"/>
+            </a:solidFill>
+          </a:ln>
+        </p:spPr>
+        <p:style>
+          <a:lnRef idx="2">
+            <a:schemeClr val="accent1">
+              <a:shade val="50000"/>
+            </a:schemeClr>
+          </a:lnRef>
+          <a:fillRef idx="1">
+            <a:schemeClr val="accent1"/>
+          </a:fillRef>
+          <a:effectRef idx="0">
+            <a:schemeClr val="accent1"/>
+          </a:effectRef>
+          <a:fontRef idx="minor">
+            <a:schemeClr val="lt1"/>
+          </a:fontRef>
+        </p:style>
+        <p:txBody>
+          <a:bodyPr rtlCol="0" anchor="ctr"/>
+          <a:lstStyle/>
+          <a:p>
+            <a:pPr algn="ctr"/>
+            <a:endParaRPr kumimoji="1" lang="ja-JP" altLang="en-US"/>
+          </a:p>
+        </p:txBody>
+      </p:sp>
+      <p:graphicFrame>
+        <p:nvGraphicFramePr>
+          <p:cNvPr id="4" name="図表 3"/>
+          <p:cNvGraphicFramePr/>
+          <p:nvPr>
+            <p:extLst>
+              <p:ext uri="{D42A27DB-BD31-4B8C-83A1-F6EECF244321}">
+                <p14:modId xmlns:p14="http://schemas.microsoft.com/office/powerpoint/2010/main" val="3595158295"/>
+              </p:ext>
+            </p:extLst>
+          </p:nvPr>
+        </p:nvGraphicFramePr>
+        <p:xfrm>
+          <a:off x="1123030" y="2654187"/>
+          <a:ext cx="2888797" cy="3187502"/>
+        </p:xfrm>
+        <a:graphic>
+          <a:graphicData uri="http://schemas.openxmlformats.org/drawingml/2006/diagram">
+            <dgm:relIds xmlns:dgm="http://schemas.openxmlformats.org/drawingml/2006/diagram" xmlns:r="http://schemas.openxmlformats.org/officeDocument/2006/relationships" r:dm="rId4" r:lo="rId5" r:qs="rId6" r:cs="rId7"/>
+          </a:graphicData>
+        </a:graphic>
+      </p:graphicFrame>
+      <p:sp>
+        <p:nvSpPr>
+          <p:cNvPr id="33" name="スライド番号プレースホルダー 32"/>
+          <p:cNvSpPr>
+            <a:spLocks noGrp="1"/>
+          </p:cNvSpPr>
+          <p:nvPr>
+            <p:ph type="sldNum" sz="quarter" idx="12"/>
+          </p:nvPr>
+        </p:nvSpPr>
+        <p:spPr/>
+        <p:txBody>
+          <a:bodyPr/>
+          <a:lstStyle/>
+          <a:p>
+            <a:fld id="{3C3988C9-8C6C-49D7-8D82-24DA391FB063}" type="slidenum">
+              <a:rPr lang="ja-JP" altLang="en-US" smtClean="0"/>
+              <a:pPr/>
+              <a:t>16</a:t>
+            </a:fld>
+            <a:endParaRPr lang="ja-JP" altLang="en-US"/>
+          </a:p>
+        </p:txBody>
+      </p:sp>
+      <p:graphicFrame>
+        <p:nvGraphicFramePr>
+          <p:cNvPr id="26" name="図表 25"/>
+          <p:cNvGraphicFramePr/>
+          <p:nvPr>
+            <p:extLst>
+              <p:ext uri="{D42A27DB-BD31-4B8C-83A1-F6EECF244321}">
+                <p14:modId xmlns:p14="http://schemas.microsoft.com/office/powerpoint/2010/main" val="3552656640"/>
+              </p:ext>
+            </p:extLst>
+          </p:nvPr>
+        </p:nvGraphicFramePr>
+        <p:xfrm>
+          <a:off x="5632505" y="2654187"/>
+          <a:ext cx="2920983" cy="3187502"/>
+        </p:xfrm>
+        <a:graphic>
+          <a:graphicData uri="http://schemas.openxmlformats.org/drawingml/2006/diagram">
+            <dgm:relIds xmlns:dgm="http://schemas.openxmlformats.org/drawingml/2006/diagram" xmlns:r="http://schemas.openxmlformats.org/officeDocument/2006/relationships" r:dm="rId9" r:lo="rId10" r:qs="rId11" r:cs="rId12"/>
+          </a:graphicData>
+        </a:graphic>
+      </p:graphicFrame>
+      <p:cxnSp>
+        <p:nvCxnSpPr>
+          <p:cNvPr id="10" name="直線矢印コネクタ 9"/>
+          <p:cNvCxnSpPr/>
+          <p:nvPr/>
+        </p:nvCxnSpPr>
+        <p:spPr>
+          <a:xfrm>
+            <a:off x="3682314" y="4366054"/>
+            <a:ext cx="2065343" cy="82378"/>
+          </a:xfrm>
+          <a:prstGeom prst="straightConnector1">
+            <a:avLst/>
+          </a:prstGeom>
+          <a:ln w="63500">
+            <a:tailEnd type="triangle"/>
+          </a:ln>
+        </p:spPr>
+        <p:style>
+          <a:lnRef idx="1">
+            <a:schemeClr val="accent1"/>
+          </a:lnRef>
+          <a:fillRef idx="0">
+            <a:schemeClr val="accent1"/>
+          </a:fillRef>
+          <a:effectRef idx="0">
+            <a:schemeClr val="accent1"/>
+          </a:effectRef>
+          <a:fontRef idx="minor">
+            <a:schemeClr val="tx1"/>
+          </a:fontRef>
+        </p:style>
+      </p:cxnSp>
+      <p:cxnSp>
+        <p:nvCxnSpPr>
+          <p:cNvPr id="32" name="直線矢印コネクタ 31"/>
+          <p:cNvCxnSpPr/>
+          <p:nvPr/>
+        </p:nvCxnSpPr>
+        <p:spPr>
+          <a:xfrm flipV="1">
+            <a:off x="3682314" y="3904735"/>
+            <a:ext cx="2065343" cy="1079157"/>
+          </a:xfrm>
+          <a:prstGeom prst="straightConnector1">
+            <a:avLst/>
+          </a:prstGeom>
+          <a:ln w="63500">
+            <a:tailEnd type="triangle"/>
+          </a:ln>
+        </p:spPr>
+        <p:style>
+          <a:lnRef idx="1">
+            <a:schemeClr val="accent1"/>
+          </a:lnRef>
+          <a:fillRef idx="0">
+            <a:schemeClr val="accent1"/>
+          </a:fillRef>
+          <a:effectRef idx="0">
+            <a:schemeClr val="accent1"/>
+          </a:effectRef>
+          <a:fontRef idx="minor">
+            <a:schemeClr val="tx1"/>
+          </a:fontRef>
+        </p:style>
+      </p:cxnSp>
+      <p:cxnSp>
+        <p:nvCxnSpPr>
+          <p:cNvPr id="24" name="直線矢印コネクタ 23"/>
+          <p:cNvCxnSpPr/>
+          <p:nvPr/>
+        </p:nvCxnSpPr>
+        <p:spPr>
+          <a:xfrm>
+            <a:off x="8456687" y="4109398"/>
+            <a:ext cx="1407037" cy="25997"/>
+          </a:xfrm>
+          <a:prstGeom prst="straightConnector1">
+            <a:avLst/>
+          </a:prstGeom>
+          <a:ln w="63500">
+            <a:tailEnd type="triangle"/>
+          </a:ln>
+        </p:spPr>
+        <p:style>
+          <a:lnRef idx="1">
+            <a:schemeClr val="accent1"/>
+          </a:lnRef>
+          <a:fillRef idx="0">
+            <a:schemeClr val="accent1"/>
+          </a:fillRef>
+          <a:effectRef idx="0">
+            <a:schemeClr val="accent1"/>
+          </a:effectRef>
+          <a:fontRef idx="minor">
+            <a:schemeClr val="tx1"/>
+          </a:fontRef>
+        </p:style>
+      </p:cxnSp>
+      <p:cxnSp>
+        <p:nvCxnSpPr>
+          <p:cNvPr id="34" name="直線矢印コネクタ 33"/>
+          <p:cNvCxnSpPr/>
+          <p:nvPr/>
+        </p:nvCxnSpPr>
+        <p:spPr>
+          <a:xfrm>
+            <a:off x="8456686" y="4739593"/>
+            <a:ext cx="1407037" cy="25997"/>
+          </a:xfrm>
+          <a:prstGeom prst="straightConnector1">
+            <a:avLst/>
+          </a:prstGeom>
+          <a:ln w="63500">
+            <a:tailEnd type="triangle"/>
+          </a:ln>
+        </p:spPr>
+        <p:style>
+          <a:lnRef idx="1">
+            <a:schemeClr val="accent1"/>
+          </a:lnRef>
+          <a:fillRef idx="0">
+            <a:schemeClr val="accent1"/>
+          </a:fillRef>
+          <a:effectRef idx="0">
+            <a:schemeClr val="accent1"/>
+          </a:effectRef>
+          <a:fontRef idx="minor">
+            <a:schemeClr val="tx1"/>
+          </a:fontRef>
+        </p:style>
+      </p:cxnSp>
+    </p:spTree>
+    <p:extLst>
+      <p:ext uri="{BB962C8B-B14F-4D97-AF65-F5344CB8AC3E}">
+        <p14:creationId xmlns:p14="http://schemas.microsoft.com/office/powerpoint/2010/main" val="1399121754"/>
+      </p:ext>
+    </p:extLst>
+  </p:cSld>
+  <p:clrMapOvr>
+    <a:masterClrMapping/>
+  </p:clrMapOvr>
+  <p:timing>
+    <p:tnLst>
+      <p:par>
+        <p:cTn id="1" dur="indefinite" restart="never" nodeType="tmRoot"/>
+      </p:par>
+    </p:tnLst>
+  </p:timing>
+</p:sld>
+</file>
+
+<file path=ppt/slides/slide18.xml><?xml version="1.0" encoding="utf-8"?>
+<p:sld xmlns:a="http://schemas.openxmlformats.org/drawingml/2006/main" xmlns:r="http://schemas.openxmlformats.org/officeDocument/2006/relationships" xmlns:p="http://schemas.openxmlformats.org/presentationml/2006/main">
+  <p:cSld>
+    <p:spTree>
+      <p:nvGrpSpPr>
+        <p:cNvPr id="1" name=""/>
+        <p:cNvGrpSpPr/>
+        <p:nvPr/>
+      </p:nvGrpSpPr>
+      <p:grpSpPr>
+        <a:xfrm>
+          <a:off x="0" y="0"/>
+          <a:ext cx="0" cy="0"/>
+          <a:chOff x="0" y="0"/>
+          <a:chExt cx="0" cy="0"/>
+        </a:xfrm>
+      </p:grpSpPr>
+      <p:sp>
+        <p:nvSpPr>
+          <p:cNvPr id="12" name="スライド番号プレースホルダー 11"/>
+          <p:cNvSpPr>
+            <a:spLocks noGrp="1"/>
+          </p:cNvSpPr>
+          <p:nvPr>
+            <p:ph type="sldNum" sz="quarter" idx="12"/>
+          </p:nvPr>
+        </p:nvSpPr>
+        <p:spPr/>
+        <p:txBody>
+          <a:bodyPr/>
+          <a:lstStyle/>
+          <a:p>
+            <a:fld id="{3C3988C9-8C6C-49D7-8D82-24DA391FB063}" type="slidenum">
+              <a:rPr kumimoji="1" lang="ja-JP" altLang="en-US" smtClean="0"/>
+              <a:t>17</a:t>
+            </a:fld>
+            <a:endParaRPr kumimoji="1" lang="ja-JP" altLang="en-US" dirty="0"/>
+          </a:p>
+        </p:txBody>
+      </p:sp>
+      <p:sp>
+        <p:nvSpPr>
+          <p:cNvPr id="3" name="タイトル 2"/>
+          <p:cNvSpPr>
+            <a:spLocks noGrp="1"/>
+          </p:cNvSpPr>
+          <p:nvPr>
+            <p:ph type="title" idx="4294967295"/>
+          </p:nvPr>
+        </p:nvSpPr>
+        <p:spPr>
+          <a:xfrm>
+            <a:off x="2035629" y="245145"/>
+            <a:ext cx="10058400" cy="904875"/>
+          </a:xfrm>
+        </p:spPr>
+        <p:txBody>
+          <a:bodyPr/>
+          <a:lstStyle/>
+          <a:p>
+            <a:r>
+              <a:rPr kumimoji="1" lang="ja-JP" altLang="en-US" dirty="0"/>
+              <a:t>解析システムの実装方法</a:t>
+            </a:r>
+          </a:p>
+        </p:txBody>
+      </p:sp>
+      <p:sp>
+        <p:nvSpPr>
+          <p:cNvPr id="2" name="テキスト ボックス 1"/>
+          <p:cNvSpPr txBox="1"/>
+          <p:nvPr/>
+        </p:nvSpPr>
+        <p:spPr>
+          <a:xfrm>
+            <a:off x="1593022" y="1290989"/>
+            <a:ext cx="885213" cy="461665"/>
+          </a:xfrm>
+          <a:prstGeom prst="rect">
+            <a:avLst/>
+          </a:prstGeom>
+          <a:ln>
+            <a:noFill/>
+          </a:ln>
+          <a:effectLst/>
+        </p:spPr>
+        <p:style>
+          <a:lnRef idx="1">
+            <a:schemeClr val="accent3"/>
+          </a:lnRef>
+          <a:fillRef idx="3">
+            <a:schemeClr val="accent3"/>
+          </a:fillRef>
+          <a:effectRef idx="2">
+            <a:schemeClr val="accent3"/>
+          </a:effectRef>
+          <a:fontRef idx="minor">
+            <a:schemeClr val="lt1"/>
+          </a:fontRef>
+        </p:style>
+        <p:txBody>
+          <a:bodyPr wrap="square" rtlCol="0">
+            <a:spAutoFit/>
+          </a:bodyPr>
+          <a:lstStyle/>
+          <a:p>
+            <a:r>
+              <a:rPr kumimoji="1" lang="ja-JP" altLang="en-US" sz="2400" dirty="0"/>
+              <a:t>入力</a:t>
+            </a:r>
+          </a:p>
+        </p:txBody>
+      </p:sp>
+      <p:sp>
+        <p:nvSpPr>
+          <p:cNvPr id="5" name="テキスト ボックス 4"/>
+          <p:cNvSpPr txBox="1"/>
+          <p:nvPr/>
+        </p:nvSpPr>
+        <p:spPr>
+          <a:xfrm>
+            <a:off x="9480293" y="1261984"/>
+            <a:ext cx="840328" cy="461665"/>
+          </a:xfrm>
+          <a:prstGeom prst="rect">
+            <a:avLst/>
+          </a:prstGeom>
+          <a:ln>
+            <a:noFill/>
+          </a:ln>
+        </p:spPr>
+        <p:style>
+          <a:lnRef idx="2">
+            <a:schemeClr val="accent2">
+              <a:shade val="50000"/>
+            </a:schemeClr>
+          </a:lnRef>
+          <a:fillRef idx="1">
+            <a:schemeClr val="accent2"/>
+          </a:fillRef>
+          <a:effectRef idx="0">
+            <a:schemeClr val="accent2"/>
+          </a:effectRef>
+          <a:fontRef idx="minor">
+            <a:schemeClr val="lt1"/>
+          </a:fontRef>
+        </p:style>
+        <p:txBody>
+          <a:bodyPr wrap="square" rtlCol="0">
+            <a:spAutoFit/>
+          </a:bodyPr>
+          <a:lstStyle/>
+          <a:p>
+            <a:r>
+              <a:rPr lang="ja-JP" altLang="en-US" sz="2400" dirty="0"/>
+              <a:t>出力</a:t>
+            </a:r>
+            <a:endParaRPr kumimoji="1" lang="ja-JP" altLang="en-US" sz="2400" dirty="0"/>
+          </a:p>
+        </p:txBody>
+      </p:sp>
+      <p:sp>
+        <p:nvSpPr>
+          <p:cNvPr id="6" name="テキスト ボックス 5"/>
+          <p:cNvSpPr txBox="1"/>
+          <p:nvPr/>
+        </p:nvSpPr>
+        <p:spPr>
+          <a:xfrm>
+            <a:off x="4955413" y="1261984"/>
+            <a:ext cx="1723409" cy="461665"/>
+          </a:xfrm>
+          <a:prstGeom prst="rect">
+            <a:avLst/>
+          </a:prstGeom>
+          <a:ln>
+            <a:noFill/>
+          </a:ln>
+        </p:spPr>
+        <p:style>
+          <a:lnRef idx="2">
+            <a:schemeClr val="accent1">
+              <a:shade val="50000"/>
+            </a:schemeClr>
+          </a:lnRef>
+          <a:fillRef idx="1">
+            <a:schemeClr val="accent1"/>
+          </a:fillRef>
+          <a:effectRef idx="0">
+            <a:schemeClr val="accent1"/>
+          </a:effectRef>
+          <a:fontRef idx="minor">
+            <a:schemeClr val="lt1"/>
+          </a:fontRef>
+        </p:style>
+        <p:txBody>
+          <a:bodyPr wrap="square" rtlCol="0">
+            <a:spAutoFit/>
+          </a:bodyPr>
+          <a:lstStyle/>
+          <a:p>
+            <a:r>
+              <a:rPr lang="ja-JP" altLang="en-US" sz="2400" dirty="0"/>
+              <a:t>サーバ処理</a:t>
+            </a:r>
+            <a:endParaRPr kumimoji="1" lang="ja-JP" altLang="en-US" sz="2400" dirty="0"/>
+          </a:p>
+        </p:txBody>
+      </p:sp>
+      <p:sp>
+        <p:nvSpPr>
+          <p:cNvPr id="7" name="テキスト ボックス 6"/>
+          <p:cNvSpPr txBox="1"/>
+          <p:nvPr/>
+        </p:nvSpPr>
+        <p:spPr>
+          <a:xfrm>
+            <a:off x="370115" y="2020843"/>
+            <a:ext cx="3331028" cy="1200329"/>
+          </a:xfrm>
+          <a:prstGeom prst="rect">
+            <a:avLst/>
+          </a:prstGeom>
+          <a:solidFill>
+            <a:schemeClr val="bg1">
+              <a:lumMod val="95000"/>
+            </a:schemeClr>
+          </a:solidFill>
+          <a:ln>
+            <a:noFill/>
+          </a:ln>
+        </p:spPr>
+        <p:style>
+          <a:lnRef idx="0">
+            <a:scrgbClr r="0" g="0" b="0"/>
+          </a:lnRef>
+          <a:fillRef idx="0">
+            <a:scrgbClr r="0" g="0" b="0"/>
+          </a:fillRef>
+          <a:effectRef idx="0">
+            <a:scrgbClr r="0" g="0" b="0"/>
+          </a:effectRef>
+          <a:fontRef idx="minor">
+            <a:schemeClr val="dk1"/>
+          </a:fontRef>
+        </p:style>
+        <p:txBody>
+          <a:bodyPr wrap="square" rtlCol="0">
+            <a:spAutoFit/>
+          </a:bodyPr>
+          <a:lstStyle/>
+          <a:p>
+            <a:r>
+              <a:rPr kumimoji="1" lang="ja-JP" altLang="en-US" sz="2400" dirty="0"/>
+              <a:t>ラズベリーパイから送信された画像データと</a:t>
+            </a:r>
+            <a:endParaRPr kumimoji="1" lang="en-US" altLang="ja-JP" sz="2400" dirty="0"/>
+          </a:p>
+          <a:p>
+            <a:r>
+              <a:rPr kumimoji="1" lang="ja-JP" altLang="en-US" sz="2400" dirty="0"/>
+              <a:t>フラグ</a:t>
+            </a:r>
+            <a:r>
+              <a:rPr kumimoji="1" lang="en-US" altLang="ja-JP" sz="2400" dirty="0"/>
+              <a:t>(</a:t>
+            </a:r>
+            <a:r>
+              <a:rPr kumimoji="1" lang="ja-JP" altLang="en-US" sz="2400" dirty="0"/>
+              <a:t>追加</a:t>
+            </a:r>
+            <a:r>
+              <a:rPr kumimoji="1" lang="en-US" altLang="ja-JP" sz="2400" dirty="0"/>
+              <a:t>or</a:t>
+            </a:r>
+            <a:r>
+              <a:rPr kumimoji="1" lang="ja-JP" altLang="en-US" sz="2400" dirty="0"/>
+              <a:t>削除</a:t>
+            </a:r>
+            <a:r>
+              <a:rPr kumimoji="1" lang="en-US" altLang="ja-JP" sz="2400" dirty="0"/>
+              <a:t>)</a:t>
+            </a:r>
+            <a:endParaRPr kumimoji="1" lang="ja-JP" altLang="en-US" sz="2400" dirty="0"/>
+          </a:p>
+        </p:txBody>
+      </p:sp>
+      <p:sp>
+        <p:nvSpPr>
+          <p:cNvPr id="8" name="テキスト ボックス 7"/>
+          <p:cNvSpPr txBox="1"/>
+          <p:nvPr/>
+        </p:nvSpPr>
+        <p:spPr>
+          <a:xfrm>
+            <a:off x="4143579" y="2023148"/>
+            <a:ext cx="4049486" cy="4431983"/>
+          </a:xfrm>
+          <a:prstGeom prst="rect">
+            <a:avLst/>
+          </a:prstGeom>
+          <a:solidFill>
+            <a:schemeClr val="bg1">
+              <a:lumMod val="95000"/>
+            </a:schemeClr>
+          </a:solidFill>
+          <a:ln>
+            <a:noFill/>
+          </a:ln>
+        </p:spPr>
+        <p:style>
+          <a:lnRef idx="0">
+            <a:scrgbClr r="0" g="0" b="0"/>
+          </a:lnRef>
+          <a:fillRef idx="0">
+            <a:scrgbClr r="0" g="0" b="0"/>
+          </a:fillRef>
+          <a:effectRef idx="0">
+            <a:scrgbClr r="0" g="0" b="0"/>
+          </a:effectRef>
+          <a:fontRef idx="minor">
+            <a:schemeClr val="dk1"/>
+          </a:fontRef>
+        </p:style>
+        <p:txBody>
+          <a:bodyPr wrap="square" rtlCol="0">
+            <a:spAutoFit/>
+          </a:bodyPr>
+          <a:lstStyle/>
+          <a:p>
+            <a:r>
+              <a:rPr kumimoji="1" lang="ja-JP" altLang="en-US" sz="2400" dirty="0"/>
+              <a:t>・</a:t>
+            </a:r>
+            <a:r>
+              <a:rPr kumimoji="1" lang="en-US" altLang="ja-JP" sz="2400" dirty="0"/>
+              <a:t>Yolo</a:t>
+            </a:r>
+            <a:endParaRPr lang="en-US" altLang="ja-JP" sz="2400" dirty="0"/>
+          </a:p>
+          <a:p>
+            <a:r>
+              <a:rPr kumimoji="1" lang="ja-JP" altLang="en-US" sz="2400" dirty="0"/>
+              <a:t>画像からバーコードが写っている座標の取得</a:t>
+            </a:r>
+            <a:r>
+              <a:rPr kumimoji="1" lang="en-US" altLang="ja-JP" sz="2400" dirty="0"/>
+              <a:t>(</a:t>
+            </a:r>
+            <a:r>
+              <a:rPr kumimoji="1" lang="en-US" altLang="ja-JP" sz="2400" dirty="0" err="1"/>
+              <a:t>x,y,h,w</a:t>
+            </a:r>
+            <a:r>
+              <a:rPr kumimoji="1" lang="en-US" altLang="ja-JP" sz="2400" dirty="0"/>
+              <a:t>)</a:t>
+            </a:r>
+          </a:p>
+          <a:p>
+            <a:endParaRPr lang="en-US" altLang="ja-JP" sz="2400" dirty="0"/>
+          </a:p>
+          <a:p>
+            <a:r>
+              <a:rPr kumimoji="1" lang="ja-JP" altLang="en-US" sz="2400" dirty="0"/>
+              <a:t>・画像処理</a:t>
+            </a:r>
+            <a:endParaRPr lang="en-US" altLang="ja-JP" sz="2400" dirty="0"/>
+          </a:p>
+          <a:p>
+            <a:r>
+              <a:rPr kumimoji="1" lang="ja-JP" altLang="en-US" sz="2400" dirty="0"/>
+              <a:t>画像の切り取り、グレイスケール化</a:t>
+            </a:r>
+            <a:endParaRPr kumimoji="1" lang="en-US" altLang="ja-JP" sz="2400" dirty="0"/>
+          </a:p>
+          <a:p>
+            <a:endParaRPr lang="en-US" altLang="ja-JP" sz="2400" dirty="0"/>
+          </a:p>
+          <a:p>
+            <a:r>
+              <a:rPr kumimoji="1" lang="ja-JP" altLang="en-US" sz="2400" dirty="0"/>
+              <a:t>・</a:t>
+            </a:r>
+            <a:r>
+              <a:rPr lang="en-US" altLang="ja-JP" sz="2400" dirty="0" err="1"/>
+              <a:t>p</a:t>
+            </a:r>
+            <a:r>
+              <a:rPr kumimoji="1" lang="en-US" altLang="ja-JP" sz="2400" dirty="0" err="1"/>
+              <a:t>yzbar</a:t>
+            </a:r>
+            <a:r>
+              <a:rPr kumimoji="1" lang="ja-JP" altLang="en-US" sz="2400" dirty="0"/>
+              <a:t>グレイスケール化したバーコード画像を投げ、番号を取得</a:t>
+            </a:r>
+            <a:endParaRPr kumimoji="1" lang="en-US" altLang="ja-JP" sz="2400" dirty="0"/>
+          </a:p>
+          <a:p>
+            <a:endParaRPr kumimoji="1" lang="ja-JP" altLang="en-US" dirty="0"/>
+          </a:p>
+        </p:txBody>
+      </p:sp>
+      <p:sp>
+        <p:nvSpPr>
+          <p:cNvPr id="9" name="テキスト ボックス 8"/>
+          <p:cNvSpPr txBox="1"/>
+          <p:nvPr/>
+        </p:nvSpPr>
+        <p:spPr>
+          <a:xfrm>
+            <a:off x="8744055" y="2020843"/>
+            <a:ext cx="2312805" cy="830997"/>
+          </a:xfrm>
+          <a:prstGeom prst="rect">
+            <a:avLst/>
+          </a:prstGeom>
+          <a:solidFill>
+            <a:schemeClr val="bg1">
+              <a:lumMod val="95000"/>
+            </a:schemeClr>
+          </a:solidFill>
+          <a:ln>
+            <a:noFill/>
+          </a:ln>
+        </p:spPr>
+        <p:style>
+          <a:lnRef idx="0">
+            <a:scrgbClr r="0" g="0" b="0"/>
+          </a:lnRef>
+          <a:fillRef idx="0">
+            <a:scrgbClr r="0" g="0" b="0"/>
+          </a:fillRef>
+          <a:effectRef idx="0">
+            <a:scrgbClr r="0" g="0" b="0"/>
+          </a:effectRef>
+          <a:fontRef idx="minor">
+            <a:schemeClr val="dk1"/>
+          </a:fontRef>
+        </p:style>
+        <p:txBody>
+          <a:bodyPr wrap="square" rtlCol="0">
+            <a:spAutoFit/>
+          </a:bodyPr>
+          <a:lstStyle/>
+          <a:p>
+            <a:r>
+              <a:rPr kumimoji="1" lang="ja-JP" altLang="en-US" sz="2400"/>
+              <a:t>バーコード</a:t>
+            </a:r>
+            <a:r>
+              <a:rPr kumimoji="1" lang="ja-JP" altLang="en-US" sz="2400" smtClean="0"/>
+              <a:t>番号</a:t>
+            </a:r>
+            <a:endParaRPr kumimoji="1" lang="en-US" altLang="ja-JP" sz="2400" smtClean="0"/>
+          </a:p>
+          <a:p>
+            <a:r>
+              <a:rPr lang="ja-JP" altLang="en-US" sz="2400"/>
+              <a:t>解析</a:t>
+            </a:r>
+            <a:r>
+              <a:rPr lang="ja-JP" altLang="en-US" sz="2400" smtClean="0"/>
+              <a:t>の</a:t>
+            </a:r>
+            <a:r>
+              <a:rPr lang="ja-JP" altLang="en-US" sz="2400"/>
+              <a:t>成否</a:t>
+            </a:r>
+            <a:endParaRPr kumimoji="1" lang="ja-JP" altLang="en-US" sz="2400" dirty="0"/>
+          </a:p>
+        </p:txBody>
+      </p:sp>
+    </p:spTree>
+    <p:extLst>
+      <p:ext uri="{BB962C8B-B14F-4D97-AF65-F5344CB8AC3E}">
+        <p14:creationId xmlns:p14="http://schemas.microsoft.com/office/powerpoint/2010/main" val="2393621110"/>
+      </p:ext>
+    </p:extLst>
+  </p:cSld>
+  <p:clrMapOvr>
+    <a:masterClrMapping/>
+  </p:clrMapOvr>
+</p:sld>
+</file>
+
+<file path=ppt/slides/slide19.xml><?xml version="1.0" encoding="utf-8"?>
+<p:sld xmlns:a="http://schemas.openxmlformats.org/drawingml/2006/main" xmlns:r="http://schemas.openxmlformats.org/officeDocument/2006/relationships" xmlns:p="http://schemas.openxmlformats.org/presentationml/2006/main">
+  <p:cSld>
+    <p:spTree>
+      <p:nvGrpSpPr>
+        <p:cNvPr id="1" name=""/>
+        <p:cNvGrpSpPr/>
+        <p:nvPr/>
+      </p:nvGrpSpPr>
+      <p:grpSpPr>
+        <a:xfrm>
+          <a:off x="0" y="0"/>
+          <a:ext cx="0" cy="0"/>
+          <a:chOff x="0" y="0"/>
+          <a:chExt cx="0" cy="0"/>
+        </a:xfrm>
+      </p:grpSpPr>
+      <p:sp>
+        <p:nvSpPr>
+          <p:cNvPr id="2" name="タイトル 1"/>
+          <p:cNvSpPr>
+            <a:spLocks noGrp="1"/>
+          </p:cNvSpPr>
+          <p:nvPr>
+            <p:ph type="ctrTitle"/>
+          </p:nvPr>
+        </p:nvSpPr>
+        <p:spPr/>
+        <p:txBody>
+          <a:bodyPr/>
+          <a:lstStyle/>
+          <a:p>
+            <a:r>
+              <a:rPr lang="ja-JP" altLang="en-US" smtClean="0"/>
+              <a:t>単体テスト</a:t>
+            </a:r>
+            <a:endParaRPr kumimoji="1" lang="ja-JP" altLang="en-US"/>
+          </a:p>
+        </p:txBody>
+      </p:sp>
+      <p:sp>
+        <p:nvSpPr>
+          <p:cNvPr id="5" name="サブタイトル 4"/>
+          <p:cNvSpPr>
+            <a:spLocks noGrp="1"/>
+          </p:cNvSpPr>
+          <p:nvPr>
+            <p:ph type="subTitle" idx="1"/>
+          </p:nvPr>
+        </p:nvSpPr>
+        <p:spPr/>
+        <p:txBody>
+          <a:bodyPr/>
+          <a:lstStyle/>
+          <a:p>
             <a:endParaRPr kumimoji="1" lang="ja-JP" altLang="en-US"/>
           </a:p>
         </p:txBody>
@@ -14780,7 +17385,278 @@
             <a:fld id="{3C3988C9-8C6C-49D7-8D82-24DA391FB063}" type="slidenum">
               <a:rPr lang="ja-JP" altLang="en-US" smtClean="0"/>
               <a:pPr/>
-              <a:t>13</a:t>
+              <a:t>18</a:t>
+            </a:fld>
+            <a:endParaRPr lang="ja-JP" altLang="en-US"/>
+          </a:p>
+        </p:txBody>
+      </p:sp>
+    </p:spTree>
+    <p:extLst>
+      <p:ext uri="{BB962C8B-B14F-4D97-AF65-F5344CB8AC3E}">
+        <p14:creationId xmlns:p14="http://schemas.microsoft.com/office/powerpoint/2010/main" val="1298879523"/>
+      </p:ext>
+    </p:extLst>
+  </p:cSld>
+  <p:clrMapOvr>
+    <a:masterClrMapping/>
+  </p:clrMapOvr>
+</p:sld>
+</file>
+
+<file path=ppt/slides/slide2.xml><?xml version="1.0" encoding="utf-8"?>
+<p:sld xmlns:a="http://schemas.openxmlformats.org/drawingml/2006/main" xmlns:r="http://schemas.openxmlformats.org/officeDocument/2006/relationships" xmlns:p="http://schemas.openxmlformats.org/presentationml/2006/main">
+  <p:cSld>
+    <p:spTree>
+      <p:nvGrpSpPr>
+        <p:cNvPr id="1" name=""/>
+        <p:cNvGrpSpPr/>
+        <p:nvPr/>
+      </p:nvGrpSpPr>
+      <p:grpSpPr>
+        <a:xfrm>
+          <a:off x="0" y="0"/>
+          <a:ext cx="0" cy="0"/>
+          <a:chOff x="0" y="0"/>
+          <a:chExt cx="0" cy="0"/>
+        </a:xfrm>
+      </p:grpSpPr>
+      <p:sp>
+        <p:nvSpPr>
+          <p:cNvPr id="2" name="タイトル 1"/>
+          <p:cNvSpPr>
+            <a:spLocks noGrp="1"/>
+          </p:cNvSpPr>
+          <p:nvPr>
+            <p:ph type="title"/>
+          </p:nvPr>
+        </p:nvSpPr>
+        <p:spPr/>
+        <p:txBody>
+          <a:bodyPr/>
+          <a:lstStyle/>
+          <a:p>
+            <a:r>
+              <a:rPr kumimoji="1" lang="ja-JP" altLang="en-US" dirty="0" smtClean="0"/>
+              <a:t>目次</a:t>
+            </a:r>
+            <a:endParaRPr kumimoji="1" lang="ja-JP" altLang="en-US" dirty="0"/>
+          </a:p>
+        </p:txBody>
+      </p:sp>
+      <p:sp>
+        <p:nvSpPr>
+          <p:cNvPr id="3" name="コンテンツ プレースホルダー 2"/>
+          <p:cNvSpPr>
+            <a:spLocks noGrp="1"/>
+          </p:cNvSpPr>
+          <p:nvPr>
+            <p:ph idx="1"/>
+          </p:nvPr>
+        </p:nvSpPr>
+        <p:spPr/>
+        <p:txBody>
+          <a:bodyPr>
+            <a:normAutofit fontScale="92500" lnSpcReduction="20000"/>
+          </a:bodyPr>
+          <a:lstStyle/>
+          <a:p>
+            <a:pPr>
+              <a:buFont typeface="Wingdings" panose="05000000000000000000" pitchFamily="2" charset="2"/>
+              <a:buChar char="l"/>
+            </a:pPr>
+            <a:r>
+              <a:rPr kumimoji="1" lang="ja-JP" altLang="en-US" sz="4000" dirty="0" smtClean="0"/>
+              <a:t>　</a:t>
+            </a:r>
+            <a:r>
+              <a:rPr lang="ja-JP" altLang="en-US" sz="4000" smtClean="0"/>
+              <a:t>研究背景</a:t>
+            </a:r>
+            <a:endParaRPr lang="en-US" altLang="ja-JP" sz="4000" dirty="0"/>
+          </a:p>
+          <a:p>
+            <a:pPr>
+              <a:buFont typeface="Wingdings" panose="05000000000000000000" pitchFamily="2" charset="2"/>
+              <a:buChar char="l"/>
+            </a:pPr>
+            <a:r>
+              <a:rPr kumimoji="1" lang="ja-JP" altLang="en-US" sz="4000" smtClean="0"/>
+              <a:t>　研究目的</a:t>
+            </a:r>
+            <a:endParaRPr kumimoji="1" lang="en-US" altLang="ja-JP" sz="4000" smtClean="0"/>
+          </a:p>
+          <a:p>
+            <a:pPr>
+              <a:buFont typeface="Wingdings" panose="05000000000000000000" pitchFamily="2" charset="2"/>
+              <a:buChar char="l"/>
+            </a:pPr>
+            <a:r>
+              <a:rPr kumimoji="1" lang="ja-JP" altLang="en-US" sz="4000" smtClean="0"/>
+              <a:t>　</a:t>
+            </a:r>
+            <a:r>
+              <a:rPr lang="ja-JP" altLang="en-US" sz="4000"/>
+              <a:t>設計</a:t>
+            </a:r>
+            <a:endParaRPr lang="en-US" altLang="ja-JP" sz="4000" smtClean="0"/>
+          </a:p>
+          <a:p>
+            <a:pPr>
+              <a:buFont typeface="Wingdings" panose="05000000000000000000" pitchFamily="2" charset="2"/>
+              <a:buChar char="l"/>
+            </a:pPr>
+            <a:r>
+              <a:rPr lang="ja-JP" altLang="en-US" sz="4000" smtClean="0"/>
+              <a:t>　開発（要求定義～テスト）</a:t>
+            </a:r>
+            <a:endParaRPr lang="en-US" altLang="ja-JP" sz="4000" smtClean="0"/>
+          </a:p>
+          <a:p>
+            <a:pPr>
+              <a:buFont typeface="Wingdings" panose="05000000000000000000" pitchFamily="2" charset="2"/>
+              <a:buChar char="l"/>
+            </a:pPr>
+            <a:r>
+              <a:rPr lang="ja-JP" altLang="en-US" sz="4000" smtClean="0"/>
+              <a:t>　評価</a:t>
+            </a:r>
+            <a:endParaRPr lang="en-US" altLang="ja-JP" sz="4000" smtClean="0"/>
+          </a:p>
+          <a:p>
+            <a:pPr>
+              <a:buFont typeface="Wingdings" panose="05000000000000000000" pitchFamily="2" charset="2"/>
+              <a:buChar char="l"/>
+            </a:pPr>
+            <a:r>
+              <a:rPr lang="ja-JP" altLang="en-US" sz="4000"/>
+              <a:t>　</a:t>
+            </a:r>
+            <a:r>
+              <a:rPr lang="ja-JP" altLang="en-US" sz="4000" smtClean="0"/>
+              <a:t>考察</a:t>
+            </a:r>
+            <a:endParaRPr lang="en-US" altLang="ja-JP" sz="4000" smtClean="0"/>
+          </a:p>
+          <a:p>
+            <a:pPr>
+              <a:buFont typeface="Wingdings" panose="05000000000000000000" pitchFamily="2" charset="2"/>
+              <a:buChar char="l"/>
+            </a:pPr>
+            <a:r>
+              <a:rPr kumimoji="1" lang="ja-JP" altLang="en-US" sz="4000"/>
+              <a:t>　</a:t>
+            </a:r>
+            <a:r>
+              <a:rPr lang="ja-JP" altLang="en-US" sz="4000" smtClean="0"/>
+              <a:t>まとめ</a:t>
+            </a:r>
+            <a:endParaRPr kumimoji="1" lang="ja-JP" altLang="en-US" sz="4000" dirty="0"/>
+          </a:p>
+        </p:txBody>
+      </p:sp>
+      <p:sp>
+        <p:nvSpPr>
+          <p:cNvPr id="4" name="スライド番号プレースホルダー 3"/>
+          <p:cNvSpPr>
+            <a:spLocks noGrp="1"/>
+          </p:cNvSpPr>
+          <p:nvPr>
+            <p:ph type="sldNum" sz="quarter" idx="12"/>
+          </p:nvPr>
+        </p:nvSpPr>
+        <p:spPr/>
+        <p:txBody>
+          <a:bodyPr/>
+          <a:lstStyle/>
+          <a:p>
+            <a:fld id="{3C3988C9-8C6C-49D7-8D82-24DA391FB063}" type="slidenum">
+              <a:rPr kumimoji="1" lang="ja-JP" altLang="en-US" smtClean="0"/>
+              <a:t>1</a:t>
+            </a:fld>
+            <a:endParaRPr kumimoji="1" lang="ja-JP" altLang="en-US"/>
+          </a:p>
+        </p:txBody>
+      </p:sp>
+    </p:spTree>
+    <p:extLst>
+      <p:ext uri="{BB962C8B-B14F-4D97-AF65-F5344CB8AC3E}">
+        <p14:creationId xmlns:p14="http://schemas.microsoft.com/office/powerpoint/2010/main" val="1637711920"/>
+      </p:ext>
+    </p:extLst>
+  </p:cSld>
+  <p:clrMapOvr>
+    <a:masterClrMapping/>
+  </p:clrMapOvr>
+  <p:timing>
+    <p:tnLst>
+      <p:par>
+        <p:cTn id="1" dur="indefinite" restart="never" nodeType="tmRoot"/>
+      </p:par>
+    </p:tnLst>
+  </p:timing>
+</p:sld>
+</file>
+
+<file path=ppt/slides/slide20.xml><?xml version="1.0" encoding="utf-8"?>
+<p:sld xmlns:a="http://schemas.openxmlformats.org/drawingml/2006/main" xmlns:r="http://schemas.openxmlformats.org/officeDocument/2006/relationships" xmlns:p="http://schemas.openxmlformats.org/presentationml/2006/main">
+  <p:cSld>
+    <p:spTree>
+      <p:nvGrpSpPr>
+        <p:cNvPr id="1" name=""/>
+        <p:cNvGrpSpPr/>
+        <p:nvPr/>
+      </p:nvGrpSpPr>
+      <p:grpSpPr>
+        <a:xfrm>
+          <a:off x="0" y="0"/>
+          <a:ext cx="0" cy="0"/>
+          <a:chOff x="0" y="0"/>
+          <a:chExt cx="0" cy="0"/>
+        </a:xfrm>
+      </p:grpSpPr>
+      <p:sp>
+        <p:nvSpPr>
+          <p:cNvPr id="2" name="タイトル 1"/>
+          <p:cNvSpPr>
+            <a:spLocks noGrp="1"/>
+          </p:cNvSpPr>
+          <p:nvPr>
+            <p:ph type="title"/>
+          </p:nvPr>
+        </p:nvSpPr>
+        <p:spPr/>
+        <p:txBody>
+          <a:bodyPr/>
+          <a:lstStyle/>
+          <a:p>
+            <a:r>
+              <a:rPr kumimoji="1" lang="ja-JP" altLang="en-US" smtClean="0"/>
+              <a:t>エッジ側　単体テスト</a:t>
+            </a:r>
+            <a:endParaRPr kumimoji="1" lang="ja-JP" altLang="en-US"/>
+          </a:p>
+        </p:txBody>
+      </p:sp>
+      <p:sp>
+        <p:nvSpPr>
+          <p:cNvPr id="4" name="スライド番号プレースホルダー 3"/>
+          <p:cNvSpPr>
+            <a:spLocks noGrp="1"/>
+          </p:cNvSpPr>
+          <p:nvPr>
+            <p:ph type="sldNum" sz="quarter" idx="12"/>
+          </p:nvPr>
+        </p:nvSpPr>
+        <p:spPr/>
+        <p:txBody>
+          <a:bodyPr/>
+          <a:lstStyle/>
+          <a:p>
+            <a:fld id="{3C3988C9-8C6C-49D7-8D82-24DA391FB063}" type="slidenum">
+              <a:rPr lang="ja-JP" altLang="en-US" smtClean="0"/>
+              <a:pPr/>
+              <a:t>19</a:t>
             </a:fld>
             <a:endParaRPr lang="ja-JP" altLang="en-US"/>
           </a:p>
@@ -14847,7 +17723,7 @@
 </p:sld>
 </file>
 
-<file path=ppt/slides/slide15.xml><?xml version="1.0" encoding="utf-8"?>
+<file path=ppt/slides/slide21.xml><?xml version="1.0" encoding="utf-8"?>
 <p:sld xmlns:a="http://schemas.openxmlformats.org/drawingml/2006/main" xmlns:r="http://schemas.openxmlformats.org/officeDocument/2006/relationships" xmlns:p="http://schemas.openxmlformats.org/presentationml/2006/main">
   <p:cSld>
     <p:spTree>
@@ -14905,7 +17781,7 @@
             <a:fld id="{3C3988C9-8C6C-49D7-8D82-24DA391FB063}" type="slidenum">
               <a:rPr lang="ja-JP" altLang="en-US" smtClean="0"/>
               <a:pPr/>
-              <a:t>14</a:t>
+              <a:t>20</a:t>
             </a:fld>
             <a:endParaRPr lang="ja-JP" altLang="en-US"/>
           </a:p>
@@ -14972,7 +17848,7 @@
 </p:sld>
 </file>
 
-<file path=ppt/slides/slide16.xml><?xml version="1.0" encoding="utf-8"?>
+<file path=ppt/slides/slide22.xml><?xml version="1.0" encoding="utf-8"?>
 <p:sld xmlns:a="http://schemas.openxmlformats.org/drawingml/2006/main" xmlns:r="http://schemas.openxmlformats.org/officeDocument/2006/relationships" xmlns:p="http://schemas.openxmlformats.org/presentationml/2006/main">
   <p:cSld>
     <p:spTree>
@@ -15061,7 +17937,7 @@
             <a:fld id="{3C3988C9-8C6C-49D7-8D82-24DA391FB063}" type="slidenum">
               <a:rPr lang="ja-JP" altLang="en-US" smtClean="0"/>
               <a:pPr/>
-              <a:t>15</a:t>
+              <a:t>21</a:t>
             </a:fld>
             <a:endParaRPr lang="ja-JP" altLang="en-US"/>
           </a:p>
@@ -15167,7 +18043,7 @@
 </p:sld>
 </file>
 
-<file path=ppt/slides/slide17.xml><?xml version="1.0" encoding="utf-8"?>
+<file path=ppt/slides/slide23.xml><?xml version="1.0" encoding="utf-8"?>
 <p:sld xmlns:a="http://schemas.openxmlformats.org/drawingml/2006/main" xmlns:r="http://schemas.openxmlformats.org/officeDocument/2006/relationships" xmlns:p="http://schemas.openxmlformats.org/presentationml/2006/main">
   <p:cSld>
     <p:spTree>
@@ -15230,7 +18106,7 @@
             <a:fld id="{3C3988C9-8C6C-49D7-8D82-24DA391FB063}" type="slidenum">
               <a:rPr lang="ja-JP" altLang="en-US" smtClean="0"/>
               <a:pPr/>
-              <a:t>16</a:t>
+              <a:t>22</a:t>
             </a:fld>
             <a:endParaRPr lang="ja-JP" altLang="en-US"/>
           </a:p>
@@ -15369,7 +18245,7 @@
 </p:sld>
 </file>
 
-<file path=ppt/slides/slide18.xml><?xml version="1.0" encoding="utf-8"?>
+<file path=ppt/slides/slide24.xml><?xml version="1.0" encoding="utf-8"?>
 <p:sld xmlns:a="http://schemas.openxmlformats.org/drawingml/2006/main" xmlns:r="http://schemas.openxmlformats.org/officeDocument/2006/relationships" xmlns:p="http://schemas.openxmlformats.org/presentationml/2006/main">
   <p:cSld>
     <p:spTree>
@@ -15446,7 +18322,7 @@
             <a:fld id="{3C3988C9-8C6C-49D7-8D82-24DA391FB063}" type="slidenum">
               <a:rPr lang="ja-JP" altLang="en-US" smtClean="0"/>
               <a:pPr/>
-              <a:t>17</a:t>
+              <a:t>23</a:t>
             </a:fld>
             <a:endParaRPr lang="ja-JP" altLang="en-US"/>
           </a:p>
@@ -15465,7 +18341,7 @@
 </p:sld>
 </file>
 
-<file path=ppt/slides/slide19.xml><?xml version="1.0" encoding="utf-8"?>
+<file path=ppt/slides/slide25.xml><?xml version="1.0" encoding="utf-8"?>
 <p:sld xmlns:a="http://schemas.openxmlformats.org/drawingml/2006/main" xmlns:r="http://schemas.openxmlformats.org/officeDocument/2006/relationships" xmlns:p="http://schemas.openxmlformats.org/presentationml/2006/main">
   <p:cSld>
     <p:spTree>
@@ -15523,7 +18399,7 @@
             <a:fld id="{3C3988C9-8C6C-49D7-8D82-24DA391FB063}" type="slidenum">
               <a:rPr lang="ja-JP" altLang="en-US" smtClean="0"/>
               <a:pPr/>
-              <a:t>18</a:t>
+              <a:t>24</a:t>
             </a:fld>
             <a:endParaRPr lang="ja-JP" altLang="en-US"/>
           </a:p>
@@ -15566,7 +18442,7 @@
 </p:sld>
 </file>
 
-<file path=ppt/slides/slide2.xml><?xml version="1.0" encoding="utf-8"?>
+<file path=ppt/slides/slide26.xml><?xml version="1.0" encoding="utf-8"?>
 <p:sld xmlns:a="http://schemas.openxmlformats.org/drawingml/2006/main" xmlns:r="http://schemas.openxmlformats.org/officeDocument/2006/relationships" xmlns:p="http://schemas.openxmlformats.org/presentationml/2006/main">
   <p:cSld>
     <p:spTree>
@@ -15599,129 +18475,10 @@
           <a:lstStyle/>
           <a:p>
             <a:r>
-              <a:rPr kumimoji="1" lang="ja-JP" altLang="en-US" dirty="0" smtClean="0"/>
-              <a:t>目次</a:t>
-            </a:r>
-            <a:endParaRPr kumimoji="1" lang="ja-JP" altLang="en-US" dirty="0"/>
-          </a:p>
-        </p:txBody>
-      </p:sp>
-      <p:sp>
-        <p:nvSpPr>
-          <p:cNvPr id="3" name="コンテンツ プレースホルダー 2"/>
-          <p:cNvSpPr>
-            <a:spLocks noGrp="1"/>
-          </p:cNvSpPr>
-          <p:nvPr>
-            <p:ph idx="1"/>
-          </p:nvPr>
-        </p:nvSpPr>
-        <p:spPr/>
-        <p:txBody>
-          <a:bodyPr>
-            <a:normAutofit fontScale="92500" lnSpcReduction="20000"/>
-          </a:bodyPr>
-          <a:lstStyle/>
-          <a:p>
-            <a:pPr>
-              <a:buFont typeface="Wingdings" panose="05000000000000000000" pitchFamily="2" charset="2"/>
-              <a:buChar char="l"/>
-            </a:pPr>
-            <a:r>
-              <a:rPr kumimoji="1" lang="ja-JP" altLang="en-US" sz="4000" dirty="0" smtClean="0"/>
-              <a:t>　</a:t>
-            </a:r>
-            <a:r>
-              <a:rPr lang="ja-JP" altLang="en-US" sz="4000" smtClean="0"/>
-              <a:t>研究背景</a:t>
-            </a:r>
-            <a:endParaRPr lang="en-US" altLang="ja-JP" sz="4000" dirty="0"/>
-          </a:p>
-          <a:p>
-            <a:pPr>
-              <a:buFont typeface="Wingdings" panose="05000000000000000000" pitchFamily="2" charset="2"/>
-              <a:buChar char="l"/>
-            </a:pPr>
-            <a:r>
-              <a:rPr kumimoji="1" lang="ja-JP" altLang="en-US" sz="4000" smtClean="0"/>
-              <a:t>　研究</a:t>
-            </a:r>
-            <a:r>
-              <a:rPr kumimoji="1" lang="ja-JP" altLang="en-US" sz="4000" smtClean="0"/>
-              <a:t>目的</a:t>
-            </a:r>
-            <a:endParaRPr kumimoji="1" lang="en-US" altLang="ja-JP" sz="4000" smtClean="0"/>
-          </a:p>
-          <a:p>
-            <a:pPr>
-              <a:buFont typeface="Wingdings" panose="05000000000000000000" pitchFamily="2" charset="2"/>
-              <a:buChar char="l"/>
-            </a:pPr>
-            <a:r>
-              <a:rPr kumimoji="1" lang="ja-JP" altLang="en-US" sz="4000" smtClean="0"/>
-              <a:t>　</a:t>
-            </a:r>
-            <a:r>
-              <a:rPr lang="ja-JP" altLang="en-US" sz="4000" smtClean="0"/>
-              <a:t>研究</a:t>
-            </a:r>
-            <a:r>
-              <a:rPr lang="ja-JP" altLang="en-US" sz="4000" smtClean="0"/>
-              <a:t>方針</a:t>
-            </a:r>
-            <a:endParaRPr lang="en-US" altLang="ja-JP" sz="4000" smtClean="0"/>
-          </a:p>
-          <a:p>
-            <a:pPr>
-              <a:buFont typeface="Wingdings" panose="05000000000000000000" pitchFamily="2" charset="2"/>
-              <a:buChar char="l"/>
-            </a:pPr>
-            <a:r>
-              <a:rPr lang="ja-JP" altLang="en-US" sz="4000" smtClean="0"/>
-              <a:t>　開発（要求定義～テスト）</a:t>
-            </a:r>
-            <a:endParaRPr lang="en-US" altLang="ja-JP" sz="4000" smtClean="0"/>
-          </a:p>
-          <a:p>
-            <a:pPr>
-              <a:buFont typeface="Wingdings" panose="05000000000000000000" pitchFamily="2" charset="2"/>
-              <a:buChar char="l"/>
-            </a:pPr>
-            <a:r>
-              <a:rPr lang="ja-JP" altLang="en-US" sz="4000" smtClean="0"/>
-              <a:t>　評価</a:t>
-            </a:r>
-            <a:endParaRPr lang="en-US" altLang="ja-JP" sz="4000" smtClean="0"/>
-          </a:p>
-          <a:p>
-            <a:pPr>
-              <a:buFont typeface="Wingdings" panose="05000000000000000000" pitchFamily="2" charset="2"/>
-              <a:buChar char="l"/>
-            </a:pPr>
-            <a:r>
-              <a:rPr lang="ja-JP" altLang="en-US" sz="4000"/>
-              <a:t>　</a:t>
-            </a:r>
-            <a:r>
-              <a:rPr lang="ja-JP" altLang="en-US" sz="4000" smtClean="0"/>
-              <a:t>考察</a:t>
-            </a:r>
-            <a:endParaRPr lang="en-US" altLang="ja-JP" sz="4000" smtClean="0"/>
-          </a:p>
-          <a:p>
-            <a:pPr>
-              <a:buFont typeface="Wingdings" panose="05000000000000000000" pitchFamily="2" charset="2"/>
-              <a:buChar char="l"/>
-            </a:pPr>
-            <a:r>
-              <a:rPr kumimoji="1" lang="ja-JP" altLang="en-US" sz="4000"/>
-              <a:t>　</a:t>
-            </a:r>
-            <a:r>
-              <a:rPr lang="ja-JP" altLang="en-US" sz="4000" smtClean="0"/>
-              <a:t>まとめ</a:t>
-            </a:r>
-            <a:endParaRPr kumimoji="1" lang="ja-JP" altLang="en-US" sz="4000" dirty="0"/>
+              <a:rPr lang="ja-JP" altLang="en-US"/>
+              <a:t>結合テスト</a:t>
+            </a:r>
+            <a:endParaRPr kumimoji="1" lang="ja-JP" altLang="en-US"/>
           </a:p>
         </p:txBody>
       </p:sp>
@@ -15741,92 +18498,9 @@
           <a:lstStyle/>
           <a:p>
             <a:fld id="{3C3988C9-8C6C-49D7-8D82-24DA391FB063}" type="slidenum">
-              <a:rPr kumimoji="1" lang="ja-JP" altLang="en-US" smtClean="0"/>
-              <a:t>1</a:t>
-            </a:fld>
-            <a:endParaRPr kumimoji="1" lang="ja-JP" altLang="en-US"/>
-          </a:p>
-        </p:txBody>
-      </p:sp>
-    </p:spTree>
-    <p:extLst>
-      <p:ext uri="{BB962C8B-B14F-4D97-AF65-F5344CB8AC3E}">
-        <p14:creationId xmlns:p14="http://schemas.microsoft.com/office/powerpoint/2010/main" val="1637711920"/>
-      </p:ext>
-    </p:extLst>
-  </p:cSld>
-  <p:clrMapOvr>
-    <a:masterClrMapping/>
-  </p:clrMapOvr>
-  <p:timing>
-    <p:tnLst>
-      <p:par>
-        <p:cTn id="1" dur="indefinite" restart="never" nodeType="tmRoot"/>
-      </p:par>
-    </p:tnLst>
-  </p:timing>
-</p:sld>
-</file>
-
-<file path=ppt/slides/slide20.xml><?xml version="1.0" encoding="utf-8"?>
-<p:sld xmlns:a="http://schemas.openxmlformats.org/drawingml/2006/main" xmlns:r="http://schemas.openxmlformats.org/officeDocument/2006/relationships" xmlns:p="http://schemas.openxmlformats.org/presentationml/2006/main">
-  <p:cSld>
-    <p:spTree>
-      <p:nvGrpSpPr>
-        <p:cNvPr id="1" name=""/>
-        <p:cNvGrpSpPr/>
-        <p:nvPr/>
-      </p:nvGrpSpPr>
-      <p:grpSpPr>
-        <a:xfrm>
-          <a:off x="0" y="0"/>
-          <a:ext cx="0" cy="0"/>
-          <a:chOff x="0" y="0"/>
-          <a:chExt cx="0" cy="0"/>
-        </a:xfrm>
-      </p:grpSpPr>
-      <p:sp>
-        <p:nvSpPr>
-          <p:cNvPr id="2" name="タイトル 1"/>
-          <p:cNvSpPr>
-            <a:spLocks noGrp="1"/>
-          </p:cNvSpPr>
-          <p:nvPr>
-            <p:ph type="title"/>
-          </p:nvPr>
-        </p:nvSpPr>
-        <p:spPr/>
-        <p:txBody>
-          <a:bodyPr/>
-          <a:lstStyle/>
-          <a:p>
-            <a:r>
-              <a:rPr lang="ja-JP" altLang="en-US"/>
-              <a:t>結合テスト</a:t>
-            </a:r>
-            <a:endParaRPr kumimoji="1" lang="ja-JP" altLang="en-US"/>
-          </a:p>
-        </p:txBody>
-      </p:sp>
-      <p:sp>
-        <p:nvSpPr>
-          <p:cNvPr id="4" name="スライド番号プレースホルダー 3"/>
-          <p:cNvSpPr>
-            <a:spLocks noGrp="1"/>
-          </p:cNvSpPr>
-          <p:nvPr>
-            <p:ph type="sldNum" sz="quarter" idx="12"/>
-          </p:nvPr>
-        </p:nvSpPr>
-        <p:spPr/>
-        <p:txBody>
-          <a:bodyPr/>
-          <a:lstStyle/>
-          <a:p>
-            <a:fld id="{3C3988C9-8C6C-49D7-8D82-24DA391FB063}" type="slidenum">
               <a:rPr lang="ja-JP" altLang="en-US" smtClean="0"/>
               <a:pPr/>
-              <a:t>19</a:t>
+              <a:t>25</a:t>
             </a:fld>
             <a:endParaRPr lang="ja-JP" altLang="en-US"/>
           </a:p>
@@ -15869,7 +18543,7 @@
 </p:sld>
 </file>
 
-<file path=ppt/slides/slide21.xml><?xml version="1.0" encoding="utf-8"?>
+<file path=ppt/slides/slide27.xml><?xml version="1.0" encoding="utf-8"?>
 <p:sld xmlns:a="http://schemas.openxmlformats.org/drawingml/2006/main" xmlns:r="http://schemas.openxmlformats.org/officeDocument/2006/relationships" xmlns:p="http://schemas.openxmlformats.org/presentationml/2006/main">
   <p:cSld>
     <p:spTree>
@@ -15927,7 +18601,7 @@
             <a:fld id="{3C3988C9-8C6C-49D7-8D82-24DA391FB063}" type="slidenum">
               <a:rPr lang="ja-JP" altLang="en-US" smtClean="0"/>
               <a:pPr/>
-              <a:t>20</a:t>
+              <a:t>26</a:t>
             </a:fld>
             <a:endParaRPr lang="ja-JP" altLang="en-US"/>
           </a:p>
@@ -15970,1448 +18644,6 @@
 </p:sld>
 </file>
 
-<file path=ppt/slides/slide22.xml><?xml version="1.0" encoding="utf-8"?>
-<p:sld xmlns:a="http://schemas.openxmlformats.org/drawingml/2006/main" xmlns:r="http://schemas.openxmlformats.org/officeDocument/2006/relationships" xmlns:p="http://schemas.openxmlformats.org/presentationml/2006/main">
-  <p:cSld>
-    <p:spTree>
-      <p:nvGrpSpPr>
-        <p:cNvPr id="1" name=""/>
-        <p:cNvGrpSpPr/>
-        <p:nvPr/>
-      </p:nvGrpSpPr>
-      <p:grpSpPr>
-        <a:xfrm>
-          <a:off x="0" y="0"/>
-          <a:ext cx="0" cy="0"/>
-          <a:chOff x="0" y="0"/>
-          <a:chExt cx="0" cy="0"/>
-        </a:xfrm>
-      </p:grpSpPr>
-      <p:sp>
-        <p:nvSpPr>
-          <p:cNvPr id="4" name="スライド番号プレースホルダー 3"/>
-          <p:cNvSpPr>
-            <a:spLocks noGrp="1"/>
-          </p:cNvSpPr>
-          <p:nvPr>
-            <p:ph type="sldNum" sz="quarter" idx="12"/>
-          </p:nvPr>
-        </p:nvSpPr>
-        <p:spPr/>
-        <p:txBody>
-          <a:bodyPr/>
-          <a:lstStyle/>
-          <a:p>
-            <a:fld id="{3C3988C9-8C6C-49D7-8D82-24DA391FB063}" type="slidenum">
-              <a:rPr lang="ja-JP" altLang="en-US" smtClean="0"/>
-              <a:pPr/>
-              <a:t>21</a:t>
-            </a:fld>
-            <a:endParaRPr lang="ja-JP" altLang="en-US"/>
-          </a:p>
-        </p:txBody>
-      </p:sp>
-      <p:sp>
-        <p:nvSpPr>
-          <p:cNvPr id="2" name="タイトル 1"/>
-          <p:cNvSpPr>
-            <a:spLocks noGrp="1"/>
-          </p:cNvSpPr>
-          <p:nvPr>
-            <p:ph type="title" idx="4294967295"/>
-          </p:nvPr>
-        </p:nvSpPr>
-        <p:spPr>
-          <a:xfrm>
-            <a:off x="867721" y="-337246"/>
-            <a:ext cx="10058400" cy="1449387"/>
-          </a:xfrm>
-        </p:spPr>
-        <p:txBody>
-          <a:bodyPr/>
-          <a:lstStyle/>
-          <a:p>
-            <a:r>
-              <a:rPr lang="ja-JP" altLang="en-US" smtClean="0"/>
-              <a:t>実装</a:t>
-            </a:r>
-            <a:r>
-              <a:rPr lang="ja-JP" altLang="en-US"/>
-              <a:t>環境</a:t>
-            </a:r>
-            <a:endParaRPr kumimoji="1" lang="ja-JP" altLang="en-US"/>
-          </a:p>
-        </p:txBody>
-      </p:sp>
-      <p:pic>
-        <p:nvPicPr>
-          <p:cNvPr id="5" name="コンテンツ プレースホルダー 4"/>
-          <p:cNvPicPr>
-            <a:picLocks noGrp="1" noChangeAspect="1"/>
-          </p:cNvPicPr>
-          <p:nvPr>
-            <p:ph idx="4294967295"/>
-          </p:nvPr>
-        </p:nvPicPr>
-        <p:blipFill>
-          <a:blip r:embed="rId2">
-            <a:extLst>
-              <a:ext uri="{28A0092B-C50C-407E-A947-70E740481C1C}">
-                <a14:useLocalDpi xmlns:a14="http://schemas.microsoft.com/office/drawing/2010/main" val="0"/>
-              </a:ext>
-            </a:extLst>
-          </a:blip>
-          <a:stretch>
-            <a:fillRect/>
-          </a:stretch>
-        </p:blipFill>
-        <p:spPr>
-          <a:xfrm>
-            <a:off x="2073275" y="3183317"/>
-            <a:ext cx="8085644" cy="2922368"/>
-          </a:xfrm>
-        </p:spPr>
-      </p:pic>
-      <p:pic>
-        <p:nvPicPr>
-          <p:cNvPr id="6" name="コンテンツ プレースホルダー 6"/>
-          <p:cNvPicPr>
-            <a:picLocks noChangeAspect="1"/>
-          </p:cNvPicPr>
-          <p:nvPr/>
-        </p:nvPicPr>
-        <p:blipFill>
-          <a:blip r:embed="rId3">
-            <a:extLst>
-              <a:ext uri="{28A0092B-C50C-407E-A947-70E740481C1C}">
-                <a14:useLocalDpi xmlns:a14="http://schemas.microsoft.com/office/drawing/2010/main" val="0"/>
-              </a:ext>
-            </a:extLst>
-          </a:blip>
-          <a:stretch>
-            <a:fillRect/>
-          </a:stretch>
-        </p:blipFill>
-        <p:spPr>
-          <a:xfrm>
-            <a:off x="867721" y="1289191"/>
-            <a:ext cx="11096512" cy="1540026"/>
-          </a:xfrm>
-          <a:prstGeom prst="rect">
-            <a:avLst/>
-          </a:prstGeom>
-          <a:ln w="19050">
-            <a:solidFill>
-              <a:schemeClr val="tx1"/>
-            </a:solidFill>
-          </a:ln>
-        </p:spPr>
-      </p:pic>
-    </p:spTree>
-    <p:extLst>
-      <p:ext uri="{BB962C8B-B14F-4D97-AF65-F5344CB8AC3E}">
-        <p14:creationId xmlns:p14="http://schemas.microsoft.com/office/powerpoint/2010/main" val="2224660520"/>
-      </p:ext>
-    </p:extLst>
-  </p:cSld>
-  <p:clrMapOvr>
-    <a:masterClrMapping/>
-  </p:clrMapOvr>
-</p:sld>
-</file>
-
-<file path=ppt/slides/slide23.xml><?xml version="1.0" encoding="utf-8"?>
-<p:sld xmlns:a="http://schemas.openxmlformats.org/drawingml/2006/main" xmlns:r="http://schemas.openxmlformats.org/officeDocument/2006/relationships" xmlns:p="http://schemas.openxmlformats.org/presentationml/2006/main">
-  <p:cSld>
-    <p:spTree>
-      <p:nvGrpSpPr>
-        <p:cNvPr id="1" name=""/>
-        <p:cNvGrpSpPr/>
-        <p:nvPr/>
-      </p:nvGrpSpPr>
-      <p:grpSpPr>
-        <a:xfrm>
-          <a:off x="0" y="0"/>
-          <a:ext cx="0" cy="0"/>
-          <a:chOff x="0" y="0"/>
-          <a:chExt cx="0" cy="0"/>
-        </a:xfrm>
-      </p:grpSpPr>
-      <p:sp>
-        <p:nvSpPr>
-          <p:cNvPr id="4" name="スライド番号プレースホルダー 3"/>
-          <p:cNvSpPr>
-            <a:spLocks noGrp="1"/>
-          </p:cNvSpPr>
-          <p:nvPr>
-            <p:ph type="sldNum" sz="quarter" idx="12"/>
-          </p:nvPr>
-        </p:nvSpPr>
-        <p:spPr/>
-        <p:txBody>
-          <a:bodyPr/>
-          <a:lstStyle/>
-          <a:p>
-            <a:fld id="{3C3988C9-8C6C-49D7-8D82-24DA391FB063}" type="slidenum">
-              <a:rPr lang="ja-JP" altLang="en-US" smtClean="0"/>
-              <a:pPr/>
-              <a:t>22</a:t>
-            </a:fld>
-            <a:endParaRPr lang="ja-JP" altLang="en-US"/>
-          </a:p>
-        </p:txBody>
-      </p:sp>
-      <p:sp>
-        <p:nvSpPr>
-          <p:cNvPr id="2" name="タイトル 1"/>
-          <p:cNvSpPr>
-            <a:spLocks noGrp="1"/>
-          </p:cNvSpPr>
-          <p:nvPr>
-            <p:ph type="title" idx="4294967295"/>
-          </p:nvPr>
-        </p:nvSpPr>
-        <p:spPr>
-          <a:xfrm>
-            <a:off x="1153672" y="194552"/>
-            <a:ext cx="9420293" cy="920109"/>
-          </a:xfrm>
-        </p:spPr>
-        <p:txBody>
-          <a:bodyPr/>
-          <a:lstStyle/>
-          <a:p>
-            <a:r>
-              <a:rPr kumimoji="1" lang="ja-JP" altLang="en-US" smtClean="0"/>
-              <a:t>使用ライブラリ</a:t>
-            </a:r>
-            <a:endParaRPr kumimoji="1" lang="ja-JP" altLang="en-US"/>
-          </a:p>
-        </p:txBody>
-      </p:sp>
-      <p:pic>
-        <p:nvPicPr>
-          <p:cNvPr id="5" name="コンテンツ プレースホルダー 4"/>
-          <p:cNvPicPr>
-            <a:picLocks noGrp="1" noChangeAspect="1"/>
-          </p:cNvPicPr>
-          <p:nvPr>
-            <p:ph idx="4294967295"/>
-          </p:nvPr>
-        </p:nvPicPr>
-        <p:blipFill>
-          <a:blip r:embed="rId2">
-            <a:extLst>
-              <a:ext uri="{28A0092B-C50C-407E-A947-70E740481C1C}">
-                <a14:useLocalDpi xmlns:a14="http://schemas.microsoft.com/office/drawing/2010/main" val="0"/>
-              </a:ext>
-            </a:extLst>
-          </a:blip>
-          <a:stretch>
-            <a:fillRect/>
-          </a:stretch>
-        </p:blipFill>
-        <p:spPr>
-          <a:xfrm>
-            <a:off x="2038888" y="1202210"/>
-            <a:ext cx="7649860" cy="4831691"/>
-          </a:xfrm>
-        </p:spPr>
-      </p:pic>
-    </p:spTree>
-    <p:extLst>
-      <p:ext uri="{BB962C8B-B14F-4D97-AF65-F5344CB8AC3E}">
-        <p14:creationId xmlns:p14="http://schemas.microsoft.com/office/powerpoint/2010/main" val="3215748412"/>
-      </p:ext>
-    </p:extLst>
-  </p:cSld>
-  <p:clrMapOvr>
-    <a:masterClrMapping/>
-  </p:clrMapOvr>
-</p:sld>
-</file>
-
-<file path=ppt/slides/slide24.xml><?xml version="1.0" encoding="utf-8"?>
-<p:sld xmlns:a="http://schemas.openxmlformats.org/drawingml/2006/main" xmlns:r="http://schemas.openxmlformats.org/officeDocument/2006/relationships" xmlns:p="http://schemas.openxmlformats.org/presentationml/2006/main">
-  <p:cSld>
-    <p:spTree>
-      <p:nvGrpSpPr>
-        <p:cNvPr id="1" name=""/>
-        <p:cNvGrpSpPr/>
-        <p:nvPr/>
-      </p:nvGrpSpPr>
-      <p:grpSpPr>
-        <a:xfrm>
-          <a:off x="0" y="0"/>
-          <a:ext cx="0" cy="0"/>
-          <a:chOff x="0" y="0"/>
-          <a:chExt cx="0" cy="0"/>
-        </a:xfrm>
-      </p:grpSpPr>
-      <p:sp>
-        <p:nvSpPr>
-          <p:cNvPr id="2" name="タイトル 1"/>
-          <p:cNvSpPr>
-            <a:spLocks noGrp="1"/>
-          </p:cNvSpPr>
-          <p:nvPr>
-            <p:ph type="title"/>
-          </p:nvPr>
-        </p:nvSpPr>
-        <p:spPr>
-          <a:xfrm>
-            <a:off x="1097280" y="318687"/>
-            <a:ext cx="10058400" cy="1450757"/>
-          </a:xfrm>
-        </p:spPr>
-        <p:txBody>
-          <a:bodyPr/>
-          <a:lstStyle/>
-          <a:p>
-            <a:r>
-              <a:rPr kumimoji="1" lang="ja-JP" altLang="en-US" smtClean="0"/>
-              <a:t>画像送信システムと各種センサ</a:t>
-            </a:r>
-            <a:endParaRPr kumimoji="1" lang="ja-JP" altLang="en-US"/>
-          </a:p>
-        </p:txBody>
-      </p:sp>
-      <p:sp>
-        <p:nvSpPr>
-          <p:cNvPr id="3" name="スライド番号プレースホルダー 2"/>
-          <p:cNvSpPr>
-            <a:spLocks noGrp="1"/>
-          </p:cNvSpPr>
-          <p:nvPr>
-            <p:ph type="sldNum" sz="quarter" idx="12"/>
-          </p:nvPr>
-        </p:nvSpPr>
-        <p:spPr/>
-        <p:txBody>
-          <a:bodyPr/>
-          <a:lstStyle/>
-          <a:p>
-            <a:fld id="{3C3988C9-8C6C-49D7-8D82-24DA391FB063}" type="slidenum">
-              <a:rPr kumimoji="1" lang="ja-JP" altLang="en-US" smtClean="0"/>
-              <a:t>23</a:t>
-            </a:fld>
-            <a:endParaRPr kumimoji="1" lang="ja-JP" altLang="en-US"/>
-          </a:p>
-        </p:txBody>
-      </p:sp>
-      <p:pic>
-        <p:nvPicPr>
-          <p:cNvPr id="4" name="図 3"/>
-          <p:cNvPicPr>
-            <a:picLocks noChangeAspect="1"/>
-          </p:cNvPicPr>
-          <p:nvPr/>
-        </p:nvPicPr>
-        <p:blipFill>
-          <a:blip r:embed="rId3" cstate="print">
-            <a:extLst>
-              <a:ext uri="{28A0092B-C50C-407E-A947-70E740481C1C}">
-                <a14:useLocalDpi xmlns:a14="http://schemas.microsoft.com/office/drawing/2010/main" val="0"/>
-              </a:ext>
-            </a:extLst>
-          </a:blip>
-          <a:stretch>
-            <a:fillRect/>
-          </a:stretch>
-        </p:blipFill>
-        <p:spPr>
-          <a:xfrm>
-            <a:off x="2644868" y="1769444"/>
-            <a:ext cx="6963224" cy="4543799"/>
-          </a:xfrm>
-          <a:prstGeom prst="rect">
-            <a:avLst/>
-          </a:prstGeom>
-        </p:spPr>
-      </p:pic>
-    </p:spTree>
-    <p:extLst>
-      <p:ext uri="{BB962C8B-B14F-4D97-AF65-F5344CB8AC3E}">
-        <p14:creationId xmlns:p14="http://schemas.microsoft.com/office/powerpoint/2010/main" val="4140971599"/>
-      </p:ext>
-    </p:extLst>
-  </p:cSld>
-  <p:clrMapOvr>
-    <a:masterClrMapping/>
-  </p:clrMapOvr>
-  <p:timing>
-    <p:tnLst>
-      <p:par>
-        <p:cTn id="1" dur="indefinite" restart="never" nodeType="tmRoot"/>
-      </p:par>
-    </p:tnLst>
-  </p:timing>
-</p:sld>
-</file>
-
-<file path=ppt/slides/slide25.xml><?xml version="1.0" encoding="utf-8"?>
-<p:sld xmlns:a="http://schemas.openxmlformats.org/drawingml/2006/main" xmlns:r="http://schemas.openxmlformats.org/officeDocument/2006/relationships" xmlns:p="http://schemas.openxmlformats.org/presentationml/2006/main">
-  <p:cSld>
-    <p:spTree>
-      <p:nvGrpSpPr>
-        <p:cNvPr id="1" name=""/>
-        <p:cNvGrpSpPr/>
-        <p:nvPr/>
-      </p:nvGrpSpPr>
-      <p:grpSpPr>
-        <a:xfrm>
-          <a:off x="0" y="0"/>
-          <a:ext cx="0" cy="0"/>
-          <a:chOff x="0" y="0"/>
-          <a:chExt cx="0" cy="0"/>
-        </a:xfrm>
-      </p:grpSpPr>
-      <p:sp>
-        <p:nvSpPr>
-          <p:cNvPr id="29" name="角丸四角形 28"/>
-          <p:cNvSpPr/>
-          <p:nvPr/>
-        </p:nvSpPr>
-        <p:spPr>
-          <a:xfrm>
-            <a:off x="596767" y="1735868"/>
-            <a:ext cx="8867643" cy="4568679"/>
-          </a:xfrm>
-          <a:prstGeom prst="roundRect">
-            <a:avLst/>
-          </a:prstGeom>
-          <a:noFill/>
-          <a:ln w="127000"/>
-        </p:spPr>
-        <p:style>
-          <a:lnRef idx="2">
-            <a:schemeClr val="accent1">
-              <a:shade val="50000"/>
-            </a:schemeClr>
-          </a:lnRef>
-          <a:fillRef idx="1">
-            <a:schemeClr val="accent1"/>
-          </a:fillRef>
-          <a:effectRef idx="0">
-            <a:schemeClr val="accent1"/>
-          </a:effectRef>
-          <a:fontRef idx="minor">
-            <a:schemeClr val="lt1"/>
-          </a:fontRef>
-        </p:style>
-        <p:txBody>
-          <a:bodyPr rtlCol="0" anchor="ctr"/>
-          <a:lstStyle/>
-          <a:p>
-            <a:pPr algn="ctr"/>
-            <a:endParaRPr kumimoji="1" lang="ja-JP" altLang="en-US" dirty="0"/>
-          </a:p>
-        </p:txBody>
-      </p:sp>
-      <p:sp>
-        <p:nvSpPr>
-          <p:cNvPr id="2" name="タイトル 1"/>
-          <p:cNvSpPr>
-            <a:spLocks noGrp="1"/>
-          </p:cNvSpPr>
-          <p:nvPr>
-            <p:ph type="title"/>
-          </p:nvPr>
-        </p:nvSpPr>
-        <p:spPr/>
-        <p:txBody>
-          <a:bodyPr/>
-          <a:lstStyle/>
-          <a:p>
-            <a:r>
-              <a:rPr lang="ja-JP" altLang="en-US"/>
-              <a:t>画像送信システムと各種センサ</a:t>
-            </a:r>
-            <a:endParaRPr kumimoji="1" lang="ja-JP" altLang="en-US" dirty="0"/>
-          </a:p>
-        </p:txBody>
-      </p:sp>
-      <p:sp>
-        <p:nvSpPr>
-          <p:cNvPr id="23" name="テキスト ボックス 22"/>
-          <p:cNvSpPr txBox="1"/>
-          <p:nvPr/>
-        </p:nvSpPr>
-        <p:spPr>
-          <a:xfrm>
-            <a:off x="133054" y="1856720"/>
-            <a:ext cx="2123996" cy="523220"/>
-          </a:xfrm>
-          <a:prstGeom prst="rect">
-            <a:avLst/>
-          </a:prstGeom>
-          <a:solidFill>
-            <a:srgbClr val="FF0066"/>
-          </a:solidFill>
-        </p:spPr>
-        <p:txBody>
-          <a:bodyPr wrap="square" rtlCol="0">
-            <a:spAutoFit/>
-          </a:bodyPr>
-          <a:lstStyle/>
-          <a:p>
-            <a:r>
-              <a:rPr kumimoji="1" lang="en-US" altLang="ja-JP" sz="2800" dirty="0" smtClean="0">
-                <a:solidFill>
-                  <a:schemeClr val="bg1"/>
-                </a:solidFill>
-              </a:rPr>
-              <a:t>Raspberry pi</a:t>
-            </a:r>
-            <a:endParaRPr kumimoji="1" lang="ja-JP" altLang="en-US" sz="2800" dirty="0">
-              <a:solidFill>
-                <a:schemeClr val="bg1"/>
-              </a:solidFill>
-            </a:endParaRPr>
-          </a:p>
-        </p:txBody>
-      </p:sp>
-      <p:pic>
-        <p:nvPicPr>
-          <p:cNvPr id="1040" name="Picture 16" descr="サーバーのイラスト（1台）"/>
-          <p:cNvPicPr>
-            <a:picLocks noChangeAspect="1" noChangeArrowheads="1"/>
-          </p:cNvPicPr>
-          <p:nvPr/>
-        </p:nvPicPr>
-        <p:blipFill>
-          <a:blip r:embed="rId3">
-            <a:extLst>
-              <a:ext uri="{28A0092B-C50C-407E-A947-70E740481C1C}">
-                <a14:useLocalDpi xmlns:a14="http://schemas.microsoft.com/office/drawing/2010/main" val="0"/>
-              </a:ext>
-            </a:extLst>
-          </a:blip>
-          <a:srcRect/>
-          <a:stretch>
-            <a:fillRect/>
-          </a:stretch>
-        </p:blipFill>
-        <p:spPr bwMode="auto">
-          <a:xfrm>
-            <a:off x="9625695" y="3186624"/>
-            <a:ext cx="2166645" cy="2564077"/>
-          </a:xfrm>
-          <a:prstGeom prst="rect">
-            <a:avLst/>
-          </a:prstGeom>
-          <a:noFill/>
-          <a:extLst>
-            <a:ext uri="{909E8E84-426E-40DD-AFC4-6F175D3DCCD1}">
-              <a14:hiddenFill xmlns:a14="http://schemas.microsoft.com/office/drawing/2010/main">
-                <a:solidFill>
-                  <a:srgbClr val="FFFFFF"/>
-                </a:solidFill>
-              </a14:hiddenFill>
-            </a:ext>
-          </a:extLst>
-        </p:spPr>
-      </p:pic>
-      <p:sp>
-        <p:nvSpPr>
-          <p:cNvPr id="43" name="角丸四角形 42"/>
-          <p:cNvSpPr/>
-          <p:nvPr/>
-        </p:nvSpPr>
-        <p:spPr>
-          <a:xfrm>
-            <a:off x="9746480" y="1735867"/>
-            <a:ext cx="1991937" cy="4568679"/>
-          </a:xfrm>
-          <a:prstGeom prst="roundRect">
-            <a:avLst/>
-          </a:prstGeom>
-          <a:noFill/>
-          <a:ln w="127000">
-            <a:solidFill>
-              <a:schemeClr val="accent5"/>
-            </a:solidFill>
-          </a:ln>
-        </p:spPr>
-        <p:style>
-          <a:lnRef idx="2">
-            <a:schemeClr val="accent1">
-              <a:shade val="50000"/>
-            </a:schemeClr>
-          </a:lnRef>
-          <a:fillRef idx="1">
-            <a:schemeClr val="accent1"/>
-          </a:fillRef>
-          <a:effectRef idx="0">
-            <a:schemeClr val="accent1"/>
-          </a:effectRef>
-          <a:fontRef idx="minor">
-            <a:schemeClr val="lt1"/>
-          </a:fontRef>
-        </p:style>
-        <p:txBody>
-          <a:bodyPr rtlCol="0" anchor="ctr"/>
-          <a:lstStyle/>
-          <a:p>
-            <a:pPr algn="ctr"/>
-            <a:endParaRPr kumimoji="1" lang="ja-JP" altLang="en-US"/>
-          </a:p>
-        </p:txBody>
-      </p:sp>
-      <p:sp>
-        <p:nvSpPr>
-          <p:cNvPr id="31" name="右矢印 30"/>
-          <p:cNvSpPr/>
-          <p:nvPr/>
-        </p:nvSpPr>
-        <p:spPr>
-          <a:xfrm>
-            <a:off x="8657305" y="2510249"/>
-            <a:ext cx="1749457" cy="926681"/>
-          </a:xfrm>
-          <a:prstGeom prst="rightArrow">
-            <a:avLst/>
-          </a:prstGeom>
-          <a:solidFill>
-            <a:schemeClr val="accent1"/>
-          </a:solidFill>
-          <a:ln>
-            <a:noFill/>
-          </a:ln>
-        </p:spPr>
-        <p:style>
-          <a:lnRef idx="2">
-            <a:schemeClr val="accent1">
-              <a:shade val="50000"/>
-            </a:schemeClr>
-          </a:lnRef>
-          <a:fillRef idx="1">
-            <a:schemeClr val="accent1"/>
-          </a:fillRef>
-          <a:effectRef idx="0">
-            <a:schemeClr val="accent1"/>
-          </a:effectRef>
-          <a:fontRef idx="minor">
-            <a:schemeClr val="lt1"/>
-          </a:fontRef>
-        </p:style>
-        <p:txBody>
-          <a:bodyPr rtlCol="0" anchor="ctr"/>
-          <a:lstStyle/>
-          <a:p>
-            <a:pPr algn="ctr"/>
-            <a:endParaRPr kumimoji="1" lang="ja-JP" altLang="en-US"/>
-          </a:p>
-        </p:txBody>
-      </p:sp>
-      <p:sp>
-        <p:nvSpPr>
-          <p:cNvPr id="45" name="右矢印 44"/>
-          <p:cNvSpPr/>
-          <p:nvPr/>
-        </p:nvSpPr>
-        <p:spPr>
-          <a:xfrm flipH="1">
-            <a:off x="8553488" y="4915008"/>
-            <a:ext cx="1697669" cy="926681"/>
-          </a:xfrm>
-          <a:prstGeom prst="rightArrow">
-            <a:avLst/>
-          </a:prstGeom>
-          <a:solidFill>
-            <a:schemeClr val="accent1"/>
-          </a:solidFill>
-          <a:ln>
-            <a:noFill/>
-          </a:ln>
-        </p:spPr>
-        <p:style>
-          <a:lnRef idx="2">
-            <a:schemeClr val="accent1">
-              <a:shade val="50000"/>
-            </a:schemeClr>
-          </a:lnRef>
-          <a:fillRef idx="1">
-            <a:schemeClr val="accent1"/>
-          </a:fillRef>
-          <a:effectRef idx="0">
-            <a:schemeClr val="accent1"/>
-          </a:effectRef>
-          <a:fontRef idx="minor">
-            <a:schemeClr val="lt1"/>
-          </a:fontRef>
-        </p:style>
-        <p:txBody>
-          <a:bodyPr rtlCol="0" anchor="ctr"/>
-          <a:lstStyle/>
-          <a:p>
-            <a:pPr algn="ctr"/>
-            <a:endParaRPr kumimoji="1" lang="ja-JP" altLang="en-US"/>
-          </a:p>
-        </p:txBody>
-      </p:sp>
-      <p:sp>
-        <p:nvSpPr>
-          <p:cNvPr id="46" name="テキスト ボックス 45"/>
-          <p:cNvSpPr txBox="1"/>
-          <p:nvPr/>
-        </p:nvSpPr>
-        <p:spPr>
-          <a:xfrm>
-            <a:off x="10114654" y="1987029"/>
-            <a:ext cx="1341693" cy="523220"/>
-          </a:xfrm>
-          <a:prstGeom prst="rect">
-            <a:avLst/>
-          </a:prstGeom>
-          <a:solidFill>
-            <a:schemeClr val="accent5"/>
-          </a:solidFill>
-        </p:spPr>
-        <p:txBody>
-          <a:bodyPr wrap="square" rtlCol="0">
-            <a:spAutoFit/>
-          </a:bodyPr>
-          <a:lstStyle/>
-          <a:p>
-            <a:r>
-              <a:rPr lang="ja-JP" altLang="en-US" sz="2800">
-                <a:solidFill>
-                  <a:schemeClr val="bg1"/>
-                </a:solidFill>
-              </a:rPr>
-              <a:t>サーバ</a:t>
-            </a:r>
-            <a:endParaRPr kumimoji="1" lang="ja-JP" altLang="en-US" sz="2800">
-              <a:solidFill>
-                <a:schemeClr val="bg1"/>
-              </a:solidFill>
-            </a:endParaRPr>
-          </a:p>
-        </p:txBody>
-      </p:sp>
-      <p:graphicFrame>
-        <p:nvGraphicFramePr>
-          <p:cNvPr id="4" name="図表 3"/>
-          <p:cNvGraphicFramePr/>
-          <p:nvPr>
-            <p:extLst>
-              <p:ext uri="{D42A27DB-BD31-4B8C-83A1-F6EECF244321}">
-                <p14:modId xmlns:p14="http://schemas.microsoft.com/office/powerpoint/2010/main" val="1536299083"/>
-              </p:ext>
-            </p:extLst>
-          </p:nvPr>
-        </p:nvGraphicFramePr>
-        <p:xfrm>
-          <a:off x="1123030" y="2654187"/>
-          <a:ext cx="2920983" cy="3187502"/>
-        </p:xfrm>
-        <a:graphic>
-          <a:graphicData uri="http://schemas.openxmlformats.org/drawingml/2006/diagram">
-            <dgm:relIds xmlns:dgm="http://schemas.openxmlformats.org/drawingml/2006/diagram" xmlns:r="http://schemas.openxmlformats.org/officeDocument/2006/relationships" r:dm="rId4" r:lo="rId5" r:qs="rId6" r:cs="rId7"/>
-          </a:graphicData>
-        </a:graphic>
-      </p:graphicFrame>
-      <p:graphicFrame>
-        <p:nvGraphicFramePr>
-          <p:cNvPr id="26" name="図表 25"/>
-          <p:cNvGraphicFramePr/>
-          <p:nvPr>
-            <p:extLst>
-              <p:ext uri="{D42A27DB-BD31-4B8C-83A1-F6EECF244321}">
-                <p14:modId xmlns:p14="http://schemas.microsoft.com/office/powerpoint/2010/main" val="3312392425"/>
-              </p:ext>
-            </p:extLst>
-          </p:nvPr>
-        </p:nvGraphicFramePr>
-        <p:xfrm>
-          <a:off x="5632505" y="2654187"/>
-          <a:ext cx="2920983" cy="3187502"/>
-        </p:xfrm>
-        <a:graphic>
-          <a:graphicData uri="http://schemas.openxmlformats.org/drawingml/2006/diagram">
-            <dgm:relIds xmlns:dgm="http://schemas.openxmlformats.org/drawingml/2006/diagram" xmlns:r="http://schemas.openxmlformats.org/officeDocument/2006/relationships" r:dm="rId9" r:lo="rId10" r:qs="rId11" r:cs="rId12"/>
-          </a:graphicData>
-        </a:graphic>
-      </p:graphicFrame>
-      <p:cxnSp>
-        <p:nvCxnSpPr>
-          <p:cNvPr id="10" name="直線矢印コネクタ 9"/>
-          <p:cNvCxnSpPr/>
-          <p:nvPr/>
-        </p:nvCxnSpPr>
-        <p:spPr>
-          <a:xfrm>
-            <a:off x="3907857" y="4591251"/>
-            <a:ext cx="1839800" cy="152199"/>
-          </a:xfrm>
-          <a:prstGeom prst="straightConnector1">
-            <a:avLst/>
-          </a:prstGeom>
-          <a:ln w="63500">
-            <a:tailEnd type="triangle"/>
-          </a:ln>
-        </p:spPr>
-        <p:style>
-          <a:lnRef idx="1">
-            <a:schemeClr val="accent1"/>
-          </a:lnRef>
-          <a:fillRef idx="0">
-            <a:schemeClr val="accent1"/>
-          </a:fillRef>
-          <a:effectRef idx="0">
-            <a:schemeClr val="accent1"/>
-          </a:effectRef>
-          <a:fontRef idx="minor">
-            <a:schemeClr val="tx1"/>
-          </a:fontRef>
-        </p:style>
-      </p:cxnSp>
-      <p:cxnSp>
-        <p:nvCxnSpPr>
-          <p:cNvPr id="32" name="直線矢印コネクタ 31"/>
-          <p:cNvCxnSpPr/>
-          <p:nvPr/>
-        </p:nvCxnSpPr>
-        <p:spPr>
-          <a:xfrm flipV="1">
-            <a:off x="3907857" y="4100362"/>
-            <a:ext cx="1839800" cy="1277986"/>
-          </a:xfrm>
-          <a:prstGeom prst="straightConnector1">
-            <a:avLst/>
-          </a:prstGeom>
-          <a:ln w="63500">
-            <a:tailEnd type="triangle"/>
-          </a:ln>
-        </p:spPr>
-        <p:style>
-          <a:lnRef idx="1">
-            <a:schemeClr val="accent1"/>
-          </a:lnRef>
-          <a:fillRef idx="0">
-            <a:schemeClr val="accent1"/>
-          </a:fillRef>
-          <a:effectRef idx="0">
-            <a:schemeClr val="accent1"/>
-          </a:effectRef>
-          <a:fontRef idx="minor">
-            <a:schemeClr val="tx1"/>
-          </a:fontRef>
-        </p:style>
-      </p:cxnSp>
-      <p:sp>
-        <p:nvSpPr>
-          <p:cNvPr id="33" name="スライド番号プレースホルダー 32"/>
-          <p:cNvSpPr>
-            <a:spLocks noGrp="1"/>
-          </p:cNvSpPr>
-          <p:nvPr>
-            <p:ph type="sldNum" sz="quarter" idx="12"/>
-          </p:nvPr>
-        </p:nvSpPr>
-        <p:spPr/>
-        <p:txBody>
-          <a:bodyPr/>
-          <a:lstStyle/>
-          <a:p>
-            <a:fld id="{3C3988C9-8C6C-49D7-8D82-24DA391FB063}" type="slidenum">
-              <a:rPr lang="ja-JP" altLang="en-US" smtClean="0"/>
-              <a:pPr/>
-              <a:t>24</a:t>
-            </a:fld>
-            <a:endParaRPr lang="ja-JP" altLang="en-US"/>
-          </a:p>
-        </p:txBody>
-      </p:sp>
-    </p:spTree>
-    <p:extLst>
-      <p:ext uri="{BB962C8B-B14F-4D97-AF65-F5344CB8AC3E}">
-        <p14:creationId xmlns:p14="http://schemas.microsoft.com/office/powerpoint/2010/main" val="1399121754"/>
-      </p:ext>
-    </p:extLst>
-  </p:cSld>
-  <p:clrMapOvr>
-    <a:masterClrMapping/>
-  </p:clrMapOvr>
-  <p:timing>
-    <p:tnLst>
-      <p:par>
-        <p:cTn id="1" dur="indefinite" restart="never" nodeType="tmRoot"/>
-      </p:par>
-    </p:tnLst>
-  </p:timing>
-</p:sld>
-</file>
-
-<file path=ppt/slides/slide26.xml><?xml version="1.0" encoding="utf-8"?>
-<p:sld xmlns:a="http://schemas.openxmlformats.org/drawingml/2006/main" xmlns:r="http://schemas.openxmlformats.org/officeDocument/2006/relationships" xmlns:p="http://schemas.openxmlformats.org/presentationml/2006/main">
-  <p:cSld>
-    <p:spTree>
-      <p:nvGrpSpPr>
-        <p:cNvPr id="1" name=""/>
-        <p:cNvGrpSpPr/>
-        <p:nvPr/>
-      </p:nvGrpSpPr>
-      <p:grpSpPr>
-        <a:xfrm>
-          <a:off x="0" y="0"/>
-          <a:ext cx="0" cy="0"/>
-          <a:chOff x="0" y="0"/>
-          <a:chExt cx="0" cy="0"/>
-        </a:xfrm>
-      </p:grpSpPr>
-      <p:sp>
-        <p:nvSpPr>
-          <p:cNvPr id="12" name="スライド番号プレースホルダー 11"/>
-          <p:cNvSpPr>
-            <a:spLocks noGrp="1"/>
-          </p:cNvSpPr>
-          <p:nvPr>
-            <p:ph type="sldNum" sz="quarter" idx="12"/>
-          </p:nvPr>
-        </p:nvSpPr>
-        <p:spPr/>
-        <p:txBody>
-          <a:bodyPr/>
-          <a:lstStyle/>
-          <a:p>
-            <a:fld id="{3C3988C9-8C6C-49D7-8D82-24DA391FB063}" type="slidenum">
-              <a:rPr kumimoji="1" lang="ja-JP" altLang="en-US" smtClean="0"/>
-              <a:t>25</a:t>
-            </a:fld>
-            <a:endParaRPr kumimoji="1" lang="ja-JP" altLang="en-US" dirty="0"/>
-          </a:p>
-        </p:txBody>
-      </p:sp>
-      <p:sp>
-        <p:nvSpPr>
-          <p:cNvPr id="3" name="タイトル 2"/>
-          <p:cNvSpPr>
-            <a:spLocks noGrp="1"/>
-          </p:cNvSpPr>
-          <p:nvPr>
-            <p:ph type="title" idx="4294967295"/>
-          </p:nvPr>
-        </p:nvSpPr>
-        <p:spPr>
-          <a:xfrm>
-            <a:off x="2035629" y="245145"/>
-            <a:ext cx="10058400" cy="904875"/>
-          </a:xfrm>
-        </p:spPr>
-        <p:txBody>
-          <a:bodyPr/>
-          <a:lstStyle/>
-          <a:p>
-            <a:r>
-              <a:rPr kumimoji="1" lang="ja-JP" altLang="en-US" dirty="0"/>
-              <a:t>解析システムの実装方法</a:t>
-            </a:r>
-          </a:p>
-        </p:txBody>
-      </p:sp>
-      <p:sp>
-        <p:nvSpPr>
-          <p:cNvPr id="2" name="テキスト ボックス 1"/>
-          <p:cNvSpPr txBox="1"/>
-          <p:nvPr/>
-        </p:nvSpPr>
-        <p:spPr>
-          <a:xfrm>
-            <a:off x="1593022" y="1290989"/>
-            <a:ext cx="885213" cy="461665"/>
-          </a:xfrm>
-          <a:prstGeom prst="rect">
-            <a:avLst/>
-          </a:prstGeom>
-          <a:ln>
-            <a:noFill/>
-          </a:ln>
-          <a:effectLst/>
-        </p:spPr>
-        <p:style>
-          <a:lnRef idx="1">
-            <a:schemeClr val="accent3"/>
-          </a:lnRef>
-          <a:fillRef idx="3">
-            <a:schemeClr val="accent3"/>
-          </a:fillRef>
-          <a:effectRef idx="2">
-            <a:schemeClr val="accent3"/>
-          </a:effectRef>
-          <a:fontRef idx="minor">
-            <a:schemeClr val="lt1"/>
-          </a:fontRef>
-        </p:style>
-        <p:txBody>
-          <a:bodyPr wrap="square" rtlCol="0">
-            <a:spAutoFit/>
-          </a:bodyPr>
-          <a:lstStyle/>
-          <a:p>
-            <a:r>
-              <a:rPr kumimoji="1" lang="ja-JP" altLang="en-US" sz="2400" dirty="0"/>
-              <a:t>入力</a:t>
-            </a:r>
-          </a:p>
-        </p:txBody>
-      </p:sp>
-      <p:sp>
-        <p:nvSpPr>
-          <p:cNvPr id="5" name="テキスト ボックス 4"/>
-          <p:cNvSpPr txBox="1"/>
-          <p:nvPr/>
-        </p:nvSpPr>
-        <p:spPr>
-          <a:xfrm>
-            <a:off x="9480293" y="1261984"/>
-            <a:ext cx="840328" cy="461665"/>
-          </a:xfrm>
-          <a:prstGeom prst="rect">
-            <a:avLst/>
-          </a:prstGeom>
-          <a:ln>
-            <a:noFill/>
-          </a:ln>
-        </p:spPr>
-        <p:style>
-          <a:lnRef idx="2">
-            <a:schemeClr val="accent2">
-              <a:shade val="50000"/>
-            </a:schemeClr>
-          </a:lnRef>
-          <a:fillRef idx="1">
-            <a:schemeClr val="accent2"/>
-          </a:fillRef>
-          <a:effectRef idx="0">
-            <a:schemeClr val="accent2"/>
-          </a:effectRef>
-          <a:fontRef idx="minor">
-            <a:schemeClr val="lt1"/>
-          </a:fontRef>
-        </p:style>
-        <p:txBody>
-          <a:bodyPr wrap="square" rtlCol="0">
-            <a:spAutoFit/>
-          </a:bodyPr>
-          <a:lstStyle/>
-          <a:p>
-            <a:r>
-              <a:rPr lang="ja-JP" altLang="en-US" sz="2400" dirty="0"/>
-              <a:t>出力</a:t>
-            </a:r>
-            <a:endParaRPr kumimoji="1" lang="ja-JP" altLang="en-US" sz="2400" dirty="0"/>
-          </a:p>
-        </p:txBody>
-      </p:sp>
-      <p:sp>
-        <p:nvSpPr>
-          <p:cNvPr id="6" name="テキスト ボックス 5"/>
-          <p:cNvSpPr txBox="1"/>
-          <p:nvPr/>
-        </p:nvSpPr>
-        <p:spPr>
-          <a:xfrm>
-            <a:off x="4955413" y="1261984"/>
-            <a:ext cx="1723409" cy="461665"/>
-          </a:xfrm>
-          <a:prstGeom prst="rect">
-            <a:avLst/>
-          </a:prstGeom>
-          <a:ln>
-            <a:noFill/>
-          </a:ln>
-        </p:spPr>
-        <p:style>
-          <a:lnRef idx="2">
-            <a:schemeClr val="accent1">
-              <a:shade val="50000"/>
-            </a:schemeClr>
-          </a:lnRef>
-          <a:fillRef idx="1">
-            <a:schemeClr val="accent1"/>
-          </a:fillRef>
-          <a:effectRef idx="0">
-            <a:schemeClr val="accent1"/>
-          </a:effectRef>
-          <a:fontRef idx="minor">
-            <a:schemeClr val="lt1"/>
-          </a:fontRef>
-        </p:style>
-        <p:txBody>
-          <a:bodyPr wrap="square" rtlCol="0">
-            <a:spAutoFit/>
-          </a:bodyPr>
-          <a:lstStyle/>
-          <a:p>
-            <a:r>
-              <a:rPr lang="ja-JP" altLang="en-US" sz="2400" dirty="0"/>
-              <a:t>サーバ処理</a:t>
-            </a:r>
-            <a:endParaRPr kumimoji="1" lang="ja-JP" altLang="en-US" sz="2400" dirty="0"/>
-          </a:p>
-        </p:txBody>
-      </p:sp>
-      <p:sp>
-        <p:nvSpPr>
-          <p:cNvPr id="7" name="テキスト ボックス 6"/>
-          <p:cNvSpPr txBox="1"/>
-          <p:nvPr/>
-        </p:nvSpPr>
-        <p:spPr>
-          <a:xfrm>
-            <a:off x="370115" y="2020843"/>
-            <a:ext cx="3331028" cy="1200329"/>
-          </a:xfrm>
-          <a:prstGeom prst="rect">
-            <a:avLst/>
-          </a:prstGeom>
-          <a:solidFill>
-            <a:schemeClr val="bg1">
-              <a:lumMod val="95000"/>
-            </a:schemeClr>
-          </a:solidFill>
-          <a:ln>
-            <a:noFill/>
-          </a:ln>
-        </p:spPr>
-        <p:style>
-          <a:lnRef idx="0">
-            <a:scrgbClr r="0" g="0" b="0"/>
-          </a:lnRef>
-          <a:fillRef idx="0">
-            <a:scrgbClr r="0" g="0" b="0"/>
-          </a:fillRef>
-          <a:effectRef idx="0">
-            <a:scrgbClr r="0" g="0" b="0"/>
-          </a:effectRef>
-          <a:fontRef idx="minor">
-            <a:schemeClr val="dk1"/>
-          </a:fontRef>
-        </p:style>
-        <p:txBody>
-          <a:bodyPr wrap="square" rtlCol="0">
-            <a:spAutoFit/>
-          </a:bodyPr>
-          <a:lstStyle/>
-          <a:p>
-            <a:r>
-              <a:rPr kumimoji="1" lang="ja-JP" altLang="en-US" sz="2400" dirty="0"/>
-              <a:t>ラズベリーパイから送信された画像データと</a:t>
-            </a:r>
-            <a:endParaRPr kumimoji="1" lang="en-US" altLang="ja-JP" sz="2400" dirty="0"/>
-          </a:p>
-          <a:p>
-            <a:r>
-              <a:rPr kumimoji="1" lang="ja-JP" altLang="en-US" sz="2400" dirty="0"/>
-              <a:t>フラグ</a:t>
-            </a:r>
-            <a:r>
-              <a:rPr kumimoji="1" lang="en-US" altLang="ja-JP" sz="2400" dirty="0"/>
-              <a:t>(</a:t>
-            </a:r>
-            <a:r>
-              <a:rPr kumimoji="1" lang="ja-JP" altLang="en-US" sz="2400" dirty="0"/>
-              <a:t>追加</a:t>
-            </a:r>
-            <a:r>
-              <a:rPr kumimoji="1" lang="en-US" altLang="ja-JP" sz="2400" dirty="0"/>
-              <a:t>or</a:t>
-            </a:r>
-            <a:r>
-              <a:rPr kumimoji="1" lang="ja-JP" altLang="en-US" sz="2400" dirty="0"/>
-              <a:t>削除</a:t>
-            </a:r>
-            <a:r>
-              <a:rPr kumimoji="1" lang="en-US" altLang="ja-JP" sz="2400" dirty="0"/>
-              <a:t>)</a:t>
-            </a:r>
-            <a:endParaRPr kumimoji="1" lang="ja-JP" altLang="en-US" sz="2400" dirty="0"/>
-          </a:p>
-        </p:txBody>
-      </p:sp>
-      <p:sp>
-        <p:nvSpPr>
-          <p:cNvPr id="8" name="テキスト ボックス 7"/>
-          <p:cNvSpPr txBox="1"/>
-          <p:nvPr/>
-        </p:nvSpPr>
-        <p:spPr>
-          <a:xfrm>
-            <a:off x="4143579" y="2023148"/>
-            <a:ext cx="4049486" cy="4431983"/>
-          </a:xfrm>
-          <a:prstGeom prst="rect">
-            <a:avLst/>
-          </a:prstGeom>
-          <a:solidFill>
-            <a:schemeClr val="bg1">
-              <a:lumMod val="95000"/>
-            </a:schemeClr>
-          </a:solidFill>
-          <a:ln>
-            <a:noFill/>
-          </a:ln>
-        </p:spPr>
-        <p:style>
-          <a:lnRef idx="0">
-            <a:scrgbClr r="0" g="0" b="0"/>
-          </a:lnRef>
-          <a:fillRef idx="0">
-            <a:scrgbClr r="0" g="0" b="0"/>
-          </a:fillRef>
-          <a:effectRef idx="0">
-            <a:scrgbClr r="0" g="0" b="0"/>
-          </a:effectRef>
-          <a:fontRef idx="minor">
-            <a:schemeClr val="dk1"/>
-          </a:fontRef>
-        </p:style>
-        <p:txBody>
-          <a:bodyPr wrap="square" rtlCol="0">
-            <a:spAutoFit/>
-          </a:bodyPr>
-          <a:lstStyle/>
-          <a:p>
-            <a:r>
-              <a:rPr kumimoji="1" lang="ja-JP" altLang="en-US" sz="2400" dirty="0"/>
-              <a:t>・</a:t>
-            </a:r>
-            <a:r>
-              <a:rPr kumimoji="1" lang="en-US" altLang="ja-JP" sz="2400" dirty="0"/>
-              <a:t>Yolo</a:t>
-            </a:r>
-            <a:endParaRPr lang="en-US" altLang="ja-JP" sz="2400" dirty="0"/>
-          </a:p>
-          <a:p>
-            <a:r>
-              <a:rPr kumimoji="1" lang="ja-JP" altLang="en-US" sz="2400" dirty="0"/>
-              <a:t>画像からバーコードが写っている座標の取得</a:t>
-            </a:r>
-            <a:r>
-              <a:rPr kumimoji="1" lang="en-US" altLang="ja-JP" sz="2400" dirty="0"/>
-              <a:t>(</a:t>
-            </a:r>
-            <a:r>
-              <a:rPr kumimoji="1" lang="en-US" altLang="ja-JP" sz="2400" dirty="0" err="1"/>
-              <a:t>x,y,h,w</a:t>
-            </a:r>
-            <a:r>
-              <a:rPr kumimoji="1" lang="en-US" altLang="ja-JP" sz="2400" dirty="0"/>
-              <a:t>)</a:t>
-            </a:r>
-          </a:p>
-          <a:p>
-            <a:endParaRPr lang="en-US" altLang="ja-JP" sz="2400" dirty="0"/>
-          </a:p>
-          <a:p>
-            <a:r>
-              <a:rPr kumimoji="1" lang="ja-JP" altLang="en-US" sz="2400" dirty="0"/>
-              <a:t>・画像処理</a:t>
-            </a:r>
-            <a:endParaRPr lang="en-US" altLang="ja-JP" sz="2400" dirty="0"/>
-          </a:p>
-          <a:p>
-            <a:r>
-              <a:rPr kumimoji="1" lang="ja-JP" altLang="en-US" sz="2400" dirty="0"/>
-              <a:t>画像の切り取り、グレイスケール化</a:t>
-            </a:r>
-            <a:endParaRPr kumimoji="1" lang="en-US" altLang="ja-JP" sz="2400" dirty="0"/>
-          </a:p>
-          <a:p>
-            <a:endParaRPr lang="en-US" altLang="ja-JP" sz="2400" dirty="0"/>
-          </a:p>
-          <a:p>
-            <a:r>
-              <a:rPr kumimoji="1" lang="ja-JP" altLang="en-US" sz="2400" dirty="0"/>
-              <a:t>・</a:t>
-            </a:r>
-            <a:r>
-              <a:rPr lang="en-US" altLang="ja-JP" sz="2400" dirty="0" err="1"/>
-              <a:t>p</a:t>
-            </a:r>
-            <a:r>
-              <a:rPr kumimoji="1" lang="en-US" altLang="ja-JP" sz="2400" dirty="0" err="1"/>
-              <a:t>yzbar</a:t>
-            </a:r>
-            <a:r>
-              <a:rPr kumimoji="1" lang="ja-JP" altLang="en-US" sz="2400" dirty="0"/>
-              <a:t>グレイスケール化したバーコード画像を投げ、番号を取得</a:t>
-            </a:r>
-            <a:endParaRPr kumimoji="1" lang="en-US" altLang="ja-JP" sz="2400" dirty="0"/>
-          </a:p>
-          <a:p>
-            <a:endParaRPr kumimoji="1" lang="ja-JP" altLang="en-US" dirty="0"/>
-          </a:p>
-        </p:txBody>
-      </p:sp>
-      <p:sp>
-        <p:nvSpPr>
-          <p:cNvPr id="9" name="テキスト ボックス 8"/>
-          <p:cNvSpPr txBox="1"/>
-          <p:nvPr/>
-        </p:nvSpPr>
-        <p:spPr>
-          <a:xfrm>
-            <a:off x="8744055" y="2020843"/>
-            <a:ext cx="2312805" cy="461665"/>
-          </a:xfrm>
-          <a:prstGeom prst="rect">
-            <a:avLst/>
-          </a:prstGeom>
-          <a:solidFill>
-            <a:schemeClr val="bg1">
-              <a:lumMod val="95000"/>
-            </a:schemeClr>
-          </a:solidFill>
-          <a:ln>
-            <a:noFill/>
-          </a:ln>
-        </p:spPr>
-        <p:style>
-          <a:lnRef idx="0">
-            <a:scrgbClr r="0" g="0" b="0"/>
-          </a:lnRef>
-          <a:fillRef idx="0">
-            <a:scrgbClr r="0" g="0" b="0"/>
-          </a:fillRef>
-          <a:effectRef idx="0">
-            <a:scrgbClr r="0" g="0" b="0"/>
-          </a:effectRef>
-          <a:fontRef idx="minor">
-            <a:schemeClr val="dk1"/>
-          </a:fontRef>
-        </p:style>
-        <p:txBody>
-          <a:bodyPr wrap="square" rtlCol="0">
-            <a:spAutoFit/>
-          </a:bodyPr>
-          <a:lstStyle/>
-          <a:p>
-            <a:r>
-              <a:rPr kumimoji="1" lang="ja-JP" altLang="en-US" sz="2400" dirty="0"/>
-              <a:t>バーコード番号</a:t>
-            </a:r>
-          </a:p>
-        </p:txBody>
-      </p:sp>
-    </p:spTree>
-    <p:extLst>
-      <p:ext uri="{BB962C8B-B14F-4D97-AF65-F5344CB8AC3E}">
-        <p14:creationId xmlns:p14="http://schemas.microsoft.com/office/powerpoint/2010/main" val="2393621110"/>
-      </p:ext>
-    </p:extLst>
-  </p:cSld>
-  <p:clrMapOvr>
-    <a:masterClrMapping/>
-  </p:clrMapOvr>
-</p:sld>
-</file>
-
-<file path=ppt/slides/slide27.xml><?xml version="1.0" encoding="utf-8"?>
-<p:sld xmlns:a="http://schemas.openxmlformats.org/drawingml/2006/main" xmlns:r="http://schemas.openxmlformats.org/officeDocument/2006/relationships" xmlns:p="http://schemas.openxmlformats.org/presentationml/2006/main">
-  <p:cSld>
-    <p:spTree>
-      <p:nvGrpSpPr>
-        <p:cNvPr id="1" name=""/>
-        <p:cNvGrpSpPr/>
-        <p:nvPr/>
-      </p:nvGrpSpPr>
-      <p:grpSpPr>
-        <a:xfrm>
-          <a:off x="0" y="0"/>
-          <a:ext cx="0" cy="0"/>
-          <a:chOff x="0" y="0"/>
-          <a:chExt cx="0" cy="0"/>
-        </a:xfrm>
-      </p:grpSpPr>
-      <p:sp>
-        <p:nvSpPr>
-          <p:cNvPr id="2" name="タイトル 1"/>
-          <p:cNvSpPr>
-            <a:spLocks noGrp="1"/>
-          </p:cNvSpPr>
-          <p:nvPr>
-            <p:ph type="ctrTitle"/>
-          </p:nvPr>
-        </p:nvSpPr>
-        <p:spPr/>
-        <p:txBody>
-          <a:bodyPr/>
-          <a:lstStyle/>
-          <a:p>
-            <a:r>
-              <a:rPr kumimoji="1" lang="ja-JP" altLang="en-US" smtClean="0"/>
-              <a:t>評価・考察</a:t>
-            </a:r>
-            <a:endParaRPr kumimoji="1" lang="ja-JP" altLang="en-US"/>
-          </a:p>
-        </p:txBody>
-      </p:sp>
-      <p:sp>
-        <p:nvSpPr>
-          <p:cNvPr id="5" name="サブタイトル 4"/>
-          <p:cNvSpPr>
-            <a:spLocks noGrp="1"/>
-          </p:cNvSpPr>
-          <p:nvPr>
-            <p:ph type="subTitle" idx="1"/>
-          </p:nvPr>
-        </p:nvSpPr>
-        <p:spPr/>
-        <p:txBody>
-          <a:bodyPr/>
-          <a:lstStyle/>
-          <a:p>
-            <a:endParaRPr kumimoji="1" lang="ja-JP" altLang="en-US"/>
-          </a:p>
-        </p:txBody>
-      </p:sp>
-      <p:sp>
-        <p:nvSpPr>
-          <p:cNvPr id="4" name="スライド番号プレースホルダー 3"/>
-          <p:cNvSpPr>
-            <a:spLocks noGrp="1"/>
-          </p:cNvSpPr>
-          <p:nvPr>
-            <p:ph type="sldNum" sz="quarter" idx="12"/>
-          </p:nvPr>
-        </p:nvSpPr>
-        <p:spPr/>
-        <p:txBody>
-          <a:bodyPr/>
-          <a:lstStyle/>
-          <a:p>
-            <a:fld id="{3C3988C9-8C6C-49D7-8D82-24DA391FB063}" type="slidenum">
-              <a:rPr lang="ja-JP" altLang="en-US" smtClean="0"/>
-              <a:pPr/>
-              <a:t>26</a:t>
-            </a:fld>
-            <a:endParaRPr lang="ja-JP" altLang="en-US"/>
-          </a:p>
-        </p:txBody>
-      </p:sp>
-    </p:spTree>
-    <p:extLst>
-      <p:ext uri="{BB962C8B-B14F-4D97-AF65-F5344CB8AC3E}">
-        <p14:creationId xmlns:p14="http://schemas.microsoft.com/office/powerpoint/2010/main" val="3917420495"/>
-      </p:ext>
-    </p:extLst>
-  </p:cSld>
-  <p:clrMapOvr>
-    <a:masterClrMapping/>
-  </p:clrMapOvr>
-  <p:timing>
-    <p:tnLst>
-      <p:par>
-        <p:cTn id="1" dur="indefinite" restart="never" nodeType="tmRoot"/>
-      </p:par>
-    </p:tnLst>
-  </p:timing>
-</p:sld>
-</file>
-
 <file path=ppt/slides/slide28.xml><?xml version="1.0" encoding="utf-8"?>
 <p:sld xmlns:a="http://schemas.openxmlformats.org/drawingml/2006/main" xmlns:r="http://schemas.openxmlformats.org/officeDocument/2006/relationships" xmlns:p="http://schemas.openxmlformats.org/presentationml/2006/main">
   <p:cSld>
@@ -17436,7 +18668,7 @@
             <a:spLocks noGrp="1"/>
           </p:cNvSpPr>
           <p:nvPr>
-            <p:ph type="title"/>
+            <p:ph type="ctrTitle"/>
           </p:nvPr>
         </p:nvSpPr>
         <p:spPr/>
@@ -17446,37 +18678,31 @@
           <a:p>
             <a:r>
               <a:rPr kumimoji="1" lang="ja-JP" altLang="en-US" smtClean="0"/>
-              <a:t>まとめ</a:t>
+              <a:t>評価・考察</a:t>
             </a:r>
             <a:endParaRPr kumimoji="1" lang="ja-JP" altLang="en-US"/>
           </a:p>
         </p:txBody>
       </p:sp>
-      <p:graphicFrame>
-        <p:nvGraphicFramePr>
-          <p:cNvPr id="5" name="コンテンツ プレースホルダー 4"/>
-          <p:cNvGraphicFramePr>
-            <a:graphicFrameLocks noGrp="1"/>
-          </p:cNvGraphicFramePr>
+      <p:sp>
+        <p:nvSpPr>
+          <p:cNvPr id="5" name="サブタイトル 4"/>
+          <p:cNvSpPr>
+            <a:spLocks noGrp="1"/>
+          </p:cNvSpPr>
           <p:nvPr>
-            <p:ph idx="1"/>
-            <p:extLst>
-              <p:ext uri="{D42A27DB-BD31-4B8C-83A1-F6EECF244321}">
-                <p14:modId xmlns:p14="http://schemas.microsoft.com/office/powerpoint/2010/main" val="1067687866"/>
-              </p:ext>
-            </p:extLst>
+            <p:ph type="subTitle" idx="1"/>
           </p:nvPr>
-        </p:nvGraphicFramePr>
-        <p:xfrm>
-          <a:off x="1096963" y="1846263"/>
-          <a:ext cx="10058400" cy="4022725"/>
-        </p:xfrm>
-        <a:graphic>
-          <a:graphicData uri="http://schemas.openxmlformats.org/drawingml/2006/diagram">
-            <dgm:relIds xmlns:dgm="http://schemas.openxmlformats.org/drawingml/2006/diagram" xmlns:r="http://schemas.openxmlformats.org/officeDocument/2006/relationships" r:dm="rId2" r:lo="rId3" r:qs="rId4" r:cs="rId5"/>
-          </a:graphicData>
-        </a:graphic>
-      </p:graphicFrame>
+        </p:nvSpPr>
+        <p:spPr/>
+        <p:txBody>
+          <a:bodyPr/>
+          <a:lstStyle/>
+          <a:p>
+            <a:endParaRPr kumimoji="1" lang="ja-JP" altLang="en-US"/>
+          </a:p>
+        </p:txBody>
+      </p:sp>
       <p:sp>
         <p:nvSpPr>
           <p:cNvPr id="4" name="スライド番号プレースホルダー 3"/>
@@ -17504,7 +18730,7 @@
     </p:spTree>
     <p:extLst>
       <p:ext uri="{BB962C8B-B14F-4D97-AF65-F5344CB8AC3E}">
-        <p14:creationId xmlns:p14="http://schemas.microsoft.com/office/powerpoint/2010/main" val="2591448715"/>
+        <p14:creationId xmlns:p14="http://schemas.microsoft.com/office/powerpoint/2010/main" val="3917420495"/>
       </p:ext>
     </p:extLst>
   </p:cSld>
@@ -17540,223 +18766,6 @@
       </p:grpSpPr>
       <p:sp>
         <p:nvSpPr>
-          <p:cNvPr id="6" name="正方形/長方形 5"/>
-          <p:cNvSpPr/>
-          <p:nvPr/>
-        </p:nvSpPr>
-        <p:spPr>
-          <a:xfrm>
-            <a:off x="1097279" y="2649868"/>
-            <a:ext cx="10115204" cy="2492990"/>
-          </a:xfrm>
-          <a:prstGeom prst="rect">
-            <a:avLst/>
-          </a:prstGeom>
-          <a:noFill/>
-        </p:spPr>
-        <p:txBody>
-          <a:bodyPr wrap="square">
-            <a:spAutoFit/>
-          </a:bodyPr>
-          <a:lstStyle/>
-          <a:p>
-            <a:r>
-              <a:rPr lang="ja-JP" altLang="en-US" sz="2400" spc="300" dirty="0"/>
-              <a:t>セルフレジ</a:t>
-            </a:r>
-            <a:r>
-              <a:rPr lang="en-US" altLang="ja-JP" sz="2400" spc="300" dirty="0"/>
-              <a:t>1</a:t>
-            </a:r>
-            <a:r>
-              <a:rPr lang="ja-JP" altLang="en-US" sz="2400" spc="300" dirty="0"/>
-              <a:t>セットを購入するのにかかる値段</a:t>
-            </a:r>
-            <a:endParaRPr lang="en-US" altLang="ja-JP" sz="2400" spc="300" dirty="0"/>
-          </a:p>
-          <a:p>
-            <a:pPr lvl="1"/>
-            <a:r>
-              <a:rPr lang="ja-JP" altLang="en-US" sz="2400" spc="300" smtClean="0"/>
-              <a:t>約</a:t>
-            </a:r>
-            <a:r>
-              <a:rPr lang="en-US" altLang="ja-JP" sz="2400" spc="300" smtClean="0"/>
-              <a:t>1,875,000</a:t>
-            </a:r>
-            <a:r>
-              <a:rPr lang="ja-JP" altLang="en-US" sz="2400" spc="300" smtClean="0"/>
-              <a:t>（登録機）</a:t>
-            </a:r>
-            <a:r>
-              <a:rPr lang="en-US" altLang="ja-JP" sz="2400" spc="300" smtClean="0"/>
-              <a:t>+</a:t>
-            </a:r>
-            <a:r>
-              <a:rPr lang="ja-JP" altLang="en-US" sz="2400" spc="300" smtClean="0"/>
-              <a:t>約</a:t>
-            </a:r>
-            <a:r>
-              <a:rPr lang="en-US" altLang="ja-JP" sz="2400" spc="300" smtClean="0"/>
-              <a:t>2,750,000</a:t>
-            </a:r>
-            <a:r>
-              <a:rPr lang="ja-JP" altLang="en-US" sz="2400" spc="300" smtClean="0"/>
-              <a:t>円（精算機） </a:t>
-            </a:r>
-            <a:r>
-              <a:rPr lang="en-US" altLang="ja-JP" sz="2400" spc="300" smtClean="0"/>
-              <a:t>* </a:t>
-            </a:r>
-            <a:r>
-              <a:rPr lang="en-US" altLang="ja-JP" sz="2400" spc="300" smtClean="0"/>
-              <a:t>7</a:t>
-            </a:r>
-            <a:r>
-              <a:rPr lang="ja-JP" altLang="en-US" sz="2400" spc="300" smtClean="0"/>
-              <a:t>台 </a:t>
-            </a:r>
-            <a:r>
-              <a:rPr lang="en-US" altLang="ja-JP" sz="2400" spc="300" smtClean="0"/>
-              <a:t>= </a:t>
-            </a:r>
-            <a:r>
-              <a:rPr lang="en-US" altLang="ja-JP" sz="3200" spc="300" smtClean="0"/>
-              <a:t>21,125,000</a:t>
-            </a:r>
-            <a:r>
-              <a:rPr lang="ja-JP" altLang="en-US" sz="3200" spc="300" smtClean="0"/>
-              <a:t>円</a:t>
-            </a:r>
-            <a:endParaRPr lang="en-US" altLang="ja-JP" sz="2400" spc="300" dirty="0"/>
-          </a:p>
-          <a:p>
-            <a:r>
-              <a:rPr lang="en-US" altLang="ja-JP" sz="2400" spc="300" dirty="0"/>
-              <a:t>Web</a:t>
-            </a:r>
-            <a:r>
-              <a:rPr lang="ja-JP" altLang="en-US" sz="2400" spc="300" dirty="0"/>
-              <a:t>カメラを使用し、本システムを導入した場合にかかる機材の費用</a:t>
-            </a:r>
-            <a:endParaRPr lang="en-US" altLang="ja-JP" sz="2400" spc="300" dirty="0"/>
-          </a:p>
-          <a:p>
-            <a:pPr lvl="1"/>
-            <a:r>
-              <a:rPr lang="ja-JP" altLang="en-US" sz="2000" spc="300" smtClean="0"/>
-              <a:t>約</a:t>
-            </a:r>
-            <a:r>
-              <a:rPr lang="en-US" altLang="ja-JP" sz="2000" spc="300" smtClean="0"/>
-              <a:t>150,000</a:t>
-            </a:r>
-            <a:r>
-              <a:rPr lang="ja-JP" altLang="en-US" sz="2000" spc="300" smtClean="0"/>
-              <a:t>（サーバ代）</a:t>
-            </a:r>
-            <a:r>
-              <a:rPr lang="en-US" altLang="ja-JP" sz="2000" spc="300" smtClean="0"/>
-              <a:t>+</a:t>
-            </a:r>
-            <a:r>
-              <a:rPr lang="ja-JP" altLang="en-US" sz="2000" spc="300" smtClean="0"/>
-              <a:t>約</a:t>
-            </a:r>
-            <a:r>
-              <a:rPr lang="en-US" altLang="ja-JP" sz="2000" spc="300" smtClean="0"/>
-              <a:t>9</a:t>
-            </a:r>
-            <a:r>
-              <a:rPr lang="en-US" altLang="ja-JP" sz="2000" spc="300"/>
-              <a:t>,</a:t>
-            </a:r>
-            <a:r>
-              <a:rPr lang="en-US" altLang="ja-JP" sz="2000" spc="300" smtClean="0"/>
-              <a:t>200</a:t>
-            </a:r>
-            <a:r>
-              <a:rPr lang="ja-JP" altLang="en-US" sz="2000" spc="300" smtClean="0"/>
-              <a:t>円（周辺機器） </a:t>
-            </a:r>
-            <a:r>
-              <a:rPr lang="en-US" altLang="ja-JP" sz="2000" spc="300" smtClean="0"/>
-              <a:t>* </a:t>
-            </a:r>
-            <a:r>
-              <a:rPr lang="en-US" altLang="ja-JP" sz="2000" spc="300" smtClean="0"/>
-              <a:t>90</a:t>
-            </a:r>
-            <a:r>
-              <a:rPr lang="ja-JP" altLang="en-US" sz="2000" spc="300" dirty="0" smtClean="0"/>
-              <a:t>個（カゴの個数） </a:t>
-            </a:r>
-            <a:r>
-              <a:rPr lang="en-US" altLang="ja-JP" sz="2000" spc="300"/>
-              <a:t>= </a:t>
-            </a:r>
-            <a:r>
-              <a:rPr lang="en-US" altLang="ja-JP" sz="3200" spc="300" smtClean="0"/>
-              <a:t>978,000</a:t>
-            </a:r>
-            <a:r>
-              <a:rPr lang="ja-JP" altLang="en-US" sz="3200" spc="300" smtClean="0"/>
-              <a:t>円</a:t>
-            </a:r>
-            <a:endParaRPr lang="en-US" altLang="ja-JP" sz="2400" spc="300" dirty="0"/>
-          </a:p>
-        </p:txBody>
-      </p:sp>
-      <p:sp>
-        <p:nvSpPr>
-          <p:cNvPr id="4" name="正方形/長方形 3"/>
-          <p:cNvSpPr/>
-          <p:nvPr/>
-        </p:nvSpPr>
-        <p:spPr>
-          <a:xfrm>
-            <a:off x="1661473" y="3770229"/>
-            <a:ext cx="2791326" cy="188967"/>
-          </a:xfrm>
-          <a:prstGeom prst="rect">
-            <a:avLst/>
-          </a:prstGeom>
-          <a:solidFill>
-            <a:srgbClr val="FFCC00">
-              <a:alpha val="66000"/>
-            </a:srgbClr>
-          </a:solidFill>
-          <a:ln>
-            <a:noFill/>
-          </a:ln>
-        </p:spPr>
-        <p:style>
-          <a:lnRef idx="2">
-            <a:schemeClr val="accent1">
-              <a:shade val="50000"/>
-            </a:schemeClr>
-          </a:lnRef>
-          <a:fillRef idx="1">
-            <a:schemeClr val="accent1"/>
-          </a:fillRef>
-          <a:effectRef idx="0">
-            <a:schemeClr val="accent1"/>
-          </a:effectRef>
-          <a:fontRef idx="minor">
-            <a:schemeClr val="lt1"/>
-          </a:fontRef>
-        </p:style>
-        <p:txBody>
-          <a:bodyPr rtlCol="0" anchor="ctr"/>
-          <a:lstStyle/>
-          <a:p>
-            <a:pPr algn="ctr"/>
-            <a:endParaRPr kumimoji="1" lang="ja-JP" altLang="en-US"/>
-          </a:p>
-        </p:txBody>
-      </p:sp>
-      <p:sp>
-        <p:nvSpPr>
           <p:cNvPr id="2" name="タイトル 1"/>
           <p:cNvSpPr>
             <a:spLocks noGrp="1"/>
@@ -17771,24 +18780,41 @@
           <a:lstStyle/>
           <a:p>
             <a:r>
-              <a:rPr lang="ja-JP" altLang="en-US" dirty="0" smtClean="0"/>
-              <a:t>メリット</a:t>
-            </a:r>
-            <a:r>
-              <a:rPr lang="ja-JP" altLang="en-US" dirty="0"/>
-              <a:t>・</a:t>
-            </a:r>
-            <a:r>
-              <a:rPr lang="ja-JP" altLang="en-US" dirty="0" smtClean="0"/>
-              <a:t>効果</a:t>
-            </a:r>
-            <a:endParaRPr kumimoji="1" lang="ja-JP" altLang="en-US" dirty="0"/>
+              <a:rPr kumimoji="1" lang="ja-JP" altLang="en-US" smtClean="0"/>
+              <a:t>まとめ</a:t>
+            </a:r>
+            <a:endParaRPr kumimoji="1" lang="ja-JP" altLang="en-US"/>
           </a:p>
         </p:txBody>
       </p:sp>
-      <p:sp>
-        <p:nvSpPr>
-          <p:cNvPr id="3" name="スライド番号プレースホルダー 2"/>
+      <p:graphicFrame>
+        <p:nvGraphicFramePr>
+          <p:cNvPr id="5" name="コンテンツ プレースホルダー 4"/>
+          <p:cNvGraphicFramePr>
+            <a:graphicFrameLocks noGrp="1"/>
+          </p:cNvGraphicFramePr>
+          <p:nvPr>
+            <p:ph idx="1"/>
+            <p:extLst>
+              <p:ext uri="{D42A27DB-BD31-4B8C-83A1-F6EECF244321}">
+                <p14:modId xmlns:p14="http://schemas.microsoft.com/office/powerpoint/2010/main" val="1067687866"/>
+              </p:ext>
+            </p:extLst>
+          </p:nvPr>
+        </p:nvGraphicFramePr>
+        <p:xfrm>
+          <a:off x="1096963" y="1846263"/>
+          <a:ext cx="10058400" cy="4022725"/>
+        </p:xfrm>
+        <a:graphic>
+          <a:graphicData uri="http://schemas.openxmlformats.org/drawingml/2006/diagram">
+            <dgm:relIds xmlns:dgm="http://schemas.openxmlformats.org/drawingml/2006/diagram" xmlns:r="http://schemas.openxmlformats.org/officeDocument/2006/relationships" r:dm="rId2" r:lo="rId3" r:qs="rId4" r:cs="rId5"/>
+          </a:graphicData>
+        </a:graphic>
+      </p:graphicFrame>
+      <p:sp>
+        <p:nvSpPr>
+          <p:cNvPr id="4" name="スライド番号プレースホルダー 3"/>
           <p:cNvSpPr>
             <a:spLocks noGrp="1"/>
           </p:cNvSpPr>
@@ -17802,153 +18828,18 @@
           <a:lstStyle/>
           <a:p>
             <a:fld id="{3C3988C9-8C6C-49D7-8D82-24DA391FB063}" type="slidenum">
-              <a:rPr kumimoji="1" lang="ja-JP" altLang="en-US" sz="3200" smtClean="0"/>
+              <a:rPr lang="ja-JP" altLang="en-US" smtClean="0"/>
+              <a:pPr/>
               <a:t>28</a:t>
             </a:fld>
-            <a:endParaRPr kumimoji="1" lang="ja-JP" altLang="en-US" sz="3200"/>
-          </a:p>
-        </p:txBody>
-      </p:sp>
-      <p:sp>
-        <p:nvSpPr>
-          <p:cNvPr id="5" name="テキスト ボックス 4"/>
-          <p:cNvSpPr txBox="1"/>
-          <p:nvPr/>
-        </p:nvSpPr>
-        <p:spPr>
-          <a:xfrm>
-            <a:off x="1097279" y="1865807"/>
-            <a:ext cx="2723950" cy="523220"/>
-          </a:xfrm>
-          <a:prstGeom prst="rect">
-            <a:avLst/>
-          </a:prstGeom>
-          <a:solidFill>
-            <a:schemeClr val="bg1">
-              <a:lumMod val="95000"/>
-            </a:schemeClr>
-          </a:solidFill>
-        </p:spPr>
-        <p:txBody>
-          <a:bodyPr wrap="square" rtlCol="0">
-            <a:spAutoFit/>
-          </a:bodyPr>
-          <a:lstStyle/>
-          <a:p>
-            <a:r>
-              <a:rPr lang="ja-JP" altLang="en-US" sz="2800" smtClean="0"/>
-              <a:t>店側</a:t>
-            </a:r>
-            <a:r>
-              <a:rPr lang="ja-JP" altLang="en-US" sz="2800" dirty="0"/>
-              <a:t>：</a:t>
-            </a:r>
-            <a:r>
-              <a:rPr lang="ja-JP" altLang="en-US" sz="2800" smtClean="0"/>
-              <a:t>コスト</a:t>
-            </a:r>
-            <a:r>
-              <a:rPr lang="ja-JP" altLang="en-US" sz="2800" dirty="0" smtClean="0"/>
-              <a:t>削減</a:t>
-            </a:r>
-            <a:endParaRPr kumimoji="1" lang="ja-JP" altLang="en-US" sz="2800" dirty="0"/>
-          </a:p>
-        </p:txBody>
-      </p:sp>
-      <p:sp>
-        <p:nvSpPr>
-          <p:cNvPr id="7" name="テキスト ボックス 6"/>
-          <p:cNvSpPr txBox="1"/>
-          <p:nvPr/>
-        </p:nvSpPr>
-        <p:spPr>
-          <a:xfrm>
-            <a:off x="1097278" y="5087156"/>
-            <a:ext cx="3355521" cy="523220"/>
-          </a:xfrm>
-          <a:prstGeom prst="rect">
-            <a:avLst/>
-          </a:prstGeom>
-          <a:solidFill>
-            <a:schemeClr val="bg1">
-              <a:lumMod val="95000"/>
-            </a:schemeClr>
-          </a:solidFill>
-        </p:spPr>
-        <p:txBody>
-          <a:bodyPr wrap="square" rtlCol="0">
-            <a:spAutoFit/>
-          </a:bodyPr>
-          <a:lstStyle/>
-          <a:p>
-            <a:r>
-              <a:rPr lang="ja-JP" altLang="en-US" sz="2800" smtClean="0"/>
-              <a:t>ユーザ：</a:t>
-            </a:r>
-            <a:r>
-              <a:rPr lang="ja-JP" altLang="en-US" sz="2800" smtClean="0"/>
-              <a:t>時間</a:t>
-            </a:r>
-            <a:r>
-              <a:rPr lang="ja-JP" altLang="en-US" sz="2800" dirty="0" smtClean="0"/>
-              <a:t>の短縮</a:t>
-            </a:r>
-            <a:endParaRPr kumimoji="1" lang="ja-JP" altLang="en-US" sz="2800" dirty="0"/>
-          </a:p>
-        </p:txBody>
-      </p:sp>
-      <p:sp>
-        <p:nvSpPr>
-          <p:cNvPr id="8" name="正方形/長方形 7"/>
-          <p:cNvSpPr/>
-          <p:nvPr/>
-        </p:nvSpPr>
-        <p:spPr>
-          <a:xfrm>
-            <a:off x="1546928" y="4911725"/>
-            <a:ext cx="2571550" cy="167832"/>
-          </a:xfrm>
-          <a:prstGeom prst="rect">
-            <a:avLst/>
-          </a:prstGeom>
-          <a:solidFill>
-            <a:srgbClr val="FFCC00">
-              <a:alpha val="66000"/>
-            </a:srgbClr>
-          </a:solidFill>
-          <a:ln>
-            <a:noFill/>
-          </a:ln>
-        </p:spPr>
-        <p:style>
-          <a:lnRef idx="2">
-            <a:schemeClr val="accent1">
-              <a:shade val="50000"/>
-            </a:schemeClr>
-          </a:lnRef>
-          <a:fillRef idx="1">
-            <a:schemeClr val="accent1"/>
-          </a:fillRef>
-          <a:effectRef idx="0">
-            <a:schemeClr val="accent1"/>
-          </a:effectRef>
-          <a:fontRef idx="minor">
-            <a:schemeClr val="lt1"/>
-          </a:fontRef>
-        </p:style>
-        <p:txBody>
-          <a:bodyPr rtlCol="0" anchor="ctr"/>
-          <a:lstStyle/>
-          <a:p>
-            <a:pPr algn="ctr"/>
-            <a:endParaRPr kumimoji="1" lang="ja-JP" altLang="en-US"/>
+            <a:endParaRPr lang="ja-JP" altLang="en-US"/>
           </a:p>
         </p:txBody>
       </p:sp>
     </p:spTree>
     <p:extLst>
       <p:ext uri="{BB962C8B-B14F-4D97-AF65-F5344CB8AC3E}">
-        <p14:creationId xmlns:p14="http://schemas.microsoft.com/office/powerpoint/2010/main" val="1330612530"/>
+        <p14:creationId xmlns:p14="http://schemas.microsoft.com/office/powerpoint/2010/main" val="2591448715"/>
       </p:ext>
     </p:extLst>
   </p:cSld>
@@ -18424,7 +19315,55 @@
       </p:grpSpPr>
       <p:sp>
         <p:nvSpPr>
-          <p:cNvPr id="3" name="タイトル 2"/>
+          <p:cNvPr id="4" name="正方形/長方形 3"/>
+          <p:cNvSpPr/>
+          <p:nvPr/>
+        </p:nvSpPr>
+        <p:spPr>
+          <a:xfrm>
+            <a:off x="1546928" y="3770714"/>
+            <a:ext cx="2791326" cy="188967"/>
+          </a:xfrm>
+          <a:prstGeom prst="rect">
+            <a:avLst/>
+          </a:prstGeom>
+          <a:solidFill>
+            <a:srgbClr val="FFCC00">
+              <a:alpha val="66000"/>
+            </a:srgbClr>
+          </a:solidFill>
+          <a:ln>
+            <a:noFill/>
+          </a:ln>
+        </p:spPr>
+        <p:style>
+          <a:lnRef idx="2">
+            <a:schemeClr val="accent1">
+              <a:shade val="50000"/>
+            </a:schemeClr>
+          </a:lnRef>
+          <a:fillRef idx="1">
+            <a:schemeClr val="accent1"/>
+          </a:fillRef>
+          <a:effectRef idx="0">
+            <a:schemeClr val="accent1"/>
+          </a:effectRef>
+          <a:fontRef idx="minor">
+            <a:schemeClr val="lt1"/>
+          </a:fontRef>
+        </p:style>
+        <p:txBody>
+          <a:bodyPr rtlCol="0" anchor="ctr"/>
+          <a:lstStyle/>
+          <a:p>
+            <a:pPr algn="ctr"/>
+            <a:endParaRPr kumimoji="1" lang="ja-JP" altLang="en-US"/>
+          </a:p>
+        </p:txBody>
+      </p:sp>
+      <p:sp>
+        <p:nvSpPr>
+          <p:cNvPr id="2" name="タイトル 1"/>
           <p:cNvSpPr>
             <a:spLocks noGrp="1"/>
           </p:cNvSpPr>
@@ -18438,16 +19377,24 @@
           <a:lstStyle/>
           <a:p>
             <a:r>
-              <a:rPr kumimoji="1" lang="ja-JP" altLang="en-US" smtClean="0"/>
-              <a:t>スケジュール管理</a:t>
-            </a:r>
-            <a:endParaRPr kumimoji="1" lang="ja-JP" altLang="en-US"/>
+              <a:rPr lang="ja-JP" altLang="en-US" dirty="0" smtClean="0"/>
+              <a:t>メリット</a:t>
+            </a:r>
+            <a:r>
+              <a:rPr lang="ja-JP" altLang="en-US" dirty="0"/>
+              <a:t>・</a:t>
+            </a:r>
+            <a:r>
+              <a:rPr lang="ja-JP" altLang="en-US" dirty="0" smtClean="0"/>
+              <a:t>効果</a:t>
+            </a:r>
+            <a:endParaRPr kumimoji="1" lang="ja-JP" altLang="en-US" dirty="0"/>
           </a:p>
         </p:txBody>
       </p:sp>
       <p:sp>
         <p:nvSpPr>
-          <p:cNvPr id="2" name="スライド番号プレースホルダー 1"/>
+          <p:cNvPr id="3" name="スライド番号プレースホルダー 2"/>
           <p:cNvSpPr>
             <a:spLocks noGrp="1"/>
           </p:cNvSpPr>
@@ -18468,40 +19415,303 @@
           </a:p>
         </p:txBody>
       </p:sp>
-      <p:pic>
-        <p:nvPicPr>
-          <p:cNvPr id="5" name="図 4"/>
-          <p:cNvPicPr>
-            <a:picLocks noChangeAspect="1"/>
-          </p:cNvPicPr>
+      <p:sp>
+        <p:nvSpPr>
+          <p:cNvPr id="5" name="テキスト ボックス 4"/>
+          <p:cNvSpPr txBox="1"/>
           <p:nvPr/>
-        </p:nvPicPr>
-        <p:blipFill>
-          <a:blip r:embed="rId3">
-            <a:extLst>
-              <a:ext uri="{28A0092B-C50C-407E-A947-70E740481C1C}">
-                <a14:useLocalDpi xmlns:a14="http://schemas.microsoft.com/office/drawing/2010/main" val="0"/>
-              </a:ext>
-            </a:extLst>
-          </a:blip>
-          <a:stretch>
-            <a:fillRect/>
-          </a:stretch>
-        </p:blipFill>
+        </p:nvSpPr>
         <p:spPr>
           <a:xfrm>
-            <a:off x="0" y="2086693"/>
-            <a:ext cx="12192000" cy="2684613"/>
+            <a:off x="1097279" y="1865807"/>
+            <a:ext cx="2723950" cy="523220"/>
           </a:xfrm>
           <a:prstGeom prst="rect">
             <a:avLst/>
           </a:prstGeom>
+          <a:solidFill>
+            <a:schemeClr val="bg1">
+              <a:lumMod val="95000"/>
+            </a:schemeClr>
+          </a:solidFill>
         </p:spPr>
-      </p:pic>
+        <p:txBody>
+          <a:bodyPr wrap="square" rtlCol="0">
+            <a:spAutoFit/>
+          </a:bodyPr>
+          <a:lstStyle/>
+          <a:p>
+            <a:r>
+              <a:rPr lang="ja-JP" altLang="en-US" sz="2800" smtClean="0"/>
+              <a:t>店側</a:t>
+            </a:r>
+            <a:r>
+              <a:rPr lang="ja-JP" altLang="en-US" sz="2800" dirty="0"/>
+              <a:t>：</a:t>
+            </a:r>
+            <a:r>
+              <a:rPr lang="ja-JP" altLang="en-US" sz="2800" smtClean="0"/>
+              <a:t>コスト</a:t>
+            </a:r>
+            <a:r>
+              <a:rPr lang="ja-JP" altLang="en-US" sz="2800" dirty="0" smtClean="0"/>
+              <a:t>削減</a:t>
+            </a:r>
+            <a:endParaRPr kumimoji="1" lang="ja-JP" altLang="en-US" sz="2800" dirty="0"/>
+          </a:p>
+        </p:txBody>
+      </p:sp>
+      <p:sp>
+        <p:nvSpPr>
+          <p:cNvPr id="7" name="テキスト ボックス 6"/>
+          <p:cNvSpPr txBox="1"/>
+          <p:nvPr/>
+        </p:nvSpPr>
+        <p:spPr>
+          <a:xfrm>
+            <a:off x="1097278" y="5341367"/>
+            <a:ext cx="3355521" cy="523220"/>
+          </a:xfrm>
+          <a:prstGeom prst="rect">
+            <a:avLst/>
+          </a:prstGeom>
+          <a:solidFill>
+            <a:schemeClr val="bg1">
+              <a:lumMod val="95000"/>
+            </a:schemeClr>
+          </a:solidFill>
+        </p:spPr>
+        <p:txBody>
+          <a:bodyPr wrap="square" rtlCol="0">
+            <a:spAutoFit/>
+          </a:bodyPr>
+          <a:lstStyle/>
+          <a:p>
+            <a:r>
+              <a:rPr lang="ja-JP" altLang="en-US" sz="2800" smtClean="0"/>
+              <a:t>ユーザ：時間</a:t>
+            </a:r>
+            <a:r>
+              <a:rPr lang="ja-JP" altLang="en-US" sz="2800" dirty="0" smtClean="0"/>
+              <a:t>の短縮</a:t>
+            </a:r>
+            <a:endParaRPr kumimoji="1" lang="ja-JP" altLang="en-US" sz="2800" dirty="0"/>
+          </a:p>
+        </p:txBody>
+      </p:sp>
+      <p:sp>
+        <p:nvSpPr>
+          <p:cNvPr id="8" name="正方形/長方形 7"/>
+          <p:cNvSpPr/>
+          <p:nvPr/>
+        </p:nvSpPr>
+        <p:spPr>
+          <a:xfrm>
+            <a:off x="1546928" y="4911725"/>
+            <a:ext cx="2571550" cy="167832"/>
+          </a:xfrm>
+          <a:prstGeom prst="rect">
+            <a:avLst/>
+          </a:prstGeom>
+          <a:solidFill>
+            <a:srgbClr val="FFCC00">
+              <a:alpha val="66000"/>
+            </a:srgbClr>
+          </a:solidFill>
+          <a:ln>
+            <a:noFill/>
+          </a:ln>
+        </p:spPr>
+        <p:style>
+          <a:lnRef idx="2">
+            <a:schemeClr val="accent1">
+              <a:shade val="50000"/>
+            </a:schemeClr>
+          </a:lnRef>
+          <a:fillRef idx="1">
+            <a:schemeClr val="accent1"/>
+          </a:fillRef>
+          <a:effectRef idx="0">
+            <a:schemeClr val="accent1"/>
+          </a:effectRef>
+          <a:fontRef idx="minor">
+            <a:schemeClr val="lt1"/>
+          </a:fontRef>
+        </p:style>
+        <p:txBody>
+          <a:bodyPr rtlCol="0" anchor="ctr"/>
+          <a:lstStyle/>
+          <a:p>
+            <a:pPr algn="ctr"/>
+            <a:endParaRPr kumimoji="1" lang="ja-JP" altLang="en-US"/>
+          </a:p>
+        </p:txBody>
+      </p:sp>
+      <p:sp>
+        <p:nvSpPr>
+          <p:cNvPr id="6" name="正方形/長方形 5"/>
+          <p:cNvSpPr/>
+          <p:nvPr/>
+        </p:nvSpPr>
+        <p:spPr>
+          <a:xfrm>
+            <a:off x="1097279" y="2649868"/>
+            <a:ext cx="10115204" cy="2492990"/>
+          </a:xfrm>
+          <a:prstGeom prst="rect">
+            <a:avLst/>
+          </a:prstGeom>
+          <a:noFill/>
+        </p:spPr>
+        <p:txBody>
+          <a:bodyPr wrap="square">
+            <a:spAutoFit/>
+          </a:bodyPr>
+          <a:lstStyle/>
+          <a:p>
+            <a:r>
+              <a:rPr lang="ja-JP" altLang="en-US" sz="2400" spc="300" dirty="0"/>
+              <a:t>セルフレジ</a:t>
+            </a:r>
+            <a:r>
+              <a:rPr lang="en-US" altLang="ja-JP" sz="2400" spc="300" dirty="0"/>
+              <a:t>1</a:t>
+            </a:r>
+            <a:r>
+              <a:rPr lang="ja-JP" altLang="en-US" sz="2400" spc="300" dirty="0"/>
+              <a:t>セットを購入するのにかかる値段</a:t>
+            </a:r>
+            <a:endParaRPr lang="en-US" altLang="ja-JP" sz="2400" spc="300" dirty="0"/>
+          </a:p>
+          <a:p>
+            <a:pPr lvl="1"/>
+            <a:r>
+              <a:rPr lang="ja-JP" altLang="en-US" sz="2400" spc="300" smtClean="0"/>
+              <a:t>約</a:t>
+            </a:r>
+            <a:r>
+              <a:rPr lang="en-US" altLang="ja-JP" sz="2400" spc="300" smtClean="0"/>
+              <a:t>1,875,000</a:t>
+            </a:r>
+            <a:r>
+              <a:rPr lang="ja-JP" altLang="en-US" sz="2400" spc="300" smtClean="0"/>
+              <a:t>（登録機）</a:t>
+            </a:r>
+            <a:r>
+              <a:rPr lang="en-US" altLang="ja-JP" sz="2400" spc="300" smtClean="0"/>
+              <a:t>+</a:t>
+            </a:r>
+            <a:r>
+              <a:rPr lang="ja-JP" altLang="en-US" sz="2400" spc="300" smtClean="0"/>
+              <a:t>約</a:t>
+            </a:r>
+            <a:r>
+              <a:rPr lang="en-US" altLang="ja-JP" sz="2400" spc="300" smtClean="0"/>
+              <a:t>2,750,000</a:t>
+            </a:r>
+            <a:r>
+              <a:rPr lang="ja-JP" altLang="en-US" sz="2400" spc="300" smtClean="0"/>
+              <a:t>円（精算機） </a:t>
+            </a:r>
+            <a:r>
+              <a:rPr lang="en-US" altLang="ja-JP" sz="2400" spc="300" smtClean="0"/>
+              <a:t>* 7</a:t>
+            </a:r>
+            <a:r>
+              <a:rPr lang="ja-JP" altLang="en-US" sz="2400" spc="300" smtClean="0"/>
+              <a:t>台 </a:t>
+            </a:r>
+            <a:r>
+              <a:rPr lang="en-US" altLang="ja-JP" sz="2400" spc="300" smtClean="0"/>
+              <a:t>= </a:t>
+            </a:r>
+            <a:r>
+              <a:rPr lang="en-US" altLang="ja-JP" sz="3200" spc="300" smtClean="0"/>
+              <a:t>21,125,000</a:t>
+            </a:r>
+            <a:r>
+              <a:rPr lang="ja-JP" altLang="en-US" sz="3200" spc="300" smtClean="0"/>
+              <a:t>円</a:t>
+            </a:r>
+            <a:endParaRPr lang="en-US" altLang="ja-JP" sz="2400" spc="300" dirty="0"/>
+          </a:p>
+          <a:p>
+            <a:r>
+              <a:rPr lang="en-US" altLang="ja-JP" sz="2400" spc="300" dirty="0"/>
+              <a:t>Web</a:t>
+            </a:r>
+            <a:r>
+              <a:rPr lang="ja-JP" altLang="en-US" sz="2400" spc="300" dirty="0"/>
+              <a:t>カメラを使用し、本システムを導入した場合にかかる機材の費用</a:t>
+            </a:r>
+            <a:endParaRPr lang="en-US" altLang="ja-JP" sz="2400" spc="300" dirty="0"/>
+          </a:p>
+          <a:p>
+            <a:pPr lvl="1"/>
+            <a:r>
+              <a:rPr lang="ja-JP" altLang="en-US" sz="2000" spc="300" smtClean="0"/>
+              <a:t>約</a:t>
+            </a:r>
+            <a:r>
+              <a:rPr lang="en-US" altLang="ja-JP" sz="2000" spc="300" smtClean="0"/>
+              <a:t>150,000</a:t>
+            </a:r>
+            <a:r>
+              <a:rPr lang="ja-JP" altLang="en-US" sz="2000" spc="300" smtClean="0"/>
+              <a:t>（サーバ代）</a:t>
+            </a:r>
+            <a:r>
+              <a:rPr lang="en-US" altLang="ja-JP" sz="2000" spc="300" smtClean="0"/>
+              <a:t>+</a:t>
+            </a:r>
+            <a:r>
+              <a:rPr lang="ja-JP" altLang="en-US" sz="2000" spc="300" smtClean="0"/>
+              <a:t>約</a:t>
+            </a:r>
+            <a:r>
+              <a:rPr lang="en-US" altLang="ja-JP" sz="2000" spc="300" smtClean="0"/>
+              <a:t>9</a:t>
+            </a:r>
+            <a:r>
+              <a:rPr lang="en-US" altLang="ja-JP" sz="2000" spc="300"/>
+              <a:t>,</a:t>
+            </a:r>
+            <a:r>
+              <a:rPr lang="en-US" altLang="ja-JP" sz="2000" spc="300" smtClean="0"/>
+              <a:t>200</a:t>
+            </a:r>
+            <a:r>
+              <a:rPr lang="ja-JP" altLang="en-US" sz="2000" spc="300" smtClean="0"/>
+              <a:t>円（周辺機器） </a:t>
+            </a:r>
+            <a:r>
+              <a:rPr lang="en-US" altLang="ja-JP" sz="2000" spc="300" smtClean="0"/>
+              <a:t>* 90</a:t>
+            </a:r>
+            <a:r>
+              <a:rPr lang="ja-JP" altLang="en-US" sz="2000" spc="300" dirty="0" smtClean="0"/>
+              <a:t>個（カゴの個数） </a:t>
+            </a:r>
+            <a:r>
+              <a:rPr lang="en-US" altLang="ja-JP" sz="2000" spc="300"/>
+              <a:t>= </a:t>
+            </a:r>
+            <a:r>
+              <a:rPr lang="en-US" altLang="ja-JP" sz="3200" spc="300" smtClean="0"/>
+              <a:t>978,000</a:t>
+            </a:r>
+            <a:r>
+              <a:rPr lang="ja-JP" altLang="en-US" sz="3200" spc="300" smtClean="0"/>
+              <a:t>円</a:t>
+            </a:r>
+            <a:endParaRPr lang="en-US" altLang="ja-JP" sz="2400" spc="300" dirty="0"/>
+          </a:p>
+        </p:txBody>
+      </p:sp>
     </p:spTree>
     <p:extLst>
       <p:ext uri="{BB962C8B-B14F-4D97-AF65-F5344CB8AC3E}">
-        <p14:creationId xmlns:p14="http://schemas.microsoft.com/office/powerpoint/2010/main" val="4270521482"/>
+        <p14:creationId xmlns:p14="http://schemas.microsoft.com/office/powerpoint/2010/main" val="1330612530"/>
       </p:ext>
     </p:extLst>
   </p:cSld>
@@ -22460,80 +23670,320 @@
           <a:chExt cx="0" cy="0"/>
         </a:xfrm>
       </p:grpSpPr>
-      <p:sp>
-        <p:nvSpPr>
-          <p:cNvPr id="11" name="タイトル 10"/>
-          <p:cNvSpPr>
-            <a:spLocks noGrp="1"/>
-          </p:cNvSpPr>
-          <p:nvPr>
-            <p:ph type="title"/>
-          </p:nvPr>
-        </p:nvSpPr>
-        <p:spPr/>
-        <p:txBody>
-          <a:bodyPr/>
-          <a:lstStyle/>
-          <a:p>
-            <a:r>
-              <a:rPr kumimoji="1" lang="ja-JP" altLang="en-US" smtClean="0"/>
-              <a:t>ユースケース図</a:t>
-            </a:r>
-            <a:endParaRPr kumimoji="1" lang="ja-JP" altLang="en-US"/>
-          </a:p>
-        </p:txBody>
-      </p:sp>
-      <p:sp>
-        <p:nvSpPr>
-          <p:cNvPr id="2" name="スライド番号プレースホルダー 1"/>
-          <p:cNvSpPr>
-            <a:spLocks noGrp="1"/>
-          </p:cNvSpPr>
-          <p:nvPr>
-            <p:ph type="sldNum" sz="quarter" idx="12"/>
-          </p:nvPr>
-        </p:nvSpPr>
-        <p:spPr/>
-        <p:txBody>
-          <a:bodyPr/>
-          <a:lstStyle/>
-          <a:p>
-            <a:fld id="{3C3988C9-8C6C-49D7-8D82-24DA391FB063}" type="slidenum">
-              <a:rPr kumimoji="1" lang="ja-JP" altLang="en-US" smtClean="0"/>
-              <a:t>8</a:t>
-            </a:fld>
-            <a:endParaRPr kumimoji="1" lang="ja-JP" altLang="en-US"/>
-          </a:p>
-        </p:txBody>
-      </p:sp>
       <p:pic>
         <p:nvPicPr>
-          <p:cNvPr id="10" name="図 9"/>
+          <p:cNvPr id="4" name="コンテンツ プレースホルダー 3"/>
           <p:cNvPicPr>
-            <a:picLocks noChangeAspect="1"/>
+            <a:picLocks noGrp="1" noChangeAspect="1"/>
           </p:cNvPicPr>
-          <p:nvPr/>
+          <p:nvPr>
+            <p:ph idx="4294967295"/>
+          </p:nvPr>
         </p:nvPicPr>
         <p:blipFill>
-          <a:blip r:embed="rId3"/>
+          <a:blip r:embed="rId3">
+            <a:extLst>
+              <a:ext uri="{28A0092B-C50C-407E-A947-70E740481C1C}">
+                <a14:useLocalDpi xmlns:a14="http://schemas.microsoft.com/office/drawing/2010/main" val="0"/>
+              </a:ext>
+            </a:extLst>
+          </a:blip>
           <a:stretch>
             <a:fillRect/>
           </a:stretch>
         </p:blipFill>
         <p:spPr>
           <a:xfrm>
-            <a:off x="3355344" y="1737360"/>
-            <a:ext cx="5542272" cy="5153637"/>
+            <a:off x="1757823" y="1251762"/>
+            <a:ext cx="6512598" cy="5066660"/>
+          </a:xfrm>
+        </p:spPr>
+      </p:pic>
+      <p:sp>
+        <p:nvSpPr>
+          <p:cNvPr id="3" name="角丸四角形 2"/>
+          <p:cNvSpPr/>
+          <p:nvPr/>
+        </p:nvSpPr>
+        <p:spPr>
+          <a:xfrm>
+            <a:off x="6438974" y="1309817"/>
+            <a:ext cx="2457450" cy="1293830"/>
+          </a:xfrm>
+          <a:prstGeom prst="roundRect">
+            <a:avLst/>
+          </a:prstGeom>
+          <a:noFill/>
+          <a:ln w="28575"/>
+        </p:spPr>
+        <p:style>
+          <a:lnRef idx="2">
+            <a:schemeClr val="accent1">
+              <a:shade val="50000"/>
+            </a:schemeClr>
+          </a:lnRef>
+          <a:fillRef idx="1">
+            <a:schemeClr val="accent1"/>
+          </a:fillRef>
+          <a:effectRef idx="0">
+            <a:schemeClr val="accent1"/>
+          </a:effectRef>
+          <a:fontRef idx="minor">
+            <a:schemeClr val="lt1"/>
+          </a:fontRef>
+        </p:style>
+        <p:txBody>
+          <a:bodyPr rtlCol="0" anchor="ctr"/>
+          <a:lstStyle/>
+          <a:p>
+            <a:pPr algn="ctr"/>
+            <a:endParaRPr kumimoji="1" lang="ja-JP" altLang="en-US"/>
+          </a:p>
+        </p:txBody>
+      </p:sp>
+      <p:sp>
+        <p:nvSpPr>
+          <p:cNvPr id="6" name="角丸四角形 5"/>
+          <p:cNvSpPr/>
+          <p:nvPr/>
+        </p:nvSpPr>
+        <p:spPr>
+          <a:xfrm>
+            <a:off x="6492072" y="2645262"/>
+            <a:ext cx="2457450" cy="1196737"/>
+          </a:xfrm>
+          <a:prstGeom prst="roundRect">
+            <a:avLst/>
+          </a:prstGeom>
+          <a:noFill/>
+          <a:ln w="28575"/>
+        </p:spPr>
+        <p:style>
+          <a:lnRef idx="2">
+            <a:schemeClr val="accent1">
+              <a:shade val="50000"/>
+            </a:schemeClr>
+          </a:lnRef>
+          <a:fillRef idx="1">
+            <a:schemeClr val="accent1"/>
+          </a:fillRef>
+          <a:effectRef idx="0">
+            <a:schemeClr val="accent1"/>
+          </a:effectRef>
+          <a:fontRef idx="minor">
+            <a:schemeClr val="lt1"/>
+          </a:fontRef>
+        </p:style>
+        <p:txBody>
+          <a:bodyPr rtlCol="0" anchor="ctr"/>
+          <a:lstStyle/>
+          <a:p>
+            <a:pPr algn="ctr"/>
+            <a:endParaRPr kumimoji="1" lang="ja-JP" altLang="en-US"/>
+          </a:p>
+        </p:txBody>
+      </p:sp>
+      <p:sp>
+        <p:nvSpPr>
+          <p:cNvPr id="7" name="テキスト ボックス 6"/>
+          <p:cNvSpPr txBox="1"/>
+          <p:nvPr/>
+        </p:nvSpPr>
+        <p:spPr>
+          <a:xfrm>
+            <a:off x="8145128" y="2645263"/>
+            <a:ext cx="738664" cy="1375845"/>
           </a:xfrm>
           <a:prstGeom prst="rect">
             <a:avLst/>
           </a:prstGeom>
+          <a:noFill/>
         </p:spPr>
-      </p:pic>
+        <p:txBody>
+          <a:bodyPr vert="eaVert" wrap="square" rtlCol="0">
+            <a:spAutoFit/>
+          </a:bodyPr>
+          <a:lstStyle/>
+          <a:p>
+            <a:r>
+              <a:rPr kumimoji="1" lang="ja-JP" altLang="en-US" smtClean="0"/>
+              <a:t>真鍋</a:t>
+            </a:r>
+            <a:endParaRPr kumimoji="1" lang="en-US" altLang="ja-JP" smtClean="0"/>
+          </a:p>
+          <a:p>
+            <a:r>
+              <a:rPr kumimoji="1" lang="ja-JP" altLang="en-US" smtClean="0"/>
+              <a:t>（エッジ側）</a:t>
+            </a:r>
+            <a:endParaRPr kumimoji="1" lang="ja-JP" altLang="en-US"/>
+          </a:p>
+        </p:txBody>
+      </p:sp>
+      <p:sp>
+        <p:nvSpPr>
+          <p:cNvPr id="8" name="テキスト ボックス 7"/>
+          <p:cNvSpPr txBox="1"/>
+          <p:nvPr/>
+        </p:nvSpPr>
+        <p:spPr>
+          <a:xfrm>
+            <a:off x="8145128" y="1350751"/>
+            <a:ext cx="738664" cy="1252896"/>
+          </a:xfrm>
+          <a:prstGeom prst="rect">
+            <a:avLst/>
+          </a:prstGeom>
+          <a:noFill/>
+        </p:spPr>
+        <p:txBody>
+          <a:bodyPr vert="eaVert" wrap="square" rtlCol="0">
+            <a:spAutoFit/>
+          </a:bodyPr>
+          <a:lstStyle/>
+          <a:p>
+            <a:r>
+              <a:rPr kumimoji="1" lang="ja-JP" altLang="en-US" smtClean="0"/>
+              <a:t>段</a:t>
+            </a:r>
+            <a:r>
+              <a:rPr kumimoji="1" lang="ja-JP" altLang="en-US" smtClean="0"/>
+              <a:t>原</a:t>
+            </a:r>
+            <a:endParaRPr kumimoji="1" lang="en-US" altLang="ja-JP" smtClean="0"/>
+          </a:p>
+          <a:p>
+            <a:r>
+              <a:rPr kumimoji="1" lang="ja-JP" altLang="en-US" smtClean="0"/>
+              <a:t>（サーバ側）</a:t>
+            </a:r>
+            <a:endParaRPr kumimoji="1" lang="ja-JP" altLang="en-US"/>
+          </a:p>
+        </p:txBody>
+      </p:sp>
+      <p:sp>
+        <p:nvSpPr>
+          <p:cNvPr id="11" name="正方形/長方形 10"/>
+          <p:cNvSpPr/>
+          <p:nvPr/>
+        </p:nvSpPr>
+        <p:spPr>
+          <a:xfrm>
+            <a:off x="0" y="303212"/>
+            <a:ext cx="4366054" cy="769441"/>
+          </a:xfrm>
+          <a:prstGeom prst="rect">
+            <a:avLst/>
+          </a:prstGeom>
+          <a:solidFill>
+            <a:schemeClr val="bg1">
+              <a:lumMod val="95000"/>
+            </a:schemeClr>
+          </a:solidFill>
+        </p:spPr>
+        <p:txBody>
+          <a:bodyPr wrap="square">
+            <a:spAutoFit/>
+          </a:bodyPr>
+          <a:lstStyle/>
+          <a:p>
+            <a:r>
+              <a:rPr lang="ja-JP" altLang="en-US" sz="4400" spc="300">
+                <a:solidFill>
+                  <a:prstClr val="black">
+                    <a:lumMod val="75000"/>
+                    <a:lumOff val="25000"/>
+                  </a:prstClr>
+                </a:solidFill>
+                <a:latin typeface="Calibri Light" panose="020F0302020204030204"/>
+                <a:cs typeface="+mj-cs"/>
+              </a:rPr>
+              <a:t>ユースケース図</a:t>
+            </a:r>
+            <a:endParaRPr lang="ja-JP" altLang="en-US" sz="1600"/>
+          </a:p>
+        </p:txBody>
+      </p:sp>
+      <p:sp>
+        <p:nvSpPr>
+          <p:cNvPr id="12" name="角丸四角形 11"/>
+          <p:cNvSpPr/>
+          <p:nvPr/>
+        </p:nvSpPr>
+        <p:spPr>
+          <a:xfrm>
+            <a:off x="6495216" y="3949092"/>
+            <a:ext cx="2457450" cy="2262238"/>
+          </a:xfrm>
+          <a:prstGeom prst="roundRect">
+            <a:avLst/>
+          </a:prstGeom>
+          <a:noFill/>
+          <a:ln w="28575"/>
+        </p:spPr>
+        <p:style>
+          <a:lnRef idx="2">
+            <a:schemeClr val="accent1">
+              <a:shade val="50000"/>
+            </a:schemeClr>
+          </a:lnRef>
+          <a:fillRef idx="1">
+            <a:schemeClr val="accent1"/>
+          </a:fillRef>
+          <a:effectRef idx="0">
+            <a:schemeClr val="accent1"/>
+          </a:effectRef>
+          <a:fontRef idx="minor">
+            <a:schemeClr val="lt1"/>
+          </a:fontRef>
+        </p:style>
+        <p:txBody>
+          <a:bodyPr rtlCol="0" anchor="ctr"/>
+          <a:lstStyle/>
+          <a:p>
+            <a:pPr algn="ctr"/>
+            <a:endParaRPr kumimoji="1" lang="ja-JP" altLang="en-US"/>
+          </a:p>
+        </p:txBody>
+      </p:sp>
+      <p:sp>
+        <p:nvSpPr>
+          <p:cNvPr id="13" name="テキスト ボックス 12"/>
+          <p:cNvSpPr txBox="1"/>
+          <p:nvPr/>
+        </p:nvSpPr>
+        <p:spPr>
+          <a:xfrm>
+            <a:off x="8422128" y="4097723"/>
+            <a:ext cx="461665" cy="1759380"/>
+          </a:xfrm>
+          <a:prstGeom prst="rect">
+            <a:avLst/>
+          </a:prstGeom>
+          <a:noFill/>
+        </p:spPr>
+        <p:txBody>
+          <a:bodyPr vert="eaVert" wrap="square" rtlCol="0">
+            <a:spAutoFit/>
+          </a:bodyPr>
+          <a:lstStyle/>
+          <a:p>
+            <a:r>
+              <a:rPr kumimoji="1" lang="ja-JP" altLang="en-US" smtClean="0"/>
+              <a:t>段</a:t>
+            </a:r>
+            <a:r>
+              <a:rPr kumimoji="1" lang="ja-JP" altLang="en-US" smtClean="0"/>
+              <a:t>原（サーバ側）</a:t>
+            </a:r>
+            <a:endParaRPr kumimoji="1" lang="ja-JP" altLang="en-US"/>
+          </a:p>
+        </p:txBody>
+      </p:sp>
     </p:spTree>
     <p:extLst>
       <p:ext uri="{BB962C8B-B14F-4D97-AF65-F5344CB8AC3E}">
-        <p14:creationId xmlns:p14="http://schemas.microsoft.com/office/powerpoint/2010/main" val="4184936366"/>
+        <p14:creationId xmlns:p14="http://schemas.microsoft.com/office/powerpoint/2010/main" val="2815920656"/>
       </p:ext>
     </p:extLst>
   </p:cSld>

--- a/プレゼン/enpit.pptx
+++ b/プレゼン/enpit.pptx
@@ -39,8 +39,8 @@
     <p:sldId id="315" r:id="rId27"/>
     <p:sldId id="316" r:id="rId28"/>
     <p:sldId id="302" r:id="rId29"/>
-    <p:sldId id="299" r:id="rId30"/>
-    <p:sldId id="290" r:id="rId31"/>
+    <p:sldId id="290" r:id="rId30"/>
+    <p:sldId id="299" r:id="rId31"/>
     <p:sldId id="308" r:id="rId32"/>
   </p:sldIdLst>
   <p:sldSz cx="12192000" cy="6858000"/>
@@ -2449,11 +2449,7 @@
         <a:p>
           <a:r>
             <a:rPr kumimoji="1" lang="ja-JP" altLang="en-US" smtClean="0"/>
-            <a:t>超音波</a:t>
-          </a:r>
-          <a:r>
-            <a:rPr kumimoji="1" lang="ja-JP" altLang="en-US" smtClean="0"/>
-            <a:t>センサ</a:t>
+            <a:t>超音波センサ</a:t>
           </a:r>
           <a:endParaRPr kumimoji="1" lang="ja-JP" altLang="en-US"/>
         </a:p>
@@ -2618,8 +2614,8 @@
     <dgm:cxn modelId="{40BC3357-A841-4B9B-B325-A92E37BBFD3B}" srcId="{349742D3-7C15-491C-A57C-071288FAF507}" destId="{40EC2FF7-8D30-4684-953B-5353D24AB252}" srcOrd="0" destOrd="0" parTransId="{A4ED52B3-943A-488A-B2F6-3665F1D4E576}" sibTransId="{720574FE-FEEC-45A9-A8EE-7AE9B5FDAF42}"/>
     <dgm:cxn modelId="{EB307F75-27A6-4B13-BBB8-1E7F5863D396}" srcId="{40EC2FF7-8D30-4684-953B-5353D24AB252}" destId="{BECD88D3-D98C-44D9-A74D-4A54E4B848C1}" srcOrd="1" destOrd="0" parTransId="{7EB5F6DA-2699-492B-872E-914188799538}" sibTransId="{9BF012F4-BA8B-4C77-AAEB-917CC56A042C}"/>
     <dgm:cxn modelId="{EFF1F356-9D26-4820-BCCA-A4CCEC493A17}" type="presOf" srcId="{349742D3-7C15-491C-A57C-071288FAF507}" destId="{D27424EB-6B88-461E-A9C7-2108888B795A}" srcOrd="0" destOrd="0" presId="urn:microsoft.com/office/officeart/2005/8/layout/hList1"/>
+    <dgm:cxn modelId="{8FFC1905-B6DF-4E44-A2ED-BC40E31D7C19}" srcId="{40EC2FF7-8D30-4684-953B-5353D24AB252}" destId="{03B3FD47-D917-4C51-904C-FA98E07B6FCE}" srcOrd="0" destOrd="0" parTransId="{230568E9-E294-4B18-89CE-CEB6618B0A7A}" sibTransId="{3C887774-3FD4-4F88-B32F-94F233C077A7}"/>
     <dgm:cxn modelId="{8C5C15F6-89C2-4320-ADEC-DD69DE84D1DD}" type="presOf" srcId="{03B3FD47-D917-4C51-904C-FA98E07B6FCE}" destId="{8AFC59EB-5A41-405E-98C3-9C66242C4364}" srcOrd="0" destOrd="0" presId="urn:microsoft.com/office/officeart/2005/8/layout/hList1"/>
-    <dgm:cxn modelId="{8FFC1905-B6DF-4E44-A2ED-BC40E31D7C19}" srcId="{40EC2FF7-8D30-4684-953B-5353D24AB252}" destId="{03B3FD47-D917-4C51-904C-FA98E07B6FCE}" srcOrd="0" destOrd="0" parTransId="{230568E9-E294-4B18-89CE-CEB6618B0A7A}" sibTransId="{3C887774-3FD4-4F88-B32F-94F233C077A7}"/>
     <dgm:cxn modelId="{E0422ED5-4B6B-496D-AB76-6BE594DEEDA9}" type="presOf" srcId="{40EC2FF7-8D30-4684-953B-5353D24AB252}" destId="{79295A45-6E0B-4BAD-942D-1396CF9D22D9}" srcOrd="0" destOrd="0" presId="urn:microsoft.com/office/officeart/2005/8/layout/hList1"/>
     <dgm:cxn modelId="{A28B4C0E-BE28-4172-AF96-B85809B143B9}" type="presOf" srcId="{9973FC79-DD54-4CEC-A5D2-348342277555}" destId="{8AFC59EB-5A41-405E-98C3-9C66242C4364}" srcOrd="0" destOrd="2" presId="urn:microsoft.com/office/officeart/2005/8/layout/hList1"/>
     <dgm:cxn modelId="{FBE5BB6B-B79A-4621-98C7-1A42938AE6EF}" srcId="{40EC2FF7-8D30-4684-953B-5353D24AB252}" destId="{9973FC79-DD54-4CEC-A5D2-348342277555}" srcOrd="2" destOrd="0" parTransId="{C17F99B8-F597-4923-A469-F4687A53E1AF}" sibTransId="{B24DA0E9-2C77-4293-B539-59107D5F5F63}"/>
@@ -2830,12 +2826,12 @@
   </dgm:ptLst>
   <dgm:cxnLst>
     <dgm:cxn modelId="{D9030FE5-F032-4C09-8393-917455A5D8F0}" type="presOf" srcId="{8F26C5F0-2360-4495-AD88-828AB9083AEE}" destId="{8AFC59EB-5A41-405E-98C3-9C66242C4364}" srcOrd="0" destOrd="0" presId="urn:microsoft.com/office/officeart/2005/8/layout/hList1"/>
+    <dgm:cxn modelId="{EFF1F356-9D26-4820-BCCA-A4CCEC493A17}" type="presOf" srcId="{349742D3-7C15-491C-A57C-071288FAF507}" destId="{D27424EB-6B88-461E-A9C7-2108888B795A}" srcOrd="0" destOrd="0" presId="urn:microsoft.com/office/officeart/2005/8/layout/hList1"/>
+    <dgm:cxn modelId="{40BC3357-A841-4B9B-B325-A92E37BBFD3B}" srcId="{349742D3-7C15-491C-A57C-071288FAF507}" destId="{40EC2FF7-8D30-4684-953B-5353D24AB252}" srcOrd="0" destOrd="0" parTransId="{A4ED52B3-943A-488A-B2F6-3665F1D4E576}" sibTransId="{720574FE-FEEC-45A9-A8EE-7AE9B5FDAF42}"/>
     <dgm:cxn modelId="{4A486BAA-3325-4144-8309-7551BB0E06E3}" srcId="{40EC2FF7-8D30-4684-953B-5353D24AB252}" destId="{8F26C5F0-2360-4495-AD88-828AB9083AEE}" srcOrd="0" destOrd="0" parTransId="{F70F4D4E-B98B-4F8F-8565-2CA18B62FBDE}" sibTransId="{AF96E54A-0473-4B3D-A225-876883A67457}"/>
+    <dgm:cxn modelId="{63DBC492-9DCD-4CA7-80E1-7CF4288F081E}" srcId="{40EC2FF7-8D30-4684-953B-5353D24AB252}" destId="{872580C2-359C-43A1-9FB0-CBF4785AB609}" srcOrd="1" destOrd="0" parTransId="{0701FE14-63C4-4D14-9EBB-DB7F74FB9A0E}" sibTransId="{0F590DF7-E1EF-40B4-9EC8-1333D2E338CD}"/>
     <dgm:cxn modelId="{E0422ED5-4B6B-496D-AB76-6BE594DEEDA9}" type="presOf" srcId="{40EC2FF7-8D30-4684-953B-5353D24AB252}" destId="{79295A45-6E0B-4BAD-942D-1396CF9D22D9}" srcOrd="0" destOrd="0" presId="urn:microsoft.com/office/officeart/2005/8/layout/hList1"/>
-    <dgm:cxn modelId="{40BC3357-A841-4B9B-B325-A92E37BBFD3B}" srcId="{349742D3-7C15-491C-A57C-071288FAF507}" destId="{40EC2FF7-8D30-4684-953B-5353D24AB252}" srcOrd="0" destOrd="0" parTransId="{A4ED52B3-943A-488A-B2F6-3665F1D4E576}" sibTransId="{720574FE-FEEC-45A9-A8EE-7AE9B5FDAF42}"/>
     <dgm:cxn modelId="{36CD8503-9198-47D6-8C6B-0F601A436603}" type="presOf" srcId="{872580C2-359C-43A1-9FB0-CBF4785AB609}" destId="{8AFC59EB-5A41-405E-98C3-9C66242C4364}" srcOrd="0" destOrd="1" presId="urn:microsoft.com/office/officeart/2005/8/layout/hList1"/>
-    <dgm:cxn modelId="{63DBC492-9DCD-4CA7-80E1-7CF4288F081E}" srcId="{40EC2FF7-8D30-4684-953B-5353D24AB252}" destId="{872580C2-359C-43A1-9FB0-CBF4785AB609}" srcOrd="1" destOrd="0" parTransId="{0701FE14-63C4-4D14-9EBB-DB7F74FB9A0E}" sibTransId="{0F590DF7-E1EF-40B4-9EC8-1333D2E338CD}"/>
-    <dgm:cxn modelId="{EFF1F356-9D26-4820-BCCA-A4CCEC493A17}" type="presOf" srcId="{349742D3-7C15-491C-A57C-071288FAF507}" destId="{D27424EB-6B88-461E-A9C7-2108888B795A}" srcOrd="0" destOrd="0" presId="urn:microsoft.com/office/officeart/2005/8/layout/hList1"/>
     <dgm:cxn modelId="{0AC59C0B-505E-47E8-BE51-99D4E02D0167}" type="presParOf" srcId="{D27424EB-6B88-461E-A9C7-2108888B795A}" destId="{BF87E8A3-CC51-48B4-AE3F-B5CCC7ADCAFB}" srcOrd="0" destOrd="0" presId="urn:microsoft.com/office/officeart/2005/8/layout/hList1"/>
     <dgm:cxn modelId="{3D153B76-7A00-4B19-9F24-50CCB075610B}" type="presParOf" srcId="{BF87E8A3-CC51-48B4-AE3F-B5CCC7ADCAFB}" destId="{79295A45-6E0B-4BAD-942D-1396CF9D22D9}" srcOrd="0" destOrd="0" presId="urn:microsoft.com/office/officeart/2005/8/layout/hList1"/>
     <dgm:cxn modelId="{11C1EBF7-9304-4172-9ADF-82BA79178D54}" type="presParOf" srcId="{BF87E8A3-CC51-48B4-AE3F-B5CCC7ADCAFB}" destId="{8AFC59EB-5A41-405E-98C3-9C66242C4364}" srcOrd="1" destOrd="0" presId="urn:microsoft.com/office/officeart/2005/8/layout/hList1"/>
@@ -3020,10 +3016,10 @@
         <a:lstStyle/>
         <a:p>
           <a:r>
-            <a:rPr kumimoji="1" lang="ja-JP" altLang="en-US" smtClean="0"/>
+            <a:rPr kumimoji="1" lang="ja-JP" altLang="en-US" dirty="0" smtClean="0"/>
             <a:t>保守が難しい</a:t>
           </a:r>
-          <a:endParaRPr kumimoji="1" lang="ja-JP" altLang="en-US"/>
+          <a:endParaRPr kumimoji="1" lang="ja-JP" altLang="en-US" dirty="0"/>
         </a:p>
       </dgm:t>
     </dgm:pt>
@@ -3039,43 +3035,6 @@
       </dgm:t>
     </dgm:pt>
     <dgm:pt modelId="{48E6F638-79AB-48C8-A925-2D4BB03AD814}" type="sibTrans" cxnId="{743CA477-5B06-4A0C-BF7D-1D841F803CB0}">
-      <dgm:prSet/>
-      <dgm:spPr/>
-      <dgm:t>
-        <a:bodyPr/>
-        <a:lstStyle/>
-        <a:p>
-          <a:endParaRPr kumimoji="1" lang="ja-JP" altLang="en-US"/>
-        </a:p>
-      </dgm:t>
-    </dgm:pt>
-    <dgm:pt modelId="{56787CDC-9A81-49F5-937B-EC45433AB149}">
-      <dgm:prSet phldrT="[テキスト]"/>
-      <dgm:spPr/>
-      <dgm:t>
-        <a:bodyPr/>
-        <a:lstStyle/>
-        <a:p>
-          <a:r>
-            <a:rPr kumimoji="1" lang="ja-JP" altLang="en-US" smtClean="0"/>
-            <a:t>商品の向きが限定される</a:t>
-          </a:r>
-          <a:endParaRPr kumimoji="1" lang="ja-JP" altLang="en-US"/>
-        </a:p>
-      </dgm:t>
-    </dgm:pt>
-    <dgm:pt modelId="{F4F95ED6-D233-4F2F-8D90-6A718F1F71B9}" type="parTrans" cxnId="{47EC4102-25E2-436C-90BA-ADFEF7BEE47F}">
-      <dgm:prSet/>
-      <dgm:spPr/>
-      <dgm:t>
-        <a:bodyPr/>
-        <a:lstStyle/>
-        <a:p>
-          <a:endParaRPr kumimoji="1" lang="ja-JP" altLang="en-US"/>
-        </a:p>
-      </dgm:t>
-    </dgm:pt>
-    <dgm:pt modelId="{091B76E8-17B6-426F-8BB1-714A12439DC6}" type="sibTrans" cxnId="{47EC4102-25E2-436C-90BA-ADFEF7BEE47F}">
       <dgm:prSet/>
       <dgm:spPr/>
       <dgm:t>
@@ -3341,11 +3300,9 @@
     <dgm:cxn modelId="{C1E7F46B-894D-45C0-94D9-951F48310291}" srcId="{423F608E-D655-4523-942C-3E4CB94578FB}" destId="{EC2DC2C9-6A1A-41CC-AAF1-06D941C4D810}" srcOrd="2" destOrd="0" parTransId="{BC169D4C-78B0-4858-A526-75BD60025323}" sibTransId="{A6B6A07F-354C-45DA-8497-9CB806267623}"/>
     <dgm:cxn modelId="{E7A1EE4E-9B0E-4387-978B-748DBDE76E9A}" srcId="{EC2DC2C9-6A1A-41CC-AAF1-06D941C4D810}" destId="{429FA377-C221-485C-A770-53FA815AA513}" srcOrd="1" destOrd="0" parTransId="{54AFC9F2-ADA7-4666-9DB3-F7A968A00170}" sibTransId="{E6EC8097-23E3-47D4-B4F0-7C967191A55C}"/>
     <dgm:cxn modelId="{42F3A937-5664-4267-8AD1-FA1234BBA512}" srcId="{B810E428-B3FB-4612-BE40-707B9F98423B}" destId="{B00D3269-CDAD-4670-A62C-D0F840EE856C}" srcOrd="0" destOrd="0" parTransId="{E2D58274-58FC-4ECB-8285-47A6C4C5F7DD}" sibTransId="{A35A0425-51AB-4539-882B-A8899F8062B6}"/>
-    <dgm:cxn modelId="{47EC4102-25E2-436C-90BA-ADFEF7BEE47F}" srcId="{5471A3EF-9A15-4F0C-AEE8-444C115BCB7C}" destId="{56787CDC-9A81-49F5-937B-EC45433AB149}" srcOrd="1" destOrd="0" parTransId="{F4F95ED6-D233-4F2F-8D90-6A718F1F71B9}" sibTransId="{091B76E8-17B6-426F-8BB1-714A12439DC6}"/>
     <dgm:cxn modelId="{EAF712E3-2C2D-4451-88EE-BE709C162423}" srcId="{B810E428-B3FB-4612-BE40-707B9F98423B}" destId="{F4A391A4-705B-406E-A549-08C8E26DDC42}" srcOrd="1" destOrd="0" parTransId="{F650B10F-69DD-4BEC-B277-B1852AEB8551}" sibTransId="{BAE781B4-D32D-40DB-8EAD-B2E2FEC0EB0C}"/>
     <dgm:cxn modelId="{46B89143-39B4-4F08-B03C-2A41D33451F3}" srcId="{EC2DC2C9-6A1A-41CC-AAF1-06D941C4D810}" destId="{B6794460-E815-45FD-8F41-3C6DF7ECEA31}" srcOrd="0" destOrd="0" parTransId="{B0C833CE-0856-42D8-B2FA-F0D2A0C9B1FB}" sibTransId="{6772D2CB-3F72-4D34-AB1E-7F7E449E7EEA}"/>
     <dgm:cxn modelId="{D0B6DF02-442B-41A9-A5FB-D7235A8B5200}" srcId="{423F608E-D655-4523-942C-3E4CB94578FB}" destId="{5471A3EF-9A15-4F0C-AEE8-444C115BCB7C}" srcOrd="1" destOrd="0" parTransId="{E95F2E66-1456-451C-A887-BD77A41C9DB1}" sibTransId="{3992A040-F7E7-4D57-AE6D-B3B984349295}"/>
-    <dgm:cxn modelId="{7B832667-2752-438B-8263-7E94668EF7F4}" type="presOf" srcId="{56787CDC-9A81-49F5-937B-EC45433AB149}" destId="{6D233FD1-2776-4DB2-9DE0-7C4A7328BF23}" srcOrd="0" destOrd="1" presId="urn:microsoft.com/office/officeart/2005/8/layout/hList1"/>
     <dgm:cxn modelId="{F65CCCF2-E39B-47C1-81D9-0A0ECD1892B6}" type="presOf" srcId="{B6794460-E815-45FD-8F41-3C6DF7ECEA31}" destId="{9B84A7D4-344E-4C63-84DE-82DE2214B413}" srcOrd="0" destOrd="0" presId="urn:microsoft.com/office/officeart/2005/8/layout/hList1"/>
     <dgm:cxn modelId="{E627A9F5-52DB-4FFB-9C79-5F180F6BB025}" type="presParOf" srcId="{C4CAA383-2190-4C55-BF56-105B5ED8401C}" destId="{7B1C823B-3FB5-491C-BCB9-59C20B5E79B9}" srcOrd="0" destOrd="0" presId="urn:microsoft.com/office/officeart/2005/8/layout/hList1"/>
     <dgm:cxn modelId="{1D71D7B5-6008-4404-9CEE-E0B751BDD474}" type="presParOf" srcId="{7B1C823B-3FB5-491C-BCB9-59C20B5E79B9}" destId="{973ABDD8-7039-46EB-8E97-DB72FA02F785}" srcOrd="0" destOrd="0" presId="urn:microsoft.com/office/officeart/2005/8/layout/hList1"/>
@@ -3363,7 +3320,7 @@
   <dgm:whole/>
   <dgm:extLst>
     <a:ext uri="http://schemas.microsoft.com/office/drawing/2008/diagram">
-      <dsp:dataModelExt xmlns:dsp="http://schemas.microsoft.com/office/drawing/2008/diagram" relId="rId6" minVer="http://schemas.openxmlformats.org/drawingml/2006/diagram"/>
+      <dsp:dataModelExt xmlns:dsp="http://schemas.microsoft.com/office/drawing/2008/diagram" relId="rId7" minVer="http://schemas.openxmlformats.org/drawingml/2006/diagram"/>
     </a:ext>
   </dgm:extLst>
 </dgm:dataModel>
@@ -3524,11 +3481,7 @@
           </a:pPr>
           <a:r>
             <a:rPr kumimoji="1" lang="ja-JP" altLang="en-US" sz="2600" kern="1200" smtClean="0"/>
-            <a:t>超音波</a:t>
-          </a:r>
-          <a:r>
-            <a:rPr kumimoji="1" lang="ja-JP" altLang="en-US" sz="2600" kern="1200" smtClean="0"/>
-            <a:t>センサ</a:t>
+            <a:t>超音波センサ</a:t>
           </a:r>
           <a:endParaRPr kumimoji="1" lang="ja-JP" altLang="en-US" sz="2600" kern="1200"/>
         </a:p>
@@ -3799,8 +3752,8 @@
       </dsp:nvSpPr>
       <dsp:spPr>
         <a:xfrm>
-          <a:off x="3143" y="284957"/>
-          <a:ext cx="3064668" cy="950400"/>
+          <a:off x="3143" y="23269"/>
+          <a:ext cx="3064668" cy="1225867"/>
         </a:xfrm>
         <a:prstGeom prst="rect">
           <a:avLst/>
@@ -3841,12 +3794,12 @@
         </a:fontRef>
       </dsp:style>
       <dsp:txBody>
-        <a:bodyPr spcFirstLastPara="0" vert="horz" wrap="square" lIns="234696" tIns="134112" rIns="234696" bIns="134112" numCol="1" spcCol="1270" anchor="ctr" anchorCtr="0">
+        <a:bodyPr spcFirstLastPara="0" vert="horz" wrap="square" lIns="327152" tIns="186944" rIns="327152" bIns="186944" numCol="1" spcCol="1270" anchor="ctr" anchorCtr="0">
           <a:noAutofit/>
         </a:bodyPr>
         <a:lstStyle/>
         <a:p>
-          <a:pPr lvl="0" algn="ctr" defTabSz="1466850">
+          <a:pPr lvl="0" algn="ctr" defTabSz="2044700">
             <a:lnSpc>
               <a:spcPct val="90000"/>
             </a:lnSpc>
@@ -3858,15 +3811,15 @@
             </a:spcAft>
           </a:pPr>
           <a:r>
-            <a:rPr kumimoji="1" lang="ja-JP" altLang="en-US" sz="3300" kern="1200" smtClean="0"/>
+            <a:rPr kumimoji="1" lang="ja-JP" altLang="en-US" sz="4600" kern="1200" smtClean="0"/>
             <a:t>利点</a:t>
           </a:r>
-          <a:endParaRPr kumimoji="1" lang="ja-JP" altLang="en-US" sz="3300" kern="1200"/>
+          <a:endParaRPr kumimoji="1" lang="ja-JP" altLang="en-US" sz="4600" kern="1200"/>
         </a:p>
       </dsp:txBody>
       <dsp:txXfrm>
-        <a:off x="3143" y="284957"/>
-        <a:ext cx="3064668" cy="950400"/>
+        <a:off x="3143" y="23269"/>
+        <a:ext cx="3064668" cy="1225867"/>
       </dsp:txXfrm>
     </dsp:sp>
     <dsp:sp modelId="{78F7F389-BF77-4E32-ABE3-2F0C09F25B1D}">
@@ -3876,8 +3829,8 @@
       </dsp:nvSpPr>
       <dsp:spPr>
         <a:xfrm>
-          <a:off x="3143" y="1235357"/>
-          <a:ext cx="3064668" cy="2502410"/>
+          <a:off x="3143" y="1249137"/>
+          <a:ext cx="3064668" cy="2750318"/>
         </a:xfrm>
         <a:prstGeom prst="rect">
           <a:avLst/>
@@ -3920,12 +3873,12 @@
         <a:fontRef idx="minor"/>
       </dsp:style>
       <dsp:txBody>
-        <a:bodyPr spcFirstLastPara="0" vert="horz" wrap="square" lIns="176022" tIns="176022" rIns="234696" bIns="264033" numCol="1" spcCol="1270" anchor="t" anchorCtr="0">
+        <a:bodyPr spcFirstLastPara="0" vert="horz" wrap="square" lIns="245364" tIns="245364" rIns="327152" bIns="368046" numCol="1" spcCol="1270" anchor="t" anchorCtr="0">
           <a:noAutofit/>
         </a:bodyPr>
         <a:lstStyle/>
         <a:p>
-          <a:pPr marL="285750" lvl="1" indent="-285750" algn="l" defTabSz="1466850">
+          <a:pPr marL="285750" lvl="1" indent="-285750" algn="l" defTabSz="2044700">
             <a:lnSpc>
               <a:spcPct val="90000"/>
             </a:lnSpc>
@@ -3938,13 +3891,13 @@
             <a:buChar char="••"/>
           </a:pPr>
           <a:r>
-            <a:rPr kumimoji="1" lang="ja-JP" altLang="en-US" sz="3300" kern="1200" smtClean="0"/>
+            <a:rPr kumimoji="1" lang="ja-JP" altLang="en-US" sz="4600" kern="1200" smtClean="0"/>
             <a:t>低コスト</a:t>
           </a:r>
-          <a:endParaRPr kumimoji="1" lang="ja-JP" altLang="en-US" sz="3300" kern="1200"/>
+          <a:endParaRPr kumimoji="1" lang="ja-JP" altLang="en-US" sz="4600" kern="1200"/>
         </a:p>
         <a:p>
-          <a:pPr marL="285750" lvl="1" indent="-285750" algn="l" defTabSz="1466850">
+          <a:pPr marL="285750" lvl="1" indent="-285750" algn="l" defTabSz="2044700">
             <a:lnSpc>
               <a:spcPct val="90000"/>
             </a:lnSpc>
@@ -3957,15 +3910,15 @@
             <a:buChar char="••"/>
           </a:pPr>
           <a:r>
-            <a:rPr kumimoji="1" lang="ja-JP" altLang="en-US" sz="3300" kern="1200" smtClean="0"/>
+            <a:rPr kumimoji="1" lang="ja-JP" altLang="en-US" sz="4600" kern="1200" smtClean="0"/>
             <a:t>拡張性</a:t>
           </a:r>
-          <a:endParaRPr kumimoji="1" lang="ja-JP" altLang="en-US" sz="3300" kern="1200"/>
+          <a:endParaRPr kumimoji="1" lang="ja-JP" altLang="en-US" sz="4600" kern="1200"/>
         </a:p>
       </dsp:txBody>
       <dsp:txXfrm>
-        <a:off x="3143" y="1235357"/>
-        <a:ext cx="3064668" cy="2502410"/>
+        <a:off x="3143" y="1249137"/>
+        <a:ext cx="3064668" cy="2750318"/>
       </dsp:txXfrm>
     </dsp:sp>
     <dsp:sp modelId="{30D38AB3-F15D-4434-A6D5-3E6662A4B33B}">
@@ -3975,8 +3928,8 @@
       </dsp:nvSpPr>
       <dsp:spPr>
         <a:xfrm>
-          <a:off x="3496865" y="284957"/>
-          <a:ext cx="3064668" cy="950400"/>
+          <a:off x="3496865" y="23269"/>
+          <a:ext cx="3064668" cy="1225867"/>
         </a:xfrm>
         <a:prstGeom prst="rect">
           <a:avLst/>
@@ -4017,12 +3970,12 @@
         </a:fontRef>
       </dsp:style>
       <dsp:txBody>
-        <a:bodyPr spcFirstLastPara="0" vert="horz" wrap="square" lIns="234696" tIns="134112" rIns="234696" bIns="134112" numCol="1" spcCol="1270" anchor="ctr" anchorCtr="0">
+        <a:bodyPr spcFirstLastPara="0" vert="horz" wrap="square" lIns="327152" tIns="186944" rIns="327152" bIns="186944" numCol="1" spcCol="1270" anchor="ctr" anchorCtr="0">
           <a:noAutofit/>
         </a:bodyPr>
         <a:lstStyle/>
         <a:p>
-          <a:pPr lvl="0" algn="ctr" defTabSz="1466850">
+          <a:pPr lvl="0" algn="ctr" defTabSz="2044700">
             <a:lnSpc>
               <a:spcPct val="90000"/>
             </a:lnSpc>
@@ -4034,15 +3987,15 @@
             </a:spcAft>
           </a:pPr>
           <a:r>
-            <a:rPr kumimoji="1" lang="ja-JP" altLang="en-US" sz="3300" kern="1200" smtClean="0"/>
+            <a:rPr kumimoji="1" lang="ja-JP" altLang="en-US" sz="4600" kern="1200" smtClean="0"/>
             <a:t>問題点</a:t>
           </a:r>
-          <a:endParaRPr kumimoji="1" lang="ja-JP" altLang="en-US" sz="3300" kern="1200"/>
+          <a:endParaRPr kumimoji="1" lang="ja-JP" altLang="en-US" sz="4600" kern="1200"/>
         </a:p>
       </dsp:txBody>
       <dsp:txXfrm>
-        <a:off x="3496865" y="284957"/>
-        <a:ext cx="3064668" cy="950400"/>
+        <a:off x="3496865" y="23269"/>
+        <a:ext cx="3064668" cy="1225867"/>
       </dsp:txXfrm>
     </dsp:sp>
     <dsp:sp modelId="{6D233FD1-2776-4DB2-9DE0-7C4A7328BF23}">
@@ -4052,8 +4005,8 @@
       </dsp:nvSpPr>
       <dsp:spPr>
         <a:xfrm>
-          <a:off x="3496865" y="1235357"/>
-          <a:ext cx="3064668" cy="2502410"/>
+          <a:off x="3496865" y="1249137"/>
+          <a:ext cx="3064668" cy="2750318"/>
         </a:xfrm>
         <a:prstGeom prst="rect">
           <a:avLst/>
@@ -4096,12 +4049,12 @@
         <a:fontRef idx="minor"/>
       </dsp:style>
       <dsp:txBody>
-        <a:bodyPr spcFirstLastPara="0" vert="horz" wrap="square" lIns="176022" tIns="176022" rIns="234696" bIns="264033" numCol="1" spcCol="1270" anchor="t" anchorCtr="0">
+        <a:bodyPr spcFirstLastPara="0" vert="horz" wrap="square" lIns="245364" tIns="245364" rIns="327152" bIns="368046" numCol="1" spcCol="1270" anchor="t" anchorCtr="0">
           <a:noAutofit/>
         </a:bodyPr>
         <a:lstStyle/>
         <a:p>
-          <a:pPr marL="285750" lvl="1" indent="-285750" algn="l" defTabSz="1466850">
+          <a:pPr marL="285750" lvl="1" indent="-285750" algn="l" defTabSz="2044700">
             <a:lnSpc>
               <a:spcPct val="90000"/>
             </a:lnSpc>
@@ -4114,34 +4067,15 @@
             <a:buChar char="••"/>
           </a:pPr>
           <a:r>
-            <a:rPr kumimoji="1" lang="ja-JP" altLang="en-US" sz="3300" kern="1200" smtClean="0"/>
+            <a:rPr kumimoji="1" lang="ja-JP" altLang="en-US" sz="4600" kern="1200" dirty="0" smtClean="0"/>
             <a:t>保守が難しい</a:t>
           </a:r>
-          <a:endParaRPr kumimoji="1" lang="ja-JP" altLang="en-US" sz="3300" kern="1200"/>
-        </a:p>
-        <a:p>
-          <a:pPr marL="285750" lvl="1" indent="-285750" algn="l" defTabSz="1466850">
-            <a:lnSpc>
-              <a:spcPct val="90000"/>
-            </a:lnSpc>
-            <a:spcBef>
-              <a:spcPct val="0"/>
-            </a:spcBef>
-            <a:spcAft>
-              <a:spcPct val="15000"/>
-            </a:spcAft>
-            <a:buChar char="••"/>
-          </a:pPr>
-          <a:r>
-            <a:rPr kumimoji="1" lang="ja-JP" altLang="en-US" sz="3300" kern="1200" smtClean="0"/>
-            <a:t>商品の向きが限定される</a:t>
-          </a:r>
-          <a:endParaRPr kumimoji="1" lang="ja-JP" altLang="en-US" sz="3300" kern="1200"/>
+          <a:endParaRPr kumimoji="1" lang="ja-JP" altLang="en-US" sz="4600" kern="1200" dirty="0"/>
         </a:p>
       </dsp:txBody>
       <dsp:txXfrm>
-        <a:off x="3496865" y="1235357"/>
-        <a:ext cx="3064668" cy="2502410"/>
+        <a:off x="3496865" y="1249137"/>
+        <a:ext cx="3064668" cy="2750318"/>
       </dsp:txXfrm>
     </dsp:sp>
     <dsp:sp modelId="{CF24EE4A-6727-45E3-88CF-9A89099D6AED}">
@@ -4151,8 +4085,8 @@
       </dsp:nvSpPr>
       <dsp:spPr>
         <a:xfrm>
-          <a:off x="6990588" y="284957"/>
-          <a:ext cx="3064668" cy="950400"/>
+          <a:off x="6990588" y="23269"/>
+          <a:ext cx="3064668" cy="1225867"/>
         </a:xfrm>
         <a:prstGeom prst="rect">
           <a:avLst/>
@@ -4193,12 +4127,12 @@
         </a:fontRef>
       </dsp:style>
       <dsp:txBody>
-        <a:bodyPr spcFirstLastPara="0" vert="horz" wrap="square" lIns="234696" tIns="134112" rIns="234696" bIns="134112" numCol="1" spcCol="1270" anchor="ctr" anchorCtr="0">
+        <a:bodyPr spcFirstLastPara="0" vert="horz" wrap="square" lIns="327152" tIns="186944" rIns="327152" bIns="186944" numCol="1" spcCol="1270" anchor="ctr" anchorCtr="0">
           <a:noAutofit/>
         </a:bodyPr>
         <a:lstStyle/>
         <a:p>
-          <a:pPr lvl="0" algn="ctr" defTabSz="1466850">
+          <a:pPr lvl="0" algn="ctr" defTabSz="2044700">
             <a:lnSpc>
               <a:spcPct val="90000"/>
             </a:lnSpc>
@@ -4210,15 +4144,15 @@
             </a:spcAft>
           </a:pPr>
           <a:r>
-            <a:rPr kumimoji="1" lang="ja-JP" altLang="en-US" sz="3300" kern="1200" smtClean="0"/>
+            <a:rPr kumimoji="1" lang="ja-JP" altLang="en-US" sz="4600" kern="1200" smtClean="0"/>
             <a:t>解決策</a:t>
           </a:r>
-          <a:endParaRPr kumimoji="1" lang="ja-JP" altLang="en-US" sz="3300" kern="1200"/>
+          <a:endParaRPr kumimoji="1" lang="ja-JP" altLang="en-US" sz="4600" kern="1200"/>
         </a:p>
       </dsp:txBody>
       <dsp:txXfrm>
-        <a:off x="6990588" y="284957"/>
-        <a:ext cx="3064668" cy="950400"/>
+        <a:off x="6990588" y="23269"/>
+        <a:ext cx="3064668" cy="1225867"/>
       </dsp:txXfrm>
     </dsp:sp>
     <dsp:sp modelId="{9B84A7D4-344E-4C63-84DE-82DE2214B413}">
@@ -4228,8 +4162,8 @@
       </dsp:nvSpPr>
       <dsp:spPr>
         <a:xfrm>
-          <a:off x="6990588" y="1235357"/>
-          <a:ext cx="3064668" cy="2502410"/>
+          <a:off x="6990588" y="1249137"/>
+          <a:ext cx="3064668" cy="2750318"/>
         </a:xfrm>
         <a:prstGeom prst="rect">
           <a:avLst/>
@@ -4272,12 +4206,12 @@
         <a:fontRef idx="minor"/>
       </dsp:style>
       <dsp:txBody>
-        <a:bodyPr spcFirstLastPara="0" vert="horz" wrap="square" lIns="176022" tIns="176022" rIns="234696" bIns="264033" numCol="1" spcCol="1270" anchor="t" anchorCtr="0">
+        <a:bodyPr spcFirstLastPara="0" vert="horz" wrap="square" lIns="245364" tIns="245364" rIns="327152" bIns="368046" numCol="1" spcCol="1270" anchor="t" anchorCtr="0">
           <a:noAutofit/>
         </a:bodyPr>
         <a:lstStyle/>
         <a:p>
-          <a:pPr marL="285750" lvl="1" indent="-285750" algn="l" defTabSz="1466850">
+          <a:pPr marL="285750" lvl="1" indent="-285750" algn="l" defTabSz="2044700">
             <a:lnSpc>
               <a:spcPct val="90000"/>
             </a:lnSpc>
@@ -4290,13 +4224,13 @@
             <a:buChar char="••"/>
           </a:pPr>
           <a:r>
-            <a:rPr kumimoji="1" lang="ja-JP" altLang="en-US" sz="3300" kern="1200" smtClean="0"/>
+            <a:rPr kumimoji="1" lang="ja-JP" altLang="en-US" sz="4600" kern="1200" smtClean="0"/>
             <a:t>安定度を高める</a:t>
           </a:r>
-          <a:endParaRPr kumimoji="1" lang="ja-JP" altLang="en-US" sz="3300" kern="1200"/>
+          <a:endParaRPr kumimoji="1" lang="ja-JP" altLang="en-US" sz="4600" kern="1200"/>
         </a:p>
         <a:p>
-          <a:pPr marL="285750" lvl="1" indent="-285750" algn="l" defTabSz="1466850">
+          <a:pPr marL="285750" lvl="1" indent="-285750" algn="l" defTabSz="2044700">
             <a:lnSpc>
               <a:spcPct val="90000"/>
             </a:lnSpc>
@@ -4308,12 +4242,12 @@
             </a:spcAft>
             <a:buChar char="••"/>
           </a:pPr>
-          <a:endParaRPr kumimoji="1" lang="ja-JP" altLang="en-US" sz="3300" kern="1200"/>
+          <a:endParaRPr kumimoji="1" lang="ja-JP" altLang="en-US" sz="4600" kern="1200"/>
         </a:p>
       </dsp:txBody>
       <dsp:txXfrm>
-        <a:off x="6990588" y="1235357"/>
-        <a:ext cx="3064668" cy="2502410"/>
+        <a:off x="6990588" y="1249137"/>
+        <a:ext cx="3064668" cy="2750318"/>
       </dsp:txXfrm>
     </dsp:sp>
   </dsp:spTree>
@@ -8155,7 +8089,7 @@
           <a:p>
             <a:fld id="{C1DA91BF-6AB8-4AB0-95FB-F86FB88EBE86}" type="datetimeFigureOut">
               <a:rPr kumimoji="1" lang="ja-JP" altLang="en-US" smtClean="0"/>
-              <a:t>2020/2/2</a:t>
+              <a:t>2020/2/3</a:t>
             </a:fld>
             <a:endParaRPr kumimoji="1" lang="ja-JP" altLang="en-US"/>
           </a:p>
@@ -8320,7 +8254,7 @@
           <a:p>
             <a:fld id="{0649F128-D4FC-489C-860B-9DD0AB1578C1}" type="datetimeFigureOut">
               <a:rPr kumimoji="1" lang="ja-JP" altLang="en-US" smtClean="0"/>
-              <a:t>2020/2/2</a:t>
+              <a:t>2020/2/3</a:t>
             </a:fld>
             <a:endParaRPr kumimoji="1" lang="ja-JP" altLang="en-US"/>
           </a:p>
@@ -9799,7 +9733,19 @@
           <a:bodyPr/>
           <a:lstStyle/>
           <a:p>
-            <a:endParaRPr kumimoji="1" lang="ja-JP" altLang="en-US"/>
+            <a:r>
+              <a:rPr kumimoji="1" lang="ja-JP" altLang="en-US" dirty="0" smtClean="0"/>
+              <a:t>次に、</a:t>
+            </a:r>
+            <a:r>
+              <a:rPr kumimoji="1" lang="en-US" altLang="ja-JP" dirty="0" smtClean="0"/>
+              <a:t>V</a:t>
+            </a:r>
+            <a:r>
+              <a:rPr kumimoji="1" lang="ja-JP" altLang="en-US" dirty="0" smtClean="0"/>
+              <a:t>字モデルに従い、実装を行った後にモジュールごとの単体テストを行いました。</a:t>
+            </a:r>
+            <a:endParaRPr kumimoji="1" lang="ja-JP" altLang="en-US" dirty="0"/>
           </a:p>
         </p:txBody>
       </p:sp>
@@ -9883,62 +9829,43 @@
           <a:bodyPr/>
           <a:lstStyle/>
           <a:p>
-            <a:pPr>
-              <a:buFont typeface="Wingdings" panose="05000000000000000000" pitchFamily="2" charset="2"/>
-              <a:buChar char="l"/>
-            </a:pPr>
-            <a:r>
-              <a:rPr kumimoji="1" lang="ja-JP" altLang="en-US" sz="1200" smtClean="0"/>
-              <a:t>コスト</a:t>
-            </a:r>
-            <a:endParaRPr kumimoji="1" lang="en-US" altLang="ja-JP" sz="1200" smtClean="0"/>
-          </a:p>
-          <a:p>
-            <a:pPr>
-              <a:buFont typeface="Wingdings" panose="05000000000000000000" pitchFamily="2" charset="2"/>
-              <a:buChar char="l"/>
-            </a:pPr>
-            <a:r>
-              <a:rPr kumimoji="1" lang="ja-JP" altLang="en-US" sz="1200" smtClean="0"/>
-              <a:t>体験</a:t>
-            </a:r>
-            <a:endParaRPr kumimoji="1" lang="en-US" altLang="ja-JP" sz="1200" smtClean="0"/>
-          </a:p>
-          <a:p>
-            <a:pPr>
-              <a:buFont typeface="Wingdings" panose="05000000000000000000" pitchFamily="2" charset="2"/>
-              <a:buChar char="l"/>
-            </a:pPr>
-            <a:r>
-              <a:rPr lang="ja-JP" altLang="en-US" sz="1200" smtClean="0"/>
-              <a:t>従来との比較</a:t>
-            </a:r>
-            <a:endParaRPr lang="en-US" altLang="ja-JP" sz="1200" smtClean="0"/>
-          </a:p>
-          <a:p>
-            <a:pPr>
-              <a:buFont typeface="Wingdings" panose="05000000000000000000" pitchFamily="2" charset="2"/>
-              <a:buChar char="l"/>
-            </a:pPr>
-            <a:r>
-              <a:rPr kumimoji="1" lang="ja-JP" altLang="en-US" sz="1200" smtClean="0"/>
-              <a:t>学術的</a:t>
-            </a:r>
-            <a:endParaRPr kumimoji="1" lang="en-US" altLang="ja-JP" sz="1200" smtClean="0"/>
-          </a:p>
-          <a:p>
-            <a:pPr>
-              <a:buFont typeface="Wingdings" panose="05000000000000000000" pitchFamily="2" charset="2"/>
-              <a:buChar char="l"/>
-            </a:pPr>
-            <a:r>
-              <a:rPr lang="ja-JP" altLang="en-US" sz="1200" smtClean="0"/>
-              <a:t>促進</a:t>
-            </a:r>
-            <a:endParaRPr lang="en-US" altLang="ja-JP" sz="1200" smtClean="0"/>
-          </a:p>
-          <a:p>
-            <a:endParaRPr kumimoji="1" lang="ja-JP" altLang="en-US"/>
+            <a:r>
+              <a:rPr kumimoji="1" lang="ja-JP" altLang="en-US" dirty="0" smtClean="0"/>
+              <a:t>こちらのスライドにエッジ側で実装した各センサごとの単体テスト項目を示します。項目が多いので重要な項目の説明のみ行います。</a:t>
+            </a:r>
+            <a:endParaRPr kumimoji="1" lang="en-US" altLang="ja-JP" dirty="0" smtClean="0"/>
+          </a:p>
+          <a:p>
+            <a:r>
+              <a:rPr kumimoji="1" lang="ja-JP" altLang="en-US" dirty="0" smtClean="0"/>
+              <a:t>今回はロードセルセンサの説明を行います。ロードセルセンサで行えることはセンサ上においてある物体の重量を図ることです。</a:t>
+            </a:r>
+            <a:endParaRPr kumimoji="1" lang="en-US" altLang="ja-JP" dirty="0" smtClean="0"/>
+          </a:p>
+          <a:p>
+            <a:r>
+              <a:rPr kumimoji="1" lang="ja-JP" altLang="en-US" dirty="0" smtClean="0"/>
+              <a:t>本研究ではユーザが、カート内から商品を追加する場合と、のぞく場合の</a:t>
+            </a:r>
+            <a:r>
+              <a:rPr kumimoji="1" lang="en-US" altLang="ja-JP" dirty="0" smtClean="0"/>
+              <a:t>2</a:t>
+            </a:r>
+            <a:r>
+              <a:rPr kumimoji="1" lang="ja-JP" altLang="en-US" dirty="0" smtClean="0"/>
+              <a:t>つを、判断する必要がありました。</a:t>
+            </a:r>
+            <a:endParaRPr kumimoji="1" lang="en-US" altLang="ja-JP" dirty="0" smtClean="0"/>
+          </a:p>
+          <a:p>
+            <a:r>
+              <a:rPr kumimoji="1" lang="ja-JP" altLang="en-US" dirty="0" smtClean="0"/>
+              <a:t>そこで、ロードセルが出力する重量の値が、増加した場合はユーザが商品を追加したものと判断し、重量が減少した場合は、カート内から商品が取り除かれたと判断しました。</a:t>
+            </a:r>
+            <a:endParaRPr kumimoji="1" lang="en-US" altLang="ja-JP" dirty="0" smtClean="0"/>
+          </a:p>
+          <a:p>
+            <a:endParaRPr kumimoji="1" lang="ja-JP" altLang="en-US" dirty="0"/>
           </a:p>
         </p:txBody>
       </p:sp>
@@ -9959,7 +9886,7 @@
           <a:p>
             <a:fld id="{1705D8A9-7A56-411A-9EF9-F7869DF78C8C}" type="slidenum">
               <a:rPr kumimoji="1" lang="ja-JP" altLang="en-US" smtClean="0"/>
-              <a:t>29</a:t>
+              <a:t>19</a:t>
             </a:fld>
             <a:endParaRPr kumimoji="1" lang="ja-JP" altLang="en-US"/>
           </a:p>
@@ -9968,7 +9895,7 @@
     </p:spTree>
     <p:extLst>
       <p:ext uri="{BB962C8B-B14F-4D97-AF65-F5344CB8AC3E}">
-        <p14:creationId xmlns:p14="http://schemas.microsoft.com/office/powerpoint/2010/main" val="3623538667"/>
+        <p14:creationId xmlns:p14="http://schemas.microsoft.com/office/powerpoint/2010/main" val="150702975"/>
       </p:ext>
     </p:extLst>
   </p:cSld>
@@ -10066,6 +9993,1440 @@
 </p:notes>
 </file>
 
+<file path=ppt/notesSlides/notesSlide20.xml><?xml version="1.0" encoding="utf-8"?>
+<p:notes xmlns:a="http://schemas.openxmlformats.org/drawingml/2006/main" xmlns:r="http://schemas.openxmlformats.org/officeDocument/2006/relationships" xmlns:p="http://schemas.openxmlformats.org/presentationml/2006/main">
+  <p:cSld>
+    <p:spTree>
+      <p:nvGrpSpPr>
+        <p:cNvPr id="1" name=""/>
+        <p:cNvGrpSpPr/>
+        <p:nvPr/>
+      </p:nvGrpSpPr>
+      <p:grpSpPr>
+        <a:xfrm>
+          <a:off x="0" y="0"/>
+          <a:ext cx="0" cy="0"/>
+          <a:chOff x="0" y="0"/>
+          <a:chExt cx="0" cy="0"/>
+        </a:xfrm>
+      </p:grpSpPr>
+      <p:sp>
+        <p:nvSpPr>
+          <p:cNvPr id="2" name="スライド イメージ プレースホルダー 1"/>
+          <p:cNvSpPr>
+            <a:spLocks noGrp="1" noRot="1" noChangeAspect="1"/>
+          </p:cNvSpPr>
+          <p:nvPr>
+            <p:ph type="sldImg"/>
+          </p:nvPr>
+        </p:nvSpPr>
+        <p:spPr/>
+      </p:sp>
+      <p:sp>
+        <p:nvSpPr>
+          <p:cNvPr id="3" name="ノート プレースホルダー 2"/>
+          <p:cNvSpPr>
+            <a:spLocks noGrp="1"/>
+          </p:cNvSpPr>
+          <p:nvPr>
+            <p:ph type="body" idx="1"/>
+          </p:nvPr>
+        </p:nvSpPr>
+        <p:spPr/>
+        <p:txBody>
+          <a:bodyPr/>
+          <a:lstStyle/>
+          <a:p>
+            <a:r>
+              <a:rPr kumimoji="1" lang="ja-JP" altLang="en-US" dirty="0" smtClean="0"/>
+              <a:t>エッジ側のデータ送信のテストは、</a:t>
+            </a:r>
+            <a:r>
+              <a:rPr kumimoji="1" lang="en-US" altLang="ja-JP" dirty="0" smtClean="0"/>
+              <a:t>Web</a:t>
+            </a:r>
+            <a:r>
+              <a:rPr kumimoji="1" lang="ja-JP" altLang="en-US" dirty="0" smtClean="0"/>
+              <a:t>カメラからの画像データや、商品の追加・削除のフラグをサーバへ正しく、送信できたかを確認する項目になっています。</a:t>
+            </a:r>
+            <a:endParaRPr kumimoji="1" lang="ja-JP" altLang="en-US" dirty="0"/>
+          </a:p>
+        </p:txBody>
+      </p:sp>
+      <p:sp>
+        <p:nvSpPr>
+          <p:cNvPr id="4" name="スライド番号プレースホルダー 3"/>
+          <p:cNvSpPr>
+            <a:spLocks noGrp="1"/>
+          </p:cNvSpPr>
+          <p:nvPr>
+            <p:ph type="sldNum" sz="quarter" idx="10"/>
+          </p:nvPr>
+        </p:nvSpPr>
+        <p:spPr/>
+        <p:txBody>
+          <a:bodyPr/>
+          <a:lstStyle/>
+          <a:p>
+            <a:fld id="{1705D8A9-7A56-411A-9EF9-F7869DF78C8C}" type="slidenum">
+              <a:rPr kumimoji="1" lang="ja-JP" altLang="en-US" smtClean="0"/>
+              <a:t>20</a:t>
+            </a:fld>
+            <a:endParaRPr kumimoji="1" lang="ja-JP" altLang="en-US"/>
+          </a:p>
+        </p:txBody>
+      </p:sp>
+    </p:spTree>
+    <p:extLst>
+      <p:ext uri="{BB962C8B-B14F-4D97-AF65-F5344CB8AC3E}">
+        <p14:creationId xmlns:p14="http://schemas.microsoft.com/office/powerpoint/2010/main" val="2764972908"/>
+      </p:ext>
+    </p:extLst>
+  </p:cSld>
+  <p:clrMapOvr>
+    <a:masterClrMapping/>
+  </p:clrMapOvr>
+</p:notes>
+</file>
+
+<file path=ppt/notesSlides/notesSlide21.xml><?xml version="1.0" encoding="utf-8"?>
+<p:notes xmlns:a="http://schemas.openxmlformats.org/drawingml/2006/main" xmlns:r="http://schemas.openxmlformats.org/officeDocument/2006/relationships" xmlns:p="http://schemas.openxmlformats.org/presentationml/2006/main">
+  <p:cSld>
+    <p:spTree>
+      <p:nvGrpSpPr>
+        <p:cNvPr id="1" name=""/>
+        <p:cNvGrpSpPr/>
+        <p:nvPr/>
+      </p:nvGrpSpPr>
+      <p:grpSpPr>
+        <a:xfrm>
+          <a:off x="0" y="0"/>
+          <a:ext cx="0" cy="0"/>
+          <a:chOff x="0" y="0"/>
+          <a:chExt cx="0" cy="0"/>
+        </a:xfrm>
+      </p:grpSpPr>
+      <p:sp>
+        <p:nvSpPr>
+          <p:cNvPr id="2" name="スライド イメージ プレースホルダー 1"/>
+          <p:cNvSpPr>
+            <a:spLocks noGrp="1" noRot="1" noChangeAspect="1"/>
+          </p:cNvSpPr>
+          <p:nvPr>
+            <p:ph type="sldImg"/>
+          </p:nvPr>
+        </p:nvSpPr>
+        <p:spPr/>
+      </p:sp>
+      <p:sp>
+        <p:nvSpPr>
+          <p:cNvPr id="3" name="ノート プレースホルダー 2"/>
+          <p:cNvSpPr>
+            <a:spLocks noGrp="1"/>
+          </p:cNvSpPr>
+          <p:nvPr>
+            <p:ph type="body" idx="1"/>
+          </p:nvPr>
+        </p:nvSpPr>
+        <p:spPr/>
+        <p:txBody>
+          <a:bodyPr/>
+          <a:lstStyle/>
+          <a:p>
+            <a:r>
+              <a:rPr kumimoji="1" lang="ja-JP" altLang="en-US" dirty="0" smtClean="0"/>
+              <a:t>次に、サーバ側のテスト項目です。こちらは、エッジ側から送信された、画像データと、商品の追加・削除フラグを正常に受信したかを確認する項目になっています。</a:t>
+            </a:r>
+            <a:endParaRPr kumimoji="1" lang="en-US" altLang="ja-JP" dirty="0" smtClean="0"/>
+          </a:p>
+          <a:p>
+            <a:r>
+              <a:rPr kumimoji="1" lang="ja-JP" altLang="en-US" dirty="0" smtClean="0"/>
+              <a:t>また、</a:t>
+            </a:r>
+            <a:r>
+              <a:rPr kumimoji="1" lang="en-US" altLang="ja-JP" dirty="0" smtClean="0"/>
+              <a:t>Yolo</a:t>
+            </a:r>
+            <a:r>
+              <a:rPr kumimoji="1" lang="ja-JP" altLang="en-US" dirty="0" smtClean="0"/>
+              <a:t>を使用して画像からバーコード部分のみを正しく切り取ることができたかの確認も行いました。</a:t>
+            </a:r>
+            <a:endParaRPr kumimoji="1" lang="ja-JP" altLang="en-US" dirty="0"/>
+          </a:p>
+        </p:txBody>
+      </p:sp>
+      <p:sp>
+        <p:nvSpPr>
+          <p:cNvPr id="4" name="スライド番号プレースホルダー 3"/>
+          <p:cNvSpPr>
+            <a:spLocks noGrp="1"/>
+          </p:cNvSpPr>
+          <p:nvPr>
+            <p:ph type="sldNum" sz="quarter" idx="10"/>
+          </p:nvPr>
+        </p:nvSpPr>
+        <p:spPr/>
+        <p:txBody>
+          <a:bodyPr/>
+          <a:lstStyle/>
+          <a:p>
+            <a:fld id="{1705D8A9-7A56-411A-9EF9-F7869DF78C8C}" type="slidenum">
+              <a:rPr kumimoji="1" lang="ja-JP" altLang="en-US" smtClean="0"/>
+              <a:t>21</a:t>
+            </a:fld>
+            <a:endParaRPr kumimoji="1" lang="ja-JP" altLang="en-US"/>
+          </a:p>
+        </p:txBody>
+      </p:sp>
+    </p:spTree>
+    <p:extLst>
+      <p:ext uri="{BB962C8B-B14F-4D97-AF65-F5344CB8AC3E}">
+        <p14:creationId xmlns:p14="http://schemas.microsoft.com/office/powerpoint/2010/main" val="3731033367"/>
+      </p:ext>
+    </p:extLst>
+  </p:cSld>
+  <p:clrMapOvr>
+    <a:masterClrMapping/>
+  </p:clrMapOvr>
+</p:notes>
+</file>
+
+<file path=ppt/notesSlides/notesSlide22.xml><?xml version="1.0" encoding="utf-8"?>
+<p:notes xmlns:a="http://schemas.openxmlformats.org/drawingml/2006/main" xmlns:r="http://schemas.openxmlformats.org/officeDocument/2006/relationships" xmlns:p="http://schemas.openxmlformats.org/presentationml/2006/main">
+  <p:cSld>
+    <p:spTree>
+      <p:nvGrpSpPr>
+        <p:cNvPr id="1" name=""/>
+        <p:cNvGrpSpPr/>
+        <p:nvPr/>
+      </p:nvGrpSpPr>
+      <p:grpSpPr>
+        <a:xfrm>
+          <a:off x="0" y="0"/>
+          <a:ext cx="0" cy="0"/>
+          <a:chOff x="0" y="0"/>
+          <a:chExt cx="0" cy="0"/>
+        </a:xfrm>
+      </p:grpSpPr>
+      <p:sp>
+        <p:nvSpPr>
+          <p:cNvPr id="2" name="スライド イメージ プレースホルダー 1"/>
+          <p:cNvSpPr>
+            <a:spLocks noGrp="1" noRot="1" noChangeAspect="1"/>
+          </p:cNvSpPr>
+          <p:nvPr>
+            <p:ph type="sldImg"/>
+          </p:nvPr>
+        </p:nvSpPr>
+        <p:spPr/>
+      </p:sp>
+      <p:sp>
+        <p:nvSpPr>
+          <p:cNvPr id="3" name="ノート プレースホルダー 2"/>
+          <p:cNvSpPr>
+            <a:spLocks noGrp="1"/>
+          </p:cNvSpPr>
+          <p:nvPr>
+            <p:ph type="body" idx="1"/>
+          </p:nvPr>
+        </p:nvSpPr>
+        <p:spPr/>
+        <p:txBody>
+          <a:bodyPr/>
+          <a:lstStyle/>
+          <a:p>
+            <a:r>
+              <a:rPr kumimoji="1" lang="ja-JP" altLang="en-US" dirty="0" smtClean="0"/>
+              <a:t>決済システムのテストは、ユーザが購入予定の商品を</a:t>
+            </a:r>
+            <a:r>
+              <a:rPr kumimoji="1" lang="en-US" altLang="ja-JP" dirty="0" smtClean="0"/>
+              <a:t>Web</a:t>
+            </a:r>
+            <a:r>
+              <a:rPr kumimoji="1" lang="ja-JP" altLang="en-US" dirty="0" smtClean="0"/>
+              <a:t>ページで確認できるかのテストと、決済時に所持金額が、購入金額を上回っていた場合におかしな挙動にならないかなどのテストを行いました。</a:t>
+            </a:r>
+            <a:endParaRPr kumimoji="1" lang="ja-JP" altLang="en-US" dirty="0"/>
+          </a:p>
+        </p:txBody>
+      </p:sp>
+      <p:sp>
+        <p:nvSpPr>
+          <p:cNvPr id="4" name="スライド番号プレースホルダー 3"/>
+          <p:cNvSpPr>
+            <a:spLocks noGrp="1"/>
+          </p:cNvSpPr>
+          <p:nvPr>
+            <p:ph type="sldNum" sz="quarter" idx="10"/>
+          </p:nvPr>
+        </p:nvSpPr>
+        <p:spPr/>
+        <p:txBody>
+          <a:bodyPr/>
+          <a:lstStyle/>
+          <a:p>
+            <a:fld id="{1705D8A9-7A56-411A-9EF9-F7869DF78C8C}" type="slidenum">
+              <a:rPr kumimoji="1" lang="ja-JP" altLang="en-US" smtClean="0"/>
+              <a:t>22</a:t>
+            </a:fld>
+            <a:endParaRPr kumimoji="1" lang="ja-JP" altLang="en-US"/>
+          </a:p>
+        </p:txBody>
+      </p:sp>
+    </p:spTree>
+    <p:extLst>
+      <p:ext uri="{BB962C8B-B14F-4D97-AF65-F5344CB8AC3E}">
+        <p14:creationId xmlns:p14="http://schemas.microsoft.com/office/powerpoint/2010/main" val="2464761400"/>
+      </p:ext>
+    </p:extLst>
+  </p:cSld>
+  <p:clrMapOvr>
+    <a:masterClrMapping/>
+  </p:clrMapOvr>
+</p:notes>
+</file>
+
+<file path=ppt/notesSlides/notesSlide23.xml><?xml version="1.0" encoding="utf-8"?>
+<p:notes xmlns:a="http://schemas.openxmlformats.org/drawingml/2006/main" xmlns:r="http://schemas.openxmlformats.org/officeDocument/2006/relationships" xmlns:p="http://schemas.openxmlformats.org/presentationml/2006/main">
+  <p:cSld>
+    <p:spTree>
+      <p:nvGrpSpPr>
+        <p:cNvPr id="1" name=""/>
+        <p:cNvGrpSpPr/>
+        <p:nvPr/>
+      </p:nvGrpSpPr>
+      <p:grpSpPr>
+        <a:xfrm>
+          <a:off x="0" y="0"/>
+          <a:ext cx="0" cy="0"/>
+          <a:chOff x="0" y="0"/>
+          <a:chExt cx="0" cy="0"/>
+        </a:xfrm>
+      </p:grpSpPr>
+      <p:sp>
+        <p:nvSpPr>
+          <p:cNvPr id="2" name="スライド イメージ プレースホルダー 1"/>
+          <p:cNvSpPr>
+            <a:spLocks noGrp="1" noRot="1" noChangeAspect="1"/>
+          </p:cNvSpPr>
+          <p:nvPr>
+            <p:ph type="sldImg"/>
+          </p:nvPr>
+        </p:nvSpPr>
+        <p:spPr/>
+      </p:sp>
+      <p:sp>
+        <p:nvSpPr>
+          <p:cNvPr id="3" name="ノート プレースホルダー 2"/>
+          <p:cNvSpPr>
+            <a:spLocks noGrp="1"/>
+          </p:cNvSpPr>
+          <p:nvPr>
+            <p:ph type="body" idx="1"/>
+          </p:nvPr>
+        </p:nvSpPr>
+        <p:spPr/>
+        <p:txBody>
+          <a:bodyPr/>
+          <a:lstStyle/>
+          <a:p>
+            <a:r>
+              <a:rPr kumimoji="1" lang="ja-JP" altLang="en-US" dirty="0" smtClean="0"/>
+              <a:t>次に、結合、総合テストについて説明します。</a:t>
+            </a:r>
+            <a:endParaRPr kumimoji="1" lang="ja-JP" altLang="en-US" dirty="0"/>
+          </a:p>
+        </p:txBody>
+      </p:sp>
+      <p:sp>
+        <p:nvSpPr>
+          <p:cNvPr id="4" name="スライド番号プレースホルダー 3"/>
+          <p:cNvSpPr>
+            <a:spLocks noGrp="1"/>
+          </p:cNvSpPr>
+          <p:nvPr>
+            <p:ph type="sldNum" sz="quarter" idx="10"/>
+          </p:nvPr>
+        </p:nvSpPr>
+        <p:spPr/>
+        <p:txBody>
+          <a:bodyPr/>
+          <a:lstStyle/>
+          <a:p>
+            <a:fld id="{1705D8A9-7A56-411A-9EF9-F7869DF78C8C}" type="slidenum">
+              <a:rPr kumimoji="1" lang="ja-JP" altLang="en-US" smtClean="0"/>
+              <a:t>23</a:t>
+            </a:fld>
+            <a:endParaRPr kumimoji="1" lang="ja-JP" altLang="en-US"/>
+          </a:p>
+        </p:txBody>
+      </p:sp>
+    </p:spTree>
+    <p:extLst>
+      <p:ext uri="{BB962C8B-B14F-4D97-AF65-F5344CB8AC3E}">
+        <p14:creationId xmlns:p14="http://schemas.microsoft.com/office/powerpoint/2010/main" val="484769788"/>
+      </p:ext>
+    </p:extLst>
+  </p:cSld>
+  <p:clrMapOvr>
+    <a:masterClrMapping/>
+  </p:clrMapOvr>
+</p:notes>
+</file>
+
+<file path=ppt/notesSlides/notesSlide24.xml><?xml version="1.0" encoding="utf-8"?>
+<p:notes xmlns:a="http://schemas.openxmlformats.org/drawingml/2006/main" xmlns:r="http://schemas.openxmlformats.org/officeDocument/2006/relationships" xmlns:p="http://schemas.openxmlformats.org/presentationml/2006/main">
+  <p:cSld>
+    <p:spTree>
+      <p:nvGrpSpPr>
+        <p:cNvPr id="1" name=""/>
+        <p:cNvGrpSpPr/>
+        <p:nvPr/>
+      </p:nvGrpSpPr>
+      <p:grpSpPr>
+        <a:xfrm>
+          <a:off x="0" y="0"/>
+          <a:ext cx="0" cy="0"/>
+          <a:chOff x="0" y="0"/>
+          <a:chExt cx="0" cy="0"/>
+        </a:xfrm>
+      </p:grpSpPr>
+      <p:sp>
+        <p:nvSpPr>
+          <p:cNvPr id="2" name="スライド イメージ プレースホルダー 1"/>
+          <p:cNvSpPr>
+            <a:spLocks noGrp="1" noRot="1" noChangeAspect="1"/>
+          </p:cNvSpPr>
+          <p:nvPr>
+            <p:ph type="sldImg"/>
+          </p:nvPr>
+        </p:nvSpPr>
+        <p:spPr/>
+      </p:sp>
+      <p:sp>
+        <p:nvSpPr>
+          <p:cNvPr id="3" name="ノート プレースホルダー 2"/>
+          <p:cNvSpPr>
+            <a:spLocks noGrp="1"/>
+          </p:cNvSpPr>
+          <p:nvPr>
+            <p:ph type="body" idx="1"/>
+          </p:nvPr>
+        </p:nvSpPr>
+        <p:spPr/>
+        <p:txBody>
+          <a:bodyPr/>
+          <a:lstStyle/>
+          <a:p>
+            <a:r>
+              <a:rPr kumimoji="1" lang="ja-JP" altLang="en-US" dirty="0" smtClean="0"/>
+              <a:t>結合テストは、先ほどの各モジュールの単体テストが成功したか確認し、それらを結合した場合に問題なくシステムが動作するか確認しました。</a:t>
+            </a:r>
+            <a:endParaRPr kumimoji="1" lang="ja-JP" altLang="en-US" dirty="0"/>
+          </a:p>
+        </p:txBody>
+      </p:sp>
+      <p:sp>
+        <p:nvSpPr>
+          <p:cNvPr id="4" name="スライド番号プレースホルダー 3"/>
+          <p:cNvSpPr>
+            <a:spLocks noGrp="1"/>
+          </p:cNvSpPr>
+          <p:nvPr>
+            <p:ph type="sldNum" sz="quarter" idx="10"/>
+          </p:nvPr>
+        </p:nvSpPr>
+        <p:spPr/>
+        <p:txBody>
+          <a:bodyPr/>
+          <a:lstStyle/>
+          <a:p>
+            <a:fld id="{1705D8A9-7A56-411A-9EF9-F7869DF78C8C}" type="slidenum">
+              <a:rPr kumimoji="1" lang="ja-JP" altLang="en-US" smtClean="0"/>
+              <a:t>24</a:t>
+            </a:fld>
+            <a:endParaRPr kumimoji="1" lang="ja-JP" altLang="en-US"/>
+          </a:p>
+        </p:txBody>
+      </p:sp>
+    </p:spTree>
+    <p:extLst>
+      <p:ext uri="{BB962C8B-B14F-4D97-AF65-F5344CB8AC3E}">
+        <p14:creationId xmlns:p14="http://schemas.microsoft.com/office/powerpoint/2010/main" val="51113332"/>
+      </p:ext>
+    </p:extLst>
+  </p:cSld>
+  <p:clrMapOvr>
+    <a:masterClrMapping/>
+  </p:clrMapOvr>
+</p:notes>
+</file>
+
+<file path=ppt/notesSlides/notesSlide25.xml><?xml version="1.0" encoding="utf-8"?>
+<p:notes xmlns:a="http://schemas.openxmlformats.org/drawingml/2006/main" xmlns:r="http://schemas.openxmlformats.org/officeDocument/2006/relationships" xmlns:p="http://schemas.openxmlformats.org/presentationml/2006/main">
+  <p:cSld>
+    <p:spTree>
+      <p:nvGrpSpPr>
+        <p:cNvPr id="1" name=""/>
+        <p:cNvGrpSpPr/>
+        <p:nvPr/>
+      </p:nvGrpSpPr>
+      <p:grpSpPr>
+        <a:xfrm>
+          <a:off x="0" y="0"/>
+          <a:ext cx="0" cy="0"/>
+          <a:chOff x="0" y="0"/>
+          <a:chExt cx="0" cy="0"/>
+        </a:xfrm>
+      </p:grpSpPr>
+      <p:sp>
+        <p:nvSpPr>
+          <p:cNvPr id="2" name="スライド イメージ プレースホルダー 1"/>
+          <p:cNvSpPr>
+            <a:spLocks noGrp="1" noRot="1" noChangeAspect="1"/>
+          </p:cNvSpPr>
+          <p:nvPr>
+            <p:ph type="sldImg"/>
+          </p:nvPr>
+        </p:nvSpPr>
+        <p:spPr/>
+      </p:sp>
+      <p:sp>
+        <p:nvSpPr>
+          <p:cNvPr id="3" name="ノート プレースホルダー 2"/>
+          <p:cNvSpPr>
+            <a:spLocks noGrp="1"/>
+          </p:cNvSpPr>
+          <p:nvPr>
+            <p:ph type="body" idx="1"/>
+          </p:nvPr>
+        </p:nvSpPr>
+        <p:spPr/>
+        <p:txBody>
+          <a:bodyPr/>
+          <a:lstStyle/>
+          <a:p>
+            <a:endParaRPr kumimoji="1" lang="ja-JP" altLang="en-US" dirty="0"/>
+          </a:p>
+        </p:txBody>
+      </p:sp>
+      <p:sp>
+        <p:nvSpPr>
+          <p:cNvPr id="4" name="スライド番号プレースホルダー 3"/>
+          <p:cNvSpPr>
+            <a:spLocks noGrp="1"/>
+          </p:cNvSpPr>
+          <p:nvPr>
+            <p:ph type="sldNum" sz="quarter" idx="10"/>
+          </p:nvPr>
+        </p:nvSpPr>
+        <p:spPr/>
+        <p:txBody>
+          <a:bodyPr/>
+          <a:lstStyle/>
+          <a:p>
+            <a:fld id="{1705D8A9-7A56-411A-9EF9-F7869DF78C8C}" type="slidenum">
+              <a:rPr kumimoji="1" lang="ja-JP" altLang="en-US" smtClean="0"/>
+              <a:t>25</a:t>
+            </a:fld>
+            <a:endParaRPr kumimoji="1" lang="ja-JP" altLang="en-US"/>
+          </a:p>
+        </p:txBody>
+      </p:sp>
+    </p:spTree>
+    <p:extLst>
+      <p:ext uri="{BB962C8B-B14F-4D97-AF65-F5344CB8AC3E}">
+        <p14:creationId xmlns:p14="http://schemas.microsoft.com/office/powerpoint/2010/main" val="3733443110"/>
+      </p:ext>
+    </p:extLst>
+  </p:cSld>
+  <p:clrMapOvr>
+    <a:masterClrMapping/>
+  </p:clrMapOvr>
+</p:notes>
+</file>
+
+<file path=ppt/notesSlides/notesSlide26.xml><?xml version="1.0" encoding="utf-8"?>
+<p:notes xmlns:a="http://schemas.openxmlformats.org/drawingml/2006/main" xmlns:r="http://schemas.openxmlformats.org/officeDocument/2006/relationships" xmlns:p="http://schemas.openxmlformats.org/presentationml/2006/main">
+  <p:cSld>
+    <p:spTree>
+      <p:nvGrpSpPr>
+        <p:cNvPr id="1" name=""/>
+        <p:cNvGrpSpPr/>
+        <p:nvPr/>
+      </p:nvGrpSpPr>
+      <p:grpSpPr>
+        <a:xfrm>
+          <a:off x="0" y="0"/>
+          <a:ext cx="0" cy="0"/>
+          <a:chOff x="0" y="0"/>
+          <a:chExt cx="0" cy="0"/>
+        </a:xfrm>
+      </p:grpSpPr>
+      <p:sp>
+        <p:nvSpPr>
+          <p:cNvPr id="2" name="スライド イメージ プレースホルダー 1"/>
+          <p:cNvSpPr>
+            <a:spLocks noGrp="1" noRot="1" noChangeAspect="1"/>
+          </p:cNvSpPr>
+          <p:nvPr>
+            <p:ph type="sldImg"/>
+          </p:nvPr>
+        </p:nvSpPr>
+        <p:spPr/>
+      </p:sp>
+      <p:sp>
+        <p:nvSpPr>
+          <p:cNvPr id="3" name="ノート プレースホルダー 2"/>
+          <p:cNvSpPr>
+            <a:spLocks noGrp="1"/>
+          </p:cNvSpPr>
+          <p:nvPr>
+            <p:ph type="body" idx="1"/>
+          </p:nvPr>
+        </p:nvSpPr>
+        <p:spPr/>
+        <p:txBody>
+          <a:bodyPr/>
+          <a:lstStyle/>
+          <a:p>
+            <a:r>
+              <a:rPr kumimoji="1" lang="ja-JP" altLang="en-US" dirty="0" smtClean="0"/>
+              <a:t>総合テストは、ユーザが実際に商品を購入する動きを想定して問題なく動作するかの確認しました。</a:t>
+            </a:r>
+            <a:endParaRPr kumimoji="1" lang="ja-JP" altLang="en-US" dirty="0"/>
+          </a:p>
+        </p:txBody>
+      </p:sp>
+      <p:sp>
+        <p:nvSpPr>
+          <p:cNvPr id="4" name="スライド番号プレースホルダー 3"/>
+          <p:cNvSpPr>
+            <a:spLocks noGrp="1"/>
+          </p:cNvSpPr>
+          <p:nvPr>
+            <p:ph type="sldNum" sz="quarter" idx="10"/>
+          </p:nvPr>
+        </p:nvSpPr>
+        <p:spPr/>
+        <p:txBody>
+          <a:bodyPr/>
+          <a:lstStyle/>
+          <a:p>
+            <a:fld id="{1705D8A9-7A56-411A-9EF9-F7869DF78C8C}" type="slidenum">
+              <a:rPr kumimoji="1" lang="ja-JP" altLang="en-US" smtClean="0"/>
+              <a:t>26</a:t>
+            </a:fld>
+            <a:endParaRPr kumimoji="1" lang="ja-JP" altLang="en-US"/>
+          </a:p>
+        </p:txBody>
+      </p:sp>
+    </p:spTree>
+    <p:extLst>
+      <p:ext uri="{BB962C8B-B14F-4D97-AF65-F5344CB8AC3E}">
+        <p14:creationId xmlns:p14="http://schemas.microsoft.com/office/powerpoint/2010/main" val="1352178385"/>
+      </p:ext>
+    </p:extLst>
+  </p:cSld>
+  <p:clrMapOvr>
+    <a:masterClrMapping/>
+  </p:clrMapOvr>
+</p:notes>
+</file>
+
+<file path=ppt/notesSlides/notesSlide27.xml><?xml version="1.0" encoding="utf-8"?>
+<p:notes xmlns:a="http://schemas.openxmlformats.org/drawingml/2006/main" xmlns:r="http://schemas.openxmlformats.org/officeDocument/2006/relationships" xmlns:p="http://schemas.openxmlformats.org/presentationml/2006/main">
+  <p:cSld>
+    <p:spTree>
+      <p:nvGrpSpPr>
+        <p:cNvPr id="1" name=""/>
+        <p:cNvGrpSpPr/>
+        <p:nvPr/>
+      </p:nvGrpSpPr>
+      <p:grpSpPr>
+        <a:xfrm>
+          <a:off x="0" y="0"/>
+          <a:ext cx="0" cy="0"/>
+          <a:chOff x="0" y="0"/>
+          <a:chExt cx="0" cy="0"/>
+        </a:xfrm>
+      </p:grpSpPr>
+      <p:sp>
+        <p:nvSpPr>
+          <p:cNvPr id="2" name="スライド イメージ プレースホルダー 1"/>
+          <p:cNvSpPr>
+            <a:spLocks noGrp="1" noRot="1" noChangeAspect="1"/>
+          </p:cNvSpPr>
+          <p:nvPr>
+            <p:ph type="sldImg"/>
+          </p:nvPr>
+        </p:nvSpPr>
+        <p:spPr/>
+      </p:sp>
+      <p:sp>
+        <p:nvSpPr>
+          <p:cNvPr id="3" name="ノート プレースホルダー 2"/>
+          <p:cNvSpPr>
+            <a:spLocks noGrp="1"/>
+          </p:cNvSpPr>
+          <p:nvPr>
+            <p:ph type="body" idx="1"/>
+          </p:nvPr>
+        </p:nvSpPr>
+        <p:spPr/>
+        <p:txBody>
+          <a:bodyPr/>
+          <a:lstStyle/>
+          <a:p>
+            <a:r>
+              <a:rPr kumimoji="1" lang="ja-JP" altLang="en-US" dirty="0" smtClean="0"/>
+              <a:t>本システムを実装し、テスト項目にて要件の確認を行ったのち、システム全体の評価と考察を行いました。</a:t>
+            </a:r>
+            <a:endParaRPr kumimoji="1" lang="ja-JP" altLang="en-US" dirty="0"/>
+          </a:p>
+        </p:txBody>
+      </p:sp>
+      <p:sp>
+        <p:nvSpPr>
+          <p:cNvPr id="4" name="スライド番号プレースホルダー 3"/>
+          <p:cNvSpPr>
+            <a:spLocks noGrp="1"/>
+          </p:cNvSpPr>
+          <p:nvPr>
+            <p:ph type="sldNum" sz="quarter" idx="10"/>
+          </p:nvPr>
+        </p:nvSpPr>
+        <p:spPr/>
+        <p:txBody>
+          <a:bodyPr/>
+          <a:lstStyle/>
+          <a:p>
+            <a:fld id="{1705D8A9-7A56-411A-9EF9-F7869DF78C8C}" type="slidenum">
+              <a:rPr kumimoji="1" lang="ja-JP" altLang="en-US" smtClean="0"/>
+              <a:t>27</a:t>
+            </a:fld>
+            <a:endParaRPr kumimoji="1" lang="ja-JP" altLang="en-US"/>
+          </a:p>
+        </p:txBody>
+      </p:sp>
+    </p:spTree>
+    <p:extLst>
+      <p:ext uri="{BB962C8B-B14F-4D97-AF65-F5344CB8AC3E}">
+        <p14:creationId xmlns:p14="http://schemas.microsoft.com/office/powerpoint/2010/main" val="1903801195"/>
+      </p:ext>
+    </p:extLst>
+  </p:cSld>
+  <p:clrMapOvr>
+    <a:masterClrMapping/>
+  </p:clrMapOvr>
+</p:notes>
+</file>
+
+<file path=ppt/notesSlides/notesSlide28.xml><?xml version="1.0" encoding="utf-8"?>
+<p:notes xmlns:a="http://schemas.openxmlformats.org/drawingml/2006/main" xmlns:r="http://schemas.openxmlformats.org/officeDocument/2006/relationships" xmlns:p="http://schemas.openxmlformats.org/presentationml/2006/main">
+  <p:cSld>
+    <p:spTree>
+      <p:nvGrpSpPr>
+        <p:cNvPr id="1" name=""/>
+        <p:cNvGrpSpPr/>
+        <p:nvPr/>
+      </p:nvGrpSpPr>
+      <p:grpSpPr>
+        <a:xfrm>
+          <a:off x="0" y="0"/>
+          <a:ext cx="0" cy="0"/>
+          <a:chOff x="0" y="0"/>
+          <a:chExt cx="0" cy="0"/>
+        </a:xfrm>
+      </p:grpSpPr>
+      <p:sp>
+        <p:nvSpPr>
+          <p:cNvPr id="2" name="スライド イメージ プレースホルダー 1"/>
+          <p:cNvSpPr>
+            <a:spLocks noGrp="1" noRot="1" noChangeAspect="1"/>
+          </p:cNvSpPr>
+          <p:nvPr>
+            <p:ph type="sldImg"/>
+          </p:nvPr>
+        </p:nvSpPr>
+        <p:spPr/>
+      </p:sp>
+      <p:sp>
+        <p:nvSpPr>
+          <p:cNvPr id="3" name="ノート プレースホルダー 2"/>
+          <p:cNvSpPr>
+            <a:spLocks noGrp="1"/>
+          </p:cNvSpPr>
+          <p:nvPr>
+            <p:ph type="body" idx="1"/>
+          </p:nvPr>
+        </p:nvSpPr>
+        <p:spPr/>
+        <p:txBody>
+          <a:bodyPr/>
+          <a:lstStyle/>
+          <a:p>
+            <a:r>
+              <a:rPr lang="ja-JP" altLang="en-US" dirty="0" smtClean="0"/>
+              <a:t>本システムのメリットの一つとして、低コストの実現が挙げられます。例として、中小規模店舗のスーパーマーケットを仮定し、従来のセルフレジの導入と本システムの導入を比較しました。</a:t>
+            </a:r>
+            <a:endParaRPr lang="en-US" altLang="ja-JP" dirty="0" smtClean="0"/>
+          </a:p>
+          <a:p>
+            <a:r>
+              <a:rPr lang="ja-JP" altLang="en-US" dirty="0" smtClean="0"/>
+              <a:t>登録機 </a:t>
+            </a:r>
+            <a:r>
+              <a:rPr lang="en-US" altLang="ja-JP" dirty="0" smtClean="0"/>
+              <a:t>1 </a:t>
+            </a:r>
+            <a:r>
+              <a:rPr lang="ja-JP" altLang="en-US" dirty="0" smtClean="0"/>
+              <a:t>台 </a:t>
+            </a:r>
+            <a:r>
+              <a:rPr lang="en-US" altLang="ja-JP" dirty="0" smtClean="0"/>
+              <a:t>1,875,000 </a:t>
+            </a:r>
+            <a:r>
+              <a:rPr lang="ja-JP" altLang="en-US" dirty="0" smtClean="0"/>
+              <a:t>円と精算機 </a:t>
+            </a:r>
+            <a:r>
+              <a:rPr lang="en-US" altLang="ja-JP" dirty="0" smtClean="0"/>
+              <a:t>2, 750, 000 </a:t>
+            </a:r>
+            <a:r>
+              <a:rPr lang="ja-JP" altLang="en-US" dirty="0" smtClean="0"/>
+              <a:t>円 </a:t>
+            </a:r>
+            <a:r>
+              <a:rPr lang="en-US" altLang="ja-JP" dirty="0" smtClean="0"/>
+              <a:t>× 7 </a:t>
+            </a:r>
+            <a:r>
+              <a:rPr lang="ja-JP" altLang="en-US" dirty="0" smtClean="0"/>
+              <a:t>台 として，合わせておよそ </a:t>
+            </a:r>
+            <a:r>
+              <a:rPr lang="en-US" altLang="ja-JP" dirty="0" smtClean="0"/>
+              <a:t>21,125,000 </a:t>
+            </a:r>
+            <a:r>
+              <a:rPr lang="ja-JP" altLang="en-US" dirty="0" smtClean="0"/>
+              <a:t>円となる。</a:t>
+            </a:r>
+            <a:endParaRPr lang="en-US" altLang="ja-JP" dirty="0" smtClean="0"/>
+          </a:p>
+          <a:p>
+            <a:r>
+              <a:rPr lang="en-US" altLang="ja-JP" dirty="0" smtClean="0"/>
+              <a:t>Raspberry Pi </a:t>
+            </a:r>
+            <a:r>
+              <a:rPr lang="ja-JP" altLang="en-US" dirty="0" smtClean="0"/>
+              <a:t>の価格は </a:t>
+            </a:r>
+            <a:r>
+              <a:rPr lang="en-US" altLang="ja-JP" dirty="0" smtClean="0"/>
+              <a:t>5,700 </a:t>
+            </a:r>
+            <a:r>
+              <a:rPr lang="ja-JP" altLang="en-US" dirty="0" smtClean="0"/>
+              <a:t>円程度，各種センサと周辺機器の合計価格は </a:t>
+            </a:r>
+            <a:r>
+              <a:rPr lang="en-US" altLang="ja-JP" dirty="0" smtClean="0"/>
+              <a:t>3,500 </a:t>
+            </a:r>
+            <a:r>
+              <a:rPr lang="ja-JP" altLang="en-US" dirty="0" smtClean="0"/>
+              <a:t>円程 度のため，カゴにかかる合計金額は約 </a:t>
+            </a:r>
+            <a:r>
+              <a:rPr lang="en-US" altLang="ja-JP" dirty="0" smtClean="0"/>
+              <a:t>9,200 </a:t>
+            </a:r>
+            <a:r>
+              <a:rPr lang="ja-JP" altLang="en-US" dirty="0" smtClean="0"/>
+              <a:t>円とする．サーバと周辺機器にかかる価格を約 </a:t>
+            </a:r>
+            <a:r>
+              <a:rPr lang="en-US" altLang="ja-JP" dirty="0" smtClean="0"/>
+              <a:t>150,000 </a:t>
+            </a:r>
+            <a:r>
+              <a:rPr lang="ja-JP" altLang="en-US" dirty="0" smtClean="0"/>
+              <a:t>円とする．サーバ </a:t>
+            </a:r>
+            <a:r>
+              <a:rPr lang="en-US" altLang="ja-JP" dirty="0" smtClean="0"/>
+              <a:t>1 </a:t>
+            </a:r>
+            <a:r>
+              <a:rPr lang="ja-JP" altLang="en-US" dirty="0" smtClean="0"/>
+              <a:t>台約 </a:t>
+            </a:r>
+            <a:r>
+              <a:rPr lang="en-US" altLang="ja-JP" dirty="0" smtClean="0"/>
+              <a:t>150,000 </a:t>
+            </a:r>
+            <a:r>
+              <a:rPr lang="ja-JP" altLang="en-US" dirty="0" smtClean="0"/>
+              <a:t>円とカゴ </a:t>
+            </a:r>
+            <a:r>
+              <a:rPr lang="en-US" altLang="ja-JP" dirty="0" smtClean="0"/>
+              <a:t>90 </a:t>
+            </a:r>
+            <a:r>
+              <a:rPr lang="ja-JP" altLang="en-US" dirty="0" smtClean="0"/>
+              <a:t>個約 </a:t>
+            </a:r>
+            <a:r>
+              <a:rPr lang="en-US" altLang="ja-JP" dirty="0" smtClean="0"/>
+              <a:t>828,000 </a:t>
+            </a:r>
+            <a:r>
+              <a:rPr lang="ja-JP" altLang="en-US" dirty="0" smtClean="0"/>
+              <a:t>円とすると， 本システムでかかる価格は約 </a:t>
+            </a:r>
+            <a:r>
+              <a:rPr lang="en-US" altLang="ja-JP" dirty="0" smtClean="0"/>
+              <a:t>978,000 </a:t>
+            </a:r>
+            <a:r>
+              <a:rPr lang="ja-JP" altLang="en-US" dirty="0" smtClean="0"/>
+              <a:t>円となり，従来のセルフレジとして </a:t>
+            </a:r>
+            <a:r>
+              <a:rPr lang="en-US" altLang="ja-JP" dirty="0" smtClean="0"/>
+              <a:t>2.2 </a:t>
+            </a:r>
+            <a:r>
+              <a:rPr lang="ja-JP" altLang="en-US" dirty="0" smtClean="0"/>
+              <a:t>節で仮定 した登録機 </a:t>
+            </a:r>
+            <a:r>
+              <a:rPr lang="en-US" altLang="ja-JP" dirty="0" smtClean="0"/>
+              <a:t>1 </a:t>
+            </a:r>
+            <a:r>
+              <a:rPr lang="ja-JP" altLang="en-US" dirty="0" smtClean="0"/>
+              <a:t>台と精算機 </a:t>
+            </a:r>
+            <a:r>
+              <a:rPr lang="en-US" altLang="ja-JP" dirty="0" smtClean="0"/>
+              <a:t>7 </a:t>
+            </a:r>
+            <a:r>
+              <a:rPr lang="ja-JP" altLang="en-US" dirty="0" smtClean="0"/>
+              <a:t>台の合計価格の約 </a:t>
+            </a:r>
+            <a:r>
+              <a:rPr lang="en-US" altLang="ja-JP" dirty="0" smtClean="0"/>
+              <a:t>5%</a:t>
+            </a:r>
+            <a:r>
+              <a:rPr lang="ja-JP" altLang="en-US" dirty="0" smtClean="0"/>
+              <a:t>程の価格となることが分かった．</a:t>
+            </a:r>
+            <a:endParaRPr lang="en-US" altLang="ja-JP" dirty="0" smtClean="0"/>
+          </a:p>
+          <a:p>
+            <a:endParaRPr kumimoji="1" lang="en-US" altLang="ja-JP" dirty="0" smtClean="0"/>
+          </a:p>
+          <a:p>
+            <a:r>
+              <a:rPr kumimoji="1" lang="en-US" altLang="ja-JP" dirty="0" smtClean="0"/>
+              <a:t>------------------------------------------------------------------------</a:t>
+            </a:r>
+          </a:p>
+          <a:p>
+            <a:r>
+              <a:rPr lang="ja-JP" altLang="en-US" dirty="0" smtClean="0"/>
+              <a:t>表 </a:t>
+            </a:r>
+            <a:r>
+              <a:rPr lang="en-US" altLang="ja-JP" dirty="0" smtClean="0"/>
+              <a:t>3.1 </a:t>
+            </a:r>
+            <a:r>
+              <a:rPr lang="ja-JP" altLang="en-US" dirty="0" smtClean="0"/>
+              <a:t>を対象として設定した理由を下記に述べる．本研究では小規模店舗と中規模店 舗のスーパーマーケットを対象とする．小規模店舗は「売場面積</a:t>
+            </a:r>
+            <a:r>
+              <a:rPr lang="en-US" altLang="ja-JP" dirty="0" smtClean="0"/>
+              <a:t>800m2</a:t>
+            </a:r>
+            <a:r>
+              <a:rPr lang="ja-JP" altLang="en-US" dirty="0" smtClean="0"/>
+              <a:t>未満」あるいは「 売場面積 </a:t>
+            </a:r>
+            <a:r>
+              <a:rPr lang="en-US" altLang="ja-JP" dirty="0" smtClean="0"/>
+              <a:t>800m2</a:t>
+            </a:r>
+            <a:r>
+              <a:rPr lang="ja-JP" altLang="en-US" dirty="0" smtClean="0"/>
+              <a:t>～</a:t>
+            </a:r>
+            <a:r>
+              <a:rPr lang="en-US" altLang="ja-JP" dirty="0" smtClean="0"/>
+              <a:t>1, 200m2</a:t>
+            </a:r>
+            <a:r>
+              <a:rPr lang="ja-JP" altLang="en-US" dirty="0" smtClean="0"/>
+              <a:t>未満」の店舗，中規模店舗は「売場面積 </a:t>
+            </a:r>
+            <a:r>
+              <a:rPr lang="en-US" altLang="ja-JP" dirty="0" smtClean="0"/>
+              <a:t>800m2</a:t>
+            </a:r>
+            <a:r>
+              <a:rPr lang="ja-JP" altLang="en-US" dirty="0" smtClean="0"/>
+              <a:t>～</a:t>
+            </a:r>
+            <a:r>
+              <a:rPr lang="en-US" altLang="ja-JP" dirty="0" smtClean="0"/>
+              <a:t>1, 200m2</a:t>
+            </a:r>
+            <a:r>
+              <a:rPr lang="ja-JP" altLang="en-US" dirty="0" smtClean="0"/>
+              <a:t>未 満」または「売場面積</a:t>
+            </a:r>
+            <a:r>
+              <a:rPr lang="en-US" altLang="ja-JP" dirty="0" smtClean="0"/>
+              <a:t>1, 200m2</a:t>
+            </a:r>
+            <a:r>
+              <a:rPr lang="ja-JP" altLang="en-US" dirty="0" smtClean="0"/>
+              <a:t>～</a:t>
+            </a:r>
+            <a:r>
+              <a:rPr lang="en-US" altLang="ja-JP" dirty="0" smtClean="0"/>
+              <a:t>1, 600m2</a:t>
+            </a:r>
+            <a:r>
+              <a:rPr lang="ja-JP" altLang="en-US" dirty="0" smtClean="0"/>
+              <a:t>未満」の店舗を指す </a:t>
+            </a:r>
+            <a:r>
+              <a:rPr lang="en-US" altLang="ja-JP" dirty="0" smtClean="0"/>
+              <a:t>[2]</a:t>
+            </a:r>
+            <a:r>
+              <a:rPr lang="ja-JP" altLang="en-US" dirty="0" err="1" smtClean="0"/>
+              <a:t>．</a:t>
+            </a:r>
+            <a:r>
+              <a:rPr lang="ja-JP" altLang="en-US" dirty="0" smtClean="0"/>
+              <a:t>本研究では，小規模 店舗と中規模店舗の平均である，売り場面積</a:t>
+            </a:r>
+            <a:r>
+              <a:rPr lang="en-US" altLang="ja-JP" dirty="0" smtClean="0"/>
+              <a:t>1, 200m2</a:t>
+            </a:r>
+            <a:r>
+              <a:rPr lang="ja-JP" altLang="en-US" dirty="0" smtClean="0"/>
+              <a:t>の店舗を本研究の対象の店舗と</a:t>
+            </a:r>
+            <a:r>
+              <a:rPr lang="ja-JP" altLang="en-US" dirty="0" err="1" smtClean="0"/>
+              <a:t>す</a:t>
+            </a:r>
+            <a:r>
+              <a:rPr lang="ja-JP" altLang="en-US" dirty="0" smtClean="0"/>
+              <a:t> る．売場面積 </a:t>
+            </a:r>
+            <a:r>
+              <a:rPr lang="en-US" altLang="ja-JP" dirty="0" smtClean="0"/>
+              <a:t>1, 000m2</a:t>
+            </a:r>
+            <a:r>
+              <a:rPr lang="ja-JP" altLang="en-US" dirty="0" smtClean="0"/>
+              <a:t>あたりレジ台数は，平均 </a:t>
+            </a:r>
+            <a:r>
+              <a:rPr lang="en-US" altLang="ja-JP" dirty="0" smtClean="0"/>
+              <a:t>5.7 </a:t>
+            </a:r>
+            <a:r>
+              <a:rPr lang="ja-JP" altLang="en-US" dirty="0" smtClean="0"/>
+              <a:t>台のため，対象の売場面積 </a:t>
+            </a:r>
+            <a:r>
+              <a:rPr lang="en-US" altLang="ja-JP" dirty="0" smtClean="0"/>
+              <a:t>1, 200m2 </a:t>
+            </a:r>
+            <a:r>
+              <a:rPr lang="ja-JP" altLang="en-US" dirty="0" smtClean="0"/>
+              <a:t>の店舗ではレジ台数平均 </a:t>
+            </a:r>
+            <a:r>
+              <a:rPr lang="en-US" altLang="ja-JP" dirty="0" smtClean="0"/>
+              <a:t>6.84 </a:t>
+            </a:r>
+            <a:r>
+              <a:rPr lang="ja-JP" altLang="en-US" dirty="0" smtClean="0"/>
+              <a:t>台と仮定できる </a:t>
+            </a:r>
+            <a:r>
+              <a:rPr lang="en-US" altLang="ja-JP" dirty="0" smtClean="0"/>
+              <a:t>[2]</a:t>
+            </a:r>
+            <a:r>
+              <a:rPr lang="ja-JP" altLang="en-US" dirty="0" err="1" smtClean="0"/>
+              <a:t>．</a:t>
+            </a:r>
+            <a:r>
+              <a:rPr lang="ja-JP" altLang="en-US" dirty="0" smtClean="0"/>
+              <a:t>四捨五入してレジ台数は </a:t>
+            </a:r>
+            <a:r>
+              <a:rPr lang="en-US" altLang="ja-JP" dirty="0" smtClean="0"/>
+              <a:t>7 </a:t>
+            </a:r>
+            <a:r>
+              <a:rPr lang="ja-JP" altLang="en-US" dirty="0" smtClean="0"/>
+              <a:t>台とし ，対象のレジ台数とする．また，売場面積が </a:t>
+            </a:r>
+            <a:r>
+              <a:rPr lang="en-US" altLang="ja-JP" dirty="0" smtClean="0"/>
+              <a:t>1, 200m2</a:t>
+            </a:r>
+            <a:r>
+              <a:rPr lang="ja-JP" altLang="en-US" dirty="0" smtClean="0"/>
+              <a:t>～</a:t>
+            </a:r>
+            <a:r>
+              <a:rPr lang="en-US" altLang="ja-JP" dirty="0" smtClean="0"/>
+              <a:t>1, 600m2 </a:t>
+            </a:r>
+            <a:r>
+              <a:rPr lang="ja-JP" altLang="en-US" dirty="0" smtClean="0"/>
+              <a:t>のスーパーマーケッ トの場合，平日レジ一台あたり一日客数は中央値として </a:t>
+            </a:r>
+            <a:r>
+              <a:rPr lang="en-US" altLang="ja-JP" dirty="0" smtClean="0"/>
+              <a:t>225.5 </a:t>
+            </a:r>
+            <a:r>
+              <a:rPr lang="ja-JP" altLang="en-US" dirty="0" smtClean="0"/>
+              <a:t>人である </a:t>
+            </a:r>
+            <a:r>
+              <a:rPr lang="en-US" altLang="ja-JP" dirty="0" smtClean="0"/>
+              <a:t>[2]</a:t>
+            </a:r>
+            <a:r>
+              <a:rPr lang="ja-JP" altLang="en-US" dirty="0" err="1" smtClean="0"/>
+              <a:t>．</a:t>
+            </a:r>
+            <a:r>
+              <a:rPr lang="ja-JP" altLang="en-US" dirty="0" smtClean="0"/>
+              <a:t>なお，平均営業時間は </a:t>
+            </a:r>
+            <a:r>
+              <a:rPr lang="en-US" altLang="ja-JP" dirty="0" smtClean="0"/>
+              <a:t>12.3 </a:t>
+            </a:r>
+            <a:r>
+              <a:rPr lang="ja-JP" altLang="en-US" dirty="0" smtClean="0"/>
+              <a:t>時間のため，一時間あたり約 </a:t>
+            </a:r>
+            <a:r>
+              <a:rPr lang="en-US" altLang="ja-JP" dirty="0" smtClean="0"/>
+              <a:t>18 </a:t>
+            </a:r>
+            <a:r>
+              <a:rPr lang="ja-JP" altLang="en-US" dirty="0" smtClean="0"/>
+              <a:t>人の客がレジを使用すると予測で きる </a:t>
+            </a:r>
+            <a:r>
+              <a:rPr lang="en-US" altLang="ja-JP" dirty="0" smtClean="0"/>
+              <a:t>[2]</a:t>
+            </a:r>
+            <a:r>
+              <a:rPr lang="ja-JP" altLang="en-US" dirty="0" err="1" smtClean="0"/>
+              <a:t>．</a:t>
+            </a:r>
+            <a:r>
+              <a:rPr lang="en-US" altLang="ja-JP" dirty="0" smtClean="0"/>
+              <a:t>1 </a:t>
+            </a:r>
+            <a:r>
+              <a:rPr lang="ja-JP" altLang="en-US" dirty="0" smtClean="0"/>
+              <a:t>人につき </a:t>
+            </a:r>
+            <a:r>
+              <a:rPr lang="en-US" altLang="ja-JP" dirty="0" smtClean="0"/>
+              <a:t>1 </a:t>
+            </a:r>
+            <a:r>
+              <a:rPr lang="ja-JP" altLang="en-US" dirty="0" smtClean="0"/>
+              <a:t>個のカゴを使用しピーク時等の客入りを </a:t>
+            </a:r>
+            <a:r>
+              <a:rPr lang="en-US" altLang="ja-JP" dirty="0" smtClean="0"/>
+              <a:t>5 </a:t>
+            </a:r>
+            <a:r>
+              <a:rPr lang="ja-JP" altLang="en-US" dirty="0" smtClean="0"/>
+              <a:t>倍，かつ店内に滞在 する時間を </a:t>
+            </a:r>
+            <a:r>
+              <a:rPr lang="en-US" altLang="ja-JP" dirty="0" smtClean="0"/>
+              <a:t>1 </a:t>
+            </a:r>
+            <a:r>
+              <a:rPr lang="ja-JP" altLang="en-US" dirty="0" smtClean="0"/>
+              <a:t>人につき </a:t>
+            </a:r>
+            <a:r>
+              <a:rPr lang="en-US" altLang="ja-JP" dirty="0" smtClean="0"/>
+              <a:t>1 </a:t>
+            </a:r>
+            <a:r>
+              <a:rPr lang="ja-JP" altLang="en-US" dirty="0" smtClean="0"/>
+              <a:t>時間と仮定すると，約 </a:t>
+            </a:r>
+            <a:r>
+              <a:rPr lang="en-US" altLang="ja-JP" dirty="0" smtClean="0"/>
+              <a:t>90 </a:t>
+            </a:r>
+            <a:r>
+              <a:rPr lang="ja-JP" altLang="en-US" dirty="0" smtClean="0"/>
+              <a:t>個のカゴが必要と仮定した．</a:t>
+            </a:r>
+            <a:endParaRPr kumimoji="1" lang="ja-JP" altLang="en-US" dirty="0"/>
+          </a:p>
+        </p:txBody>
+      </p:sp>
+      <p:sp>
+        <p:nvSpPr>
+          <p:cNvPr id="4" name="スライド番号プレースホルダー 3"/>
+          <p:cNvSpPr>
+            <a:spLocks noGrp="1"/>
+          </p:cNvSpPr>
+          <p:nvPr>
+            <p:ph type="sldNum" sz="quarter" idx="10"/>
+          </p:nvPr>
+        </p:nvSpPr>
+        <p:spPr/>
+        <p:txBody>
+          <a:bodyPr/>
+          <a:lstStyle/>
+          <a:p>
+            <a:fld id="{1705D8A9-7A56-411A-9EF9-F7869DF78C8C}" type="slidenum">
+              <a:rPr kumimoji="1" lang="ja-JP" altLang="en-US" smtClean="0"/>
+              <a:t>28</a:t>
+            </a:fld>
+            <a:endParaRPr kumimoji="1" lang="ja-JP" altLang="en-US"/>
+          </a:p>
+        </p:txBody>
+      </p:sp>
+    </p:spTree>
+    <p:extLst>
+      <p:ext uri="{BB962C8B-B14F-4D97-AF65-F5344CB8AC3E}">
+        <p14:creationId xmlns:p14="http://schemas.microsoft.com/office/powerpoint/2010/main" val="3623538667"/>
+      </p:ext>
+    </p:extLst>
+  </p:cSld>
+  <p:clrMapOvr>
+    <a:masterClrMapping/>
+  </p:clrMapOvr>
+</p:notes>
+</file>
+
+<file path=ppt/notesSlides/notesSlide29.xml><?xml version="1.0" encoding="utf-8"?>
+<p:notes xmlns:a="http://schemas.openxmlformats.org/drawingml/2006/main" xmlns:r="http://schemas.openxmlformats.org/officeDocument/2006/relationships" xmlns:p="http://schemas.openxmlformats.org/presentationml/2006/main">
+  <p:cSld>
+    <p:spTree>
+      <p:nvGrpSpPr>
+        <p:cNvPr id="1" name=""/>
+        <p:cNvGrpSpPr/>
+        <p:nvPr/>
+      </p:nvGrpSpPr>
+      <p:grpSpPr>
+        <a:xfrm>
+          <a:off x="0" y="0"/>
+          <a:ext cx="0" cy="0"/>
+          <a:chOff x="0" y="0"/>
+          <a:chExt cx="0" cy="0"/>
+        </a:xfrm>
+      </p:grpSpPr>
+      <p:sp>
+        <p:nvSpPr>
+          <p:cNvPr id="2" name="スライド イメージ プレースホルダー 1"/>
+          <p:cNvSpPr>
+            <a:spLocks noGrp="1" noRot="1" noChangeAspect="1"/>
+          </p:cNvSpPr>
+          <p:nvPr>
+            <p:ph type="sldImg"/>
+          </p:nvPr>
+        </p:nvSpPr>
+        <p:spPr/>
+      </p:sp>
+      <p:sp>
+        <p:nvSpPr>
+          <p:cNvPr id="3" name="ノート プレースホルダー 2"/>
+          <p:cNvSpPr>
+            <a:spLocks noGrp="1"/>
+          </p:cNvSpPr>
+          <p:nvPr>
+            <p:ph type="body" idx="1"/>
+          </p:nvPr>
+        </p:nvSpPr>
+        <p:spPr/>
+        <p:txBody>
+          <a:bodyPr/>
+          <a:lstStyle/>
+          <a:p>
+            <a:r>
+              <a:rPr kumimoji="1" lang="ja-JP" altLang="en-US" dirty="0" smtClean="0"/>
+              <a:t>本システムの利点としまして、先ほど述べたコストの件と、拡張性がある点が挙げられます。</a:t>
+            </a:r>
+            <a:endParaRPr kumimoji="1" lang="en-US" altLang="ja-JP" dirty="0" smtClean="0"/>
+          </a:p>
+          <a:p>
+            <a:r>
+              <a:rPr kumimoji="1" lang="ja-JP" altLang="en-US" dirty="0" smtClean="0"/>
+              <a:t>本システムでバーコードを読み取る方法としてバーコードリーダではなく</a:t>
+            </a:r>
+            <a:r>
+              <a:rPr kumimoji="1" lang="en-US" altLang="ja-JP" dirty="0" smtClean="0"/>
+              <a:t>WEB</a:t>
+            </a:r>
+            <a:r>
+              <a:rPr kumimoji="1" lang="ja-JP" altLang="en-US" dirty="0" smtClean="0"/>
+              <a:t>カメラを使用したことが本システムの利点の一つであると考えられます。</a:t>
+            </a:r>
+            <a:endParaRPr kumimoji="1" lang="en-US" altLang="ja-JP" dirty="0" smtClean="0"/>
+          </a:p>
+          <a:p>
+            <a:r>
+              <a:rPr kumimoji="1" lang="en-US" altLang="ja-JP" dirty="0" smtClean="0"/>
+              <a:t>WEB</a:t>
+            </a:r>
+            <a:r>
+              <a:rPr kumimoji="1" lang="ja-JP" altLang="en-US" dirty="0" smtClean="0"/>
+              <a:t>カメラと</a:t>
+            </a:r>
+            <a:r>
+              <a:rPr kumimoji="1" lang="en-US" altLang="ja-JP" dirty="0" smtClean="0"/>
+              <a:t>Yolo</a:t>
+            </a:r>
+            <a:r>
+              <a:rPr kumimoji="1" lang="ja-JP" altLang="en-US" dirty="0" smtClean="0"/>
+              <a:t>を利用したことにより、バーコード情報のみならず、商品のカテゴリ分け等が期待されます。</a:t>
+            </a:r>
+            <a:endParaRPr kumimoji="1" lang="en-US" altLang="ja-JP" dirty="0" smtClean="0"/>
+          </a:p>
+          <a:p>
+            <a:endParaRPr kumimoji="1" lang="en-US" altLang="ja-JP" dirty="0" smtClean="0"/>
+          </a:p>
+          <a:p>
+            <a:r>
+              <a:rPr kumimoji="1" lang="ja-JP" altLang="en-US" dirty="0" smtClean="0"/>
+              <a:t>問題点としては、設計上システムを導入する際にカゴの個数分だけ設備を用意する必要があり、カゴに取り付けられたセンサ等の保守が難しいという点があります。</a:t>
+            </a:r>
+            <a:endParaRPr kumimoji="1" lang="en-US" altLang="ja-JP" dirty="0" smtClean="0"/>
+          </a:p>
+          <a:p>
+            <a:r>
+              <a:rPr kumimoji="1" lang="ja-JP" altLang="en-US" dirty="0" smtClean="0"/>
+              <a:t>カゴ周辺機器のセンサの固定や、動作の安定度と信頼性をあげることで解決が見込めると考えています。</a:t>
+            </a:r>
+            <a:endParaRPr kumimoji="1" lang="en-US" altLang="ja-JP" dirty="0" smtClean="0"/>
+          </a:p>
+          <a:p>
+            <a:endParaRPr kumimoji="1" lang="en-US" altLang="ja-JP" dirty="0" smtClean="0"/>
+          </a:p>
+          <a:p>
+            <a:r>
+              <a:rPr kumimoji="1" lang="en-US" altLang="ja-JP" dirty="0" smtClean="0"/>
+              <a:t>--------------------------------------</a:t>
+            </a:r>
+          </a:p>
+          <a:p>
+            <a:r>
+              <a:rPr kumimoji="1" lang="ja-JP" altLang="en-US" dirty="0" smtClean="0"/>
+              <a:t>バーコードの向きが固定されることに対しての解決策：</a:t>
+            </a:r>
+            <a:endParaRPr kumimoji="1" lang="en-US" altLang="ja-JP" dirty="0" smtClean="0"/>
+          </a:p>
+          <a:p>
+            <a:r>
+              <a:rPr lang="ja-JP" altLang="en-US" dirty="0" smtClean="0"/>
+              <a:t>バーコードが </a:t>
+            </a:r>
+            <a:r>
+              <a:rPr lang="en-US" altLang="ja-JP" dirty="0" smtClean="0"/>
+              <a:t>Web </a:t>
+            </a:r>
+            <a:r>
+              <a:rPr lang="ja-JP" altLang="en-US" dirty="0" smtClean="0"/>
+              <a:t>カメラに向けて置かれなかった場合 についても，</a:t>
+            </a:r>
+            <a:r>
+              <a:rPr lang="en-US" altLang="ja-JP" dirty="0" smtClean="0"/>
+              <a:t>YOLO</a:t>
+            </a:r>
+            <a:r>
+              <a:rPr lang="ja-JP" altLang="en-US" dirty="0" smtClean="0"/>
+              <a:t>などの物体識別技術開発が進めば、商品のジャンルを判定できる可能性がある．</a:t>
+            </a:r>
+            <a:endParaRPr lang="en-US" altLang="ja-JP" dirty="0" smtClean="0"/>
+          </a:p>
+          <a:p>
+            <a:r>
+              <a:rPr lang="ja-JP" altLang="en-US" dirty="0" smtClean="0"/>
+              <a:t>重量データと掛け合わせて商 品を確定することができる可能性もある</a:t>
+            </a:r>
+            <a:endParaRPr kumimoji="1" lang="en-US" altLang="ja-JP" dirty="0" smtClean="0"/>
+          </a:p>
+        </p:txBody>
+      </p:sp>
+      <p:sp>
+        <p:nvSpPr>
+          <p:cNvPr id="4" name="スライド番号プレースホルダー 3"/>
+          <p:cNvSpPr>
+            <a:spLocks noGrp="1"/>
+          </p:cNvSpPr>
+          <p:nvPr>
+            <p:ph type="sldNum" sz="quarter" idx="10"/>
+          </p:nvPr>
+        </p:nvSpPr>
+        <p:spPr/>
+        <p:txBody>
+          <a:bodyPr/>
+          <a:lstStyle/>
+          <a:p>
+            <a:fld id="{1705D8A9-7A56-411A-9EF9-F7869DF78C8C}" type="slidenum">
+              <a:rPr kumimoji="1" lang="ja-JP" altLang="en-US" smtClean="0"/>
+              <a:t>29</a:t>
+            </a:fld>
+            <a:endParaRPr kumimoji="1" lang="ja-JP" altLang="en-US"/>
+          </a:p>
+        </p:txBody>
+      </p:sp>
+    </p:spTree>
+    <p:extLst>
+      <p:ext uri="{BB962C8B-B14F-4D97-AF65-F5344CB8AC3E}">
+        <p14:creationId xmlns:p14="http://schemas.microsoft.com/office/powerpoint/2010/main" val="1861182471"/>
+      </p:ext>
+    </p:extLst>
+  </p:cSld>
+  <p:clrMapOvr>
+    <a:masterClrMapping/>
+  </p:clrMapOvr>
+</p:notes>
+</file>
+
 <file path=ppt/notesSlides/notesSlide3.xml><?xml version="1.0" encoding="utf-8"?>
 <p:notes xmlns:a="http://schemas.openxmlformats.org/drawingml/2006/main" xmlns:r="http://schemas.openxmlformats.org/officeDocument/2006/relationships" xmlns:p="http://schemas.openxmlformats.org/presentationml/2006/main">
   <p:cSld>
@@ -10145,6 +11506,94 @@
     <p:extLst>
       <p:ext uri="{BB962C8B-B14F-4D97-AF65-F5344CB8AC3E}">
         <p14:creationId xmlns:p14="http://schemas.microsoft.com/office/powerpoint/2010/main" val="1072090922"/>
+      </p:ext>
+    </p:extLst>
+  </p:cSld>
+  <p:clrMapOvr>
+    <a:masterClrMapping/>
+  </p:clrMapOvr>
+</p:notes>
+</file>
+
+<file path=ppt/notesSlides/notesSlide30.xml><?xml version="1.0" encoding="utf-8"?>
+<p:notes xmlns:a="http://schemas.openxmlformats.org/drawingml/2006/main" xmlns:r="http://schemas.openxmlformats.org/officeDocument/2006/relationships" xmlns:p="http://schemas.openxmlformats.org/presentationml/2006/main">
+  <p:cSld>
+    <p:spTree>
+      <p:nvGrpSpPr>
+        <p:cNvPr id="1" name=""/>
+        <p:cNvGrpSpPr/>
+        <p:nvPr/>
+      </p:nvGrpSpPr>
+      <p:grpSpPr>
+        <a:xfrm>
+          <a:off x="0" y="0"/>
+          <a:ext cx="0" cy="0"/>
+          <a:chOff x="0" y="0"/>
+          <a:chExt cx="0" cy="0"/>
+        </a:xfrm>
+      </p:grpSpPr>
+      <p:sp>
+        <p:nvSpPr>
+          <p:cNvPr id="2" name="スライド イメージ プレースホルダー 1"/>
+          <p:cNvSpPr>
+            <a:spLocks noGrp="1" noRot="1" noChangeAspect="1"/>
+          </p:cNvSpPr>
+          <p:nvPr>
+            <p:ph type="sldImg"/>
+          </p:nvPr>
+        </p:nvSpPr>
+        <p:spPr/>
+      </p:sp>
+      <p:sp>
+        <p:nvSpPr>
+          <p:cNvPr id="3" name="ノート プレースホルダー 2"/>
+          <p:cNvSpPr>
+            <a:spLocks noGrp="1"/>
+          </p:cNvSpPr>
+          <p:nvPr>
+            <p:ph type="body" idx="1"/>
+          </p:nvPr>
+        </p:nvSpPr>
+        <p:spPr/>
+        <p:txBody>
+          <a:bodyPr/>
+          <a:lstStyle/>
+          <a:p>
+            <a:r>
+              <a:rPr kumimoji="1" lang="ja-JP" altLang="en-US" dirty="0" smtClean="0"/>
+              <a:t>では、これからデモンストレーションを行いたいと思います。</a:t>
+            </a:r>
+            <a:endParaRPr kumimoji="1" lang="ja-JP" altLang="en-US" dirty="0"/>
+          </a:p>
+        </p:txBody>
+      </p:sp>
+      <p:sp>
+        <p:nvSpPr>
+          <p:cNvPr id="4" name="スライド番号プレースホルダー 3"/>
+          <p:cNvSpPr>
+            <a:spLocks noGrp="1"/>
+          </p:cNvSpPr>
+          <p:nvPr>
+            <p:ph type="sldNum" sz="quarter" idx="10"/>
+          </p:nvPr>
+        </p:nvSpPr>
+        <p:spPr/>
+        <p:txBody>
+          <a:bodyPr/>
+          <a:lstStyle/>
+          <a:p>
+            <a:fld id="{1705D8A9-7A56-411A-9EF9-F7869DF78C8C}" type="slidenum">
+              <a:rPr kumimoji="1" lang="ja-JP" altLang="en-US" smtClean="0"/>
+              <a:t>30</a:t>
+            </a:fld>
+            <a:endParaRPr kumimoji="1" lang="ja-JP" altLang="en-US"/>
+          </a:p>
+        </p:txBody>
+      </p:sp>
+    </p:spTree>
+    <p:extLst>
+      <p:ext uri="{BB962C8B-B14F-4D97-AF65-F5344CB8AC3E}">
+        <p14:creationId xmlns:p14="http://schemas.microsoft.com/office/powerpoint/2010/main" val="2670146960"/>
       </p:ext>
     </p:extLst>
   </p:cSld>
@@ -10642,15 +12091,7 @@
             </a:r>
             <a:r>
               <a:rPr kumimoji="1" lang="ja-JP" altLang="en-US" smtClean="0"/>
-              <a:t>カメラで商品のバーコードを撮影します。次に、画像データをサーバへ送信し、画像の解析を行います。ユーザが決済する際は、データベースに保存していた</a:t>
-            </a:r>
-            <a:r>
-              <a:rPr kumimoji="1" lang="ja-JP" altLang="en-US" smtClean="0"/>
-              <a:t>購入予定商品情報</a:t>
-            </a:r>
-            <a:r>
-              <a:rPr kumimoji="1" lang="ja-JP" altLang="en-US" smtClean="0"/>
-              <a:t>を参照し、所持金額から合計金額を引き終了します。</a:t>
+              <a:t>カメラで商品のバーコードを撮影します。次に、画像データをサーバへ送信し、画像の解析を行います。ユーザが決済する際は、データベースに保存していた購入予定商品情報を参照し、所持金額から合計金額を引き終了します。</a:t>
             </a:r>
             <a:endParaRPr kumimoji="1" lang="en-US" altLang="ja-JP" smtClean="0"/>
           </a:p>
@@ -11010,7 +12451,7 @@
           <a:p>
             <a:fld id="{4DB34049-4C60-4FA3-9E3E-A872660373D4}" type="datetime1">
               <a:rPr kumimoji="1" lang="ja-JP" altLang="en-US" smtClean="0"/>
-              <a:t>2020/2/2</a:t>
+              <a:t>2020/2/3</a:t>
             </a:fld>
             <a:endParaRPr kumimoji="1" lang="ja-JP" altLang="en-US"/>
           </a:p>
@@ -11257,7 +12698,7 @@
           <a:p>
             <a:fld id="{B2B1C8DF-EAB5-43F7-8462-42F0F4F3EEAD}" type="datetime1">
               <a:rPr kumimoji="1" lang="ja-JP" altLang="en-US" smtClean="0"/>
-              <a:t>2020/2/2</a:t>
+              <a:t>2020/2/3</a:t>
             </a:fld>
             <a:endParaRPr kumimoji="1" lang="ja-JP" altLang="en-US"/>
           </a:p>
@@ -11552,7 +12993,7 @@
           <a:p>
             <a:fld id="{E4AF5F8E-C413-4E10-B014-B9E3DDF4AA8A}" type="datetime1">
               <a:rPr kumimoji="1" lang="ja-JP" altLang="en-US" smtClean="0"/>
-              <a:t>2020/2/2</a:t>
+              <a:t>2020/2/3</a:t>
             </a:fld>
             <a:endParaRPr kumimoji="1" lang="ja-JP" altLang="en-US"/>
           </a:p>
@@ -11781,7 +13222,7 @@
           <a:p>
             <a:fld id="{EBED1F3E-ACA0-4F95-987E-01D568505390}" type="datetime1">
               <a:rPr kumimoji="1" lang="ja-JP" altLang="en-US" smtClean="0"/>
-              <a:t>2020/2/2</a:t>
+              <a:t>2020/2/3</a:t>
             </a:fld>
             <a:endParaRPr kumimoji="1" lang="ja-JP" altLang="en-US"/>
           </a:p>
@@ -12136,7 +13577,7 @@
           <a:p>
             <a:fld id="{B6DE9BDE-30E7-491D-AD22-7D2FB58F7AD6}" type="datetime1">
               <a:rPr kumimoji="1" lang="ja-JP" altLang="en-US" smtClean="0"/>
-              <a:t>2020/2/2</a:t>
+              <a:t>2020/2/3</a:t>
             </a:fld>
             <a:endParaRPr kumimoji="1" lang="ja-JP" altLang="en-US"/>
           </a:p>
@@ -12522,7 +13963,7 @@
           <a:p>
             <a:fld id="{01C14695-FF6C-4395-B911-F0729EE23D79}" type="datetime1">
               <a:rPr lang="ja-JP" altLang="en-US" smtClean="0"/>
-              <a:t>2020/2/2</a:t>
+              <a:t>2020/2/3</a:t>
             </a:fld>
             <a:endParaRPr lang="ja-JP" altLang="en-US"/>
           </a:p>
@@ -13013,7 +14454,7 @@
           <a:p>
             <a:fld id="{6D69C187-8977-41F7-95DA-2528A3317C68}" type="datetime1">
               <a:rPr kumimoji="1" lang="ja-JP" altLang="en-US" smtClean="0"/>
-              <a:t>2020/2/2</a:t>
+              <a:t>2020/2/3</a:t>
             </a:fld>
             <a:endParaRPr kumimoji="1" lang="ja-JP" altLang="en-US"/>
           </a:p>
@@ -13138,7 +14579,7 @@
           <a:p>
             <a:fld id="{2300910F-F157-4918-8BCF-E20DCDAE6C36}" type="datetime1">
               <a:rPr kumimoji="1" lang="ja-JP" altLang="en-US" smtClean="0"/>
-              <a:t>2020/2/2</a:t>
+              <a:t>2020/2/3</a:t>
             </a:fld>
             <a:endParaRPr kumimoji="1" lang="ja-JP" altLang="en-US"/>
           </a:p>
@@ -13316,7 +14757,7 @@
           <a:p>
             <a:fld id="{D87FC5CB-9D3B-49FC-80CB-278BB2E2E7E8}" type="datetime1">
               <a:rPr kumimoji="1" lang="ja-JP" altLang="en-US" smtClean="0"/>
-              <a:t>2020/2/2</a:t>
+              <a:t>2020/2/3</a:t>
             </a:fld>
             <a:endParaRPr kumimoji="1" lang="ja-JP" altLang="en-US"/>
           </a:p>
@@ -13709,7 +15150,7 @@
           <a:p>
             <a:fld id="{F700B2C0-68FC-49CF-B0BB-3155B45D6910}" type="datetime1">
               <a:rPr kumimoji="1" lang="ja-JP" altLang="en-US" smtClean="0"/>
-              <a:t>2020/2/2</a:t>
+              <a:t>2020/2/3</a:t>
             </a:fld>
             <a:endParaRPr kumimoji="1" lang="ja-JP" altLang="en-US"/>
           </a:p>
@@ -14086,7 +15527,7 @@
           <a:p>
             <a:fld id="{7A1233B6-6B32-4459-9D83-2853E0269600}" type="datetime1">
               <a:rPr kumimoji="1" lang="ja-JP" altLang="en-US" smtClean="0"/>
-              <a:t>2020/2/2</a:t>
+              <a:t>2020/2/3</a:t>
             </a:fld>
             <a:endParaRPr kumimoji="1" lang="ja-JP" altLang="en-US"/>
           </a:p>
@@ -14405,7 +15846,7 @@
           <a:p>
             <a:fld id="{5033D987-17AA-4DBB-A451-16E4C533DF6A}" type="datetime1">
               <a:rPr kumimoji="1" lang="ja-JP" altLang="en-US" smtClean="0"/>
-              <a:t>2020/2/2</a:t>
+              <a:t>2020/2/3</a:t>
             </a:fld>
             <a:endParaRPr kumimoji="1" lang="ja-JP" altLang="en-US"/>
           </a:p>
@@ -17671,7 +19112,7 @@
           <p:nvPr/>
         </p:nvPicPr>
         <p:blipFill>
-          <a:blip r:embed="rId2"/>
+          <a:blip r:embed="rId3"/>
           <a:stretch>
             <a:fillRect/>
           </a:stretch>
@@ -17695,7 +19136,7 @@
           <p:nvPr/>
         </p:nvPicPr>
         <p:blipFill>
-          <a:blip r:embed="rId3"/>
+          <a:blip r:embed="rId4"/>
           <a:stretch>
             <a:fillRect/>
           </a:stretch>
@@ -17796,7 +19237,7 @@
           <p:nvPr/>
         </p:nvPicPr>
         <p:blipFill>
-          <a:blip r:embed="rId2"/>
+          <a:blip r:embed="rId3"/>
           <a:stretch>
             <a:fillRect/>
           </a:stretch>
@@ -17820,7 +19261,7 @@
           <p:nvPr/>
         </p:nvPicPr>
         <p:blipFill>
-          <a:blip r:embed="rId3"/>
+          <a:blip r:embed="rId4"/>
           <a:stretch>
             <a:fillRect/>
           </a:stretch>
@@ -17904,7 +19345,7 @@
           </p:nvPr>
         </p:nvPicPr>
         <p:blipFill>
-          <a:blip r:embed="rId2"/>
+          <a:blip r:embed="rId3"/>
           <a:stretch>
             <a:fillRect/>
           </a:stretch>
@@ -17952,7 +19393,7 @@
           <p:nvPr/>
         </p:nvPicPr>
         <p:blipFill rotWithShape="1">
-          <a:blip r:embed="rId3"/>
+          <a:blip r:embed="rId4"/>
           <a:srcRect r="9591"/>
           <a:stretch/>
         </p:blipFill>
@@ -18193,7 +19634,7 @@
           <p:nvPr/>
         </p:nvPicPr>
         <p:blipFill>
-          <a:blip r:embed="rId2"/>
+          <a:blip r:embed="rId3"/>
           <a:stretch>
             <a:fillRect/>
           </a:stretch>
@@ -18217,7 +19658,7 @@
           <p:nvPr/>
         </p:nvPicPr>
         <p:blipFill>
-          <a:blip r:embed="rId3"/>
+          <a:blip r:embed="rId4"/>
           <a:stretch>
             <a:fillRect/>
           </a:stretch>
@@ -18414,7 +19855,7 @@
           <p:nvPr/>
         </p:nvPicPr>
         <p:blipFill>
-          <a:blip r:embed="rId2"/>
+          <a:blip r:embed="rId3"/>
           <a:stretch>
             <a:fillRect/>
           </a:stretch>
@@ -18515,7 +19956,7 @@
           <p:nvPr/>
         </p:nvPicPr>
         <p:blipFill>
-          <a:blip r:embed="rId2"/>
+          <a:blip r:embed="rId3"/>
           <a:stretch>
             <a:fillRect/>
           </a:stretch>
@@ -18616,7 +20057,7 @@
           <p:nvPr/>
         </p:nvPicPr>
         <p:blipFill>
-          <a:blip r:embed="rId2"/>
+          <a:blip r:embed="rId3"/>
           <a:stretch>
             <a:fillRect/>
           </a:stretch>
@@ -18766,6 +20207,54 @@
       </p:grpSpPr>
       <p:sp>
         <p:nvSpPr>
+          <p:cNvPr id="4" name="正方形/長方形 3"/>
+          <p:cNvSpPr/>
+          <p:nvPr/>
+        </p:nvSpPr>
+        <p:spPr>
+          <a:xfrm>
+            <a:off x="1546928" y="3770714"/>
+            <a:ext cx="2791326" cy="188967"/>
+          </a:xfrm>
+          <a:prstGeom prst="rect">
+            <a:avLst/>
+          </a:prstGeom>
+          <a:solidFill>
+            <a:srgbClr val="FFCC00">
+              <a:alpha val="66000"/>
+            </a:srgbClr>
+          </a:solidFill>
+          <a:ln>
+            <a:noFill/>
+          </a:ln>
+        </p:spPr>
+        <p:style>
+          <a:lnRef idx="2">
+            <a:schemeClr val="accent1">
+              <a:shade val="50000"/>
+            </a:schemeClr>
+          </a:lnRef>
+          <a:fillRef idx="1">
+            <a:schemeClr val="accent1"/>
+          </a:fillRef>
+          <a:effectRef idx="0">
+            <a:schemeClr val="accent1"/>
+          </a:effectRef>
+          <a:fontRef idx="minor">
+            <a:schemeClr val="lt1"/>
+          </a:fontRef>
+        </p:style>
+        <p:txBody>
+          <a:bodyPr rtlCol="0" anchor="ctr"/>
+          <a:lstStyle/>
+          <a:p>
+            <a:pPr algn="ctr"/>
+            <a:endParaRPr kumimoji="1" lang="ja-JP" altLang="en-US"/>
+          </a:p>
+        </p:txBody>
+      </p:sp>
+      <p:sp>
+        <p:nvSpPr>
           <p:cNvPr id="2" name="タイトル 1"/>
           <p:cNvSpPr>
             <a:spLocks noGrp="1"/>
@@ -18780,41 +20269,24 @@
           <a:lstStyle/>
           <a:p>
             <a:r>
-              <a:rPr kumimoji="1" lang="ja-JP" altLang="en-US" smtClean="0"/>
-              <a:t>まとめ</a:t>
-            </a:r>
-            <a:endParaRPr kumimoji="1" lang="ja-JP" altLang="en-US"/>
+              <a:rPr lang="ja-JP" altLang="en-US" dirty="0" smtClean="0"/>
+              <a:t>メリット</a:t>
+            </a:r>
+            <a:r>
+              <a:rPr lang="ja-JP" altLang="en-US" dirty="0"/>
+              <a:t>・</a:t>
+            </a:r>
+            <a:r>
+              <a:rPr lang="ja-JP" altLang="en-US" dirty="0" smtClean="0"/>
+              <a:t>効果</a:t>
+            </a:r>
+            <a:endParaRPr kumimoji="1" lang="ja-JP" altLang="en-US" dirty="0"/>
           </a:p>
         </p:txBody>
       </p:sp>
-      <p:graphicFrame>
-        <p:nvGraphicFramePr>
-          <p:cNvPr id="5" name="コンテンツ プレースホルダー 4"/>
-          <p:cNvGraphicFramePr>
-            <a:graphicFrameLocks noGrp="1"/>
-          </p:cNvGraphicFramePr>
-          <p:nvPr>
-            <p:ph idx="1"/>
-            <p:extLst>
-              <p:ext uri="{D42A27DB-BD31-4B8C-83A1-F6EECF244321}">
-                <p14:modId xmlns:p14="http://schemas.microsoft.com/office/powerpoint/2010/main" val="1067687866"/>
-              </p:ext>
-            </p:extLst>
-          </p:nvPr>
-        </p:nvGraphicFramePr>
-        <p:xfrm>
-          <a:off x="1096963" y="1846263"/>
-          <a:ext cx="10058400" cy="4022725"/>
-        </p:xfrm>
-        <a:graphic>
-          <a:graphicData uri="http://schemas.openxmlformats.org/drawingml/2006/diagram">
-            <dgm:relIds xmlns:dgm="http://schemas.openxmlformats.org/drawingml/2006/diagram" xmlns:r="http://schemas.openxmlformats.org/officeDocument/2006/relationships" r:dm="rId2" r:lo="rId3" r:qs="rId4" r:cs="rId5"/>
-          </a:graphicData>
-        </a:graphic>
-      </p:graphicFrame>
-      <p:sp>
-        <p:nvSpPr>
-          <p:cNvPr id="4" name="スライド番号プレースホルダー 3"/>
+      <p:sp>
+        <p:nvSpPr>
+          <p:cNvPr id="3" name="スライド番号プレースホルダー 2"/>
           <p:cNvSpPr>
             <a:spLocks noGrp="1"/>
           </p:cNvSpPr>
@@ -18828,18 +20300,264 @@
           <a:lstStyle/>
           <a:p>
             <a:fld id="{3C3988C9-8C6C-49D7-8D82-24DA391FB063}" type="slidenum">
-              <a:rPr lang="ja-JP" altLang="en-US" smtClean="0"/>
-              <a:pPr/>
+              <a:rPr kumimoji="1" lang="ja-JP" altLang="en-US" sz="3200" smtClean="0"/>
               <a:t>28</a:t>
             </a:fld>
-            <a:endParaRPr lang="ja-JP" altLang="en-US"/>
+            <a:endParaRPr kumimoji="1" lang="ja-JP" altLang="en-US" sz="3200"/>
+          </a:p>
+        </p:txBody>
+      </p:sp>
+      <p:sp>
+        <p:nvSpPr>
+          <p:cNvPr id="5" name="テキスト ボックス 4"/>
+          <p:cNvSpPr txBox="1"/>
+          <p:nvPr/>
+        </p:nvSpPr>
+        <p:spPr>
+          <a:xfrm>
+            <a:off x="1097279" y="1865807"/>
+            <a:ext cx="1767841" cy="523220"/>
+          </a:xfrm>
+          <a:prstGeom prst="rect">
+            <a:avLst/>
+          </a:prstGeom>
+          <a:solidFill>
+            <a:schemeClr val="bg1">
+              <a:lumMod val="95000"/>
+            </a:schemeClr>
+          </a:solidFill>
+        </p:spPr>
+        <p:txBody>
+          <a:bodyPr wrap="square" rtlCol="0">
+            <a:spAutoFit/>
+          </a:bodyPr>
+          <a:lstStyle/>
+          <a:p>
+            <a:r>
+              <a:rPr lang="ja-JP" altLang="en-US" sz="2800" dirty="0" smtClean="0"/>
+              <a:t>コスト</a:t>
+            </a:r>
+            <a:r>
+              <a:rPr lang="ja-JP" altLang="en-US" sz="2800" dirty="0" smtClean="0"/>
+              <a:t>削減</a:t>
+            </a:r>
+            <a:endParaRPr kumimoji="1" lang="ja-JP" altLang="en-US" sz="2800" dirty="0"/>
+          </a:p>
+        </p:txBody>
+      </p:sp>
+      <p:sp>
+        <p:nvSpPr>
+          <p:cNvPr id="8" name="正方形/長方形 7"/>
+          <p:cNvSpPr/>
+          <p:nvPr/>
+        </p:nvSpPr>
+        <p:spPr>
+          <a:xfrm>
+            <a:off x="1546928" y="4911725"/>
+            <a:ext cx="2571550" cy="167832"/>
+          </a:xfrm>
+          <a:prstGeom prst="rect">
+            <a:avLst/>
+          </a:prstGeom>
+          <a:solidFill>
+            <a:srgbClr val="FFCC00">
+              <a:alpha val="66000"/>
+            </a:srgbClr>
+          </a:solidFill>
+          <a:ln>
+            <a:noFill/>
+          </a:ln>
+        </p:spPr>
+        <p:style>
+          <a:lnRef idx="2">
+            <a:schemeClr val="accent1">
+              <a:shade val="50000"/>
+            </a:schemeClr>
+          </a:lnRef>
+          <a:fillRef idx="1">
+            <a:schemeClr val="accent1"/>
+          </a:fillRef>
+          <a:effectRef idx="0">
+            <a:schemeClr val="accent1"/>
+          </a:effectRef>
+          <a:fontRef idx="minor">
+            <a:schemeClr val="lt1"/>
+          </a:fontRef>
+        </p:style>
+        <p:txBody>
+          <a:bodyPr rtlCol="0" anchor="ctr"/>
+          <a:lstStyle/>
+          <a:p>
+            <a:pPr algn="ctr"/>
+            <a:endParaRPr kumimoji="1" lang="ja-JP" altLang="en-US"/>
+          </a:p>
+        </p:txBody>
+      </p:sp>
+      <p:sp>
+        <p:nvSpPr>
+          <p:cNvPr id="6" name="正方形/長方形 5"/>
+          <p:cNvSpPr/>
+          <p:nvPr/>
+        </p:nvSpPr>
+        <p:spPr>
+          <a:xfrm>
+            <a:off x="1097279" y="2649868"/>
+            <a:ext cx="10115204" cy="2492990"/>
+          </a:xfrm>
+          <a:prstGeom prst="rect">
+            <a:avLst/>
+          </a:prstGeom>
+          <a:noFill/>
+        </p:spPr>
+        <p:txBody>
+          <a:bodyPr wrap="square">
+            <a:spAutoFit/>
+          </a:bodyPr>
+          <a:lstStyle/>
+          <a:p>
+            <a:r>
+              <a:rPr lang="ja-JP" altLang="en-US" sz="2400" spc="300" dirty="0"/>
+              <a:t>セルフレジ</a:t>
+            </a:r>
+            <a:r>
+              <a:rPr lang="en-US" altLang="ja-JP" sz="2400" spc="300" dirty="0"/>
+              <a:t>1</a:t>
+            </a:r>
+            <a:r>
+              <a:rPr lang="ja-JP" altLang="en-US" sz="2400" spc="300" dirty="0"/>
+              <a:t>セットを購入するのにかかる値段</a:t>
+            </a:r>
+            <a:endParaRPr lang="en-US" altLang="ja-JP" sz="2400" spc="300" dirty="0"/>
+          </a:p>
+          <a:p>
+            <a:pPr lvl="1"/>
+            <a:r>
+              <a:rPr lang="ja-JP" altLang="en-US" sz="2400" spc="300" smtClean="0"/>
+              <a:t>約</a:t>
+            </a:r>
+            <a:r>
+              <a:rPr lang="en-US" altLang="ja-JP" sz="2400" spc="300" smtClean="0"/>
+              <a:t>1,875,000</a:t>
+            </a:r>
+            <a:r>
+              <a:rPr lang="ja-JP" altLang="en-US" sz="2400" spc="300" smtClean="0"/>
+              <a:t>（登録機）</a:t>
+            </a:r>
+            <a:r>
+              <a:rPr lang="en-US" altLang="ja-JP" sz="2400" spc="300" smtClean="0"/>
+              <a:t>+</a:t>
+            </a:r>
+            <a:r>
+              <a:rPr lang="ja-JP" altLang="en-US" sz="2400" spc="300" smtClean="0"/>
+              <a:t>約</a:t>
+            </a:r>
+            <a:r>
+              <a:rPr lang="en-US" altLang="ja-JP" sz="2400" spc="300" smtClean="0"/>
+              <a:t>2,750,000</a:t>
+            </a:r>
+            <a:r>
+              <a:rPr lang="ja-JP" altLang="en-US" sz="2400" spc="300" smtClean="0"/>
+              <a:t>円（精算機） </a:t>
+            </a:r>
+            <a:r>
+              <a:rPr lang="en-US" altLang="ja-JP" sz="2400" spc="300" smtClean="0"/>
+              <a:t>* 7</a:t>
+            </a:r>
+            <a:r>
+              <a:rPr lang="ja-JP" altLang="en-US" sz="2400" spc="300" smtClean="0"/>
+              <a:t>台 </a:t>
+            </a:r>
+            <a:r>
+              <a:rPr lang="en-US" altLang="ja-JP" sz="2400" spc="300" smtClean="0"/>
+              <a:t>= </a:t>
+            </a:r>
+            <a:r>
+              <a:rPr lang="en-US" altLang="ja-JP" sz="3200" spc="300" smtClean="0"/>
+              <a:t>21,125,000</a:t>
+            </a:r>
+            <a:r>
+              <a:rPr lang="ja-JP" altLang="en-US" sz="3200" spc="300" smtClean="0"/>
+              <a:t>円</a:t>
+            </a:r>
+            <a:endParaRPr lang="en-US" altLang="ja-JP" sz="2400" spc="300" dirty="0"/>
+          </a:p>
+          <a:p>
+            <a:r>
+              <a:rPr lang="en-US" altLang="ja-JP" sz="2400" spc="300" dirty="0"/>
+              <a:t>Web</a:t>
+            </a:r>
+            <a:r>
+              <a:rPr lang="ja-JP" altLang="en-US" sz="2400" spc="300" dirty="0"/>
+              <a:t>カメラを使用し、本システムを導入した場合にかかる機材の費用</a:t>
+            </a:r>
+            <a:endParaRPr lang="en-US" altLang="ja-JP" sz="2400" spc="300" dirty="0"/>
+          </a:p>
+          <a:p>
+            <a:pPr lvl="1"/>
+            <a:r>
+              <a:rPr lang="ja-JP" altLang="en-US" sz="2000" spc="300" smtClean="0"/>
+              <a:t>約</a:t>
+            </a:r>
+            <a:r>
+              <a:rPr lang="en-US" altLang="ja-JP" sz="2000" spc="300" smtClean="0"/>
+              <a:t>150,000</a:t>
+            </a:r>
+            <a:r>
+              <a:rPr lang="ja-JP" altLang="en-US" sz="2000" spc="300" smtClean="0"/>
+              <a:t>（サーバ代）</a:t>
+            </a:r>
+            <a:r>
+              <a:rPr lang="en-US" altLang="ja-JP" sz="2000" spc="300" smtClean="0"/>
+              <a:t>+</a:t>
+            </a:r>
+            <a:r>
+              <a:rPr lang="ja-JP" altLang="en-US" sz="2000" spc="300" smtClean="0"/>
+              <a:t>約</a:t>
+            </a:r>
+            <a:r>
+              <a:rPr lang="en-US" altLang="ja-JP" sz="2000" spc="300" smtClean="0"/>
+              <a:t>9</a:t>
+            </a:r>
+            <a:r>
+              <a:rPr lang="en-US" altLang="ja-JP" sz="2000" spc="300"/>
+              <a:t>,</a:t>
+            </a:r>
+            <a:r>
+              <a:rPr lang="en-US" altLang="ja-JP" sz="2000" spc="300" smtClean="0"/>
+              <a:t>200</a:t>
+            </a:r>
+            <a:r>
+              <a:rPr lang="ja-JP" altLang="en-US" sz="2000" spc="300" smtClean="0"/>
+              <a:t>円（周辺機器） </a:t>
+            </a:r>
+            <a:r>
+              <a:rPr lang="en-US" altLang="ja-JP" sz="2000" spc="300" smtClean="0"/>
+              <a:t>* 90</a:t>
+            </a:r>
+            <a:r>
+              <a:rPr lang="ja-JP" altLang="en-US" sz="2000" spc="300" dirty="0" smtClean="0"/>
+              <a:t>個（カゴの個数） </a:t>
+            </a:r>
+            <a:r>
+              <a:rPr lang="en-US" altLang="ja-JP" sz="2000" spc="300"/>
+              <a:t>= </a:t>
+            </a:r>
+            <a:r>
+              <a:rPr lang="en-US" altLang="ja-JP" sz="3200" spc="300" smtClean="0"/>
+              <a:t>978,000</a:t>
+            </a:r>
+            <a:r>
+              <a:rPr lang="ja-JP" altLang="en-US" sz="3200" spc="300" smtClean="0"/>
+              <a:t>円</a:t>
+            </a:r>
+            <a:endParaRPr lang="en-US" altLang="ja-JP" sz="2400" spc="300" dirty="0"/>
           </a:p>
         </p:txBody>
       </p:sp>
     </p:spTree>
     <p:extLst>
       <p:ext uri="{BB962C8B-B14F-4D97-AF65-F5344CB8AC3E}">
-        <p14:creationId xmlns:p14="http://schemas.microsoft.com/office/powerpoint/2010/main" val="2591448715"/>
+        <p14:creationId xmlns:p14="http://schemas.microsoft.com/office/powerpoint/2010/main" val="1330612530"/>
       </p:ext>
     </p:extLst>
   </p:cSld>
@@ -19315,54 +21033,6 @@
       </p:grpSpPr>
       <p:sp>
         <p:nvSpPr>
-          <p:cNvPr id="4" name="正方形/長方形 3"/>
-          <p:cNvSpPr/>
-          <p:nvPr/>
-        </p:nvSpPr>
-        <p:spPr>
-          <a:xfrm>
-            <a:off x="1546928" y="3770714"/>
-            <a:ext cx="2791326" cy="188967"/>
-          </a:xfrm>
-          <a:prstGeom prst="rect">
-            <a:avLst/>
-          </a:prstGeom>
-          <a:solidFill>
-            <a:srgbClr val="FFCC00">
-              <a:alpha val="66000"/>
-            </a:srgbClr>
-          </a:solidFill>
-          <a:ln>
-            <a:noFill/>
-          </a:ln>
-        </p:spPr>
-        <p:style>
-          <a:lnRef idx="2">
-            <a:schemeClr val="accent1">
-              <a:shade val="50000"/>
-            </a:schemeClr>
-          </a:lnRef>
-          <a:fillRef idx="1">
-            <a:schemeClr val="accent1"/>
-          </a:fillRef>
-          <a:effectRef idx="0">
-            <a:schemeClr val="accent1"/>
-          </a:effectRef>
-          <a:fontRef idx="minor">
-            <a:schemeClr val="lt1"/>
-          </a:fontRef>
-        </p:style>
-        <p:txBody>
-          <a:bodyPr rtlCol="0" anchor="ctr"/>
-          <a:lstStyle/>
-          <a:p>
-            <a:pPr algn="ctr"/>
-            <a:endParaRPr kumimoji="1" lang="ja-JP" altLang="en-US"/>
-          </a:p>
-        </p:txBody>
-      </p:sp>
-      <p:sp>
-        <p:nvSpPr>
           <p:cNvPr id="2" name="タイトル 1"/>
           <p:cNvSpPr>
             <a:spLocks noGrp="1"/>
@@ -19377,24 +21047,41 @@
           <a:lstStyle/>
           <a:p>
             <a:r>
-              <a:rPr lang="ja-JP" altLang="en-US" dirty="0" smtClean="0"/>
-              <a:t>メリット</a:t>
-            </a:r>
-            <a:r>
-              <a:rPr lang="ja-JP" altLang="en-US" dirty="0"/>
-              <a:t>・</a:t>
-            </a:r>
-            <a:r>
-              <a:rPr lang="ja-JP" altLang="en-US" dirty="0" smtClean="0"/>
-              <a:t>効果</a:t>
-            </a:r>
-            <a:endParaRPr kumimoji="1" lang="ja-JP" altLang="en-US" dirty="0"/>
+              <a:rPr kumimoji="1" lang="ja-JP" altLang="en-US" smtClean="0"/>
+              <a:t>まとめ</a:t>
+            </a:r>
+            <a:endParaRPr kumimoji="1" lang="ja-JP" altLang="en-US"/>
           </a:p>
         </p:txBody>
       </p:sp>
-      <p:sp>
-        <p:nvSpPr>
-          <p:cNvPr id="3" name="スライド番号プレースホルダー 2"/>
+      <p:graphicFrame>
+        <p:nvGraphicFramePr>
+          <p:cNvPr id="5" name="コンテンツ プレースホルダー 4"/>
+          <p:cNvGraphicFramePr>
+            <a:graphicFrameLocks noGrp="1"/>
+          </p:cNvGraphicFramePr>
+          <p:nvPr>
+            <p:ph idx="1"/>
+            <p:extLst>
+              <p:ext uri="{D42A27DB-BD31-4B8C-83A1-F6EECF244321}">
+                <p14:modId xmlns:p14="http://schemas.microsoft.com/office/powerpoint/2010/main" val="423822534"/>
+              </p:ext>
+            </p:extLst>
+          </p:nvPr>
+        </p:nvGraphicFramePr>
+        <p:xfrm>
+          <a:off x="1096963" y="1846263"/>
+          <a:ext cx="10058400" cy="4022725"/>
+        </p:xfrm>
+        <a:graphic>
+          <a:graphicData uri="http://schemas.openxmlformats.org/drawingml/2006/diagram">
+            <dgm:relIds xmlns:dgm="http://schemas.openxmlformats.org/drawingml/2006/diagram" xmlns:r="http://schemas.openxmlformats.org/officeDocument/2006/relationships" r:dm="rId3" r:lo="rId4" r:qs="rId5" r:cs="rId6"/>
+          </a:graphicData>
+        </a:graphic>
+      </p:graphicFrame>
+      <p:sp>
+        <p:nvSpPr>
+          <p:cNvPr id="4" name="スライド番号プレースホルダー 3"/>
           <p:cNvSpPr>
             <a:spLocks noGrp="1"/>
           </p:cNvSpPr>
@@ -19408,310 +21095,18 @@
           <a:lstStyle/>
           <a:p>
             <a:fld id="{3C3988C9-8C6C-49D7-8D82-24DA391FB063}" type="slidenum">
-              <a:rPr kumimoji="1" lang="ja-JP" altLang="en-US" sz="3200" smtClean="0"/>
+              <a:rPr lang="ja-JP" altLang="en-US" smtClean="0"/>
+              <a:pPr/>
               <a:t>29</a:t>
             </a:fld>
-            <a:endParaRPr kumimoji="1" lang="ja-JP" altLang="en-US" sz="3200"/>
-          </a:p>
-        </p:txBody>
-      </p:sp>
-      <p:sp>
-        <p:nvSpPr>
-          <p:cNvPr id="5" name="テキスト ボックス 4"/>
-          <p:cNvSpPr txBox="1"/>
-          <p:nvPr/>
-        </p:nvSpPr>
-        <p:spPr>
-          <a:xfrm>
-            <a:off x="1097279" y="1865807"/>
-            <a:ext cx="2723950" cy="523220"/>
-          </a:xfrm>
-          <a:prstGeom prst="rect">
-            <a:avLst/>
-          </a:prstGeom>
-          <a:solidFill>
-            <a:schemeClr val="bg1">
-              <a:lumMod val="95000"/>
-            </a:schemeClr>
-          </a:solidFill>
-        </p:spPr>
-        <p:txBody>
-          <a:bodyPr wrap="square" rtlCol="0">
-            <a:spAutoFit/>
-          </a:bodyPr>
-          <a:lstStyle/>
-          <a:p>
-            <a:r>
-              <a:rPr lang="ja-JP" altLang="en-US" sz="2800" smtClean="0"/>
-              <a:t>店側</a:t>
-            </a:r>
-            <a:r>
-              <a:rPr lang="ja-JP" altLang="en-US" sz="2800" dirty="0"/>
-              <a:t>：</a:t>
-            </a:r>
-            <a:r>
-              <a:rPr lang="ja-JP" altLang="en-US" sz="2800" smtClean="0"/>
-              <a:t>コスト</a:t>
-            </a:r>
-            <a:r>
-              <a:rPr lang="ja-JP" altLang="en-US" sz="2800" dirty="0" smtClean="0"/>
-              <a:t>削減</a:t>
-            </a:r>
-            <a:endParaRPr kumimoji="1" lang="ja-JP" altLang="en-US" sz="2800" dirty="0"/>
-          </a:p>
-        </p:txBody>
-      </p:sp>
-      <p:sp>
-        <p:nvSpPr>
-          <p:cNvPr id="7" name="テキスト ボックス 6"/>
-          <p:cNvSpPr txBox="1"/>
-          <p:nvPr/>
-        </p:nvSpPr>
-        <p:spPr>
-          <a:xfrm>
-            <a:off x="1097278" y="5341367"/>
-            <a:ext cx="3355521" cy="523220"/>
-          </a:xfrm>
-          <a:prstGeom prst="rect">
-            <a:avLst/>
-          </a:prstGeom>
-          <a:solidFill>
-            <a:schemeClr val="bg1">
-              <a:lumMod val="95000"/>
-            </a:schemeClr>
-          </a:solidFill>
-        </p:spPr>
-        <p:txBody>
-          <a:bodyPr wrap="square" rtlCol="0">
-            <a:spAutoFit/>
-          </a:bodyPr>
-          <a:lstStyle/>
-          <a:p>
-            <a:r>
-              <a:rPr lang="ja-JP" altLang="en-US" sz="2800" smtClean="0"/>
-              <a:t>ユーザ：時間</a:t>
-            </a:r>
-            <a:r>
-              <a:rPr lang="ja-JP" altLang="en-US" sz="2800" dirty="0" smtClean="0"/>
-              <a:t>の短縮</a:t>
-            </a:r>
-            <a:endParaRPr kumimoji="1" lang="ja-JP" altLang="en-US" sz="2800" dirty="0"/>
-          </a:p>
-        </p:txBody>
-      </p:sp>
-      <p:sp>
-        <p:nvSpPr>
-          <p:cNvPr id="8" name="正方形/長方形 7"/>
-          <p:cNvSpPr/>
-          <p:nvPr/>
-        </p:nvSpPr>
-        <p:spPr>
-          <a:xfrm>
-            <a:off x="1546928" y="4911725"/>
-            <a:ext cx="2571550" cy="167832"/>
-          </a:xfrm>
-          <a:prstGeom prst="rect">
-            <a:avLst/>
-          </a:prstGeom>
-          <a:solidFill>
-            <a:srgbClr val="FFCC00">
-              <a:alpha val="66000"/>
-            </a:srgbClr>
-          </a:solidFill>
-          <a:ln>
-            <a:noFill/>
-          </a:ln>
-        </p:spPr>
-        <p:style>
-          <a:lnRef idx="2">
-            <a:schemeClr val="accent1">
-              <a:shade val="50000"/>
-            </a:schemeClr>
-          </a:lnRef>
-          <a:fillRef idx="1">
-            <a:schemeClr val="accent1"/>
-          </a:fillRef>
-          <a:effectRef idx="0">
-            <a:schemeClr val="accent1"/>
-          </a:effectRef>
-          <a:fontRef idx="minor">
-            <a:schemeClr val="lt1"/>
-          </a:fontRef>
-        </p:style>
-        <p:txBody>
-          <a:bodyPr rtlCol="0" anchor="ctr"/>
-          <a:lstStyle/>
-          <a:p>
-            <a:pPr algn="ctr"/>
-            <a:endParaRPr kumimoji="1" lang="ja-JP" altLang="en-US"/>
-          </a:p>
-        </p:txBody>
-      </p:sp>
-      <p:sp>
-        <p:nvSpPr>
-          <p:cNvPr id="6" name="正方形/長方形 5"/>
-          <p:cNvSpPr/>
-          <p:nvPr/>
-        </p:nvSpPr>
-        <p:spPr>
-          <a:xfrm>
-            <a:off x="1097279" y="2649868"/>
-            <a:ext cx="10115204" cy="2492990"/>
-          </a:xfrm>
-          <a:prstGeom prst="rect">
-            <a:avLst/>
-          </a:prstGeom>
-          <a:noFill/>
-        </p:spPr>
-        <p:txBody>
-          <a:bodyPr wrap="square">
-            <a:spAutoFit/>
-          </a:bodyPr>
-          <a:lstStyle/>
-          <a:p>
-            <a:r>
-              <a:rPr lang="ja-JP" altLang="en-US" sz="2400" spc="300" dirty="0"/>
-              <a:t>セルフレジ</a:t>
-            </a:r>
-            <a:r>
-              <a:rPr lang="en-US" altLang="ja-JP" sz="2400" spc="300" dirty="0"/>
-              <a:t>1</a:t>
-            </a:r>
-            <a:r>
-              <a:rPr lang="ja-JP" altLang="en-US" sz="2400" spc="300" dirty="0"/>
-              <a:t>セットを購入するのにかかる値段</a:t>
-            </a:r>
-            <a:endParaRPr lang="en-US" altLang="ja-JP" sz="2400" spc="300" dirty="0"/>
-          </a:p>
-          <a:p>
-            <a:pPr lvl="1"/>
-            <a:r>
-              <a:rPr lang="ja-JP" altLang="en-US" sz="2400" spc="300" smtClean="0"/>
-              <a:t>約</a:t>
-            </a:r>
-            <a:r>
-              <a:rPr lang="en-US" altLang="ja-JP" sz="2400" spc="300" smtClean="0"/>
-              <a:t>1,875,000</a:t>
-            </a:r>
-            <a:r>
-              <a:rPr lang="ja-JP" altLang="en-US" sz="2400" spc="300" smtClean="0"/>
-              <a:t>（登録機）</a:t>
-            </a:r>
-            <a:r>
-              <a:rPr lang="en-US" altLang="ja-JP" sz="2400" spc="300" smtClean="0"/>
-              <a:t>+</a:t>
-            </a:r>
-            <a:r>
-              <a:rPr lang="ja-JP" altLang="en-US" sz="2400" spc="300" smtClean="0"/>
-              <a:t>約</a:t>
-            </a:r>
-            <a:r>
-              <a:rPr lang="en-US" altLang="ja-JP" sz="2400" spc="300" smtClean="0"/>
-              <a:t>2,750,000</a:t>
-            </a:r>
-            <a:r>
-              <a:rPr lang="ja-JP" altLang="en-US" sz="2400" spc="300" smtClean="0"/>
-              <a:t>円（精算機） </a:t>
-            </a:r>
-            <a:r>
-              <a:rPr lang="en-US" altLang="ja-JP" sz="2400" spc="300" smtClean="0"/>
-              <a:t>* 7</a:t>
-            </a:r>
-            <a:r>
-              <a:rPr lang="ja-JP" altLang="en-US" sz="2400" spc="300" smtClean="0"/>
-              <a:t>台 </a:t>
-            </a:r>
-            <a:r>
-              <a:rPr lang="en-US" altLang="ja-JP" sz="2400" spc="300" smtClean="0"/>
-              <a:t>= </a:t>
-            </a:r>
-            <a:r>
-              <a:rPr lang="en-US" altLang="ja-JP" sz="3200" spc="300" smtClean="0"/>
-              <a:t>21,125,000</a:t>
-            </a:r>
-            <a:r>
-              <a:rPr lang="ja-JP" altLang="en-US" sz="3200" spc="300" smtClean="0"/>
-              <a:t>円</a:t>
-            </a:r>
-            <a:endParaRPr lang="en-US" altLang="ja-JP" sz="2400" spc="300" dirty="0"/>
-          </a:p>
-          <a:p>
-            <a:r>
-              <a:rPr lang="en-US" altLang="ja-JP" sz="2400" spc="300" dirty="0"/>
-              <a:t>Web</a:t>
-            </a:r>
-            <a:r>
-              <a:rPr lang="ja-JP" altLang="en-US" sz="2400" spc="300" dirty="0"/>
-              <a:t>カメラを使用し、本システムを導入した場合にかかる機材の費用</a:t>
-            </a:r>
-            <a:endParaRPr lang="en-US" altLang="ja-JP" sz="2400" spc="300" dirty="0"/>
-          </a:p>
-          <a:p>
-            <a:pPr lvl="1"/>
-            <a:r>
-              <a:rPr lang="ja-JP" altLang="en-US" sz="2000" spc="300" smtClean="0"/>
-              <a:t>約</a:t>
-            </a:r>
-            <a:r>
-              <a:rPr lang="en-US" altLang="ja-JP" sz="2000" spc="300" smtClean="0"/>
-              <a:t>150,000</a:t>
-            </a:r>
-            <a:r>
-              <a:rPr lang="ja-JP" altLang="en-US" sz="2000" spc="300" smtClean="0"/>
-              <a:t>（サーバ代）</a:t>
-            </a:r>
-            <a:r>
-              <a:rPr lang="en-US" altLang="ja-JP" sz="2000" spc="300" smtClean="0"/>
-              <a:t>+</a:t>
-            </a:r>
-            <a:r>
-              <a:rPr lang="ja-JP" altLang="en-US" sz="2000" spc="300" smtClean="0"/>
-              <a:t>約</a:t>
-            </a:r>
-            <a:r>
-              <a:rPr lang="en-US" altLang="ja-JP" sz="2000" spc="300" smtClean="0"/>
-              <a:t>9</a:t>
-            </a:r>
-            <a:r>
-              <a:rPr lang="en-US" altLang="ja-JP" sz="2000" spc="300"/>
-              <a:t>,</a:t>
-            </a:r>
-            <a:r>
-              <a:rPr lang="en-US" altLang="ja-JP" sz="2000" spc="300" smtClean="0"/>
-              <a:t>200</a:t>
-            </a:r>
-            <a:r>
-              <a:rPr lang="ja-JP" altLang="en-US" sz="2000" spc="300" smtClean="0"/>
-              <a:t>円（周辺機器） </a:t>
-            </a:r>
-            <a:r>
-              <a:rPr lang="en-US" altLang="ja-JP" sz="2000" spc="300" smtClean="0"/>
-              <a:t>* 90</a:t>
-            </a:r>
-            <a:r>
-              <a:rPr lang="ja-JP" altLang="en-US" sz="2000" spc="300" dirty="0" smtClean="0"/>
-              <a:t>個（カゴの個数） </a:t>
-            </a:r>
-            <a:r>
-              <a:rPr lang="en-US" altLang="ja-JP" sz="2000" spc="300"/>
-              <a:t>= </a:t>
-            </a:r>
-            <a:r>
-              <a:rPr lang="en-US" altLang="ja-JP" sz="3200" spc="300" smtClean="0"/>
-              <a:t>978,000</a:t>
-            </a:r>
-            <a:r>
-              <a:rPr lang="ja-JP" altLang="en-US" sz="3200" spc="300" smtClean="0"/>
-              <a:t>円</a:t>
-            </a:r>
-            <a:endParaRPr lang="en-US" altLang="ja-JP" sz="2400" spc="300" dirty="0"/>
+            <a:endParaRPr lang="ja-JP" altLang="en-US"/>
           </a:p>
         </p:txBody>
       </p:sp>
     </p:spTree>
     <p:extLst>
       <p:ext uri="{BB962C8B-B14F-4D97-AF65-F5344CB8AC3E}">
-        <p14:creationId xmlns:p14="http://schemas.microsoft.com/office/powerpoint/2010/main" val="1330612530"/>
+        <p14:creationId xmlns:p14="http://schemas.microsoft.com/office/powerpoint/2010/main" val="2591448715"/>
       </p:ext>
     </p:extLst>
   </p:cSld>
@@ -23844,11 +25239,7 @@
           <a:p>
             <a:r>
               <a:rPr kumimoji="1" lang="ja-JP" altLang="en-US" smtClean="0"/>
-              <a:t>段</a:t>
-            </a:r>
-            <a:r>
-              <a:rPr kumimoji="1" lang="ja-JP" altLang="en-US" smtClean="0"/>
-              <a:t>原</a:t>
+              <a:t>段原</a:t>
             </a:r>
             <a:endParaRPr kumimoji="1" lang="en-US" altLang="ja-JP" smtClean="0"/>
           </a:p>
@@ -23970,11 +25361,7 @@
           <a:p>
             <a:r>
               <a:rPr kumimoji="1" lang="ja-JP" altLang="en-US" smtClean="0"/>
-              <a:t>段</a:t>
-            </a:r>
-            <a:r>
-              <a:rPr kumimoji="1" lang="ja-JP" altLang="en-US" smtClean="0"/>
-              <a:t>原（サーバ側）</a:t>
+              <a:t>段原（サーバ側）</a:t>
             </a:r>
             <a:endParaRPr kumimoji="1" lang="ja-JP" altLang="en-US"/>
           </a:p>
